--- a/GO-Micro-Resources-Application.pptx
+++ b/GO-Micro-Resources-Application.pptx
@@ -5,14 +5,16 @@
     <p:sldMasterId id="2147483648" r:id="rId1"/>
   </p:sldMasterIdLst>
   <p:notesMasterIdLst>
-    <p:notesMasterId r:id="rId7"/>
+    <p:notesMasterId r:id="rId9"/>
   </p:notesMasterIdLst>
   <p:sldIdLst>
     <p:sldId id="256" r:id="rId2"/>
     <p:sldId id="259" r:id="rId3"/>
-    <p:sldId id="260" r:id="rId4"/>
-    <p:sldId id="257" r:id="rId5"/>
-    <p:sldId id="258" r:id="rId6"/>
+    <p:sldId id="261" r:id="rId4"/>
+    <p:sldId id="262" r:id="rId5"/>
+    <p:sldId id="260" r:id="rId6"/>
+    <p:sldId id="257" r:id="rId7"/>
+    <p:sldId id="258" r:id="rId8"/>
   </p:sldIdLst>
   <p:sldSz cx="12192000" cy="6858000"/>
   <p:notesSz cx="6858000" cy="9144000"/>
@@ -201,7 +203,7 @@
           <a:p>
             <a:fld id="{6654DD35-044D-4B8D-A710-CCBCF59BFE70}" type="datetimeFigureOut">
               <a:rPr lang="en-US" smtClean="0"/>
-              <a:t>10/5/2022</a:t>
+              <a:t>10/6/2022</a:t>
             </a:fld>
             <a:endParaRPr lang="en-US"/>
           </a:p>
@@ -512,62 +514,7 @@
           <a:bodyPr/>
           <a:lstStyle/>
           <a:p>
-            <a:r>
-              <a:rPr lang="en-US" dirty="0"/>
-              <a:t>Relational A &amp; P – relational adapter and provider</a:t>
-            </a:r>
-          </a:p>
-          <a:p>
-            <a:r>
-              <a:rPr lang="en-US" dirty="0"/>
-              <a:t>Client Exchange Access Log – Receives streaming access log information from Envoy, converts to Access Log, and streams to AWS. Application health probes are converted to Access Log and streamed to AWS.</a:t>
-            </a:r>
-          </a:p>
-          <a:p>
-            <a:r>
-              <a:rPr lang="en-US" dirty="0"/>
-              <a:t>Client Exchange Profile – GO application profile requests are streamed to AWS</a:t>
-            </a:r>
-          </a:p>
-          <a:p>
-            <a:r>
-              <a:rPr lang="en-US" dirty="0"/>
-              <a:t>Client Exchange Prometheus – Application Prometheus requests are streamed to AWS</a:t>
-            </a:r>
-          </a:p>
-          <a:p>
-            <a:r>
-              <a:rPr lang="en-US" dirty="0"/>
-              <a:t>Metric Ingress – incoming streaming requests are forwarded to Timeseries, </a:t>
-            </a:r>
-            <a:r>
-              <a:rPr lang="en-US" dirty="0" err="1"/>
-              <a:t>Promscale</a:t>
-            </a:r>
-            <a:r>
-              <a:rPr lang="en-US" dirty="0"/>
-              <a:t>, </a:t>
-            </a:r>
-            <a:r>
-              <a:rPr lang="en-US" dirty="0" err="1"/>
-              <a:t>ElasticSearch</a:t>
-            </a:r>
-            <a:r>
-              <a:rPr lang="en-US" dirty="0"/>
-              <a:t> </a:t>
-            </a:r>
-          </a:p>
-          <a:p>
-            <a:r>
-              <a:rPr lang="en-US" dirty="0"/>
-              <a:t>Timeseries – PostgreSQL ingest of Access Log and Profile timeseries data</a:t>
-            </a:r>
-          </a:p>
-          <a:p>
-            <a:r>
-              <a:rPr lang="en-US" dirty="0"/>
-              <a:t>Timeseries – Relational adapter functionality provides interaction with database objects  </a:t>
-            </a:r>
+            <a:endParaRPr lang="en-US" dirty="0"/>
           </a:p>
         </p:txBody>
       </p:sp>
@@ -588,7 +535,7 @@
           <a:p>
             <a:fld id="{A221C571-5782-4D6E-83CF-D2E734C80146}" type="slidenum">
               <a:rPr lang="en-US" smtClean="0"/>
-              <a:t>4</a:t>
+              <a:t>2</a:t>
             </a:fld>
             <a:endParaRPr lang="en-US"/>
           </a:p>
@@ -597,7 +544,7 @@
     </p:spTree>
     <p:extLst>
       <p:ext uri="{BB962C8B-B14F-4D97-AF65-F5344CB8AC3E}">
-        <p14:creationId xmlns:p14="http://schemas.microsoft.com/office/powerpoint/2010/main" val="3834585052"/>
+        <p14:creationId xmlns:p14="http://schemas.microsoft.com/office/powerpoint/2010/main" val="1391127056"/>
       </p:ext>
     </p:extLst>
   </p:cSld>
@@ -653,7 +600,59 @@
           <a:p>
             <a:r>
               <a:rPr lang="en-US" dirty="0"/>
-              <a:t>  </a:t>
+              <a:t>Relational A &amp; P – relational adapter and provider</a:t>
+            </a:r>
+          </a:p>
+          <a:p>
+            <a:r>
+              <a:rPr lang="en-US" dirty="0"/>
+              <a:t>Client Exchange Access Log – Receives streaming access log information from Envoy, converts to Access Log, and streams to AWS. Application health probes are converted to Access Log and streamed to AWS.</a:t>
+            </a:r>
+          </a:p>
+          <a:p>
+            <a:r>
+              <a:rPr lang="en-US" dirty="0"/>
+              <a:t>Client Exchange Profile – GO application profile requests are streamed to AWS</a:t>
+            </a:r>
+          </a:p>
+          <a:p>
+            <a:r>
+              <a:rPr lang="en-US" dirty="0"/>
+              <a:t>Client Exchange Prometheus – Application Prometheus requests are streamed to AWS</a:t>
+            </a:r>
+          </a:p>
+          <a:p>
+            <a:r>
+              <a:rPr lang="en-US" dirty="0"/>
+              <a:t>Metric Ingress – incoming streaming requests are forwarded to Timeseries, </a:t>
+            </a:r>
+            <a:r>
+              <a:rPr lang="en-US" dirty="0" err="1"/>
+              <a:t>Promscale</a:t>
+            </a:r>
+            <a:r>
+              <a:rPr lang="en-US" dirty="0"/>
+              <a:t>, </a:t>
+            </a:r>
+            <a:r>
+              <a:rPr lang="en-US" dirty="0" err="1"/>
+              <a:t>ElasticSearch</a:t>
+            </a:r>
+            <a:r>
+              <a:rPr lang="en-US" dirty="0"/>
+              <a:t> </a:t>
+            </a:r>
+          </a:p>
+          <a:p>
+            <a:r>
+              <a:rPr lang="en-US" dirty="0"/>
+              <a:t>Timeseries – PostgreSQL ingest of Access Log and Profile timeseries data</a:t>
+            </a:r>
+          </a:p>
+          <a:p>
+            <a:r>
+              <a:rPr lang="en-US" dirty="0"/>
+              <a:t>Timeseries – Relational adapter functionality provides interaction with database objects  </a:t>
             </a:r>
           </a:p>
         </p:txBody>
@@ -675,7 +674,94 @@
           <a:p>
             <a:fld id="{A221C571-5782-4D6E-83CF-D2E734C80146}" type="slidenum">
               <a:rPr lang="en-US" smtClean="0"/>
-              <a:t>5</a:t>
+              <a:t>6</a:t>
+            </a:fld>
+            <a:endParaRPr lang="en-US"/>
+          </a:p>
+        </p:txBody>
+      </p:sp>
+    </p:spTree>
+    <p:extLst>
+      <p:ext uri="{BB962C8B-B14F-4D97-AF65-F5344CB8AC3E}">
+        <p14:creationId xmlns:p14="http://schemas.microsoft.com/office/powerpoint/2010/main" val="3834585052"/>
+      </p:ext>
+    </p:extLst>
+  </p:cSld>
+  <p:clrMapOvr>
+    <a:masterClrMapping/>
+  </p:clrMapOvr>
+</p:notes>
+</file>
+
+<file path=ppt/notesSlides/notesSlide3.xml><?xml version="1.0" encoding="utf-8"?>
+<p:notes xmlns:a="http://schemas.openxmlformats.org/drawingml/2006/main" xmlns:r="http://schemas.openxmlformats.org/officeDocument/2006/relationships" xmlns:p="http://schemas.openxmlformats.org/presentationml/2006/main">
+  <p:cSld>
+    <p:spTree>
+      <p:nvGrpSpPr>
+        <p:cNvPr id="1" name=""/>
+        <p:cNvGrpSpPr/>
+        <p:nvPr/>
+      </p:nvGrpSpPr>
+      <p:grpSpPr>
+        <a:xfrm>
+          <a:off x="0" y="0"/>
+          <a:ext cx="0" cy="0"/>
+          <a:chOff x="0" y="0"/>
+          <a:chExt cx="0" cy="0"/>
+        </a:xfrm>
+      </p:grpSpPr>
+      <p:sp>
+        <p:nvSpPr>
+          <p:cNvPr id="2" name="Slide Image Placeholder 1"/>
+          <p:cNvSpPr>
+            <a:spLocks noGrp="1" noRot="1" noChangeAspect="1"/>
+          </p:cNvSpPr>
+          <p:nvPr>
+            <p:ph type="sldImg"/>
+          </p:nvPr>
+        </p:nvSpPr>
+        <p:spPr/>
+      </p:sp>
+      <p:sp>
+        <p:nvSpPr>
+          <p:cNvPr id="3" name="Notes Placeholder 2"/>
+          <p:cNvSpPr>
+            <a:spLocks noGrp="1"/>
+          </p:cNvSpPr>
+          <p:nvPr>
+            <p:ph type="body" idx="1"/>
+          </p:nvPr>
+        </p:nvSpPr>
+        <p:spPr/>
+        <p:txBody>
+          <a:bodyPr/>
+          <a:lstStyle/>
+          <a:p>
+            <a:r>
+              <a:rPr lang="en-US" dirty="0"/>
+              <a:t>  </a:t>
+            </a:r>
+          </a:p>
+        </p:txBody>
+      </p:sp>
+      <p:sp>
+        <p:nvSpPr>
+          <p:cNvPr id="4" name="Slide Number Placeholder 3"/>
+          <p:cNvSpPr>
+            <a:spLocks noGrp="1"/>
+          </p:cNvSpPr>
+          <p:nvPr>
+            <p:ph type="sldNum" sz="quarter" idx="5"/>
+          </p:nvPr>
+        </p:nvSpPr>
+        <p:spPr/>
+        <p:txBody>
+          <a:bodyPr/>
+          <a:lstStyle/>
+          <a:p>
+            <a:fld id="{A221C571-5782-4D6E-83CF-D2E734C80146}" type="slidenum">
+              <a:rPr lang="en-US" smtClean="0"/>
+              <a:t>7</a:t>
             </a:fld>
             <a:endParaRPr lang="en-US"/>
           </a:p>
@@ -841,7 +927,7 @@
           <a:p>
             <a:fld id="{F660A876-BC87-4437-814E-273415F1FA84}" type="datetimeFigureOut">
               <a:rPr lang="en-US" smtClean="0"/>
-              <a:t>10/5/2022</a:t>
+              <a:t>10/6/2022</a:t>
             </a:fld>
             <a:endParaRPr lang="en-US"/>
           </a:p>
@@ -1039,7 +1125,7 @@
           <a:p>
             <a:fld id="{F660A876-BC87-4437-814E-273415F1FA84}" type="datetimeFigureOut">
               <a:rPr lang="en-US" smtClean="0"/>
-              <a:t>10/5/2022</a:t>
+              <a:t>10/6/2022</a:t>
             </a:fld>
             <a:endParaRPr lang="en-US"/>
           </a:p>
@@ -1247,7 +1333,7 @@
           <a:p>
             <a:fld id="{F660A876-BC87-4437-814E-273415F1FA84}" type="datetimeFigureOut">
               <a:rPr lang="en-US" smtClean="0"/>
-              <a:t>10/5/2022</a:t>
+              <a:t>10/6/2022</a:t>
             </a:fld>
             <a:endParaRPr lang="en-US"/>
           </a:p>
@@ -1445,7 +1531,7 @@
           <a:p>
             <a:fld id="{F660A876-BC87-4437-814E-273415F1FA84}" type="datetimeFigureOut">
               <a:rPr lang="en-US" smtClean="0"/>
-              <a:t>10/5/2022</a:t>
+              <a:t>10/6/2022</a:t>
             </a:fld>
             <a:endParaRPr lang="en-US"/>
           </a:p>
@@ -1720,7 +1806,7 @@
           <a:p>
             <a:fld id="{F660A876-BC87-4437-814E-273415F1FA84}" type="datetimeFigureOut">
               <a:rPr lang="en-US" smtClean="0"/>
-              <a:t>10/5/2022</a:t>
+              <a:t>10/6/2022</a:t>
             </a:fld>
             <a:endParaRPr lang="en-US"/>
           </a:p>
@@ -1985,7 +2071,7 @@
           <a:p>
             <a:fld id="{F660A876-BC87-4437-814E-273415F1FA84}" type="datetimeFigureOut">
               <a:rPr lang="en-US" smtClean="0"/>
-              <a:t>10/5/2022</a:t>
+              <a:t>10/6/2022</a:t>
             </a:fld>
             <a:endParaRPr lang="en-US"/>
           </a:p>
@@ -2397,7 +2483,7 @@
           <a:p>
             <a:fld id="{F660A876-BC87-4437-814E-273415F1FA84}" type="datetimeFigureOut">
               <a:rPr lang="en-US" smtClean="0"/>
-              <a:t>10/5/2022</a:t>
+              <a:t>10/6/2022</a:t>
             </a:fld>
             <a:endParaRPr lang="en-US"/>
           </a:p>
@@ -2538,7 +2624,7 @@
           <a:p>
             <a:fld id="{F660A876-BC87-4437-814E-273415F1FA84}" type="datetimeFigureOut">
               <a:rPr lang="en-US" smtClean="0"/>
-              <a:t>10/5/2022</a:t>
+              <a:t>10/6/2022</a:t>
             </a:fld>
             <a:endParaRPr lang="en-US"/>
           </a:p>
@@ -2651,7 +2737,7 @@
           <a:p>
             <a:fld id="{F660A876-BC87-4437-814E-273415F1FA84}" type="datetimeFigureOut">
               <a:rPr lang="en-US" smtClean="0"/>
-              <a:t>10/5/2022</a:t>
+              <a:t>10/6/2022</a:t>
             </a:fld>
             <a:endParaRPr lang="en-US"/>
           </a:p>
@@ -2962,7 +3048,7 @@
           <a:p>
             <a:fld id="{F660A876-BC87-4437-814E-273415F1FA84}" type="datetimeFigureOut">
               <a:rPr lang="en-US" smtClean="0"/>
-              <a:t>10/5/2022</a:t>
+              <a:t>10/6/2022</a:t>
             </a:fld>
             <a:endParaRPr lang="en-US"/>
           </a:p>
@@ -3250,7 +3336,7 @@
           <a:p>
             <a:fld id="{F660A876-BC87-4437-814E-273415F1FA84}" type="datetimeFigureOut">
               <a:rPr lang="en-US" smtClean="0"/>
-              <a:t>10/5/2022</a:t>
+              <a:t>10/6/2022</a:t>
             </a:fld>
             <a:endParaRPr lang="en-US"/>
           </a:p>
@@ -3491,7 +3577,7 @@
           <a:p>
             <a:fld id="{F660A876-BC87-4437-814E-273415F1FA84}" type="datetimeFigureOut">
               <a:rPr lang="en-US" smtClean="0"/>
-              <a:t>10/5/2022</a:t>
+              <a:t>10/6/2022</a:t>
             </a:fld>
             <a:endParaRPr lang="en-US"/>
           </a:p>
@@ -4020,16 +4106,12 @@
           <a:lstStyle/>
           <a:p>
             <a:r>
-              <a:rPr lang="en-US" sz="4000" dirty="0"/>
-              <a:t>Application </a:t>
-            </a:r>
-            <a:r>
               <a:rPr lang="en-US" sz="4000" dirty="0" err="1"/>
               <a:t>Leggos</a:t>
             </a:r>
             <a:r>
               <a:rPr lang="en-US" sz="4000" dirty="0"/>
-              <a:t>®</a:t>
+              <a:t>® - Common</a:t>
             </a:r>
           </a:p>
         </p:txBody>
@@ -4048,8 +4130,8 @@
         </p:nvSpPr>
         <p:spPr>
           <a:xfrm>
-            <a:off x="289367" y="809331"/>
-            <a:ext cx="1886101" cy="344880"/>
+            <a:off x="829127" y="3477331"/>
+            <a:ext cx="2276411" cy="355876"/>
           </a:xfrm>
           <a:prstGeom prst="rect">
             <a:avLst/>
@@ -4057,6 +4139,82 @@
           <a:solidFill>
             <a:schemeClr val="bg1"/>
           </a:solidFill>
+          <a:ln w="25400">
+            <a:gradFill flip="none" rotWithShape="1">
+              <a:gsLst>
+                <a:gs pos="0">
+                  <a:schemeClr val="accent5">
+                    <a:lumMod val="40000"/>
+                    <a:lumOff val="60000"/>
+                  </a:schemeClr>
+                </a:gs>
+                <a:gs pos="46000">
+                  <a:schemeClr val="accent5">
+                    <a:lumMod val="95000"/>
+                    <a:lumOff val="5000"/>
+                  </a:schemeClr>
+                </a:gs>
+                <a:gs pos="100000">
+                  <a:schemeClr val="accent5">
+                    <a:lumMod val="60000"/>
+                  </a:schemeClr>
+                </a:gs>
+              </a:gsLst>
+              <a:path path="circle">
+                <a:fillToRect l="50000" t="130000" r="50000" b="-30000"/>
+              </a:path>
+              <a:tileRect/>
+            </a:gradFill>
+          </a:ln>
+        </p:spPr>
+        <p:style>
+          <a:lnRef idx="2">
+            <a:schemeClr val="accent6"/>
+          </a:lnRef>
+          <a:fillRef idx="1">
+            <a:schemeClr val="lt1"/>
+          </a:fillRef>
+          <a:effectRef idx="0">
+            <a:schemeClr val="accent6"/>
+          </a:effectRef>
+          <a:fontRef idx="minor">
+            <a:schemeClr val="dk1"/>
+          </a:fontRef>
+        </p:style>
+        <p:txBody>
+          <a:bodyPr rtlCol="0" anchor="ctr"/>
+          <a:lstStyle/>
+          <a:p>
+            <a:pPr algn="ctr"/>
+            <a:r>
+              <a:rPr lang="en-US" b="1" dirty="0"/>
+              <a:t>common-lib</a:t>
+            </a:r>
+          </a:p>
+        </p:txBody>
+      </p:sp>
+      <p:cxnSp>
+        <p:nvCxnSpPr>
+          <p:cNvPr id="10" name="Straight Connector 9">
+            <a:extLst>
+              <a:ext uri="{FF2B5EF4-FFF2-40B4-BE49-F238E27FC236}">
+                <a16:creationId xmlns:a16="http://schemas.microsoft.com/office/drawing/2014/main" id="{2C327D33-F4EE-C800-6261-1942AD826F86}"/>
+              </a:ext>
+            </a:extLst>
+          </p:cNvPr>
+          <p:cNvCxnSpPr>
+            <a:cxnSpLocks/>
+          </p:cNvCxnSpPr>
+          <p:nvPr/>
+        </p:nvCxnSpPr>
+        <p:spPr>
+          <a:xfrm>
+            <a:off x="829127" y="3833207"/>
+            <a:ext cx="0" cy="1130564"/>
+          </a:xfrm>
+          <a:prstGeom prst="line">
+            <a:avLst/>
+          </a:prstGeom>
           <a:ln w="25400">
             <a:solidFill>
               <a:schemeClr val="tx1">
@@ -4067,96 +4225,120 @@
           </a:ln>
         </p:spPr>
         <p:style>
-          <a:lnRef idx="2">
-            <a:schemeClr val="accent6"/>
-          </a:lnRef>
-          <a:fillRef idx="1">
-            <a:schemeClr val="lt1"/>
-          </a:fillRef>
-          <a:effectRef idx="0">
-            <a:schemeClr val="accent6"/>
-          </a:effectRef>
-          <a:fontRef idx="minor">
-            <a:schemeClr val="dk1"/>
-          </a:fontRef>
-        </p:style>
-        <p:txBody>
-          <a:bodyPr rtlCol="0" anchor="ctr"/>
-          <a:lstStyle/>
-          <a:p>
-            <a:pPr algn="ctr"/>
-            <a:r>
-              <a:rPr lang="en-US" b="1" dirty="0"/>
-              <a:t>common-lib</a:t>
-            </a:r>
-          </a:p>
-        </p:txBody>
-      </p:sp>
-      <p:sp>
-        <p:nvSpPr>
-          <p:cNvPr id="5" name="Rectangle 4">
-            <a:extLst>
-              <a:ext uri="{FF2B5EF4-FFF2-40B4-BE49-F238E27FC236}">
-                <a16:creationId xmlns:a16="http://schemas.microsoft.com/office/drawing/2014/main" id="{6FA25714-FBED-8597-285E-18D9098D2AD4}"/>
-              </a:ext>
-            </a:extLst>
-          </p:cNvPr>
-          <p:cNvSpPr/>
-          <p:nvPr/>
-        </p:nvSpPr>
-        <p:spPr>
-          <a:xfrm>
-            <a:off x="620603" y="1281263"/>
-            <a:ext cx="1261428" cy="260358"/>
-          </a:xfrm>
-          <a:prstGeom prst="rect">
-            <a:avLst/>
-          </a:prstGeom>
-          <a:solidFill>
-            <a:srgbClr val="EFEDD5"/>
-          </a:solidFill>
-          <a:ln>
+          <a:lnRef idx="1">
+            <a:schemeClr val="accent1"/>
+          </a:lnRef>
+          <a:fillRef idx="0">
+            <a:schemeClr val="accent1"/>
+          </a:fillRef>
+          <a:effectRef idx="0">
+            <a:schemeClr val="accent1"/>
+          </a:effectRef>
+          <a:fontRef idx="minor">
+            <a:schemeClr val="tx1"/>
+          </a:fontRef>
+        </p:style>
+      </p:cxnSp>
+      <p:cxnSp>
+        <p:nvCxnSpPr>
+          <p:cNvPr id="14" name="Straight Connector 13">
+            <a:extLst>
+              <a:ext uri="{FF2B5EF4-FFF2-40B4-BE49-F238E27FC236}">
+                <a16:creationId xmlns:a16="http://schemas.microsoft.com/office/drawing/2014/main" id="{1ED8381A-7E0F-DB68-4A6A-94EADEF2604B}"/>
+              </a:ext>
+            </a:extLst>
+          </p:cNvPr>
+          <p:cNvCxnSpPr>
+            <a:cxnSpLocks/>
+            <a:endCxn id="11" idx="1"/>
+          </p:cNvCxnSpPr>
+          <p:nvPr/>
+        </p:nvCxnSpPr>
+        <p:spPr>
+          <a:xfrm>
+            <a:off x="806212" y="4495152"/>
+            <a:ext cx="196206" cy="0"/>
+          </a:xfrm>
+          <a:prstGeom prst="line">
+            <a:avLst/>
+          </a:prstGeom>
+          <a:ln w="25400">
             <a:solidFill>
               <a:schemeClr val="tx1">
-                <a:lumMod val="65000"/>
-                <a:lumOff val="35000"/>
+                <a:lumMod val="50000"/>
+                <a:lumOff val="50000"/>
               </a:schemeClr>
             </a:solidFill>
           </a:ln>
         </p:spPr>
         <p:style>
-          <a:lnRef idx="2">
-            <a:schemeClr val="accent6"/>
-          </a:lnRef>
-          <a:fillRef idx="1">
-            <a:schemeClr val="lt1"/>
-          </a:fillRef>
-          <a:effectRef idx="0">
-            <a:schemeClr val="accent6"/>
-          </a:effectRef>
-          <a:fontRef idx="minor">
-            <a:schemeClr val="dk1"/>
-          </a:fontRef>
-        </p:style>
-        <p:txBody>
-          <a:bodyPr rtlCol="0" anchor="ctr"/>
-          <a:lstStyle/>
-          <a:p>
-            <a:pPr algn="ctr"/>
-            <a:r>
-              <a:rPr lang="en-US" dirty="0" err="1"/>
-              <a:t>httpxt</a:t>
-            </a:r>
-            <a:endParaRPr lang="en-US" dirty="0"/>
-          </a:p>
-        </p:txBody>
-      </p:sp>
-      <p:sp>
-        <p:nvSpPr>
-          <p:cNvPr id="8" name="Rectangle 7">
-            <a:extLst>
-              <a:ext uri="{FF2B5EF4-FFF2-40B4-BE49-F238E27FC236}">
-                <a16:creationId xmlns:a16="http://schemas.microsoft.com/office/drawing/2014/main" id="{509C4D80-A59B-AB78-10E1-C86419C9FF69}"/>
+          <a:lnRef idx="1">
+            <a:schemeClr val="accent1"/>
+          </a:lnRef>
+          <a:fillRef idx="0">
+            <a:schemeClr val="accent1"/>
+          </a:fillRef>
+          <a:effectRef idx="0">
+            <a:schemeClr val="accent1"/>
+          </a:effectRef>
+          <a:fontRef idx="minor">
+            <a:schemeClr val="tx1"/>
+          </a:fontRef>
+        </p:style>
+      </p:cxnSp>
+      <p:cxnSp>
+        <p:nvCxnSpPr>
+          <p:cNvPr id="16" name="Straight Connector 15">
+            <a:extLst>
+              <a:ext uri="{FF2B5EF4-FFF2-40B4-BE49-F238E27FC236}">
+                <a16:creationId xmlns:a16="http://schemas.microsoft.com/office/drawing/2014/main" id="{183ABB7A-C2D9-FD13-C555-77F314ABE71F}"/>
+              </a:ext>
+            </a:extLst>
+          </p:cNvPr>
+          <p:cNvCxnSpPr>
+            <a:cxnSpLocks/>
+            <a:stCxn id="9" idx="1"/>
+          </p:cNvCxnSpPr>
+          <p:nvPr/>
+        </p:nvCxnSpPr>
+        <p:spPr>
+          <a:xfrm flipH="1" flipV="1">
+            <a:off x="806212" y="4138143"/>
+            <a:ext cx="196206" cy="5049"/>
+          </a:xfrm>
+          <a:prstGeom prst="line">
+            <a:avLst/>
+          </a:prstGeom>
+          <a:ln w="25400">
+            <a:solidFill>
+              <a:schemeClr val="tx1">
+                <a:lumMod val="50000"/>
+                <a:lumOff val="50000"/>
+              </a:schemeClr>
+            </a:solidFill>
+          </a:ln>
+        </p:spPr>
+        <p:style>
+          <a:lnRef idx="1">
+            <a:schemeClr val="accent1"/>
+          </a:lnRef>
+          <a:fillRef idx="0">
+            <a:schemeClr val="accent1"/>
+          </a:fillRef>
+          <a:effectRef idx="0">
+            <a:schemeClr val="accent1"/>
+          </a:effectRef>
+          <a:fontRef idx="minor">
+            <a:schemeClr val="tx1"/>
+          </a:fontRef>
+        </p:style>
+      </p:cxnSp>
+      <p:sp>
+        <p:nvSpPr>
+          <p:cNvPr id="3" name="Rectangle 2">
+            <a:extLst>
+              <a:ext uri="{FF2B5EF4-FFF2-40B4-BE49-F238E27FC236}">
+                <a16:creationId xmlns:a16="http://schemas.microsoft.com/office/drawing/2014/main" id="{E541AA5F-9DE6-3A78-17B6-87DC8E92E07F}"/>
               </a:ext>
             </a:extLst>
           </p:cNvPr>
@@ -4165,8 +4347,8 @@
         </p:nvSpPr>
         <p:spPr>
           <a:xfrm>
-            <a:off x="601703" y="1596662"/>
-            <a:ext cx="1261428" cy="258619"/>
+            <a:off x="1002418" y="4681649"/>
+            <a:ext cx="2103120" cy="320040"/>
           </a:xfrm>
           <a:prstGeom prst="rect">
             <a:avLst/>
@@ -4203,6 +4385,124 @@
           <a:p>
             <a:pPr algn="ctr"/>
             <a:r>
+              <a:rPr lang="en-US" dirty="0" err="1"/>
+              <a:t>vhost</a:t>
+            </a:r>
+            <a:endParaRPr lang="en-US" dirty="0"/>
+          </a:p>
+        </p:txBody>
+      </p:sp>
+      <p:sp>
+        <p:nvSpPr>
+          <p:cNvPr id="9" name="Rectangle 8">
+            <a:extLst>
+              <a:ext uri="{FF2B5EF4-FFF2-40B4-BE49-F238E27FC236}">
+                <a16:creationId xmlns:a16="http://schemas.microsoft.com/office/drawing/2014/main" id="{1DCC5F3F-0EBA-8865-8C82-ED16B08C20BC}"/>
+              </a:ext>
+            </a:extLst>
+          </p:cNvPr>
+          <p:cNvSpPr/>
+          <p:nvPr/>
+        </p:nvSpPr>
+        <p:spPr>
+          <a:xfrm>
+            <a:off x="1002418" y="3982851"/>
+            <a:ext cx="2103120" cy="320682"/>
+          </a:xfrm>
+          <a:prstGeom prst="rect">
+            <a:avLst/>
+          </a:prstGeom>
+          <a:solidFill>
+            <a:srgbClr val="E3E0B3"/>
+          </a:solidFill>
+          <a:ln>
+            <a:solidFill>
+              <a:schemeClr val="tx1">
+                <a:lumMod val="65000"/>
+                <a:lumOff val="35000"/>
+              </a:schemeClr>
+            </a:solidFill>
+          </a:ln>
+        </p:spPr>
+        <p:style>
+          <a:lnRef idx="2">
+            <a:schemeClr val="accent6"/>
+          </a:lnRef>
+          <a:fillRef idx="1">
+            <a:schemeClr val="lt1"/>
+          </a:fillRef>
+          <a:effectRef idx="0">
+            <a:schemeClr val="accent6"/>
+          </a:effectRef>
+          <a:fontRef idx="minor">
+            <a:schemeClr val="dk1"/>
+          </a:fontRef>
+        </p:style>
+        <p:txBody>
+          <a:bodyPr rtlCol="0" anchor="ctr"/>
+          <a:lstStyle/>
+          <a:p>
+            <a:pPr algn="ctr"/>
+            <a:r>
+              <a:rPr lang="en-US" dirty="0" err="1"/>
+              <a:t>httpxt</a:t>
+            </a:r>
+            <a:endParaRPr lang="en-US" dirty="0"/>
+          </a:p>
+        </p:txBody>
+      </p:sp>
+      <p:sp>
+        <p:nvSpPr>
+          <p:cNvPr id="11" name="Rectangle 10">
+            <a:extLst>
+              <a:ext uri="{FF2B5EF4-FFF2-40B4-BE49-F238E27FC236}">
+                <a16:creationId xmlns:a16="http://schemas.microsoft.com/office/drawing/2014/main" id="{CF7D0E99-58D2-4F8E-F2D3-B2D199EF4BF0}"/>
+              </a:ext>
+            </a:extLst>
+          </p:cNvPr>
+          <p:cNvSpPr/>
+          <p:nvPr/>
+        </p:nvSpPr>
+        <p:spPr>
+          <a:xfrm>
+            <a:off x="1002418" y="4335132"/>
+            <a:ext cx="2103120" cy="320040"/>
+          </a:xfrm>
+          <a:prstGeom prst="rect">
+            <a:avLst/>
+          </a:prstGeom>
+          <a:solidFill>
+            <a:srgbClr val="E3E0B3"/>
+          </a:solidFill>
+          <a:ln>
+            <a:solidFill>
+              <a:schemeClr val="tx1">
+                <a:lumMod val="65000"/>
+                <a:lumOff val="35000"/>
+              </a:schemeClr>
+            </a:solidFill>
+          </a:ln>
+        </p:spPr>
+        <p:style>
+          <a:lnRef idx="2">
+            <a:schemeClr val="accent6"/>
+          </a:lnRef>
+          <a:fillRef idx="1">
+            <a:schemeClr val="lt1"/>
+          </a:fillRef>
+          <a:effectRef idx="0">
+            <a:schemeClr val="accent6"/>
+          </a:effectRef>
+          <a:fontRef idx="minor">
+            <a:schemeClr val="dk1"/>
+          </a:fontRef>
+        </p:style>
+        <p:txBody>
+          <a:bodyPr rtlCol="0" anchor="ctr"/>
+          <a:lstStyle/>
+          <a:p>
+            <a:pPr algn="ctr"/>
+            <a:r>
               <a:rPr lang="en-US" dirty="0"/>
               <a:t>util</a:t>
             </a:r>
@@ -4211,66 +4511,23 @@
       </p:sp>
       <p:cxnSp>
         <p:nvCxnSpPr>
-          <p:cNvPr id="10" name="Straight Connector 9">
-            <a:extLst>
-              <a:ext uri="{FF2B5EF4-FFF2-40B4-BE49-F238E27FC236}">
-                <a16:creationId xmlns:a16="http://schemas.microsoft.com/office/drawing/2014/main" id="{2C327D33-F4EE-C800-6261-1942AD826F86}"/>
+          <p:cNvPr id="21" name="Straight Connector 20">
+            <a:extLst>
+              <a:ext uri="{FF2B5EF4-FFF2-40B4-BE49-F238E27FC236}">
+                <a16:creationId xmlns:a16="http://schemas.microsoft.com/office/drawing/2014/main" id="{F6BB1BDB-2EAB-B1A3-8965-0888AC5CA310}"/>
               </a:ext>
             </a:extLst>
           </p:cNvPr>
           <p:cNvCxnSpPr>
             <a:cxnSpLocks/>
-            <a:stCxn id="4" idx="1"/>
+            <a:stCxn id="3" idx="1"/>
           </p:cNvCxnSpPr>
           <p:nvPr/>
         </p:nvCxnSpPr>
         <p:spPr>
-          <a:xfrm>
-            <a:off x="289367" y="981771"/>
-            <a:ext cx="0" cy="1324326"/>
-          </a:xfrm>
-          <a:prstGeom prst="line">
-            <a:avLst/>
-          </a:prstGeom>
-          <a:ln w="25400">
-            <a:solidFill>
-              <a:schemeClr val="tx1"/>
-            </a:solidFill>
-          </a:ln>
-        </p:spPr>
-        <p:style>
-          <a:lnRef idx="1">
-            <a:schemeClr val="accent1"/>
-          </a:lnRef>
-          <a:fillRef idx="0">
-            <a:schemeClr val="accent1"/>
-          </a:fillRef>
-          <a:effectRef idx="0">
-            <a:schemeClr val="accent1"/>
-          </a:effectRef>
-          <a:fontRef idx="minor">
-            <a:schemeClr val="tx1"/>
-          </a:fontRef>
-        </p:style>
-      </p:cxnSp>
-      <p:cxnSp>
-        <p:nvCxnSpPr>
-          <p:cNvPr id="14" name="Straight Connector 13">
-            <a:extLst>
-              <a:ext uri="{FF2B5EF4-FFF2-40B4-BE49-F238E27FC236}">
-                <a16:creationId xmlns:a16="http://schemas.microsoft.com/office/drawing/2014/main" id="{1ED8381A-7E0F-DB68-4A6A-94EADEF2604B}"/>
-              </a:ext>
-            </a:extLst>
-          </p:cNvPr>
-          <p:cNvCxnSpPr>
-            <a:cxnSpLocks/>
-          </p:cNvCxnSpPr>
-          <p:nvPr/>
-        </p:nvCxnSpPr>
-        <p:spPr>
-          <a:xfrm flipV="1">
-            <a:off x="308267" y="1494189"/>
-            <a:ext cx="312336" cy="6641"/>
+          <a:xfrm flipH="1">
+            <a:off x="806212" y="4841669"/>
+            <a:ext cx="196206" cy="0"/>
           </a:xfrm>
           <a:prstGeom prst="line">
             <a:avLst/>
@@ -4299,12 +4556,148 @@
           </a:fontRef>
         </p:style>
       </p:cxnSp>
+      <p:sp>
+        <p:nvSpPr>
+          <p:cNvPr id="47" name="Rectangle 46">
+            <a:extLst>
+              <a:ext uri="{FF2B5EF4-FFF2-40B4-BE49-F238E27FC236}">
+                <a16:creationId xmlns:a16="http://schemas.microsoft.com/office/drawing/2014/main" id="{EDF95AAB-FA32-EF85-904E-80639C8A3E8F}"/>
+              </a:ext>
+            </a:extLst>
+          </p:cNvPr>
+          <p:cNvSpPr/>
+          <p:nvPr/>
+        </p:nvSpPr>
+        <p:spPr>
+          <a:xfrm>
+            <a:off x="866581" y="1212742"/>
+            <a:ext cx="2238957" cy="355876"/>
+          </a:xfrm>
+          <a:prstGeom prst="rect">
+            <a:avLst/>
+          </a:prstGeom>
+          <a:solidFill>
+            <a:schemeClr val="bg1"/>
+          </a:solidFill>
+          <a:ln w="25400">
+            <a:gradFill flip="none" rotWithShape="1">
+              <a:gsLst>
+                <a:gs pos="0">
+                  <a:schemeClr val="accent5">
+                    <a:lumMod val="40000"/>
+                    <a:lumOff val="60000"/>
+                  </a:schemeClr>
+                </a:gs>
+                <a:gs pos="46000">
+                  <a:schemeClr val="accent5">
+                    <a:lumMod val="95000"/>
+                    <a:lumOff val="5000"/>
+                  </a:schemeClr>
+                </a:gs>
+                <a:gs pos="100000">
+                  <a:schemeClr val="accent5">
+                    <a:lumMod val="60000"/>
+                  </a:schemeClr>
+                </a:gs>
+              </a:gsLst>
+              <a:path path="circle">
+                <a:fillToRect l="50000" t="130000" r="50000" b="-30000"/>
+              </a:path>
+              <a:tileRect/>
+            </a:gradFill>
+          </a:ln>
+        </p:spPr>
+        <p:style>
+          <a:lnRef idx="2">
+            <a:schemeClr val="accent6"/>
+          </a:lnRef>
+          <a:fillRef idx="1">
+            <a:schemeClr val="lt1"/>
+          </a:fillRef>
+          <a:effectRef idx="0">
+            <a:schemeClr val="accent6"/>
+          </a:effectRef>
+          <a:fontRef idx="minor">
+            <a:schemeClr val="dk1"/>
+          </a:fontRef>
+        </p:style>
+        <p:txBody>
+          <a:bodyPr rtlCol="0" anchor="ctr"/>
+          <a:lstStyle/>
+          <a:p>
+            <a:pPr algn="ctr"/>
+            <a:r>
+              <a:rPr lang="en-US" b="1" dirty="0"/>
+              <a:t>common-types</a:t>
+            </a:r>
+          </a:p>
+        </p:txBody>
+      </p:sp>
+      <p:sp>
+        <p:nvSpPr>
+          <p:cNvPr id="48" name="Rectangle 47">
+            <a:extLst>
+              <a:ext uri="{FF2B5EF4-FFF2-40B4-BE49-F238E27FC236}">
+                <a16:creationId xmlns:a16="http://schemas.microsoft.com/office/drawing/2014/main" id="{DE8254F0-4403-DDC7-E708-2747959C84DE}"/>
+              </a:ext>
+            </a:extLst>
+          </p:cNvPr>
+          <p:cNvSpPr/>
+          <p:nvPr/>
+        </p:nvSpPr>
+        <p:spPr>
+          <a:xfrm>
+            <a:off x="7748537" y="3567433"/>
+            <a:ext cx="2103120" cy="320682"/>
+          </a:xfrm>
+          <a:prstGeom prst="rect">
+            <a:avLst/>
+          </a:prstGeom>
+          <a:solidFill>
+            <a:srgbClr val="E3E0B3"/>
+          </a:solidFill>
+          <a:ln>
+            <a:solidFill>
+              <a:schemeClr val="tx1">
+                <a:lumMod val="65000"/>
+                <a:lumOff val="35000"/>
+              </a:schemeClr>
+            </a:solidFill>
+          </a:ln>
+        </p:spPr>
+        <p:style>
+          <a:lnRef idx="2">
+            <a:schemeClr val="accent6"/>
+          </a:lnRef>
+          <a:fillRef idx="1">
+            <a:schemeClr val="lt1"/>
+          </a:fillRef>
+          <a:effectRef idx="0">
+            <a:schemeClr val="accent6"/>
+          </a:effectRef>
+          <a:fontRef idx="minor">
+            <a:schemeClr val="dk1"/>
+          </a:fontRef>
+        </p:style>
+        <p:txBody>
+          <a:bodyPr rtlCol="0" anchor="ctr"/>
+          <a:lstStyle/>
+          <a:p>
+            <a:pPr algn="ctr"/>
+            <a:r>
+              <a:rPr lang="en-US" dirty="0" err="1"/>
+              <a:t>postgresql</a:t>
+            </a:r>
+            <a:endParaRPr lang="en-US" dirty="0"/>
+          </a:p>
+        </p:txBody>
+      </p:sp>
       <p:cxnSp>
         <p:nvCxnSpPr>
-          <p:cNvPr id="16" name="Straight Connector 15">
-            <a:extLst>
-              <a:ext uri="{FF2B5EF4-FFF2-40B4-BE49-F238E27FC236}">
-                <a16:creationId xmlns:a16="http://schemas.microsoft.com/office/drawing/2014/main" id="{183ABB7A-C2D9-FD13-C555-77F314ABE71F}"/>
+          <p:cNvPr id="49" name="Straight Connector 48">
+            <a:extLst>
+              <a:ext uri="{FF2B5EF4-FFF2-40B4-BE49-F238E27FC236}">
+                <a16:creationId xmlns:a16="http://schemas.microsoft.com/office/drawing/2014/main" id="{65AC0F39-7D6B-544E-20D4-9D7E6A2DFB26}"/>
               </a:ext>
             </a:extLst>
           </p:cNvPr>
@@ -4314,9 +4707,9 @@
           <p:nvPr/>
         </p:nvCxnSpPr>
         <p:spPr>
-          <a:xfrm flipH="1" flipV="1">
-            <a:off x="270468" y="2306096"/>
-            <a:ext cx="646593" cy="1"/>
+          <a:xfrm>
+            <a:off x="862792" y="1499125"/>
+            <a:ext cx="0" cy="459327"/>
           </a:xfrm>
           <a:prstGeom prst="line">
             <a:avLst/>
@@ -4347,10 +4740,10 @@
       </p:cxnSp>
       <p:sp>
         <p:nvSpPr>
-          <p:cNvPr id="24" name="Rectangle 23">
-            <a:extLst>
-              <a:ext uri="{FF2B5EF4-FFF2-40B4-BE49-F238E27FC236}">
-                <a16:creationId xmlns:a16="http://schemas.microsoft.com/office/drawing/2014/main" id="{583BE7E4-8A7B-F86A-1EBF-00C6F05B375F}"/>
+          <p:cNvPr id="50" name="Rectangle 49">
+            <a:extLst>
+              <a:ext uri="{FF2B5EF4-FFF2-40B4-BE49-F238E27FC236}">
+                <a16:creationId xmlns:a16="http://schemas.microsoft.com/office/drawing/2014/main" id="{059B7F3D-A0CC-0A4F-D412-6E7020744B78}"/>
               </a:ext>
             </a:extLst>
           </p:cNvPr>
@@ -4359,15 +4752,73 @@
         </p:nvSpPr>
         <p:spPr>
           <a:xfrm>
-            <a:off x="9877242" y="936382"/>
-            <a:ext cx="2070796" cy="344880"/>
+            <a:off x="7788260" y="4995265"/>
+            <a:ext cx="2103120" cy="320682"/>
           </a:xfrm>
           <a:prstGeom prst="rect">
             <a:avLst/>
           </a:prstGeom>
           <a:solidFill>
-            <a:schemeClr val="bg1"/>
+            <a:srgbClr val="E3E0B3"/>
           </a:solidFill>
+          <a:ln>
+            <a:solidFill>
+              <a:schemeClr val="tx1">
+                <a:lumMod val="65000"/>
+                <a:lumOff val="35000"/>
+              </a:schemeClr>
+            </a:solidFill>
+          </a:ln>
+        </p:spPr>
+        <p:style>
+          <a:lnRef idx="2">
+            <a:schemeClr val="accent6"/>
+          </a:lnRef>
+          <a:fillRef idx="1">
+            <a:schemeClr val="lt1"/>
+          </a:fillRef>
+          <a:effectRef idx="0">
+            <a:schemeClr val="accent6"/>
+          </a:effectRef>
+          <a:fontRef idx="minor">
+            <a:schemeClr val="dk1"/>
+          </a:fontRef>
+        </p:style>
+        <p:txBody>
+          <a:bodyPr rtlCol="0" anchor="ctr"/>
+          <a:lstStyle/>
+          <a:p>
+            <a:pPr algn="ctr"/>
+            <a:r>
+              <a:rPr lang="en-US" dirty="0"/>
+              <a:t>elastic</a:t>
+            </a:r>
+          </a:p>
+        </p:txBody>
+      </p:sp>
+      <p:cxnSp>
+        <p:nvCxnSpPr>
+          <p:cNvPr id="52" name="Straight Connector 51">
+            <a:extLst>
+              <a:ext uri="{FF2B5EF4-FFF2-40B4-BE49-F238E27FC236}">
+                <a16:creationId xmlns:a16="http://schemas.microsoft.com/office/drawing/2014/main" id="{2123AECC-D5D7-A58E-9FF3-CF630A6F1B3D}"/>
+              </a:ext>
+            </a:extLst>
+          </p:cNvPr>
+          <p:cNvCxnSpPr>
+            <a:cxnSpLocks/>
+            <a:endCxn id="50" idx="1"/>
+          </p:cNvCxnSpPr>
+          <p:nvPr/>
+        </p:nvCxnSpPr>
+        <p:spPr>
+          <a:xfrm>
+            <a:off x="7653565" y="5155606"/>
+            <a:ext cx="134695" cy="0"/>
+          </a:xfrm>
+          <a:prstGeom prst="line">
+            <a:avLst/>
+          </a:prstGeom>
           <a:ln w="25400">
             <a:solidFill>
               <a:schemeClr val="tx1">
@@ -4378,58 +4829,42 @@
           </a:ln>
         </p:spPr>
         <p:style>
-          <a:lnRef idx="2">
-            <a:schemeClr val="accent6"/>
-          </a:lnRef>
-          <a:fillRef idx="1">
-            <a:schemeClr val="lt1"/>
-          </a:fillRef>
-          <a:effectRef idx="0">
-            <a:schemeClr val="accent6"/>
-          </a:effectRef>
-          <a:fontRef idx="minor">
-            <a:schemeClr val="dk1"/>
-          </a:fontRef>
-        </p:style>
-        <p:txBody>
-          <a:bodyPr rtlCol="0" anchor="ctr"/>
-          <a:lstStyle/>
-          <a:p>
-            <a:pPr algn="ctr"/>
-            <a:r>
-              <a:rPr lang="en-US" b="1" dirty="0" err="1"/>
-              <a:t>awsrds</a:t>
-            </a:r>
-            <a:r>
-              <a:rPr lang="en-US" b="1" dirty="0"/>
-              <a:t>-adapter</a:t>
-            </a:r>
-          </a:p>
-        </p:txBody>
-      </p:sp>
-      <p:sp>
-        <p:nvSpPr>
-          <p:cNvPr id="25" name="Rectangle 24">
-            <a:extLst>
-              <a:ext uri="{FF2B5EF4-FFF2-40B4-BE49-F238E27FC236}">
-                <a16:creationId xmlns:a16="http://schemas.microsoft.com/office/drawing/2014/main" id="{AB2CAAB2-4F26-9795-B71C-6066629BFDE4}"/>
-              </a:ext>
-            </a:extLst>
-          </p:cNvPr>
-          <p:cNvSpPr/>
-          <p:nvPr/>
-        </p:nvSpPr>
-        <p:spPr>
-          <a:xfrm>
-            <a:off x="2575101" y="3490793"/>
-            <a:ext cx="1886101" cy="344880"/>
-          </a:xfrm>
-          <a:prstGeom prst="rect">
-            <a:avLst/>
-          </a:prstGeom>
-          <a:solidFill>
-            <a:schemeClr val="bg1"/>
-          </a:solidFill>
+          <a:lnRef idx="1">
+            <a:schemeClr val="accent1"/>
+          </a:lnRef>
+          <a:fillRef idx="0">
+            <a:schemeClr val="accent1"/>
+          </a:fillRef>
+          <a:effectRef idx="0">
+            <a:schemeClr val="accent1"/>
+          </a:effectRef>
+          <a:fontRef idx="minor">
+            <a:schemeClr val="tx1"/>
+          </a:fontRef>
+        </p:style>
+      </p:cxnSp>
+      <p:cxnSp>
+        <p:nvCxnSpPr>
+          <p:cNvPr id="56" name="Straight Connector 55">
+            <a:extLst>
+              <a:ext uri="{FF2B5EF4-FFF2-40B4-BE49-F238E27FC236}">
+                <a16:creationId xmlns:a16="http://schemas.microsoft.com/office/drawing/2014/main" id="{E984A7E4-4689-395B-EEAB-41B509E03439}"/>
+              </a:ext>
+            </a:extLst>
+          </p:cNvPr>
+          <p:cNvCxnSpPr>
+            <a:cxnSpLocks/>
+          </p:cNvCxnSpPr>
+          <p:nvPr/>
+        </p:nvCxnSpPr>
+        <p:spPr>
+          <a:xfrm flipH="1">
+            <a:off x="7653565" y="4773859"/>
+            <a:ext cx="6769" cy="381747"/>
+          </a:xfrm>
+          <a:prstGeom prst="line">
+            <a:avLst/>
+          </a:prstGeom>
           <a:ln w="25400">
             <a:solidFill>
               <a:schemeClr val="tx1">
@@ -4440,54 +4875,42 @@
           </a:ln>
         </p:spPr>
         <p:style>
-          <a:lnRef idx="2">
-            <a:schemeClr val="accent6"/>
-          </a:lnRef>
-          <a:fillRef idx="1">
-            <a:schemeClr val="lt1"/>
-          </a:fillRef>
-          <a:effectRef idx="0">
-            <a:schemeClr val="accent6"/>
-          </a:effectRef>
-          <a:fontRef idx="minor">
-            <a:schemeClr val="dk1"/>
-          </a:fontRef>
-        </p:style>
-        <p:txBody>
-          <a:bodyPr rtlCol="0" anchor="ctr"/>
-          <a:lstStyle/>
-          <a:p>
-            <a:pPr algn="ctr"/>
-            <a:r>
-              <a:rPr lang="en-US" b="1" dirty="0"/>
-              <a:t>client-exchange</a:t>
-            </a:r>
-          </a:p>
-        </p:txBody>
-      </p:sp>
-      <p:sp>
-        <p:nvSpPr>
-          <p:cNvPr id="26" name="Rectangle 25">
-            <a:extLst>
-              <a:ext uri="{FF2B5EF4-FFF2-40B4-BE49-F238E27FC236}">
-                <a16:creationId xmlns:a16="http://schemas.microsoft.com/office/drawing/2014/main" id="{91B3EB9A-50E6-068A-F553-B288E6440407}"/>
-              </a:ext>
-            </a:extLst>
-          </p:cNvPr>
-          <p:cNvSpPr/>
-          <p:nvPr/>
-        </p:nvSpPr>
-        <p:spPr>
-          <a:xfrm>
-            <a:off x="170381" y="3835673"/>
-            <a:ext cx="1886101" cy="344880"/>
-          </a:xfrm>
-          <a:prstGeom prst="rect">
-            <a:avLst/>
-          </a:prstGeom>
-          <a:solidFill>
-            <a:schemeClr val="bg1"/>
-          </a:solidFill>
+          <a:lnRef idx="1">
+            <a:schemeClr val="accent1"/>
+          </a:lnRef>
+          <a:fillRef idx="0">
+            <a:schemeClr val="accent1"/>
+          </a:fillRef>
+          <a:effectRef idx="0">
+            <a:schemeClr val="accent1"/>
+          </a:effectRef>
+          <a:fontRef idx="minor">
+            <a:schemeClr val="tx1"/>
+          </a:fontRef>
+        </p:style>
+      </p:cxnSp>
+      <p:cxnSp>
+        <p:nvCxnSpPr>
+          <p:cNvPr id="57" name="Straight Connector 56">
+            <a:extLst>
+              <a:ext uri="{FF2B5EF4-FFF2-40B4-BE49-F238E27FC236}">
+                <a16:creationId xmlns:a16="http://schemas.microsoft.com/office/drawing/2014/main" id="{86BD3688-5A96-581F-C039-7022F5DC095F}"/>
+              </a:ext>
+            </a:extLst>
+          </p:cNvPr>
+          <p:cNvCxnSpPr>
+            <a:cxnSpLocks/>
+          </p:cNvCxnSpPr>
+          <p:nvPr/>
+        </p:nvCxnSpPr>
+        <p:spPr>
+          <a:xfrm flipH="1">
+            <a:off x="7612700" y="3287168"/>
+            <a:ext cx="13834" cy="440606"/>
+          </a:xfrm>
+          <a:prstGeom prst="line">
+            <a:avLst/>
+          </a:prstGeom>
           <a:ln w="25400">
             <a:solidFill>
               <a:schemeClr val="tx1">
@@ -4498,54 +4921,42 @@
           </a:ln>
         </p:spPr>
         <p:style>
-          <a:lnRef idx="2">
-            <a:schemeClr val="accent6"/>
-          </a:lnRef>
-          <a:fillRef idx="1">
-            <a:schemeClr val="lt1"/>
-          </a:fillRef>
-          <a:effectRef idx="0">
-            <a:schemeClr val="accent6"/>
-          </a:effectRef>
-          <a:fontRef idx="minor">
-            <a:schemeClr val="dk1"/>
-          </a:fontRef>
-        </p:style>
-        <p:txBody>
-          <a:bodyPr rtlCol="0" anchor="ctr"/>
-          <a:lstStyle/>
-          <a:p>
-            <a:pPr algn="ctr"/>
-            <a:r>
-              <a:rPr lang="en-US" b="1" dirty="0"/>
-              <a:t>metric-data</a:t>
-            </a:r>
-          </a:p>
-        </p:txBody>
-      </p:sp>
-      <p:sp>
-        <p:nvSpPr>
-          <p:cNvPr id="27" name="Rectangle 26">
-            <a:extLst>
-              <a:ext uri="{FF2B5EF4-FFF2-40B4-BE49-F238E27FC236}">
-                <a16:creationId xmlns:a16="http://schemas.microsoft.com/office/drawing/2014/main" id="{0D3DD9AE-4F07-445E-E00F-C937B32B789C}"/>
-              </a:ext>
-            </a:extLst>
-          </p:cNvPr>
-          <p:cNvSpPr/>
-          <p:nvPr/>
-        </p:nvSpPr>
-        <p:spPr>
-          <a:xfrm>
-            <a:off x="170381" y="2605586"/>
-            <a:ext cx="1886101" cy="344880"/>
-          </a:xfrm>
-          <a:prstGeom prst="rect">
-            <a:avLst/>
-          </a:prstGeom>
-          <a:solidFill>
-            <a:schemeClr val="bg1"/>
-          </a:solidFill>
+          <a:lnRef idx="1">
+            <a:schemeClr val="accent1"/>
+          </a:lnRef>
+          <a:fillRef idx="0">
+            <a:schemeClr val="accent1"/>
+          </a:fillRef>
+          <a:effectRef idx="0">
+            <a:schemeClr val="accent1"/>
+          </a:effectRef>
+          <a:fontRef idx="minor">
+            <a:schemeClr val="tx1"/>
+          </a:fontRef>
+        </p:style>
+      </p:cxnSp>
+      <p:cxnSp>
+        <p:nvCxnSpPr>
+          <p:cNvPr id="58" name="Straight Connector 57">
+            <a:extLst>
+              <a:ext uri="{FF2B5EF4-FFF2-40B4-BE49-F238E27FC236}">
+                <a16:creationId xmlns:a16="http://schemas.microsoft.com/office/drawing/2014/main" id="{64CCF7C2-EF63-EBC2-F684-FE847634962E}"/>
+              </a:ext>
+            </a:extLst>
+          </p:cNvPr>
+          <p:cNvCxnSpPr>
+            <a:cxnSpLocks/>
+          </p:cNvCxnSpPr>
+          <p:nvPr/>
+        </p:nvCxnSpPr>
+        <p:spPr>
+          <a:xfrm>
+            <a:off x="7618756" y="1648561"/>
+            <a:ext cx="0" cy="388753"/>
+          </a:xfrm>
+          <a:prstGeom prst="line">
+            <a:avLst/>
+          </a:prstGeom>
           <a:ln w="25400">
             <a:solidFill>
               <a:schemeClr val="tx1">
@@ -4556,54 +4967,43 @@
           </a:ln>
         </p:spPr>
         <p:style>
-          <a:lnRef idx="2">
-            <a:schemeClr val="accent6"/>
-          </a:lnRef>
-          <a:fillRef idx="1">
-            <a:schemeClr val="lt1"/>
-          </a:fillRef>
-          <a:effectRef idx="0">
-            <a:schemeClr val="accent6"/>
-          </a:effectRef>
-          <a:fontRef idx="minor">
-            <a:schemeClr val="dk1"/>
-          </a:fontRef>
-        </p:style>
-        <p:txBody>
-          <a:bodyPr rtlCol="0" anchor="ctr"/>
-          <a:lstStyle/>
-          <a:p>
-            <a:pPr algn="ctr"/>
-            <a:r>
-              <a:rPr lang="en-US" b="1" dirty="0"/>
-              <a:t>entity-data</a:t>
-            </a:r>
-          </a:p>
-        </p:txBody>
-      </p:sp>
-      <p:sp>
-        <p:nvSpPr>
-          <p:cNvPr id="28" name="Rectangle 27">
-            <a:extLst>
-              <a:ext uri="{FF2B5EF4-FFF2-40B4-BE49-F238E27FC236}">
-                <a16:creationId xmlns:a16="http://schemas.microsoft.com/office/drawing/2014/main" id="{9457B0CA-7999-5A3E-3799-376136A8FE6B}"/>
-              </a:ext>
-            </a:extLst>
-          </p:cNvPr>
-          <p:cNvSpPr/>
-          <p:nvPr/>
-        </p:nvSpPr>
-        <p:spPr>
-          <a:xfrm>
-            <a:off x="9877242" y="1360602"/>
-            <a:ext cx="2070796" cy="344880"/>
-          </a:xfrm>
-          <a:prstGeom prst="rect">
-            <a:avLst/>
-          </a:prstGeom>
-          <a:solidFill>
-            <a:schemeClr val="bg1"/>
-          </a:solidFill>
+          <a:lnRef idx="1">
+            <a:schemeClr val="accent1"/>
+          </a:lnRef>
+          <a:fillRef idx="0">
+            <a:schemeClr val="accent1"/>
+          </a:fillRef>
+          <a:effectRef idx="0">
+            <a:schemeClr val="accent1"/>
+          </a:effectRef>
+          <a:fontRef idx="minor">
+            <a:schemeClr val="tx1"/>
+          </a:fontRef>
+        </p:style>
+      </p:cxnSp>
+      <p:cxnSp>
+        <p:nvCxnSpPr>
+          <p:cNvPr id="59" name="Straight Connector 58">
+            <a:extLst>
+              <a:ext uri="{FF2B5EF4-FFF2-40B4-BE49-F238E27FC236}">
+                <a16:creationId xmlns:a16="http://schemas.microsoft.com/office/drawing/2014/main" id="{B0BF10CD-D0B3-77B0-69FF-3D9AC8E18478}"/>
+              </a:ext>
+            </a:extLst>
+          </p:cNvPr>
+          <p:cNvCxnSpPr>
+            <a:cxnSpLocks/>
+            <a:endCxn id="48" idx="1"/>
+          </p:cNvCxnSpPr>
+          <p:nvPr/>
+        </p:nvCxnSpPr>
+        <p:spPr>
+          <a:xfrm>
+            <a:off x="7612700" y="3727774"/>
+            <a:ext cx="135837" cy="0"/>
+          </a:xfrm>
+          <a:prstGeom prst="line">
+            <a:avLst/>
+          </a:prstGeom>
           <a:ln w="25400">
             <a:solidFill>
               <a:schemeClr val="tx1">
@@ -4614,58 +5014,43 @@
           </a:ln>
         </p:spPr>
         <p:style>
-          <a:lnRef idx="2">
-            <a:schemeClr val="accent6"/>
-          </a:lnRef>
-          <a:fillRef idx="1">
-            <a:schemeClr val="lt1"/>
-          </a:fillRef>
-          <a:effectRef idx="0">
-            <a:schemeClr val="accent6"/>
-          </a:effectRef>
-          <a:fontRef idx="minor">
-            <a:schemeClr val="dk1"/>
-          </a:fontRef>
-        </p:style>
-        <p:txBody>
-          <a:bodyPr rtlCol="0" anchor="ctr"/>
-          <a:lstStyle/>
-          <a:p>
-            <a:pPr algn="ctr"/>
-            <a:r>
-              <a:rPr lang="en-US" b="1" dirty="0" err="1"/>
-              <a:t>postgresql</a:t>
-            </a:r>
-            <a:r>
-              <a:rPr lang="en-US" b="1" dirty="0"/>
-              <a:t>-adapter</a:t>
-            </a:r>
-          </a:p>
-        </p:txBody>
-      </p:sp>
-      <p:sp>
-        <p:nvSpPr>
-          <p:cNvPr id="30" name="Rectangle 29">
-            <a:extLst>
-              <a:ext uri="{FF2B5EF4-FFF2-40B4-BE49-F238E27FC236}">
-                <a16:creationId xmlns:a16="http://schemas.microsoft.com/office/drawing/2014/main" id="{8EBAE6E3-433A-863F-6385-6146D72A8798}"/>
-              </a:ext>
-            </a:extLst>
-          </p:cNvPr>
-          <p:cNvSpPr/>
-          <p:nvPr/>
-        </p:nvSpPr>
-        <p:spPr>
-          <a:xfrm>
-            <a:off x="216679" y="3197622"/>
-            <a:ext cx="1886101" cy="344880"/>
-          </a:xfrm>
-          <a:prstGeom prst="rect">
-            <a:avLst/>
-          </a:prstGeom>
-          <a:solidFill>
-            <a:schemeClr val="bg1"/>
-          </a:solidFill>
+          <a:lnRef idx="1">
+            <a:schemeClr val="accent1"/>
+          </a:lnRef>
+          <a:fillRef idx="0">
+            <a:schemeClr val="accent1"/>
+          </a:fillRef>
+          <a:effectRef idx="0">
+            <a:schemeClr val="accent1"/>
+          </a:effectRef>
+          <a:fontRef idx="minor">
+            <a:schemeClr val="tx1"/>
+          </a:fontRef>
+        </p:style>
+      </p:cxnSp>
+      <p:cxnSp>
+        <p:nvCxnSpPr>
+          <p:cNvPr id="62" name="Straight Connector 61">
+            <a:extLst>
+              <a:ext uri="{FF2B5EF4-FFF2-40B4-BE49-F238E27FC236}">
+                <a16:creationId xmlns:a16="http://schemas.microsoft.com/office/drawing/2014/main" id="{A5AF8B31-4AB5-DA7F-2CE9-D7A8D529D4A3}"/>
+              </a:ext>
+            </a:extLst>
+          </p:cNvPr>
+          <p:cNvCxnSpPr>
+            <a:cxnSpLocks/>
+            <a:endCxn id="83" idx="1"/>
+          </p:cNvCxnSpPr>
+          <p:nvPr/>
+        </p:nvCxnSpPr>
+        <p:spPr>
+          <a:xfrm>
+            <a:off x="7612700" y="2037314"/>
+            <a:ext cx="175560" cy="0"/>
+          </a:xfrm>
+          <a:prstGeom prst="line">
+            <a:avLst/>
+          </a:prstGeom>
           <a:ln w="25400">
             <a:solidFill>
               <a:schemeClr val="tx1">
@@ -4676,54 +5061,43 @@
           </a:ln>
         </p:spPr>
         <p:style>
-          <a:lnRef idx="2">
-            <a:schemeClr val="accent6"/>
-          </a:lnRef>
-          <a:fillRef idx="1">
-            <a:schemeClr val="lt1"/>
-          </a:fillRef>
-          <a:effectRef idx="0">
-            <a:schemeClr val="accent6"/>
-          </a:effectRef>
-          <a:fontRef idx="minor">
-            <a:schemeClr val="dk1"/>
-          </a:fontRef>
-        </p:style>
-        <p:txBody>
-          <a:bodyPr rtlCol="0" anchor="ctr"/>
-          <a:lstStyle/>
-          <a:p>
-            <a:pPr algn="ctr"/>
-            <a:r>
-              <a:rPr lang="en-US" b="1" dirty="0"/>
-              <a:t>entity-exchange</a:t>
-            </a:r>
-          </a:p>
-        </p:txBody>
-      </p:sp>
-      <p:sp>
-        <p:nvSpPr>
-          <p:cNvPr id="31" name="Rectangle 30">
-            <a:extLst>
-              <a:ext uri="{FF2B5EF4-FFF2-40B4-BE49-F238E27FC236}">
-                <a16:creationId xmlns:a16="http://schemas.microsoft.com/office/drawing/2014/main" id="{ADE54724-734B-EAA6-6CC1-F12C743FDBF6}"/>
-              </a:ext>
-            </a:extLst>
-          </p:cNvPr>
-          <p:cNvSpPr/>
-          <p:nvPr/>
-        </p:nvSpPr>
-        <p:spPr>
-          <a:xfrm>
-            <a:off x="198268" y="4377009"/>
-            <a:ext cx="1886101" cy="358850"/>
-          </a:xfrm>
-          <a:prstGeom prst="rect">
-            <a:avLst/>
-          </a:prstGeom>
-          <a:solidFill>
-            <a:schemeClr val="bg1"/>
-          </a:solidFill>
+          <a:lnRef idx="1">
+            <a:schemeClr val="accent1"/>
+          </a:lnRef>
+          <a:fillRef idx="0">
+            <a:schemeClr val="accent1"/>
+          </a:fillRef>
+          <a:effectRef idx="0">
+            <a:schemeClr val="accent1"/>
+          </a:effectRef>
+          <a:fontRef idx="minor">
+            <a:schemeClr val="tx1"/>
+          </a:fontRef>
+        </p:style>
+      </p:cxnSp>
+      <p:cxnSp>
+        <p:nvCxnSpPr>
+          <p:cNvPr id="63" name="Straight Connector 62">
+            <a:extLst>
+              <a:ext uri="{FF2B5EF4-FFF2-40B4-BE49-F238E27FC236}">
+                <a16:creationId xmlns:a16="http://schemas.microsoft.com/office/drawing/2014/main" id="{CC6A9DDC-95BB-A6DE-ECC1-3A97B4B0F364}"/>
+              </a:ext>
+            </a:extLst>
+          </p:cNvPr>
+          <p:cNvCxnSpPr>
+            <a:cxnSpLocks/>
+            <a:endCxn id="67" idx="1"/>
+          </p:cNvCxnSpPr>
+          <p:nvPr/>
+        </p:nvCxnSpPr>
+        <p:spPr>
+          <a:xfrm>
+            <a:off x="859407" y="1907408"/>
+            <a:ext cx="143011" cy="0"/>
+          </a:xfrm>
+          <a:prstGeom prst="line">
+            <a:avLst/>
+          </a:prstGeom>
           <a:ln w="25400">
             <a:solidFill>
               <a:schemeClr val="tx1">
@@ -4734,6 +5108,53 @@
           </a:ln>
         </p:spPr>
         <p:style>
+          <a:lnRef idx="1">
+            <a:schemeClr val="accent1"/>
+          </a:lnRef>
+          <a:fillRef idx="0">
+            <a:schemeClr val="accent1"/>
+          </a:fillRef>
+          <a:effectRef idx="0">
+            <a:schemeClr val="accent1"/>
+          </a:effectRef>
+          <a:fontRef idx="minor">
+            <a:schemeClr val="tx1"/>
+          </a:fontRef>
+        </p:style>
+      </p:cxnSp>
+      <p:sp>
+        <p:nvSpPr>
+          <p:cNvPr id="67" name="Rectangle 66">
+            <a:extLst>
+              <a:ext uri="{FF2B5EF4-FFF2-40B4-BE49-F238E27FC236}">
+                <a16:creationId xmlns:a16="http://schemas.microsoft.com/office/drawing/2014/main" id="{94ABFE13-CE5B-883E-B936-4D00C4A35D12}"/>
+              </a:ext>
+            </a:extLst>
+          </p:cNvPr>
+          <p:cNvSpPr/>
+          <p:nvPr/>
+        </p:nvSpPr>
+        <p:spPr>
+          <a:xfrm>
+            <a:off x="1002418" y="1747067"/>
+            <a:ext cx="2103120" cy="320682"/>
+          </a:xfrm>
+          <a:prstGeom prst="rect">
+            <a:avLst/>
+          </a:prstGeom>
+          <a:solidFill>
+            <a:srgbClr val="E3E0B3"/>
+          </a:solidFill>
+          <a:ln>
+            <a:solidFill>
+              <a:schemeClr val="tx1">
+                <a:lumMod val="65000"/>
+                <a:lumOff val="35000"/>
+              </a:schemeClr>
+            </a:solidFill>
+          </a:ln>
+        </p:spPr>
+        <p:style>
           <a:lnRef idx="2">
             <a:schemeClr val="accent6"/>
           </a:lnRef>
@@ -4753,18 +5174,18 @@
           <a:p>
             <a:pPr algn="ctr"/>
             <a:r>
-              <a:rPr lang="en-US" b="1" dirty="0"/>
-              <a:t>metrics-exchange</a:t>
-            </a:r>
-          </a:p>
-        </p:txBody>
-      </p:sp>
-      <p:sp>
-        <p:nvSpPr>
-          <p:cNvPr id="32" name="Rectangle 31">
-            <a:extLst>
-              <a:ext uri="{FF2B5EF4-FFF2-40B4-BE49-F238E27FC236}">
-                <a16:creationId xmlns:a16="http://schemas.microsoft.com/office/drawing/2014/main" id="{2886F777-DF05-BE71-1732-20C13F4572BF}"/>
+              <a:rPr lang="en-US" dirty="0"/>
+              <a:t>common</a:t>
+            </a:r>
+          </a:p>
+        </p:txBody>
+      </p:sp>
+      <p:sp>
+        <p:nvSpPr>
+          <p:cNvPr id="71" name="Rectangle 70">
+            <a:extLst>
+              <a:ext uri="{FF2B5EF4-FFF2-40B4-BE49-F238E27FC236}">
+                <a16:creationId xmlns:a16="http://schemas.microsoft.com/office/drawing/2014/main" id="{BED8F287-D549-67D7-EE8C-7790CFC3EBD4}"/>
               </a:ext>
             </a:extLst>
           </p:cNvPr>
@@ -4773,8 +5194,8 @@
         </p:nvSpPr>
         <p:spPr>
           <a:xfrm>
-            <a:off x="7562851" y="3887120"/>
-            <a:ext cx="2158628" cy="344880"/>
+            <a:off x="7612700" y="3051216"/>
+            <a:ext cx="2238957" cy="355876"/>
           </a:xfrm>
           <a:prstGeom prst="rect">
             <a:avLst/>
@@ -4783,12 +5204,31 @@
             <a:schemeClr val="bg1"/>
           </a:solidFill>
           <a:ln w="25400">
-            <a:solidFill>
-              <a:schemeClr val="tx1">
-                <a:lumMod val="50000"/>
-                <a:lumOff val="50000"/>
-              </a:schemeClr>
-            </a:solidFill>
+            <a:gradFill flip="none" rotWithShape="1">
+              <a:gsLst>
+                <a:gs pos="0">
+                  <a:schemeClr val="accent5">
+                    <a:lumMod val="40000"/>
+                    <a:lumOff val="60000"/>
+                  </a:schemeClr>
+                </a:gs>
+                <a:gs pos="46000">
+                  <a:schemeClr val="accent5">
+                    <a:lumMod val="95000"/>
+                    <a:lumOff val="5000"/>
+                  </a:schemeClr>
+                </a:gs>
+                <a:gs pos="100000">
+                  <a:schemeClr val="accent5">
+                    <a:lumMod val="60000"/>
+                  </a:schemeClr>
+                </a:gs>
+              </a:gsLst>
+              <a:path path="circle">
+                <a:fillToRect l="50000" t="130000" r="50000" b="-30000"/>
+              </a:path>
+              <a:tileRect/>
+            </a:gradFill>
           </a:ln>
         </p:spPr>
         <p:style>
@@ -4812,21 +5252,21 @@
             <a:pPr algn="ctr"/>
             <a:r>
               <a:rPr lang="en-US" b="1" dirty="0" err="1"/>
-              <a:t>slo</a:t>
+              <a:t>postgresql</a:t>
             </a:r>
             <a:r>
               <a:rPr lang="en-US" b="1" dirty="0"/>
-              <a:t>-exchange</a:t>
-            </a:r>
-          </a:p>
-        </p:txBody>
-      </p:sp>
-      <p:sp>
-        <p:nvSpPr>
-          <p:cNvPr id="33" name="Rectangle 32">
-            <a:extLst>
-              <a:ext uri="{FF2B5EF4-FFF2-40B4-BE49-F238E27FC236}">
-                <a16:creationId xmlns:a16="http://schemas.microsoft.com/office/drawing/2014/main" id="{6220BF0B-BD06-6DF9-02B0-8E6749A2EDC7}"/>
+              <a:t>-adapter</a:t>
+            </a:r>
+          </a:p>
+        </p:txBody>
+      </p:sp>
+      <p:sp>
+        <p:nvSpPr>
+          <p:cNvPr id="72" name="Rectangle 71">
+            <a:extLst>
+              <a:ext uri="{FF2B5EF4-FFF2-40B4-BE49-F238E27FC236}">
+                <a16:creationId xmlns:a16="http://schemas.microsoft.com/office/drawing/2014/main" id="{4AAD67B4-E750-0371-67E6-4EF902BA7431}"/>
               </a:ext>
             </a:extLst>
           </p:cNvPr>
@@ -4835,8 +5275,8 @@
         </p:nvSpPr>
         <p:spPr>
           <a:xfrm>
-            <a:off x="5106632" y="3818152"/>
-            <a:ext cx="2184354" cy="344880"/>
+            <a:off x="7612700" y="1360756"/>
+            <a:ext cx="2238957" cy="355876"/>
           </a:xfrm>
           <a:prstGeom prst="rect">
             <a:avLst/>
@@ -4845,12 +5285,31 @@
             <a:schemeClr val="bg1"/>
           </a:solidFill>
           <a:ln w="25400">
-            <a:solidFill>
-              <a:schemeClr val="tx1">
-                <a:lumMod val="50000"/>
-                <a:lumOff val="50000"/>
-              </a:schemeClr>
-            </a:solidFill>
+            <a:gradFill flip="none" rotWithShape="1">
+              <a:gsLst>
+                <a:gs pos="0">
+                  <a:schemeClr val="accent5">
+                    <a:lumMod val="40000"/>
+                    <a:lumOff val="60000"/>
+                  </a:schemeClr>
+                </a:gs>
+                <a:gs pos="46000">
+                  <a:schemeClr val="accent5">
+                    <a:lumMod val="95000"/>
+                    <a:lumOff val="5000"/>
+                  </a:schemeClr>
+                </a:gs>
+                <a:gs pos="100000">
+                  <a:schemeClr val="accent5">
+                    <a:lumMod val="60000"/>
+                  </a:schemeClr>
+                </a:gs>
+              </a:gsLst>
+              <a:path path="circle">
+                <a:fillToRect l="50000" t="130000" r="50000" b="-30000"/>
+              </a:path>
+              <a:tileRect/>
+            </a:gradFill>
           </a:ln>
         </p:spPr>
         <p:style>
@@ -4873,18 +5332,22 @@
           <a:p>
             <a:pPr algn="ctr"/>
             <a:r>
+              <a:rPr lang="en-US" b="1" dirty="0" err="1"/>
+              <a:t>awsrds</a:t>
+            </a:r>
+            <a:r>
               <a:rPr lang="en-US" b="1" dirty="0"/>
-              <a:t>timeseries-exchange</a:t>
-            </a:r>
-          </a:p>
-        </p:txBody>
-      </p:sp>
-      <p:sp>
-        <p:nvSpPr>
-          <p:cNvPr id="34" name="Rectangle 33">
-            <a:extLst>
-              <a:ext uri="{FF2B5EF4-FFF2-40B4-BE49-F238E27FC236}">
-                <a16:creationId xmlns:a16="http://schemas.microsoft.com/office/drawing/2014/main" id="{24FF6FA8-F549-7342-38DC-36B9AE6830F7}"/>
+              <a:t>-adapter</a:t>
+            </a:r>
+          </a:p>
+        </p:txBody>
+      </p:sp>
+      <p:sp>
+        <p:nvSpPr>
+          <p:cNvPr id="73" name="Rectangle 72">
+            <a:extLst>
+              <a:ext uri="{FF2B5EF4-FFF2-40B4-BE49-F238E27FC236}">
+                <a16:creationId xmlns:a16="http://schemas.microsoft.com/office/drawing/2014/main" id="{5F69B868-D1B1-4EF4-4D22-1502F81DE285}"/>
               </a:ext>
             </a:extLst>
           </p:cNvPr>
@@ -4893,8 +5356,8 @@
         </p:nvSpPr>
         <p:spPr>
           <a:xfrm>
-            <a:off x="5106632" y="3368869"/>
-            <a:ext cx="2184354" cy="344880"/>
+            <a:off x="7653565" y="4493455"/>
+            <a:ext cx="2238957" cy="355876"/>
           </a:xfrm>
           <a:prstGeom prst="rect">
             <a:avLst/>
@@ -4903,10 +5366,87 @@
             <a:schemeClr val="bg1"/>
           </a:solidFill>
           <a:ln w="25400">
+            <a:gradFill flip="none" rotWithShape="1">
+              <a:gsLst>
+                <a:gs pos="0">
+                  <a:schemeClr val="accent5">
+                    <a:lumMod val="40000"/>
+                    <a:lumOff val="60000"/>
+                  </a:schemeClr>
+                </a:gs>
+                <a:gs pos="46000">
+                  <a:schemeClr val="accent5">
+                    <a:lumMod val="95000"/>
+                    <a:lumOff val="5000"/>
+                  </a:schemeClr>
+                </a:gs>
+                <a:gs pos="100000">
+                  <a:schemeClr val="accent5">
+                    <a:lumMod val="60000"/>
+                  </a:schemeClr>
+                </a:gs>
+              </a:gsLst>
+              <a:path path="circle">
+                <a:fillToRect l="50000" t="130000" r="50000" b="-30000"/>
+              </a:path>
+              <a:tileRect/>
+            </a:gradFill>
+          </a:ln>
+        </p:spPr>
+        <p:style>
+          <a:lnRef idx="2">
+            <a:schemeClr val="accent6"/>
+          </a:lnRef>
+          <a:fillRef idx="1">
+            <a:schemeClr val="lt1"/>
+          </a:fillRef>
+          <a:effectRef idx="0">
+            <a:schemeClr val="accent6"/>
+          </a:effectRef>
+          <a:fontRef idx="minor">
+            <a:schemeClr val="dk1"/>
+          </a:fontRef>
+        </p:style>
+        <p:txBody>
+          <a:bodyPr rtlCol="0" anchor="ctr"/>
+          <a:lstStyle/>
+          <a:p>
+            <a:pPr algn="ctr"/>
+            <a:r>
+              <a:rPr lang="en-US" b="1" dirty="0"/>
+              <a:t>elastic-adapter</a:t>
+            </a:r>
+          </a:p>
+        </p:txBody>
+      </p:sp>
+      <p:sp>
+        <p:nvSpPr>
+          <p:cNvPr id="83" name="Rectangle 82">
+            <a:extLst>
+              <a:ext uri="{FF2B5EF4-FFF2-40B4-BE49-F238E27FC236}">
+                <a16:creationId xmlns:a16="http://schemas.microsoft.com/office/drawing/2014/main" id="{F92830D7-8929-3DA7-A74A-681D89560163}"/>
+              </a:ext>
+            </a:extLst>
+          </p:cNvPr>
+          <p:cNvSpPr/>
+          <p:nvPr/>
+        </p:nvSpPr>
+        <p:spPr>
+          <a:xfrm>
+            <a:off x="7788260" y="1876973"/>
+            <a:ext cx="2103120" cy="320682"/>
+          </a:xfrm>
+          <a:prstGeom prst="rect">
+            <a:avLst/>
+          </a:prstGeom>
+          <a:solidFill>
+            <a:srgbClr val="E3E0B3"/>
+          </a:solidFill>
+          <a:ln>
             <a:solidFill>
               <a:schemeClr val="tx1">
-                <a:lumMod val="50000"/>
-                <a:lumOff val="50000"/>
+                <a:lumMod val="65000"/>
+                <a:lumOff val="35000"/>
               </a:schemeClr>
             </a:solidFill>
           </a:ln>
@@ -4931,488 +5471,10 @@
           <a:p>
             <a:pPr algn="ctr"/>
             <a:r>
-              <a:rPr lang="en-US" b="1" dirty="0"/>
-              <a:t>timeseries-data</a:t>
-            </a:r>
-          </a:p>
-        </p:txBody>
-      </p:sp>
-      <p:sp>
-        <p:nvSpPr>
-          <p:cNvPr id="35" name="Rectangle 34">
-            <a:extLst>
-              <a:ext uri="{FF2B5EF4-FFF2-40B4-BE49-F238E27FC236}">
-                <a16:creationId xmlns:a16="http://schemas.microsoft.com/office/drawing/2014/main" id="{E03BEE1A-F21C-E8CF-69AC-041F8705640D}"/>
-              </a:ext>
-            </a:extLst>
-          </p:cNvPr>
-          <p:cNvSpPr/>
-          <p:nvPr/>
-        </p:nvSpPr>
-        <p:spPr>
-          <a:xfrm>
-            <a:off x="7562851" y="3368856"/>
-            <a:ext cx="1886101" cy="344880"/>
-          </a:xfrm>
-          <a:prstGeom prst="rect">
-            <a:avLst/>
-          </a:prstGeom>
-          <a:solidFill>
-            <a:schemeClr val="bg1"/>
-          </a:solidFill>
-          <a:ln w="25400">
-            <a:solidFill>
-              <a:schemeClr val="tx1">
-                <a:lumMod val="50000"/>
-                <a:lumOff val="50000"/>
-              </a:schemeClr>
-            </a:solidFill>
-          </a:ln>
-        </p:spPr>
-        <p:style>
-          <a:lnRef idx="2">
-            <a:schemeClr val="accent6"/>
-          </a:lnRef>
-          <a:fillRef idx="1">
-            <a:schemeClr val="lt1"/>
-          </a:fillRef>
-          <a:effectRef idx="0">
-            <a:schemeClr val="accent6"/>
-          </a:effectRef>
-          <a:fontRef idx="minor">
-            <a:schemeClr val="dk1"/>
-          </a:fontRef>
-        </p:style>
-        <p:txBody>
-          <a:bodyPr rtlCol="0" anchor="ctr"/>
-          <a:lstStyle/>
-          <a:p>
-            <a:pPr algn="ctr"/>
-            <a:r>
-              <a:rPr lang="en-US" b="1" dirty="0" err="1"/>
-              <a:t>slo</a:t>
-            </a:r>
-            <a:r>
-              <a:rPr lang="en-US" b="1" dirty="0"/>
-              <a:t>-data</a:t>
-            </a:r>
-          </a:p>
-        </p:txBody>
-      </p:sp>
-      <p:sp>
-        <p:nvSpPr>
-          <p:cNvPr id="36" name="Rectangle 35">
-            <a:extLst>
-              <a:ext uri="{FF2B5EF4-FFF2-40B4-BE49-F238E27FC236}">
-                <a16:creationId xmlns:a16="http://schemas.microsoft.com/office/drawing/2014/main" id="{3BA637D3-E605-B072-FD45-87B9513A0ED7}"/>
-              </a:ext>
-            </a:extLst>
-          </p:cNvPr>
-          <p:cNvSpPr/>
-          <p:nvPr/>
-        </p:nvSpPr>
-        <p:spPr>
-          <a:xfrm>
-            <a:off x="2959702" y="870935"/>
-            <a:ext cx="1886101" cy="344880"/>
-          </a:xfrm>
-          <a:prstGeom prst="rect">
-            <a:avLst/>
-          </a:prstGeom>
-          <a:solidFill>
-            <a:schemeClr val="bg1"/>
-          </a:solidFill>
-          <a:ln w="25400">
-            <a:solidFill>
-              <a:schemeClr val="tx1">
-                <a:lumMod val="50000"/>
-                <a:lumOff val="50000"/>
-              </a:schemeClr>
-            </a:solidFill>
-          </a:ln>
-        </p:spPr>
-        <p:style>
-          <a:lnRef idx="2">
-            <a:schemeClr val="accent6"/>
-          </a:lnRef>
-          <a:fillRef idx="1">
-            <a:schemeClr val="lt1"/>
-          </a:fillRef>
-          <a:effectRef idx="0">
-            <a:schemeClr val="accent6"/>
-          </a:effectRef>
-          <a:fontRef idx="minor">
-            <a:schemeClr val="dk1"/>
-          </a:fontRef>
-        </p:style>
-        <p:txBody>
-          <a:bodyPr rtlCol="0" anchor="ctr"/>
-          <a:lstStyle/>
-          <a:p>
-            <a:pPr algn="ctr"/>
-            <a:r>
-              <a:rPr lang="en-US" b="1" dirty="0"/>
-              <a:t>common-data</a:t>
-            </a:r>
-          </a:p>
-        </p:txBody>
-      </p:sp>
-      <p:sp>
-        <p:nvSpPr>
-          <p:cNvPr id="39" name="Rectangle 38">
-            <a:extLst>
-              <a:ext uri="{FF2B5EF4-FFF2-40B4-BE49-F238E27FC236}">
-                <a16:creationId xmlns:a16="http://schemas.microsoft.com/office/drawing/2014/main" id="{C6241EB3-BB1F-EE3E-3159-85AC98A929FD}"/>
-              </a:ext>
-            </a:extLst>
-          </p:cNvPr>
-          <p:cNvSpPr/>
-          <p:nvPr/>
-        </p:nvSpPr>
-        <p:spPr>
-          <a:xfrm>
-            <a:off x="9949334" y="4311436"/>
-            <a:ext cx="2158629" cy="344880"/>
-          </a:xfrm>
-          <a:prstGeom prst="rect">
-            <a:avLst/>
-          </a:prstGeom>
-          <a:solidFill>
-            <a:schemeClr val="bg1"/>
-          </a:solidFill>
-          <a:ln w="25400">
-            <a:solidFill>
-              <a:schemeClr val="tx1">
-                <a:lumMod val="50000"/>
-                <a:lumOff val="50000"/>
-              </a:schemeClr>
-            </a:solidFill>
-          </a:ln>
-        </p:spPr>
-        <p:style>
-          <a:lnRef idx="2">
-            <a:schemeClr val="accent6"/>
-          </a:lnRef>
-          <a:fillRef idx="1">
-            <a:schemeClr val="lt1"/>
-          </a:fillRef>
-          <a:effectRef idx="0">
-            <a:schemeClr val="accent6"/>
-          </a:effectRef>
-          <a:fontRef idx="minor">
-            <a:schemeClr val="dk1"/>
-          </a:fontRef>
-        </p:style>
-        <p:txBody>
-          <a:bodyPr rtlCol="0" anchor="ctr"/>
-          <a:lstStyle/>
-          <a:p>
-            <a:pPr algn="ctr"/>
-            <a:r>
-              <a:rPr lang="en-US" b="1" dirty="0"/>
-              <a:t>customer-</a:t>
-            </a:r>
-            <a:r>
-              <a:rPr lang="en-US" b="1" dirty="0" err="1"/>
-              <a:t>cdc</a:t>
-            </a:r>
-            <a:endParaRPr lang="en-US" b="1" dirty="0"/>
-          </a:p>
-        </p:txBody>
-      </p:sp>
-      <p:sp>
-        <p:nvSpPr>
-          <p:cNvPr id="40" name="Rectangle 39">
-            <a:extLst>
-              <a:ext uri="{FF2B5EF4-FFF2-40B4-BE49-F238E27FC236}">
-                <a16:creationId xmlns:a16="http://schemas.microsoft.com/office/drawing/2014/main" id="{E2BD4303-92C3-BF26-2024-18A673F3C568}"/>
-              </a:ext>
-            </a:extLst>
-          </p:cNvPr>
-          <p:cNvSpPr/>
-          <p:nvPr/>
-        </p:nvSpPr>
-        <p:spPr>
-          <a:xfrm>
-            <a:off x="9949334" y="3314255"/>
-            <a:ext cx="2158629" cy="410453"/>
-          </a:xfrm>
-          <a:prstGeom prst="rect">
-            <a:avLst/>
-          </a:prstGeom>
-          <a:solidFill>
-            <a:schemeClr val="bg1"/>
-          </a:solidFill>
-          <a:ln w="25400">
-            <a:solidFill>
-              <a:schemeClr val="tx1">
-                <a:lumMod val="50000"/>
-                <a:lumOff val="50000"/>
-              </a:schemeClr>
-            </a:solidFill>
-          </a:ln>
-        </p:spPr>
-        <p:style>
-          <a:lnRef idx="2">
-            <a:schemeClr val="accent6"/>
-          </a:lnRef>
-          <a:fillRef idx="1">
-            <a:schemeClr val="lt1"/>
-          </a:fillRef>
-          <a:effectRef idx="0">
-            <a:schemeClr val="accent6"/>
-          </a:effectRef>
-          <a:fontRef idx="minor">
-            <a:schemeClr val="dk1"/>
-          </a:fontRef>
-        </p:style>
-        <p:txBody>
-          <a:bodyPr rtlCol="0" anchor="ctr"/>
-          <a:lstStyle/>
-          <a:p>
-            <a:pPr algn="ctr"/>
-            <a:r>
-              <a:rPr lang="en-US" b="1" dirty="0"/>
-              <a:t>customer-data</a:t>
-            </a:r>
-          </a:p>
-        </p:txBody>
-      </p:sp>
-      <p:sp>
-        <p:nvSpPr>
-          <p:cNvPr id="42" name="Rectangle 41">
-            <a:extLst>
-              <a:ext uri="{FF2B5EF4-FFF2-40B4-BE49-F238E27FC236}">
-                <a16:creationId xmlns:a16="http://schemas.microsoft.com/office/drawing/2014/main" id="{EF57DC3E-F613-4C5E-53D1-EFB77E911030}"/>
-              </a:ext>
-            </a:extLst>
-          </p:cNvPr>
-          <p:cNvSpPr/>
-          <p:nvPr/>
-        </p:nvSpPr>
-        <p:spPr>
-          <a:xfrm>
-            <a:off x="9877242" y="1933563"/>
-            <a:ext cx="2070795" cy="344880"/>
-          </a:xfrm>
-          <a:prstGeom prst="rect">
-            <a:avLst/>
-          </a:prstGeom>
-          <a:solidFill>
-            <a:schemeClr val="bg1"/>
-          </a:solidFill>
-          <a:ln w="25400">
-            <a:solidFill>
-              <a:schemeClr val="tx1">
-                <a:lumMod val="50000"/>
-                <a:lumOff val="50000"/>
-              </a:schemeClr>
-            </a:solidFill>
-          </a:ln>
-        </p:spPr>
-        <p:style>
-          <a:lnRef idx="2">
-            <a:schemeClr val="accent6"/>
-          </a:lnRef>
-          <a:fillRef idx="1">
-            <a:schemeClr val="lt1"/>
-          </a:fillRef>
-          <a:effectRef idx="0">
-            <a:schemeClr val="accent6"/>
-          </a:effectRef>
-          <a:fontRef idx="minor">
-            <a:schemeClr val="dk1"/>
-          </a:fontRef>
-        </p:style>
-        <p:txBody>
-          <a:bodyPr rtlCol="0" anchor="ctr"/>
-          <a:lstStyle/>
-          <a:p>
-            <a:pPr algn="ctr"/>
-            <a:r>
-              <a:rPr lang="en-US" b="1" dirty="0"/>
-              <a:t>elastic-exchange</a:t>
-            </a:r>
-          </a:p>
-        </p:txBody>
-      </p:sp>
-      <p:sp>
-        <p:nvSpPr>
-          <p:cNvPr id="44" name="Rectangle 43">
-            <a:extLst>
-              <a:ext uri="{FF2B5EF4-FFF2-40B4-BE49-F238E27FC236}">
-                <a16:creationId xmlns:a16="http://schemas.microsoft.com/office/drawing/2014/main" id="{334E8541-C10F-89FA-96FA-614BB2879E1F}"/>
-              </a:ext>
-            </a:extLst>
-          </p:cNvPr>
-          <p:cNvSpPr/>
-          <p:nvPr/>
-        </p:nvSpPr>
-        <p:spPr>
-          <a:xfrm>
-            <a:off x="5150642" y="4325503"/>
-            <a:ext cx="2184354" cy="344880"/>
-          </a:xfrm>
-          <a:prstGeom prst="rect">
-            <a:avLst/>
-          </a:prstGeom>
-          <a:solidFill>
-            <a:schemeClr val="bg1"/>
-          </a:solidFill>
-          <a:ln w="25400">
-            <a:solidFill>
-              <a:schemeClr val="tx1">
-                <a:lumMod val="50000"/>
-                <a:lumOff val="50000"/>
-              </a:schemeClr>
-            </a:solidFill>
-          </a:ln>
-        </p:spPr>
-        <p:style>
-          <a:lnRef idx="2">
-            <a:schemeClr val="accent6"/>
-          </a:lnRef>
-          <a:fillRef idx="1">
-            <a:schemeClr val="lt1"/>
-          </a:fillRef>
-          <a:effectRef idx="0">
-            <a:schemeClr val="accent6"/>
-          </a:effectRef>
-          <a:fontRef idx="minor">
-            <a:schemeClr val="dk1"/>
-          </a:fontRef>
-        </p:style>
-        <p:txBody>
-          <a:bodyPr rtlCol="0" anchor="ctr"/>
-          <a:lstStyle/>
-          <a:p>
-            <a:pPr algn="ctr"/>
-            <a:r>
-              <a:rPr lang="en-US" b="1" dirty="0"/>
-              <a:t>timeseries-</a:t>
-            </a:r>
-            <a:r>
-              <a:rPr lang="en-US" b="1" dirty="0" err="1"/>
-              <a:t>cdc</a:t>
-            </a:r>
-            <a:endParaRPr lang="en-US" b="1" dirty="0"/>
-          </a:p>
-        </p:txBody>
-      </p:sp>
-      <p:sp>
-        <p:nvSpPr>
-          <p:cNvPr id="45" name="Rectangle 44">
-            <a:extLst>
-              <a:ext uri="{FF2B5EF4-FFF2-40B4-BE49-F238E27FC236}">
-                <a16:creationId xmlns:a16="http://schemas.microsoft.com/office/drawing/2014/main" id="{C245E4A0-B3AF-56E8-FDDF-1E81D4D1353B}"/>
-              </a:ext>
-            </a:extLst>
-          </p:cNvPr>
-          <p:cNvSpPr/>
-          <p:nvPr/>
-        </p:nvSpPr>
-        <p:spPr>
-          <a:xfrm>
-            <a:off x="7562851" y="4325503"/>
-            <a:ext cx="2158628" cy="344880"/>
-          </a:xfrm>
-          <a:prstGeom prst="rect">
-            <a:avLst/>
-          </a:prstGeom>
-          <a:solidFill>
-            <a:schemeClr val="bg1"/>
-          </a:solidFill>
-          <a:ln w="25400">
-            <a:solidFill>
-              <a:schemeClr val="tx1">
-                <a:lumMod val="50000"/>
-                <a:lumOff val="50000"/>
-              </a:schemeClr>
-            </a:solidFill>
-          </a:ln>
-        </p:spPr>
-        <p:style>
-          <a:lnRef idx="2">
-            <a:schemeClr val="accent6"/>
-          </a:lnRef>
-          <a:fillRef idx="1">
-            <a:schemeClr val="lt1"/>
-          </a:fillRef>
-          <a:effectRef idx="0">
-            <a:schemeClr val="accent6"/>
-          </a:effectRef>
-          <a:fontRef idx="minor">
-            <a:schemeClr val="dk1"/>
-          </a:fontRef>
-        </p:style>
-        <p:txBody>
-          <a:bodyPr rtlCol="0" anchor="ctr"/>
-          <a:lstStyle/>
-          <a:p>
-            <a:pPr algn="ctr"/>
-            <a:r>
-              <a:rPr lang="en-US" b="1" dirty="0" err="1"/>
-              <a:t>slo-cdc</a:t>
-            </a:r>
-            <a:endParaRPr lang="en-US" b="1" dirty="0"/>
-          </a:p>
-        </p:txBody>
-      </p:sp>
-      <p:sp>
-        <p:nvSpPr>
-          <p:cNvPr id="46" name="Rectangle 45">
-            <a:extLst>
-              <a:ext uri="{FF2B5EF4-FFF2-40B4-BE49-F238E27FC236}">
-                <a16:creationId xmlns:a16="http://schemas.microsoft.com/office/drawing/2014/main" id="{B5356A2D-0496-B2C5-B161-E11A80D9E4CD}"/>
-              </a:ext>
-            </a:extLst>
-          </p:cNvPr>
-          <p:cNvSpPr/>
-          <p:nvPr/>
-        </p:nvSpPr>
-        <p:spPr>
-          <a:xfrm>
-            <a:off x="9949333" y="3802886"/>
-            <a:ext cx="2158629" cy="410453"/>
-          </a:xfrm>
-          <a:prstGeom prst="rect">
-            <a:avLst/>
-          </a:prstGeom>
-          <a:solidFill>
-            <a:schemeClr val="bg1"/>
-          </a:solidFill>
-          <a:ln w="25400">
-            <a:solidFill>
-              <a:schemeClr val="tx1">
-                <a:lumMod val="50000"/>
-                <a:lumOff val="50000"/>
-              </a:schemeClr>
-            </a:solidFill>
-          </a:ln>
-        </p:spPr>
-        <p:style>
-          <a:lnRef idx="2">
-            <a:schemeClr val="accent6"/>
-          </a:lnRef>
-          <a:fillRef idx="1">
-            <a:schemeClr val="lt1"/>
-          </a:fillRef>
-          <a:effectRef idx="0">
-            <a:schemeClr val="accent6"/>
-          </a:effectRef>
-          <a:fontRef idx="minor">
-            <a:schemeClr val="dk1"/>
-          </a:fontRef>
-        </p:style>
-        <p:txBody>
-          <a:bodyPr rtlCol="0" anchor="ctr"/>
-          <a:lstStyle/>
-          <a:p>
-            <a:pPr algn="ctr"/>
-            <a:r>
-              <a:rPr lang="en-US" b="1" dirty="0"/>
-              <a:t>customer-exchange</a:t>
-            </a:r>
+              <a:rPr lang="en-US" dirty="0" err="1"/>
+              <a:t>awssql</a:t>
+            </a:r>
+            <a:endParaRPr lang="en-US" dirty="0"/>
           </a:p>
         </p:txBody>
       </p:sp>
@@ -5475,35 +5537,81 @@
           <a:lstStyle/>
           <a:p>
             <a:r>
+              <a:rPr lang="en-US" sz="4000" dirty="0" err="1"/>
+              <a:t>Leggos</a:t>
+            </a:r>
+            <a:r>
               <a:rPr lang="en-US" sz="4000" dirty="0"/>
-              <a:t>Servers</a:t>
-            </a:r>
-          </a:p>
-        </p:txBody>
-      </p:sp>
-      <p:sp>
-        <p:nvSpPr>
-          <p:cNvPr id="25" name="Rectangle 24">
-            <a:extLst>
-              <a:ext uri="{FF2B5EF4-FFF2-40B4-BE49-F238E27FC236}">
-                <a16:creationId xmlns:a16="http://schemas.microsoft.com/office/drawing/2014/main" id="{AB2CAAB2-4F26-9795-B71C-6066629BFDE4}"/>
-              </a:ext>
-            </a:extLst>
-          </p:cNvPr>
-          <p:cNvSpPr/>
-          <p:nvPr/>
-        </p:nvSpPr>
-        <p:spPr>
-          <a:xfrm>
-            <a:off x="216680" y="3929911"/>
-            <a:ext cx="2164161" cy="344880"/>
-          </a:xfrm>
-          <a:prstGeom prst="rect">
-            <a:avLst/>
-          </a:prstGeom>
-          <a:solidFill>
-            <a:schemeClr val="bg1"/>
-          </a:solidFill>
+              <a:t>® - Client Exchange</a:t>
+            </a:r>
+          </a:p>
+        </p:txBody>
+      </p:sp>
+      <p:cxnSp>
+        <p:nvCxnSpPr>
+          <p:cNvPr id="10" name="Straight Connector 9">
+            <a:extLst>
+              <a:ext uri="{FF2B5EF4-FFF2-40B4-BE49-F238E27FC236}">
+                <a16:creationId xmlns:a16="http://schemas.microsoft.com/office/drawing/2014/main" id="{2C327D33-F4EE-C800-6261-1942AD826F86}"/>
+              </a:ext>
+            </a:extLst>
+          </p:cNvPr>
+          <p:cNvCxnSpPr>
+            <a:cxnSpLocks/>
+          </p:cNvCxnSpPr>
+          <p:nvPr/>
+        </p:nvCxnSpPr>
+        <p:spPr>
+          <a:xfrm>
+            <a:off x="273311" y="327812"/>
+            <a:ext cx="0" cy="1324326"/>
+          </a:xfrm>
+          <a:prstGeom prst="line">
+            <a:avLst/>
+          </a:prstGeom>
+          <a:ln w="25400">
+            <a:solidFill>
+              <a:schemeClr val="tx1"/>
+            </a:solidFill>
+          </a:ln>
+        </p:spPr>
+        <p:style>
+          <a:lnRef idx="1">
+            <a:schemeClr val="accent1"/>
+          </a:lnRef>
+          <a:fillRef idx="0">
+            <a:schemeClr val="accent1"/>
+          </a:fillRef>
+          <a:effectRef idx="0">
+            <a:schemeClr val="accent1"/>
+          </a:effectRef>
+          <a:fontRef idx="minor">
+            <a:schemeClr val="tx1"/>
+          </a:fontRef>
+        </p:style>
+      </p:cxnSp>
+      <p:cxnSp>
+        <p:nvCxnSpPr>
+          <p:cNvPr id="16" name="Straight Connector 15">
+            <a:extLst>
+              <a:ext uri="{FF2B5EF4-FFF2-40B4-BE49-F238E27FC236}">
+                <a16:creationId xmlns:a16="http://schemas.microsoft.com/office/drawing/2014/main" id="{183ABB7A-C2D9-FD13-C555-77F314ABE71F}"/>
+              </a:ext>
+            </a:extLst>
+          </p:cNvPr>
+          <p:cNvCxnSpPr>
+            <a:cxnSpLocks/>
+          </p:cNvCxnSpPr>
+          <p:nvPr/>
+        </p:nvCxnSpPr>
+        <p:spPr>
+          <a:xfrm flipH="1" flipV="1">
+            <a:off x="8354419" y="515399"/>
+            <a:ext cx="646593" cy="1"/>
+          </a:xfrm>
+          <a:prstGeom prst="line">
+            <a:avLst/>
+          </a:prstGeom>
           <a:ln w="25400">
             <a:solidFill>
               <a:schemeClr val="tx1">
@@ -5514,54 +5622,214 @@
           </a:ln>
         </p:spPr>
         <p:style>
-          <a:lnRef idx="2">
-            <a:schemeClr val="accent6"/>
-          </a:lnRef>
-          <a:fillRef idx="1">
-            <a:schemeClr val="lt1"/>
-          </a:fillRef>
-          <a:effectRef idx="0">
-            <a:schemeClr val="accent6"/>
-          </a:effectRef>
-          <a:fontRef idx="minor">
-            <a:schemeClr val="dk1"/>
-          </a:fontRef>
-        </p:style>
-        <p:txBody>
-          <a:bodyPr rtlCol="0" anchor="ctr"/>
-          <a:lstStyle/>
-          <a:p>
-            <a:pPr algn="ctr"/>
-            <a:r>
-              <a:rPr lang="en-US" b="1" dirty="0"/>
-              <a:t>client-exchange</a:t>
-            </a:r>
-          </a:p>
-        </p:txBody>
-      </p:sp>
-      <p:sp>
-        <p:nvSpPr>
-          <p:cNvPr id="29" name="Rectangle 28">
-            <a:extLst>
-              <a:ext uri="{FF2B5EF4-FFF2-40B4-BE49-F238E27FC236}">
-                <a16:creationId xmlns:a16="http://schemas.microsoft.com/office/drawing/2014/main" id="{725E5123-FA64-2F8C-0F15-B85267D66A9D}"/>
-              </a:ext>
-            </a:extLst>
-          </p:cNvPr>
-          <p:cNvSpPr/>
-          <p:nvPr/>
-        </p:nvSpPr>
-        <p:spPr>
-          <a:xfrm>
-            <a:off x="5190616" y="698495"/>
-            <a:ext cx="1886101" cy="344880"/>
-          </a:xfrm>
-          <a:prstGeom prst="rect">
-            <a:avLst/>
-          </a:prstGeom>
-          <a:solidFill>
-            <a:schemeClr val="bg1"/>
-          </a:solidFill>
+          <a:lnRef idx="1">
+            <a:schemeClr val="accent1"/>
+          </a:lnRef>
+          <a:fillRef idx="0">
+            <a:schemeClr val="accent1"/>
+          </a:fillRef>
+          <a:effectRef idx="0">
+            <a:schemeClr val="accent1"/>
+          </a:effectRef>
+          <a:fontRef idx="minor">
+            <a:schemeClr val="tx1"/>
+          </a:fontRef>
+        </p:style>
+      </p:cxnSp>
+      <p:cxnSp>
+        <p:nvCxnSpPr>
+          <p:cNvPr id="6" name="Straight Connector 5">
+            <a:extLst>
+              <a:ext uri="{FF2B5EF4-FFF2-40B4-BE49-F238E27FC236}">
+                <a16:creationId xmlns:a16="http://schemas.microsoft.com/office/drawing/2014/main" id="{DE715582-3D97-1642-7664-4800FE15AA3E}"/>
+              </a:ext>
+            </a:extLst>
+          </p:cNvPr>
+          <p:cNvCxnSpPr>
+            <a:cxnSpLocks/>
+          </p:cNvCxnSpPr>
+          <p:nvPr/>
+        </p:nvCxnSpPr>
+        <p:spPr>
+          <a:xfrm>
+            <a:off x="273311" y="1704855"/>
+            <a:ext cx="0" cy="1324326"/>
+          </a:xfrm>
+          <a:prstGeom prst="line">
+            <a:avLst/>
+          </a:prstGeom>
+          <a:ln w="25400">
+            <a:solidFill>
+              <a:schemeClr val="tx1"/>
+            </a:solidFill>
+          </a:ln>
+        </p:spPr>
+        <p:style>
+          <a:lnRef idx="1">
+            <a:schemeClr val="accent1"/>
+          </a:lnRef>
+          <a:fillRef idx="0">
+            <a:schemeClr val="accent1"/>
+          </a:fillRef>
+          <a:effectRef idx="0">
+            <a:schemeClr val="accent1"/>
+          </a:effectRef>
+          <a:fontRef idx="minor">
+            <a:schemeClr val="tx1"/>
+          </a:fontRef>
+        </p:style>
+      </p:cxnSp>
+      <p:cxnSp>
+        <p:nvCxnSpPr>
+          <p:cNvPr id="7" name="Straight Connector 6">
+            <a:extLst>
+              <a:ext uri="{FF2B5EF4-FFF2-40B4-BE49-F238E27FC236}">
+                <a16:creationId xmlns:a16="http://schemas.microsoft.com/office/drawing/2014/main" id="{B431E0BB-861F-0147-721A-D23447FB106A}"/>
+              </a:ext>
+            </a:extLst>
+          </p:cNvPr>
+          <p:cNvCxnSpPr>
+            <a:cxnSpLocks/>
+          </p:cNvCxnSpPr>
+          <p:nvPr/>
+        </p:nvCxnSpPr>
+        <p:spPr>
+          <a:xfrm>
+            <a:off x="273311" y="3185312"/>
+            <a:ext cx="0" cy="1324326"/>
+          </a:xfrm>
+          <a:prstGeom prst="line">
+            <a:avLst/>
+          </a:prstGeom>
+          <a:ln w="25400">
+            <a:solidFill>
+              <a:schemeClr val="tx1"/>
+            </a:solidFill>
+          </a:ln>
+        </p:spPr>
+        <p:style>
+          <a:lnRef idx="1">
+            <a:schemeClr val="accent1"/>
+          </a:lnRef>
+          <a:fillRef idx="0">
+            <a:schemeClr val="accent1"/>
+          </a:fillRef>
+          <a:effectRef idx="0">
+            <a:schemeClr val="accent1"/>
+          </a:effectRef>
+          <a:fontRef idx="minor">
+            <a:schemeClr val="tx1"/>
+          </a:fontRef>
+        </p:style>
+      </p:cxnSp>
+      <p:cxnSp>
+        <p:nvCxnSpPr>
+          <p:cNvPr id="9" name="Straight Connector 8">
+            <a:extLst>
+              <a:ext uri="{FF2B5EF4-FFF2-40B4-BE49-F238E27FC236}">
+                <a16:creationId xmlns:a16="http://schemas.microsoft.com/office/drawing/2014/main" id="{05B1ABC0-643F-7FE8-A08E-6D8F981FB53D}"/>
+              </a:ext>
+            </a:extLst>
+          </p:cNvPr>
+          <p:cNvCxnSpPr>
+            <a:cxnSpLocks/>
+          </p:cNvCxnSpPr>
+          <p:nvPr/>
+        </p:nvCxnSpPr>
+        <p:spPr>
+          <a:xfrm>
+            <a:off x="273311" y="4663417"/>
+            <a:ext cx="0" cy="1324326"/>
+          </a:xfrm>
+          <a:prstGeom prst="line">
+            <a:avLst/>
+          </a:prstGeom>
+          <a:ln w="25400">
+            <a:solidFill>
+              <a:schemeClr val="tx1"/>
+            </a:solidFill>
+          </a:ln>
+        </p:spPr>
+        <p:style>
+          <a:lnRef idx="1">
+            <a:schemeClr val="accent1"/>
+          </a:lnRef>
+          <a:fillRef idx="0">
+            <a:schemeClr val="accent1"/>
+          </a:fillRef>
+          <a:effectRef idx="0">
+            <a:schemeClr val="accent1"/>
+          </a:effectRef>
+          <a:fontRef idx="minor">
+            <a:schemeClr val="tx1"/>
+          </a:fontRef>
+        </p:style>
+      </p:cxnSp>
+      <p:cxnSp>
+        <p:nvCxnSpPr>
+          <p:cNvPr id="11" name="Straight Connector 10">
+            <a:extLst>
+              <a:ext uri="{FF2B5EF4-FFF2-40B4-BE49-F238E27FC236}">
+                <a16:creationId xmlns:a16="http://schemas.microsoft.com/office/drawing/2014/main" id="{6C0B77C3-E4B2-749F-630A-76CEE4E64B40}"/>
+              </a:ext>
+            </a:extLst>
+          </p:cNvPr>
+          <p:cNvCxnSpPr>
+            <a:cxnSpLocks/>
+          </p:cNvCxnSpPr>
+          <p:nvPr/>
+        </p:nvCxnSpPr>
+        <p:spPr>
+          <a:xfrm>
+            <a:off x="659754" y="117127"/>
+            <a:ext cx="0" cy="1324326"/>
+          </a:xfrm>
+          <a:prstGeom prst="line">
+            <a:avLst/>
+          </a:prstGeom>
+          <a:ln w="25400">
+            <a:solidFill>
+              <a:schemeClr val="tx1"/>
+            </a:solidFill>
+          </a:ln>
+        </p:spPr>
+        <p:style>
+          <a:lnRef idx="1">
+            <a:schemeClr val="accent1"/>
+          </a:lnRef>
+          <a:fillRef idx="0">
+            <a:schemeClr val="accent1"/>
+          </a:fillRef>
+          <a:effectRef idx="0">
+            <a:schemeClr val="accent1"/>
+          </a:effectRef>
+          <a:fontRef idx="minor">
+            <a:schemeClr val="tx1"/>
+          </a:fontRef>
+        </p:style>
+      </p:cxnSp>
+      <p:cxnSp>
+        <p:nvCxnSpPr>
+          <p:cNvPr id="18" name="Straight Connector 17">
+            <a:extLst>
+              <a:ext uri="{FF2B5EF4-FFF2-40B4-BE49-F238E27FC236}">
+                <a16:creationId xmlns:a16="http://schemas.microsoft.com/office/drawing/2014/main" id="{8DDC5529-C449-2A12-1E59-9109FB4194F7}"/>
+              </a:ext>
+            </a:extLst>
+          </p:cNvPr>
+          <p:cNvCxnSpPr>
+            <a:cxnSpLocks/>
+          </p:cNvCxnSpPr>
+          <p:nvPr/>
+        </p:nvCxnSpPr>
+        <p:spPr>
+          <a:xfrm flipH="1" flipV="1">
+            <a:off x="9414485" y="521344"/>
+            <a:ext cx="646593" cy="1"/>
+          </a:xfrm>
+          <a:prstGeom prst="line">
+            <a:avLst/>
+          </a:prstGeom>
           <a:ln w="25400">
             <a:solidFill>
               <a:schemeClr val="tx1">
@@ -5572,58 +5840,42 @@
           </a:ln>
         </p:spPr>
         <p:style>
-          <a:lnRef idx="2">
-            <a:schemeClr val="accent6"/>
-          </a:lnRef>
-          <a:fillRef idx="1">
-            <a:schemeClr val="lt1"/>
-          </a:fillRef>
-          <a:effectRef idx="0">
-            <a:schemeClr val="accent6"/>
-          </a:effectRef>
-          <a:fontRef idx="minor">
-            <a:schemeClr val="dk1"/>
-          </a:fontRef>
-        </p:style>
-        <p:txBody>
-          <a:bodyPr rtlCol="0" anchor="ctr"/>
-          <a:lstStyle/>
-          <a:p>
-            <a:pPr algn="ctr"/>
-            <a:r>
-              <a:rPr lang="en-US" b="1" dirty="0" err="1"/>
-              <a:t>awsrds</a:t>
-            </a:r>
-            <a:r>
-              <a:rPr lang="en-US" b="1" dirty="0"/>
-              <a:t>-adapter</a:t>
-            </a:r>
-          </a:p>
-        </p:txBody>
-      </p:sp>
-      <p:sp>
-        <p:nvSpPr>
-          <p:cNvPr id="31" name="Rectangle 30">
-            <a:extLst>
-              <a:ext uri="{FF2B5EF4-FFF2-40B4-BE49-F238E27FC236}">
-                <a16:creationId xmlns:a16="http://schemas.microsoft.com/office/drawing/2014/main" id="{ADE54724-734B-EAA6-6CC1-F12C743FDBF6}"/>
-              </a:ext>
-            </a:extLst>
-          </p:cNvPr>
-          <p:cNvSpPr/>
-          <p:nvPr/>
-        </p:nvSpPr>
-        <p:spPr>
-          <a:xfrm>
-            <a:off x="216680" y="5095767"/>
-            <a:ext cx="1886101" cy="358850"/>
-          </a:xfrm>
-          <a:prstGeom prst="rect">
-            <a:avLst/>
-          </a:prstGeom>
-          <a:solidFill>
-            <a:schemeClr val="bg1"/>
-          </a:solidFill>
+          <a:lnRef idx="1">
+            <a:schemeClr val="accent1"/>
+          </a:lnRef>
+          <a:fillRef idx="0">
+            <a:schemeClr val="accent1"/>
+          </a:fillRef>
+          <a:effectRef idx="0">
+            <a:schemeClr val="accent1"/>
+          </a:effectRef>
+          <a:fontRef idx="minor">
+            <a:schemeClr val="tx1"/>
+          </a:fontRef>
+        </p:style>
+      </p:cxnSp>
+      <p:cxnSp>
+        <p:nvCxnSpPr>
+          <p:cNvPr id="19" name="Straight Connector 18">
+            <a:extLst>
+              <a:ext uri="{FF2B5EF4-FFF2-40B4-BE49-F238E27FC236}">
+                <a16:creationId xmlns:a16="http://schemas.microsoft.com/office/drawing/2014/main" id="{1ABF20FA-3B35-CE63-D9DB-9E97C2516BD9}"/>
+              </a:ext>
+            </a:extLst>
+          </p:cNvPr>
+          <p:cNvCxnSpPr>
+            <a:cxnSpLocks/>
+          </p:cNvCxnSpPr>
+          <p:nvPr/>
+        </p:nvCxnSpPr>
+        <p:spPr>
+          <a:xfrm flipH="1" flipV="1">
+            <a:off x="10351948" y="569633"/>
+            <a:ext cx="646593" cy="1"/>
+          </a:xfrm>
+          <a:prstGeom prst="line">
+            <a:avLst/>
+          </a:prstGeom>
           <a:ln w="25400">
             <a:solidFill>
               <a:schemeClr val="tx1">
@@ -5634,37 +5886,26 @@
           </a:ln>
         </p:spPr>
         <p:style>
-          <a:lnRef idx="2">
-            <a:schemeClr val="accent6"/>
-          </a:lnRef>
-          <a:fillRef idx="1">
-            <a:schemeClr val="lt1"/>
-          </a:fillRef>
-          <a:effectRef idx="0">
-            <a:schemeClr val="accent6"/>
-          </a:effectRef>
-          <a:fontRef idx="minor">
-            <a:schemeClr val="dk1"/>
-          </a:fontRef>
-        </p:style>
-        <p:txBody>
-          <a:bodyPr rtlCol="0" anchor="ctr"/>
-          <a:lstStyle/>
-          <a:p>
-            <a:pPr algn="ctr"/>
-            <a:r>
-              <a:rPr lang="en-US" b="1" dirty="0"/>
-              <a:t>metrics-ingress</a:t>
-            </a:r>
-          </a:p>
-        </p:txBody>
-      </p:sp>
-      <p:sp>
-        <p:nvSpPr>
-          <p:cNvPr id="32" name="Rectangle 31">
-            <a:extLst>
-              <a:ext uri="{FF2B5EF4-FFF2-40B4-BE49-F238E27FC236}">
-                <a16:creationId xmlns:a16="http://schemas.microsoft.com/office/drawing/2014/main" id="{2886F777-DF05-BE71-1732-20C13F4572BF}"/>
+          <a:lnRef idx="1">
+            <a:schemeClr val="accent1"/>
+          </a:lnRef>
+          <a:fillRef idx="0">
+            <a:schemeClr val="accent1"/>
+          </a:fillRef>
+          <a:effectRef idx="0">
+            <a:schemeClr val="accent1"/>
+          </a:effectRef>
+          <a:fontRef idx="minor">
+            <a:schemeClr val="tx1"/>
+          </a:fontRef>
+        </p:style>
+      </p:cxnSp>
+      <p:sp>
+        <p:nvSpPr>
+          <p:cNvPr id="29" name="Rectangle 28">
+            <a:extLst>
+              <a:ext uri="{FF2B5EF4-FFF2-40B4-BE49-F238E27FC236}">
+                <a16:creationId xmlns:a16="http://schemas.microsoft.com/office/drawing/2014/main" id="{99391E7D-8EC4-47F8-C7AC-BF566354D267}"/>
               </a:ext>
             </a:extLst>
           </p:cNvPr>
@@ -5673,8 +5914,8 @@
         </p:nvSpPr>
         <p:spPr>
           <a:xfrm>
-            <a:off x="6654994" y="3548669"/>
-            <a:ext cx="1886101" cy="344880"/>
+            <a:off x="790032" y="1121626"/>
+            <a:ext cx="2238957" cy="355876"/>
           </a:xfrm>
           <a:prstGeom prst="rect">
             <a:avLst/>
@@ -5683,12 +5924,31 @@
             <a:schemeClr val="bg1"/>
           </a:solidFill>
           <a:ln w="25400">
-            <a:solidFill>
-              <a:schemeClr val="tx1">
-                <a:lumMod val="50000"/>
-                <a:lumOff val="50000"/>
-              </a:schemeClr>
-            </a:solidFill>
+            <a:gradFill flip="none" rotWithShape="1">
+              <a:gsLst>
+                <a:gs pos="0">
+                  <a:schemeClr val="accent5">
+                    <a:lumMod val="40000"/>
+                    <a:lumOff val="60000"/>
+                  </a:schemeClr>
+                </a:gs>
+                <a:gs pos="46000">
+                  <a:schemeClr val="accent5">
+                    <a:lumMod val="95000"/>
+                    <a:lumOff val="5000"/>
+                  </a:schemeClr>
+                </a:gs>
+                <a:gs pos="100000">
+                  <a:schemeClr val="accent5">
+                    <a:lumMod val="60000"/>
+                  </a:schemeClr>
+                </a:gs>
+              </a:gsLst>
+              <a:path path="circle">
+                <a:fillToRect l="50000" t="130000" r="50000" b="-30000"/>
+              </a:path>
+              <a:tileRect/>
+            </a:gradFill>
           </a:ln>
         </p:spPr>
         <p:style>
@@ -5711,22 +5971,18 @@
           <a:p>
             <a:pPr algn="ctr"/>
             <a:r>
-              <a:rPr lang="en-US" b="1" dirty="0" err="1"/>
-              <a:t>slo</a:t>
-            </a:r>
-            <a:r>
               <a:rPr lang="en-US" b="1" dirty="0"/>
-              <a:t>-exchange</a:t>
-            </a:r>
-          </a:p>
-        </p:txBody>
-      </p:sp>
-      <p:sp>
-        <p:nvSpPr>
-          <p:cNvPr id="33" name="Rectangle 32">
-            <a:extLst>
-              <a:ext uri="{FF2B5EF4-FFF2-40B4-BE49-F238E27FC236}">
-                <a16:creationId xmlns:a16="http://schemas.microsoft.com/office/drawing/2014/main" id="{6220BF0B-BD06-6DF9-02B0-8E6749A2EDC7}"/>
+              <a:t>entity-resources</a:t>
+            </a:r>
+          </a:p>
+        </p:txBody>
+      </p:sp>
+      <p:sp>
+        <p:nvSpPr>
+          <p:cNvPr id="37" name="Rectangle 36">
+            <a:extLst>
+              <a:ext uri="{FF2B5EF4-FFF2-40B4-BE49-F238E27FC236}">
+                <a16:creationId xmlns:a16="http://schemas.microsoft.com/office/drawing/2014/main" id="{D0AE39C3-2DFF-131C-279E-B7BBF241264E}"/>
               </a:ext>
             </a:extLst>
           </p:cNvPr>
@@ -5735,8 +5991,8 @@
         </p:nvSpPr>
         <p:spPr>
           <a:xfrm>
-            <a:off x="6654994" y="2382093"/>
-            <a:ext cx="2184354" cy="344880"/>
+            <a:off x="4255169" y="3073124"/>
+            <a:ext cx="2238957" cy="355876"/>
           </a:xfrm>
           <a:prstGeom prst="rect">
             <a:avLst/>
@@ -5745,12 +6001,31 @@
             <a:schemeClr val="bg1"/>
           </a:solidFill>
           <a:ln w="25400">
-            <a:solidFill>
-              <a:schemeClr val="tx1">
-                <a:lumMod val="50000"/>
-                <a:lumOff val="50000"/>
-              </a:schemeClr>
-            </a:solidFill>
+            <a:gradFill flip="none" rotWithShape="1">
+              <a:gsLst>
+                <a:gs pos="0">
+                  <a:schemeClr val="accent5">
+                    <a:lumMod val="40000"/>
+                    <a:lumOff val="60000"/>
+                  </a:schemeClr>
+                </a:gs>
+                <a:gs pos="46000">
+                  <a:schemeClr val="accent5">
+                    <a:lumMod val="95000"/>
+                    <a:lumOff val="5000"/>
+                  </a:schemeClr>
+                </a:gs>
+                <a:gs pos="100000">
+                  <a:schemeClr val="accent5">
+                    <a:lumMod val="60000"/>
+                  </a:schemeClr>
+                </a:gs>
+              </a:gsLst>
+              <a:path path="circle">
+                <a:fillToRect l="50000" t="130000" r="50000" b="-30000"/>
+              </a:path>
+              <a:tileRect/>
+            </a:gradFill>
           </a:ln>
         </p:spPr>
         <p:style>
@@ -5774,17 +6049,17 @@
             <a:pPr algn="ctr"/>
             <a:r>
               <a:rPr lang="en-US" b="1" dirty="0"/>
-              <a:t>timeseries-exchange</a:t>
-            </a:r>
-          </a:p>
-        </p:txBody>
-      </p:sp>
-      <p:sp>
-        <p:nvSpPr>
-          <p:cNvPr id="37" name="Rectangle 36">
-            <a:extLst>
-              <a:ext uri="{FF2B5EF4-FFF2-40B4-BE49-F238E27FC236}">
-                <a16:creationId xmlns:a16="http://schemas.microsoft.com/office/drawing/2014/main" id="{B6C2131A-0862-B040-9DAB-BF28038775ED}"/>
+              <a:t>metric-types</a:t>
+            </a:r>
+          </a:p>
+        </p:txBody>
+      </p:sp>
+      <p:sp>
+        <p:nvSpPr>
+          <p:cNvPr id="38" name="Rectangle 37">
+            <a:extLst>
+              <a:ext uri="{FF2B5EF4-FFF2-40B4-BE49-F238E27FC236}">
+                <a16:creationId xmlns:a16="http://schemas.microsoft.com/office/drawing/2014/main" id="{C672EB50-3AEB-764B-289F-790F84F7862E}"/>
               </a:ext>
             </a:extLst>
           </p:cNvPr>
@@ -5793,8 +6068,8 @@
         </p:nvSpPr>
         <p:spPr>
           <a:xfrm>
-            <a:off x="5343016" y="850895"/>
-            <a:ext cx="1886101" cy="344880"/>
+            <a:off x="4545023" y="700566"/>
+            <a:ext cx="2238957" cy="355876"/>
           </a:xfrm>
           <a:prstGeom prst="rect">
             <a:avLst/>
@@ -5803,12 +6078,31 @@
             <a:schemeClr val="bg1"/>
           </a:solidFill>
           <a:ln w="25400">
-            <a:solidFill>
-              <a:schemeClr val="tx1">
-                <a:lumMod val="50000"/>
-                <a:lumOff val="50000"/>
-              </a:schemeClr>
-            </a:solidFill>
+            <a:gradFill flip="none" rotWithShape="1">
+              <a:gsLst>
+                <a:gs pos="0">
+                  <a:schemeClr val="accent5">
+                    <a:lumMod val="40000"/>
+                    <a:lumOff val="60000"/>
+                  </a:schemeClr>
+                </a:gs>
+                <a:gs pos="46000">
+                  <a:schemeClr val="accent5">
+                    <a:lumMod val="95000"/>
+                    <a:lumOff val="5000"/>
+                  </a:schemeClr>
+                </a:gs>
+                <a:gs pos="100000">
+                  <a:schemeClr val="accent5">
+                    <a:lumMod val="60000"/>
+                  </a:schemeClr>
+                </a:gs>
+              </a:gsLst>
+              <a:path path="circle">
+                <a:fillToRect l="50000" t="130000" r="50000" b="-30000"/>
+              </a:path>
+              <a:tileRect/>
+            </a:gradFill>
           </a:ln>
         </p:spPr>
         <p:style>
@@ -5831,22 +6125,18 @@
           <a:p>
             <a:pPr algn="ctr"/>
             <a:r>
-              <a:rPr lang="en-US" b="1" dirty="0" err="1"/>
-              <a:t>awsrds</a:t>
-            </a:r>
-            <a:r>
               <a:rPr lang="en-US" b="1" dirty="0"/>
-              <a:t>-adapter</a:t>
-            </a:r>
-          </a:p>
-        </p:txBody>
-      </p:sp>
-      <p:sp>
-        <p:nvSpPr>
-          <p:cNvPr id="38" name="Rectangle 37">
-            <a:extLst>
-              <a:ext uri="{FF2B5EF4-FFF2-40B4-BE49-F238E27FC236}">
-                <a16:creationId xmlns:a16="http://schemas.microsoft.com/office/drawing/2014/main" id="{61926031-B48A-5DDC-CAF1-F32796A0C45A}"/>
+              <a:t>entity-types</a:t>
+            </a:r>
+          </a:p>
+        </p:txBody>
+      </p:sp>
+      <p:sp>
+        <p:nvSpPr>
+          <p:cNvPr id="41" name="Rectangle 40">
+            <a:extLst>
+              <a:ext uri="{FF2B5EF4-FFF2-40B4-BE49-F238E27FC236}">
+                <a16:creationId xmlns:a16="http://schemas.microsoft.com/office/drawing/2014/main" id="{0CA1EFD5-6457-4751-8D73-23F3CAB46AB4}"/>
               </a:ext>
             </a:extLst>
           </p:cNvPr>
@@ -5855,8 +6145,8 @@
         </p:nvSpPr>
         <p:spPr>
           <a:xfrm>
-            <a:off x="5495416" y="1003295"/>
-            <a:ext cx="1886101" cy="344880"/>
+            <a:off x="7234940" y="1185434"/>
+            <a:ext cx="2238957" cy="355876"/>
           </a:xfrm>
           <a:prstGeom prst="rect">
             <a:avLst/>
@@ -5865,12 +6155,31 @@
             <a:schemeClr val="bg1"/>
           </a:solidFill>
           <a:ln w="25400">
-            <a:solidFill>
-              <a:schemeClr val="tx1">
-                <a:lumMod val="50000"/>
-                <a:lumOff val="50000"/>
-              </a:schemeClr>
-            </a:solidFill>
+            <a:gradFill flip="none" rotWithShape="1">
+              <a:gsLst>
+                <a:gs pos="0">
+                  <a:schemeClr val="accent5">
+                    <a:lumMod val="40000"/>
+                    <a:lumOff val="60000"/>
+                  </a:schemeClr>
+                </a:gs>
+                <a:gs pos="46000">
+                  <a:schemeClr val="accent5">
+                    <a:lumMod val="95000"/>
+                    <a:lumOff val="5000"/>
+                  </a:schemeClr>
+                </a:gs>
+                <a:gs pos="100000">
+                  <a:schemeClr val="accent5">
+                    <a:lumMod val="60000"/>
+                  </a:schemeClr>
+                </a:gs>
+              </a:gsLst>
+              <a:path path="circle">
+                <a:fillToRect l="50000" t="130000" r="50000" b="-30000"/>
+              </a:path>
+              <a:tileRect/>
+            </a:gradFill>
           </a:ln>
         </p:spPr>
         <p:style>
@@ -5893,22 +6202,18 @@
           <a:p>
             <a:pPr algn="ctr"/>
             <a:r>
-              <a:rPr lang="en-US" b="1" dirty="0" err="1"/>
-              <a:t>awsrds</a:t>
-            </a:r>
-            <a:r>
               <a:rPr lang="en-US" b="1" dirty="0"/>
-              <a:t>-adapter</a:t>
-            </a:r>
-          </a:p>
-        </p:txBody>
-      </p:sp>
-      <p:sp>
-        <p:nvSpPr>
-          <p:cNvPr id="39" name="Rectangle 38">
-            <a:extLst>
-              <a:ext uri="{FF2B5EF4-FFF2-40B4-BE49-F238E27FC236}">
-                <a16:creationId xmlns:a16="http://schemas.microsoft.com/office/drawing/2014/main" id="{C6241EB3-BB1F-EE3E-3159-85AC98A929FD}"/>
+              <a:t>entity-host</a:t>
+            </a:r>
+          </a:p>
+        </p:txBody>
+      </p:sp>
+      <p:sp>
+        <p:nvSpPr>
+          <p:cNvPr id="43" name="Rectangle 42">
+            <a:extLst>
+              <a:ext uri="{FF2B5EF4-FFF2-40B4-BE49-F238E27FC236}">
+                <a16:creationId xmlns:a16="http://schemas.microsoft.com/office/drawing/2014/main" id="{00674333-3F65-D706-DBE9-F837F5EDFA49}"/>
               </a:ext>
             </a:extLst>
           </p:cNvPr>
@@ -5917,8 +6222,8 @@
         </p:nvSpPr>
         <p:spPr>
           <a:xfrm>
-            <a:off x="5647816" y="1155695"/>
-            <a:ext cx="1886101" cy="344880"/>
+            <a:off x="695323" y="3449960"/>
+            <a:ext cx="2238957" cy="355876"/>
           </a:xfrm>
           <a:prstGeom prst="rect">
             <a:avLst/>
@@ -5927,12 +6232,31 @@
             <a:schemeClr val="bg1"/>
           </a:solidFill>
           <a:ln w="25400">
-            <a:solidFill>
-              <a:schemeClr val="tx1">
-                <a:lumMod val="50000"/>
-                <a:lumOff val="50000"/>
-              </a:schemeClr>
-            </a:solidFill>
+            <a:gradFill flip="none" rotWithShape="1">
+              <a:gsLst>
+                <a:gs pos="0">
+                  <a:schemeClr val="accent5">
+                    <a:lumMod val="40000"/>
+                    <a:lumOff val="60000"/>
+                  </a:schemeClr>
+                </a:gs>
+                <a:gs pos="46000">
+                  <a:schemeClr val="accent5">
+                    <a:lumMod val="95000"/>
+                    <a:lumOff val="5000"/>
+                  </a:schemeClr>
+                </a:gs>
+                <a:gs pos="100000">
+                  <a:schemeClr val="accent5">
+                    <a:lumMod val="60000"/>
+                  </a:schemeClr>
+                </a:gs>
+              </a:gsLst>
+              <a:path path="circle">
+                <a:fillToRect l="50000" t="130000" r="50000" b="-30000"/>
+              </a:path>
+              <a:tileRect/>
+            </a:gradFill>
           </a:ln>
         </p:spPr>
         <p:style>
@@ -5955,22 +6279,18 @@
           <a:p>
             <a:pPr algn="ctr"/>
             <a:r>
-              <a:rPr lang="en-US" b="1" dirty="0" err="1"/>
-              <a:t>awsrds</a:t>
-            </a:r>
-            <a:r>
               <a:rPr lang="en-US" b="1" dirty="0"/>
-              <a:t>-adapter</a:t>
-            </a:r>
-          </a:p>
-        </p:txBody>
-      </p:sp>
-      <p:sp>
-        <p:nvSpPr>
-          <p:cNvPr id="40" name="Rectangle 39">
-            <a:extLst>
-              <a:ext uri="{FF2B5EF4-FFF2-40B4-BE49-F238E27FC236}">
-                <a16:creationId xmlns:a16="http://schemas.microsoft.com/office/drawing/2014/main" id="{E2BD4303-92C3-BF26-2024-18A673F3C568}"/>
+              <a:t>metric-resources</a:t>
+            </a:r>
+          </a:p>
+        </p:txBody>
+      </p:sp>
+      <p:sp>
+        <p:nvSpPr>
+          <p:cNvPr id="47" name="Rectangle 46">
+            <a:extLst>
+              <a:ext uri="{FF2B5EF4-FFF2-40B4-BE49-F238E27FC236}">
+                <a16:creationId xmlns:a16="http://schemas.microsoft.com/office/drawing/2014/main" id="{C2F3F599-924A-E437-26FA-A3B05ECAF770}"/>
               </a:ext>
             </a:extLst>
           </p:cNvPr>
@@ -5979,8 +6299,8 @@
         </p:nvSpPr>
         <p:spPr>
           <a:xfrm>
-            <a:off x="494740" y="2999721"/>
-            <a:ext cx="1886101" cy="344880"/>
+            <a:off x="7302858" y="3933207"/>
+            <a:ext cx="2238957" cy="355876"/>
           </a:xfrm>
           <a:prstGeom prst="rect">
             <a:avLst/>
@@ -5989,12 +6309,31 @@
             <a:schemeClr val="bg1"/>
           </a:solidFill>
           <a:ln w="25400">
-            <a:solidFill>
-              <a:schemeClr val="tx1">
-                <a:lumMod val="50000"/>
-                <a:lumOff val="50000"/>
-              </a:schemeClr>
-            </a:solidFill>
+            <a:gradFill flip="none" rotWithShape="1">
+              <a:gsLst>
+                <a:gs pos="0">
+                  <a:schemeClr val="accent5">
+                    <a:lumMod val="40000"/>
+                    <a:lumOff val="60000"/>
+                  </a:schemeClr>
+                </a:gs>
+                <a:gs pos="46000">
+                  <a:schemeClr val="accent5">
+                    <a:lumMod val="95000"/>
+                    <a:lumOff val="5000"/>
+                  </a:schemeClr>
+                </a:gs>
+                <a:gs pos="100000">
+                  <a:schemeClr val="accent5">
+                    <a:lumMod val="60000"/>
+                  </a:schemeClr>
+                </a:gs>
+              </a:gsLst>
+              <a:path path="circle">
+                <a:fillToRect l="50000" t="130000" r="50000" b="-30000"/>
+              </a:path>
+              <a:tileRect/>
+            </a:gradFill>
           </a:ln>
         </p:spPr>
         <p:style>
@@ -6018,17 +6357,102 @@
             <a:pPr algn="ctr"/>
             <a:r>
               <a:rPr lang="en-US" b="1" dirty="0"/>
-              <a:t>entity-exchange</a:t>
-            </a:r>
-          </a:p>
-        </p:txBody>
-      </p:sp>
-      <p:sp>
-        <p:nvSpPr>
-          <p:cNvPr id="41" name="Rectangle 40">
-            <a:extLst>
-              <a:ext uri="{FF2B5EF4-FFF2-40B4-BE49-F238E27FC236}">
-                <a16:creationId xmlns:a16="http://schemas.microsoft.com/office/drawing/2014/main" id="{1FFD5F27-F151-E7E0-B247-8802E069F0FE}"/>
+              <a:t>metric-host</a:t>
+            </a:r>
+          </a:p>
+        </p:txBody>
+      </p:sp>
+      <p:cxnSp>
+        <p:nvCxnSpPr>
+          <p:cNvPr id="49" name="Straight Arrow Connector 48">
+            <a:extLst>
+              <a:ext uri="{FF2B5EF4-FFF2-40B4-BE49-F238E27FC236}">
+                <a16:creationId xmlns:a16="http://schemas.microsoft.com/office/drawing/2014/main" id="{548509D2-B33C-C516-D175-1E88D08442F8}"/>
+              </a:ext>
+            </a:extLst>
+          </p:cNvPr>
+          <p:cNvCxnSpPr>
+            <a:stCxn id="41" idx="1"/>
+            <a:endCxn id="38" idx="3"/>
+          </p:cNvCxnSpPr>
+          <p:nvPr/>
+        </p:nvCxnSpPr>
+        <p:spPr>
+          <a:xfrm flipH="1" flipV="1">
+            <a:off x="6783980" y="878504"/>
+            <a:ext cx="450960" cy="484868"/>
+          </a:xfrm>
+          <a:prstGeom prst="straightConnector1">
+            <a:avLst/>
+          </a:prstGeom>
+          <a:ln w="25400">
+            <a:tailEnd type="triangle" w="lg" len="med"/>
+          </a:ln>
+        </p:spPr>
+        <p:style>
+          <a:lnRef idx="1">
+            <a:schemeClr val="accent1"/>
+          </a:lnRef>
+          <a:fillRef idx="0">
+            <a:schemeClr val="accent1"/>
+          </a:fillRef>
+          <a:effectRef idx="0">
+            <a:schemeClr val="accent1"/>
+          </a:effectRef>
+          <a:fontRef idx="minor">
+            <a:schemeClr val="tx1"/>
+          </a:fontRef>
+        </p:style>
+      </p:cxnSp>
+      <p:cxnSp>
+        <p:nvCxnSpPr>
+          <p:cNvPr id="51" name="Straight Arrow Connector 50">
+            <a:extLst>
+              <a:ext uri="{FF2B5EF4-FFF2-40B4-BE49-F238E27FC236}">
+                <a16:creationId xmlns:a16="http://schemas.microsoft.com/office/drawing/2014/main" id="{2F565333-C454-D13F-6A36-E1E0D813AEB6}"/>
+              </a:ext>
+            </a:extLst>
+          </p:cNvPr>
+          <p:cNvCxnSpPr>
+            <a:cxnSpLocks/>
+            <a:stCxn id="41" idx="3"/>
+            <a:endCxn id="52" idx="1"/>
+          </p:cNvCxnSpPr>
+          <p:nvPr/>
+        </p:nvCxnSpPr>
+        <p:spPr>
+          <a:xfrm flipV="1">
+            <a:off x="9473897" y="1351512"/>
+            <a:ext cx="263884" cy="11860"/>
+          </a:xfrm>
+          <a:prstGeom prst="straightConnector1">
+            <a:avLst/>
+          </a:prstGeom>
+          <a:ln w="25400">
+            <a:tailEnd type="triangle" w="lg" len="med"/>
+          </a:ln>
+        </p:spPr>
+        <p:style>
+          <a:lnRef idx="1">
+            <a:schemeClr val="accent1"/>
+          </a:lnRef>
+          <a:fillRef idx="0">
+            <a:schemeClr val="accent1"/>
+          </a:fillRef>
+          <a:effectRef idx="0">
+            <a:schemeClr val="accent1"/>
+          </a:effectRef>
+          <a:fontRef idx="minor">
+            <a:schemeClr val="tx1"/>
+          </a:fontRef>
+        </p:style>
+      </p:cxnSp>
+      <p:sp>
+        <p:nvSpPr>
+          <p:cNvPr id="52" name="Rectangle 51">
+            <a:extLst>
+              <a:ext uri="{FF2B5EF4-FFF2-40B4-BE49-F238E27FC236}">
+                <a16:creationId xmlns:a16="http://schemas.microsoft.com/office/drawing/2014/main" id="{3A5ACD8D-73F4-BAC1-0474-BCB04010C4C0}"/>
               </a:ext>
             </a:extLst>
           </p:cNvPr>
@@ -6037,8 +6461,8 @@
         </p:nvSpPr>
         <p:spPr>
           <a:xfrm>
-            <a:off x="9162509" y="660412"/>
-            <a:ext cx="2389110" cy="344880"/>
+            <a:off x="9737781" y="1173574"/>
+            <a:ext cx="2238957" cy="355876"/>
           </a:xfrm>
           <a:prstGeom prst="rect">
             <a:avLst/>
@@ -6047,12 +6471,31 @@
             <a:schemeClr val="bg1"/>
           </a:solidFill>
           <a:ln w="25400">
-            <a:solidFill>
-              <a:schemeClr val="tx1">
-                <a:lumMod val="50000"/>
-                <a:lumOff val="50000"/>
-              </a:schemeClr>
-            </a:solidFill>
+            <a:gradFill flip="none" rotWithShape="1">
+              <a:gsLst>
+                <a:gs pos="0">
+                  <a:schemeClr val="accent5">
+                    <a:lumMod val="40000"/>
+                    <a:lumOff val="60000"/>
+                  </a:schemeClr>
+                </a:gs>
+                <a:gs pos="46000">
+                  <a:schemeClr val="accent5">
+                    <a:lumMod val="95000"/>
+                    <a:lumOff val="5000"/>
+                  </a:schemeClr>
+                </a:gs>
+                <a:gs pos="100000">
+                  <a:schemeClr val="accent5">
+                    <a:lumMod val="60000"/>
+                  </a:schemeClr>
+                </a:gs>
+              </a:gsLst>
+              <a:path path="circle">
+                <a:fillToRect l="50000" t="130000" r="50000" b="-30000"/>
+              </a:path>
+              <a:tileRect/>
+            </a:gradFill>
           </a:ln>
         </p:spPr>
         <p:style>
@@ -6075,18 +6518,65 @@
           <a:p>
             <a:pPr algn="ctr"/>
             <a:r>
+              <a:rPr lang="en-US" b="1" dirty="0" err="1"/>
+              <a:t>awsrds</a:t>
+            </a:r>
+            <a:r>
               <a:rPr lang="en-US" b="1" dirty="0"/>
-              <a:t>timeseries-replication</a:t>
-            </a:r>
-          </a:p>
-        </p:txBody>
-      </p:sp>
-      <p:sp>
-        <p:nvSpPr>
-          <p:cNvPr id="42" name="Rectangle 41">
-            <a:extLst>
-              <a:ext uri="{FF2B5EF4-FFF2-40B4-BE49-F238E27FC236}">
-                <a16:creationId xmlns:a16="http://schemas.microsoft.com/office/drawing/2014/main" id="{EF57DC3E-F613-4C5E-53D1-EFB77E911030}"/>
+              <a:t>-adapter</a:t>
+            </a:r>
+          </a:p>
+        </p:txBody>
+      </p:sp>
+      <p:cxnSp>
+        <p:nvCxnSpPr>
+          <p:cNvPr id="62" name="Straight Arrow Connector 61">
+            <a:extLst>
+              <a:ext uri="{FF2B5EF4-FFF2-40B4-BE49-F238E27FC236}">
+                <a16:creationId xmlns:a16="http://schemas.microsoft.com/office/drawing/2014/main" id="{018F9637-8364-4AE0-60B5-AB08851EC80E}"/>
+              </a:ext>
+            </a:extLst>
+          </p:cNvPr>
+          <p:cNvCxnSpPr>
+            <a:cxnSpLocks/>
+            <a:stCxn id="47" idx="3"/>
+            <a:endCxn id="64" idx="1"/>
+          </p:cNvCxnSpPr>
+          <p:nvPr/>
+        </p:nvCxnSpPr>
+        <p:spPr>
+          <a:xfrm>
+            <a:off x="9541815" y="4111145"/>
+            <a:ext cx="337247" cy="0"/>
+          </a:xfrm>
+          <a:prstGeom prst="straightConnector1">
+            <a:avLst/>
+          </a:prstGeom>
+          <a:ln w="25400">
+            <a:tailEnd type="triangle" w="lg" len="med"/>
+          </a:ln>
+        </p:spPr>
+        <p:style>
+          <a:lnRef idx="1">
+            <a:schemeClr val="accent1"/>
+          </a:lnRef>
+          <a:fillRef idx="0">
+            <a:schemeClr val="accent1"/>
+          </a:fillRef>
+          <a:effectRef idx="0">
+            <a:schemeClr val="accent1"/>
+          </a:effectRef>
+          <a:fontRef idx="minor">
+            <a:schemeClr val="tx1"/>
+          </a:fontRef>
+        </p:style>
+      </p:cxnSp>
+      <p:sp>
+        <p:nvSpPr>
+          <p:cNvPr id="64" name="Rectangle 63">
+            <a:extLst>
+              <a:ext uri="{FF2B5EF4-FFF2-40B4-BE49-F238E27FC236}">
+                <a16:creationId xmlns:a16="http://schemas.microsoft.com/office/drawing/2014/main" id="{D1AF3768-50AF-B96F-10AF-BEA24E78D40D}"/>
               </a:ext>
             </a:extLst>
           </p:cNvPr>
@@ -6095,8 +6585,8 @@
         </p:nvSpPr>
         <p:spPr>
           <a:xfrm>
-            <a:off x="696380" y="1923393"/>
-            <a:ext cx="1886101" cy="344880"/>
+            <a:off x="9879062" y="3933207"/>
+            <a:ext cx="2238957" cy="355876"/>
           </a:xfrm>
           <a:prstGeom prst="rect">
             <a:avLst/>
@@ -6105,10 +6595,134 @@
             <a:schemeClr val="bg1"/>
           </a:solidFill>
           <a:ln w="25400">
+            <a:gradFill flip="none" rotWithShape="1">
+              <a:gsLst>
+                <a:gs pos="0">
+                  <a:schemeClr val="accent5">
+                    <a:lumMod val="40000"/>
+                    <a:lumOff val="60000"/>
+                  </a:schemeClr>
+                </a:gs>
+                <a:gs pos="46000">
+                  <a:schemeClr val="accent5">
+                    <a:lumMod val="95000"/>
+                    <a:lumOff val="5000"/>
+                  </a:schemeClr>
+                </a:gs>
+                <a:gs pos="100000">
+                  <a:schemeClr val="accent5">
+                    <a:lumMod val="60000"/>
+                  </a:schemeClr>
+                </a:gs>
+              </a:gsLst>
+              <a:path path="circle">
+                <a:fillToRect l="50000" t="130000" r="50000" b="-30000"/>
+              </a:path>
+              <a:tileRect/>
+            </a:gradFill>
+          </a:ln>
+        </p:spPr>
+        <p:style>
+          <a:lnRef idx="2">
+            <a:schemeClr val="accent6"/>
+          </a:lnRef>
+          <a:fillRef idx="1">
+            <a:schemeClr val="lt1"/>
+          </a:fillRef>
+          <a:effectRef idx="0">
+            <a:schemeClr val="accent6"/>
+          </a:effectRef>
+          <a:fontRef idx="minor">
+            <a:schemeClr val="dk1"/>
+          </a:fontRef>
+        </p:style>
+        <p:txBody>
+          <a:bodyPr rtlCol="0" anchor="ctr"/>
+          <a:lstStyle/>
+          <a:p>
+            <a:pPr algn="ctr"/>
+            <a:r>
+              <a:rPr lang="en-US" b="1" dirty="0" err="1"/>
+              <a:t>postgresql</a:t>
+            </a:r>
+            <a:r>
+              <a:rPr lang="en-US" b="1" dirty="0"/>
+              <a:t>-adapter</a:t>
+            </a:r>
+          </a:p>
+        </p:txBody>
+      </p:sp>
+      <p:cxnSp>
+        <p:nvCxnSpPr>
+          <p:cNvPr id="69" name="Straight Arrow Connector 68">
+            <a:extLst>
+              <a:ext uri="{FF2B5EF4-FFF2-40B4-BE49-F238E27FC236}">
+                <a16:creationId xmlns:a16="http://schemas.microsoft.com/office/drawing/2014/main" id="{A9BD8BE8-C299-8F7C-264E-FF89C44E14DA}"/>
+              </a:ext>
+            </a:extLst>
+          </p:cNvPr>
+          <p:cNvCxnSpPr>
+            <a:cxnSpLocks/>
+            <a:stCxn id="47" idx="1"/>
+            <a:endCxn id="37" idx="3"/>
+          </p:cNvCxnSpPr>
+          <p:nvPr/>
+        </p:nvCxnSpPr>
+        <p:spPr>
+          <a:xfrm flipH="1" flipV="1">
+            <a:off x="6494126" y="3251062"/>
+            <a:ext cx="808732" cy="860083"/>
+          </a:xfrm>
+          <a:prstGeom prst="straightConnector1">
+            <a:avLst/>
+          </a:prstGeom>
+          <a:ln w="25400">
+            <a:tailEnd type="triangle" w="lg" len="med"/>
+          </a:ln>
+        </p:spPr>
+        <p:style>
+          <a:lnRef idx="1">
+            <a:schemeClr val="accent1"/>
+          </a:lnRef>
+          <a:fillRef idx="0">
+            <a:schemeClr val="accent1"/>
+          </a:fillRef>
+          <a:effectRef idx="0">
+            <a:schemeClr val="accent1"/>
+          </a:effectRef>
+          <a:fontRef idx="minor">
+            <a:schemeClr val="tx1"/>
+          </a:fontRef>
+        </p:style>
+      </p:cxnSp>
+      <p:sp>
+        <p:nvSpPr>
+          <p:cNvPr id="72" name="Rectangle 71">
+            <a:extLst>
+              <a:ext uri="{FF2B5EF4-FFF2-40B4-BE49-F238E27FC236}">
+                <a16:creationId xmlns:a16="http://schemas.microsoft.com/office/drawing/2014/main" id="{5FDD480F-78F6-65ED-31EB-2BE0505BECC9}"/>
+              </a:ext>
+            </a:extLst>
+          </p:cNvPr>
+          <p:cNvSpPr/>
+          <p:nvPr/>
+        </p:nvSpPr>
+        <p:spPr>
+          <a:xfrm>
+            <a:off x="876233" y="3847475"/>
+            <a:ext cx="2103120" cy="320682"/>
+          </a:xfrm>
+          <a:prstGeom prst="rect">
+            <a:avLst/>
+          </a:prstGeom>
+          <a:solidFill>
+            <a:srgbClr val="E3E0B3"/>
+          </a:solidFill>
+          <a:ln>
             <a:solidFill>
               <a:schemeClr val="tx1">
-                <a:lumMod val="50000"/>
-                <a:lumOff val="50000"/>
+                <a:lumMod val="65000"/>
+                <a:lumOff val="35000"/>
               </a:schemeClr>
             </a:solidFill>
           </a:ln>
@@ -6133,18 +6747,18 @@
           <a:p>
             <a:pPr algn="ctr"/>
             <a:r>
-              <a:rPr lang="en-US" b="1" dirty="0"/>
-              <a:t>elastic-exchange</a:t>
-            </a:r>
-          </a:p>
-        </p:txBody>
-      </p:sp>
-      <p:sp>
-        <p:nvSpPr>
-          <p:cNvPr id="43" name="Rectangle 42">
-            <a:extLst>
-              <a:ext uri="{FF2B5EF4-FFF2-40B4-BE49-F238E27FC236}">
-                <a16:creationId xmlns:a16="http://schemas.microsoft.com/office/drawing/2014/main" id="{7478D019-1D72-3F60-9FCF-8AFBEAFAD84C}"/>
+              <a:rPr lang="en-US" dirty="0"/>
+              <a:t>accesslogv3</a:t>
+            </a:r>
+          </a:p>
+        </p:txBody>
+      </p:sp>
+      <p:sp>
+        <p:nvSpPr>
+          <p:cNvPr id="73" name="Rectangle 72">
+            <a:extLst>
+              <a:ext uri="{FF2B5EF4-FFF2-40B4-BE49-F238E27FC236}">
+                <a16:creationId xmlns:a16="http://schemas.microsoft.com/office/drawing/2014/main" id="{7149EFE7-1381-79AA-0EB3-E00DF2B25C18}"/>
               </a:ext>
             </a:extLst>
           </p:cNvPr>
@@ -6153,8 +6767,675 @@
         </p:nvSpPr>
         <p:spPr>
           <a:xfrm>
-            <a:off x="9162509" y="1308095"/>
-            <a:ext cx="2389110" cy="344880"/>
+            <a:off x="4391006" y="4282334"/>
+            <a:ext cx="2103120" cy="320682"/>
+          </a:xfrm>
+          <a:prstGeom prst="rect">
+            <a:avLst/>
+          </a:prstGeom>
+          <a:solidFill>
+            <a:srgbClr val="E3E0B3"/>
+          </a:solidFill>
+          <a:ln>
+            <a:solidFill>
+              <a:schemeClr val="tx1">
+                <a:lumMod val="65000"/>
+                <a:lumOff val="35000"/>
+              </a:schemeClr>
+            </a:solidFill>
+          </a:ln>
+        </p:spPr>
+        <p:style>
+          <a:lnRef idx="2">
+            <a:schemeClr val="accent6"/>
+          </a:lnRef>
+          <a:fillRef idx="1">
+            <a:schemeClr val="lt1"/>
+          </a:fillRef>
+          <a:effectRef idx="0">
+            <a:schemeClr val="accent6"/>
+          </a:effectRef>
+          <a:fontRef idx="minor">
+            <a:schemeClr val="dk1"/>
+          </a:fontRef>
+        </p:style>
+        <p:txBody>
+          <a:bodyPr rtlCol="0" anchor="ctr"/>
+          <a:lstStyle/>
+          <a:p>
+            <a:pPr algn="ctr"/>
+            <a:r>
+              <a:rPr lang="en-US" dirty="0" err="1"/>
+              <a:t>prometheus</a:t>
+            </a:r>
+            <a:endParaRPr lang="en-US" dirty="0"/>
+          </a:p>
+        </p:txBody>
+      </p:sp>
+      <p:sp>
+        <p:nvSpPr>
+          <p:cNvPr id="74" name="Rectangle 73">
+            <a:extLst>
+              <a:ext uri="{FF2B5EF4-FFF2-40B4-BE49-F238E27FC236}">
+                <a16:creationId xmlns:a16="http://schemas.microsoft.com/office/drawing/2014/main" id="{7DEC49F2-C3A9-6778-6295-BF3ADE87403B}"/>
+              </a:ext>
+            </a:extLst>
+          </p:cNvPr>
+          <p:cNvSpPr/>
+          <p:nvPr/>
+        </p:nvSpPr>
+        <p:spPr>
+          <a:xfrm>
+            <a:off x="4391006" y="3950804"/>
+            <a:ext cx="2103120" cy="320682"/>
+          </a:xfrm>
+          <a:prstGeom prst="rect">
+            <a:avLst/>
+          </a:prstGeom>
+          <a:solidFill>
+            <a:srgbClr val="E3E0B3"/>
+          </a:solidFill>
+          <a:ln>
+            <a:solidFill>
+              <a:schemeClr val="tx1">
+                <a:lumMod val="65000"/>
+                <a:lumOff val="35000"/>
+              </a:schemeClr>
+            </a:solidFill>
+          </a:ln>
+        </p:spPr>
+        <p:style>
+          <a:lnRef idx="2">
+            <a:schemeClr val="accent6"/>
+          </a:lnRef>
+          <a:fillRef idx="1">
+            <a:schemeClr val="lt1"/>
+          </a:fillRef>
+          <a:effectRef idx="0">
+            <a:schemeClr val="accent6"/>
+          </a:effectRef>
+          <a:fontRef idx="minor">
+            <a:schemeClr val="dk1"/>
+          </a:fontRef>
+        </p:style>
+        <p:txBody>
+          <a:bodyPr rtlCol="0" anchor="ctr"/>
+          <a:lstStyle/>
+          <a:p>
+            <a:pPr algn="ctr"/>
+            <a:r>
+              <a:rPr lang="en-US" dirty="0"/>
+              <a:t>profile</a:t>
+            </a:r>
+          </a:p>
+        </p:txBody>
+      </p:sp>
+      <p:sp>
+        <p:nvSpPr>
+          <p:cNvPr id="75" name="Rectangle 74">
+            <a:extLst>
+              <a:ext uri="{FF2B5EF4-FFF2-40B4-BE49-F238E27FC236}">
+                <a16:creationId xmlns:a16="http://schemas.microsoft.com/office/drawing/2014/main" id="{5CEAD80D-BB2D-1C86-26BB-4AB4CE353ADA}"/>
+              </a:ext>
+            </a:extLst>
+          </p:cNvPr>
+          <p:cNvSpPr/>
+          <p:nvPr/>
+        </p:nvSpPr>
+        <p:spPr>
+          <a:xfrm>
+            <a:off x="4391006" y="3579324"/>
+            <a:ext cx="2103120" cy="320682"/>
+          </a:xfrm>
+          <a:prstGeom prst="rect">
+            <a:avLst/>
+          </a:prstGeom>
+          <a:solidFill>
+            <a:srgbClr val="E3E0B3"/>
+          </a:solidFill>
+          <a:ln>
+            <a:solidFill>
+              <a:schemeClr val="tx1">
+                <a:lumMod val="65000"/>
+                <a:lumOff val="35000"/>
+              </a:schemeClr>
+            </a:solidFill>
+          </a:ln>
+        </p:spPr>
+        <p:style>
+          <a:lnRef idx="2">
+            <a:schemeClr val="accent6"/>
+          </a:lnRef>
+          <a:fillRef idx="1">
+            <a:schemeClr val="lt1"/>
+          </a:fillRef>
+          <a:effectRef idx="0">
+            <a:schemeClr val="accent6"/>
+          </a:effectRef>
+          <a:fontRef idx="minor">
+            <a:schemeClr val="dk1"/>
+          </a:fontRef>
+        </p:style>
+        <p:txBody>
+          <a:bodyPr rtlCol="0" anchor="ctr"/>
+          <a:lstStyle/>
+          <a:p>
+            <a:pPr algn="ctr"/>
+            <a:r>
+              <a:rPr lang="en-US" dirty="0"/>
+              <a:t>accesslogv3</a:t>
+            </a:r>
+          </a:p>
+        </p:txBody>
+      </p:sp>
+      <p:sp>
+        <p:nvSpPr>
+          <p:cNvPr id="76" name="Rectangle 75">
+            <a:extLst>
+              <a:ext uri="{FF2B5EF4-FFF2-40B4-BE49-F238E27FC236}">
+                <a16:creationId xmlns:a16="http://schemas.microsoft.com/office/drawing/2014/main" id="{0B28B2A6-F923-2FE4-A4C9-598F206278D5}"/>
+              </a:ext>
+            </a:extLst>
+          </p:cNvPr>
+          <p:cNvSpPr/>
+          <p:nvPr/>
+        </p:nvSpPr>
+        <p:spPr>
+          <a:xfrm>
+            <a:off x="4451309" y="1508832"/>
+            <a:ext cx="2103120" cy="320682"/>
+          </a:xfrm>
+          <a:prstGeom prst="rect">
+            <a:avLst/>
+          </a:prstGeom>
+          <a:solidFill>
+            <a:srgbClr val="E3E0B3"/>
+          </a:solidFill>
+          <a:ln>
+            <a:solidFill>
+              <a:schemeClr val="tx1">
+                <a:lumMod val="65000"/>
+                <a:lumOff val="35000"/>
+              </a:schemeClr>
+            </a:solidFill>
+          </a:ln>
+        </p:spPr>
+        <p:style>
+          <a:lnRef idx="2">
+            <a:schemeClr val="accent6"/>
+          </a:lnRef>
+          <a:fillRef idx="1">
+            <a:schemeClr val="lt1"/>
+          </a:fillRef>
+          <a:effectRef idx="0">
+            <a:schemeClr val="accent6"/>
+          </a:effectRef>
+          <a:fontRef idx="minor">
+            <a:schemeClr val="dk1"/>
+          </a:fontRef>
+        </p:style>
+        <p:txBody>
+          <a:bodyPr rtlCol="0" anchor="ctr"/>
+          <a:lstStyle/>
+          <a:p>
+            <a:pPr algn="ctr"/>
+            <a:r>
+              <a:rPr lang="en-US" dirty="0"/>
+              <a:t>envoy</a:t>
+            </a:r>
+          </a:p>
+        </p:txBody>
+      </p:sp>
+      <p:sp>
+        <p:nvSpPr>
+          <p:cNvPr id="77" name="Rectangle 76">
+            <a:extLst>
+              <a:ext uri="{FF2B5EF4-FFF2-40B4-BE49-F238E27FC236}">
+                <a16:creationId xmlns:a16="http://schemas.microsoft.com/office/drawing/2014/main" id="{14014479-BBF8-81F3-838B-DB30B65393DC}"/>
+              </a:ext>
+            </a:extLst>
+          </p:cNvPr>
+          <p:cNvSpPr/>
+          <p:nvPr/>
+        </p:nvSpPr>
+        <p:spPr>
+          <a:xfrm>
+            <a:off x="4570690" y="1122296"/>
+            <a:ext cx="2103120" cy="320682"/>
+          </a:xfrm>
+          <a:prstGeom prst="rect">
+            <a:avLst/>
+          </a:prstGeom>
+          <a:solidFill>
+            <a:srgbClr val="E3E0B3"/>
+          </a:solidFill>
+          <a:ln>
+            <a:solidFill>
+              <a:schemeClr val="tx1">
+                <a:lumMod val="65000"/>
+                <a:lumOff val="35000"/>
+              </a:schemeClr>
+            </a:solidFill>
+          </a:ln>
+        </p:spPr>
+        <p:style>
+          <a:lnRef idx="2">
+            <a:schemeClr val="accent6"/>
+          </a:lnRef>
+          <a:fillRef idx="1">
+            <a:schemeClr val="lt1"/>
+          </a:fillRef>
+          <a:effectRef idx="0">
+            <a:schemeClr val="accent6"/>
+          </a:effectRef>
+          <a:fontRef idx="minor">
+            <a:schemeClr val="dk1"/>
+          </a:fontRef>
+        </p:style>
+        <p:txBody>
+          <a:bodyPr rtlCol="0" anchor="ctr"/>
+          <a:lstStyle/>
+          <a:p>
+            <a:pPr algn="ctr"/>
+            <a:r>
+              <a:rPr lang="en-US" dirty="0"/>
+              <a:t>profile</a:t>
+            </a:r>
+          </a:p>
+        </p:txBody>
+      </p:sp>
+      <p:sp>
+        <p:nvSpPr>
+          <p:cNvPr id="81" name="Rectangle 80">
+            <a:extLst>
+              <a:ext uri="{FF2B5EF4-FFF2-40B4-BE49-F238E27FC236}">
+                <a16:creationId xmlns:a16="http://schemas.microsoft.com/office/drawing/2014/main" id="{4E6D7153-E3A6-6FFE-7497-5D339182FA0B}"/>
+              </a:ext>
+            </a:extLst>
+          </p:cNvPr>
+          <p:cNvSpPr/>
+          <p:nvPr/>
+        </p:nvSpPr>
+        <p:spPr>
+          <a:xfrm>
+            <a:off x="7302858" y="1584769"/>
+            <a:ext cx="2103120" cy="320682"/>
+          </a:xfrm>
+          <a:prstGeom prst="rect">
+            <a:avLst/>
+          </a:prstGeom>
+          <a:solidFill>
+            <a:srgbClr val="E3E0B3"/>
+          </a:solidFill>
+          <a:ln>
+            <a:solidFill>
+              <a:schemeClr val="tx1">
+                <a:lumMod val="65000"/>
+                <a:lumOff val="35000"/>
+              </a:schemeClr>
+            </a:solidFill>
+          </a:ln>
+        </p:spPr>
+        <p:style>
+          <a:lnRef idx="2">
+            <a:schemeClr val="accent6"/>
+          </a:lnRef>
+          <a:fillRef idx="1">
+            <a:schemeClr val="lt1"/>
+          </a:fillRef>
+          <a:effectRef idx="0">
+            <a:schemeClr val="accent6"/>
+          </a:effectRef>
+          <a:fontRef idx="minor">
+            <a:schemeClr val="dk1"/>
+          </a:fontRef>
+        </p:style>
+        <p:txBody>
+          <a:bodyPr rtlCol="0" anchor="ctr"/>
+          <a:lstStyle/>
+          <a:p>
+            <a:pPr algn="ctr"/>
+            <a:r>
+              <a:rPr lang="en-US" dirty="0"/>
+              <a:t>profile</a:t>
+            </a:r>
+          </a:p>
+        </p:txBody>
+      </p:sp>
+      <p:sp>
+        <p:nvSpPr>
+          <p:cNvPr id="82" name="Rectangle 81">
+            <a:extLst>
+              <a:ext uri="{FF2B5EF4-FFF2-40B4-BE49-F238E27FC236}">
+                <a16:creationId xmlns:a16="http://schemas.microsoft.com/office/drawing/2014/main" id="{221503E2-7587-B931-3D92-0714A951350A}"/>
+              </a:ext>
+            </a:extLst>
+          </p:cNvPr>
+          <p:cNvSpPr/>
+          <p:nvPr/>
+        </p:nvSpPr>
+        <p:spPr>
+          <a:xfrm>
+            <a:off x="7324233" y="1962615"/>
+            <a:ext cx="2103120" cy="320682"/>
+          </a:xfrm>
+          <a:prstGeom prst="rect">
+            <a:avLst/>
+          </a:prstGeom>
+          <a:solidFill>
+            <a:srgbClr val="E3E0B3"/>
+          </a:solidFill>
+          <a:ln>
+            <a:solidFill>
+              <a:schemeClr val="tx1">
+                <a:lumMod val="65000"/>
+                <a:lumOff val="35000"/>
+              </a:schemeClr>
+            </a:solidFill>
+          </a:ln>
+        </p:spPr>
+        <p:style>
+          <a:lnRef idx="2">
+            <a:schemeClr val="accent6"/>
+          </a:lnRef>
+          <a:fillRef idx="1">
+            <a:schemeClr val="lt1"/>
+          </a:fillRef>
+          <a:effectRef idx="0">
+            <a:schemeClr val="accent6"/>
+          </a:effectRef>
+          <a:fontRef idx="minor">
+            <a:schemeClr val="dk1"/>
+          </a:fontRef>
+        </p:style>
+        <p:txBody>
+          <a:bodyPr rtlCol="0" anchor="ctr"/>
+          <a:lstStyle/>
+          <a:p>
+            <a:pPr algn="ctr"/>
+            <a:r>
+              <a:rPr lang="en-US" dirty="0"/>
+              <a:t>envoy</a:t>
+            </a:r>
+          </a:p>
+        </p:txBody>
+      </p:sp>
+      <p:sp>
+        <p:nvSpPr>
+          <p:cNvPr id="90" name="Rectangle 89">
+            <a:extLst>
+              <a:ext uri="{FF2B5EF4-FFF2-40B4-BE49-F238E27FC236}">
+                <a16:creationId xmlns:a16="http://schemas.microsoft.com/office/drawing/2014/main" id="{44C69DE1-1D4A-8D60-08BA-A9C8FF613B4C}"/>
+              </a:ext>
+            </a:extLst>
+          </p:cNvPr>
+          <p:cNvSpPr/>
+          <p:nvPr/>
+        </p:nvSpPr>
+        <p:spPr>
+          <a:xfrm>
+            <a:off x="925869" y="1559415"/>
+            <a:ext cx="2103120" cy="320682"/>
+          </a:xfrm>
+          <a:prstGeom prst="rect">
+            <a:avLst/>
+          </a:prstGeom>
+          <a:solidFill>
+            <a:srgbClr val="E3E0B3"/>
+          </a:solidFill>
+          <a:ln>
+            <a:solidFill>
+              <a:schemeClr val="tx1">
+                <a:lumMod val="65000"/>
+                <a:lumOff val="35000"/>
+              </a:schemeClr>
+            </a:solidFill>
+          </a:ln>
+        </p:spPr>
+        <p:style>
+          <a:lnRef idx="2">
+            <a:schemeClr val="accent6"/>
+          </a:lnRef>
+          <a:fillRef idx="1">
+            <a:schemeClr val="lt1"/>
+          </a:fillRef>
+          <a:effectRef idx="0">
+            <a:schemeClr val="accent6"/>
+          </a:effectRef>
+          <a:fontRef idx="minor">
+            <a:schemeClr val="dk1"/>
+          </a:fontRef>
+        </p:style>
+        <p:txBody>
+          <a:bodyPr rtlCol="0" anchor="ctr"/>
+          <a:lstStyle/>
+          <a:p>
+            <a:pPr algn="ctr"/>
+            <a:r>
+              <a:rPr lang="en-US" dirty="0"/>
+              <a:t>profile</a:t>
+            </a:r>
+          </a:p>
+        </p:txBody>
+      </p:sp>
+      <p:sp>
+        <p:nvSpPr>
+          <p:cNvPr id="91" name="Rectangle 90">
+            <a:extLst>
+              <a:ext uri="{FF2B5EF4-FFF2-40B4-BE49-F238E27FC236}">
+                <a16:creationId xmlns:a16="http://schemas.microsoft.com/office/drawing/2014/main" id="{920801D8-8594-9229-D9E9-56D25ABA0919}"/>
+              </a:ext>
+            </a:extLst>
+          </p:cNvPr>
+          <p:cNvSpPr/>
+          <p:nvPr/>
+        </p:nvSpPr>
+        <p:spPr>
+          <a:xfrm>
+            <a:off x="925869" y="1897695"/>
+            <a:ext cx="2103120" cy="320682"/>
+          </a:xfrm>
+          <a:prstGeom prst="rect">
+            <a:avLst/>
+          </a:prstGeom>
+          <a:solidFill>
+            <a:srgbClr val="E3E0B3"/>
+          </a:solidFill>
+          <a:ln>
+            <a:solidFill>
+              <a:schemeClr val="tx1">
+                <a:lumMod val="65000"/>
+                <a:lumOff val="35000"/>
+              </a:schemeClr>
+            </a:solidFill>
+          </a:ln>
+        </p:spPr>
+        <p:style>
+          <a:lnRef idx="2">
+            <a:schemeClr val="accent6"/>
+          </a:lnRef>
+          <a:fillRef idx="1">
+            <a:schemeClr val="lt1"/>
+          </a:fillRef>
+          <a:effectRef idx="0">
+            <a:schemeClr val="accent6"/>
+          </a:effectRef>
+          <a:fontRef idx="minor">
+            <a:schemeClr val="dk1"/>
+          </a:fontRef>
+        </p:style>
+        <p:txBody>
+          <a:bodyPr rtlCol="0" anchor="ctr"/>
+          <a:lstStyle/>
+          <a:p>
+            <a:pPr algn="ctr"/>
+            <a:r>
+              <a:rPr lang="en-US" dirty="0"/>
+              <a:t>envoy</a:t>
+            </a:r>
+          </a:p>
+        </p:txBody>
+      </p:sp>
+      <p:cxnSp>
+        <p:nvCxnSpPr>
+          <p:cNvPr id="101" name="Straight Arrow Connector 100">
+            <a:extLst>
+              <a:ext uri="{FF2B5EF4-FFF2-40B4-BE49-F238E27FC236}">
+                <a16:creationId xmlns:a16="http://schemas.microsoft.com/office/drawing/2014/main" id="{26AC66C9-5857-0AAD-24F7-2D45F30277C6}"/>
+              </a:ext>
+            </a:extLst>
+          </p:cNvPr>
+          <p:cNvCxnSpPr>
+            <a:cxnSpLocks/>
+            <a:stCxn id="29" idx="3"/>
+            <a:endCxn id="38" idx="1"/>
+          </p:cNvCxnSpPr>
+          <p:nvPr/>
+        </p:nvCxnSpPr>
+        <p:spPr>
+          <a:xfrm flipV="1">
+            <a:off x="3028989" y="878504"/>
+            <a:ext cx="1516034" cy="421060"/>
+          </a:xfrm>
+          <a:prstGeom prst="straightConnector1">
+            <a:avLst/>
+          </a:prstGeom>
+          <a:ln w="25400">
+            <a:tailEnd type="triangle" w="lg" len="med"/>
+          </a:ln>
+        </p:spPr>
+        <p:style>
+          <a:lnRef idx="1">
+            <a:schemeClr val="accent1"/>
+          </a:lnRef>
+          <a:fillRef idx="0">
+            <a:schemeClr val="accent1"/>
+          </a:fillRef>
+          <a:effectRef idx="0">
+            <a:schemeClr val="accent1"/>
+          </a:effectRef>
+          <a:fontRef idx="minor">
+            <a:schemeClr val="tx1"/>
+          </a:fontRef>
+        </p:style>
+      </p:cxnSp>
+      <p:cxnSp>
+        <p:nvCxnSpPr>
+          <p:cNvPr id="111" name="Straight Arrow Connector 110">
+            <a:extLst>
+              <a:ext uri="{FF2B5EF4-FFF2-40B4-BE49-F238E27FC236}">
+                <a16:creationId xmlns:a16="http://schemas.microsoft.com/office/drawing/2014/main" id="{A7955CBE-B445-E066-1D43-EFE036F7C0D2}"/>
+              </a:ext>
+            </a:extLst>
+          </p:cNvPr>
+          <p:cNvCxnSpPr>
+            <a:cxnSpLocks/>
+            <a:stCxn id="43" idx="3"/>
+            <a:endCxn id="37" idx="1"/>
+          </p:cNvCxnSpPr>
+          <p:nvPr/>
+        </p:nvCxnSpPr>
+        <p:spPr>
+          <a:xfrm flipV="1">
+            <a:off x="2934280" y="3251062"/>
+            <a:ext cx="1320889" cy="376836"/>
+          </a:xfrm>
+          <a:prstGeom prst="straightConnector1">
+            <a:avLst/>
+          </a:prstGeom>
+          <a:ln w="25400">
+            <a:tailEnd type="triangle" w="lg" len="med"/>
+          </a:ln>
+        </p:spPr>
+        <p:style>
+          <a:lnRef idx="1">
+            <a:schemeClr val="accent1"/>
+          </a:lnRef>
+          <a:fillRef idx="0">
+            <a:schemeClr val="accent1"/>
+          </a:fillRef>
+          <a:effectRef idx="0">
+            <a:schemeClr val="accent1"/>
+          </a:effectRef>
+          <a:fontRef idx="minor">
+            <a:schemeClr val="tx1"/>
+          </a:fontRef>
+        </p:style>
+      </p:cxnSp>
+      <p:sp>
+        <p:nvSpPr>
+          <p:cNvPr id="114" name="Rectangle 113">
+            <a:extLst>
+              <a:ext uri="{FF2B5EF4-FFF2-40B4-BE49-F238E27FC236}">
+                <a16:creationId xmlns:a16="http://schemas.microsoft.com/office/drawing/2014/main" id="{9FEEAE1D-7FA1-1475-6CE8-215415F1D7B0}"/>
+              </a:ext>
+            </a:extLst>
+          </p:cNvPr>
+          <p:cNvSpPr/>
+          <p:nvPr/>
+        </p:nvSpPr>
+        <p:spPr>
+          <a:xfrm>
+            <a:off x="7438695" y="4349297"/>
+            <a:ext cx="2103120" cy="320682"/>
+          </a:xfrm>
+          <a:prstGeom prst="rect">
+            <a:avLst/>
+          </a:prstGeom>
+          <a:solidFill>
+            <a:srgbClr val="E3E0B3"/>
+          </a:solidFill>
+          <a:ln>
+            <a:solidFill>
+              <a:schemeClr val="tx1">
+                <a:lumMod val="65000"/>
+                <a:lumOff val="35000"/>
+              </a:schemeClr>
+            </a:solidFill>
+          </a:ln>
+        </p:spPr>
+        <p:style>
+          <a:lnRef idx="2">
+            <a:schemeClr val="accent6"/>
+          </a:lnRef>
+          <a:fillRef idx="1">
+            <a:schemeClr val="lt1"/>
+          </a:fillRef>
+          <a:effectRef idx="0">
+            <a:schemeClr val="accent6"/>
+          </a:effectRef>
+          <a:fontRef idx="minor">
+            <a:schemeClr val="dk1"/>
+          </a:fontRef>
+        </p:style>
+        <p:txBody>
+          <a:bodyPr rtlCol="0" anchor="ctr"/>
+          <a:lstStyle/>
+          <a:p>
+            <a:pPr algn="ctr"/>
+            <a:r>
+              <a:rPr lang="en-US" dirty="0"/>
+              <a:t>accesslogv3</a:t>
+            </a:r>
+          </a:p>
+        </p:txBody>
+      </p:sp>
+      <p:sp>
+        <p:nvSpPr>
+          <p:cNvPr id="115" name="Rectangle 114">
+            <a:extLst>
+              <a:ext uri="{FF2B5EF4-FFF2-40B4-BE49-F238E27FC236}">
+                <a16:creationId xmlns:a16="http://schemas.microsoft.com/office/drawing/2014/main" id="{520E8C91-6B39-0899-545F-80F1F6FBC54A}"/>
+              </a:ext>
+            </a:extLst>
+          </p:cNvPr>
+          <p:cNvSpPr/>
+          <p:nvPr/>
+        </p:nvSpPr>
+        <p:spPr>
+          <a:xfrm>
+            <a:off x="9879061" y="4474252"/>
+            <a:ext cx="2238957" cy="355876"/>
           </a:xfrm>
           <a:prstGeom prst="rect">
             <a:avLst/>
@@ -6163,10 +7444,130 @@
             <a:schemeClr val="bg1"/>
           </a:solidFill>
           <a:ln w="25400">
+            <a:gradFill flip="none" rotWithShape="1">
+              <a:gsLst>
+                <a:gs pos="0">
+                  <a:schemeClr val="accent5">
+                    <a:lumMod val="40000"/>
+                    <a:lumOff val="60000"/>
+                  </a:schemeClr>
+                </a:gs>
+                <a:gs pos="46000">
+                  <a:schemeClr val="accent5">
+                    <a:lumMod val="95000"/>
+                    <a:lumOff val="5000"/>
+                  </a:schemeClr>
+                </a:gs>
+                <a:gs pos="100000">
+                  <a:schemeClr val="accent5">
+                    <a:lumMod val="60000"/>
+                  </a:schemeClr>
+                </a:gs>
+              </a:gsLst>
+              <a:path path="circle">
+                <a:fillToRect l="50000" t="130000" r="50000" b="-30000"/>
+              </a:path>
+              <a:tileRect/>
+            </a:gradFill>
+          </a:ln>
+        </p:spPr>
+        <p:style>
+          <a:lnRef idx="2">
+            <a:schemeClr val="accent6"/>
+          </a:lnRef>
+          <a:fillRef idx="1">
+            <a:schemeClr val="lt1"/>
+          </a:fillRef>
+          <a:effectRef idx="0">
+            <a:schemeClr val="accent6"/>
+          </a:effectRef>
+          <a:fontRef idx="minor">
+            <a:schemeClr val="dk1"/>
+          </a:fontRef>
+        </p:style>
+        <p:txBody>
+          <a:bodyPr rtlCol="0" anchor="ctr"/>
+          <a:lstStyle/>
+          <a:p>
+            <a:pPr algn="ctr"/>
+            <a:r>
+              <a:rPr lang="en-US" b="1" dirty="0"/>
+              <a:t>elastic-adapter</a:t>
+            </a:r>
+          </a:p>
+        </p:txBody>
+      </p:sp>
+      <p:cxnSp>
+        <p:nvCxnSpPr>
+          <p:cNvPr id="116" name="Straight Arrow Connector 115">
+            <a:extLst>
+              <a:ext uri="{FF2B5EF4-FFF2-40B4-BE49-F238E27FC236}">
+                <a16:creationId xmlns:a16="http://schemas.microsoft.com/office/drawing/2014/main" id="{74547163-6035-ADBC-7D45-548116A688C0}"/>
+              </a:ext>
+            </a:extLst>
+          </p:cNvPr>
+          <p:cNvCxnSpPr>
+            <a:cxnSpLocks/>
+            <a:stCxn id="47" idx="3"/>
+            <a:endCxn id="115" idx="1"/>
+          </p:cNvCxnSpPr>
+          <p:nvPr/>
+        </p:nvCxnSpPr>
+        <p:spPr>
+          <a:xfrm>
+            <a:off x="9541815" y="4111145"/>
+            <a:ext cx="337246" cy="541045"/>
+          </a:xfrm>
+          <a:prstGeom prst="straightConnector1">
+            <a:avLst/>
+          </a:prstGeom>
+          <a:ln w="25400">
+            <a:tailEnd type="triangle" w="lg" len="med"/>
+          </a:ln>
+        </p:spPr>
+        <p:style>
+          <a:lnRef idx="1">
+            <a:schemeClr val="accent1"/>
+          </a:lnRef>
+          <a:fillRef idx="0">
+            <a:schemeClr val="accent1"/>
+          </a:fillRef>
+          <a:effectRef idx="0">
+            <a:schemeClr val="accent1"/>
+          </a:effectRef>
+          <a:fontRef idx="minor">
+            <a:schemeClr val="tx1"/>
+          </a:fontRef>
+        </p:style>
+      </p:cxnSp>
+      <p:sp>
+        <p:nvSpPr>
+          <p:cNvPr id="120" name="Rectangle 119">
+            <a:extLst>
+              <a:ext uri="{FF2B5EF4-FFF2-40B4-BE49-F238E27FC236}">
+                <a16:creationId xmlns:a16="http://schemas.microsoft.com/office/drawing/2014/main" id="{C1F8CE5A-B104-5AD6-9E0B-5F331E4B951F}"/>
+              </a:ext>
+            </a:extLst>
+          </p:cNvPr>
+          <p:cNvSpPr/>
+          <p:nvPr/>
+        </p:nvSpPr>
+        <p:spPr>
+          <a:xfrm>
+            <a:off x="7452350" y="4730193"/>
+            <a:ext cx="2103120" cy="320682"/>
+          </a:xfrm>
+          <a:prstGeom prst="rect">
+            <a:avLst/>
+          </a:prstGeom>
+          <a:solidFill>
+            <a:srgbClr val="E3E0B3"/>
+          </a:solidFill>
+          <a:ln>
             <a:solidFill>
               <a:schemeClr val="tx1">
-                <a:lumMod val="50000"/>
-                <a:lumOff val="50000"/>
+                <a:lumMod val="65000"/>
+                <a:lumOff val="35000"/>
               </a:schemeClr>
             </a:solidFill>
           </a:ln>
@@ -6191,22 +7592,19 @@
           <a:p>
             <a:pPr algn="ctr"/>
             <a:r>
-              <a:rPr lang="en-US" b="1" dirty="0" err="1"/>
-              <a:t>slo</a:t>
-            </a:r>
-            <a:r>
-              <a:rPr lang="en-US" b="1" dirty="0"/>
-              <a:t>-replication</a:t>
-            </a:r>
-          </a:p>
-        </p:txBody>
-      </p:sp>
-      <p:sp>
-        <p:nvSpPr>
-          <p:cNvPr id="3" name="Rectangle 2">
-            <a:extLst>
-              <a:ext uri="{FF2B5EF4-FFF2-40B4-BE49-F238E27FC236}">
-                <a16:creationId xmlns:a16="http://schemas.microsoft.com/office/drawing/2014/main" id="{515E76EF-7AE7-75DD-2BE7-D9C82CDD49DA}"/>
+              <a:rPr lang="en-US" dirty="0" err="1"/>
+              <a:t>prometheus</a:t>
+            </a:r>
+            <a:endParaRPr lang="en-US" dirty="0"/>
+          </a:p>
+        </p:txBody>
+      </p:sp>
+      <p:sp>
+        <p:nvSpPr>
+          <p:cNvPr id="121" name="Rectangle 120">
+            <a:extLst>
+              <a:ext uri="{FF2B5EF4-FFF2-40B4-BE49-F238E27FC236}">
+                <a16:creationId xmlns:a16="http://schemas.microsoft.com/office/drawing/2014/main" id="{59C1D05D-4E8D-68B9-5466-28A752FB496D}"/>
               </a:ext>
             </a:extLst>
           </p:cNvPr>
@@ -6215,20 +7613,20 @@
         </p:nvSpPr>
         <p:spPr>
           <a:xfrm>
-            <a:off x="6654994" y="2939211"/>
-            <a:ext cx="2184354" cy="397220"/>
+            <a:off x="7452350" y="5103803"/>
+            <a:ext cx="2103120" cy="320682"/>
           </a:xfrm>
           <a:prstGeom prst="rect">
             <a:avLst/>
           </a:prstGeom>
           <a:solidFill>
-            <a:schemeClr val="bg1"/>
+            <a:srgbClr val="E3E0B3"/>
           </a:solidFill>
-          <a:ln w="25400">
+          <a:ln>
             <a:solidFill>
               <a:schemeClr val="tx1">
-                <a:lumMod val="50000"/>
-                <a:lumOff val="50000"/>
+                <a:lumMod val="65000"/>
+                <a:lumOff val="35000"/>
               </a:schemeClr>
             </a:solidFill>
           </a:ln>
@@ -6253,23 +7651,18 @@
           <a:p>
             <a:pPr algn="ctr"/>
             <a:r>
-              <a:rPr lang="en-US" b="1" dirty="0"/>
-              <a:t>timeseries-</a:t>
-            </a:r>
-            <a:r>
-              <a:rPr lang="en-US" b="1" dirty="0" err="1"/>
-              <a:t>cdc</a:t>
-            </a:r>
-            <a:endParaRPr lang="en-US" b="1" dirty="0"/>
-          </a:p>
-        </p:txBody>
-      </p:sp>
-      <p:sp>
-        <p:nvSpPr>
-          <p:cNvPr id="6" name="Rectangle 5">
-            <a:extLst>
-              <a:ext uri="{FF2B5EF4-FFF2-40B4-BE49-F238E27FC236}">
-                <a16:creationId xmlns:a16="http://schemas.microsoft.com/office/drawing/2014/main" id="{1CB20B4D-398E-4A30-C2A3-BF57B0E95220}"/>
+              <a:rPr lang="en-US" dirty="0"/>
+              <a:t>profile</a:t>
+            </a:r>
+          </a:p>
+        </p:txBody>
+      </p:sp>
+      <p:sp>
+        <p:nvSpPr>
+          <p:cNvPr id="122" name="Rectangle 121">
+            <a:extLst>
+              <a:ext uri="{FF2B5EF4-FFF2-40B4-BE49-F238E27FC236}">
+                <a16:creationId xmlns:a16="http://schemas.microsoft.com/office/drawing/2014/main" id="{2A700585-A45B-AA28-2D7B-1F45F0A8B431}"/>
               </a:ext>
             </a:extLst>
           </p:cNvPr>
@@ -6278,20 +7671,20 @@
         </p:nvSpPr>
         <p:spPr>
           <a:xfrm>
-            <a:off x="6654994" y="4102351"/>
-            <a:ext cx="1886101" cy="344880"/>
+            <a:off x="876233" y="4209796"/>
+            <a:ext cx="2103120" cy="320682"/>
           </a:xfrm>
           <a:prstGeom prst="rect">
             <a:avLst/>
           </a:prstGeom>
           <a:solidFill>
-            <a:schemeClr val="bg1"/>
+            <a:srgbClr val="E3E0B3"/>
           </a:solidFill>
-          <a:ln w="25400">
+          <a:ln>
             <a:solidFill>
               <a:schemeClr val="tx1">
-                <a:lumMod val="50000"/>
-                <a:lumOff val="50000"/>
+                <a:lumMod val="65000"/>
+                <a:lumOff val="35000"/>
               </a:schemeClr>
             </a:solidFill>
           </a:ln>
@@ -6316,19 +7709,19 @@
           <a:p>
             <a:pPr algn="ctr"/>
             <a:r>
-              <a:rPr lang="en-US" b="1" dirty="0" err="1"/>
-              <a:t>slo-cdc</a:t>
-            </a:r>
-            <a:endParaRPr lang="en-US" b="1" dirty="0"/>
-          </a:p>
-        </p:txBody>
-      </p:sp>
-      <p:sp>
-        <p:nvSpPr>
-          <p:cNvPr id="7" name="Rectangle 6">
-            <a:extLst>
-              <a:ext uri="{FF2B5EF4-FFF2-40B4-BE49-F238E27FC236}">
-                <a16:creationId xmlns:a16="http://schemas.microsoft.com/office/drawing/2014/main" id="{099760A8-00A1-FB42-A053-444D04BCA853}"/>
+              <a:rPr lang="en-US" dirty="0" err="1"/>
+              <a:t>prometheus</a:t>
+            </a:r>
+            <a:endParaRPr lang="en-US" dirty="0"/>
+          </a:p>
+        </p:txBody>
+      </p:sp>
+      <p:sp>
+        <p:nvSpPr>
+          <p:cNvPr id="123" name="Rectangle 122">
+            <a:extLst>
+              <a:ext uri="{FF2B5EF4-FFF2-40B4-BE49-F238E27FC236}">
+                <a16:creationId xmlns:a16="http://schemas.microsoft.com/office/drawing/2014/main" id="{361667C2-7999-E435-AF18-0D95E2AA0289}"/>
               </a:ext>
             </a:extLst>
           </p:cNvPr>
@@ -6337,20 +7730,20 @@
         </p:nvSpPr>
         <p:spPr>
           <a:xfrm>
-            <a:off x="3463462" y="4870279"/>
-            <a:ext cx="2184354" cy="344880"/>
+            <a:off x="876233" y="4547183"/>
+            <a:ext cx="2103120" cy="320682"/>
           </a:xfrm>
           <a:prstGeom prst="rect">
             <a:avLst/>
           </a:prstGeom>
           <a:solidFill>
-            <a:schemeClr val="bg1"/>
+            <a:srgbClr val="E3E0B3"/>
           </a:solidFill>
-          <a:ln w="25400">
+          <a:ln>
             <a:solidFill>
               <a:schemeClr val="tx1">
-                <a:lumMod val="50000"/>
-                <a:lumOff val="50000"/>
+                <a:lumMod val="65000"/>
+                <a:lumOff val="35000"/>
               </a:schemeClr>
             </a:solidFill>
           </a:ln>
@@ -6375,8 +7768,66 @@
           <a:p>
             <a:pPr algn="ctr"/>
             <a:r>
-              <a:rPr lang="en-US" b="1" dirty="0"/>
-              <a:t>customer-exchange</a:t>
+              <a:rPr lang="en-US" dirty="0"/>
+              <a:t>profile</a:t>
+            </a:r>
+          </a:p>
+        </p:txBody>
+      </p:sp>
+      <p:sp>
+        <p:nvSpPr>
+          <p:cNvPr id="124" name="Rectangle 123">
+            <a:extLst>
+              <a:ext uri="{FF2B5EF4-FFF2-40B4-BE49-F238E27FC236}">
+                <a16:creationId xmlns:a16="http://schemas.microsoft.com/office/drawing/2014/main" id="{63F7C3FF-13CF-DF89-5240-FB4F63C86826}"/>
+              </a:ext>
+            </a:extLst>
+          </p:cNvPr>
+          <p:cNvSpPr/>
+          <p:nvPr/>
+        </p:nvSpPr>
+        <p:spPr>
+          <a:xfrm>
+            <a:off x="876233" y="4901316"/>
+            <a:ext cx="2103120" cy="320682"/>
+          </a:xfrm>
+          <a:prstGeom prst="rect">
+            <a:avLst/>
+          </a:prstGeom>
+          <a:solidFill>
+            <a:srgbClr val="E3E0B3"/>
+          </a:solidFill>
+          <a:ln>
+            <a:solidFill>
+              <a:schemeClr val="tx1">
+                <a:lumMod val="65000"/>
+                <a:lumOff val="35000"/>
+              </a:schemeClr>
+            </a:solidFill>
+          </a:ln>
+        </p:spPr>
+        <p:style>
+          <a:lnRef idx="2">
+            <a:schemeClr val="accent6"/>
+          </a:lnRef>
+          <a:fillRef idx="1">
+            <a:schemeClr val="lt1"/>
+          </a:fillRef>
+          <a:effectRef idx="0">
+            <a:schemeClr val="accent6"/>
+          </a:effectRef>
+          <a:fontRef idx="minor">
+            <a:schemeClr val="dk1"/>
+          </a:fontRef>
+        </p:style>
+        <p:txBody>
+          <a:bodyPr rtlCol="0" anchor="ctr"/>
+          <a:lstStyle/>
+          <a:p>
+            <a:pPr algn="ctr"/>
+            <a:r>
+              <a:rPr lang="en-US" dirty="0"/>
+              <a:t>health</a:t>
             </a:r>
           </a:p>
         </p:txBody>
@@ -6384,7 +7835,7 @@
     </p:spTree>
     <p:extLst>
       <p:ext uri="{BB962C8B-B14F-4D97-AF65-F5344CB8AC3E}">
-        <p14:creationId xmlns:p14="http://schemas.microsoft.com/office/powerpoint/2010/main" val="3613665031"/>
+        <p14:creationId xmlns:p14="http://schemas.microsoft.com/office/powerpoint/2010/main" val="224652944"/>
       </p:ext>
     </p:extLst>
   </p:cSld>
@@ -6416,6 +7867,1793 @@
           <p:cNvPr id="2" name="Title 1">
             <a:extLst>
               <a:ext uri="{FF2B5EF4-FFF2-40B4-BE49-F238E27FC236}">
+                <a16:creationId xmlns:a16="http://schemas.microsoft.com/office/drawing/2014/main" id="{62E2D6A4-6388-6755-E9EE-9DB17ED65672}"/>
+              </a:ext>
+            </a:extLst>
+          </p:cNvPr>
+          <p:cNvSpPr>
+            <a:spLocks noGrp="1"/>
+          </p:cNvSpPr>
+          <p:nvPr>
+            <p:ph type="ctrTitle"/>
+          </p:nvPr>
+        </p:nvSpPr>
+        <p:spPr>
+          <a:xfrm>
+            <a:off x="2777515" y="117127"/>
+            <a:ext cx="5900201" cy="541040"/>
+          </a:xfrm>
+        </p:spPr>
+        <p:txBody>
+          <a:bodyPr>
+            <a:noAutofit/>
+          </a:bodyPr>
+          <a:lstStyle/>
+          <a:p>
+            <a:r>
+              <a:rPr lang="en-US" sz="4000" dirty="0" err="1"/>
+              <a:t>Leggos</a:t>
+            </a:r>
+            <a:r>
+              <a:rPr lang="en-US" sz="4000" dirty="0"/>
+              <a:t>® SLO</a:t>
+            </a:r>
+          </a:p>
+        </p:txBody>
+      </p:sp>
+      <p:cxnSp>
+        <p:nvCxnSpPr>
+          <p:cNvPr id="10" name="Straight Connector 9">
+            <a:extLst>
+              <a:ext uri="{FF2B5EF4-FFF2-40B4-BE49-F238E27FC236}">
+                <a16:creationId xmlns:a16="http://schemas.microsoft.com/office/drawing/2014/main" id="{2C327D33-F4EE-C800-6261-1942AD826F86}"/>
+              </a:ext>
+            </a:extLst>
+          </p:cNvPr>
+          <p:cNvCxnSpPr>
+            <a:cxnSpLocks/>
+          </p:cNvCxnSpPr>
+          <p:nvPr/>
+        </p:nvCxnSpPr>
+        <p:spPr>
+          <a:xfrm>
+            <a:off x="244149" y="117127"/>
+            <a:ext cx="0" cy="1324326"/>
+          </a:xfrm>
+          <a:prstGeom prst="line">
+            <a:avLst/>
+          </a:prstGeom>
+          <a:ln w="25400">
+            <a:solidFill>
+              <a:schemeClr val="tx1"/>
+            </a:solidFill>
+          </a:ln>
+        </p:spPr>
+        <p:style>
+          <a:lnRef idx="1">
+            <a:schemeClr val="accent1"/>
+          </a:lnRef>
+          <a:fillRef idx="0">
+            <a:schemeClr val="accent1"/>
+          </a:fillRef>
+          <a:effectRef idx="0">
+            <a:schemeClr val="accent1"/>
+          </a:effectRef>
+          <a:fontRef idx="minor">
+            <a:schemeClr val="tx1"/>
+          </a:fontRef>
+        </p:style>
+      </p:cxnSp>
+      <p:cxnSp>
+        <p:nvCxnSpPr>
+          <p:cNvPr id="14" name="Straight Connector 13">
+            <a:extLst>
+              <a:ext uri="{FF2B5EF4-FFF2-40B4-BE49-F238E27FC236}">
+                <a16:creationId xmlns:a16="http://schemas.microsoft.com/office/drawing/2014/main" id="{1ED8381A-7E0F-DB68-4A6A-94EADEF2604B}"/>
+              </a:ext>
+            </a:extLst>
+          </p:cNvPr>
+          <p:cNvCxnSpPr>
+            <a:cxnSpLocks/>
+          </p:cNvCxnSpPr>
+          <p:nvPr/>
+        </p:nvCxnSpPr>
+        <p:spPr>
+          <a:xfrm flipV="1">
+            <a:off x="7562851" y="285875"/>
+            <a:ext cx="312336" cy="6641"/>
+          </a:xfrm>
+          <a:prstGeom prst="line">
+            <a:avLst/>
+          </a:prstGeom>
+          <a:ln w="25400">
+            <a:solidFill>
+              <a:schemeClr val="tx1">
+                <a:lumMod val="50000"/>
+                <a:lumOff val="50000"/>
+              </a:schemeClr>
+            </a:solidFill>
+          </a:ln>
+        </p:spPr>
+        <p:style>
+          <a:lnRef idx="1">
+            <a:schemeClr val="accent1"/>
+          </a:lnRef>
+          <a:fillRef idx="0">
+            <a:schemeClr val="accent1"/>
+          </a:fillRef>
+          <a:effectRef idx="0">
+            <a:schemeClr val="accent1"/>
+          </a:effectRef>
+          <a:fontRef idx="minor">
+            <a:schemeClr val="tx1"/>
+          </a:fontRef>
+        </p:style>
+      </p:cxnSp>
+      <p:cxnSp>
+        <p:nvCxnSpPr>
+          <p:cNvPr id="16" name="Straight Connector 15">
+            <a:extLst>
+              <a:ext uri="{FF2B5EF4-FFF2-40B4-BE49-F238E27FC236}">
+                <a16:creationId xmlns:a16="http://schemas.microsoft.com/office/drawing/2014/main" id="{183ABB7A-C2D9-FD13-C555-77F314ABE71F}"/>
+              </a:ext>
+            </a:extLst>
+          </p:cNvPr>
+          <p:cNvCxnSpPr>
+            <a:cxnSpLocks/>
+          </p:cNvCxnSpPr>
+          <p:nvPr/>
+        </p:nvCxnSpPr>
+        <p:spPr>
+          <a:xfrm flipH="1" flipV="1">
+            <a:off x="8354419" y="312612"/>
+            <a:ext cx="646593" cy="1"/>
+          </a:xfrm>
+          <a:prstGeom prst="line">
+            <a:avLst/>
+          </a:prstGeom>
+          <a:ln w="25400">
+            <a:solidFill>
+              <a:schemeClr val="tx1">
+                <a:lumMod val="50000"/>
+                <a:lumOff val="50000"/>
+              </a:schemeClr>
+            </a:solidFill>
+          </a:ln>
+        </p:spPr>
+        <p:style>
+          <a:lnRef idx="1">
+            <a:schemeClr val="accent1"/>
+          </a:lnRef>
+          <a:fillRef idx="0">
+            <a:schemeClr val="accent1"/>
+          </a:fillRef>
+          <a:effectRef idx="0">
+            <a:schemeClr val="accent1"/>
+          </a:effectRef>
+          <a:fontRef idx="minor">
+            <a:schemeClr val="tx1"/>
+          </a:fontRef>
+        </p:style>
+      </p:cxnSp>
+      <p:sp>
+        <p:nvSpPr>
+          <p:cNvPr id="32" name="Rectangle 31">
+            <a:extLst>
+              <a:ext uri="{FF2B5EF4-FFF2-40B4-BE49-F238E27FC236}">
+                <a16:creationId xmlns:a16="http://schemas.microsoft.com/office/drawing/2014/main" id="{2886F777-DF05-BE71-1732-20C13F4572BF}"/>
+              </a:ext>
+            </a:extLst>
+          </p:cNvPr>
+          <p:cNvSpPr/>
+          <p:nvPr/>
+        </p:nvSpPr>
+        <p:spPr>
+          <a:xfrm>
+            <a:off x="7562851" y="3887120"/>
+            <a:ext cx="2158628" cy="344880"/>
+          </a:xfrm>
+          <a:prstGeom prst="rect">
+            <a:avLst/>
+          </a:prstGeom>
+          <a:solidFill>
+            <a:schemeClr val="bg1"/>
+          </a:solidFill>
+          <a:ln w="25400">
+            <a:solidFill>
+              <a:schemeClr val="tx1">
+                <a:lumMod val="50000"/>
+                <a:lumOff val="50000"/>
+              </a:schemeClr>
+            </a:solidFill>
+          </a:ln>
+        </p:spPr>
+        <p:style>
+          <a:lnRef idx="2">
+            <a:schemeClr val="accent6"/>
+          </a:lnRef>
+          <a:fillRef idx="1">
+            <a:schemeClr val="lt1"/>
+          </a:fillRef>
+          <a:effectRef idx="0">
+            <a:schemeClr val="accent6"/>
+          </a:effectRef>
+          <a:fontRef idx="minor">
+            <a:schemeClr val="dk1"/>
+          </a:fontRef>
+        </p:style>
+        <p:txBody>
+          <a:bodyPr rtlCol="0" anchor="ctr"/>
+          <a:lstStyle/>
+          <a:p>
+            <a:pPr algn="ctr"/>
+            <a:r>
+              <a:rPr lang="en-US" b="1" dirty="0" err="1"/>
+              <a:t>slo</a:t>
+            </a:r>
+            <a:r>
+              <a:rPr lang="en-US" b="1" dirty="0"/>
+              <a:t>-exchange</a:t>
+            </a:r>
+          </a:p>
+        </p:txBody>
+      </p:sp>
+      <p:sp>
+        <p:nvSpPr>
+          <p:cNvPr id="33" name="Rectangle 32">
+            <a:extLst>
+              <a:ext uri="{FF2B5EF4-FFF2-40B4-BE49-F238E27FC236}">
+                <a16:creationId xmlns:a16="http://schemas.microsoft.com/office/drawing/2014/main" id="{6220BF0B-BD06-6DF9-02B0-8E6749A2EDC7}"/>
+              </a:ext>
+            </a:extLst>
+          </p:cNvPr>
+          <p:cNvSpPr/>
+          <p:nvPr/>
+        </p:nvSpPr>
+        <p:spPr>
+          <a:xfrm>
+            <a:off x="5106632" y="3818152"/>
+            <a:ext cx="2184354" cy="344880"/>
+          </a:xfrm>
+          <a:prstGeom prst="rect">
+            <a:avLst/>
+          </a:prstGeom>
+          <a:solidFill>
+            <a:schemeClr val="bg1"/>
+          </a:solidFill>
+          <a:ln w="25400">
+            <a:solidFill>
+              <a:schemeClr val="tx1">
+                <a:lumMod val="50000"/>
+                <a:lumOff val="50000"/>
+              </a:schemeClr>
+            </a:solidFill>
+          </a:ln>
+        </p:spPr>
+        <p:style>
+          <a:lnRef idx="2">
+            <a:schemeClr val="accent6"/>
+          </a:lnRef>
+          <a:fillRef idx="1">
+            <a:schemeClr val="lt1"/>
+          </a:fillRef>
+          <a:effectRef idx="0">
+            <a:schemeClr val="accent6"/>
+          </a:effectRef>
+          <a:fontRef idx="minor">
+            <a:schemeClr val="dk1"/>
+          </a:fontRef>
+        </p:style>
+        <p:txBody>
+          <a:bodyPr rtlCol="0" anchor="ctr"/>
+          <a:lstStyle/>
+          <a:p>
+            <a:pPr algn="ctr"/>
+            <a:r>
+              <a:rPr lang="en-US" b="1" dirty="0"/>
+              <a:t>timeseries-exchange</a:t>
+            </a:r>
+          </a:p>
+        </p:txBody>
+      </p:sp>
+      <p:sp>
+        <p:nvSpPr>
+          <p:cNvPr id="34" name="Rectangle 33">
+            <a:extLst>
+              <a:ext uri="{FF2B5EF4-FFF2-40B4-BE49-F238E27FC236}">
+                <a16:creationId xmlns:a16="http://schemas.microsoft.com/office/drawing/2014/main" id="{24FF6FA8-F549-7342-38DC-36B9AE6830F7}"/>
+              </a:ext>
+            </a:extLst>
+          </p:cNvPr>
+          <p:cNvSpPr/>
+          <p:nvPr/>
+        </p:nvSpPr>
+        <p:spPr>
+          <a:xfrm>
+            <a:off x="5106632" y="3368869"/>
+            <a:ext cx="2184354" cy="344880"/>
+          </a:xfrm>
+          <a:prstGeom prst="rect">
+            <a:avLst/>
+          </a:prstGeom>
+          <a:solidFill>
+            <a:schemeClr val="bg1"/>
+          </a:solidFill>
+          <a:ln w="25400">
+            <a:solidFill>
+              <a:schemeClr val="tx1">
+                <a:lumMod val="50000"/>
+                <a:lumOff val="50000"/>
+              </a:schemeClr>
+            </a:solidFill>
+          </a:ln>
+        </p:spPr>
+        <p:style>
+          <a:lnRef idx="2">
+            <a:schemeClr val="accent6"/>
+          </a:lnRef>
+          <a:fillRef idx="1">
+            <a:schemeClr val="lt1"/>
+          </a:fillRef>
+          <a:effectRef idx="0">
+            <a:schemeClr val="accent6"/>
+          </a:effectRef>
+          <a:fontRef idx="minor">
+            <a:schemeClr val="dk1"/>
+          </a:fontRef>
+        </p:style>
+        <p:txBody>
+          <a:bodyPr rtlCol="0" anchor="ctr"/>
+          <a:lstStyle/>
+          <a:p>
+            <a:pPr algn="ctr"/>
+            <a:r>
+              <a:rPr lang="en-US" b="1" dirty="0"/>
+              <a:t>timeseries-data</a:t>
+            </a:r>
+          </a:p>
+        </p:txBody>
+      </p:sp>
+      <p:sp>
+        <p:nvSpPr>
+          <p:cNvPr id="35" name="Rectangle 34">
+            <a:extLst>
+              <a:ext uri="{FF2B5EF4-FFF2-40B4-BE49-F238E27FC236}">
+                <a16:creationId xmlns:a16="http://schemas.microsoft.com/office/drawing/2014/main" id="{E03BEE1A-F21C-E8CF-69AC-041F8705640D}"/>
+              </a:ext>
+            </a:extLst>
+          </p:cNvPr>
+          <p:cNvSpPr/>
+          <p:nvPr/>
+        </p:nvSpPr>
+        <p:spPr>
+          <a:xfrm>
+            <a:off x="7562851" y="3368856"/>
+            <a:ext cx="1886101" cy="344880"/>
+          </a:xfrm>
+          <a:prstGeom prst="rect">
+            <a:avLst/>
+          </a:prstGeom>
+          <a:solidFill>
+            <a:schemeClr val="bg1"/>
+          </a:solidFill>
+          <a:ln w="25400">
+            <a:solidFill>
+              <a:schemeClr val="tx1">
+                <a:lumMod val="50000"/>
+                <a:lumOff val="50000"/>
+              </a:schemeClr>
+            </a:solidFill>
+          </a:ln>
+        </p:spPr>
+        <p:style>
+          <a:lnRef idx="2">
+            <a:schemeClr val="accent6"/>
+          </a:lnRef>
+          <a:fillRef idx="1">
+            <a:schemeClr val="lt1"/>
+          </a:fillRef>
+          <a:effectRef idx="0">
+            <a:schemeClr val="accent6"/>
+          </a:effectRef>
+          <a:fontRef idx="minor">
+            <a:schemeClr val="dk1"/>
+          </a:fontRef>
+        </p:style>
+        <p:txBody>
+          <a:bodyPr rtlCol="0" anchor="ctr"/>
+          <a:lstStyle/>
+          <a:p>
+            <a:pPr algn="ctr"/>
+            <a:r>
+              <a:rPr lang="en-US" b="1" dirty="0" err="1"/>
+              <a:t>slo</a:t>
+            </a:r>
+            <a:r>
+              <a:rPr lang="en-US" b="1" dirty="0"/>
+              <a:t>-data</a:t>
+            </a:r>
+          </a:p>
+        </p:txBody>
+      </p:sp>
+      <p:sp>
+        <p:nvSpPr>
+          <p:cNvPr id="39" name="Rectangle 38">
+            <a:extLst>
+              <a:ext uri="{FF2B5EF4-FFF2-40B4-BE49-F238E27FC236}">
+                <a16:creationId xmlns:a16="http://schemas.microsoft.com/office/drawing/2014/main" id="{C6241EB3-BB1F-EE3E-3159-85AC98A929FD}"/>
+              </a:ext>
+            </a:extLst>
+          </p:cNvPr>
+          <p:cNvSpPr/>
+          <p:nvPr/>
+        </p:nvSpPr>
+        <p:spPr>
+          <a:xfrm>
+            <a:off x="9949334" y="4311436"/>
+            <a:ext cx="2158629" cy="344880"/>
+          </a:xfrm>
+          <a:prstGeom prst="rect">
+            <a:avLst/>
+          </a:prstGeom>
+          <a:solidFill>
+            <a:schemeClr val="bg1"/>
+          </a:solidFill>
+          <a:ln w="25400">
+            <a:solidFill>
+              <a:schemeClr val="tx1">
+                <a:lumMod val="50000"/>
+                <a:lumOff val="50000"/>
+              </a:schemeClr>
+            </a:solidFill>
+          </a:ln>
+        </p:spPr>
+        <p:style>
+          <a:lnRef idx="2">
+            <a:schemeClr val="accent6"/>
+          </a:lnRef>
+          <a:fillRef idx="1">
+            <a:schemeClr val="lt1"/>
+          </a:fillRef>
+          <a:effectRef idx="0">
+            <a:schemeClr val="accent6"/>
+          </a:effectRef>
+          <a:fontRef idx="minor">
+            <a:schemeClr val="dk1"/>
+          </a:fontRef>
+        </p:style>
+        <p:txBody>
+          <a:bodyPr rtlCol="0" anchor="ctr"/>
+          <a:lstStyle/>
+          <a:p>
+            <a:pPr algn="ctr"/>
+            <a:r>
+              <a:rPr lang="en-US" b="1" dirty="0"/>
+              <a:t>customer-</a:t>
+            </a:r>
+            <a:r>
+              <a:rPr lang="en-US" b="1" dirty="0" err="1"/>
+              <a:t>cdc</a:t>
+            </a:r>
+            <a:endParaRPr lang="en-US" b="1" dirty="0"/>
+          </a:p>
+        </p:txBody>
+      </p:sp>
+      <p:sp>
+        <p:nvSpPr>
+          <p:cNvPr id="40" name="Rectangle 39">
+            <a:extLst>
+              <a:ext uri="{FF2B5EF4-FFF2-40B4-BE49-F238E27FC236}">
+                <a16:creationId xmlns:a16="http://schemas.microsoft.com/office/drawing/2014/main" id="{E2BD4303-92C3-BF26-2024-18A673F3C568}"/>
+              </a:ext>
+            </a:extLst>
+          </p:cNvPr>
+          <p:cNvSpPr/>
+          <p:nvPr/>
+        </p:nvSpPr>
+        <p:spPr>
+          <a:xfrm>
+            <a:off x="9949334" y="3314255"/>
+            <a:ext cx="2158629" cy="410453"/>
+          </a:xfrm>
+          <a:prstGeom prst="rect">
+            <a:avLst/>
+          </a:prstGeom>
+          <a:solidFill>
+            <a:schemeClr val="bg1"/>
+          </a:solidFill>
+          <a:ln w="25400">
+            <a:solidFill>
+              <a:schemeClr val="tx1">
+                <a:lumMod val="50000"/>
+                <a:lumOff val="50000"/>
+              </a:schemeClr>
+            </a:solidFill>
+          </a:ln>
+        </p:spPr>
+        <p:style>
+          <a:lnRef idx="2">
+            <a:schemeClr val="accent6"/>
+          </a:lnRef>
+          <a:fillRef idx="1">
+            <a:schemeClr val="lt1"/>
+          </a:fillRef>
+          <a:effectRef idx="0">
+            <a:schemeClr val="accent6"/>
+          </a:effectRef>
+          <a:fontRef idx="minor">
+            <a:schemeClr val="dk1"/>
+          </a:fontRef>
+        </p:style>
+        <p:txBody>
+          <a:bodyPr rtlCol="0" anchor="ctr"/>
+          <a:lstStyle/>
+          <a:p>
+            <a:pPr algn="ctr"/>
+            <a:r>
+              <a:rPr lang="en-US" b="1" dirty="0"/>
+              <a:t>customer-data</a:t>
+            </a:r>
+          </a:p>
+        </p:txBody>
+      </p:sp>
+      <p:sp>
+        <p:nvSpPr>
+          <p:cNvPr id="44" name="Rectangle 43">
+            <a:extLst>
+              <a:ext uri="{FF2B5EF4-FFF2-40B4-BE49-F238E27FC236}">
+                <a16:creationId xmlns:a16="http://schemas.microsoft.com/office/drawing/2014/main" id="{334E8541-C10F-89FA-96FA-614BB2879E1F}"/>
+              </a:ext>
+            </a:extLst>
+          </p:cNvPr>
+          <p:cNvSpPr/>
+          <p:nvPr/>
+        </p:nvSpPr>
+        <p:spPr>
+          <a:xfrm>
+            <a:off x="5150642" y="4325503"/>
+            <a:ext cx="2184354" cy="344880"/>
+          </a:xfrm>
+          <a:prstGeom prst="rect">
+            <a:avLst/>
+          </a:prstGeom>
+          <a:solidFill>
+            <a:schemeClr val="bg1"/>
+          </a:solidFill>
+          <a:ln w="25400">
+            <a:solidFill>
+              <a:schemeClr val="tx1">
+                <a:lumMod val="50000"/>
+                <a:lumOff val="50000"/>
+              </a:schemeClr>
+            </a:solidFill>
+          </a:ln>
+        </p:spPr>
+        <p:style>
+          <a:lnRef idx="2">
+            <a:schemeClr val="accent6"/>
+          </a:lnRef>
+          <a:fillRef idx="1">
+            <a:schemeClr val="lt1"/>
+          </a:fillRef>
+          <a:effectRef idx="0">
+            <a:schemeClr val="accent6"/>
+          </a:effectRef>
+          <a:fontRef idx="minor">
+            <a:schemeClr val="dk1"/>
+          </a:fontRef>
+        </p:style>
+        <p:txBody>
+          <a:bodyPr rtlCol="0" anchor="ctr"/>
+          <a:lstStyle/>
+          <a:p>
+            <a:pPr algn="ctr"/>
+            <a:r>
+              <a:rPr lang="en-US" b="1" dirty="0"/>
+              <a:t>timeseries-</a:t>
+            </a:r>
+            <a:r>
+              <a:rPr lang="en-US" b="1" dirty="0" err="1"/>
+              <a:t>cdc</a:t>
+            </a:r>
+            <a:endParaRPr lang="en-US" b="1" dirty="0"/>
+          </a:p>
+        </p:txBody>
+      </p:sp>
+      <p:sp>
+        <p:nvSpPr>
+          <p:cNvPr id="45" name="Rectangle 44">
+            <a:extLst>
+              <a:ext uri="{FF2B5EF4-FFF2-40B4-BE49-F238E27FC236}">
+                <a16:creationId xmlns:a16="http://schemas.microsoft.com/office/drawing/2014/main" id="{C245E4A0-B3AF-56E8-FDDF-1E81D4D1353B}"/>
+              </a:ext>
+            </a:extLst>
+          </p:cNvPr>
+          <p:cNvSpPr/>
+          <p:nvPr/>
+        </p:nvSpPr>
+        <p:spPr>
+          <a:xfrm>
+            <a:off x="7562851" y="4325503"/>
+            <a:ext cx="2158628" cy="344880"/>
+          </a:xfrm>
+          <a:prstGeom prst="rect">
+            <a:avLst/>
+          </a:prstGeom>
+          <a:solidFill>
+            <a:schemeClr val="bg1"/>
+          </a:solidFill>
+          <a:ln w="25400">
+            <a:solidFill>
+              <a:schemeClr val="tx1">
+                <a:lumMod val="50000"/>
+                <a:lumOff val="50000"/>
+              </a:schemeClr>
+            </a:solidFill>
+          </a:ln>
+        </p:spPr>
+        <p:style>
+          <a:lnRef idx="2">
+            <a:schemeClr val="accent6"/>
+          </a:lnRef>
+          <a:fillRef idx="1">
+            <a:schemeClr val="lt1"/>
+          </a:fillRef>
+          <a:effectRef idx="0">
+            <a:schemeClr val="accent6"/>
+          </a:effectRef>
+          <a:fontRef idx="minor">
+            <a:schemeClr val="dk1"/>
+          </a:fontRef>
+        </p:style>
+        <p:txBody>
+          <a:bodyPr rtlCol="0" anchor="ctr"/>
+          <a:lstStyle/>
+          <a:p>
+            <a:pPr algn="ctr"/>
+            <a:r>
+              <a:rPr lang="en-US" b="1" dirty="0" err="1"/>
+              <a:t>slo-cdc</a:t>
+            </a:r>
+            <a:endParaRPr lang="en-US" b="1" dirty="0"/>
+          </a:p>
+        </p:txBody>
+      </p:sp>
+      <p:sp>
+        <p:nvSpPr>
+          <p:cNvPr id="46" name="Rectangle 45">
+            <a:extLst>
+              <a:ext uri="{FF2B5EF4-FFF2-40B4-BE49-F238E27FC236}">
+                <a16:creationId xmlns:a16="http://schemas.microsoft.com/office/drawing/2014/main" id="{B5356A2D-0496-B2C5-B161-E11A80D9E4CD}"/>
+              </a:ext>
+            </a:extLst>
+          </p:cNvPr>
+          <p:cNvSpPr/>
+          <p:nvPr/>
+        </p:nvSpPr>
+        <p:spPr>
+          <a:xfrm>
+            <a:off x="9949333" y="3802886"/>
+            <a:ext cx="2158629" cy="410453"/>
+          </a:xfrm>
+          <a:prstGeom prst="rect">
+            <a:avLst/>
+          </a:prstGeom>
+          <a:solidFill>
+            <a:schemeClr val="bg1"/>
+          </a:solidFill>
+          <a:ln w="25400">
+            <a:solidFill>
+              <a:schemeClr val="tx1">
+                <a:lumMod val="50000"/>
+                <a:lumOff val="50000"/>
+              </a:schemeClr>
+            </a:solidFill>
+          </a:ln>
+        </p:spPr>
+        <p:style>
+          <a:lnRef idx="2">
+            <a:schemeClr val="accent6"/>
+          </a:lnRef>
+          <a:fillRef idx="1">
+            <a:schemeClr val="lt1"/>
+          </a:fillRef>
+          <a:effectRef idx="0">
+            <a:schemeClr val="accent6"/>
+          </a:effectRef>
+          <a:fontRef idx="minor">
+            <a:schemeClr val="dk1"/>
+          </a:fontRef>
+        </p:style>
+        <p:txBody>
+          <a:bodyPr rtlCol="0" anchor="ctr"/>
+          <a:lstStyle/>
+          <a:p>
+            <a:pPr algn="ctr"/>
+            <a:r>
+              <a:rPr lang="en-US" b="1" dirty="0"/>
+              <a:t>customer-exchange</a:t>
+            </a:r>
+          </a:p>
+        </p:txBody>
+      </p:sp>
+      <p:sp>
+        <p:nvSpPr>
+          <p:cNvPr id="3" name="Rectangle 2">
+            <a:extLst>
+              <a:ext uri="{FF2B5EF4-FFF2-40B4-BE49-F238E27FC236}">
+                <a16:creationId xmlns:a16="http://schemas.microsoft.com/office/drawing/2014/main" id="{CD4D9C27-7C83-FBCD-D988-B41F11D04499}"/>
+              </a:ext>
+            </a:extLst>
+          </p:cNvPr>
+          <p:cNvSpPr/>
+          <p:nvPr/>
+        </p:nvSpPr>
+        <p:spPr>
+          <a:xfrm>
+            <a:off x="4461202" y="1997428"/>
+            <a:ext cx="2238957" cy="355876"/>
+          </a:xfrm>
+          <a:prstGeom prst="rect">
+            <a:avLst/>
+          </a:prstGeom>
+          <a:solidFill>
+            <a:schemeClr val="bg1"/>
+          </a:solidFill>
+          <a:ln w="25400">
+            <a:gradFill flip="none" rotWithShape="1">
+              <a:gsLst>
+                <a:gs pos="0">
+                  <a:schemeClr val="accent5">
+                    <a:lumMod val="40000"/>
+                    <a:lumOff val="60000"/>
+                  </a:schemeClr>
+                </a:gs>
+                <a:gs pos="46000">
+                  <a:schemeClr val="accent5">
+                    <a:lumMod val="95000"/>
+                    <a:lumOff val="5000"/>
+                  </a:schemeClr>
+                </a:gs>
+                <a:gs pos="100000">
+                  <a:schemeClr val="accent5">
+                    <a:lumMod val="60000"/>
+                  </a:schemeClr>
+                </a:gs>
+              </a:gsLst>
+              <a:path path="circle">
+                <a:fillToRect l="50000" t="130000" r="50000" b="-30000"/>
+              </a:path>
+              <a:tileRect/>
+            </a:gradFill>
+          </a:ln>
+        </p:spPr>
+        <p:style>
+          <a:lnRef idx="2">
+            <a:schemeClr val="accent6"/>
+          </a:lnRef>
+          <a:fillRef idx="1">
+            <a:schemeClr val="lt1"/>
+          </a:fillRef>
+          <a:effectRef idx="0">
+            <a:schemeClr val="accent6"/>
+          </a:effectRef>
+          <a:fontRef idx="minor">
+            <a:schemeClr val="dk1"/>
+          </a:fontRef>
+        </p:style>
+        <p:txBody>
+          <a:bodyPr rtlCol="0" anchor="ctr"/>
+          <a:lstStyle/>
+          <a:p>
+            <a:pPr algn="ctr"/>
+            <a:r>
+              <a:rPr lang="en-US" b="1" dirty="0"/>
+              <a:t>entity-resources</a:t>
+            </a:r>
+          </a:p>
+        </p:txBody>
+      </p:sp>
+    </p:spTree>
+    <p:extLst>
+      <p:ext uri="{BB962C8B-B14F-4D97-AF65-F5344CB8AC3E}">
+        <p14:creationId xmlns:p14="http://schemas.microsoft.com/office/powerpoint/2010/main" val="2352922686"/>
+      </p:ext>
+    </p:extLst>
+  </p:cSld>
+  <p:clrMapOvr>
+    <a:masterClrMapping/>
+  </p:clrMapOvr>
+</p:sld>
+</file>
+
+<file path=ppt/slides/slide5.xml><?xml version="1.0" encoding="utf-8"?>
+<p:sld xmlns:a="http://schemas.openxmlformats.org/drawingml/2006/main" xmlns:r="http://schemas.openxmlformats.org/officeDocument/2006/relationships" xmlns:p="http://schemas.openxmlformats.org/presentationml/2006/main">
+  <p:cSld>
+    <p:spTree>
+      <p:nvGrpSpPr>
+        <p:cNvPr id="1" name=""/>
+        <p:cNvGrpSpPr/>
+        <p:nvPr/>
+      </p:nvGrpSpPr>
+      <p:grpSpPr>
+        <a:xfrm>
+          <a:off x="0" y="0"/>
+          <a:ext cx="0" cy="0"/>
+          <a:chOff x="0" y="0"/>
+          <a:chExt cx="0" cy="0"/>
+        </a:xfrm>
+      </p:grpSpPr>
+      <p:sp>
+        <p:nvSpPr>
+          <p:cNvPr id="2" name="Title 1">
+            <a:extLst>
+              <a:ext uri="{FF2B5EF4-FFF2-40B4-BE49-F238E27FC236}">
+                <a16:creationId xmlns:a16="http://schemas.microsoft.com/office/drawing/2014/main" id="{62E2D6A4-6388-6755-E9EE-9DB17ED65672}"/>
+              </a:ext>
+            </a:extLst>
+          </p:cNvPr>
+          <p:cNvSpPr>
+            <a:spLocks noGrp="1"/>
+          </p:cNvSpPr>
+          <p:nvPr>
+            <p:ph type="ctrTitle"/>
+          </p:nvPr>
+        </p:nvSpPr>
+        <p:spPr>
+          <a:xfrm>
+            <a:off x="2777515" y="117127"/>
+            <a:ext cx="5900201" cy="541040"/>
+          </a:xfrm>
+        </p:spPr>
+        <p:txBody>
+          <a:bodyPr>
+            <a:noAutofit/>
+          </a:bodyPr>
+          <a:lstStyle/>
+          <a:p>
+            <a:r>
+              <a:rPr lang="en-US" sz="4000" dirty="0"/>
+              <a:t>Servers</a:t>
+            </a:r>
+          </a:p>
+        </p:txBody>
+      </p:sp>
+      <p:sp>
+        <p:nvSpPr>
+          <p:cNvPr id="25" name="Rectangle 24">
+            <a:extLst>
+              <a:ext uri="{FF2B5EF4-FFF2-40B4-BE49-F238E27FC236}">
+                <a16:creationId xmlns:a16="http://schemas.microsoft.com/office/drawing/2014/main" id="{AB2CAAB2-4F26-9795-B71C-6066629BFDE4}"/>
+              </a:ext>
+            </a:extLst>
+          </p:cNvPr>
+          <p:cNvSpPr/>
+          <p:nvPr/>
+        </p:nvSpPr>
+        <p:spPr>
+          <a:xfrm>
+            <a:off x="216680" y="3929911"/>
+            <a:ext cx="2164161" cy="344880"/>
+          </a:xfrm>
+          <a:prstGeom prst="rect">
+            <a:avLst/>
+          </a:prstGeom>
+          <a:solidFill>
+            <a:schemeClr val="bg1"/>
+          </a:solidFill>
+          <a:ln w="25400">
+            <a:solidFill>
+              <a:schemeClr val="tx1">
+                <a:lumMod val="50000"/>
+                <a:lumOff val="50000"/>
+              </a:schemeClr>
+            </a:solidFill>
+          </a:ln>
+        </p:spPr>
+        <p:style>
+          <a:lnRef idx="2">
+            <a:schemeClr val="accent6"/>
+          </a:lnRef>
+          <a:fillRef idx="1">
+            <a:schemeClr val="lt1"/>
+          </a:fillRef>
+          <a:effectRef idx="0">
+            <a:schemeClr val="accent6"/>
+          </a:effectRef>
+          <a:fontRef idx="minor">
+            <a:schemeClr val="dk1"/>
+          </a:fontRef>
+        </p:style>
+        <p:txBody>
+          <a:bodyPr rtlCol="0" anchor="ctr"/>
+          <a:lstStyle/>
+          <a:p>
+            <a:pPr algn="ctr"/>
+            <a:r>
+              <a:rPr lang="en-US" b="1" dirty="0"/>
+              <a:t>client-exchange</a:t>
+            </a:r>
+          </a:p>
+        </p:txBody>
+      </p:sp>
+      <p:sp>
+        <p:nvSpPr>
+          <p:cNvPr id="29" name="Rectangle 28">
+            <a:extLst>
+              <a:ext uri="{FF2B5EF4-FFF2-40B4-BE49-F238E27FC236}">
+                <a16:creationId xmlns:a16="http://schemas.microsoft.com/office/drawing/2014/main" id="{725E5123-FA64-2F8C-0F15-B85267D66A9D}"/>
+              </a:ext>
+            </a:extLst>
+          </p:cNvPr>
+          <p:cNvSpPr/>
+          <p:nvPr/>
+        </p:nvSpPr>
+        <p:spPr>
+          <a:xfrm>
+            <a:off x="5190616" y="698495"/>
+            <a:ext cx="1886101" cy="344880"/>
+          </a:xfrm>
+          <a:prstGeom prst="rect">
+            <a:avLst/>
+          </a:prstGeom>
+          <a:solidFill>
+            <a:schemeClr val="bg1"/>
+          </a:solidFill>
+          <a:ln w="25400">
+            <a:solidFill>
+              <a:schemeClr val="tx1">
+                <a:lumMod val="50000"/>
+                <a:lumOff val="50000"/>
+              </a:schemeClr>
+            </a:solidFill>
+          </a:ln>
+        </p:spPr>
+        <p:style>
+          <a:lnRef idx="2">
+            <a:schemeClr val="accent6"/>
+          </a:lnRef>
+          <a:fillRef idx="1">
+            <a:schemeClr val="lt1"/>
+          </a:fillRef>
+          <a:effectRef idx="0">
+            <a:schemeClr val="accent6"/>
+          </a:effectRef>
+          <a:fontRef idx="minor">
+            <a:schemeClr val="dk1"/>
+          </a:fontRef>
+        </p:style>
+        <p:txBody>
+          <a:bodyPr rtlCol="0" anchor="ctr"/>
+          <a:lstStyle/>
+          <a:p>
+            <a:pPr algn="ctr"/>
+            <a:r>
+              <a:rPr lang="en-US" b="1" dirty="0" err="1"/>
+              <a:t>awsrds</a:t>
+            </a:r>
+            <a:r>
+              <a:rPr lang="en-US" b="1" dirty="0"/>
+              <a:t>-adapter</a:t>
+            </a:r>
+          </a:p>
+        </p:txBody>
+      </p:sp>
+      <p:sp>
+        <p:nvSpPr>
+          <p:cNvPr id="31" name="Rectangle 30">
+            <a:extLst>
+              <a:ext uri="{FF2B5EF4-FFF2-40B4-BE49-F238E27FC236}">
+                <a16:creationId xmlns:a16="http://schemas.microsoft.com/office/drawing/2014/main" id="{ADE54724-734B-EAA6-6CC1-F12C743FDBF6}"/>
+              </a:ext>
+            </a:extLst>
+          </p:cNvPr>
+          <p:cNvSpPr/>
+          <p:nvPr/>
+        </p:nvSpPr>
+        <p:spPr>
+          <a:xfrm>
+            <a:off x="216680" y="5095767"/>
+            <a:ext cx="1886101" cy="358850"/>
+          </a:xfrm>
+          <a:prstGeom prst="rect">
+            <a:avLst/>
+          </a:prstGeom>
+          <a:solidFill>
+            <a:schemeClr val="bg1"/>
+          </a:solidFill>
+          <a:ln w="25400">
+            <a:solidFill>
+              <a:schemeClr val="tx1">
+                <a:lumMod val="50000"/>
+                <a:lumOff val="50000"/>
+              </a:schemeClr>
+            </a:solidFill>
+          </a:ln>
+        </p:spPr>
+        <p:style>
+          <a:lnRef idx="2">
+            <a:schemeClr val="accent6"/>
+          </a:lnRef>
+          <a:fillRef idx="1">
+            <a:schemeClr val="lt1"/>
+          </a:fillRef>
+          <a:effectRef idx="0">
+            <a:schemeClr val="accent6"/>
+          </a:effectRef>
+          <a:fontRef idx="minor">
+            <a:schemeClr val="dk1"/>
+          </a:fontRef>
+        </p:style>
+        <p:txBody>
+          <a:bodyPr rtlCol="0" anchor="ctr"/>
+          <a:lstStyle/>
+          <a:p>
+            <a:pPr algn="ctr"/>
+            <a:r>
+              <a:rPr lang="en-US" b="1" dirty="0"/>
+              <a:t>metrics-ingress</a:t>
+            </a:r>
+          </a:p>
+        </p:txBody>
+      </p:sp>
+      <p:sp>
+        <p:nvSpPr>
+          <p:cNvPr id="32" name="Rectangle 31">
+            <a:extLst>
+              <a:ext uri="{FF2B5EF4-FFF2-40B4-BE49-F238E27FC236}">
+                <a16:creationId xmlns:a16="http://schemas.microsoft.com/office/drawing/2014/main" id="{2886F777-DF05-BE71-1732-20C13F4572BF}"/>
+              </a:ext>
+            </a:extLst>
+          </p:cNvPr>
+          <p:cNvSpPr/>
+          <p:nvPr/>
+        </p:nvSpPr>
+        <p:spPr>
+          <a:xfrm>
+            <a:off x="6654994" y="3548669"/>
+            <a:ext cx="1886101" cy="344880"/>
+          </a:xfrm>
+          <a:prstGeom prst="rect">
+            <a:avLst/>
+          </a:prstGeom>
+          <a:solidFill>
+            <a:schemeClr val="bg1"/>
+          </a:solidFill>
+          <a:ln w="25400">
+            <a:solidFill>
+              <a:schemeClr val="tx1">
+                <a:lumMod val="50000"/>
+                <a:lumOff val="50000"/>
+              </a:schemeClr>
+            </a:solidFill>
+          </a:ln>
+        </p:spPr>
+        <p:style>
+          <a:lnRef idx="2">
+            <a:schemeClr val="accent6"/>
+          </a:lnRef>
+          <a:fillRef idx="1">
+            <a:schemeClr val="lt1"/>
+          </a:fillRef>
+          <a:effectRef idx="0">
+            <a:schemeClr val="accent6"/>
+          </a:effectRef>
+          <a:fontRef idx="minor">
+            <a:schemeClr val="dk1"/>
+          </a:fontRef>
+        </p:style>
+        <p:txBody>
+          <a:bodyPr rtlCol="0" anchor="ctr"/>
+          <a:lstStyle/>
+          <a:p>
+            <a:pPr algn="ctr"/>
+            <a:r>
+              <a:rPr lang="en-US" b="1" dirty="0" err="1"/>
+              <a:t>slo</a:t>
+            </a:r>
+            <a:r>
+              <a:rPr lang="en-US" b="1" dirty="0"/>
+              <a:t>-exchange</a:t>
+            </a:r>
+          </a:p>
+        </p:txBody>
+      </p:sp>
+      <p:sp>
+        <p:nvSpPr>
+          <p:cNvPr id="33" name="Rectangle 32">
+            <a:extLst>
+              <a:ext uri="{FF2B5EF4-FFF2-40B4-BE49-F238E27FC236}">
+                <a16:creationId xmlns:a16="http://schemas.microsoft.com/office/drawing/2014/main" id="{6220BF0B-BD06-6DF9-02B0-8E6749A2EDC7}"/>
+              </a:ext>
+            </a:extLst>
+          </p:cNvPr>
+          <p:cNvSpPr/>
+          <p:nvPr/>
+        </p:nvSpPr>
+        <p:spPr>
+          <a:xfrm>
+            <a:off x="6654994" y="2382093"/>
+            <a:ext cx="2184354" cy="344880"/>
+          </a:xfrm>
+          <a:prstGeom prst="rect">
+            <a:avLst/>
+          </a:prstGeom>
+          <a:solidFill>
+            <a:schemeClr val="bg1"/>
+          </a:solidFill>
+          <a:ln w="25400">
+            <a:solidFill>
+              <a:schemeClr val="tx1">
+                <a:lumMod val="50000"/>
+                <a:lumOff val="50000"/>
+              </a:schemeClr>
+            </a:solidFill>
+          </a:ln>
+        </p:spPr>
+        <p:style>
+          <a:lnRef idx="2">
+            <a:schemeClr val="accent6"/>
+          </a:lnRef>
+          <a:fillRef idx="1">
+            <a:schemeClr val="lt1"/>
+          </a:fillRef>
+          <a:effectRef idx="0">
+            <a:schemeClr val="accent6"/>
+          </a:effectRef>
+          <a:fontRef idx="minor">
+            <a:schemeClr val="dk1"/>
+          </a:fontRef>
+        </p:style>
+        <p:txBody>
+          <a:bodyPr rtlCol="0" anchor="ctr"/>
+          <a:lstStyle/>
+          <a:p>
+            <a:pPr algn="ctr"/>
+            <a:r>
+              <a:rPr lang="en-US" b="1" dirty="0"/>
+              <a:t>timeseries-exchange</a:t>
+            </a:r>
+          </a:p>
+        </p:txBody>
+      </p:sp>
+      <p:sp>
+        <p:nvSpPr>
+          <p:cNvPr id="37" name="Rectangle 36">
+            <a:extLst>
+              <a:ext uri="{FF2B5EF4-FFF2-40B4-BE49-F238E27FC236}">
+                <a16:creationId xmlns:a16="http://schemas.microsoft.com/office/drawing/2014/main" id="{B6C2131A-0862-B040-9DAB-BF28038775ED}"/>
+              </a:ext>
+            </a:extLst>
+          </p:cNvPr>
+          <p:cNvSpPr/>
+          <p:nvPr/>
+        </p:nvSpPr>
+        <p:spPr>
+          <a:xfrm>
+            <a:off x="5343016" y="850895"/>
+            <a:ext cx="1886101" cy="344880"/>
+          </a:xfrm>
+          <a:prstGeom prst="rect">
+            <a:avLst/>
+          </a:prstGeom>
+          <a:solidFill>
+            <a:schemeClr val="bg1"/>
+          </a:solidFill>
+          <a:ln w="25400">
+            <a:solidFill>
+              <a:schemeClr val="tx1">
+                <a:lumMod val="50000"/>
+                <a:lumOff val="50000"/>
+              </a:schemeClr>
+            </a:solidFill>
+          </a:ln>
+        </p:spPr>
+        <p:style>
+          <a:lnRef idx="2">
+            <a:schemeClr val="accent6"/>
+          </a:lnRef>
+          <a:fillRef idx="1">
+            <a:schemeClr val="lt1"/>
+          </a:fillRef>
+          <a:effectRef idx="0">
+            <a:schemeClr val="accent6"/>
+          </a:effectRef>
+          <a:fontRef idx="minor">
+            <a:schemeClr val="dk1"/>
+          </a:fontRef>
+        </p:style>
+        <p:txBody>
+          <a:bodyPr rtlCol="0" anchor="ctr"/>
+          <a:lstStyle/>
+          <a:p>
+            <a:pPr algn="ctr"/>
+            <a:r>
+              <a:rPr lang="en-US" b="1" dirty="0" err="1"/>
+              <a:t>awsrds</a:t>
+            </a:r>
+            <a:r>
+              <a:rPr lang="en-US" b="1" dirty="0"/>
+              <a:t>-adapter</a:t>
+            </a:r>
+          </a:p>
+        </p:txBody>
+      </p:sp>
+      <p:sp>
+        <p:nvSpPr>
+          <p:cNvPr id="38" name="Rectangle 37">
+            <a:extLst>
+              <a:ext uri="{FF2B5EF4-FFF2-40B4-BE49-F238E27FC236}">
+                <a16:creationId xmlns:a16="http://schemas.microsoft.com/office/drawing/2014/main" id="{61926031-B48A-5DDC-CAF1-F32796A0C45A}"/>
+              </a:ext>
+            </a:extLst>
+          </p:cNvPr>
+          <p:cNvSpPr/>
+          <p:nvPr/>
+        </p:nvSpPr>
+        <p:spPr>
+          <a:xfrm>
+            <a:off x="5495416" y="1003295"/>
+            <a:ext cx="1886101" cy="344880"/>
+          </a:xfrm>
+          <a:prstGeom prst="rect">
+            <a:avLst/>
+          </a:prstGeom>
+          <a:solidFill>
+            <a:schemeClr val="bg1"/>
+          </a:solidFill>
+          <a:ln w="25400">
+            <a:solidFill>
+              <a:schemeClr val="tx1">
+                <a:lumMod val="50000"/>
+                <a:lumOff val="50000"/>
+              </a:schemeClr>
+            </a:solidFill>
+          </a:ln>
+        </p:spPr>
+        <p:style>
+          <a:lnRef idx="2">
+            <a:schemeClr val="accent6"/>
+          </a:lnRef>
+          <a:fillRef idx="1">
+            <a:schemeClr val="lt1"/>
+          </a:fillRef>
+          <a:effectRef idx="0">
+            <a:schemeClr val="accent6"/>
+          </a:effectRef>
+          <a:fontRef idx="minor">
+            <a:schemeClr val="dk1"/>
+          </a:fontRef>
+        </p:style>
+        <p:txBody>
+          <a:bodyPr rtlCol="0" anchor="ctr"/>
+          <a:lstStyle/>
+          <a:p>
+            <a:pPr algn="ctr"/>
+            <a:r>
+              <a:rPr lang="en-US" b="1" dirty="0" err="1"/>
+              <a:t>awsrds</a:t>
+            </a:r>
+            <a:r>
+              <a:rPr lang="en-US" b="1" dirty="0"/>
+              <a:t>-adapter</a:t>
+            </a:r>
+          </a:p>
+        </p:txBody>
+      </p:sp>
+      <p:sp>
+        <p:nvSpPr>
+          <p:cNvPr id="39" name="Rectangle 38">
+            <a:extLst>
+              <a:ext uri="{FF2B5EF4-FFF2-40B4-BE49-F238E27FC236}">
+                <a16:creationId xmlns:a16="http://schemas.microsoft.com/office/drawing/2014/main" id="{C6241EB3-BB1F-EE3E-3159-85AC98A929FD}"/>
+              </a:ext>
+            </a:extLst>
+          </p:cNvPr>
+          <p:cNvSpPr/>
+          <p:nvPr/>
+        </p:nvSpPr>
+        <p:spPr>
+          <a:xfrm>
+            <a:off x="5647816" y="1155695"/>
+            <a:ext cx="1886101" cy="344880"/>
+          </a:xfrm>
+          <a:prstGeom prst="rect">
+            <a:avLst/>
+          </a:prstGeom>
+          <a:solidFill>
+            <a:schemeClr val="bg1"/>
+          </a:solidFill>
+          <a:ln w="25400">
+            <a:solidFill>
+              <a:schemeClr val="tx1">
+                <a:lumMod val="50000"/>
+                <a:lumOff val="50000"/>
+              </a:schemeClr>
+            </a:solidFill>
+          </a:ln>
+        </p:spPr>
+        <p:style>
+          <a:lnRef idx="2">
+            <a:schemeClr val="accent6"/>
+          </a:lnRef>
+          <a:fillRef idx="1">
+            <a:schemeClr val="lt1"/>
+          </a:fillRef>
+          <a:effectRef idx="0">
+            <a:schemeClr val="accent6"/>
+          </a:effectRef>
+          <a:fontRef idx="minor">
+            <a:schemeClr val="dk1"/>
+          </a:fontRef>
+        </p:style>
+        <p:txBody>
+          <a:bodyPr rtlCol="0" anchor="ctr"/>
+          <a:lstStyle/>
+          <a:p>
+            <a:pPr algn="ctr"/>
+            <a:r>
+              <a:rPr lang="en-US" b="1" dirty="0" err="1"/>
+              <a:t>awsrds</a:t>
+            </a:r>
+            <a:r>
+              <a:rPr lang="en-US" b="1" dirty="0"/>
+              <a:t>-adapter</a:t>
+            </a:r>
+          </a:p>
+        </p:txBody>
+      </p:sp>
+      <p:sp>
+        <p:nvSpPr>
+          <p:cNvPr id="40" name="Rectangle 39">
+            <a:extLst>
+              <a:ext uri="{FF2B5EF4-FFF2-40B4-BE49-F238E27FC236}">
+                <a16:creationId xmlns:a16="http://schemas.microsoft.com/office/drawing/2014/main" id="{E2BD4303-92C3-BF26-2024-18A673F3C568}"/>
+              </a:ext>
+            </a:extLst>
+          </p:cNvPr>
+          <p:cNvSpPr/>
+          <p:nvPr/>
+        </p:nvSpPr>
+        <p:spPr>
+          <a:xfrm>
+            <a:off x="494740" y="2999721"/>
+            <a:ext cx="1886101" cy="344880"/>
+          </a:xfrm>
+          <a:prstGeom prst="rect">
+            <a:avLst/>
+          </a:prstGeom>
+          <a:solidFill>
+            <a:schemeClr val="bg1"/>
+          </a:solidFill>
+          <a:ln w="25400">
+            <a:solidFill>
+              <a:schemeClr val="tx1">
+                <a:lumMod val="50000"/>
+                <a:lumOff val="50000"/>
+              </a:schemeClr>
+            </a:solidFill>
+          </a:ln>
+        </p:spPr>
+        <p:style>
+          <a:lnRef idx="2">
+            <a:schemeClr val="accent6"/>
+          </a:lnRef>
+          <a:fillRef idx="1">
+            <a:schemeClr val="lt1"/>
+          </a:fillRef>
+          <a:effectRef idx="0">
+            <a:schemeClr val="accent6"/>
+          </a:effectRef>
+          <a:fontRef idx="minor">
+            <a:schemeClr val="dk1"/>
+          </a:fontRef>
+        </p:style>
+        <p:txBody>
+          <a:bodyPr rtlCol="0" anchor="ctr"/>
+          <a:lstStyle/>
+          <a:p>
+            <a:pPr algn="ctr"/>
+            <a:r>
+              <a:rPr lang="en-US" b="1" dirty="0"/>
+              <a:t>entity-exchange</a:t>
+            </a:r>
+          </a:p>
+        </p:txBody>
+      </p:sp>
+      <p:sp>
+        <p:nvSpPr>
+          <p:cNvPr id="41" name="Rectangle 40">
+            <a:extLst>
+              <a:ext uri="{FF2B5EF4-FFF2-40B4-BE49-F238E27FC236}">
+                <a16:creationId xmlns:a16="http://schemas.microsoft.com/office/drawing/2014/main" id="{1FFD5F27-F151-E7E0-B247-8802E069F0FE}"/>
+              </a:ext>
+            </a:extLst>
+          </p:cNvPr>
+          <p:cNvSpPr/>
+          <p:nvPr/>
+        </p:nvSpPr>
+        <p:spPr>
+          <a:xfrm>
+            <a:off x="9162509" y="660412"/>
+            <a:ext cx="2389110" cy="344880"/>
+          </a:xfrm>
+          <a:prstGeom prst="rect">
+            <a:avLst/>
+          </a:prstGeom>
+          <a:solidFill>
+            <a:schemeClr val="bg1"/>
+          </a:solidFill>
+          <a:ln w="25400">
+            <a:solidFill>
+              <a:schemeClr val="tx1">
+                <a:lumMod val="50000"/>
+                <a:lumOff val="50000"/>
+              </a:schemeClr>
+            </a:solidFill>
+          </a:ln>
+        </p:spPr>
+        <p:style>
+          <a:lnRef idx="2">
+            <a:schemeClr val="accent6"/>
+          </a:lnRef>
+          <a:fillRef idx="1">
+            <a:schemeClr val="lt1"/>
+          </a:fillRef>
+          <a:effectRef idx="0">
+            <a:schemeClr val="accent6"/>
+          </a:effectRef>
+          <a:fontRef idx="minor">
+            <a:schemeClr val="dk1"/>
+          </a:fontRef>
+        </p:style>
+        <p:txBody>
+          <a:bodyPr rtlCol="0" anchor="ctr"/>
+          <a:lstStyle/>
+          <a:p>
+            <a:pPr algn="ctr"/>
+            <a:r>
+              <a:rPr lang="en-US" b="1" dirty="0"/>
+              <a:t>timeseries-replication</a:t>
+            </a:r>
+          </a:p>
+        </p:txBody>
+      </p:sp>
+      <p:sp>
+        <p:nvSpPr>
+          <p:cNvPr id="42" name="Rectangle 41">
+            <a:extLst>
+              <a:ext uri="{FF2B5EF4-FFF2-40B4-BE49-F238E27FC236}">
+                <a16:creationId xmlns:a16="http://schemas.microsoft.com/office/drawing/2014/main" id="{EF57DC3E-F613-4C5E-53D1-EFB77E911030}"/>
+              </a:ext>
+            </a:extLst>
+          </p:cNvPr>
+          <p:cNvSpPr/>
+          <p:nvPr/>
+        </p:nvSpPr>
+        <p:spPr>
+          <a:xfrm>
+            <a:off x="696380" y="1923393"/>
+            <a:ext cx="1886101" cy="344880"/>
+          </a:xfrm>
+          <a:prstGeom prst="rect">
+            <a:avLst/>
+          </a:prstGeom>
+          <a:solidFill>
+            <a:schemeClr val="bg1"/>
+          </a:solidFill>
+          <a:ln w="25400">
+            <a:solidFill>
+              <a:schemeClr val="tx1">
+                <a:lumMod val="50000"/>
+                <a:lumOff val="50000"/>
+              </a:schemeClr>
+            </a:solidFill>
+          </a:ln>
+        </p:spPr>
+        <p:style>
+          <a:lnRef idx="2">
+            <a:schemeClr val="accent6"/>
+          </a:lnRef>
+          <a:fillRef idx="1">
+            <a:schemeClr val="lt1"/>
+          </a:fillRef>
+          <a:effectRef idx="0">
+            <a:schemeClr val="accent6"/>
+          </a:effectRef>
+          <a:fontRef idx="minor">
+            <a:schemeClr val="dk1"/>
+          </a:fontRef>
+        </p:style>
+        <p:txBody>
+          <a:bodyPr rtlCol="0" anchor="ctr"/>
+          <a:lstStyle/>
+          <a:p>
+            <a:pPr algn="ctr"/>
+            <a:r>
+              <a:rPr lang="en-US" b="1" dirty="0"/>
+              <a:t>elastic-exchange</a:t>
+            </a:r>
+          </a:p>
+        </p:txBody>
+      </p:sp>
+      <p:sp>
+        <p:nvSpPr>
+          <p:cNvPr id="43" name="Rectangle 42">
+            <a:extLst>
+              <a:ext uri="{FF2B5EF4-FFF2-40B4-BE49-F238E27FC236}">
+                <a16:creationId xmlns:a16="http://schemas.microsoft.com/office/drawing/2014/main" id="{7478D019-1D72-3F60-9FCF-8AFBEAFAD84C}"/>
+              </a:ext>
+            </a:extLst>
+          </p:cNvPr>
+          <p:cNvSpPr/>
+          <p:nvPr/>
+        </p:nvSpPr>
+        <p:spPr>
+          <a:xfrm>
+            <a:off x="9162509" y="1308095"/>
+            <a:ext cx="2389110" cy="344880"/>
+          </a:xfrm>
+          <a:prstGeom prst="rect">
+            <a:avLst/>
+          </a:prstGeom>
+          <a:solidFill>
+            <a:schemeClr val="bg1"/>
+          </a:solidFill>
+          <a:ln w="25400">
+            <a:solidFill>
+              <a:schemeClr val="tx1">
+                <a:lumMod val="50000"/>
+                <a:lumOff val="50000"/>
+              </a:schemeClr>
+            </a:solidFill>
+          </a:ln>
+        </p:spPr>
+        <p:style>
+          <a:lnRef idx="2">
+            <a:schemeClr val="accent6"/>
+          </a:lnRef>
+          <a:fillRef idx="1">
+            <a:schemeClr val="lt1"/>
+          </a:fillRef>
+          <a:effectRef idx="0">
+            <a:schemeClr val="accent6"/>
+          </a:effectRef>
+          <a:fontRef idx="minor">
+            <a:schemeClr val="dk1"/>
+          </a:fontRef>
+        </p:style>
+        <p:txBody>
+          <a:bodyPr rtlCol="0" anchor="ctr"/>
+          <a:lstStyle/>
+          <a:p>
+            <a:pPr algn="ctr"/>
+            <a:r>
+              <a:rPr lang="en-US" b="1" dirty="0" err="1"/>
+              <a:t>slo</a:t>
+            </a:r>
+            <a:r>
+              <a:rPr lang="en-US" b="1" dirty="0"/>
+              <a:t>-replication</a:t>
+            </a:r>
+          </a:p>
+        </p:txBody>
+      </p:sp>
+      <p:sp>
+        <p:nvSpPr>
+          <p:cNvPr id="3" name="Rectangle 2">
+            <a:extLst>
+              <a:ext uri="{FF2B5EF4-FFF2-40B4-BE49-F238E27FC236}">
+                <a16:creationId xmlns:a16="http://schemas.microsoft.com/office/drawing/2014/main" id="{515E76EF-7AE7-75DD-2BE7-D9C82CDD49DA}"/>
+              </a:ext>
+            </a:extLst>
+          </p:cNvPr>
+          <p:cNvSpPr/>
+          <p:nvPr/>
+        </p:nvSpPr>
+        <p:spPr>
+          <a:xfrm>
+            <a:off x="6654994" y="2939211"/>
+            <a:ext cx="2184354" cy="397220"/>
+          </a:xfrm>
+          <a:prstGeom prst="rect">
+            <a:avLst/>
+          </a:prstGeom>
+          <a:solidFill>
+            <a:schemeClr val="bg1"/>
+          </a:solidFill>
+          <a:ln w="25400">
+            <a:solidFill>
+              <a:schemeClr val="tx1">
+                <a:lumMod val="50000"/>
+                <a:lumOff val="50000"/>
+              </a:schemeClr>
+            </a:solidFill>
+          </a:ln>
+        </p:spPr>
+        <p:style>
+          <a:lnRef idx="2">
+            <a:schemeClr val="accent6"/>
+          </a:lnRef>
+          <a:fillRef idx="1">
+            <a:schemeClr val="lt1"/>
+          </a:fillRef>
+          <a:effectRef idx="0">
+            <a:schemeClr val="accent6"/>
+          </a:effectRef>
+          <a:fontRef idx="minor">
+            <a:schemeClr val="dk1"/>
+          </a:fontRef>
+        </p:style>
+        <p:txBody>
+          <a:bodyPr rtlCol="0" anchor="ctr"/>
+          <a:lstStyle/>
+          <a:p>
+            <a:pPr algn="ctr"/>
+            <a:r>
+              <a:rPr lang="en-US" b="1" dirty="0"/>
+              <a:t>timeseries-</a:t>
+            </a:r>
+            <a:r>
+              <a:rPr lang="en-US" b="1" dirty="0" err="1"/>
+              <a:t>cdc</a:t>
+            </a:r>
+            <a:endParaRPr lang="en-US" b="1" dirty="0"/>
+          </a:p>
+        </p:txBody>
+      </p:sp>
+      <p:sp>
+        <p:nvSpPr>
+          <p:cNvPr id="6" name="Rectangle 5">
+            <a:extLst>
+              <a:ext uri="{FF2B5EF4-FFF2-40B4-BE49-F238E27FC236}">
+                <a16:creationId xmlns:a16="http://schemas.microsoft.com/office/drawing/2014/main" id="{1CB20B4D-398E-4A30-C2A3-BF57B0E95220}"/>
+              </a:ext>
+            </a:extLst>
+          </p:cNvPr>
+          <p:cNvSpPr/>
+          <p:nvPr/>
+        </p:nvSpPr>
+        <p:spPr>
+          <a:xfrm>
+            <a:off x="6654994" y="4102351"/>
+            <a:ext cx="1886101" cy="344880"/>
+          </a:xfrm>
+          <a:prstGeom prst="rect">
+            <a:avLst/>
+          </a:prstGeom>
+          <a:solidFill>
+            <a:schemeClr val="bg1"/>
+          </a:solidFill>
+          <a:ln w="25400">
+            <a:solidFill>
+              <a:schemeClr val="tx1">
+                <a:lumMod val="50000"/>
+                <a:lumOff val="50000"/>
+              </a:schemeClr>
+            </a:solidFill>
+          </a:ln>
+        </p:spPr>
+        <p:style>
+          <a:lnRef idx="2">
+            <a:schemeClr val="accent6"/>
+          </a:lnRef>
+          <a:fillRef idx="1">
+            <a:schemeClr val="lt1"/>
+          </a:fillRef>
+          <a:effectRef idx="0">
+            <a:schemeClr val="accent6"/>
+          </a:effectRef>
+          <a:fontRef idx="minor">
+            <a:schemeClr val="dk1"/>
+          </a:fontRef>
+        </p:style>
+        <p:txBody>
+          <a:bodyPr rtlCol="0" anchor="ctr"/>
+          <a:lstStyle/>
+          <a:p>
+            <a:pPr algn="ctr"/>
+            <a:r>
+              <a:rPr lang="en-US" b="1" dirty="0" err="1"/>
+              <a:t>slo-cdc</a:t>
+            </a:r>
+            <a:endParaRPr lang="en-US" b="1" dirty="0"/>
+          </a:p>
+        </p:txBody>
+      </p:sp>
+      <p:sp>
+        <p:nvSpPr>
+          <p:cNvPr id="7" name="Rectangle 6">
+            <a:extLst>
+              <a:ext uri="{FF2B5EF4-FFF2-40B4-BE49-F238E27FC236}">
+                <a16:creationId xmlns:a16="http://schemas.microsoft.com/office/drawing/2014/main" id="{099760A8-00A1-FB42-A053-444D04BCA853}"/>
+              </a:ext>
+            </a:extLst>
+          </p:cNvPr>
+          <p:cNvSpPr/>
+          <p:nvPr/>
+        </p:nvSpPr>
+        <p:spPr>
+          <a:xfrm>
+            <a:off x="3463462" y="4870279"/>
+            <a:ext cx="2184354" cy="344880"/>
+          </a:xfrm>
+          <a:prstGeom prst="rect">
+            <a:avLst/>
+          </a:prstGeom>
+          <a:solidFill>
+            <a:schemeClr val="bg1"/>
+          </a:solidFill>
+          <a:ln w="25400">
+            <a:solidFill>
+              <a:schemeClr val="tx1">
+                <a:lumMod val="50000"/>
+                <a:lumOff val="50000"/>
+              </a:schemeClr>
+            </a:solidFill>
+          </a:ln>
+        </p:spPr>
+        <p:style>
+          <a:lnRef idx="2">
+            <a:schemeClr val="accent6"/>
+          </a:lnRef>
+          <a:fillRef idx="1">
+            <a:schemeClr val="lt1"/>
+          </a:fillRef>
+          <a:effectRef idx="0">
+            <a:schemeClr val="accent6"/>
+          </a:effectRef>
+          <a:fontRef idx="minor">
+            <a:schemeClr val="dk1"/>
+          </a:fontRef>
+        </p:style>
+        <p:txBody>
+          <a:bodyPr rtlCol="0" anchor="ctr"/>
+          <a:lstStyle/>
+          <a:p>
+            <a:pPr algn="ctr"/>
+            <a:r>
+              <a:rPr lang="en-US" b="1" dirty="0"/>
+              <a:t>customer-exchange</a:t>
+            </a:r>
+          </a:p>
+        </p:txBody>
+      </p:sp>
+    </p:spTree>
+    <p:extLst>
+      <p:ext uri="{BB962C8B-B14F-4D97-AF65-F5344CB8AC3E}">
+        <p14:creationId xmlns:p14="http://schemas.microsoft.com/office/powerpoint/2010/main" val="3613665031"/>
+      </p:ext>
+    </p:extLst>
+  </p:cSld>
+  <p:clrMapOvr>
+    <a:masterClrMapping/>
+  </p:clrMapOvr>
+</p:sld>
+</file>
+
+<file path=ppt/slides/slide6.xml><?xml version="1.0" encoding="utf-8"?>
+<p:sld xmlns:a="http://schemas.openxmlformats.org/drawingml/2006/main" xmlns:r="http://schemas.openxmlformats.org/officeDocument/2006/relationships" xmlns:p="http://schemas.openxmlformats.org/presentationml/2006/main">
+  <p:cSld>
+    <p:spTree>
+      <p:nvGrpSpPr>
+        <p:cNvPr id="1" name=""/>
+        <p:cNvGrpSpPr/>
+        <p:nvPr/>
+      </p:nvGrpSpPr>
+      <p:grpSpPr>
+        <a:xfrm>
+          <a:off x="0" y="0"/>
+          <a:ext cx="0" cy="0"/>
+          <a:chOff x="0" y="0"/>
+          <a:chExt cx="0" cy="0"/>
+        </a:xfrm>
+      </p:grpSpPr>
+      <p:sp>
+        <p:nvSpPr>
+          <p:cNvPr id="2" name="Title 1">
+            <a:extLst>
+              <a:ext uri="{FF2B5EF4-FFF2-40B4-BE49-F238E27FC236}">
                 <a16:creationId xmlns:a16="http://schemas.microsoft.com/office/drawing/2014/main" id="{9C65447E-7F13-12AC-039D-8A103530069C}"/>
               </a:ext>
             </a:extLst>
@@ -8140,7 +11378,7 @@
 </p:sld>
 </file>
 
-<file path=ppt/slides/slide5.xml><?xml version="1.0" encoding="utf-8"?>
+<file path=ppt/slides/slide7.xml><?xml version="1.0" encoding="utf-8"?>
 <p:sld xmlns:a="http://schemas.openxmlformats.org/drawingml/2006/main" xmlns:r="http://schemas.openxmlformats.org/officeDocument/2006/relationships" xmlns:p="http://schemas.openxmlformats.org/presentationml/2006/main">
   <p:cSld>
     <p:spTree>

--- a/GO-Micro-Resources-Application.pptx
+++ b/GO-Micro-Resources-Application.pptx
@@ -5,16 +5,17 @@
     <p:sldMasterId id="2147483648" r:id="rId1"/>
   </p:sldMasterIdLst>
   <p:notesMasterIdLst>
-    <p:notesMasterId r:id="rId9"/>
+    <p:notesMasterId r:id="rId10"/>
   </p:notesMasterIdLst>
   <p:sldIdLst>
     <p:sldId id="256" r:id="rId2"/>
     <p:sldId id="259" r:id="rId3"/>
     <p:sldId id="261" r:id="rId4"/>
-    <p:sldId id="262" r:id="rId5"/>
-    <p:sldId id="260" r:id="rId6"/>
-    <p:sldId id="257" r:id="rId7"/>
-    <p:sldId id="258" r:id="rId8"/>
+    <p:sldId id="263" r:id="rId5"/>
+    <p:sldId id="262" r:id="rId6"/>
+    <p:sldId id="260" r:id="rId7"/>
+    <p:sldId id="257" r:id="rId8"/>
+    <p:sldId id="258" r:id="rId9"/>
   </p:sldIdLst>
   <p:sldSz cx="12192000" cy="6858000"/>
   <p:notesSz cx="6858000" cy="9144000"/>
@@ -674,7 +675,7 @@
           <a:p>
             <a:fld id="{A221C571-5782-4D6E-83CF-D2E734C80146}" type="slidenum">
               <a:rPr lang="en-US" smtClean="0"/>
-              <a:t>6</a:t>
+              <a:t>7</a:t>
             </a:fld>
             <a:endParaRPr lang="en-US"/>
           </a:p>
@@ -761,7 +762,7 @@
           <a:p>
             <a:fld id="{A221C571-5782-4D6E-83CF-D2E734C80146}" type="slidenum">
               <a:rPr lang="en-US" smtClean="0"/>
-              <a:t>7</a:t>
+              <a:t>8</a:t>
             </a:fld>
             <a:endParaRPr lang="en-US"/>
           </a:p>
@@ -4111,8 +4112,13 @@
             </a:r>
             <a:r>
               <a:rPr lang="en-US" sz="4000" dirty="0"/>
-              <a:t>® - Common</a:t>
-            </a:r>
+              <a:t>® - </a:t>
+            </a:r>
+            <a:r>
+              <a:rPr lang="en-US" sz="4000" dirty="0" err="1"/>
+              <a:t>Common,Entity</a:t>
+            </a:r>
+            <a:endParaRPr lang="en-US" sz="4000" dirty="0"/>
           </a:p>
         </p:txBody>
       </p:sp>
@@ -4130,7 +4136,7 @@
         </p:nvSpPr>
         <p:spPr>
           <a:xfrm>
-            <a:off x="829127" y="3477331"/>
+            <a:off x="847853" y="2372685"/>
             <a:ext cx="2276411" cy="355876"/>
           </a:xfrm>
           <a:prstGeom prst="rect">
@@ -4208,9 +4214,9 @@
           <p:nvPr/>
         </p:nvCxnSpPr>
         <p:spPr>
-          <a:xfrm>
-            <a:off x="829127" y="3833207"/>
-            <a:ext cx="0" cy="1130564"/>
+          <a:xfrm flipH="1">
+            <a:off x="847853" y="2688279"/>
+            <a:ext cx="11554" cy="1002430"/>
           </a:xfrm>
           <a:prstGeom prst="line">
             <a:avLst/>
@@ -4256,7 +4262,7 @@
         </p:nvCxnSpPr>
         <p:spPr>
           <a:xfrm>
-            <a:off x="806212" y="4495152"/>
+            <a:off x="836492" y="3339821"/>
             <a:ext cx="196206" cy="0"/>
           </a:xfrm>
           <a:prstGeom prst="line">
@@ -4303,7 +4309,7 @@
         </p:nvCxnSpPr>
         <p:spPr>
           <a:xfrm flipH="1" flipV="1">
-            <a:off x="806212" y="4138143"/>
+            <a:off x="836492" y="2983563"/>
             <a:ext cx="196206" cy="5049"/>
           </a:xfrm>
           <a:prstGeom prst="line">
@@ -4347,7 +4353,7 @@
         </p:nvSpPr>
         <p:spPr>
           <a:xfrm>
-            <a:off x="1002418" y="4681649"/>
+            <a:off x="1045368" y="3530689"/>
             <a:ext cx="2103120" cy="320040"/>
           </a:xfrm>
           <a:prstGeom prst="rect">
@@ -4406,7 +4412,7 @@
         </p:nvSpPr>
         <p:spPr>
           <a:xfrm>
-            <a:off x="1002418" y="3982851"/>
+            <a:off x="1032698" y="2828271"/>
             <a:ext cx="2103120" cy="320682"/>
           </a:xfrm>
           <a:prstGeom prst="rect">
@@ -4465,7 +4471,7 @@
         </p:nvSpPr>
         <p:spPr>
           <a:xfrm>
-            <a:off x="1002418" y="4335132"/>
+            <a:off x="1032698" y="3179801"/>
             <a:ext cx="2103120" cy="320040"/>
           </a:xfrm>
           <a:prstGeom prst="rect">
@@ -4526,7 +4532,7 @@
         </p:nvCxnSpPr>
         <p:spPr>
           <a:xfrm flipH="1">
-            <a:off x="806212" y="4841669"/>
+            <a:off x="849162" y="3690709"/>
             <a:ext cx="196206" cy="0"/>
           </a:xfrm>
           <a:prstGeom prst="line">
@@ -4647,7 +4653,7 @@
         </p:nvSpPr>
         <p:spPr>
           <a:xfrm>
-            <a:off x="7748537" y="3567433"/>
+            <a:off x="8703910" y="2688279"/>
             <a:ext cx="2103120" cy="320682"/>
           </a:xfrm>
           <a:prstGeom prst="rect">
@@ -4709,7 +4715,7 @@
         <p:spPr>
           <a:xfrm>
             <a:off x="862792" y="1499125"/>
-            <a:ext cx="0" cy="459327"/>
+            <a:ext cx="3789" cy="305331"/>
           </a:xfrm>
           <a:prstGeom prst="line">
             <a:avLst/>
@@ -4752,7 +4758,7 @@
         </p:nvSpPr>
         <p:spPr>
           <a:xfrm>
-            <a:off x="7788260" y="4995265"/>
+            <a:off x="4599115" y="1707524"/>
             <a:ext cx="2103120" cy="320682"/>
           </a:xfrm>
           <a:prstGeom prst="rect">
@@ -4813,7 +4819,7 @@
         </p:nvCxnSpPr>
         <p:spPr>
           <a:xfrm>
-            <a:off x="7653565" y="5155606"/>
+            <a:off x="4464420" y="1867865"/>
             <a:ext cx="134695" cy="0"/>
           </a:xfrm>
           <a:prstGeom prst="line">
@@ -4858,9 +4864,9 @@
           <p:nvPr/>
         </p:nvCxnSpPr>
         <p:spPr>
-          <a:xfrm flipH="1">
-            <a:off x="7653565" y="4773859"/>
-            <a:ext cx="6769" cy="381747"/>
+          <a:xfrm>
+            <a:off x="4464420" y="1612755"/>
+            <a:ext cx="16775" cy="241973"/>
           </a:xfrm>
           <a:prstGeom prst="line">
             <a:avLst/>
@@ -4904,9 +4910,9 @@
           <p:nvPr/>
         </p:nvCxnSpPr>
         <p:spPr>
-          <a:xfrm flipH="1">
-            <a:off x="7612700" y="3287168"/>
-            <a:ext cx="13834" cy="440606"/>
+          <a:xfrm>
+            <a:off x="8610086" y="2583649"/>
+            <a:ext cx="0" cy="257713"/>
           </a:xfrm>
           <a:prstGeom prst="line">
             <a:avLst/>
@@ -4951,8 +4957,8 @@
         </p:nvCxnSpPr>
         <p:spPr>
           <a:xfrm>
-            <a:off x="7618756" y="1648561"/>
-            <a:ext cx="0" cy="388753"/>
+            <a:off x="8574498" y="1529856"/>
+            <a:ext cx="10497" cy="251336"/>
           </a:xfrm>
           <a:prstGeom prst="line">
             <a:avLst/>
@@ -4998,7 +5004,7 @@
         </p:nvCxnSpPr>
         <p:spPr>
           <a:xfrm>
-            <a:off x="7612700" y="3727774"/>
+            <a:off x="8568073" y="2848620"/>
             <a:ext cx="135837" cy="0"/>
           </a:xfrm>
           <a:prstGeom prst="line">
@@ -5045,7 +5051,7 @@
         </p:nvCxnSpPr>
         <p:spPr>
           <a:xfrm>
-            <a:off x="7612700" y="2037314"/>
+            <a:off x="8528350" y="1776477"/>
             <a:ext cx="175560" cy="0"/>
           </a:xfrm>
           <a:prstGeom prst="line">
@@ -5092,7 +5098,7 @@
         </p:nvCxnSpPr>
         <p:spPr>
           <a:xfrm>
-            <a:off x="859407" y="1907408"/>
+            <a:off x="859407" y="1804456"/>
             <a:ext cx="143011" cy="0"/>
           </a:xfrm>
           <a:prstGeom prst="line">
@@ -5136,7 +5142,7 @@
         </p:nvSpPr>
         <p:spPr>
           <a:xfrm>
-            <a:off x="1002418" y="1747067"/>
+            <a:off x="1002418" y="1644115"/>
             <a:ext cx="2103120" cy="320682"/>
           </a:xfrm>
           <a:prstGeom prst="rect">
@@ -5194,7 +5200,7 @@
         </p:nvSpPr>
         <p:spPr>
           <a:xfrm>
-            <a:off x="7612700" y="3051216"/>
+            <a:off x="8610086" y="2275436"/>
             <a:ext cx="2238957" cy="355876"/>
           </a:xfrm>
           <a:prstGeom prst="rect">
@@ -5256,7 +5262,7 @@
             </a:r>
             <a:r>
               <a:rPr lang="en-US" b="1" dirty="0"/>
-              <a:t>-adapter</a:t>
+              <a:t>-adapter(v)</a:t>
             </a:r>
           </a:p>
         </p:txBody>
@@ -5275,7 +5281,7 @@
         </p:nvSpPr>
         <p:spPr>
           <a:xfrm>
-            <a:off x="7612700" y="1360756"/>
+            <a:off x="8570363" y="1200262"/>
             <a:ext cx="2238957" cy="355876"/>
           </a:xfrm>
           <a:prstGeom prst="rect">
@@ -5337,7 +5343,7 @@
             </a:r>
             <a:r>
               <a:rPr lang="en-US" b="1" dirty="0"/>
-              <a:t>-adapter</a:t>
+              <a:t>-adapter(v)</a:t>
             </a:r>
           </a:p>
         </p:txBody>
@@ -5356,7 +5362,7 @@
         </p:nvSpPr>
         <p:spPr>
           <a:xfrm>
-            <a:off x="7653565" y="4493455"/>
+            <a:off x="4446744" y="1262218"/>
             <a:ext cx="2238957" cy="355876"/>
           </a:xfrm>
           <a:prstGeom prst="rect">
@@ -5414,7 +5420,7 @@
             <a:pPr algn="ctr"/>
             <a:r>
               <a:rPr lang="en-US" b="1" dirty="0"/>
-              <a:t>elastic-adapter</a:t>
+              <a:t>elastic-adapter(v)</a:t>
             </a:r>
           </a:p>
         </p:txBody>
@@ -5433,7 +5439,7 @@
         </p:nvSpPr>
         <p:spPr>
           <a:xfrm>
-            <a:off x="7788260" y="1876973"/>
+            <a:off x="8703910" y="1616136"/>
             <a:ext cx="2103120" cy="320682"/>
           </a:xfrm>
           <a:prstGeom prst="rect">
@@ -5478,6 +5484,1128 @@
           </a:p>
         </p:txBody>
       </p:sp>
+      <p:sp>
+        <p:nvSpPr>
+          <p:cNvPr id="17" name="Rectangle 16">
+            <a:extLst>
+              <a:ext uri="{FF2B5EF4-FFF2-40B4-BE49-F238E27FC236}">
+                <a16:creationId xmlns:a16="http://schemas.microsoft.com/office/drawing/2014/main" id="{8EFE7FED-C337-D76F-21EE-320C5243D134}"/>
+              </a:ext>
+            </a:extLst>
+          </p:cNvPr>
+          <p:cNvSpPr/>
+          <p:nvPr/>
+        </p:nvSpPr>
+        <p:spPr>
+          <a:xfrm>
+            <a:off x="790032" y="4676279"/>
+            <a:ext cx="2238957" cy="355876"/>
+          </a:xfrm>
+          <a:prstGeom prst="rect">
+            <a:avLst/>
+          </a:prstGeom>
+          <a:solidFill>
+            <a:schemeClr val="bg1"/>
+          </a:solidFill>
+          <a:ln w="25400">
+            <a:gradFill flip="none" rotWithShape="1">
+              <a:gsLst>
+                <a:gs pos="0">
+                  <a:schemeClr val="accent5">
+                    <a:lumMod val="40000"/>
+                    <a:lumOff val="60000"/>
+                  </a:schemeClr>
+                </a:gs>
+                <a:gs pos="46000">
+                  <a:schemeClr val="accent5">
+                    <a:lumMod val="95000"/>
+                    <a:lumOff val="5000"/>
+                  </a:schemeClr>
+                </a:gs>
+                <a:gs pos="100000">
+                  <a:schemeClr val="accent5">
+                    <a:lumMod val="60000"/>
+                  </a:schemeClr>
+                </a:gs>
+              </a:gsLst>
+              <a:path path="circle">
+                <a:fillToRect l="50000" t="130000" r="50000" b="-30000"/>
+              </a:path>
+              <a:tileRect/>
+            </a:gradFill>
+          </a:ln>
+        </p:spPr>
+        <p:style>
+          <a:lnRef idx="2">
+            <a:schemeClr val="accent6"/>
+          </a:lnRef>
+          <a:fillRef idx="1">
+            <a:schemeClr val="lt1"/>
+          </a:fillRef>
+          <a:effectRef idx="0">
+            <a:schemeClr val="accent6"/>
+          </a:effectRef>
+          <a:fontRef idx="minor">
+            <a:schemeClr val="dk1"/>
+          </a:fontRef>
+        </p:style>
+        <p:txBody>
+          <a:bodyPr rtlCol="0" anchor="ctr"/>
+          <a:lstStyle/>
+          <a:p>
+            <a:pPr algn="ctr"/>
+            <a:r>
+              <a:rPr lang="en-US" b="1" dirty="0"/>
+              <a:t>entity-resources(v)</a:t>
+            </a:r>
+          </a:p>
+        </p:txBody>
+      </p:sp>
+      <p:sp>
+        <p:nvSpPr>
+          <p:cNvPr id="18" name="Rectangle 17">
+            <a:extLst>
+              <a:ext uri="{FF2B5EF4-FFF2-40B4-BE49-F238E27FC236}">
+                <a16:creationId xmlns:a16="http://schemas.microsoft.com/office/drawing/2014/main" id="{B0EF67DA-971F-899C-0F09-0496529BD898}"/>
+              </a:ext>
+            </a:extLst>
+          </p:cNvPr>
+          <p:cNvSpPr/>
+          <p:nvPr/>
+        </p:nvSpPr>
+        <p:spPr>
+          <a:xfrm>
+            <a:off x="925869" y="5114068"/>
+            <a:ext cx="2103120" cy="320682"/>
+          </a:xfrm>
+          <a:prstGeom prst="rect">
+            <a:avLst/>
+          </a:prstGeom>
+          <a:solidFill>
+            <a:srgbClr val="E3E0B3"/>
+          </a:solidFill>
+          <a:ln>
+            <a:solidFill>
+              <a:schemeClr val="tx1">
+                <a:lumMod val="65000"/>
+                <a:lumOff val="35000"/>
+              </a:schemeClr>
+            </a:solidFill>
+          </a:ln>
+        </p:spPr>
+        <p:style>
+          <a:lnRef idx="2">
+            <a:schemeClr val="accent6"/>
+          </a:lnRef>
+          <a:fillRef idx="1">
+            <a:schemeClr val="lt1"/>
+          </a:fillRef>
+          <a:effectRef idx="0">
+            <a:schemeClr val="accent6"/>
+          </a:effectRef>
+          <a:fontRef idx="minor">
+            <a:schemeClr val="dk1"/>
+          </a:fontRef>
+        </p:style>
+        <p:txBody>
+          <a:bodyPr rtlCol="0" anchor="ctr"/>
+          <a:lstStyle/>
+          <a:p>
+            <a:pPr algn="ctr"/>
+            <a:r>
+              <a:rPr lang="en-US" dirty="0"/>
+              <a:t>profile</a:t>
+            </a:r>
+          </a:p>
+        </p:txBody>
+      </p:sp>
+      <p:sp>
+        <p:nvSpPr>
+          <p:cNvPr id="19" name="Rectangle 18">
+            <a:extLst>
+              <a:ext uri="{FF2B5EF4-FFF2-40B4-BE49-F238E27FC236}">
+                <a16:creationId xmlns:a16="http://schemas.microsoft.com/office/drawing/2014/main" id="{2A6FFB4B-D624-41F4-20E4-C81F4FD6F989}"/>
+              </a:ext>
+            </a:extLst>
+          </p:cNvPr>
+          <p:cNvSpPr/>
+          <p:nvPr/>
+        </p:nvSpPr>
+        <p:spPr>
+          <a:xfrm>
+            <a:off x="925869" y="5458404"/>
+            <a:ext cx="2103120" cy="320682"/>
+          </a:xfrm>
+          <a:prstGeom prst="rect">
+            <a:avLst/>
+          </a:prstGeom>
+          <a:solidFill>
+            <a:srgbClr val="E3E0B3"/>
+          </a:solidFill>
+          <a:ln>
+            <a:solidFill>
+              <a:schemeClr val="tx1">
+                <a:lumMod val="65000"/>
+                <a:lumOff val="35000"/>
+              </a:schemeClr>
+            </a:solidFill>
+          </a:ln>
+        </p:spPr>
+        <p:style>
+          <a:lnRef idx="2">
+            <a:schemeClr val="accent6"/>
+          </a:lnRef>
+          <a:fillRef idx="1">
+            <a:schemeClr val="lt1"/>
+          </a:fillRef>
+          <a:effectRef idx="0">
+            <a:schemeClr val="accent6"/>
+          </a:effectRef>
+          <a:fontRef idx="minor">
+            <a:schemeClr val="dk1"/>
+          </a:fontRef>
+        </p:style>
+        <p:txBody>
+          <a:bodyPr rtlCol="0" anchor="ctr"/>
+          <a:lstStyle/>
+          <a:p>
+            <a:pPr algn="ctr"/>
+            <a:r>
+              <a:rPr lang="en-US" dirty="0"/>
+              <a:t>envoy</a:t>
+            </a:r>
+          </a:p>
+        </p:txBody>
+      </p:sp>
+      <p:cxnSp>
+        <p:nvCxnSpPr>
+          <p:cNvPr id="20" name="Straight Arrow Connector 19">
+            <a:extLst>
+              <a:ext uri="{FF2B5EF4-FFF2-40B4-BE49-F238E27FC236}">
+                <a16:creationId xmlns:a16="http://schemas.microsoft.com/office/drawing/2014/main" id="{66A2F0A5-F877-8796-A8B2-50716B56E152}"/>
+              </a:ext>
+            </a:extLst>
+          </p:cNvPr>
+          <p:cNvCxnSpPr>
+            <a:cxnSpLocks/>
+            <a:stCxn id="17" idx="3"/>
+            <a:endCxn id="22" idx="1"/>
+          </p:cNvCxnSpPr>
+          <p:nvPr/>
+        </p:nvCxnSpPr>
+        <p:spPr>
+          <a:xfrm flipV="1">
+            <a:off x="3028989" y="4336198"/>
+            <a:ext cx="1291976" cy="518019"/>
+          </a:xfrm>
+          <a:prstGeom prst="straightConnector1">
+            <a:avLst/>
+          </a:prstGeom>
+          <a:ln w="25400">
+            <a:tailEnd type="triangle" w="lg" len="med"/>
+          </a:ln>
+        </p:spPr>
+        <p:style>
+          <a:lnRef idx="1">
+            <a:schemeClr val="accent1"/>
+          </a:lnRef>
+          <a:fillRef idx="0">
+            <a:schemeClr val="accent1"/>
+          </a:fillRef>
+          <a:effectRef idx="0">
+            <a:schemeClr val="accent1"/>
+          </a:effectRef>
+          <a:fontRef idx="minor">
+            <a:schemeClr val="tx1"/>
+          </a:fontRef>
+        </p:style>
+      </p:cxnSp>
+      <p:sp>
+        <p:nvSpPr>
+          <p:cNvPr id="22" name="Rectangle 21">
+            <a:extLst>
+              <a:ext uri="{FF2B5EF4-FFF2-40B4-BE49-F238E27FC236}">
+                <a16:creationId xmlns:a16="http://schemas.microsoft.com/office/drawing/2014/main" id="{1F565038-9CD2-E8B3-BD48-78647991321C}"/>
+              </a:ext>
+            </a:extLst>
+          </p:cNvPr>
+          <p:cNvSpPr/>
+          <p:nvPr/>
+        </p:nvSpPr>
+        <p:spPr>
+          <a:xfrm>
+            <a:off x="4320965" y="4158260"/>
+            <a:ext cx="2238957" cy="355876"/>
+          </a:xfrm>
+          <a:prstGeom prst="rect">
+            <a:avLst/>
+          </a:prstGeom>
+          <a:solidFill>
+            <a:schemeClr val="bg1"/>
+          </a:solidFill>
+          <a:ln w="25400">
+            <a:gradFill flip="none" rotWithShape="1">
+              <a:gsLst>
+                <a:gs pos="0">
+                  <a:schemeClr val="accent5">
+                    <a:lumMod val="40000"/>
+                    <a:lumOff val="60000"/>
+                  </a:schemeClr>
+                </a:gs>
+                <a:gs pos="46000">
+                  <a:schemeClr val="accent5">
+                    <a:lumMod val="95000"/>
+                    <a:lumOff val="5000"/>
+                  </a:schemeClr>
+                </a:gs>
+                <a:gs pos="100000">
+                  <a:schemeClr val="accent5">
+                    <a:lumMod val="60000"/>
+                  </a:schemeClr>
+                </a:gs>
+              </a:gsLst>
+              <a:path path="circle">
+                <a:fillToRect l="50000" t="130000" r="50000" b="-30000"/>
+              </a:path>
+              <a:tileRect/>
+            </a:gradFill>
+          </a:ln>
+        </p:spPr>
+        <p:style>
+          <a:lnRef idx="2">
+            <a:schemeClr val="accent6"/>
+          </a:lnRef>
+          <a:fillRef idx="1">
+            <a:schemeClr val="lt1"/>
+          </a:fillRef>
+          <a:effectRef idx="0">
+            <a:schemeClr val="accent6"/>
+          </a:effectRef>
+          <a:fontRef idx="minor">
+            <a:schemeClr val="dk1"/>
+          </a:fontRef>
+        </p:style>
+        <p:txBody>
+          <a:bodyPr rtlCol="0" anchor="ctr"/>
+          <a:lstStyle/>
+          <a:p>
+            <a:pPr algn="ctr"/>
+            <a:r>
+              <a:rPr lang="en-US" b="1" dirty="0"/>
+              <a:t>entity-types</a:t>
+            </a:r>
+          </a:p>
+        </p:txBody>
+      </p:sp>
+      <p:cxnSp>
+        <p:nvCxnSpPr>
+          <p:cNvPr id="23" name="Straight Arrow Connector 22">
+            <a:extLst>
+              <a:ext uri="{FF2B5EF4-FFF2-40B4-BE49-F238E27FC236}">
+                <a16:creationId xmlns:a16="http://schemas.microsoft.com/office/drawing/2014/main" id="{558A2AAE-2F22-A2DF-E0CD-7895DC86AC09}"/>
+              </a:ext>
+            </a:extLst>
+          </p:cNvPr>
+          <p:cNvCxnSpPr>
+            <a:cxnSpLocks/>
+            <a:stCxn id="26" idx="1"/>
+            <a:endCxn id="22" idx="3"/>
+          </p:cNvCxnSpPr>
+          <p:nvPr/>
+        </p:nvCxnSpPr>
+        <p:spPr>
+          <a:xfrm flipH="1" flipV="1">
+            <a:off x="6559922" y="4336198"/>
+            <a:ext cx="675017" cy="399419"/>
+          </a:xfrm>
+          <a:prstGeom prst="straightConnector1">
+            <a:avLst/>
+          </a:prstGeom>
+          <a:ln w="25400">
+            <a:tailEnd type="triangle" w="lg" len="med"/>
+          </a:ln>
+        </p:spPr>
+        <p:style>
+          <a:lnRef idx="1">
+            <a:schemeClr val="accent1"/>
+          </a:lnRef>
+          <a:fillRef idx="0">
+            <a:schemeClr val="accent1"/>
+          </a:fillRef>
+          <a:effectRef idx="0">
+            <a:schemeClr val="accent1"/>
+          </a:effectRef>
+          <a:fontRef idx="minor">
+            <a:schemeClr val="tx1"/>
+          </a:fontRef>
+        </p:style>
+      </p:cxnSp>
+      <p:sp>
+        <p:nvSpPr>
+          <p:cNvPr id="24" name="Rectangle 23">
+            <a:extLst>
+              <a:ext uri="{FF2B5EF4-FFF2-40B4-BE49-F238E27FC236}">
+                <a16:creationId xmlns:a16="http://schemas.microsoft.com/office/drawing/2014/main" id="{B8C390F9-E150-5B6A-4684-CB7178F9C394}"/>
+              </a:ext>
+            </a:extLst>
+          </p:cNvPr>
+          <p:cNvSpPr/>
+          <p:nvPr/>
+        </p:nvSpPr>
+        <p:spPr>
+          <a:xfrm>
+            <a:off x="4456802" y="4937721"/>
+            <a:ext cx="2103120" cy="320682"/>
+          </a:xfrm>
+          <a:prstGeom prst="rect">
+            <a:avLst/>
+          </a:prstGeom>
+          <a:solidFill>
+            <a:srgbClr val="E3E0B3"/>
+          </a:solidFill>
+          <a:ln>
+            <a:solidFill>
+              <a:schemeClr val="tx1">
+                <a:lumMod val="65000"/>
+                <a:lumOff val="35000"/>
+              </a:schemeClr>
+            </a:solidFill>
+          </a:ln>
+        </p:spPr>
+        <p:style>
+          <a:lnRef idx="2">
+            <a:schemeClr val="accent6"/>
+          </a:lnRef>
+          <a:fillRef idx="1">
+            <a:schemeClr val="lt1"/>
+          </a:fillRef>
+          <a:effectRef idx="0">
+            <a:schemeClr val="accent6"/>
+          </a:effectRef>
+          <a:fontRef idx="minor">
+            <a:schemeClr val="dk1"/>
+          </a:fontRef>
+        </p:style>
+        <p:txBody>
+          <a:bodyPr rtlCol="0" anchor="ctr"/>
+          <a:lstStyle/>
+          <a:p>
+            <a:pPr algn="ctr"/>
+            <a:r>
+              <a:rPr lang="en-US" dirty="0"/>
+              <a:t>envoy</a:t>
+            </a:r>
+          </a:p>
+        </p:txBody>
+      </p:sp>
+      <p:sp>
+        <p:nvSpPr>
+          <p:cNvPr id="25" name="Rectangle 24">
+            <a:extLst>
+              <a:ext uri="{FF2B5EF4-FFF2-40B4-BE49-F238E27FC236}">
+                <a16:creationId xmlns:a16="http://schemas.microsoft.com/office/drawing/2014/main" id="{9AA48F36-3039-457A-CBD2-E1FFA63A05A2}"/>
+              </a:ext>
+            </a:extLst>
+          </p:cNvPr>
+          <p:cNvSpPr/>
+          <p:nvPr/>
+        </p:nvSpPr>
+        <p:spPr>
+          <a:xfrm>
+            <a:off x="4456802" y="4585783"/>
+            <a:ext cx="2103120" cy="320682"/>
+          </a:xfrm>
+          <a:prstGeom prst="rect">
+            <a:avLst/>
+          </a:prstGeom>
+          <a:solidFill>
+            <a:srgbClr val="E3E0B3"/>
+          </a:solidFill>
+          <a:ln>
+            <a:solidFill>
+              <a:schemeClr val="tx1">
+                <a:lumMod val="65000"/>
+                <a:lumOff val="35000"/>
+              </a:schemeClr>
+            </a:solidFill>
+          </a:ln>
+        </p:spPr>
+        <p:style>
+          <a:lnRef idx="2">
+            <a:schemeClr val="accent6"/>
+          </a:lnRef>
+          <a:fillRef idx="1">
+            <a:schemeClr val="lt1"/>
+          </a:fillRef>
+          <a:effectRef idx="0">
+            <a:schemeClr val="accent6"/>
+          </a:effectRef>
+          <a:fontRef idx="minor">
+            <a:schemeClr val="dk1"/>
+          </a:fontRef>
+        </p:style>
+        <p:txBody>
+          <a:bodyPr rtlCol="0" anchor="ctr"/>
+          <a:lstStyle/>
+          <a:p>
+            <a:pPr algn="ctr"/>
+            <a:r>
+              <a:rPr lang="en-US" dirty="0"/>
+              <a:t>profile</a:t>
+            </a:r>
+          </a:p>
+        </p:txBody>
+      </p:sp>
+      <p:sp>
+        <p:nvSpPr>
+          <p:cNvPr id="26" name="Rectangle 25">
+            <a:extLst>
+              <a:ext uri="{FF2B5EF4-FFF2-40B4-BE49-F238E27FC236}">
+                <a16:creationId xmlns:a16="http://schemas.microsoft.com/office/drawing/2014/main" id="{14A8613B-4A60-42D7-9F26-605407566674}"/>
+              </a:ext>
+            </a:extLst>
+          </p:cNvPr>
+          <p:cNvSpPr/>
+          <p:nvPr/>
+        </p:nvSpPr>
+        <p:spPr>
+          <a:xfrm>
+            <a:off x="7234939" y="4557679"/>
+            <a:ext cx="2238957" cy="355876"/>
+          </a:xfrm>
+          <a:prstGeom prst="rect">
+            <a:avLst/>
+          </a:prstGeom>
+          <a:solidFill>
+            <a:schemeClr val="bg1"/>
+          </a:solidFill>
+          <a:ln w="25400">
+            <a:gradFill flip="none" rotWithShape="1">
+              <a:gsLst>
+                <a:gs pos="0">
+                  <a:schemeClr val="accent5">
+                    <a:lumMod val="40000"/>
+                    <a:lumOff val="60000"/>
+                  </a:schemeClr>
+                </a:gs>
+                <a:gs pos="46000">
+                  <a:schemeClr val="accent5">
+                    <a:lumMod val="95000"/>
+                    <a:lumOff val="5000"/>
+                  </a:schemeClr>
+                </a:gs>
+                <a:gs pos="100000">
+                  <a:schemeClr val="accent5">
+                    <a:lumMod val="60000"/>
+                  </a:schemeClr>
+                </a:gs>
+              </a:gsLst>
+              <a:path path="circle">
+                <a:fillToRect l="50000" t="130000" r="50000" b="-30000"/>
+              </a:path>
+              <a:tileRect/>
+            </a:gradFill>
+          </a:ln>
+        </p:spPr>
+        <p:style>
+          <a:lnRef idx="2">
+            <a:schemeClr val="accent6"/>
+          </a:lnRef>
+          <a:fillRef idx="1">
+            <a:schemeClr val="lt1"/>
+          </a:fillRef>
+          <a:effectRef idx="0">
+            <a:schemeClr val="accent6"/>
+          </a:effectRef>
+          <a:fontRef idx="minor">
+            <a:schemeClr val="dk1"/>
+          </a:fontRef>
+        </p:style>
+        <p:txBody>
+          <a:bodyPr rtlCol="0" anchor="ctr"/>
+          <a:lstStyle/>
+          <a:p>
+            <a:pPr algn="ctr"/>
+            <a:r>
+              <a:rPr lang="en-US" b="1" dirty="0"/>
+              <a:t>entity-host(v)</a:t>
+            </a:r>
+          </a:p>
+        </p:txBody>
+      </p:sp>
+      <p:sp>
+        <p:nvSpPr>
+          <p:cNvPr id="29" name="Rectangle 28">
+            <a:extLst>
+              <a:ext uri="{FF2B5EF4-FFF2-40B4-BE49-F238E27FC236}">
+                <a16:creationId xmlns:a16="http://schemas.microsoft.com/office/drawing/2014/main" id="{C6C52EA0-5270-3E2C-09F3-E0AEBC6F33B3}"/>
+              </a:ext>
+            </a:extLst>
+          </p:cNvPr>
+          <p:cNvSpPr/>
+          <p:nvPr/>
+        </p:nvSpPr>
+        <p:spPr>
+          <a:xfrm>
+            <a:off x="7370776" y="4958071"/>
+            <a:ext cx="2103120" cy="320682"/>
+          </a:xfrm>
+          <a:prstGeom prst="rect">
+            <a:avLst/>
+          </a:prstGeom>
+          <a:solidFill>
+            <a:srgbClr val="E3E0B3"/>
+          </a:solidFill>
+          <a:ln>
+            <a:solidFill>
+              <a:schemeClr val="tx1">
+                <a:lumMod val="65000"/>
+                <a:lumOff val="35000"/>
+              </a:schemeClr>
+            </a:solidFill>
+          </a:ln>
+        </p:spPr>
+        <p:style>
+          <a:lnRef idx="2">
+            <a:schemeClr val="accent6"/>
+          </a:lnRef>
+          <a:fillRef idx="1">
+            <a:schemeClr val="lt1"/>
+          </a:fillRef>
+          <a:effectRef idx="0">
+            <a:schemeClr val="accent6"/>
+          </a:effectRef>
+          <a:fontRef idx="minor">
+            <a:schemeClr val="dk1"/>
+          </a:fontRef>
+        </p:style>
+        <p:txBody>
+          <a:bodyPr rtlCol="0" anchor="ctr"/>
+          <a:lstStyle/>
+          <a:p>
+            <a:pPr algn="ctr"/>
+            <a:r>
+              <a:rPr lang="en-US" dirty="0"/>
+              <a:t>profile</a:t>
+            </a:r>
+          </a:p>
+        </p:txBody>
+      </p:sp>
+      <p:sp>
+        <p:nvSpPr>
+          <p:cNvPr id="30" name="Rectangle 29">
+            <a:extLst>
+              <a:ext uri="{FF2B5EF4-FFF2-40B4-BE49-F238E27FC236}">
+                <a16:creationId xmlns:a16="http://schemas.microsoft.com/office/drawing/2014/main" id="{64791BEB-8432-1BD6-8200-FE6A4CC82B1E}"/>
+              </a:ext>
+            </a:extLst>
+          </p:cNvPr>
+          <p:cNvSpPr/>
+          <p:nvPr/>
+        </p:nvSpPr>
+        <p:spPr>
+          <a:xfrm>
+            <a:off x="7370776" y="5315069"/>
+            <a:ext cx="2103120" cy="320682"/>
+          </a:xfrm>
+          <a:prstGeom prst="rect">
+            <a:avLst/>
+          </a:prstGeom>
+          <a:solidFill>
+            <a:srgbClr val="E3E0B3"/>
+          </a:solidFill>
+          <a:ln>
+            <a:solidFill>
+              <a:schemeClr val="tx1">
+                <a:lumMod val="65000"/>
+                <a:lumOff val="35000"/>
+              </a:schemeClr>
+            </a:solidFill>
+          </a:ln>
+        </p:spPr>
+        <p:style>
+          <a:lnRef idx="2">
+            <a:schemeClr val="accent6"/>
+          </a:lnRef>
+          <a:fillRef idx="1">
+            <a:schemeClr val="lt1"/>
+          </a:fillRef>
+          <a:effectRef idx="0">
+            <a:schemeClr val="accent6"/>
+          </a:effectRef>
+          <a:fontRef idx="minor">
+            <a:schemeClr val="dk1"/>
+          </a:fontRef>
+        </p:style>
+        <p:txBody>
+          <a:bodyPr rtlCol="0" anchor="ctr"/>
+          <a:lstStyle/>
+          <a:p>
+            <a:pPr algn="ctr"/>
+            <a:r>
+              <a:rPr lang="en-US" dirty="0"/>
+              <a:t>envoy</a:t>
+            </a:r>
+          </a:p>
+        </p:txBody>
+      </p:sp>
+      <p:cxnSp>
+        <p:nvCxnSpPr>
+          <p:cNvPr id="36" name="Straight Connector 35">
+            <a:extLst>
+              <a:ext uri="{FF2B5EF4-FFF2-40B4-BE49-F238E27FC236}">
+                <a16:creationId xmlns:a16="http://schemas.microsoft.com/office/drawing/2014/main" id="{9473A322-4F55-CE82-5CCD-FDF14C23B99B}"/>
+              </a:ext>
+            </a:extLst>
+          </p:cNvPr>
+          <p:cNvCxnSpPr>
+            <a:cxnSpLocks/>
+          </p:cNvCxnSpPr>
+          <p:nvPr/>
+        </p:nvCxnSpPr>
+        <p:spPr>
+          <a:xfrm flipH="1">
+            <a:off x="775314" y="4639377"/>
+            <a:ext cx="11554" cy="1002430"/>
+          </a:xfrm>
+          <a:prstGeom prst="line">
+            <a:avLst/>
+          </a:prstGeom>
+          <a:ln w="25400">
+            <a:solidFill>
+              <a:schemeClr val="tx1">
+                <a:lumMod val="50000"/>
+                <a:lumOff val="50000"/>
+              </a:schemeClr>
+            </a:solidFill>
+          </a:ln>
+        </p:spPr>
+        <p:style>
+          <a:lnRef idx="1">
+            <a:schemeClr val="accent1"/>
+          </a:lnRef>
+          <a:fillRef idx="0">
+            <a:schemeClr val="accent1"/>
+          </a:fillRef>
+          <a:effectRef idx="0">
+            <a:schemeClr val="accent1"/>
+          </a:effectRef>
+          <a:fontRef idx="minor">
+            <a:schemeClr val="tx1"/>
+          </a:fontRef>
+        </p:style>
+      </p:cxnSp>
+      <p:cxnSp>
+        <p:nvCxnSpPr>
+          <p:cNvPr id="37" name="Straight Connector 36">
+            <a:extLst>
+              <a:ext uri="{FF2B5EF4-FFF2-40B4-BE49-F238E27FC236}">
+                <a16:creationId xmlns:a16="http://schemas.microsoft.com/office/drawing/2014/main" id="{73DBCF76-D041-AD1B-00DE-413BE376D098}"/>
+              </a:ext>
+            </a:extLst>
+          </p:cNvPr>
+          <p:cNvCxnSpPr>
+            <a:cxnSpLocks/>
+          </p:cNvCxnSpPr>
+          <p:nvPr/>
+        </p:nvCxnSpPr>
+        <p:spPr>
+          <a:xfrm flipH="1">
+            <a:off x="4290702" y="4514136"/>
+            <a:ext cx="36041" cy="634097"/>
+          </a:xfrm>
+          <a:prstGeom prst="line">
+            <a:avLst/>
+          </a:prstGeom>
+          <a:ln w="25400">
+            <a:solidFill>
+              <a:schemeClr val="tx1">
+                <a:lumMod val="50000"/>
+                <a:lumOff val="50000"/>
+              </a:schemeClr>
+            </a:solidFill>
+          </a:ln>
+        </p:spPr>
+        <p:style>
+          <a:lnRef idx="1">
+            <a:schemeClr val="accent1"/>
+          </a:lnRef>
+          <a:fillRef idx="0">
+            <a:schemeClr val="accent1"/>
+          </a:fillRef>
+          <a:effectRef idx="0">
+            <a:schemeClr val="accent1"/>
+          </a:effectRef>
+          <a:fontRef idx="minor">
+            <a:schemeClr val="tx1"/>
+          </a:fontRef>
+        </p:style>
+      </p:cxnSp>
+      <p:cxnSp>
+        <p:nvCxnSpPr>
+          <p:cNvPr id="38" name="Straight Connector 37">
+            <a:extLst>
+              <a:ext uri="{FF2B5EF4-FFF2-40B4-BE49-F238E27FC236}">
+                <a16:creationId xmlns:a16="http://schemas.microsoft.com/office/drawing/2014/main" id="{CCDD5FB7-5470-C897-9BE7-D8A24DF35090}"/>
+              </a:ext>
+            </a:extLst>
+          </p:cNvPr>
+          <p:cNvCxnSpPr>
+            <a:cxnSpLocks/>
+          </p:cNvCxnSpPr>
+          <p:nvPr/>
+        </p:nvCxnSpPr>
+        <p:spPr>
+          <a:xfrm>
+            <a:off x="7234939" y="4913555"/>
+            <a:ext cx="0" cy="562863"/>
+          </a:xfrm>
+          <a:prstGeom prst="line">
+            <a:avLst/>
+          </a:prstGeom>
+          <a:ln w="25400">
+            <a:solidFill>
+              <a:schemeClr val="tx1">
+                <a:lumMod val="50000"/>
+                <a:lumOff val="50000"/>
+              </a:schemeClr>
+            </a:solidFill>
+          </a:ln>
+        </p:spPr>
+        <p:style>
+          <a:lnRef idx="1">
+            <a:schemeClr val="accent1"/>
+          </a:lnRef>
+          <a:fillRef idx="0">
+            <a:schemeClr val="accent1"/>
+          </a:fillRef>
+          <a:effectRef idx="0">
+            <a:schemeClr val="accent1"/>
+          </a:effectRef>
+          <a:fontRef idx="minor">
+            <a:schemeClr val="tx1"/>
+          </a:fontRef>
+        </p:style>
+      </p:cxnSp>
+      <p:cxnSp>
+        <p:nvCxnSpPr>
+          <p:cNvPr id="40" name="Straight Connector 39">
+            <a:extLst>
+              <a:ext uri="{FF2B5EF4-FFF2-40B4-BE49-F238E27FC236}">
+                <a16:creationId xmlns:a16="http://schemas.microsoft.com/office/drawing/2014/main" id="{899B0E87-6491-EC58-71BB-43713BB40B53}"/>
+              </a:ext>
+            </a:extLst>
+          </p:cNvPr>
+          <p:cNvCxnSpPr>
+            <a:cxnSpLocks/>
+          </p:cNvCxnSpPr>
+          <p:nvPr/>
+        </p:nvCxnSpPr>
+        <p:spPr>
+          <a:xfrm flipH="1" flipV="1">
+            <a:off x="738389" y="5290256"/>
+            <a:ext cx="196206" cy="5049"/>
+          </a:xfrm>
+          <a:prstGeom prst="line">
+            <a:avLst/>
+          </a:prstGeom>
+          <a:ln w="25400">
+            <a:solidFill>
+              <a:schemeClr val="tx1">
+                <a:lumMod val="50000"/>
+                <a:lumOff val="50000"/>
+              </a:schemeClr>
+            </a:solidFill>
+          </a:ln>
+        </p:spPr>
+        <p:style>
+          <a:lnRef idx="1">
+            <a:schemeClr val="accent1"/>
+          </a:lnRef>
+          <a:fillRef idx="0">
+            <a:schemeClr val="accent1"/>
+          </a:fillRef>
+          <a:effectRef idx="0">
+            <a:schemeClr val="accent1"/>
+          </a:effectRef>
+          <a:fontRef idx="minor">
+            <a:schemeClr val="tx1"/>
+          </a:fontRef>
+        </p:style>
+      </p:cxnSp>
+      <p:cxnSp>
+        <p:nvCxnSpPr>
+          <p:cNvPr id="41" name="Straight Connector 40">
+            <a:extLst>
+              <a:ext uri="{FF2B5EF4-FFF2-40B4-BE49-F238E27FC236}">
+                <a16:creationId xmlns:a16="http://schemas.microsoft.com/office/drawing/2014/main" id="{3BB2FD92-66F7-3A59-8EC0-CE9B65C1545E}"/>
+              </a:ext>
+            </a:extLst>
+          </p:cNvPr>
+          <p:cNvCxnSpPr>
+            <a:cxnSpLocks/>
+          </p:cNvCxnSpPr>
+          <p:nvPr/>
+        </p:nvCxnSpPr>
+        <p:spPr>
+          <a:xfrm flipH="1" flipV="1">
+            <a:off x="729663" y="5608413"/>
+            <a:ext cx="196206" cy="5049"/>
+          </a:xfrm>
+          <a:prstGeom prst="line">
+            <a:avLst/>
+          </a:prstGeom>
+          <a:ln w="25400">
+            <a:solidFill>
+              <a:schemeClr val="tx1">
+                <a:lumMod val="50000"/>
+                <a:lumOff val="50000"/>
+              </a:schemeClr>
+            </a:solidFill>
+          </a:ln>
+        </p:spPr>
+        <p:style>
+          <a:lnRef idx="1">
+            <a:schemeClr val="accent1"/>
+          </a:lnRef>
+          <a:fillRef idx="0">
+            <a:schemeClr val="accent1"/>
+          </a:fillRef>
+          <a:effectRef idx="0">
+            <a:schemeClr val="accent1"/>
+          </a:effectRef>
+          <a:fontRef idx="minor">
+            <a:schemeClr val="tx1"/>
+          </a:fontRef>
+        </p:style>
+      </p:cxnSp>
+      <p:cxnSp>
+        <p:nvCxnSpPr>
+          <p:cNvPr id="42" name="Straight Connector 41">
+            <a:extLst>
+              <a:ext uri="{FF2B5EF4-FFF2-40B4-BE49-F238E27FC236}">
+                <a16:creationId xmlns:a16="http://schemas.microsoft.com/office/drawing/2014/main" id="{FAAE88E7-E8D7-F003-CB91-4C91A0CFE9F4}"/>
+              </a:ext>
+            </a:extLst>
+          </p:cNvPr>
+          <p:cNvCxnSpPr>
+            <a:cxnSpLocks/>
+          </p:cNvCxnSpPr>
+          <p:nvPr/>
+        </p:nvCxnSpPr>
+        <p:spPr>
+          <a:xfrm flipH="1" flipV="1">
+            <a:off x="4297030" y="4770794"/>
+            <a:ext cx="168145" cy="28309"/>
+          </a:xfrm>
+          <a:prstGeom prst="line">
+            <a:avLst/>
+          </a:prstGeom>
+          <a:ln w="25400">
+            <a:solidFill>
+              <a:schemeClr val="tx1">
+                <a:lumMod val="50000"/>
+                <a:lumOff val="50000"/>
+              </a:schemeClr>
+            </a:solidFill>
+          </a:ln>
+        </p:spPr>
+        <p:style>
+          <a:lnRef idx="1">
+            <a:schemeClr val="accent1"/>
+          </a:lnRef>
+          <a:fillRef idx="0">
+            <a:schemeClr val="accent1"/>
+          </a:fillRef>
+          <a:effectRef idx="0">
+            <a:schemeClr val="accent1"/>
+          </a:effectRef>
+          <a:fontRef idx="minor">
+            <a:schemeClr val="tx1"/>
+          </a:fontRef>
+        </p:style>
+      </p:cxnSp>
+      <p:cxnSp>
+        <p:nvCxnSpPr>
+          <p:cNvPr id="43" name="Straight Connector 42">
+            <a:extLst>
+              <a:ext uri="{FF2B5EF4-FFF2-40B4-BE49-F238E27FC236}">
+                <a16:creationId xmlns:a16="http://schemas.microsoft.com/office/drawing/2014/main" id="{AD02ACAB-5462-C42E-D7AA-42F514CDA4A7}"/>
+              </a:ext>
+            </a:extLst>
+          </p:cNvPr>
+          <p:cNvCxnSpPr>
+            <a:cxnSpLocks/>
+          </p:cNvCxnSpPr>
+          <p:nvPr/>
+        </p:nvCxnSpPr>
+        <p:spPr>
+          <a:xfrm flipH="1" flipV="1">
+            <a:off x="4260596" y="5148233"/>
+            <a:ext cx="196206" cy="5049"/>
+          </a:xfrm>
+          <a:prstGeom prst="line">
+            <a:avLst/>
+          </a:prstGeom>
+          <a:ln w="25400">
+            <a:solidFill>
+              <a:schemeClr val="tx1">
+                <a:lumMod val="50000"/>
+                <a:lumOff val="50000"/>
+              </a:schemeClr>
+            </a:solidFill>
+          </a:ln>
+        </p:spPr>
+        <p:style>
+          <a:lnRef idx="1">
+            <a:schemeClr val="accent1"/>
+          </a:lnRef>
+          <a:fillRef idx="0">
+            <a:schemeClr val="accent1"/>
+          </a:fillRef>
+          <a:effectRef idx="0">
+            <a:schemeClr val="accent1"/>
+          </a:effectRef>
+          <a:fontRef idx="minor">
+            <a:schemeClr val="tx1"/>
+          </a:fontRef>
+        </p:style>
+      </p:cxnSp>
+      <p:cxnSp>
+        <p:nvCxnSpPr>
+          <p:cNvPr id="44" name="Straight Connector 43">
+            <a:extLst>
+              <a:ext uri="{FF2B5EF4-FFF2-40B4-BE49-F238E27FC236}">
+                <a16:creationId xmlns:a16="http://schemas.microsoft.com/office/drawing/2014/main" id="{D63DCF05-91F1-6F8F-D13B-34016E78748D}"/>
+              </a:ext>
+            </a:extLst>
+          </p:cNvPr>
+          <p:cNvCxnSpPr>
+            <a:cxnSpLocks/>
+          </p:cNvCxnSpPr>
+          <p:nvPr/>
+        </p:nvCxnSpPr>
+        <p:spPr>
+          <a:xfrm flipH="1" flipV="1">
+            <a:off x="7236043" y="5155736"/>
+            <a:ext cx="196206" cy="5049"/>
+          </a:xfrm>
+          <a:prstGeom prst="line">
+            <a:avLst/>
+          </a:prstGeom>
+          <a:ln w="25400">
+            <a:solidFill>
+              <a:schemeClr val="tx1">
+                <a:lumMod val="50000"/>
+                <a:lumOff val="50000"/>
+              </a:schemeClr>
+            </a:solidFill>
+          </a:ln>
+        </p:spPr>
+        <p:style>
+          <a:lnRef idx="1">
+            <a:schemeClr val="accent1"/>
+          </a:lnRef>
+          <a:fillRef idx="0">
+            <a:schemeClr val="accent1"/>
+          </a:fillRef>
+          <a:effectRef idx="0">
+            <a:schemeClr val="accent1"/>
+          </a:effectRef>
+          <a:fontRef idx="minor">
+            <a:schemeClr val="tx1"/>
+          </a:fontRef>
+        </p:style>
+      </p:cxnSp>
+      <p:cxnSp>
+        <p:nvCxnSpPr>
+          <p:cNvPr id="45" name="Straight Connector 44">
+            <a:extLst>
+              <a:ext uri="{FF2B5EF4-FFF2-40B4-BE49-F238E27FC236}">
+                <a16:creationId xmlns:a16="http://schemas.microsoft.com/office/drawing/2014/main" id="{E0E43133-DBCB-1315-D6C2-C8D3097A8401}"/>
+              </a:ext>
+            </a:extLst>
+          </p:cNvPr>
+          <p:cNvCxnSpPr>
+            <a:cxnSpLocks/>
+          </p:cNvCxnSpPr>
+          <p:nvPr/>
+        </p:nvCxnSpPr>
+        <p:spPr>
+          <a:xfrm flipH="1" flipV="1">
+            <a:off x="7236043" y="5476418"/>
+            <a:ext cx="196206" cy="5049"/>
+          </a:xfrm>
+          <a:prstGeom prst="line">
+            <a:avLst/>
+          </a:prstGeom>
+          <a:ln w="25400">
+            <a:solidFill>
+              <a:schemeClr val="tx1">
+                <a:lumMod val="50000"/>
+                <a:lumOff val="50000"/>
+              </a:schemeClr>
+            </a:solidFill>
+          </a:ln>
+        </p:spPr>
+        <p:style>
+          <a:lnRef idx="1">
+            <a:schemeClr val="accent1"/>
+          </a:lnRef>
+          <a:fillRef idx="0">
+            <a:schemeClr val="accent1"/>
+          </a:fillRef>
+          <a:effectRef idx="0">
+            <a:schemeClr val="accent1"/>
+          </a:effectRef>
+          <a:fontRef idx="minor">
+            <a:schemeClr val="tx1"/>
+          </a:fontRef>
+        </p:style>
+      </p:cxnSp>
+      <p:cxnSp>
+        <p:nvCxnSpPr>
+          <p:cNvPr id="55" name="Connector: Elbow 54">
+            <a:extLst>
+              <a:ext uri="{FF2B5EF4-FFF2-40B4-BE49-F238E27FC236}">
+                <a16:creationId xmlns:a16="http://schemas.microsoft.com/office/drawing/2014/main" id="{9F8CC5A0-E443-12F2-6796-F36D5B0B7AC5}"/>
+              </a:ext>
+            </a:extLst>
+          </p:cNvPr>
+          <p:cNvCxnSpPr>
+            <a:cxnSpLocks/>
+            <a:stCxn id="26" idx="0"/>
+            <a:endCxn id="72" idx="1"/>
+          </p:cNvCxnSpPr>
+          <p:nvPr/>
+        </p:nvCxnSpPr>
+        <p:spPr>
+          <a:xfrm rot="5400000" flipH="1" flipV="1">
+            <a:off x="6872651" y="2859968"/>
+            <a:ext cx="3179479" cy="215945"/>
+          </a:xfrm>
+          <a:prstGeom prst="bentConnector2">
+            <a:avLst/>
+          </a:prstGeom>
+          <a:ln w="25400">
+            <a:tailEnd type="triangle" w="lg" len="med"/>
+          </a:ln>
+        </p:spPr>
+        <p:style>
+          <a:lnRef idx="1">
+            <a:schemeClr val="accent1"/>
+          </a:lnRef>
+          <a:fillRef idx="0">
+            <a:schemeClr val="accent1"/>
+          </a:fillRef>
+          <a:effectRef idx="0">
+            <a:schemeClr val="accent1"/>
+          </a:effectRef>
+          <a:fontRef idx="minor">
+            <a:schemeClr val="tx1"/>
+          </a:fontRef>
+        </p:style>
+      </p:cxnSp>
     </p:spTree>
     <p:extLst>
       <p:ext uri="{BB962C8B-B14F-4D97-AF65-F5344CB8AC3E}">
@@ -5542,7 +6670,7 @@
             </a:r>
             <a:r>
               <a:rPr lang="en-US" sz="4000" dirty="0"/>
-              <a:t>® - Client Exchange</a:t>
+              <a:t>® - Metrics</a:t>
             </a:r>
           </a:p>
         </p:txBody>
@@ -5781,7 +6909,7 @@
         </p:nvCxnSpPr>
         <p:spPr>
           <a:xfrm>
-            <a:off x="659754" y="117127"/>
+            <a:off x="199527" y="274574"/>
             <a:ext cx="0" cy="1324326"/>
           </a:xfrm>
           <a:prstGeom prst="line">
@@ -5902,10 +7030,10 @@
       </p:cxnSp>
       <p:sp>
         <p:nvSpPr>
-          <p:cNvPr id="29" name="Rectangle 28">
-            <a:extLst>
-              <a:ext uri="{FF2B5EF4-FFF2-40B4-BE49-F238E27FC236}">
-                <a16:creationId xmlns:a16="http://schemas.microsoft.com/office/drawing/2014/main" id="{99391E7D-8EC4-47F8-C7AC-BF566354D267}"/>
+          <p:cNvPr id="37" name="Rectangle 36">
+            <a:extLst>
+              <a:ext uri="{FF2B5EF4-FFF2-40B4-BE49-F238E27FC236}">
+                <a16:creationId xmlns:a16="http://schemas.microsoft.com/office/drawing/2014/main" id="{D0AE39C3-2DFF-131C-279E-B7BBF241264E}"/>
               </a:ext>
             </a:extLst>
           </p:cNvPr>
@@ -5914,7 +7042,7 @@
         </p:nvSpPr>
         <p:spPr>
           <a:xfrm>
-            <a:off x="790032" y="1121626"/>
+            <a:off x="4255169" y="778031"/>
             <a:ext cx="2238957" cy="355876"/>
           </a:xfrm>
           <a:prstGeom prst="rect">
@@ -5972,17 +7100,17 @@
             <a:pPr algn="ctr"/>
             <a:r>
               <a:rPr lang="en-US" b="1" dirty="0"/>
-              <a:t>entity-resources</a:t>
-            </a:r>
-          </a:p>
-        </p:txBody>
-      </p:sp>
-      <p:sp>
-        <p:nvSpPr>
-          <p:cNvPr id="37" name="Rectangle 36">
-            <a:extLst>
-              <a:ext uri="{FF2B5EF4-FFF2-40B4-BE49-F238E27FC236}">
-                <a16:creationId xmlns:a16="http://schemas.microsoft.com/office/drawing/2014/main" id="{D0AE39C3-2DFF-131C-279E-B7BBF241264E}"/>
+              <a:t>metric-types</a:t>
+            </a:r>
+          </a:p>
+        </p:txBody>
+      </p:sp>
+      <p:sp>
+        <p:nvSpPr>
+          <p:cNvPr id="43" name="Rectangle 42">
+            <a:extLst>
+              <a:ext uri="{FF2B5EF4-FFF2-40B4-BE49-F238E27FC236}">
+                <a16:creationId xmlns:a16="http://schemas.microsoft.com/office/drawing/2014/main" id="{00674333-3F65-D706-DBE9-F837F5EDFA49}"/>
               </a:ext>
             </a:extLst>
           </p:cNvPr>
@@ -5991,7 +7119,7 @@
         </p:nvSpPr>
         <p:spPr>
           <a:xfrm>
-            <a:off x="4255169" y="3073124"/>
+            <a:off x="765133" y="1348979"/>
             <a:ext cx="2238957" cy="355876"/>
           </a:xfrm>
           <a:prstGeom prst="rect">
@@ -6049,17 +7177,17 @@
             <a:pPr algn="ctr"/>
             <a:r>
               <a:rPr lang="en-US" b="1" dirty="0"/>
-              <a:t>metric-types</a:t>
-            </a:r>
-          </a:p>
-        </p:txBody>
-      </p:sp>
-      <p:sp>
-        <p:nvSpPr>
-          <p:cNvPr id="38" name="Rectangle 37">
-            <a:extLst>
-              <a:ext uri="{FF2B5EF4-FFF2-40B4-BE49-F238E27FC236}">
-                <a16:creationId xmlns:a16="http://schemas.microsoft.com/office/drawing/2014/main" id="{C672EB50-3AEB-764B-289F-790F84F7862E}"/>
+              <a:t>metric-resources(v)</a:t>
+            </a:r>
+          </a:p>
+        </p:txBody>
+      </p:sp>
+      <p:sp>
+        <p:nvSpPr>
+          <p:cNvPr id="47" name="Rectangle 46">
+            <a:extLst>
+              <a:ext uri="{FF2B5EF4-FFF2-40B4-BE49-F238E27FC236}">
+                <a16:creationId xmlns:a16="http://schemas.microsoft.com/office/drawing/2014/main" id="{C2F3F599-924A-E437-26FA-A3B05ECAF770}"/>
               </a:ext>
             </a:extLst>
           </p:cNvPr>
@@ -6068,7 +7196,7 @@
         </p:nvSpPr>
         <p:spPr>
           <a:xfrm>
-            <a:off x="4545023" y="700566"/>
+            <a:off x="7302858" y="1296262"/>
             <a:ext cx="2238957" cy="355876"/>
           </a:xfrm>
           <a:prstGeom prst="rect">
@@ -6126,17 +7254,60 @@
             <a:pPr algn="ctr"/>
             <a:r>
               <a:rPr lang="en-US" b="1" dirty="0"/>
-              <a:t>entity-types</a:t>
-            </a:r>
-          </a:p>
-        </p:txBody>
-      </p:sp>
-      <p:sp>
-        <p:nvSpPr>
-          <p:cNvPr id="41" name="Rectangle 40">
-            <a:extLst>
-              <a:ext uri="{FF2B5EF4-FFF2-40B4-BE49-F238E27FC236}">
-                <a16:creationId xmlns:a16="http://schemas.microsoft.com/office/drawing/2014/main" id="{0CA1EFD5-6457-4751-8D73-23F3CAB46AB4}"/>
+              <a:t>metric-host(v)</a:t>
+            </a:r>
+          </a:p>
+        </p:txBody>
+      </p:sp>
+      <p:cxnSp>
+        <p:nvCxnSpPr>
+          <p:cNvPr id="62" name="Straight Arrow Connector 61">
+            <a:extLst>
+              <a:ext uri="{FF2B5EF4-FFF2-40B4-BE49-F238E27FC236}">
+                <a16:creationId xmlns:a16="http://schemas.microsoft.com/office/drawing/2014/main" id="{018F9637-8364-4AE0-60B5-AB08851EC80E}"/>
+              </a:ext>
+            </a:extLst>
+          </p:cNvPr>
+          <p:cNvCxnSpPr>
+            <a:cxnSpLocks/>
+            <a:stCxn id="47" idx="3"/>
+            <a:endCxn id="64" idx="1"/>
+          </p:cNvCxnSpPr>
+          <p:nvPr/>
+        </p:nvCxnSpPr>
+        <p:spPr>
+          <a:xfrm flipV="1">
+            <a:off x="9541815" y="1452531"/>
+            <a:ext cx="264580" cy="21669"/>
+          </a:xfrm>
+          <a:prstGeom prst="straightConnector1">
+            <a:avLst/>
+          </a:prstGeom>
+          <a:ln w="25400">
+            <a:tailEnd type="triangle" w="lg" len="med"/>
+          </a:ln>
+        </p:spPr>
+        <p:style>
+          <a:lnRef idx="1">
+            <a:schemeClr val="accent1"/>
+          </a:lnRef>
+          <a:fillRef idx="0">
+            <a:schemeClr val="accent1"/>
+          </a:fillRef>
+          <a:effectRef idx="0">
+            <a:schemeClr val="accent1"/>
+          </a:effectRef>
+          <a:fontRef idx="minor">
+            <a:schemeClr val="tx1"/>
+          </a:fontRef>
+        </p:style>
+      </p:cxnSp>
+      <p:sp>
+        <p:nvSpPr>
+          <p:cNvPr id="64" name="Rectangle 63">
+            <a:extLst>
+              <a:ext uri="{FF2B5EF4-FFF2-40B4-BE49-F238E27FC236}">
+                <a16:creationId xmlns:a16="http://schemas.microsoft.com/office/drawing/2014/main" id="{D1AF3768-50AF-B96F-10AF-BEA24E78D40D}"/>
               </a:ext>
             </a:extLst>
           </p:cNvPr>
@@ -6145,7 +7316,7 @@
         </p:nvSpPr>
         <p:spPr>
           <a:xfrm>
-            <a:off x="7234940" y="1185434"/>
+            <a:off x="9806395" y="1274593"/>
             <a:ext cx="2238957" cy="355876"/>
           </a:xfrm>
           <a:prstGeom prst="rect">
@@ -6180,6 +7351,7 @@
               </a:path>
               <a:tileRect/>
             </a:gradFill>
+            <a:prstDash val="sysDot"/>
           </a:ln>
         </p:spPr>
         <p:style>
@@ -6202,18 +7374,65 @@
           <a:p>
             <a:pPr algn="ctr"/>
             <a:r>
+              <a:rPr lang="en-US" b="1" dirty="0" err="1"/>
+              <a:t>postgresql</a:t>
+            </a:r>
+            <a:r>
               <a:rPr lang="en-US" b="1" dirty="0"/>
-              <a:t>entity-host</a:t>
-            </a:r>
-          </a:p>
-        </p:txBody>
-      </p:sp>
-      <p:sp>
-        <p:nvSpPr>
-          <p:cNvPr id="43" name="Rectangle 42">
-            <a:extLst>
-              <a:ext uri="{FF2B5EF4-FFF2-40B4-BE49-F238E27FC236}">
-                <a16:creationId xmlns:a16="http://schemas.microsoft.com/office/drawing/2014/main" id="{00674333-3F65-D706-DBE9-F837F5EDFA49}"/>
+              <a:t>-adapter(v)</a:t>
+            </a:r>
+          </a:p>
+        </p:txBody>
+      </p:sp>
+      <p:cxnSp>
+        <p:nvCxnSpPr>
+          <p:cNvPr id="69" name="Straight Arrow Connector 68">
+            <a:extLst>
+              <a:ext uri="{FF2B5EF4-FFF2-40B4-BE49-F238E27FC236}">
+                <a16:creationId xmlns:a16="http://schemas.microsoft.com/office/drawing/2014/main" id="{A9BD8BE8-C299-8F7C-264E-FF89C44E14DA}"/>
+              </a:ext>
+            </a:extLst>
+          </p:cNvPr>
+          <p:cNvCxnSpPr>
+            <a:cxnSpLocks/>
+            <a:stCxn id="47" idx="1"/>
+            <a:endCxn id="37" idx="3"/>
+          </p:cNvCxnSpPr>
+          <p:nvPr/>
+        </p:nvCxnSpPr>
+        <p:spPr>
+          <a:xfrm flipH="1" flipV="1">
+            <a:off x="6494126" y="955969"/>
+            <a:ext cx="808732" cy="518231"/>
+          </a:xfrm>
+          <a:prstGeom prst="straightConnector1">
+            <a:avLst/>
+          </a:prstGeom>
+          <a:ln w="25400">
+            <a:tailEnd type="triangle" w="lg" len="med"/>
+          </a:ln>
+        </p:spPr>
+        <p:style>
+          <a:lnRef idx="1">
+            <a:schemeClr val="accent1"/>
+          </a:lnRef>
+          <a:fillRef idx="0">
+            <a:schemeClr val="accent1"/>
+          </a:fillRef>
+          <a:effectRef idx="0">
+            <a:schemeClr val="accent1"/>
+          </a:effectRef>
+          <a:fontRef idx="minor">
+            <a:schemeClr val="tx1"/>
+          </a:fontRef>
+        </p:style>
+      </p:cxnSp>
+      <p:sp>
+        <p:nvSpPr>
+          <p:cNvPr id="72" name="Rectangle 71">
+            <a:extLst>
+              <a:ext uri="{FF2B5EF4-FFF2-40B4-BE49-F238E27FC236}">
+                <a16:creationId xmlns:a16="http://schemas.microsoft.com/office/drawing/2014/main" id="{5FDD480F-78F6-65ED-31EB-2BE0505BECC9}"/>
               </a:ext>
             </a:extLst>
           </p:cNvPr>
@@ -6222,7 +7441,341 @@
         </p:nvSpPr>
         <p:spPr>
           <a:xfrm>
-            <a:off x="695323" y="3449960"/>
+            <a:off x="876233" y="1776445"/>
+            <a:ext cx="2103120" cy="320682"/>
+          </a:xfrm>
+          <a:prstGeom prst="rect">
+            <a:avLst/>
+          </a:prstGeom>
+          <a:solidFill>
+            <a:srgbClr val="E3E0B3"/>
+          </a:solidFill>
+          <a:ln>
+            <a:solidFill>
+              <a:schemeClr val="tx1">
+                <a:lumMod val="65000"/>
+                <a:lumOff val="35000"/>
+              </a:schemeClr>
+            </a:solidFill>
+          </a:ln>
+        </p:spPr>
+        <p:style>
+          <a:lnRef idx="2">
+            <a:schemeClr val="accent6"/>
+          </a:lnRef>
+          <a:fillRef idx="1">
+            <a:schemeClr val="lt1"/>
+          </a:fillRef>
+          <a:effectRef idx="0">
+            <a:schemeClr val="accent6"/>
+          </a:effectRef>
+          <a:fontRef idx="minor">
+            <a:schemeClr val="dk1"/>
+          </a:fontRef>
+        </p:style>
+        <p:txBody>
+          <a:bodyPr rtlCol="0" anchor="ctr"/>
+          <a:lstStyle/>
+          <a:p>
+            <a:pPr algn="ctr"/>
+            <a:r>
+              <a:rPr lang="en-US" dirty="0"/>
+              <a:t>accesslogv3</a:t>
+            </a:r>
+          </a:p>
+        </p:txBody>
+      </p:sp>
+      <p:sp>
+        <p:nvSpPr>
+          <p:cNvPr id="73" name="Rectangle 72">
+            <a:extLst>
+              <a:ext uri="{FF2B5EF4-FFF2-40B4-BE49-F238E27FC236}">
+                <a16:creationId xmlns:a16="http://schemas.microsoft.com/office/drawing/2014/main" id="{7149EFE7-1381-79AA-0EB3-E00DF2B25C18}"/>
+              </a:ext>
+            </a:extLst>
+          </p:cNvPr>
+          <p:cNvSpPr/>
+          <p:nvPr/>
+        </p:nvSpPr>
+        <p:spPr>
+          <a:xfrm>
+            <a:off x="4391006" y="1932737"/>
+            <a:ext cx="2103120" cy="320682"/>
+          </a:xfrm>
+          <a:prstGeom prst="rect">
+            <a:avLst/>
+          </a:prstGeom>
+          <a:solidFill>
+            <a:srgbClr val="E3E0B3"/>
+          </a:solidFill>
+          <a:ln>
+            <a:solidFill>
+              <a:schemeClr val="tx1">
+                <a:lumMod val="65000"/>
+                <a:lumOff val="35000"/>
+              </a:schemeClr>
+            </a:solidFill>
+          </a:ln>
+        </p:spPr>
+        <p:style>
+          <a:lnRef idx="2">
+            <a:schemeClr val="accent6"/>
+          </a:lnRef>
+          <a:fillRef idx="1">
+            <a:schemeClr val="lt1"/>
+          </a:fillRef>
+          <a:effectRef idx="0">
+            <a:schemeClr val="accent6"/>
+          </a:effectRef>
+          <a:fontRef idx="minor">
+            <a:schemeClr val="dk1"/>
+          </a:fontRef>
+        </p:style>
+        <p:txBody>
+          <a:bodyPr rtlCol="0" anchor="ctr"/>
+          <a:lstStyle/>
+          <a:p>
+            <a:pPr algn="ctr"/>
+            <a:r>
+              <a:rPr lang="en-US" dirty="0" err="1"/>
+              <a:t>prometheus</a:t>
+            </a:r>
+            <a:endParaRPr lang="en-US" dirty="0"/>
+          </a:p>
+        </p:txBody>
+      </p:sp>
+      <p:sp>
+        <p:nvSpPr>
+          <p:cNvPr id="74" name="Rectangle 73">
+            <a:extLst>
+              <a:ext uri="{FF2B5EF4-FFF2-40B4-BE49-F238E27FC236}">
+                <a16:creationId xmlns:a16="http://schemas.microsoft.com/office/drawing/2014/main" id="{7DEC49F2-C3A9-6778-6295-BF3ADE87403B}"/>
+              </a:ext>
+            </a:extLst>
+          </p:cNvPr>
+          <p:cNvSpPr/>
+          <p:nvPr/>
+        </p:nvSpPr>
+        <p:spPr>
+          <a:xfrm>
+            <a:off x="4391006" y="1576983"/>
+            <a:ext cx="2103120" cy="320682"/>
+          </a:xfrm>
+          <a:prstGeom prst="rect">
+            <a:avLst/>
+          </a:prstGeom>
+          <a:solidFill>
+            <a:srgbClr val="E3E0B3"/>
+          </a:solidFill>
+          <a:ln>
+            <a:solidFill>
+              <a:schemeClr val="tx1">
+                <a:lumMod val="65000"/>
+                <a:lumOff val="35000"/>
+              </a:schemeClr>
+            </a:solidFill>
+          </a:ln>
+        </p:spPr>
+        <p:style>
+          <a:lnRef idx="2">
+            <a:schemeClr val="accent6"/>
+          </a:lnRef>
+          <a:fillRef idx="1">
+            <a:schemeClr val="lt1"/>
+          </a:fillRef>
+          <a:effectRef idx="0">
+            <a:schemeClr val="accent6"/>
+          </a:effectRef>
+          <a:fontRef idx="minor">
+            <a:schemeClr val="dk1"/>
+          </a:fontRef>
+        </p:style>
+        <p:txBody>
+          <a:bodyPr rtlCol="0" anchor="ctr"/>
+          <a:lstStyle/>
+          <a:p>
+            <a:pPr algn="ctr"/>
+            <a:r>
+              <a:rPr lang="en-US" dirty="0"/>
+              <a:t>profile</a:t>
+            </a:r>
+          </a:p>
+        </p:txBody>
+      </p:sp>
+      <p:sp>
+        <p:nvSpPr>
+          <p:cNvPr id="75" name="Rectangle 74">
+            <a:extLst>
+              <a:ext uri="{FF2B5EF4-FFF2-40B4-BE49-F238E27FC236}">
+                <a16:creationId xmlns:a16="http://schemas.microsoft.com/office/drawing/2014/main" id="{5CEAD80D-BB2D-1C86-26BB-4AB4CE353ADA}"/>
+              </a:ext>
+            </a:extLst>
+          </p:cNvPr>
+          <p:cNvSpPr/>
+          <p:nvPr/>
+        </p:nvSpPr>
+        <p:spPr>
+          <a:xfrm>
+            <a:off x="4391006" y="1223671"/>
+            <a:ext cx="2103120" cy="320682"/>
+          </a:xfrm>
+          <a:prstGeom prst="rect">
+            <a:avLst/>
+          </a:prstGeom>
+          <a:solidFill>
+            <a:srgbClr val="E3E0B3"/>
+          </a:solidFill>
+          <a:ln>
+            <a:solidFill>
+              <a:schemeClr val="tx1">
+                <a:lumMod val="65000"/>
+                <a:lumOff val="35000"/>
+              </a:schemeClr>
+            </a:solidFill>
+          </a:ln>
+        </p:spPr>
+        <p:style>
+          <a:lnRef idx="2">
+            <a:schemeClr val="accent6"/>
+          </a:lnRef>
+          <a:fillRef idx="1">
+            <a:schemeClr val="lt1"/>
+          </a:fillRef>
+          <a:effectRef idx="0">
+            <a:schemeClr val="accent6"/>
+          </a:effectRef>
+          <a:fontRef idx="minor">
+            <a:schemeClr val="dk1"/>
+          </a:fontRef>
+        </p:style>
+        <p:txBody>
+          <a:bodyPr rtlCol="0" anchor="ctr"/>
+          <a:lstStyle/>
+          <a:p>
+            <a:pPr algn="ctr"/>
+            <a:r>
+              <a:rPr lang="en-US" dirty="0"/>
+              <a:t>accesslogv3</a:t>
+            </a:r>
+          </a:p>
+        </p:txBody>
+      </p:sp>
+      <p:cxnSp>
+        <p:nvCxnSpPr>
+          <p:cNvPr id="111" name="Straight Arrow Connector 110">
+            <a:extLst>
+              <a:ext uri="{FF2B5EF4-FFF2-40B4-BE49-F238E27FC236}">
+                <a16:creationId xmlns:a16="http://schemas.microsoft.com/office/drawing/2014/main" id="{A7955CBE-B445-E066-1D43-EFE036F7C0D2}"/>
+              </a:ext>
+            </a:extLst>
+          </p:cNvPr>
+          <p:cNvCxnSpPr>
+            <a:cxnSpLocks/>
+            <a:stCxn id="43" idx="3"/>
+            <a:endCxn id="37" idx="1"/>
+          </p:cNvCxnSpPr>
+          <p:nvPr/>
+        </p:nvCxnSpPr>
+        <p:spPr>
+          <a:xfrm flipV="1">
+            <a:off x="3004090" y="955969"/>
+            <a:ext cx="1251079" cy="570948"/>
+          </a:xfrm>
+          <a:prstGeom prst="straightConnector1">
+            <a:avLst/>
+          </a:prstGeom>
+          <a:ln w="25400">
+            <a:tailEnd type="triangle" w="lg" len="med"/>
+          </a:ln>
+        </p:spPr>
+        <p:style>
+          <a:lnRef idx="1">
+            <a:schemeClr val="accent1"/>
+          </a:lnRef>
+          <a:fillRef idx="0">
+            <a:schemeClr val="accent1"/>
+          </a:fillRef>
+          <a:effectRef idx="0">
+            <a:schemeClr val="accent1"/>
+          </a:effectRef>
+          <a:fontRef idx="minor">
+            <a:schemeClr val="tx1"/>
+          </a:fontRef>
+        </p:style>
+      </p:cxnSp>
+      <p:sp>
+        <p:nvSpPr>
+          <p:cNvPr id="114" name="Rectangle 113">
+            <a:extLst>
+              <a:ext uri="{FF2B5EF4-FFF2-40B4-BE49-F238E27FC236}">
+                <a16:creationId xmlns:a16="http://schemas.microsoft.com/office/drawing/2014/main" id="{9FEEAE1D-7FA1-1475-6CE8-215415F1D7B0}"/>
+              </a:ext>
+            </a:extLst>
+          </p:cNvPr>
+          <p:cNvSpPr/>
+          <p:nvPr/>
+        </p:nvSpPr>
+        <p:spPr>
+          <a:xfrm>
+            <a:off x="7438695" y="1739302"/>
+            <a:ext cx="2103120" cy="320682"/>
+          </a:xfrm>
+          <a:prstGeom prst="rect">
+            <a:avLst/>
+          </a:prstGeom>
+          <a:solidFill>
+            <a:srgbClr val="E3E0B3"/>
+          </a:solidFill>
+          <a:ln>
+            <a:solidFill>
+              <a:schemeClr val="tx1">
+                <a:lumMod val="65000"/>
+                <a:lumOff val="35000"/>
+              </a:schemeClr>
+            </a:solidFill>
+          </a:ln>
+        </p:spPr>
+        <p:style>
+          <a:lnRef idx="2">
+            <a:schemeClr val="accent6"/>
+          </a:lnRef>
+          <a:fillRef idx="1">
+            <a:schemeClr val="lt1"/>
+          </a:fillRef>
+          <a:effectRef idx="0">
+            <a:schemeClr val="accent6"/>
+          </a:effectRef>
+          <a:fontRef idx="minor">
+            <a:schemeClr val="dk1"/>
+          </a:fontRef>
+        </p:style>
+        <p:txBody>
+          <a:bodyPr rtlCol="0" anchor="ctr"/>
+          <a:lstStyle/>
+          <a:p>
+            <a:pPr algn="ctr"/>
+            <a:r>
+              <a:rPr lang="en-US" dirty="0"/>
+              <a:t>accesslogv3</a:t>
+            </a:r>
+          </a:p>
+        </p:txBody>
+      </p:sp>
+      <p:sp>
+        <p:nvSpPr>
+          <p:cNvPr id="115" name="Rectangle 114">
+            <a:extLst>
+              <a:ext uri="{FF2B5EF4-FFF2-40B4-BE49-F238E27FC236}">
+                <a16:creationId xmlns:a16="http://schemas.microsoft.com/office/drawing/2014/main" id="{520E8C91-6B39-0899-545F-80F1F6FBC54A}"/>
+              </a:ext>
+            </a:extLst>
+          </p:cNvPr>
+          <p:cNvSpPr/>
+          <p:nvPr/>
+        </p:nvSpPr>
+        <p:spPr>
+          <a:xfrm>
+            <a:off x="9806395" y="1848530"/>
             <a:ext cx="2238957" cy="355876"/>
           </a:xfrm>
           <a:prstGeom prst="rect">
@@ -6257,6 +7810,7 @@
               </a:path>
               <a:tileRect/>
             </a:gradFill>
+            <a:prstDash val="sysDot"/>
           </a:ln>
         </p:spPr>
         <p:style>
@@ -6280,274 +7834,31 @@
             <a:pPr algn="ctr"/>
             <a:r>
               <a:rPr lang="en-US" b="1" dirty="0"/>
-              <a:t>metric-resources</a:t>
-            </a:r>
-          </a:p>
-        </p:txBody>
-      </p:sp>
-      <p:sp>
-        <p:nvSpPr>
-          <p:cNvPr id="47" name="Rectangle 46">
-            <a:extLst>
-              <a:ext uri="{FF2B5EF4-FFF2-40B4-BE49-F238E27FC236}">
-                <a16:creationId xmlns:a16="http://schemas.microsoft.com/office/drawing/2014/main" id="{C2F3F599-924A-E437-26FA-A3B05ECAF770}"/>
-              </a:ext>
-            </a:extLst>
-          </p:cNvPr>
-          <p:cNvSpPr/>
-          <p:nvPr/>
-        </p:nvSpPr>
-        <p:spPr>
-          <a:xfrm>
-            <a:off x="7302858" y="3933207"/>
-            <a:ext cx="2238957" cy="355876"/>
-          </a:xfrm>
-          <a:prstGeom prst="rect">
-            <a:avLst/>
-          </a:prstGeom>
-          <a:solidFill>
-            <a:schemeClr val="bg1"/>
-          </a:solidFill>
-          <a:ln w="25400">
-            <a:gradFill flip="none" rotWithShape="1">
-              <a:gsLst>
-                <a:gs pos="0">
-                  <a:schemeClr val="accent5">
-                    <a:lumMod val="40000"/>
-                    <a:lumOff val="60000"/>
-                  </a:schemeClr>
-                </a:gs>
-                <a:gs pos="46000">
-                  <a:schemeClr val="accent5">
-                    <a:lumMod val="95000"/>
-                    <a:lumOff val="5000"/>
-                  </a:schemeClr>
-                </a:gs>
-                <a:gs pos="100000">
-                  <a:schemeClr val="accent5">
-                    <a:lumMod val="60000"/>
-                  </a:schemeClr>
-                </a:gs>
-              </a:gsLst>
-              <a:path path="circle">
-                <a:fillToRect l="50000" t="130000" r="50000" b="-30000"/>
-              </a:path>
-              <a:tileRect/>
-            </a:gradFill>
-          </a:ln>
-        </p:spPr>
-        <p:style>
-          <a:lnRef idx="2">
-            <a:schemeClr val="accent6"/>
-          </a:lnRef>
-          <a:fillRef idx="1">
-            <a:schemeClr val="lt1"/>
-          </a:fillRef>
-          <a:effectRef idx="0">
-            <a:schemeClr val="accent6"/>
-          </a:effectRef>
-          <a:fontRef idx="minor">
-            <a:schemeClr val="dk1"/>
-          </a:fontRef>
-        </p:style>
-        <p:txBody>
-          <a:bodyPr rtlCol="0" anchor="ctr"/>
-          <a:lstStyle/>
-          <a:p>
-            <a:pPr algn="ctr"/>
-            <a:r>
-              <a:rPr lang="en-US" b="1" dirty="0"/>
-              <a:t>metric-host</a:t>
+              <a:t>elastic-adapter(v)</a:t>
             </a:r>
           </a:p>
         </p:txBody>
       </p:sp>
       <p:cxnSp>
         <p:nvCxnSpPr>
-          <p:cNvPr id="49" name="Straight Arrow Connector 48">
-            <a:extLst>
-              <a:ext uri="{FF2B5EF4-FFF2-40B4-BE49-F238E27FC236}">
-                <a16:creationId xmlns:a16="http://schemas.microsoft.com/office/drawing/2014/main" id="{548509D2-B33C-C516-D175-1E88D08442F8}"/>
-              </a:ext>
-            </a:extLst>
-          </p:cNvPr>
-          <p:cNvCxnSpPr>
-            <a:stCxn id="41" idx="1"/>
-            <a:endCxn id="38" idx="3"/>
-          </p:cNvCxnSpPr>
-          <p:nvPr/>
-        </p:nvCxnSpPr>
-        <p:spPr>
-          <a:xfrm flipH="1" flipV="1">
-            <a:off x="6783980" y="878504"/>
-            <a:ext cx="450960" cy="484868"/>
-          </a:xfrm>
-          <a:prstGeom prst="straightConnector1">
-            <a:avLst/>
-          </a:prstGeom>
-          <a:ln w="25400">
-            <a:tailEnd type="triangle" w="lg" len="med"/>
-          </a:ln>
-        </p:spPr>
-        <p:style>
-          <a:lnRef idx="1">
-            <a:schemeClr val="accent1"/>
-          </a:lnRef>
-          <a:fillRef idx="0">
-            <a:schemeClr val="accent1"/>
-          </a:fillRef>
-          <a:effectRef idx="0">
-            <a:schemeClr val="accent1"/>
-          </a:effectRef>
-          <a:fontRef idx="minor">
-            <a:schemeClr val="tx1"/>
-          </a:fontRef>
-        </p:style>
-      </p:cxnSp>
-      <p:cxnSp>
-        <p:nvCxnSpPr>
-          <p:cNvPr id="51" name="Straight Arrow Connector 50">
-            <a:extLst>
-              <a:ext uri="{FF2B5EF4-FFF2-40B4-BE49-F238E27FC236}">
-                <a16:creationId xmlns:a16="http://schemas.microsoft.com/office/drawing/2014/main" id="{2F565333-C454-D13F-6A36-E1E0D813AEB6}"/>
-              </a:ext>
-            </a:extLst>
-          </p:cNvPr>
-          <p:cNvCxnSpPr>
-            <a:cxnSpLocks/>
-            <a:stCxn id="41" idx="3"/>
-            <a:endCxn id="52" idx="1"/>
-          </p:cNvCxnSpPr>
-          <p:nvPr/>
-        </p:nvCxnSpPr>
-        <p:spPr>
-          <a:xfrm flipV="1">
-            <a:off x="9473897" y="1351512"/>
-            <a:ext cx="263884" cy="11860"/>
-          </a:xfrm>
-          <a:prstGeom prst="straightConnector1">
-            <a:avLst/>
-          </a:prstGeom>
-          <a:ln w="25400">
-            <a:tailEnd type="triangle" w="lg" len="med"/>
-          </a:ln>
-        </p:spPr>
-        <p:style>
-          <a:lnRef idx="1">
-            <a:schemeClr val="accent1"/>
-          </a:lnRef>
-          <a:fillRef idx="0">
-            <a:schemeClr val="accent1"/>
-          </a:fillRef>
-          <a:effectRef idx="0">
-            <a:schemeClr val="accent1"/>
-          </a:effectRef>
-          <a:fontRef idx="minor">
-            <a:schemeClr val="tx1"/>
-          </a:fontRef>
-        </p:style>
-      </p:cxnSp>
-      <p:sp>
-        <p:nvSpPr>
-          <p:cNvPr id="52" name="Rectangle 51">
-            <a:extLst>
-              <a:ext uri="{FF2B5EF4-FFF2-40B4-BE49-F238E27FC236}">
-                <a16:creationId xmlns:a16="http://schemas.microsoft.com/office/drawing/2014/main" id="{3A5ACD8D-73F4-BAC1-0474-BCB04010C4C0}"/>
-              </a:ext>
-            </a:extLst>
-          </p:cNvPr>
-          <p:cNvSpPr/>
-          <p:nvPr/>
-        </p:nvSpPr>
-        <p:spPr>
-          <a:xfrm>
-            <a:off x="9737781" y="1173574"/>
-            <a:ext cx="2238957" cy="355876"/>
-          </a:xfrm>
-          <a:prstGeom prst="rect">
-            <a:avLst/>
-          </a:prstGeom>
-          <a:solidFill>
-            <a:schemeClr val="bg1"/>
-          </a:solidFill>
-          <a:ln w="25400">
-            <a:gradFill flip="none" rotWithShape="1">
-              <a:gsLst>
-                <a:gs pos="0">
-                  <a:schemeClr val="accent5">
-                    <a:lumMod val="40000"/>
-                    <a:lumOff val="60000"/>
-                  </a:schemeClr>
-                </a:gs>
-                <a:gs pos="46000">
-                  <a:schemeClr val="accent5">
-                    <a:lumMod val="95000"/>
-                    <a:lumOff val="5000"/>
-                  </a:schemeClr>
-                </a:gs>
-                <a:gs pos="100000">
-                  <a:schemeClr val="accent5">
-                    <a:lumMod val="60000"/>
-                  </a:schemeClr>
-                </a:gs>
-              </a:gsLst>
-              <a:path path="circle">
-                <a:fillToRect l="50000" t="130000" r="50000" b="-30000"/>
-              </a:path>
-              <a:tileRect/>
-            </a:gradFill>
-          </a:ln>
-        </p:spPr>
-        <p:style>
-          <a:lnRef idx="2">
-            <a:schemeClr val="accent6"/>
-          </a:lnRef>
-          <a:fillRef idx="1">
-            <a:schemeClr val="lt1"/>
-          </a:fillRef>
-          <a:effectRef idx="0">
-            <a:schemeClr val="accent6"/>
-          </a:effectRef>
-          <a:fontRef idx="minor">
-            <a:schemeClr val="dk1"/>
-          </a:fontRef>
-        </p:style>
-        <p:txBody>
-          <a:bodyPr rtlCol="0" anchor="ctr"/>
-          <a:lstStyle/>
-          <a:p>
-            <a:pPr algn="ctr"/>
-            <a:r>
-              <a:rPr lang="en-US" b="1" dirty="0" err="1"/>
-              <a:t>awsrds</a:t>
-            </a:r>
-            <a:r>
-              <a:rPr lang="en-US" b="1" dirty="0"/>
-              <a:t>-adapter</a:t>
-            </a:r>
-          </a:p>
-        </p:txBody>
-      </p:sp>
-      <p:cxnSp>
-        <p:nvCxnSpPr>
-          <p:cNvPr id="62" name="Straight Arrow Connector 61">
-            <a:extLst>
-              <a:ext uri="{FF2B5EF4-FFF2-40B4-BE49-F238E27FC236}">
-                <a16:creationId xmlns:a16="http://schemas.microsoft.com/office/drawing/2014/main" id="{018F9637-8364-4AE0-60B5-AB08851EC80E}"/>
+          <p:cNvPr id="116" name="Straight Arrow Connector 115">
+            <a:extLst>
+              <a:ext uri="{FF2B5EF4-FFF2-40B4-BE49-F238E27FC236}">
+                <a16:creationId xmlns:a16="http://schemas.microsoft.com/office/drawing/2014/main" id="{74547163-6035-ADBC-7D45-548116A688C0}"/>
               </a:ext>
             </a:extLst>
           </p:cNvPr>
           <p:cNvCxnSpPr>
             <a:cxnSpLocks/>
             <a:stCxn id="47" idx="3"/>
-            <a:endCxn id="64" idx="1"/>
+            <a:endCxn id="115" idx="1"/>
           </p:cNvCxnSpPr>
           <p:nvPr/>
         </p:nvCxnSpPr>
         <p:spPr>
           <a:xfrm>
-            <a:off x="9541815" y="4111145"/>
-            <a:ext cx="337247" cy="0"/>
+            <a:off x="9541815" y="1474200"/>
+            <a:ext cx="264580" cy="552268"/>
           </a:xfrm>
           <a:prstGeom prst="straightConnector1">
             <a:avLst/>
@@ -6573,10 +7884,10 @@
       </p:cxnSp>
       <p:sp>
         <p:nvSpPr>
-          <p:cNvPr id="64" name="Rectangle 63">
-            <a:extLst>
-              <a:ext uri="{FF2B5EF4-FFF2-40B4-BE49-F238E27FC236}">
-                <a16:creationId xmlns:a16="http://schemas.microsoft.com/office/drawing/2014/main" id="{D1AF3768-50AF-B96F-10AF-BEA24E78D40D}"/>
+          <p:cNvPr id="120" name="Rectangle 119">
+            <a:extLst>
+              <a:ext uri="{FF2B5EF4-FFF2-40B4-BE49-F238E27FC236}">
+                <a16:creationId xmlns:a16="http://schemas.microsoft.com/office/drawing/2014/main" id="{C1F8CE5A-B104-5AD6-9E0B-5F331E4B951F}"/>
               </a:ext>
             </a:extLst>
           </p:cNvPr>
@@ -6585,131 +7896,7 @@
         </p:nvSpPr>
         <p:spPr>
           <a:xfrm>
-            <a:off x="9879062" y="3933207"/>
-            <a:ext cx="2238957" cy="355876"/>
-          </a:xfrm>
-          <a:prstGeom prst="rect">
-            <a:avLst/>
-          </a:prstGeom>
-          <a:solidFill>
-            <a:schemeClr val="bg1"/>
-          </a:solidFill>
-          <a:ln w="25400">
-            <a:gradFill flip="none" rotWithShape="1">
-              <a:gsLst>
-                <a:gs pos="0">
-                  <a:schemeClr val="accent5">
-                    <a:lumMod val="40000"/>
-                    <a:lumOff val="60000"/>
-                  </a:schemeClr>
-                </a:gs>
-                <a:gs pos="46000">
-                  <a:schemeClr val="accent5">
-                    <a:lumMod val="95000"/>
-                    <a:lumOff val="5000"/>
-                  </a:schemeClr>
-                </a:gs>
-                <a:gs pos="100000">
-                  <a:schemeClr val="accent5">
-                    <a:lumMod val="60000"/>
-                  </a:schemeClr>
-                </a:gs>
-              </a:gsLst>
-              <a:path path="circle">
-                <a:fillToRect l="50000" t="130000" r="50000" b="-30000"/>
-              </a:path>
-              <a:tileRect/>
-            </a:gradFill>
-          </a:ln>
-        </p:spPr>
-        <p:style>
-          <a:lnRef idx="2">
-            <a:schemeClr val="accent6"/>
-          </a:lnRef>
-          <a:fillRef idx="1">
-            <a:schemeClr val="lt1"/>
-          </a:fillRef>
-          <a:effectRef idx="0">
-            <a:schemeClr val="accent6"/>
-          </a:effectRef>
-          <a:fontRef idx="minor">
-            <a:schemeClr val="dk1"/>
-          </a:fontRef>
-        </p:style>
-        <p:txBody>
-          <a:bodyPr rtlCol="0" anchor="ctr"/>
-          <a:lstStyle/>
-          <a:p>
-            <a:pPr algn="ctr"/>
-            <a:r>
-              <a:rPr lang="en-US" b="1" dirty="0" err="1"/>
-              <a:t>postgresql</a:t>
-            </a:r>
-            <a:r>
-              <a:rPr lang="en-US" b="1" dirty="0"/>
-              <a:t>-adapter</a:t>
-            </a:r>
-          </a:p>
-        </p:txBody>
-      </p:sp>
-      <p:cxnSp>
-        <p:nvCxnSpPr>
-          <p:cNvPr id="69" name="Straight Arrow Connector 68">
-            <a:extLst>
-              <a:ext uri="{FF2B5EF4-FFF2-40B4-BE49-F238E27FC236}">
-                <a16:creationId xmlns:a16="http://schemas.microsoft.com/office/drawing/2014/main" id="{A9BD8BE8-C299-8F7C-264E-FF89C44E14DA}"/>
-              </a:ext>
-            </a:extLst>
-          </p:cNvPr>
-          <p:cNvCxnSpPr>
-            <a:cxnSpLocks/>
-            <a:stCxn id="47" idx="1"/>
-            <a:endCxn id="37" idx="3"/>
-          </p:cNvCxnSpPr>
-          <p:nvPr/>
-        </p:nvCxnSpPr>
-        <p:spPr>
-          <a:xfrm flipH="1" flipV="1">
-            <a:off x="6494126" y="3251062"/>
-            <a:ext cx="808732" cy="860083"/>
-          </a:xfrm>
-          <a:prstGeom prst="straightConnector1">
-            <a:avLst/>
-          </a:prstGeom>
-          <a:ln w="25400">
-            <a:tailEnd type="triangle" w="lg" len="med"/>
-          </a:ln>
-        </p:spPr>
-        <p:style>
-          <a:lnRef idx="1">
-            <a:schemeClr val="accent1"/>
-          </a:lnRef>
-          <a:fillRef idx="0">
-            <a:schemeClr val="accent1"/>
-          </a:fillRef>
-          <a:effectRef idx="0">
-            <a:schemeClr val="accent1"/>
-          </a:effectRef>
-          <a:fontRef idx="minor">
-            <a:schemeClr val="tx1"/>
-          </a:fontRef>
-        </p:style>
-      </p:cxnSp>
-      <p:sp>
-        <p:nvSpPr>
-          <p:cNvPr id="72" name="Rectangle 71">
-            <a:extLst>
-              <a:ext uri="{FF2B5EF4-FFF2-40B4-BE49-F238E27FC236}">
-                <a16:creationId xmlns:a16="http://schemas.microsoft.com/office/drawing/2014/main" id="{5FDD480F-78F6-65ED-31EB-2BE0505BECC9}"/>
-              </a:ext>
-            </a:extLst>
-          </p:cNvPr>
-          <p:cNvSpPr/>
-          <p:nvPr/>
-        </p:nvSpPr>
-        <p:spPr>
-          <a:xfrm>
-            <a:off x="876233" y="3847475"/>
+            <a:off x="7434182" y="2083861"/>
             <a:ext cx="2103120" cy="320682"/>
           </a:xfrm>
           <a:prstGeom prst="rect">
@@ -6747,18 +7934,19 @@
           <a:p>
             <a:pPr algn="ctr"/>
             <a:r>
-              <a:rPr lang="en-US" dirty="0"/>
-              <a:t>accesslogv3</a:t>
-            </a:r>
-          </a:p>
-        </p:txBody>
-      </p:sp>
-      <p:sp>
-        <p:nvSpPr>
-          <p:cNvPr id="73" name="Rectangle 72">
-            <a:extLst>
-              <a:ext uri="{FF2B5EF4-FFF2-40B4-BE49-F238E27FC236}">
-                <a16:creationId xmlns:a16="http://schemas.microsoft.com/office/drawing/2014/main" id="{7149EFE7-1381-79AA-0EB3-E00DF2B25C18}"/>
+              <a:rPr lang="en-US" dirty="0" err="1"/>
+              <a:t>prometheus</a:t>
+            </a:r>
+            <a:endParaRPr lang="en-US" dirty="0"/>
+          </a:p>
+        </p:txBody>
+      </p:sp>
+      <p:sp>
+        <p:nvSpPr>
+          <p:cNvPr id="121" name="Rectangle 120">
+            <a:extLst>
+              <a:ext uri="{FF2B5EF4-FFF2-40B4-BE49-F238E27FC236}">
+                <a16:creationId xmlns:a16="http://schemas.microsoft.com/office/drawing/2014/main" id="{59C1D05D-4E8D-68B9-5466-28A752FB496D}"/>
               </a:ext>
             </a:extLst>
           </p:cNvPr>
@@ -6767,7 +7955,7 @@
         </p:nvSpPr>
         <p:spPr>
           <a:xfrm>
-            <a:off x="4391006" y="4282334"/>
+            <a:off x="7434182" y="2433251"/>
             <a:ext cx="2103120" cy="320682"/>
           </a:xfrm>
           <a:prstGeom prst="rect">
@@ -6805,19 +7993,18 @@
           <a:p>
             <a:pPr algn="ctr"/>
             <a:r>
-              <a:rPr lang="en-US" dirty="0" err="1"/>
-              <a:t>prometheus</a:t>
-            </a:r>
-            <a:endParaRPr lang="en-US" dirty="0"/>
-          </a:p>
-        </p:txBody>
-      </p:sp>
-      <p:sp>
-        <p:nvSpPr>
-          <p:cNvPr id="74" name="Rectangle 73">
-            <a:extLst>
-              <a:ext uri="{FF2B5EF4-FFF2-40B4-BE49-F238E27FC236}">
-                <a16:creationId xmlns:a16="http://schemas.microsoft.com/office/drawing/2014/main" id="{7DEC49F2-C3A9-6778-6295-BF3ADE87403B}"/>
+              <a:rPr lang="en-US" dirty="0"/>
+              <a:t>profile</a:t>
+            </a:r>
+          </a:p>
+        </p:txBody>
+      </p:sp>
+      <p:sp>
+        <p:nvSpPr>
+          <p:cNvPr id="122" name="Rectangle 121">
+            <a:extLst>
+              <a:ext uri="{FF2B5EF4-FFF2-40B4-BE49-F238E27FC236}">
+                <a16:creationId xmlns:a16="http://schemas.microsoft.com/office/drawing/2014/main" id="{2A700585-A45B-AA28-2D7B-1F45F0A8B431}"/>
               </a:ext>
             </a:extLst>
           </p:cNvPr>
@@ -6826,7 +8013,7 @@
         </p:nvSpPr>
         <p:spPr>
           <a:xfrm>
-            <a:off x="4391006" y="3950804"/>
+            <a:off x="876233" y="2126654"/>
             <a:ext cx="2103120" cy="320682"/>
           </a:xfrm>
           <a:prstGeom prst="rect">
@@ -6864,18 +8051,19 @@
           <a:p>
             <a:pPr algn="ctr"/>
             <a:r>
-              <a:rPr lang="en-US" dirty="0"/>
-              <a:t>profile</a:t>
-            </a:r>
-          </a:p>
-        </p:txBody>
-      </p:sp>
-      <p:sp>
-        <p:nvSpPr>
-          <p:cNvPr id="75" name="Rectangle 74">
-            <a:extLst>
-              <a:ext uri="{FF2B5EF4-FFF2-40B4-BE49-F238E27FC236}">
-                <a16:creationId xmlns:a16="http://schemas.microsoft.com/office/drawing/2014/main" id="{5CEAD80D-BB2D-1C86-26BB-4AB4CE353ADA}"/>
+              <a:rPr lang="en-US" dirty="0" err="1"/>
+              <a:t>prometheus</a:t>
+            </a:r>
+            <a:endParaRPr lang="en-US" dirty="0"/>
+          </a:p>
+        </p:txBody>
+      </p:sp>
+      <p:sp>
+        <p:nvSpPr>
+          <p:cNvPr id="123" name="Rectangle 122">
+            <a:extLst>
+              <a:ext uri="{FF2B5EF4-FFF2-40B4-BE49-F238E27FC236}">
+                <a16:creationId xmlns:a16="http://schemas.microsoft.com/office/drawing/2014/main" id="{361667C2-7999-E435-AF18-0D95E2AA0289}"/>
               </a:ext>
             </a:extLst>
           </p:cNvPr>
@@ -6884,7 +8072,7 @@
         </p:nvSpPr>
         <p:spPr>
           <a:xfrm>
-            <a:off x="4391006" y="3579324"/>
+            <a:off x="876233" y="2476153"/>
             <a:ext cx="2103120" cy="320682"/>
           </a:xfrm>
           <a:prstGeom prst="rect">
@@ -6923,17 +8111,17 @@
             <a:pPr algn="ctr"/>
             <a:r>
               <a:rPr lang="en-US" dirty="0"/>
-              <a:t>accesslogv3</a:t>
-            </a:r>
-          </a:p>
-        </p:txBody>
-      </p:sp>
-      <p:sp>
-        <p:nvSpPr>
-          <p:cNvPr id="76" name="Rectangle 75">
-            <a:extLst>
-              <a:ext uri="{FF2B5EF4-FFF2-40B4-BE49-F238E27FC236}">
-                <a16:creationId xmlns:a16="http://schemas.microsoft.com/office/drawing/2014/main" id="{0B28B2A6-F923-2FE4-A4C9-598F206278D5}"/>
+              <a:t>profile</a:t>
+            </a:r>
+          </a:p>
+        </p:txBody>
+      </p:sp>
+      <p:sp>
+        <p:nvSpPr>
+          <p:cNvPr id="124" name="Rectangle 123">
+            <a:extLst>
+              <a:ext uri="{FF2B5EF4-FFF2-40B4-BE49-F238E27FC236}">
+                <a16:creationId xmlns:a16="http://schemas.microsoft.com/office/drawing/2014/main" id="{63F7C3FF-13CF-DF89-5240-FB4F63C86826}"/>
               </a:ext>
             </a:extLst>
           </p:cNvPr>
@@ -6942,7 +8130,7 @@
         </p:nvSpPr>
         <p:spPr>
           <a:xfrm>
-            <a:off x="4451309" y="1508832"/>
+            <a:off x="876233" y="2830286"/>
             <a:ext cx="2103120" cy="320682"/>
           </a:xfrm>
           <a:prstGeom prst="rect">
@@ -6981,17 +8169,17 @@
             <a:pPr algn="ctr"/>
             <a:r>
               <a:rPr lang="en-US" dirty="0"/>
-              <a:t>envoy</a:t>
-            </a:r>
-          </a:p>
-        </p:txBody>
-      </p:sp>
-      <p:sp>
-        <p:nvSpPr>
-          <p:cNvPr id="77" name="Rectangle 76">
-            <a:extLst>
-              <a:ext uri="{FF2B5EF4-FFF2-40B4-BE49-F238E27FC236}">
-                <a16:creationId xmlns:a16="http://schemas.microsoft.com/office/drawing/2014/main" id="{14014479-BBF8-81F3-838B-DB30B65393DC}"/>
+              <a:t>health</a:t>
+            </a:r>
+          </a:p>
+        </p:txBody>
+      </p:sp>
+      <p:sp>
+        <p:nvSpPr>
+          <p:cNvPr id="21" name="Rectangle 20">
+            <a:extLst>
+              <a:ext uri="{FF2B5EF4-FFF2-40B4-BE49-F238E27FC236}">
+                <a16:creationId xmlns:a16="http://schemas.microsoft.com/office/drawing/2014/main" id="{08C3A716-72C3-8A43-0542-DE9B41DAC2B0}"/>
               </a:ext>
             </a:extLst>
           </p:cNvPr>
@@ -7000,7 +8188,7 @@
         </p:nvSpPr>
         <p:spPr>
           <a:xfrm>
-            <a:off x="4570690" y="1122296"/>
+            <a:off x="1028633" y="5998217"/>
             <a:ext cx="2103120" cy="320682"/>
           </a:xfrm>
           <a:prstGeom prst="rect">
@@ -7039,17 +8227,17 @@
             <a:pPr algn="ctr"/>
             <a:r>
               <a:rPr lang="en-US" dirty="0"/>
-              <a:t>profile</a:t>
-            </a:r>
-          </a:p>
-        </p:txBody>
-      </p:sp>
-      <p:sp>
-        <p:nvSpPr>
-          <p:cNvPr id="81" name="Rectangle 80">
-            <a:extLst>
-              <a:ext uri="{FF2B5EF4-FFF2-40B4-BE49-F238E27FC236}">
-                <a16:creationId xmlns:a16="http://schemas.microsoft.com/office/drawing/2014/main" id="{4E6D7153-E3A6-6FFE-7497-5D339182FA0B}"/>
+              <a:t>accesslogv3</a:t>
+            </a:r>
+          </a:p>
+        </p:txBody>
+      </p:sp>
+      <p:sp>
+        <p:nvSpPr>
+          <p:cNvPr id="22" name="Rectangle 21">
+            <a:extLst>
+              <a:ext uri="{FF2B5EF4-FFF2-40B4-BE49-F238E27FC236}">
+                <a16:creationId xmlns:a16="http://schemas.microsoft.com/office/drawing/2014/main" id="{64CED729-FEE5-9BE0-9AAA-B3F1932D03F1}"/>
               </a:ext>
             </a:extLst>
           </p:cNvPr>
@@ -7058,7 +8246,7 @@
         </p:nvSpPr>
         <p:spPr>
           <a:xfrm>
-            <a:off x="7302858" y="1584769"/>
+            <a:off x="8511978" y="6015974"/>
             <a:ext cx="2103120" cy="320682"/>
           </a:xfrm>
           <a:prstGeom prst="rect">
@@ -7097,17 +8285,17 @@
             <a:pPr algn="ctr"/>
             <a:r>
               <a:rPr lang="en-US" dirty="0"/>
-              <a:t>profile</a:t>
-            </a:r>
-          </a:p>
-        </p:txBody>
-      </p:sp>
-      <p:sp>
-        <p:nvSpPr>
-          <p:cNvPr id="82" name="Rectangle 81">
-            <a:extLst>
-              <a:ext uri="{FF2B5EF4-FFF2-40B4-BE49-F238E27FC236}">
-                <a16:creationId xmlns:a16="http://schemas.microsoft.com/office/drawing/2014/main" id="{221503E2-7587-B931-3D92-0714A951350A}"/>
+              <a:t>accesslogv3</a:t>
+            </a:r>
+          </a:p>
+        </p:txBody>
+      </p:sp>
+      <p:sp>
+        <p:nvSpPr>
+          <p:cNvPr id="23" name="Rectangle 22">
+            <a:extLst>
+              <a:ext uri="{FF2B5EF4-FFF2-40B4-BE49-F238E27FC236}">
+                <a16:creationId xmlns:a16="http://schemas.microsoft.com/office/drawing/2014/main" id="{47E76C42-9CB3-1664-2BCE-B8BB2F92EED8}"/>
               </a:ext>
             </a:extLst>
           </p:cNvPr>
@@ -7116,7 +8304,7 @@
         </p:nvSpPr>
         <p:spPr>
           <a:xfrm>
-            <a:off x="7324233" y="1962615"/>
+            <a:off x="6096000" y="5987743"/>
             <a:ext cx="2103120" cy="320682"/>
           </a:xfrm>
           <a:prstGeom prst="rect">
@@ -7155,17 +8343,17 @@
             <a:pPr algn="ctr"/>
             <a:r>
               <a:rPr lang="en-US" dirty="0"/>
-              <a:t>envoy</a:t>
-            </a:r>
-          </a:p>
-        </p:txBody>
-      </p:sp>
-      <p:sp>
-        <p:nvSpPr>
-          <p:cNvPr id="90" name="Rectangle 89">
-            <a:extLst>
-              <a:ext uri="{FF2B5EF4-FFF2-40B4-BE49-F238E27FC236}">
-                <a16:creationId xmlns:a16="http://schemas.microsoft.com/office/drawing/2014/main" id="{44C69DE1-1D4A-8D60-08BA-A9C8FF613B4C}"/>
+              <a:t>accesslogv3</a:t>
+            </a:r>
+          </a:p>
+        </p:txBody>
+      </p:sp>
+      <p:sp>
+        <p:nvSpPr>
+          <p:cNvPr id="24" name="Rectangle 23">
+            <a:extLst>
+              <a:ext uri="{FF2B5EF4-FFF2-40B4-BE49-F238E27FC236}">
+                <a16:creationId xmlns:a16="http://schemas.microsoft.com/office/drawing/2014/main" id="{66A235EF-21A0-9C5C-D052-AA52213397B1}"/>
               </a:ext>
             </a:extLst>
           </p:cNvPr>
@@ -7174,7 +8362,7 @@
         </p:nvSpPr>
         <p:spPr>
           <a:xfrm>
-            <a:off x="925869" y="1559415"/>
+            <a:off x="3444611" y="5902031"/>
             <a:ext cx="2103120" cy="320682"/>
           </a:xfrm>
           <a:prstGeom prst="rect">
@@ -7213,621 +8401,7 @@
             <a:pPr algn="ctr"/>
             <a:r>
               <a:rPr lang="en-US" dirty="0"/>
-              <a:t>profile</a:t>
-            </a:r>
-          </a:p>
-        </p:txBody>
-      </p:sp>
-      <p:sp>
-        <p:nvSpPr>
-          <p:cNvPr id="91" name="Rectangle 90">
-            <a:extLst>
-              <a:ext uri="{FF2B5EF4-FFF2-40B4-BE49-F238E27FC236}">
-                <a16:creationId xmlns:a16="http://schemas.microsoft.com/office/drawing/2014/main" id="{920801D8-8594-9229-D9E9-56D25ABA0919}"/>
-              </a:ext>
-            </a:extLst>
-          </p:cNvPr>
-          <p:cNvSpPr/>
-          <p:nvPr/>
-        </p:nvSpPr>
-        <p:spPr>
-          <a:xfrm>
-            <a:off x="925869" y="1897695"/>
-            <a:ext cx="2103120" cy="320682"/>
-          </a:xfrm>
-          <a:prstGeom prst="rect">
-            <a:avLst/>
-          </a:prstGeom>
-          <a:solidFill>
-            <a:srgbClr val="E3E0B3"/>
-          </a:solidFill>
-          <a:ln>
-            <a:solidFill>
-              <a:schemeClr val="tx1">
-                <a:lumMod val="65000"/>
-                <a:lumOff val="35000"/>
-              </a:schemeClr>
-            </a:solidFill>
-          </a:ln>
-        </p:spPr>
-        <p:style>
-          <a:lnRef idx="2">
-            <a:schemeClr val="accent6"/>
-          </a:lnRef>
-          <a:fillRef idx="1">
-            <a:schemeClr val="lt1"/>
-          </a:fillRef>
-          <a:effectRef idx="0">
-            <a:schemeClr val="accent6"/>
-          </a:effectRef>
-          <a:fontRef idx="minor">
-            <a:schemeClr val="dk1"/>
-          </a:fontRef>
-        </p:style>
-        <p:txBody>
-          <a:bodyPr rtlCol="0" anchor="ctr"/>
-          <a:lstStyle/>
-          <a:p>
-            <a:pPr algn="ctr"/>
-            <a:r>
-              <a:rPr lang="en-US" dirty="0"/>
-              <a:t>envoy</a:t>
-            </a:r>
-          </a:p>
-        </p:txBody>
-      </p:sp>
-      <p:cxnSp>
-        <p:nvCxnSpPr>
-          <p:cNvPr id="101" name="Straight Arrow Connector 100">
-            <a:extLst>
-              <a:ext uri="{FF2B5EF4-FFF2-40B4-BE49-F238E27FC236}">
-                <a16:creationId xmlns:a16="http://schemas.microsoft.com/office/drawing/2014/main" id="{26AC66C9-5857-0AAD-24F7-2D45F30277C6}"/>
-              </a:ext>
-            </a:extLst>
-          </p:cNvPr>
-          <p:cNvCxnSpPr>
-            <a:cxnSpLocks/>
-            <a:stCxn id="29" idx="3"/>
-            <a:endCxn id="38" idx="1"/>
-          </p:cNvCxnSpPr>
-          <p:nvPr/>
-        </p:nvCxnSpPr>
-        <p:spPr>
-          <a:xfrm flipV="1">
-            <a:off x="3028989" y="878504"/>
-            <a:ext cx="1516034" cy="421060"/>
-          </a:xfrm>
-          <a:prstGeom prst="straightConnector1">
-            <a:avLst/>
-          </a:prstGeom>
-          <a:ln w="25400">
-            <a:tailEnd type="triangle" w="lg" len="med"/>
-          </a:ln>
-        </p:spPr>
-        <p:style>
-          <a:lnRef idx="1">
-            <a:schemeClr val="accent1"/>
-          </a:lnRef>
-          <a:fillRef idx="0">
-            <a:schemeClr val="accent1"/>
-          </a:fillRef>
-          <a:effectRef idx="0">
-            <a:schemeClr val="accent1"/>
-          </a:effectRef>
-          <a:fontRef idx="minor">
-            <a:schemeClr val="tx1"/>
-          </a:fontRef>
-        </p:style>
-      </p:cxnSp>
-      <p:cxnSp>
-        <p:nvCxnSpPr>
-          <p:cNvPr id="111" name="Straight Arrow Connector 110">
-            <a:extLst>
-              <a:ext uri="{FF2B5EF4-FFF2-40B4-BE49-F238E27FC236}">
-                <a16:creationId xmlns:a16="http://schemas.microsoft.com/office/drawing/2014/main" id="{A7955CBE-B445-E066-1D43-EFE036F7C0D2}"/>
-              </a:ext>
-            </a:extLst>
-          </p:cNvPr>
-          <p:cNvCxnSpPr>
-            <a:cxnSpLocks/>
-            <a:stCxn id="43" idx="3"/>
-            <a:endCxn id="37" idx="1"/>
-          </p:cNvCxnSpPr>
-          <p:nvPr/>
-        </p:nvCxnSpPr>
-        <p:spPr>
-          <a:xfrm flipV="1">
-            <a:off x="2934280" y="3251062"/>
-            <a:ext cx="1320889" cy="376836"/>
-          </a:xfrm>
-          <a:prstGeom prst="straightConnector1">
-            <a:avLst/>
-          </a:prstGeom>
-          <a:ln w="25400">
-            <a:tailEnd type="triangle" w="lg" len="med"/>
-          </a:ln>
-        </p:spPr>
-        <p:style>
-          <a:lnRef idx="1">
-            <a:schemeClr val="accent1"/>
-          </a:lnRef>
-          <a:fillRef idx="0">
-            <a:schemeClr val="accent1"/>
-          </a:fillRef>
-          <a:effectRef idx="0">
-            <a:schemeClr val="accent1"/>
-          </a:effectRef>
-          <a:fontRef idx="minor">
-            <a:schemeClr val="tx1"/>
-          </a:fontRef>
-        </p:style>
-      </p:cxnSp>
-      <p:sp>
-        <p:nvSpPr>
-          <p:cNvPr id="114" name="Rectangle 113">
-            <a:extLst>
-              <a:ext uri="{FF2B5EF4-FFF2-40B4-BE49-F238E27FC236}">
-                <a16:creationId xmlns:a16="http://schemas.microsoft.com/office/drawing/2014/main" id="{9FEEAE1D-7FA1-1475-6CE8-215415F1D7B0}"/>
-              </a:ext>
-            </a:extLst>
-          </p:cNvPr>
-          <p:cNvSpPr/>
-          <p:nvPr/>
-        </p:nvSpPr>
-        <p:spPr>
-          <a:xfrm>
-            <a:off x="7438695" y="4349297"/>
-            <a:ext cx="2103120" cy="320682"/>
-          </a:xfrm>
-          <a:prstGeom prst="rect">
-            <a:avLst/>
-          </a:prstGeom>
-          <a:solidFill>
-            <a:srgbClr val="E3E0B3"/>
-          </a:solidFill>
-          <a:ln>
-            <a:solidFill>
-              <a:schemeClr val="tx1">
-                <a:lumMod val="65000"/>
-                <a:lumOff val="35000"/>
-              </a:schemeClr>
-            </a:solidFill>
-          </a:ln>
-        </p:spPr>
-        <p:style>
-          <a:lnRef idx="2">
-            <a:schemeClr val="accent6"/>
-          </a:lnRef>
-          <a:fillRef idx="1">
-            <a:schemeClr val="lt1"/>
-          </a:fillRef>
-          <a:effectRef idx="0">
-            <a:schemeClr val="accent6"/>
-          </a:effectRef>
-          <a:fontRef idx="minor">
-            <a:schemeClr val="dk1"/>
-          </a:fontRef>
-        </p:style>
-        <p:txBody>
-          <a:bodyPr rtlCol="0" anchor="ctr"/>
-          <a:lstStyle/>
-          <a:p>
-            <a:pPr algn="ctr"/>
-            <a:r>
-              <a:rPr lang="en-US" dirty="0"/>
               <a:t>accesslogv3</a:t>
-            </a:r>
-          </a:p>
-        </p:txBody>
-      </p:sp>
-      <p:sp>
-        <p:nvSpPr>
-          <p:cNvPr id="115" name="Rectangle 114">
-            <a:extLst>
-              <a:ext uri="{FF2B5EF4-FFF2-40B4-BE49-F238E27FC236}">
-                <a16:creationId xmlns:a16="http://schemas.microsoft.com/office/drawing/2014/main" id="{520E8C91-6B39-0899-545F-80F1F6FBC54A}"/>
-              </a:ext>
-            </a:extLst>
-          </p:cNvPr>
-          <p:cNvSpPr/>
-          <p:nvPr/>
-        </p:nvSpPr>
-        <p:spPr>
-          <a:xfrm>
-            <a:off x="9879061" y="4474252"/>
-            <a:ext cx="2238957" cy="355876"/>
-          </a:xfrm>
-          <a:prstGeom prst="rect">
-            <a:avLst/>
-          </a:prstGeom>
-          <a:solidFill>
-            <a:schemeClr val="bg1"/>
-          </a:solidFill>
-          <a:ln w="25400">
-            <a:gradFill flip="none" rotWithShape="1">
-              <a:gsLst>
-                <a:gs pos="0">
-                  <a:schemeClr val="accent5">
-                    <a:lumMod val="40000"/>
-                    <a:lumOff val="60000"/>
-                  </a:schemeClr>
-                </a:gs>
-                <a:gs pos="46000">
-                  <a:schemeClr val="accent5">
-                    <a:lumMod val="95000"/>
-                    <a:lumOff val="5000"/>
-                  </a:schemeClr>
-                </a:gs>
-                <a:gs pos="100000">
-                  <a:schemeClr val="accent5">
-                    <a:lumMod val="60000"/>
-                  </a:schemeClr>
-                </a:gs>
-              </a:gsLst>
-              <a:path path="circle">
-                <a:fillToRect l="50000" t="130000" r="50000" b="-30000"/>
-              </a:path>
-              <a:tileRect/>
-            </a:gradFill>
-          </a:ln>
-        </p:spPr>
-        <p:style>
-          <a:lnRef idx="2">
-            <a:schemeClr val="accent6"/>
-          </a:lnRef>
-          <a:fillRef idx="1">
-            <a:schemeClr val="lt1"/>
-          </a:fillRef>
-          <a:effectRef idx="0">
-            <a:schemeClr val="accent6"/>
-          </a:effectRef>
-          <a:fontRef idx="minor">
-            <a:schemeClr val="dk1"/>
-          </a:fontRef>
-        </p:style>
-        <p:txBody>
-          <a:bodyPr rtlCol="0" anchor="ctr"/>
-          <a:lstStyle/>
-          <a:p>
-            <a:pPr algn="ctr"/>
-            <a:r>
-              <a:rPr lang="en-US" b="1" dirty="0"/>
-              <a:t>elastic-adapter</a:t>
-            </a:r>
-          </a:p>
-        </p:txBody>
-      </p:sp>
-      <p:cxnSp>
-        <p:nvCxnSpPr>
-          <p:cNvPr id="116" name="Straight Arrow Connector 115">
-            <a:extLst>
-              <a:ext uri="{FF2B5EF4-FFF2-40B4-BE49-F238E27FC236}">
-                <a16:creationId xmlns:a16="http://schemas.microsoft.com/office/drawing/2014/main" id="{74547163-6035-ADBC-7D45-548116A688C0}"/>
-              </a:ext>
-            </a:extLst>
-          </p:cNvPr>
-          <p:cNvCxnSpPr>
-            <a:cxnSpLocks/>
-            <a:stCxn id="47" idx="3"/>
-            <a:endCxn id="115" idx="1"/>
-          </p:cNvCxnSpPr>
-          <p:nvPr/>
-        </p:nvCxnSpPr>
-        <p:spPr>
-          <a:xfrm>
-            <a:off x="9541815" y="4111145"/>
-            <a:ext cx="337246" cy="541045"/>
-          </a:xfrm>
-          <a:prstGeom prst="straightConnector1">
-            <a:avLst/>
-          </a:prstGeom>
-          <a:ln w="25400">
-            <a:tailEnd type="triangle" w="lg" len="med"/>
-          </a:ln>
-        </p:spPr>
-        <p:style>
-          <a:lnRef idx="1">
-            <a:schemeClr val="accent1"/>
-          </a:lnRef>
-          <a:fillRef idx="0">
-            <a:schemeClr val="accent1"/>
-          </a:fillRef>
-          <a:effectRef idx="0">
-            <a:schemeClr val="accent1"/>
-          </a:effectRef>
-          <a:fontRef idx="minor">
-            <a:schemeClr val="tx1"/>
-          </a:fontRef>
-        </p:style>
-      </p:cxnSp>
-      <p:sp>
-        <p:nvSpPr>
-          <p:cNvPr id="120" name="Rectangle 119">
-            <a:extLst>
-              <a:ext uri="{FF2B5EF4-FFF2-40B4-BE49-F238E27FC236}">
-                <a16:creationId xmlns:a16="http://schemas.microsoft.com/office/drawing/2014/main" id="{C1F8CE5A-B104-5AD6-9E0B-5F331E4B951F}"/>
-              </a:ext>
-            </a:extLst>
-          </p:cNvPr>
-          <p:cNvSpPr/>
-          <p:nvPr/>
-        </p:nvSpPr>
-        <p:spPr>
-          <a:xfrm>
-            <a:off x="7452350" y="4730193"/>
-            <a:ext cx="2103120" cy="320682"/>
-          </a:xfrm>
-          <a:prstGeom prst="rect">
-            <a:avLst/>
-          </a:prstGeom>
-          <a:solidFill>
-            <a:srgbClr val="E3E0B3"/>
-          </a:solidFill>
-          <a:ln>
-            <a:solidFill>
-              <a:schemeClr val="tx1">
-                <a:lumMod val="65000"/>
-                <a:lumOff val="35000"/>
-              </a:schemeClr>
-            </a:solidFill>
-          </a:ln>
-        </p:spPr>
-        <p:style>
-          <a:lnRef idx="2">
-            <a:schemeClr val="accent6"/>
-          </a:lnRef>
-          <a:fillRef idx="1">
-            <a:schemeClr val="lt1"/>
-          </a:fillRef>
-          <a:effectRef idx="0">
-            <a:schemeClr val="accent6"/>
-          </a:effectRef>
-          <a:fontRef idx="minor">
-            <a:schemeClr val="dk1"/>
-          </a:fontRef>
-        </p:style>
-        <p:txBody>
-          <a:bodyPr rtlCol="0" anchor="ctr"/>
-          <a:lstStyle/>
-          <a:p>
-            <a:pPr algn="ctr"/>
-            <a:r>
-              <a:rPr lang="en-US" dirty="0" err="1"/>
-              <a:t>prometheus</a:t>
-            </a:r>
-            <a:endParaRPr lang="en-US" dirty="0"/>
-          </a:p>
-        </p:txBody>
-      </p:sp>
-      <p:sp>
-        <p:nvSpPr>
-          <p:cNvPr id="121" name="Rectangle 120">
-            <a:extLst>
-              <a:ext uri="{FF2B5EF4-FFF2-40B4-BE49-F238E27FC236}">
-                <a16:creationId xmlns:a16="http://schemas.microsoft.com/office/drawing/2014/main" id="{59C1D05D-4E8D-68B9-5466-28A752FB496D}"/>
-              </a:ext>
-            </a:extLst>
-          </p:cNvPr>
-          <p:cNvSpPr/>
-          <p:nvPr/>
-        </p:nvSpPr>
-        <p:spPr>
-          <a:xfrm>
-            <a:off x="7452350" y="5103803"/>
-            <a:ext cx="2103120" cy="320682"/>
-          </a:xfrm>
-          <a:prstGeom prst="rect">
-            <a:avLst/>
-          </a:prstGeom>
-          <a:solidFill>
-            <a:srgbClr val="E3E0B3"/>
-          </a:solidFill>
-          <a:ln>
-            <a:solidFill>
-              <a:schemeClr val="tx1">
-                <a:lumMod val="65000"/>
-                <a:lumOff val="35000"/>
-              </a:schemeClr>
-            </a:solidFill>
-          </a:ln>
-        </p:spPr>
-        <p:style>
-          <a:lnRef idx="2">
-            <a:schemeClr val="accent6"/>
-          </a:lnRef>
-          <a:fillRef idx="1">
-            <a:schemeClr val="lt1"/>
-          </a:fillRef>
-          <a:effectRef idx="0">
-            <a:schemeClr val="accent6"/>
-          </a:effectRef>
-          <a:fontRef idx="minor">
-            <a:schemeClr val="dk1"/>
-          </a:fontRef>
-        </p:style>
-        <p:txBody>
-          <a:bodyPr rtlCol="0" anchor="ctr"/>
-          <a:lstStyle/>
-          <a:p>
-            <a:pPr algn="ctr"/>
-            <a:r>
-              <a:rPr lang="en-US" dirty="0"/>
-              <a:t>profile</a:t>
-            </a:r>
-          </a:p>
-        </p:txBody>
-      </p:sp>
-      <p:sp>
-        <p:nvSpPr>
-          <p:cNvPr id="122" name="Rectangle 121">
-            <a:extLst>
-              <a:ext uri="{FF2B5EF4-FFF2-40B4-BE49-F238E27FC236}">
-                <a16:creationId xmlns:a16="http://schemas.microsoft.com/office/drawing/2014/main" id="{2A700585-A45B-AA28-2D7B-1F45F0A8B431}"/>
-              </a:ext>
-            </a:extLst>
-          </p:cNvPr>
-          <p:cNvSpPr/>
-          <p:nvPr/>
-        </p:nvSpPr>
-        <p:spPr>
-          <a:xfrm>
-            <a:off x="876233" y="4209796"/>
-            <a:ext cx="2103120" cy="320682"/>
-          </a:xfrm>
-          <a:prstGeom prst="rect">
-            <a:avLst/>
-          </a:prstGeom>
-          <a:solidFill>
-            <a:srgbClr val="E3E0B3"/>
-          </a:solidFill>
-          <a:ln>
-            <a:solidFill>
-              <a:schemeClr val="tx1">
-                <a:lumMod val="65000"/>
-                <a:lumOff val="35000"/>
-              </a:schemeClr>
-            </a:solidFill>
-          </a:ln>
-        </p:spPr>
-        <p:style>
-          <a:lnRef idx="2">
-            <a:schemeClr val="accent6"/>
-          </a:lnRef>
-          <a:fillRef idx="1">
-            <a:schemeClr val="lt1"/>
-          </a:fillRef>
-          <a:effectRef idx="0">
-            <a:schemeClr val="accent6"/>
-          </a:effectRef>
-          <a:fontRef idx="minor">
-            <a:schemeClr val="dk1"/>
-          </a:fontRef>
-        </p:style>
-        <p:txBody>
-          <a:bodyPr rtlCol="0" anchor="ctr"/>
-          <a:lstStyle/>
-          <a:p>
-            <a:pPr algn="ctr"/>
-            <a:r>
-              <a:rPr lang="en-US" dirty="0" err="1"/>
-              <a:t>prometheus</a:t>
-            </a:r>
-            <a:endParaRPr lang="en-US" dirty="0"/>
-          </a:p>
-        </p:txBody>
-      </p:sp>
-      <p:sp>
-        <p:nvSpPr>
-          <p:cNvPr id="123" name="Rectangle 122">
-            <a:extLst>
-              <a:ext uri="{FF2B5EF4-FFF2-40B4-BE49-F238E27FC236}">
-                <a16:creationId xmlns:a16="http://schemas.microsoft.com/office/drawing/2014/main" id="{361667C2-7999-E435-AF18-0D95E2AA0289}"/>
-              </a:ext>
-            </a:extLst>
-          </p:cNvPr>
-          <p:cNvSpPr/>
-          <p:nvPr/>
-        </p:nvSpPr>
-        <p:spPr>
-          <a:xfrm>
-            <a:off x="876233" y="4547183"/>
-            <a:ext cx="2103120" cy="320682"/>
-          </a:xfrm>
-          <a:prstGeom prst="rect">
-            <a:avLst/>
-          </a:prstGeom>
-          <a:solidFill>
-            <a:srgbClr val="E3E0B3"/>
-          </a:solidFill>
-          <a:ln>
-            <a:solidFill>
-              <a:schemeClr val="tx1">
-                <a:lumMod val="65000"/>
-                <a:lumOff val="35000"/>
-              </a:schemeClr>
-            </a:solidFill>
-          </a:ln>
-        </p:spPr>
-        <p:style>
-          <a:lnRef idx="2">
-            <a:schemeClr val="accent6"/>
-          </a:lnRef>
-          <a:fillRef idx="1">
-            <a:schemeClr val="lt1"/>
-          </a:fillRef>
-          <a:effectRef idx="0">
-            <a:schemeClr val="accent6"/>
-          </a:effectRef>
-          <a:fontRef idx="minor">
-            <a:schemeClr val="dk1"/>
-          </a:fontRef>
-        </p:style>
-        <p:txBody>
-          <a:bodyPr rtlCol="0" anchor="ctr"/>
-          <a:lstStyle/>
-          <a:p>
-            <a:pPr algn="ctr"/>
-            <a:r>
-              <a:rPr lang="en-US" dirty="0"/>
-              <a:t>profile</a:t>
-            </a:r>
-          </a:p>
-        </p:txBody>
-      </p:sp>
-      <p:sp>
-        <p:nvSpPr>
-          <p:cNvPr id="124" name="Rectangle 123">
-            <a:extLst>
-              <a:ext uri="{FF2B5EF4-FFF2-40B4-BE49-F238E27FC236}">
-                <a16:creationId xmlns:a16="http://schemas.microsoft.com/office/drawing/2014/main" id="{63F7C3FF-13CF-DF89-5240-FB4F63C86826}"/>
-              </a:ext>
-            </a:extLst>
-          </p:cNvPr>
-          <p:cNvSpPr/>
-          <p:nvPr/>
-        </p:nvSpPr>
-        <p:spPr>
-          <a:xfrm>
-            <a:off x="876233" y="4901316"/>
-            <a:ext cx="2103120" cy="320682"/>
-          </a:xfrm>
-          <a:prstGeom prst="rect">
-            <a:avLst/>
-          </a:prstGeom>
-          <a:solidFill>
-            <a:srgbClr val="E3E0B3"/>
-          </a:solidFill>
-          <a:ln>
-            <a:solidFill>
-              <a:schemeClr val="tx1">
-                <a:lumMod val="65000"/>
-                <a:lumOff val="35000"/>
-              </a:schemeClr>
-            </a:solidFill>
-          </a:ln>
-        </p:spPr>
-        <p:style>
-          <a:lnRef idx="2">
-            <a:schemeClr val="accent6"/>
-          </a:lnRef>
-          <a:fillRef idx="1">
-            <a:schemeClr val="lt1"/>
-          </a:fillRef>
-          <a:effectRef idx="0">
-            <a:schemeClr val="accent6"/>
-          </a:effectRef>
-          <a:fontRef idx="minor">
-            <a:schemeClr val="dk1"/>
-          </a:fontRef>
-        </p:style>
-        <p:txBody>
-          <a:bodyPr rtlCol="0" anchor="ctr"/>
-          <a:lstStyle/>
-          <a:p>
-            <a:pPr algn="ctr"/>
-            <a:r>
-              <a:rPr lang="en-US" dirty="0"/>
-              <a:t>health</a:t>
             </a:r>
           </a:p>
         </p:txBody>
@@ -7896,7 +8470,7 @@
             </a:r>
             <a:r>
               <a:rPr lang="en-US" sz="4000" dirty="0"/>
-              <a:t>® SLO</a:t>
+              <a:t>® - Client Exchange</a:t>
             </a:r>
           </a:p>
         </p:txBody>
@@ -7917,7 +8491,7 @@
         </p:nvCxnSpPr>
         <p:spPr>
           <a:xfrm>
-            <a:off x="244149" y="117127"/>
+            <a:off x="273311" y="327812"/>
             <a:ext cx="0" cy="1324326"/>
           </a:xfrm>
           <a:prstGeom prst="line">
@@ -7946,10 +8520,10 @@
       </p:cxnSp>
       <p:cxnSp>
         <p:nvCxnSpPr>
-          <p:cNvPr id="14" name="Straight Connector 13">
-            <a:extLst>
-              <a:ext uri="{FF2B5EF4-FFF2-40B4-BE49-F238E27FC236}">
-                <a16:creationId xmlns:a16="http://schemas.microsoft.com/office/drawing/2014/main" id="{1ED8381A-7E0F-DB68-4A6A-94EADEF2604B}"/>
+          <p:cNvPr id="16" name="Straight Connector 15">
+            <a:extLst>
+              <a:ext uri="{FF2B5EF4-FFF2-40B4-BE49-F238E27FC236}">
+                <a16:creationId xmlns:a16="http://schemas.microsoft.com/office/drawing/2014/main" id="{183ABB7A-C2D9-FD13-C555-77F314ABE71F}"/>
               </a:ext>
             </a:extLst>
           </p:cNvPr>
@@ -7959,9 +8533,9 @@
           <p:nvPr/>
         </p:nvCxnSpPr>
         <p:spPr>
-          <a:xfrm flipV="1">
-            <a:off x="7562851" y="285875"/>
-            <a:ext cx="312336" cy="6641"/>
+          <a:xfrm flipH="1" flipV="1">
+            <a:off x="8354419" y="515399"/>
+            <a:ext cx="646593" cy="1"/>
           </a:xfrm>
           <a:prstGeom prst="line">
             <a:avLst/>
@@ -7992,10 +8566,10 @@
       </p:cxnSp>
       <p:cxnSp>
         <p:nvCxnSpPr>
-          <p:cNvPr id="16" name="Straight Connector 15">
-            <a:extLst>
-              <a:ext uri="{FF2B5EF4-FFF2-40B4-BE49-F238E27FC236}">
-                <a16:creationId xmlns:a16="http://schemas.microsoft.com/office/drawing/2014/main" id="{183ABB7A-C2D9-FD13-C555-77F314ABE71F}"/>
+          <p:cNvPr id="6" name="Straight Connector 5">
+            <a:extLst>
+              <a:ext uri="{FF2B5EF4-FFF2-40B4-BE49-F238E27FC236}">
+                <a16:creationId xmlns:a16="http://schemas.microsoft.com/office/drawing/2014/main" id="{DE715582-3D97-1642-7664-4800FE15AA3E}"/>
               </a:ext>
             </a:extLst>
           </p:cNvPr>
@@ -8005,8 +8579,180 @@
           <p:nvPr/>
         </p:nvCxnSpPr>
         <p:spPr>
+          <a:xfrm>
+            <a:off x="273311" y="1704855"/>
+            <a:ext cx="0" cy="1324326"/>
+          </a:xfrm>
+          <a:prstGeom prst="line">
+            <a:avLst/>
+          </a:prstGeom>
+          <a:ln w="25400">
+            <a:solidFill>
+              <a:schemeClr val="tx1"/>
+            </a:solidFill>
+          </a:ln>
+        </p:spPr>
+        <p:style>
+          <a:lnRef idx="1">
+            <a:schemeClr val="accent1"/>
+          </a:lnRef>
+          <a:fillRef idx="0">
+            <a:schemeClr val="accent1"/>
+          </a:fillRef>
+          <a:effectRef idx="0">
+            <a:schemeClr val="accent1"/>
+          </a:effectRef>
+          <a:fontRef idx="minor">
+            <a:schemeClr val="tx1"/>
+          </a:fontRef>
+        </p:style>
+      </p:cxnSp>
+      <p:cxnSp>
+        <p:nvCxnSpPr>
+          <p:cNvPr id="7" name="Straight Connector 6">
+            <a:extLst>
+              <a:ext uri="{FF2B5EF4-FFF2-40B4-BE49-F238E27FC236}">
+                <a16:creationId xmlns:a16="http://schemas.microsoft.com/office/drawing/2014/main" id="{B431E0BB-861F-0147-721A-D23447FB106A}"/>
+              </a:ext>
+            </a:extLst>
+          </p:cNvPr>
+          <p:cNvCxnSpPr>
+            <a:cxnSpLocks/>
+          </p:cNvCxnSpPr>
+          <p:nvPr/>
+        </p:nvCxnSpPr>
+        <p:spPr>
+          <a:xfrm>
+            <a:off x="273311" y="3185312"/>
+            <a:ext cx="0" cy="1324326"/>
+          </a:xfrm>
+          <a:prstGeom prst="line">
+            <a:avLst/>
+          </a:prstGeom>
+          <a:ln w="25400">
+            <a:solidFill>
+              <a:schemeClr val="tx1"/>
+            </a:solidFill>
+          </a:ln>
+        </p:spPr>
+        <p:style>
+          <a:lnRef idx="1">
+            <a:schemeClr val="accent1"/>
+          </a:lnRef>
+          <a:fillRef idx="0">
+            <a:schemeClr val="accent1"/>
+          </a:fillRef>
+          <a:effectRef idx="0">
+            <a:schemeClr val="accent1"/>
+          </a:effectRef>
+          <a:fontRef idx="minor">
+            <a:schemeClr val="tx1"/>
+          </a:fontRef>
+        </p:style>
+      </p:cxnSp>
+      <p:cxnSp>
+        <p:nvCxnSpPr>
+          <p:cNvPr id="9" name="Straight Connector 8">
+            <a:extLst>
+              <a:ext uri="{FF2B5EF4-FFF2-40B4-BE49-F238E27FC236}">
+                <a16:creationId xmlns:a16="http://schemas.microsoft.com/office/drawing/2014/main" id="{05B1ABC0-643F-7FE8-A08E-6D8F981FB53D}"/>
+              </a:ext>
+            </a:extLst>
+          </p:cNvPr>
+          <p:cNvCxnSpPr>
+            <a:cxnSpLocks/>
+          </p:cNvCxnSpPr>
+          <p:nvPr/>
+        </p:nvCxnSpPr>
+        <p:spPr>
+          <a:xfrm>
+            <a:off x="273311" y="4663417"/>
+            <a:ext cx="0" cy="1324326"/>
+          </a:xfrm>
+          <a:prstGeom prst="line">
+            <a:avLst/>
+          </a:prstGeom>
+          <a:ln w="25400">
+            <a:solidFill>
+              <a:schemeClr val="tx1"/>
+            </a:solidFill>
+          </a:ln>
+        </p:spPr>
+        <p:style>
+          <a:lnRef idx="1">
+            <a:schemeClr val="accent1"/>
+          </a:lnRef>
+          <a:fillRef idx="0">
+            <a:schemeClr val="accent1"/>
+          </a:fillRef>
+          <a:effectRef idx="0">
+            <a:schemeClr val="accent1"/>
+          </a:effectRef>
+          <a:fontRef idx="minor">
+            <a:schemeClr val="tx1"/>
+          </a:fontRef>
+        </p:style>
+      </p:cxnSp>
+      <p:cxnSp>
+        <p:nvCxnSpPr>
+          <p:cNvPr id="11" name="Straight Connector 10">
+            <a:extLst>
+              <a:ext uri="{FF2B5EF4-FFF2-40B4-BE49-F238E27FC236}">
+                <a16:creationId xmlns:a16="http://schemas.microsoft.com/office/drawing/2014/main" id="{6C0B77C3-E4B2-749F-630A-76CEE4E64B40}"/>
+              </a:ext>
+            </a:extLst>
+          </p:cNvPr>
+          <p:cNvCxnSpPr>
+            <a:cxnSpLocks/>
+          </p:cNvCxnSpPr>
+          <p:nvPr/>
+        </p:nvCxnSpPr>
+        <p:spPr>
+          <a:xfrm>
+            <a:off x="659754" y="117127"/>
+            <a:ext cx="0" cy="1324326"/>
+          </a:xfrm>
+          <a:prstGeom prst="line">
+            <a:avLst/>
+          </a:prstGeom>
+          <a:ln w="25400">
+            <a:solidFill>
+              <a:schemeClr val="tx1"/>
+            </a:solidFill>
+          </a:ln>
+        </p:spPr>
+        <p:style>
+          <a:lnRef idx="1">
+            <a:schemeClr val="accent1"/>
+          </a:lnRef>
+          <a:fillRef idx="0">
+            <a:schemeClr val="accent1"/>
+          </a:fillRef>
+          <a:effectRef idx="0">
+            <a:schemeClr val="accent1"/>
+          </a:effectRef>
+          <a:fontRef idx="minor">
+            <a:schemeClr val="tx1"/>
+          </a:fontRef>
+        </p:style>
+      </p:cxnSp>
+      <p:cxnSp>
+        <p:nvCxnSpPr>
+          <p:cNvPr id="18" name="Straight Connector 17">
+            <a:extLst>
+              <a:ext uri="{FF2B5EF4-FFF2-40B4-BE49-F238E27FC236}">
+                <a16:creationId xmlns:a16="http://schemas.microsoft.com/office/drawing/2014/main" id="{8DDC5529-C449-2A12-1E59-9109FB4194F7}"/>
+              </a:ext>
+            </a:extLst>
+          </p:cNvPr>
+          <p:cNvCxnSpPr>
+            <a:cxnSpLocks/>
+          </p:cNvCxnSpPr>
+          <p:nvPr/>
+        </p:nvCxnSpPr>
+        <p:spPr>
           <a:xfrm flipH="1" flipV="1">
-            <a:off x="8354419" y="312612"/>
+            <a:off x="9414485" y="521344"/>
             <a:ext cx="646593" cy="1"/>
           </a:xfrm>
           <a:prstGeom prst="line">
@@ -8036,29 +8782,28 @@
           </a:fontRef>
         </p:style>
       </p:cxnSp>
-      <p:sp>
-        <p:nvSpPr>
-          <p:cNvPr id="32" name="Rectangle 31">
-            <a:extLst>
-              <a:ext uri="{FF2B5EF4-FFF2-40B4-BE49-F238E27FC236}">
-                <a16:creationId xmlns:a16="http://schemas.microsoft.com/office/drawing/2014/main" id="{2886F777-DF05-BE71-1732-20C13F4572BF}"/>
-              </a:ext>
-            </a:extLst>
-          </p:cNvPr>
-          <p:cNvSpPr/>
-          <p:nvPr/>
-        </p:nvSpPr>
-        <p:spPr>
-          <a:xfrm>
-            <a:off x="7562851" y="3887120"/>
-            <a:ext cx="2158628" cy="344880"/>
-          </a:xfrm>
-          <a:prstGeom prst="rect">
-            <a:avLst/>
-          </a:prstGeom>
-          <a:solidFill>
-            <a:schemeClr val="bg1"/>
-          </a:solidFill>
+      <p:cxnSp>
+        <p:nvCxnSpPr>
+          <p:cNvPr id="19" name="Straight Connector 18">
+            <a:extLst>
+              <a:ext uri="{FF2B5EF4-FFF2-40B4-BE49-F238E27FC236}">
+                <a16:creationId xmlns:a16="http://schemas.microsoft.com/office/drawing/2014/main" id="{1ABF20FA-3B35-CE63-D9DB-9E97C2516BD9}"/>
+              </a:ext>
+            </a:extLst>
+          </p:cNvPr>
+          <p:cNvCxnSpPr>
+            <a:cxnSpLocks/>
+          </p:cNvCxnSpPr>
+          <p:nvPr/>
+        </p:nvCxnSpPr>
+        <p:spPr>
+          <a:xfrm flipH="1" flipV="1">
+            <a:off x="10351948" y="569633"/>
+            <a:ext cx="646593" cy="1"/>
+          </a:xfrm>
+          <a:prstGeom prst="line">
+            <a:avLst/>
+          </a:prstGeom>
           <a:ln w="25400">
             <a:solidFill>
               <a:schemeClr val="tx1">
@@ -8069,41 +8814,26 @@
           </a:ln>
         </p:spPr>
         <p:style>
-          <a:lnRef idx="2">
-            <a:schemeClr val="accent6"/>
-          </a:lnRef>
-          <a:fillRef idx="1">
-            <a:schemeClr val="lt1"/>
-          </a:fillRef>
-          <a:effectRef idx="0">
-            <a:schemeClr val="accent6"/>
-          </a:effectRef>
-          <a:fontRef idx="minor">
-            <a:schemeClr val="dk1"/>
-          </a:fontRef>
-        </p:style>
-        <p:txBody>
-          <a:bodyPr rtlCol="0" anchor="ctr"/>
-          <a:lstStyle/>
-          <a:p>
-            <a:pPr algn="ctr"/>
-            <a:r>
-              <a:rPr lang="en-US" b="1" dirty="0" err="1"/>
-              <a:t>slo</a:t>
-            </a:r>
-            <a:r>
-              <a:rPr lang="en-US" b="1" dirty="0"/>
-              <a:t>-exchange</a:t>
-            </a:r>
-          </a:p>
-        </p:txBody>
-      </p:sp>
-      <p:sp>
-        <p:nvSpPr>
-          <p:cNvPr id="33" name="Rectangle 32">
-            <a:extLst>
-              <a:ext uri="{FF2B5EF4-FFF2-40B4-BE49-F238E27FC236}">
-                <a16:creationId xmlns:a16="http://schemas.microsoft.com/office/drawing/2014/main" id="{6220BF0B-BD06-6DF9-02B0-8E6749A2EDC7}"/>
+          <a:lnRef idx="1">
+            <a:schemeClr val="accent1"/>
+          </a:lnRef>
+          <a:fillRef idx="0">
+            <a:schemeClr val="accent1"/>
+          </a:fillRef>
+          <a:effectRef idx="0">
+            <a:schemeClr val="accent1"/>
+          </a:effectRef>
+          <a:fontRef idx="minor">
+            <a:schemeClr val="tx1"/>
+          </a:fontRef>
+        </p:style>
+      </p:cxnSp>
+      <p:sp>
+        <p:nvSpPr>
+          <p:cNvPr id="29" name="Rectangle 28">
+            <a:extLst>
+              <a:ext uri="{FF2B5EF4-FFF2-40B4-BE49-F238E27FC236}">
+                <a16:creationId xmlns:a16="http://schemas.microsoft.com/office/drawing/2014/main" id="{99391E7D-8EC4-47F8-C7AC-BF566354D267}"/>
               </a:ext>
             </a:extLst>
           </p:cNvPr>
@@ -8112,486 +8842,7 @@
         </p:nvSpPr>
         <p:spPr>
           <a:xfrm>
-            <a:off x="5106632" y="3818152"/>
-            <a:ext cx="2184354" cy="344880"/>
-          </a:xfrm>
-          <a:prstGeom prst="rect">
-            <a:avLst/>
-          </a:prstGeom>
-          <a:solidFill>
-            <a:schemeClr val="bg1"/>
-          </a:solidFill>
-          <a:ln w="25400">
-            <a:solidFill>
-              <a:schemeClr val="tx1">
-                <a:lumMod val="50000"/>
-                <a:lumOff val="50000"/>
-              </a:schemeClr>
-            </a:solidFill>
-          </a:ln>
-        </p:spPr>
-        <p:style>
-          <a:lnRef idx="2">
-            <a:schemeClr val="accent6"/>
-          </a:lnRef>
-          <a:fillRef idx="1">
-            <a:schemeClr val="lt1"/>
-          </a:fillRef>
-          <a:effectRef idx="0">
-            <a:schemeClr val="accent6"/>
-          </a:effectRef>
-          <a:fontRef idx="minor">
-            <a:schemeClr val="dk1"/>
-          </a:fontRef>
-        </p:style>
-        <p:txBody>
-          <a:bodyPr rtlCol="0" anchor="ctr"/>
-          <a:lstStyle/>
-          <a:p>
-            <a:pPr algn="ctr"/>
-            <a:r>
-              <a:rPr lang="en-US" b="1" dirty="0"/>
-              <a:t>timeseries-exchange</a:t>
-            </a:r>
-          </a:p>
-        </p:txBody>
-      </p:sp>
-      <p:sp>
-        <p:nvSpPr>
-          <p:cNvPr id="34" name="Rectangle 33">
-            <a:extLst>
-              <a:ext uri="{FF2B5EF4-FFF2-40B4-BE49-F238E27FC236}">
-                <a16:creationId xmlns:a16="http://schemas.microsoft.com/office/drawing/2014/main" id="{24FF6FA8-F549-7342-38DC-36B9AE6830F7}"/>
-              </a:ext>
-            </a:extLst>
-          </p:cNvPr>
-          <p:cNvSpPr/>
-          <p:nvPr/>
-        </p:nvSpPr>
-        <p:spPr>
-          <a:xfrm>
-            <a:off x="5106632" y="3368869"/>
-            <a:ext cx="2184354" cy="344880"/>
-          </a:xfrm>
-          <a:prstGeom prst="rect">
-            <a:avLst/>
-          </a:prstGeom>
-          <a:solidFill>
-            <a:schemeClr val="bg1"/>
-          </a:solidFill>
-          <a:ln w="25400">
-            <a:solidFill>
-              <a:schemeClr val="tx1">
-                <a:lumMod val="50000"/>
-                <a:lumOff val="50000"/>
-              </a:schemeClr>
-            </a:solidFill>
-          </a:ln>
-        </p:spPr>
-        <p:style>
-          <a:lnRef idx="2">
-            <a:schemeClr val="accent6"/>
-          </a:lnRef>
-          <a:fillRef idx="1">
-            <a:schemeClr val="lt1"/>
-          </a:fillRef>
-          <a:effectRef idx="0">
-            <a:schemeClr val="accent6"/>
-          </a:effectRef>
-          <a:fontRef idx="minor">
-            <a:schemeClr val="dk1"/>
-          </a:fontRef>
-        </p:style>
-        <p:txBody>
-          <a:bodyPr rtlCol="0" anchor="ctr"/>
-          <a:lstStyle/>
-          <a:p>
-            <a:pPr algn="ctr"/>
-            <a:r>
-              <a:rPr lang="en-US" b="1" dirty="0"/>
-              <a:t>timeseries-data</a:t>
-            </a:r>
-          </a:p>
-        </p:txBody>
-      </p:sp>
-      <p:sp>
-        <p:nvSpPr>
-          <p:cNvPr id="35" name="Rectangle 34">
-            <a:extLst>
-              <a:ext uri="{FF2B5EF4-FFF2-40B4-BE49-F238E27FC236}">
-                <a16:creationId xmlns:a16="http://schemas.microsoft.com/office/drawing/2014/main" id="{E03BEE1A-F21C-E8CF-69AC-041F8705640D}"/>
-              </a:ext>
-            </a:extLst>
-          </p:cNvPr>
-          <p:cNvSpPr/>
-          <p:nvPr/>
-        </p:nvSpPr>
-        <p:spPr>
-          <a:xfrm>
-            <a:off x="7562851" y="3368856"/>
-            <a:ext cx="1886101" cy="344880"/>
-          </a:xfrm>
-          <a:prstGeom prst="rect">
-            <a:avLst/>
-          </a:prstGeom>
-          <a:solidFill>
-            <a:schemeClr val="bg1"/>
-          </a:solidFill>
-          <a:ln w="25400">
-            <a:solidFill>
-              <a:schemeClr val="tx1">
-                <a:lumMod val="50000"/>
-                <a:lumOff val="50000"/>
-              </a:schemeClr>
-            </a:solidFill>
-          </a:ln>
-        </p:spPr>
-        <p:style>
-          <a:lnRef idx="2">
-            <a:schemeClr val="accent6"/>
-          </a:lnRef>
-          <a:fillRef idx="1">
-            <a:schemeClr val="lt1"/>
-          </a:fillRef>
-          <a:effectRef idx="0">
-            <a:schemeClr val="accent6"/>
-          </a:effectRef>
-          <a:fontRef idx="minor">
-            <a:schemeClr val="dk1"/>
-          </a:fontRef>
-        </p:style>
-        <p:txBody>
-          <a:bodyPr rtlCol="0" anchor="ctr"/>
-          <a:lstStyle/>
-          <a:p>
-            <a:pPr algn="ctr"/>
-            <a:r>
-              <a:rPr lang="en-US" b="1" dirty="0" err="1"/>
-              <a:t>slo</a:t>
-            </a:r>
-            <a:r>
-              <a:rPr lang="en-US" b="1" dirty="0"/>
-              <a:t>-data</a:t>
-            </a:r>
-          </a:p>
-        </p:txBody>
-      </p:sp>
-      <p:sp>
-        <p:nvSpPr>
-          <p:cNvPr id="39" name="Rectangle 38">
-            <a:extLst>
-              <a:ext uri="{FF2B5EF4-FFF2-40B4-BE49-F238E27FC236}">
-                <a16:creationId xmlns:a16="http://schemas.microsoft.com/office/drawing/2014/main" id="{C6241EB3-BB1F-EE3E-3159-85AC98A929FD}"/>
-              </a:ext>
-            </a:extLst>
-          </p:cNvPr>
-          <p:cNvSpPr/>
-          <p:nvPr/>
-        </p:nvSpPr>
-        <p:spPr>
-          <a:xfrm>
-            <a:off x="9949334" y="4311436"/>
-            <a:ext cx="2158629" cy="344880"/>
-          </a:xfrm>
-          <a:prstGeom prst="rect">
-            <a:avLst/>
-          </a:prstGeom>
-          <a:solidFill>
-            <a:schemeClr val="bg1"/>
-          </a:solidFill>
-          <a:ln w="25400">
-            <a:solidFill>
-              <a:schemeClr val="tx1">
-                <a:lumMod val="50000"/>
-                <a:lumOff val="50000"/>
-              </a:schemeClr>
-            </a:solidFill>
-          </a:ln>
-        </p:spPr>
-        <p:style>
-          <a:lnRef idx="2">
-            <a:schemeClr val="accent6"/>
-          </a:lnRef>
-          <a:fillRef idx="1">
-            <a:schemeClr val="lt1"/>
-          </a:fillRef>
-          <a:effectRef idx="0">
-            <a:schemeClr val="accent6"/>
-          </a:effectRef>
-          <a:fontRef idx="minor">
-            <a:schemeClr val="dk1"/>
-          </a:fontRef>
-        </p:style>
-        <p:txBody>
-          <a:bodyPr rtlCol="0" anchor="ctr"/>
-          <a:lstStyle/>
-          <a:p>
-            <a:pPr algn="ctr"/>
-            <a:r>
-              <a:rPr lang="en-US" b="1" dirty="0"/>
-              <a:t>customer-</a:t>
-            </a:r>
-            <a:r>
-              <a:rPr lang="en-US" b="1" dirty="0" err="1"/>
-              <a:t>cdc</a:t>
-            </a:r>
-            <a:endParaRPr lang="en-US" b="1" dirty="0"/>
-          </a:p>
-        </p:txBody>
-      </p:sp>
-      <p:sp>
-        <p:nvSpPr>
-          <p:cNvPr id="40" name="Rectangle 39">
-            <a:extLst>
-              <a:ext uri="{FF2B5EF4-FFF2-40B4-BE49-F238E27FC236}">
-                <a16:creationId xmlns:a16="http://schemas.microsoft.com/office/drawing/2014/main" id="{E2BD4303-92C3-BF26-2024-18A673F3C568}"/>
-              </a:ext>
-            </a:extLst>
-          </p:cNvPr>
-          <p:cNvSpPr/>
-          <p:nvPr/>
-        </p:nvSpPr>
-        <p:spPr>
-          <a:xfrm>
-            <a:off x="9949334" y="3314255"/>
-            <a:ext cx="2158629" cy="410453"/>
-          </a:xfrm>
-          <a:prstGeom prst="rect">
-            <a:avLst/>
-          </a:prstGeom>
-          <a:solidFill>
-            <a:schemeClr val="bg1"/>
-          </a:solidFill>
-          <a:ln w="25400">
-            <a:solidFill>
-              <a:schemeClr val="tx1">
-                <a:lumMod val="50000"/>
-                <a:lumOff val="50000"/>
-              </a:schemeClr>
-            </a:solidFill>
-          </a:ln>
-        </p:spPr>
-        <p:style>
-          <a:lnRef idx="2">
-            <a:schemeClr val="accent6"/>
-          </a:lnRef>
-          <a:fillRef idx="1">
-            <a:schemeClr val="lt1"/>
-          </a:fillRef>
-          <a:effectRef idx="0">
-            <a:schemeClr val="accent6"/>
-          </a:effectRef>
-          <a:fontRef idx="minor">
-            <a:schemeClr val="dk1"/>
-          </a:fontRef>
-        </p:style>
-        <p:txBody>
-          <a:bodyPr rtlCol="0" anchor="ctr"/>
-          <a:lstStyle/>
-          <a:p>
-            <a:pPr algn="ctr"/>
-            <a:r>
-              <a:rPr lang="en-US" b="1" dirty="0"/>
-              <a:t>customer-data</a:t>
-            </a:r>
-          </a:p>
-        </p:txBody>
-      </p:sp>
-      <p:sp>
-        <p:nvSpPr>
-          <p:cNvPr id="44" name="Rectangle 43">
-            <a:extLst>
-              <a:ext uri="{FF2B5EF4-FFF2-40B4-BE49-F238E27FC236}">
-                <a16:creationId xmlns:a16="http://schemas.microsoft.com/office/drawing/2014/main" id="{334E8541-C10F-89FA-96FA-614BB2879E1F}"/>
-              </a:ext>
-            </a:extLst>
-          </p:cNvPr>
-          <p:cNvSpPr/>
-          <p:nvPr/>
-        </p:nvSpPr>
-        <p:spPr>
-          <a:xfrm>
-            <a:off x="5150642" y="4325503"/>
-            <a:ext cx="2184354" cy="344880"/>
-          </a:xfrm>
-          <a:prstGeom prst="rect">
-            <a:avLst/>
-          </a:prstGeom>
-          <a:solidFill>
-            <a:schemeClr val="bg1"/>
-          </a:solidFill>
-          <a:ln w="25400">
-            <a:solidFill>
-              <a:schemeClr val="tx1">
-                <a:lumMod val="50000"/>
-                <a:lumOff val="50000"/>
-              </a:schemeClr>
-            </a:solidFill>
-          </a:ln>
-        </p:spPr>
-        <p:style>
-          <a:lnRef idx="2">
-            <a:schemeClr val="accent6"/>
-          </a:lnRef>
-          <a:fillRef idx="1">
-            <a:schemeClr val="lt1"/>
-          </a:fillRef>
-          <a:effectRef idx="0">
-            <a:schemeClr val="accent6"/>
-          </a:effectRef>
-          <a:fontRef idx="minor">
-            <a:schemeClr val="dk1"/>
-          </a:fontRef>
-        </p:style>
-        <p:txBody>
-          <a:bodyPr rtlCol="0" anchor="ctr"/>
-          <a:lstStyle/>
-          <a:p>
-            <a:pPr algn="ctr"/>
-            <a:r>
-              <a:rPr lang="en-US" b="1" dirty="0"/>
-              <a:t>timeseries-</a:t>
-            </a:r>
-            <a:r>
-              <a:rPr lang="en-US" b="1" dirty="0" err="1"/>
-              <a:t>cdc</a:t>
-            </a:r>
-            <a:endParaRPr lang="en-US" b="1" dirty="0"/>
-          </a:p>
-        </p:txBody>
-      </p:sp>
-      <p:sp>
-        <p:nvSpPr>
-          <p:cNvPr id="45" name="Rectangle 44">
-            <a:extLst>
-              <a:ext uri="{FF2B5EF4-FFF2-40B4-BE49-F238E27FC236}">
-                <a16:creationId xmlns:a16="http://schemas.microsoft.com/office/drawing/2014/main" id="{C245E4A0-B3AF-56E8-FDDF-1E81D4D1353B}"/>
-              </a:ext>
-            </a:extLst>
-          </p:cNvPr>
-          <p:cNvSpPr/>
-          <p:nvPr/>
-        </p:nvSpPr>
-        <p:spPr>
-          <a:xfrm>
-            <a:off x="7562851" y="4325503"/>
-            <a:ext cx="2158628" cy="344880"/>
-          </a:xfrm>
-          <a:prstGeom prst="rect">
-            <a:avLst/>
-          </a:prstGeom>
-          <a:solidFill>
-            <a:schemeClr val="bg1"/>
-          </a:solidFill>
-          <a:ln w="25400">
-            <a:solidFill>
-              <a:schemeClr val="tx1">
-                <a:lumMod val="50000"/>
-                <a:lumOff val="50000"/>
-              </a:schemeClr>
-            </a:solidFill>
-          </a:ln>
-        </p:spPr>
-        <p:style>
-          <a:lnRef idx="2">
-            <a:schemeClr val="accent6"/>
-          </a:lnRef>
-          <a:fillRef idx="1">
-            <a:schemeClr val="lt1"/>
-          </a:fillRef>
-          <a:effectRef idx="0">
-            <a:schemeClr val="accent6"/>
-          </a:effectRef>
-          <a:fontRef idx="minor">
-            <a:schemeClr val="dk1"/>
-          </a:fontRef>
-        </p:style>
-        <p:txBody>
-          <a:bodyPr rtlCol="0" anchor="ctr"/>
-          <a:lstStyle/>
-          <a:p>
-            <a:pPr algn="ctr"/>
-            <a:r>
-              <a:rPr lang="en-US" b="1" dirty="0" err="1"/>
-              <a:t>slo-cdc</a:t>
-            </a:r>
-            <a:endParaRPr lang="en-US" b="1" dirty="0"/>
-          </a:p>
-        </p:txBody>
-      </p:sp>
-      <p:sp>
-        <p:nvSpPr>
-          <p:cNvPr id="46" name="Rectangle 45">
-            <a:extLst>
-              <a:ext uri="{FF2B5EF4-FFF2-40B4-BE49-F238E27FC236}">
-                <a16:creationId xmlns:a16="http://schemas.microsoft.com/office/drawing/2014/main" id="{B5356A2D-0496-B2C5-B161-E11A80D9E4CD}"/>
-              </a:ext>
-            </a:extLst>
-          </p:cNvPr>
-          <p:cNvSpPr/>
-          <p:nvPr/>
-        </p:nvSpPr>
-        <p:spPr>
-          <a:xfrm>
-            <a:off x="9949333" y="3802886"/>
-            <a:ext cx="2158629" cy="410453"/>
-          </a:xfrm>
-          <a:prstGeom prst="rect">
-            <a:avLst/>
-          </a:prstGeom>
-          <a:solidFill>
-            <a:schemeClr val="bg1"/>
-          </a:solidFill>
-          <a:ln w="25400">
-            <a:solidFill>
-              <a:schemeClr val="tx1">
-                <a:lumMod val="50000"/>
-                <a:lumOff val="50000"/>
-              </a:schemeClr>
-            </a:solidFill>
-          </a:ln>
-        </p:spPr>
-        <p:style>
-          <a:lnRef idx="2">
-            <a:schemeClr val="accent6"/>
-          </a:lnRef>
-          <a:fillRef idx="1">
-            <a:schemeClr val="lt1"/>
-          </a:fillRef>
-          <a:effectRef idx="0">
-            <a:schemeClr val="accent6"/>
-          </a:effectRef>
-          <a:fontRef idx="minor">
-            <a:schemeClr val="dk1"/>
-          </a:fontRef>
-        </p:style>
-        <p:txBody>
-          <a:bodyPr rtlCol="0" anchor="ctr"/>
-          <a:lstStyle/>
-          <a:p>
-            <a:pPr algn="ctr"/>
-            <a:r>
-              <a:rPr lang="en-US" b="1" dirty="0"/>
-              <a:t>customer-exchange</a:t>
-            </a:r>
-          </a:p>
-        </p:txBody>
-      </p:sp>
-      <p:sp>
-        <p:nvSpPr>
-          <p:cNvPr id="3" name="Rectangle 2">
-            <a:extLst>
-              <a:ext uri="{FF2B5EF4-FFF2-40B4-BE49-F238E27FC236}">
-                <a16:creationId xmlns:a16="http://schemas.microsoft.com/office/drawing/2014/main" id="{CD4D9C27-7C83-FBCD-D988-B41F11D04499}"/>
-              </a:ext>
-            </a:extLst>
-          </p:cNvPr>
-          <p:cNvSpPr/>
-          <p:nvPr/>
-        </p:nvSpPr>
-        <p:spPr>
-          <a:xfrm>
-            <a:off x="4461202" y="1997428"/>
+            <a:off x="790032" y="1121626"/>
             <a:ext cx="2238957" cy="355876"/>
           </a:xfrm>
           <a:prstGeom prst="rect">
@@ -8654,10 +8905,1865 @@
           </a:p>
         </p:txBody>
       </p:sp>
+      <p:sp>
+        <p:nvSpPr>
+          <p:cNvPr id="37" name="Rectangle 36">
+            <a:extLst>
+              <a:ext uri="{FF2B5EF4-FFF2-40B4-BE49-F238E27FC236}">
+                <a16:creationId xmlns:a16="http://schemas.microsoft.com/office/drawing/2014/main" id="{D0AE39C3-2DFF-131C-279E-B7BBF241264E}"/>
+              </a:ext>
+            </a:extLst>
+          </p:cNvPr>
+          <p:cNvSpPr/>
+          <p:nvPr/>
+        </p:nvSpPr>
+        <p:spPr>
+          <a:xfrm>
+            <a:off x="4255169" y="3073124"/>
+            <a:ext cx="2238957" cy="355876"/>
+          </a:xfrm>
+          <a:prstGeom prst="rect">
+            <a:avLst/>
+          </a:prstGeom>
+          <a:solidFill>
+            <a:schemeClr val="bg1"/>
+          </a:solidFill>
+          <a:ln w="25400">
+            <a:gradFill flip="none" rotWithShape="1">
+              <a:gsLst>
+                <a:gs pos="0">
+                  <a:schemeClr val="accent5">
+                    <a:lumMod val="40000"/>
+                    <a:lumOff val="60000"/>
+                  </a:schemeClr>
+                </a:gs>
+                <a:gs pos="46000">
+                  <a:schemeClr val="accent5">
+                    <a:lumMod val="95000"/>
+                    <a:lumOff val="5000"/>
+                  </a:schemeClr>
+                </a:gs>
+                <a:gs pos="100000">
+                  <a:schemeClr val="accent5">
+                    <a:lumMod val="60000"/>
+                  </a:schemeClr>
+                </a:gs>
+              </a:gsLst>
+              <a:path path="circle">
+                <a:fillToRect l="50000" t="130000" r="50000" b="-30000"/>
+              </a:path>
+              <a:tileRect/>
+            </a:gradFill>
+          </a:ln>
+        </p:spPr>
+        <p:style>
+          <a:lnRef idx="2">
+            <a:schemeClr val="accent6"/>
+          </a:lnRef>
+          <a:fillRef idx="1">
+            <a:schemeClr val="lt1"/>
+          </a:fillRef>
+          <a:effectRef idx="0">
+            <a:schemeClr val="accent6"/>
+          </a:effectRef>
+          <a:fontRef idx="minor">
+            <a:schemeClr val="dk1"/>
+          </a:fontRef>
+        </p:style>
+        <p:txBody>
+          <a:bodyPr rtlCol="0" anchor="ctr"/>
+          <a:lstStyle/>
+          <a:p>
+            <a:pPr algn="ctr"/>
+            <a:r>
+              <a:rPr lang="en-US" b="1" dirty="0"/>
+              <a:t>metric-types</a:t>
+            </a:r>
+          </a:p>
+        </p:txBody>
+      </p:sp>
+      <p:sp>
+        <p:nvSpPr>
+          <p:cNvPr id="38" name="Rectangle 37">
+            <a:extLst>
+              <a:ext uri="{FF2B5EF4-FFF2-40B4-BE49-F238E27FC236}">
+                <a16:creationId xmlns:a16="http://schemas.microsoft.com/office/drawing/2014/main" id="{C672EB50-3AEB-764B-289F-790F84F7862E}"/>
+              </a:ext>
+            </a:extLst>
+          </p:cNvPr>
+          <p:cNvSpPr/>
+          <p:nvPr/>
+        </p:nvSpPr>
+        <p:spPr>
+          <a:xfrm>
+            <a:off x="4545023" y="700566"/>
+            <a:ext cx="2238957" cy="355876"/>
+          </a:xfrm>
+          <a:prstGeom prst="rect">
+            <a:avLst/>
+          </a:prstGeom>
+          <a:solidFill>
+            <a:schemeClr val="bg1"/>
+          </a:solidFill>
+          <a:ln w="25400">
+            <a:gradFill flip="none" rotWithShape="1">
+              <a:gsLst>
+                <a:gs pos="0">
+                  <a:schemeClr val="accent5">
+                    <a:lumMod val="40000"/>
+                    <a:lumOff val="60000"/>
+                  </a:schemeClr>
+                </a:gs>
+                <a:gs pos="46000">
+                  <a:schemeClr val="accent5">
+                    <a:lumMod val="95000"/>
+                    <a:lumOff val="5000"/>
+                  </a:schemeClr>
+                </a:gs>
+                <a:gs pos="100000">
+                  <a:schemeClr val="accent5">
+                    <a:lumMod val="60000"/>
+                  </a:schemeClr>
+                </a:gs>
+              </a:gsLst>
+              <a:path path="circle">
+                <a:fillToRect l="50000" t="130000" r="50000" b="-30000"/>
+              </a:path>
+              <a:tileRect/>
+            </a:gradFill>
+          </a:ln>
+        </p:spPr>
+        <p:style>
+          <a:lnRef idx="2">
+            <a:schemeClr val="accent6"/>
+          </a:lnRef>
+          <a:fillRef idx="1">
+            <a:schemeClr val="lt1"/>
+          </a:fillRef>
+          <a:effectRef idx="0">
+            <a:schemeClr val="accent6"/>
+          </a:effectRef>
+          <a:fontRef idx="minor">
+            <a:schemeClr val="dk1"/>
+          </a:fontRef>
+        </p:style>
+        <p:txBody>
+          <a:bodyPr rtlCol="0" anchor="ctr"/>
+          <a:lstStyle/>
+          <a:p>
+            <a:pPr algn="ctr"/>
+            <a:r>
+              <a:rPr lang="en-US" b="1" dirty="0"/>
+              <a:t>entity-types</a:t>
+            </a:r>
+          </a:p>
+        </p:txBody>
+      </p:sp>
+      <p:sp>
+        <p:nvSpPr>
+          <p:cNvPr id="41" name="Rectangle 40">
+            <a:extLst>
+              <a:ext uri="{FF2B5EF4-FFF2-40B4-BE49-F238E27FC236}">
+                <a16:creationId xmlns:a16="http://schemas.microsoft.com/office/drawing/2014/main" id="{0CA1EFD5-6457-4751-8D73-23F3CAB46AB4}"/>
+              </a:ext>
+            </a:extLst>
+          </p:cNvPr>
+          <p:cNvSpPr/>
+          <p:nvPr/>
+        </p:nvSpPr>
+        <p:spPr>
+          <a:xfrm>
+            <a:off x="7234940" y="1185434"/>
+            <a:ext cx="2238957" cy="355876"/>
+          </a:xfrm>
+          <a:prstGeom prst="rect">
+            <a:avLst/>
+          </a:prstGeom>
+          <a:solidFill>
+            <a:schemeClr val="bg1"/>
+          </a:solidFill>
+          <a:ln w="25400">
+            <a:gradFill flip="none" rotWithShape="1">
+              <a:gsLst>
+                <a:gs pos="0">
+                  <a:schemeClr val="accent5">
+                    <a:lumMod val="40000"/>
+                    <a:lumOff val="60000"/>
+                  </a:schemeClr>
+                </a:gs>
+                <a:gs pos="46000">
+                  <a:schemeClr val="accent5">
+                    <a:lumMod val="95000"/>
+                    <a:lumOff val="5000"/>
+                  </a:schemeClr>
+                </a:gs>
+                <a:gs pos="100000">
+                  <a:schemeClr val="accent5">
+                    <a:lumMod val="60000"/>
+                  </a:schemeClr>
+                </a:gs>
+              </a:gsLst>
+              <a:path path="circle">
+                <a:fillToRect l="50000" t="130000" r="50000" b="-30000"/>
+              </a:path>
+              <a:tileRect/>
+            </a:gradFill>
+          </a:ln>
+        </p:spPr>
+        <p:style>
+          <a:lnRef idx="2">
+            <a:schemeClr val="accent6"/>
+          </a:lnRef>
+          <a:fillRef idx="1">
+            <a:schemeClr val="lt1"/>
+          </a:fillRef>
+          <a:effectRef idx="0">
+            <a:schemeClr val="accent6"/>
+          </a:effectRef>
+          <a:fontRef idx="minor">
+            <a:schemeClr val="dk1"/>
+          </a:fontRef>
+        </p:style>
+        <p:txBody>
+          <a:bodyPr rtlCol="0" anchor="ctr"/>
+          <a:lstStyle/>
+          <a:p>
+            <a:pPr algn="ctr"/>
+            <a:r>
+              <a:rPr lang="en-US" b="1" dirty="0"/>
+              <a:t>entity-host</a:t>
+            </a:r>
+          </a:p>
+        </p:txBody>
+      </p:sp>
+      <p:sp>
+        <p:nvSpPr>
+          <p:cNvPr id="43" name="Rectangle 42">
+            <a:extLst>
+              <a:ext uri="{FF2B5EF4-FFF2-40B4-BE49-F238E27FC236}">
+                <a16:creationId xmlns:a16="http://schemas.microsoft.com/office/drawing/2014/main" id="{00674333-3F65-D706-DBE9-F837F5EDFA49}"/>
+              </a:ext>
+            </a:extLst>
+          </p:cNvPr>
+          <p:cNvSpPr/>
+          <p:nvPr/>
+        </p:nvSpPr>
+        <p:spPr>
+          <a:xfrm>
+            <a:off x="695323" y="3449960"/>
+            <a:ext cx="2238957" cy="355876"/>
+          </a:xfrm>
+          <a:prstGeom prst="rect">
+            <a:avLst/>
+          </a:prstGeom>
+          <a:solidFill>
+            <a:schemeClr val="bg1"/>
+          </a:solidFill>
+          <a:ln w="25400">
+            <a:gradFill flip="none" rotWithShape="1">
+              <a:gsLst>
+                <a:gs pos="0">
+                  <a:schemeClr val="accent5">
+                    <a:lumMod val="40000"/>
+                    <a:lumOff val="60000"/>
+                  </a:schemeClr>
+                </a:gs>
+                <a:gs pos="46000">
+                  <a:schemeClr val="accent5">
+                    <a:lumMod val="95000"/>
+                    <a:lumOff val="5000"/>
+                  </a:schemeClr>
+                </a:gs>
+                <a:gs pos="100000">
+                  <a:schemeClr val="accent5">
+                    <a:lumMod val="60000"/>
+                  </a:schemeClr>
+                </a:gs>
+              </a:gsLst>
+              <a:path path="circle">
+                <a:fillToRect l="50000" t="130000" r="50000" b="-30000"/>
+              </a:path>
+              <a:tileRect/>
+            </a:gradFill>
+          </a:ln>
+        </p:spPr>
+        <p:style>
+          <a:lnRef idx="2">
+            <a:schemeClr val="accent6"/>
+          </a:lnRef>
+          <a:fillRef idx="1">
+            <a:schemeClr val="lt1"/>
+          </a:fillRef>
+          <a:effectRef idx="0">
+            <a:schemeClr val="accent6"/>
+          </a:effectRef>
+          <a:fontRef idx="minor">
+            <a:schemeClr val="dk1"/>
+          </a:fontRef>
+        </p:style>
+        <p:txBody>
+          <a:bodyPr rtlCol="0" anchor="ctr"/>
+          <a:lstStyle/>
+          <a:p>
+            <a:pPr algn="ctr"/>
+            <a:r>
+              <a:rPr lang="en-US" b="1" dirty="0"/>
+              <a:t>metric-resources</a:t>
+            </a:r>
+          </a:p>
+        </p:txBody>
+      </p:sp>
+      <p:sp>
+        <p:nvSpPr>
+          <p:cNvPr id="47" name="Rectangle 46">
+            <a:extLst>
+              <a:ext uri="{FF2B5EF4-FFF2-40B4-BE49-F238E27FC236}">
+                <a16:creationId xmlns:a16="http://schemas.microsoft.com/office/drawing/2014/main" id="{C2F3F599-924A-E437-26FA-A3B05ECAF770}"/>
+              </a:ext>
+            </a:extLst>
+          </p:cNvPr>
+          <p:cNvSpPr/>
+          <p:nvPr/>
+        </p:nvSpPr>
+        <p:spPr>
+          <a:xfrm>
+            <a:off x="7302858" y="3933207"/>
+            <a:ext cx="2238957" cy="355876"/>
+          </a:xfrm>
+          <a:prstGeom prst="rect">
+            <a:avLst/>
+          </a:prstGeom>
+          <a:solidFill>
+            <a:schemeClr val="bg1"/>
+          </a:solidFill>
+          <a:ln w="25400">
+            <a:gradFill flip="none" rotWithShape="1">
+              <a:gsLst>
+                <a:gs pos="0">
+                  <a:schemeClr val="accent5">
+                    <a:lumMod val="40000"/>
+                    <a:lumOff val="60000"/>
+                  </a:schemeClr>
+                </a:gs>
+                <a:gs pos="46000">
+                  <a:schemeClr val="accent5">
+                    <a:lumMod val="95000"/>
+                    <a:lumOff val="5000"/>
+                  </a:schemeClr>
+                </a:gs>
+                <a:gs pos="100000">
+                  <a:schemeClr val="accent5">
+                    <a:lumMod val="60000"/>
+                  </a:schemeClr>
+                </a:gs>
+              </a:gsLst>
+              <a:path path="circle">
+                <a:fillToRect l="50000" t="130000" r="50000" b="-30000"/>
+              </a:path>
+              <a:tileRect/>
+            </a:gradFill>
+          </a:ln>
+        </p:spPr>
+        <p:style>
+          <a:lnRef idx="2">
+            <a:schemeClr val="accent6"/>
+          </a:lnRef>
+          <a:fillRef idx="1">
+            <a:schemeClr val="lt1"/>
+          </a:fillRef>
+          <a:effectRef idx="0">
+            <a:schemeClr val="accent6"/>
+          </a:effectRef>
+          <a:fontRef idx="minor">
+            <a:schemeClr val="dk1"/>
+          </a:fontRef>
+        </p:style>
+        <p:txBody>
+          <a:bodyPr rtlCol="0" anchor="ctr"/>
+          <a:lstStyle/>
+          <a:p>
+            <a:pPr algn="ctr"/>
+            <a:r>
+              <a:rPr lang="en-US" b="1" dirty="0"/>
+              <a:t>metric-host</a:t>
+            </a:r>
+          </a:p>
+        </p:txBody>
+      </p:sp>
+      <p:cxnSp>
+        <p:nvCxnSpPr>
+          <p:cNvPr id="49" name="Straight Arrow Connector 48">
+            <a:extLst>
+              <a:ext uri="{FF2B5EF4-FFF2-40B4-BE49-F238E27FC236}">
+                <a16:creationId xmlns:a16="http://schemas.microsoft.com/office/drawing/2014/main" id="{548509D2-B33C-C516-D175-1E88D08442F8}"/>
+              </a:ext>
+            </a:extLst>
+          </p:cNvPr>
+          <p:cNvCxnSpPr>
+            <a:stCxn id="41" idx="1"/>
+            <a:endCxn id="38" idx="3"/>
+          </p:cNvCxnSpPr>
+          <p:nvPr/>
+        </p:nvCxnSpPr>
+        <p:spPr>
+          <a:xfrm flipH="1" flipV="1">
+            <a:off x="6783980" y="878504"/>
+            <a:ext cx="450960" cy="484868"/>
+          </a:xfrm>
+          <a:prstGeom prst="straightConnector1">
+            <a:avLst/>
+          </a:prstGeom>
+          <a:ln w="25400">
+            <a:tailEnd type="triangle" w="lg" len="med"/>
+          </a:ln>
+        </p:spPr>
+        <p:style>
+          <a:lnRef idx="1">
+            <a:schemeClr val="accent1"/>
+          </a:lnRef>
+          <a:fillRef idx="0">
+            <a:schemeClr val="accent1"/>
+          </a:fillRef>
+          <a:effectRef idx="0">
+            <a:schemeClr val="accent1"/>
+          </a:effectRef>
+          <a:fontRef idx="minor">
+            <a:schemeClr val="tx1"/>
+          </a:fontRef>
+        </p:style>
+      </p:cxnSp>
+      <p:cxnSp>
+        <p:nvCxnSpPr>
+          <p:cNvPr id="51" name="Straight Arrow Connector 50">
+            <a:extLst>
+              <a:ext uri="{FF2B5EF4-FFF2-40B4-BE49-F238E27FC236}">
+                <a16:creationId xmlns:a16="http://schemas.microsoft.com/office/drawing/2014/main" id="{2F565333-C454-D13F-6A36-E1E0D813AEB6}"/>
+              </a:ext>
+            </a:extLst>
+          </p:cNvPr>
+          <p:cNvCxnSpPr>
+            <a:cxnSpLocks/>
+            <a:stCxn id="41" idx="3"/>
+            <a:endCxn id="52" idx="1"/>
+          </p:cNvCxnSpPr>
+          <p:nvPr/>
+        </p:nvCxnSpPr>
+        <p:spPr>
+          <a:xfrm flipV="1">
+            <a:off x="9473897" y="1351512"/>
+            <a:ext cx="263884" cy="11860"/>
+          </a:xfrm>
+          <a:prstGeom prst="straightConnector1">
+            <a:avLst/>
+          </a:prstGeom>
+          <a:ln w="25400">
+            <a:tailEnd type="triangle" w="lg" len="med"/>
+          </a:ln>
+        </p:spPr>
+        <p:style>
+          <a:lnRef idx="1">
+            <a:schemeClr val="accent1"/>
+          </a:lnRef>
+          <a:fillRef idx="0">
+            <a:schemeClr val="accent1"/>
+          </a:fillRef>
+          <a:effectRef idx="0">
+            <a:schemeClr val="accent1"/>
+          </a:effectRef>
+          <a:fontRef idx="minor">
+            <a:schemeClr val="tx1"/>
+          </a:fontRef>
+        </p:style>
+      </p:cxnSp>
+      <p:sp>
+        <p:nvSpPr>
+          <p:cNvPr id="52" name="Rectangle 51">
+            <a:extLst>
+              <a:ext uri="{FF2B5EF4-FFF2-40B4-BE49-F238E27FC236}">
+                <a16:creationId xmlns:a16="http://schemas.microsoft.com/office/drawing/2014/main" id="{3A5ACD8D-73F4-BAC1-0474-BCB04010C4C0}"/>
+              </a:ext>
+            </a:extLst>
+          </p:cNvPr>
+          <p:cNvSpPr/>
+          <p:nvPr/>
+        </p:nvSpPr>
+        <p:spPr>
+          <a:xfrm>
+            <a:off x="9737781" y="1173574"/>
+            <a:ext cx="2238957" cy="355876"/>
+          </a:xfrm>
+          <a:prstGeom prst="rect">
+            <a:avLst/>
+          </a:prstGeom>
+          <a:solidFill>
+            <a:schemeClr val="bg1"/>
+          </a:solidFill>
+          <a:ln w="25400">
+            <a:gradFill flip="none" rotWithShape="1">
+              <a:gsLst>
+                <a:gs pos="0">
+                  <a:schemeClr val="accent5">
+                    <a:lumMod val="40000"/>
+                    <a:lumOff val="60000"/>
+                  </a:schemeClr>
+                </a:gs>
+                <a:gs pos="46000">
+                  <a:schemeClr val="accent5">
+                    <a:lumMod val="95000"/>
+                    <a:lumOff val="5000"/>
+                  </a:schemeClr>
+                </a:gs>
+                <a:gs pos="100000">
+                  <a:schemeClr val="accent5">
+                    <a:lumMod val="60000"/>
+                  </a:schemeClr>
+                </a:gs>
+              </a:gsLst>
+              <a:path path="circle">
+                <a:fillToRect l="50000" t="130000" r="50000" b="-30000"/>
+              </a:path>
+              <a:tileRect/>
+            </a:gradFill>
+          </a:ln>
+        </p:spPr>
+        <p:style>
+          <a:lnRef idx="2">
+            <a:schemeClr val="accent6"/>
+          </a:lnRef>
+          <a:fillRef idx="1">
+            <a:schemeClr val="lt1"/>
+          </a:fillRef>
+          <a:effectRef idx="0">
+            <a:schemeClr val="accent6"/>
+          </a:effectRef>
+          <a:fontRef idx="minor">
+            <a:schemeClr val="dk1"/>
+          </a:fontRef>
+        </p:style>
+        <p:txBody>
+          <a:bodyPr rtlCol="0" anchor="ctr"/>
+          <a:lstStyle/>
+          <a:p>
+            <a:pPr algn="ctr"/>
+            <a:r>
+              <a:rPr lang="en-US" b="1" dirty="0" err="1"/>
+              <a:t>awsrds</a:t>
+            </a:r>
+            <a:r>
+              <a:rPr lang="en-US" b="1" dirty="0"/>
+              <a:t>-adapter</a:t>
+            </a:r>
+          </a:p>
+        </p:txBody>
+      </p:sp>
+      <p:cxnSp>
+        <p:nvCxnSpPr>
+          <p:cNvPr id="62" name="Straight Arrow Connector 61">
+            <a:extLst>
+              <a:ext uri="{FF2B5EF4-FFF2-40B4-BE49-F238E27FC236}">
+                <a16:creationId xmlns:a16="http://schemas.microsoft.com/office/drawing/2014/main" id="{018F9637-8364-4AE0-60B5-AB08851EC80E}"/>
+              </a:ext>
+            </a:extLst>
+          </p:cNvPr>
+          <p:cNvCxnSpPr>
+            <a:cxnSpLocks/>
+            <a:stCxn id="47" idx="3"/>
+            <a:endCxn id="64" idx="1"/>
+          </p:cNvCxnSpPr>
+          <p:nvPr/>
+        </p:nvCxnSpPr>
+        <p:spPr>
+          <a:xfrm>
+            <a:off x="9541815" y="4111145"/>
+            <a:ext cx="337247" cy="0"/>
+          </a:xfrm>
+          <a:prstGeom prst="straightConnector1">
+            <a:avLst/>
+          </a:prstGeom>
+          <a:ln w="25400">
+            <a:tailEnd type="triangle" w="lg" len="med"/>
+          </a:ln>
+        </p:spPr>
+        <p:style>
+          <a:lnRef idx="1">
+            <a:schemeClr val="accent1"/>
+          </a:lnRef>
+          <a:fillRef idx="0">
+            <a:schemeClr val="accent1"/>
+          </a:fillRef>
+          <a:effectRef idx="0">
+            <a:schemeClr val="accent1"/>
+          </a:effectRef>
+          <a:fontRef idx="minor">
+            <a:schemeClr val="tx1"/>
+          </a:fontRef>
+        </p:style>
+      </p:cxnSp>
+      <p:sp>
+        <p:nvSpPr>
+          <p:cNvPr id="64" name="Rectangle 63">
+            <a:extLst>
+              <a:ext uri="{FF2B5EF4-FFF2-40B4-BE49-F238E27FC236}">
+                <a16:creationId xmlns:a16="http://schemas.microsoft.com/office/drawing/2014/main" id="{D1AF3768-50AF-B96F-10AF-BEA24E78D40D}"/>
+              </a:ext>
+            </a:extLst>
+          </p:cNvPr>
+          <p:cNvSpPr/>
+          <p:nvPr/>
+        </p:nvSpPr>
+        <p:spPr>
+          <a:xfrm>
+            <a:off x="9879062" y="3933207"/>
+            <a:ext cx="2238957" cy="355876"/>
+          </a:xfrm>
+          <a:prstGeom prst="rect">
+            <a:avLst/>
+          </a:prstGeom>
+          <a:solidFill>
+            <a:schemeClr val="bg1"/>
+          </a:solidFill>
+          <a:ln w="25400">
+            <a:gradFill flip="none" rotWithShape="1">
+              <a:gsLst>
+                <a:gs pos="0">
+                  <a:schemeClr val="accent5">
+                    <a:lumMod val="40000"/>
+                    <a:lumOff val="60000"/>
+                  </a:schemeClr>
+                </a:gs>
+                <a:gs pos="46000">
+                  <a:schemeClr val="accent5">
+                    <a:lumMod val="95000"/>
+                    <a:lumOff val="5000"/>
+                  </a:schemeClr>
+                </a:gs>
+                <a:gs pos="100000">
+                  <a:schemeClr val="accent5">
+                    <a:lumMod val="60000"/>
+                  </a:schemeClr>
+                </a:gs>
+              </a:gsLst>
+              <a:path path="circle">
+                <a:fillToRect l="50000" t="130000" r="50000" b="-30000"/>
+              </a:path>
+              <a:tileRect/>
+            </a:gradFill>
+          </a:ln>
+        </p:spPr>
+        <p:style>
+          <a:lnRef idx="2">
+            <a:schemeClr val="accent6"/>
+          </a:lnRef>
+          <a:fillRef idx="1">
+            <a:schemeClr val="lt1"/>
+          </a:fillRef>
+          <a:effectRef idx="0">
+            <a:schemeClr val="accent6"/>
+          </a:effectRef>
+          <a:fontRef idx="minor">
+            <a:schemeClr val="dk1"/>
+          </a:fontRef>
+        </p:style>
+        <p:txBody>
+          <a:bodyPr rtlCol="0" anchor="ctr"/>
+          <a:lstStyle/>
+          <a:p>
+            <a:pPr algn="ctr"/>
+            <a:r>
+              <a:rPr lang="en-US" b="1" dirty="0" err="1"/>
+              <a:t>postgresql</a:t>
+            </a:r>
+            <a:r>
+              <a:rPr lang="en-US" b="1" dirty="0"/>
+              <a:t>-adapter</a:t>
+            </a:r>
+          </a:p>
+        </p:txBody>
+      </p:sp>
+      <p:cxnSp>
+        <p:nvCxnSpPr>
+          <p:cNvPr id="69" name="Straight Arrow Connector 68">
+            <a:extLst>
+              <a:ext uri="{FF2B5EF4-FFF2-40B4-BE49-F238E27FC236}">
+                <a16:creationId xmlns:a16="http://schemas.microsoft.com/office/drawing/2014/main" id="{A9BD8BE8-C299-8F7C-264E-FF89C44E14DA}"/>
+              </a:ext>
+            </a:extLst>
+          </p:cNvPr>
+          <p:cNvCxnSpPr>
+            <a:cxnSpLocks/>
+            <a:stCxn id="47" idx="1"/>
+            <a:endCxn id="37" idx="3"/>
+          </p:cNvCxnSpPr>
+          <p:nvPr/>
+        </p:nvCxnSpPr>
+        <p:spPr>
+          <a:xfrm flipH="1" flipV="1">
+            <a:off x="6494126" y="3251062"/>
+            <a:ext cx="808732" cy="860083"/>
+          </a:xfrm>
+          <a:prstGeom prst="straightConnector1">
+            <a:avLst/>
+          </a:prstGeom>
+          <a:ln w="25400">
+            <a:tailEnd type="triangle" w="lg" len="med"/>
+          </a:ln>
+        </p:spPr>
+        <p:style>
+          <a:lnRef idx="1">
+            <a:schemeClr val="accent1"/>
+          </a:lnRef>
+          <a:fillRef idx="0">
+            <a:schemeClr val="accent1"/>
+          </a:fillRef>
+          <a:effectRef idx="0">
+            <a:schemeClr val="accent1"/>
+          </a:effectRef>
+          <a:fontRef idx="minor">
+            <a:schemeClr val="tx1"/>
+          </a:fontRef>
+        </p:style>
+      </p:cxnSp>
+      <p:sp>
+        <p:nvSpPr>
+          <p:cNvPr id="72" name="Rectangle 71">
+            <a:extLst>
+              <a:ext uri="{FF2B5EF4-FFF2-40B4-BE49-F238E27FC236}">
+                <a16:creationId xmlns:a16="http://schemas.microsoft.com/office/drawing/2014/main" id="{5FDD480F-78F6-65ED-31EB-2BE0505BECC9}"/>
+              </a:ext>
+            </a:extLst>
+          </p:cNvPr>
+          <p:cNvSpPr/>
+          <p:nvPr/>
+        </p:nvSpPr>
+        <p:spPr>
+          <a:xfrm>
+            <a:off x="876233" y="3847475"/>
+            <a:ext cx="2103120" cy="320682"/>
+          </a:xfrm>
+          <a:prstGeom prst="rect">
+            <a:avLst/>
+          </a:prstGeom>
+          <a:solidFill>
+            <a:srgbClr val="E3E0B3"/>
+          </a:solidFill>
+          <a:ln>
+            <a:solidFill>
+              <a:schemeClr val="tx1">
+                <a:lumMod val="65000"/>
+                <a:lumOff val="35000"/>
+              </a:schemeClr>
+            </a:solidFill>
+          </a:ln>
+        </p:spPr>
+        <p:style>
+          <a:lnRef idx="2">
+            <a:schemeClr val="accent6"/>
+          </a:lnRef>
+          <a:fillRef idx="1">
+            <a:schemeClr val="lt1"/>
+          </a:fillRef>
+          <a:effectRef idx="0">
+            <a:schemeClr val="accent6"/>
+          </a:effectRef>
+          <a:fontRef idx="minor">
+            <a:schemeClr val="dk1"/>
+          </a:fontRef>
+        </p:style>
+        <p:txBody>
+          <a:bodyPr rtlCol="0" anchor="ctr"/>
+          <a:lstStyle/>
+          <a:p>
+            <a:pPr algn="ctr"/>
+            <a:r>
+              <a:rPr lang="en-US" dirty="0"/>
+              <a:t>accesslogv3</a:t>
+            </a:r>
+          </a:p>
+        </p:txBody>
+      </p:sp>
+      <p:sp>
+        <p:nvSpPr>
+          <p:cNvPr id="73" name="Rectangle 72">
+            <a:extLst>
+              <a:ext uri="{FF2B5EF4-FFF2-40B4-BE49-F238E27FC236}">
+                <a16:creationId xmlns:a16="http://schemas.microsoft.com/office/drawing/2014/main" id="{7149EFE7-1381-79AA-0EB3-E00DF2B25C18}"/>
+              </a:ext>
+            </a:extLst>
+          </p:cNvPr>
+          <p:cNvSpPr/>
+          <p:nvPr/>
+        </p:nvSpPr>
+        <p:spPr>
+          <a:xfrm>
+            <a:off x="4391006" y="4282334"/>
+            <a:ext cx="2103120" cy="320682"/>
+          </a:xfrm>
+          <a:prstGeom prst="rect">
+            <a:avLst/>
+          </a:prstGeom>
+          <a:solidFill>
+            <a:srgbClr val="E3E0B3"/>
+          </a:solidFill>
+          <a:ln>
+            <a:solidFill>
+              <a:schemeClr val="tx1">
+                <a:lumMod val="65000"/>
+                <a:lumOff val="35000"/>
+              </a:schemeClr>
+            </a:solidFill>
+          </a:ln>
+        </p:spPr>
+        <p:style>
+          <a:lnRef idx="2">
+            <a:schemeClr val="accent6"/>
+          </a:lnRef>
+          <a:fillRef idx="1">
+            <a:schemeClr val="lt1"/>
+          </a:fillRef>
+          <a:effectRef idx="0">
+            <a:schemeClr val="accent6"/>
+          </a:effectRef>
+          <a:fontRef idx="minor">
+            <a:schemeClr val="dk1"/>
+          </a:fontRef>
+        </p:style>
+        <p:txBody>
+          <a:bodyPr rtlCol="0" anchor="ctr"/>
+          <a:lstStyle/>
+          <a:p>
+            <a:pPr algn="ctr"/>
+            <a:r>
+              <a:rPr lang="en-US" dirty="0" err="1"/>
+              <a:t>prometheus</a:t>
+            </a:r>
+            <a:endParaRPr lang="en-US" dirty="0"/>
+          </a:p>
+        </p:txBody>
+      </p:sp>
+      <p:sp>
+        <p:nvSpPr>
+          <p:cNvPr id="74" name="Rectangle 73">
+            <a:extLst>
+              <a:ext uri="{FF2B5EF4-FFF2-40B4-BE49-F238E27FC236}">
+                <a16:creationId xmlns:a16="http://schemas.microsoft.com/office/drawing/2014/main" id="{7DEC49F2-C3A9-6778-6295-BF3ADE87403B}"/>
+              </a:ext>
+            </a:extLst>
+          </p:cNvPr>
+          <p:cNvSpPr/>
+          <p:nvPr/>
+        </p:nvSpPr>
+        <p:spPr>
+          <a:xfrm>
+            <a:off x="4391006" y="3950804"/>
+            <a:ext cx="2103120" cy="320682"/>
+          </a:xfrm>
+          <a:prstGeom prst="rect">
+            <a:avLst/>
+          </a:prstGeom>
+          <a:solidFill>
+            <a:srgbClr val="E3E0B3"/>
+          </a:solidFill>
+          <a:ln>
+            <a:solidFill>
+              <a:schemeClr val="tx1">
+                <a:lumMod val="65000"/>
+                <a:lumOff val="35000"/>
+              </a:schemeClr>
+            </a:solidFill>
+          </a:ln>
+        </p:spPr>
+        <p:style>
+          <a:lnRef idx="2">
+            <a:schemeClr val="accent6"/>
+          </a:lnRef>
+          <a:fillRef idx="1">
+            <a:schemeClr val="lt1"/>
+          </a:fillRef>
+          <a:effectRef idx="0">
+            <a:schemeClr val="accent6"/>
+          </a:effectRef>
+          <a:fontRef idx="minor">
+            <a:schemeClr val="dk1"/>
+          </a:fontRef>
+        </p:style>
+        <p:txBody>
+          <a:bodyPr rtlCol="0" anchor="ctr"/>
+          <a:lstStyle/>
+          <a:p>
+            <a:pPr algn="ctr"/>
+            <a:r>
+              <a:rPr lang="en-US" dirty="0"/>
+              <a:t>profile</a:t>
+            </a:r>
+          </a:p>
+        </p:txBody>
+      </p:sp>
+      <p:sp>
+        <p:nvSpPr>
+          <p:cNvPr id="75" name="Rectangle 74">
+            <a:extLst>
+              <a:ext uri="{FF2B5EF4-FFF2-40B4-BE49-F238E27FC236}">
+                <a16:creationId xmlns:a16="http://schemas.microsoft.com/office/drawing/2014/main" id="{5CEAD80D-BB2D-1C86-26BB-4AB4CE353ADA}"/>
+              </a:ext>
+            </a:extLst>
+          </p:cNvPr>
+          <p:cNvSpPr/>
+          <p:nvPr/>
+        </p:nvSpPr>
+        <p:spPr>
+          <a:xfrm>
+            <a:off x="4391006" y="3579324"/>
+            <a:ext cx="2103120" cy="320682"/>
+          </a:xfrm>
+          <a:prstGeom prst="rect">
+            <a:avLst/>
+          </a:prstGeom>
+          <a:solidFill>
+            <a:srgbClr val="E3E0B3"/>
+          </a:solidFill>
+          <a:ln>
+            <a:solidFill>
+              <a:schemeClr val="tx1">
+                <a:lumMod val="65000"/>
+                <a:lumOff val="35000"/>
+              </a:schemeClr>
+            </a:solidFill>
+          </a:ln>
+        </p:spPr>
+        <p:style>
+          <a:lnRef idx="2">
+            <a:schemeClr val="accent6"/>
+          </a:lnRef>
+          <a:fillRef idx="1">
+            <a:schemeClr val="lt1"/>
+          </a:fillRef>
+          <a:effectRef idx="0">
+            <a:schemeClr val="accent6"/>
+          </a:effectRef>
+          <a:fontRef idx="minor">
+            <a:schemeClr val="dk1"/>
+          </a:fontRef>
+        </p:style>
+        <p:txBody>
+          <a:bodyPr rtlCol="0" anchor="ctr"/>
+          <a:lstStyle/>
+          <a:p>
+            <a:pPr algn="ctr"/>
+            <a:r>
+              <a:rPr lang="en-US" dirty="0"/>
+              <a:t>accesslogv3</a:t>
+            </a:r>
+          </a:p>
+        </p:txBody>
+      </p:sp>
+      <p:sp>
+        <p:nvSpPr>
+          <p:cNvPr id="76" name="Rectangle 75">
+            <a:extLst>
+              <a:ext uri="{FF2B5EF4-FFF2-40B4-BE49-F238E27FC236}">
+                <a16:creationId xmlns:a16="http://schemas.microsoft.com/office/drawing/2014/main" id="{0B28B2A6-F923-2FE4-A4C9-598F206278D5}"/>
+              </a:ext>
+            </a:extLst>
+          </p:cNvPr>
+          <p:cNvSpPr/>
+          <p:nvPr/>
+        </p:nvSpPr>
+        <p:spPr>
+          <a:xfrm>
+            <a:off x="4451309" y="1508832"/>
+            <a:ext cx="2103120" cy="320682"/>
+          </a:xfrm>
+          <a:prstGeom prst="rect">
+            <a:avLst/>
+          </a:prstGeom>
+          <a:solidFill>
+            <a:srgbClr val="E3E0B3"/>
+          </a:solidFill>
+          <a:ln>
+            <a:solidFill>
+              <a:schemeClr val="tx1">
+                <a:lumMod val="65000"/>
+                <a:lumOff val="35000"/>
+              </a:schemeClr>
+            </a:solidFill>
+          </a:ln>
+        </p:spPr>
+        <p:style>
+          <a:lnRef idx="2">
+            <a:schemeClr val="accent6"/>
+          </a:lnRef>
+          <a:fillRef idx="1">
+            <a:schemeClr val="lt1"/>
+          </a:fillRef>
+          <a:effectRef idx="0">
+            <a:schemeClr val="accent6"/>
+          </a:effectRef>
+          <a:fontRef idx="minor">
+            <a:schemeClr val="dk1"/>
+          </a:fontRef>
+        </p:style>
+        <p:txBody>
+          <a:bodyPr rtlCol="0" anchor="ctr"/>
+          <a:lstStyle/>
+          <a:p>
+            <a:pPr algn="ctr"/>
+            <a:r>
+              <a:rPr lang="en-US" dirty="0"/>
+              <a:t>envoy</a:t>
+            </a:r>
+          </a:p>
+        </p:txBody>
+      </p:sp>
+      <p:sp>
+        <p:nvSpPr>
+          <p:cNvPr id="77" name="Rectangle 76">
+            <a:extLst>
+              <a:ext uri="{FF2B5EF4-FFF2-40B4-BE49-F238E27FC236}">
+                <a16:creationId xmlns:a16="http://schemas.microsoft.com/office/drawing/2014/main" id="{14014479-BBF8-81F3-838B-DB30B65393DC}"/>
+              </a:ext>
+            </a:extLst>
+          </p:cNvPr>
+          <p:cNvSpPr/>
+          <p:nvPr/>
+        </p:nvSpPr>
+        <p:spPr>
+          <a:xfrm>
+            <a:off x="4570690" y="1122296"/>
+            <a:ext cx="2103120" cy="320682"/>
+          </a:xfrm>
+          <a:prstGeom prst="rect">
+            <a:avLst/>
+          </a:prstGeom>
+          <a:solidFill>
+            <a:srgbClr val="E3E0B3"/>
+          </a:solidFill>
+          <a:ln>
+            <a:solidFill>
+              <a:schemeClr val="tx1">
+                <a:lumMod val="65000"/>
+                <a:lumOff val="35000"/>
+              </a:schemeClr>
+            </a:solidFill>
+          </a:ln>
+        </p:spPr>
+        <p:style>
+          <a:lnRef idx="2">
+            <a:schemeClr val="accent6"/>
+          </a:lnRef>
+          <a:fillRef idx="1">
+            <a:schemeClr val="lt1"/>
+          </a:fillRef>
+          <a:effectRef idx="0">
+            <a:schemeClr val="accent6"/>
+          </a:effectRef>
+          <a:fontRef idx="minor">
+            <a:schemeClr val="dk1"/>
+          </a:fontRef>
+        </p:style>
+        <p:txBody>
+          <a:bodyPr rtlCol="0" anchor="ctr"/>
+          <a:lstStyle/>
+          <a:p>
+            <a:pPr algn="ctr"/>
+            <a:r>
+              <a:rPr lang="en-US" dirty="0"/>
+              <a:t>profile</a:t>
+            </a:r>
+          </a:p>
+        </p:txBody>
+      </p:sp>
+      <p:sp>
+        <p:nvSpPr>
+          <p:cNvPr id="81" name="Rectangle 80">
+            <a:extLst>
+              <a:ext uri="{FF2B5EF4-FFF2-40B4-BE49-F238E27FC236}">
+                <a16:creationId xmlns:a16="http://schemas.microsoft.com/office/drawing/2014/main" id="{4E6D7153-E3A6-6FFE-7497-5D339182FA0B}"/>
+              </a:ext>
+            </a:extLst>
+          </p:cNvPr>
+          <p:cNvSpPr/>
+          <p:nvPr/>
+        </p:nvSpPr>
+        <p:spPr>
+          <a:xfrm>
+            <a:off x="7302858" y="1584769"/>
+            <a:ext cx="2103120" cy="320682"/>
+          </a:xfrm>
+          <a:prstGeom prst="rect">
+            <a:avLst/>
+          </a:prstGeom>
+          <a:solidFill>
+            <a:srgbClr val="E3E0B3"/>
+          </a:solidFill>
+          <a:ln>
+            <a:solidFill>
+              <a:schemeClr val="tx1">
+                <a:lumMod val="65000"/>
+                <a:lumOff val="35000"/>
+              </a:schemeClr>
+            </a:solidFill>
+          </a:ln>
+        </p:spPr>
+        <p:style>
+          <a:lnRef idx="2">
+            <a:schemeClr val="accent6"/>
+          </a:lnRef>
+          <a:fillRef idx="1">
+            <a:schemeClr val="lt1"/>
+          </a:fillRef>
+          <a:effectRef idx="0">
+            <a:schemeClr val="accent6"/>
+          </a:effectRef>
+          <a:fontRef idx="minor">
+            <a:schemeClr val="dk1"/>
+          </a:fontRef>
+        </p:style>
+        <p:txBody>
+          <a:bodyPr rtlCol="0" anchor="ctr"/>
+          <a:lstStyle/>
+          <a:p>
+            <a:pPr algn="ctr"/>
+            <a:r>
+              <a:rPr lang="en-US" dirty="0"/>
+              <a:t>profile</a:t>
+            </a:r>
+          </a:p>
+        </p:txBody>
+      </p:sp>
+      <p:sp>
+        <p:nvSpPr>
+          <p:cNvPr id="82" name="Rectangle 81">
+            <a:extLst>
+              <a:ext uri="{FF2B5EF4-FFF2-40B4-BE49-F238E27FC236}">
+                <a16:creationId xmlns:a16="http://schemas.microsoft.com/office/drawing/2014/main" id="{221503E2-7587-B931-3D92-0714A951350A}"/>
+              </a:ext>
+            </a:extLst>
+          </p:cNvPr>
+          <p:cNvSpPr/>
+          <p:nvPr/>
+        </p:nvSpPr>
+        <p:spPr>
+          <a:xfrm>
+            <a:off x="7324233" y="1962615"/>
+            <a:ext cx="2103120" cy="320682"/>
+          </a:xfrm>
+          <a:prstGeom prst="rect">
+            <a:avLst/>
+          </a:prstGeom>
+          <a:solidFill>
+            <a:srgbClr val="E3E0B3"/>
+          </a:solidFill>
+          <a:ln>
+            <a:solidFill>
+              <a:schemeClr val="tx1">
+                <a:lumMod val="65000"/>
+                <a:lumOff val="35000"/>
+              </a:schemeClr>
+            </a:solidFill>
+          </a:ln>
+        </p:spPr>
+        <p:style>
+          <a:lnRef idx="2">
+            <a:schemeClr val="accent6"/>
+          </a:lnRef>
+          <a:fillRef idx="1">
+            <a:schemeClr val="lt1"/>
+          </a:fillRef>
+          <a:effectRef idx="0">
+            <a:schemeClr val="accent6"/>
+          </a:effectRef>
+          <a:fontRef idx="minor">
+            <a:schemeClr val="dk1"/>
+          </a:fontRef>
+        </p:style>
+        <p:txBody>
+          <a:bodyPr rtlCol="0" anchor="ctr"/>
+          <a:lstStyle/>
+          <a:p>
+            <a:pPr algn="ctr"/>
+            <a:r>
+              <a:rPr lang="en-US" dirty="0"/>
+              <a:t>envoy</a:t>
+            </a:r>
+          </a:p>
+        </p:txBody>
+      </p:sp>
+      <p:sp>
+        <p:nvSpPr>
+          <p:cNvPr id="90" name="Rectangle 89">
+            <a:extLst>
+              <a:ext uri="{FF2B5EF4-FFF2-40B4-BE49-F238E27FC236}">
+                <a16:creationId xmlns:a16="http://schemas.microsoft.com/office/drawing/2014/main" id="{44C69DE1-1D4A-8D60-08BA-A9C8FF613B4C}"/>
+              </a:ext>
+            </a:extLst>
+          </p:cNvPr>
+          <p:cNvSpPr/>
+          <p:nvPr/>
+        </p:nvSpPr>
+        <p:spPr>
+          <a:xfrm>
+            <a:off x="925869" y="1559415"/>
+            <a:ext cx="2103120" cy="320682"/>
+          </a:xfrm>
+          <a:prstGeom prst="rect">
+            <a:avLst/>
+          </a:prstGeom>
+          <a:solidFill>
+            <a:srgbClr val="E3E0B3"/>
+          </a:solidFill>
+          <a:ln>
+            <a:solidFill>
+              <a:schemeClr val="tx1">
+                <a:lumMod val="65000"/>
+                <a:lumOff val="35000"/>
+              </a:schemeClr>
+            </a:solidFill>
+          </a:ln>
+        </p:spPr>
+        <p:style>
+          <a:lnRef idx="2">
+            <a:schemeClr val="accent6"/>
+          </a:lnRef>
+          <a:fillRef idx="1">
+            <a:schemeClr val="lt1"/>
+          </a:fillRef>
+          <a:effectRef idx="0">
+            <a:schemeClr val="accent6"/>
+          </a:effectRef>
+          <a:fontRef idx="minor">
+            <a:schemeClr val="dk1"/>
+          </a:fontRef>
+        </p:style>
+        <p:txBody>
+          <a:bodyPr rtlCol="0" anchor="ctr"/>
+          <a:lstStyle/>
+          <a:p>
+            <a:pPr algn="ctr"/>
+            <a:r>
+              <a:rPr lang="en-US" dirty="0"/>
+              <a:t>profile</a:t>
+            </a:r>
+          </a:p>
+        </p:txBody>
+      </p:sp>
+      <p:sp>
+        <p:nvSpPr>
+          <p:cNvPr id="91" name="Rectangle 90">
+            <a:extLst>
+              <a:ext uri="{FF2B5EF4-FFF2-40B4-BE49-F238E27FC236}">
+                <a16:creationId xmlns:a16="http://schemas.microsoft.com/office/drawing/2014/main" id="{920801D8-8594-9229-D9E9-56D25ABA0919}"/>
+              </a:ext>
+            </a:extLst>
+          </p:cNvPr>
+          <p:cNvSpPr/>
+          <p:nvPr/>
+        </p:nvSpPr>
+        <p:spPr>
+          <a:xfrm>
+            <a:off x="925869" y="1897695"/>
+            <a:ext cx="2103120" cy="320682"/>
+          </a:xfrm>
+          <a:prstGeom prst="rect">
+            <a:avLst/>
+          </a:prstGeom>
+          <a:solidFill>
+            <a:srgbClr val="E3E0B3"/>
+          </a:solidFill>
+          <a:ln>
+            <a:solidFill>
+              <a:schemeClr val="tx1">
+                <a:lumMod val="65000"/>
+                <a:lumOff val="35000"/>
+              </a:schemeClr>
+            </a:solidFill>
+          </a:ln>
+        </p:spPr>
+        <p:style>
+          <a:lnRef idx="2">
+            <a:schemeClr val="accent6"/>
+          </a:lnRef>
+          <a:fillRef idx="1">
+            <a:schemeClr val="lt1"/>
+          </a:fillRef>
+          <a:effectRef idx="0">
+            <a:schemeClr val="accent6"/>
+          </a:effectRef>
+          <a:fontRef idx="minor">
+            <a:schemeClr val="dk1"/>
+          </a:fontRef>
+        </p:style>
+        <p:txBody>
+          <a:bodyPr rtlCol="0" anchor="ctr"/>
+          <a:lstStyle/>
+          <a:p>
+            <a:pPr algn="ctr"/>
+            <a:r>
+              <a:rPr lang="en-US" dirty="0"/>
+              <a:t>envoy</a:t>
+            </a:r>
+          </a:p>
+        </p:txBody>
+      </p:sp>
+      <p:cxnSp>
+        <p:nvCxnSpPr>
+          <p:cNvPr id="101" name="Straight Arrow Connector 100">
+            <a:extLst>
+              <a:ext uri="{FF2B5EF4-FFF2-40B4-BE49-F238E27FC236}">
+                <a16:creationId xmlns:a16="http://schemas.microsoft.com/office/drawing/2014/main" id="{26AC66C9-5857-0AAD-24F7-2D45F30277C6}"/>
+              </a:ext>
+            </a:extLst>
+          </p:cNvPr>
+          <p:cNvCxnSpPr>
+            <a:cxnSpLocks/>
+            <a:stCxn id="29" idx="3"/>
+            <a:endCxn id="38" idx="1"/>
+          </p:cNvCxnSpPr>
+          <p:nvPr/>
+        </p:nvCxnSpPr>
+        <p:spPr>
+          <a:xfrm flipV="1">
+            <a:off x="3028989" y="878504"/>
+            <a:ext cx="1516034" cy="421060"/>
+          </a:xfrm>
+          <a:prstGeom prst="straightConnector1">
+            <a:avLst/>
+          </a:prstGeom>
+          <a:ln w="25400">
+            <a:tailEnd type="triangle" w="lg" len="med"/>
+          </a:ln>
+        </p:spPr>
+        <p:style>
+          <a:lnRef idx="1">
+            <a:schemeClr val="accent1"/>
+          </a:lnRef>
+          <a:fillRef idx="0">
+            <a:schemeClr val="accent1"/>
+          </a:fillRef>
+          <a:effectRef idx="0">
+            <a:schemeClr val="accent1"/>
+          </a:effectRef>
+          <a:fontRef idx="minor">
+            <a:schemeClr val="tx1"/>
+          </a:fontRef>
+        </p:style>
+      </p:cxnSp>
+      <p:cxnSp>
+        <p:nvCxnSpPr>
+          <p:cNvPr id="111" name="Straight Arrow Connector 110">
+            <a:extLst>
+              <a:ext uri="{FF2B5EF4-FFF2-40B4-BE49-F238E27FC236}">
+                <a16:creationId xmlns:a16="http://schemas.microsoft.com/office/drawing/2014/main" id="{A7955CBE-B445-E066-1D43-EFE036F7C0D2}"/>
+              </a:ext>
+            </a:extLst>
+          </p:cNvPr>
+          <p:cNvCxnSpPr>
+            <a:cxnSpLocks/>
+            <a:stCxn id="43" idx="3"/>
+            <a:endCxn id="37" idx="1"/>
+          </p:cNvCxnSpPr>
+          <p:nvPr/>
+        </p:nvCxnSpPr>
+        <p:spPr>
+          <a:xfrm flipV="1">
+            <a:off x="2934280" y="3251062"/>
+            <a:ext cx="1320889" cy="376836"/>
+          </a:xfrm>
+          <a:prstGeom prst="straightConnector1">
+            <a:avLst/>
+          </a:prstGeom>
+          <a:ln w="25400">
+            <a:tailEnd type="triangle" w="lg" len="med"/>
+          </a:ln>
+        </p:spPr>
+        <p:style>
+          <a:lnRef idx="1">
+            <a:schemeClr val="accent1"/>
+          </a:lnRef>
+          <a:fillRef idx="0">
+            <a:schemeClr val="accent1"/>
+          </a:fillRef>
+          <a:effectRef idx="0">
+            <a:schemeClr val="accent1"/>
+          </a:effectRef>
+          <a:fontRef idx="minor">
+            <a:schemeClr val="tx1"/>
+          </a:fontRef>
+        </p:style>
+      </p:cxnSp>
+      <p:sp>
+        <p:nvSpPr>
+          <p:cNvPr id="114" name="Rectangle 113">
+            <a:extLst>
+              <a:ext uri="{FF2B5EF4-FFF2-40B4-BE49-F238E27FC236}">
+                <a16:creationId xmlns:a16="http://schemas.microsoft.com/office/drawing/2014/main" id="{9FEEAE1D-7FA1-1475-6CE8-215415F1D7B0}"/>
+              </a:ext>
+            </a:extLst>
+          </p:cNvPr>
+          <p:cNvSpPr/>
+          <p:nvPr/>
+        </p:nvSpPr>
+        <p:spPr>
+          <a:xfrm>
+            <a:off x="7438695" y="4349297"/>
+            <a:ext cx="2103120" cy="320682"/>
+          </a:xfrm>
+          <a:prstGeom prst="rect">
+            <a:avLst/>
+          </a:prstGeom>
+          <a:solidFill>
+            <a:srgbClr val="E3E0B3"/>
+          </a:solidFill>
+          <a:ln>
+            <a:solidFill>
+              <a:schemeClr val="tx1">
+                <a:lumMod val="65000"/>
+                <a:lumOff val="35000"/>
+              </a:schemeClr>
+            </a:solidFill>
+          </a:ln>
+        </p:spPr>
+        <p:style>
+          <a:lnRef idx="2">
+            <a:schemeClr val="accent6"/>
+          </a:lnRef>
+          <a:fillRef idx="1">
+            <a:schemeClr val="lt1"/>
+          </a:fillRef>
+          <a:effectRef idx="0">
+            <a:schemeClr val="accent6"/>
+          </a:effectRef>
+          <a:fontRef idx="minor">
+            <a:schemeClr val="dk1"/>
+          </a:fontRef>
+        </p:style>
+        <p:txBody>
+          <a:bodyPr rtlCol="0" anchor="ctr"/>
+          <a:lstStyle/>
+          <a:p>
+            <a:pPr algn="ctr"/>
+            <a:r>
+              <a:rPr lang="en-US" dirty="0"/>
+              <a:t>accesslogv3</a:t>
+            </a:r>
+          </a:p>
+        </p:txBody>
+      </p:sp>
+      <p:sp>
+        <p:nvSpPr>
+          <p:cNvPr id="115" name="Rectangle 114">
+            <a:extLst>
+              <a:ext uri="{FF2B5EF4-FFF2-40B4-BE49-F238E27FC236}">
+                <a16:creationId xmlns:a16="http://schemas.microsoft.com/office/drawing/2014/main" id="{520E8C91-6B39-0899-545F-80F1F6FBC54A}"/>
+              </a:ext>
+            </a:extLst>
+          </p:cNvPr>
+          <p:cNvSpPr/>
+          <p:nvPr/>
+        </p:nvSpPr>
+        <p:spPr>
+          <a:xfrm>
+            <a:off x="9879061" y="4474252"/>
+            <a:ext cx="2238957" cy="355876"/>
+          </a:xfrm>
+          <a:prstGeom prst="rect">
+            <a:avLst/>
+          </a:prstGeom>
+          <a:solidFill>
+            <a:schemeClr val="bg1"/>
+          </a:solidFill>
+          <a:ln w="25400">
+            <a:gradFill flip="none" rotWithShape="1">
+              <a:gsLst>
+                <a:gs pos="0">
+                  <a:schemeClr val="accent5">
+                    <a:lumMod val="40000"/>
+                    <a:lumOff val="60000"/>
+                  </a:schemeClr>
+                </a:gs>
+                <a:gs pos="46000">
+                  <a:schemeClr val="accent5">
+                    <a:lumMod val="95000"/>
+                    <a:lumOff val="5000"/>
+                  </a:schemeClr>
+                </a:gs>
+                <a:gs pos="100000">
+                  <a:schemeClr val="accent5">
+                    <a:lumMod val="60000"/>
+                  </a:schemeClr>
+                </a:gs>
+              </a:gsLst>
+              <a:path path="circle">
+                <a:fillToRect l="50000" t="130000" r="50000" b="-30000"/>
+              </a:path>
+              <a:tileRect/>
+            </a:gradFill>
+          </a:ln>
+        </p:spPr>
+        <p:style>
+          <a:lnRef idx="2">
+            <a:schemeClr val="accent6"/>
+          </a:lnRef>
+          <a:fillRef idx="1">
+            <a:schemeClr val="lt1"/>
+          </a:fillRef>
+          <a:effectRef idx="0">
+            <a:schemeClr val="accent6"/>
+          </a:effectRef>
+          <a:fontRef idx="minor">
+            <a:schemeClr val="dk1"/>
+          </a:fontRef>
+        </p:style>
+        <p:txBody>
+          <a:bodyPr rtlCol="0" anchor="ctr"/>
+          <a:lstStyle/>
+          <a:p>
+            <a:pPr algn="ctr"/>
+            <a:r>
+              <a:rPr lang="en-US" b="1" dirty="0"/>
+              <a:t>elastic-adapter</a:t>
+            </a:r>
+          </a:p>
+        </p:txBody>
+      </p:sp>
+      <p:cxnSp>
+        <p:nvCxnSpPr>
+          <p:cNvPr id="116" name="Straight Arrow Connector 115">
+            <a:extLst>
+              <a:ext uri="{FF2B5EF4-FFF2-40B4-BE49-F238E27FC236}">
+                <a16:creationId xmlns:a16="http://schemas.microsoft.com/office/drawing/2014/main" id="{74547163-6035-ADBC-7D45-548116A688C0}"/>
+              </a:ext>
+            </a:extLst>
+          </p:cNvPr>
+          <p:cNvCxnSpPr>
+            <a:cxnSpLocks/>
+            <a:stCxn id="47" idx="3"/>
+            <a:endCxn id="115" idx="1"/>
+          </p:cNvCxnSpPr>
+          <p:nvPr/>
+        </p:nvCxnSpPr>
+        <p:spPr>
+          <a:xfrm>
+            <a:off x="9541815" y="4111145"/>
+            <a:ext cx="337246" cy="541045"/>
+          </a:xfrm>
+          <a:prstGeom prst="straightConnector1">
+            <a:avLst/>
+          </a:prstGeom>
+          <a:ln w="25400">
+            <a:tailEnd type="triangle" w="lg" len="med"/>
+          </a:ln>
+        </p:spPr>
+        <p:style>
+          <a:lnRef idx="1">
+            <a:schemeClr val="accent1"/>
+          </a:lnRef>
+          <a:fillRef idx="0">
+            <a:schemeClr val="accent1"/>
+          </a:fillRef>
+          <a:effectRef idx="0">
+            <a:schemeClr val="accent1"/>
+          </a:effectRef>
+          <a:fontRef idx="minor">
+            <a:schemeClr val="tx1"/>
+          </a:fontRef>
+        </p:style>
+      </p:cxnSp>
+      <p:sp>
+        <p:nvSpPr>
+          <p:cNvPr id="120" name="Rectangle 119">
+            <a:extLst>
+              <a:ext uri="{FF2B5EF4-FFF2-40B4-BE49-F238E27FC236}">
+                <a16:creationId xmlns:a16="http://schemas.microsoft.com/office/drawing/2014/main" id="{C1F8CE5A-B104-5AD6-9E0B-5F331E4B951F}"/>
+              </a:ext>
+            </a:extLst>
+          </p:cNvPr>
+          <p:cNvSpPr/>
+          <p:nvPr/>
+        </p:nvSpPr>
+        <p:spPr>
+          <a:xfrm>
+            <a:off x="7452350" y="4730193"/>
+            <a:ext cx="2103120" cy="320682"/>
+          </a:xfrm>
+          <a:prstGeom prst="rect">
+            <a:avLst/>
+          </a:prstGeom>
+          <a:solidFill>
+            <a:srgbClr val="E3E0B3"/>
+          </a:solidFill>
+          <a:ln>
+            <a:solidFill>
+              <a:schemeClr val="tx1">
+                <a:lumMod val="65000"/>
+                <a:lumOff val="35000"/>
+              </a:schemeClr>
+            </a:solidFill>
+          </a:ln>
+        </p:spPr>
+        <p:style>
+          <a:lnRef idx="2">
+            <a:schemeClr val="accent6"/>
+          </a:lnRef>
+          <a:fillRef idx="1">
+            <a:schemeClr val="lt1"/>
+          </a:fillRef>
+          <a:effectRef idx="0">
+            <a:schemeClr val="accent6"/>
+          </a:effectRef>
+          <a:fontRef idx="minor">
+            <a:schemeClr val="dk1"/>
+          </a:fontRef>
+        </p:style>
+        <p:txBody>
+          <a:bodyPr rtlCol="0" anchor="ctr"/>
+          <a:lstStyle/>
+          <a:p>
+            <a:pPr algn="ctr"/>
+            <a:r>
+              <a:rPr lang="en-US" dirty="0" err="1"/>
+              <a:t>prometheus</a:t>
+            </a:r>
+            <a:endParaRPr lang="en-US" dirty="0"/>
+          </a:p>
+        </p:txBody>
+      </p:sp>
+      <p:sp>
+        <p:nvSpPr>
+          <p:cNvPr id="121" name="Rectangle 120">
+            <a:extLst>
+              <a:ext uri="{FF2B5EF4-FFF2-40B4-BE49-F238E27FC236}">
+                <a16:creationId xmlns:a16="http://schemas.microsoft.com/office/drawing/2014/main" id="{59C1D05D-4E8D-68B9-5466-28A752FB496D}"/>
+              </a:ext>
+            </a:extLst>
+          </p:cNvPr>
+          <p:cNvSpPr/>
+          <p:nvPr/>
+        </p:nvSpPr>
+        <p:spPr>
+          <a:xfrm>
+            <a:off x="7452350" y="5103803"/>
+            <a:ext cx="2103120" cy="320682"/>
+          </a:xfrm>
+          <a:prstGeom prst="rect">
+            <a:avLst/>
+          </a:prstGeom>
+          <a:solidFill>
+            <a:srgbClr val="E3E0B3"/>
+          </a:solidFill>
+          <a:ln>
+            <a:solidFill>
+              <a:schemeClr val="tx1">
+                <a:lumMod val="65000"/>
+                <a:lumOff val="35000"/>
+              </a:schemeClr>
+            </a:solidFill>
+          </a:ln>
+        </p:spPr>
+        <p:style>
+          <a:lnRef idx="2">
+            <a:schemeClr val="accent6"/>
+          </a:lnRef>
+          <a:fillRef idx="1">
+            <a:schemeClr val="lt1"/>
+          </a:fillRef>
+          <a:effectRef idx="0">
+            <a:schemeClr val="accent6"/>
+          </a:effectRef>
+          <a:fontRef idx="minor">
+            <a:schemeClr val="dk1"/>
+          </a:fontRef>
+        </p:style>
+        <p:txBody>
+          <a:bodyPr rtlCol="0" anchor="ctr"/>
+          <a:lstStyle/>
+          <a:p>
+            <a:pPr algn="ctr"/>
+            <a:r>
+              <a:rPr lang="en-US" dirty="0"/>
+              <a:t>profile</a:t>
+            </a:r>
+          </a:p>
+        </p:txBody>
+      </p:sp>
+      <p:sp>
+        <p:nvSpPr>
+          <p:cNvPr id="122" name="Rectangle 121">
+            <a:extLst>
+              <a:ext uri="{FF2B5EF4-FFF2-40B4-BE49-F238E27FC236}">
+                <a16:creationId xmlns:a16="http://schemas.microsoft.com/office/drawing/2014/main" id="{2A700585-A45B-AA28-2D7B-1F45F0A8B431}"/>
+              </a:ext>
+            </a:extLst>
+          </p:cNvPr>
+          <p:cNvSpPr/>
+          <p:nvPr/>
+        </p:nvSpPr>
+        <p:spPr>
+          <a:xfrm>
+            <a:off x="876233" y="4209796"/>
+            <a:ext cx="2103120" cy="320682"/>
+          </a:xfrm>
+          <a:prstGeom prst="rect">
+            <a:avLst/>
+          </a:prstGeom>
+          <a:solidFill>
+            <a:srgbClr val="E3E0B3"/>
+          </a:solidFill>
+          <a:ln>
+            <a:solidFill>
+              <a:schemeClr val="tx1">
+                <a:lumMod val="65000"/>
+                <a:lumOff val="35000"/>
+              </a:schemeClr>
+            </a:solidFill>
+          </a:ln>
+        </p:spPr>
+        <p:style>
+          <a:lnRef idx="2">
+            <a:schemeClr val="accent6"/>
+          </a:lnRef>
+          <a:fillRef idx="1">
+            <a:schemeClr val="lt1"/>
+          </a:fillRef>
+          <a:effectRef idx="0">
+            <a:schemeClr val="accent6"/>
+          </a:effectRef>
+          <a:fontRef idx="minor">
+            <a:schemeClr val="dk1"/>
+          </a:fontRef>
+        </p:style>
+        <p:txBody>
+          <a:bodyPr rtlCol="0" anchor="ctr"/>
+          <a:lstStyle/>
+          <a:p>
+            <a:pPr algn="ctr"/>
+            <a:r>
+              <a:rPr lang="en-US" dirty="0" err="1"/>
+              <a:t>prometheus</a:t>
+            </a:r>
+            <a:endParaRPr lang="en-US" dirty="0"/>
+          </a:p>
+        </p:txBody>
+      </p:sp>
+      <p:sp>
+        <p:nvSpPr>
+          <p:cNvPr id="123" name="Rectangle 122">
+            <a:extLst>
+              <a:ext uri="{FF2B5EF4-FFF2-40B4-BE49-F238E27FC236}">
+                <a16:creationId xmlns:a16="http://schemas.microsoft.com/office/drawing/2014/main" id="{361667C2-7999-E435-AF18-0D95E2AA0289}"/>
+              </a:ext>
+            </a:extLst>
+          </p:cNvPr>
+          <p:cNvSpPr/>
+          <p:nvPr/>
+        </p:nvSpPr>
+        <p:spPr>
+          <a:xfrm>
+            <a:off x="876233" y="4547183"/>
+            <a:ext cx="2103120" cy="320682"/>
+          </a:xfrm>
+          <a:prstGeom prst="rect">
+            <a:avLst/>
+          </a:prstGeom>
+          <a:solidFill>
+            <a:srgbClr val="E3E0B3"/>
+          </a:solidFill>
+          <a:ln>
+            <a:solidFill>
+              <a:schemeClr val="tx1">
+                <a:lumMod val="65000"/>
+                <a:lumOff val="35000"/>
+              </a:schemeClr>
+            </a:solidFill>
+          </a:ln>
+        </p:spPr>
+        <p:style>
+          <a:lnRef idx="2">
+            <a:schemeClr val="accent6"/>
+          </a:lnRef>
+          <a:fillRef idx="1">
+            <a:schemeClr val="lt1"/>
+          </a:fillRef>
+          <a:effectRef idx="0">
+            <a:schemeClr val="accent6"/>
+          </a:effectRef>
+          <a:fontRef idx="minor">
+            <a:schemeClr val="dk1"/>
+          </a:fontRef>
+        </p:style>
+        <p:txBody>
+          <a:bodyPr rtlCol="0" anchor="ctr"/>
+          <a:lstStyle/>
+          <a:p>
+            <a:pPr algn="ctr"/>
+            <a:r>
+              <a:rPr lang="en-US" dirty="0"/>
+              <a:t>profile</a:t>
+            </a:r>
+          </a:p>
+        </p:txBody>
+      </p:sp>
+      <p:sp>
+        <p:nvSpPr>
+          <p:cNvPr id="124" name="Rectangle 123">
+            <a:extLst>
+              <a:ext uri="{FF2B5EF4-FFF2-40B4-BE49-F238E27FC236}">
+                <a16:creationId xmlns:a16="http://schemas.microsoft.com/office/drawing/2014/main" id="{63F7C3FF-13CF-DF89-5240-FB4F63C86826}"/>
+              </a:ext>
+            </a:extLst>
+          </p:cNvPr>
+          <p:cNvSpPr/>
+          <p:nvPr/>
+        </p:nvSpPr>
+        <p:spPr>
+          <a:xfrm>
+            <a:off x="876233" y="4901316"/>
+            <a:ext cx="2103120" cy="320682"/>
+          </a:xfrm>
+          <a:prstGeom prst="rect">
+            <a:avLst/>
+          </a:prstGeom>
+          <a:solidFill>
+            <a:srgbClr val="E3E0B3"/>
+          </a:solidFill>
+          <a:ln>
+            <a:solidFill>
+              <a:schemeClr val="tx1">
+                <a:lumMod val="65000"/>
+                <a:lumOff val="35000"/>
+              </a:schemeClr>
+            </a:solidFill>
+          </a:ln>
+        </p:spPr>
+        <p:style>
+          <a:lnRef idx="2">
+            <a:schemeClr val="accent6"/>
+          </a:lnRef>
+          <a:fillRef idx="1">
+            <a:schemeClr val="lt1"/>
+          </a:fillRef>
+          <a:effectRef idx="0">
+            <a:schemeClr val="accent6"/>
+          </a:effectRef>
+          <a:fontRef idx="minor">
+            <a:schemeClr val="dk1"/>
+          </a:fontRef>
+        </p:style>
+        <p:txBody>
+          <a:bodyPr rtlCol="0" anchor="ctr"/>
+          <a:lstStyle/>
+          <a:p>
+            <a:pPr algn="ctr"/>
+            <a:r>
+              <a:rPr lang="en-US" dirty="0"/>
+              <a:t>health</a:t>
+            </a:r>
+          </a:p>
+        </p:txBody>
+      </p:sp>
     </p:spTree>
     <p:extLst>
       <p:ext uri="{BB962C8B-B14F-4D97-AF65-F5344CB8AC3E}">
-        <p14:creationId xmlns:p14="http://schemas.microsoft.com/office/powerpoint/2010/main" val="2352922686"/>
+        <p14:creationId xmlns:p14="http://schemas.microsoft.com/office/powerpoint/2010/main" val="2234276012"/>
       </p:ext>
     </p:extLst>
   </p:cSld>
@@ -8713,18 +10819,157 @@
           <a:lstStyle/>
           <a:p>
             <a:r>
+              <a:rPr lang="en-US" sz="4000" dirty="0" err="1"/>
+              <a:t>Leggos</a:t>
+            </a:r>
+            <a:r>
               <a:rPr lang="en-US" sz="4000" dirty="0"/>
-              <a:t>Servers</a:t>
-            </a:r>
-          </a:p>
-        </p:txBody>
-      </p:sp>
-      <p:sp>
-        <p:nvSpPr>
-          <p:cNvPr id="25" name="Rectangle 24">
-            <a:extLst>
-              <a:ext uri="{FF2B5EF4-FFF2-40B4-BE49-F238E27FC236}">
-                <a16:creationId xmlns:a16="http://schemas.microsoft.com/office/drawing/2014/main" id="{AB2CAAB2-4F26-9795-B71C-6066629BFDE4}"/>
+              <a:t>® SLO</a:t>
+            </a:r>
+          </a:p>
+        </p:txBody>
+      </p:sp>
+      <p:cxnSp>
+        <p:nvCxnSpPr>
+          <p:cNvPr id="10" name="Straight Connector 9">
+            <a:extLst>
+              <a:ext uri="{FF2B5EF4-FFF2-40B4-BE49-F238E27FC236}">
+                <a16:creationId xmlns:a16="http://schemas.microsoft.com/office/drawing/2014/main" id="{2C327D33-F4EE-C800-6261-1942AD826F86}"/>
+              </a:ext>
+            </a:extLst>
+          </p:cNvPr>
+          <p:cNvCxnSpPr>
+            <a:cxnSpLocks/>
+          </p:cNvCxnSpPr>
+          <p:nvPr/>
+        </p:nvCxnSpPr>
+        <p:spPr>
+          <a:xfrm>
+            <a:off x="244149" y="117127"/>
+            <a:ext cx="0" cy="1324326"/>
+          </a:xfrm>
+          <a:prstGeom prst="line">
+            <a:avLst/>
+          </a:prstGeom>
+          <a:ln w="25400">
+            <a:solidFill>
+              <a:schemeClr val="tx1"/>
+            </a:solidFill>
+          </a:ln>
+        </p:spPr>
+        <p:style>
+          <a:lnRef idx="1">
+            <a:schemeClr val="accent1"/>
+          </a:lnRef>
+          <a:fillRef idx="0">
+            <a:schemeClr val="accent1"/>
+          </a:fillRef>
+          <a:effectRef idx="0">
+            <a:schemeClr val="accent1"/>
+          </a:effectRef>
+          <a:fontRef idx="minor">
+            <a:schemeClr val="tx1"/>
+          </a:fontRef>
+        </p:style>
+      </p:cxnSp>
+      <p:cxnSp>
+        <p:nvCxnSpPr>
+          <p:cNvPr id="14" name="Straight Connector 13">
+            <a:extLst>
+              <a:ext uri="{FF2B5EF4-FFF2-40B4-BE49-F238E27FC236}">
+                <a16:creationId xmlns:a16="http://schemas.microsoft.com/office/drawing/2014/main" id="{1ED8381A-7E0F-DB68-4A6A-94EADEF2604B}"/>
+              </a:ext>
+            </a:extLst>
+          </p:cNvPr>
+          <p:cNvCxnSpPr>
+            <a:cxnSpLocks/>
+          </p:cNvCxnSpPr>
+          <p:nvPr/>
+        </p:nvCxnSpPr>
+        <p:spPr>
+          <a:xfrm flipV="1">
+            <a:off x="7562851" y="285875"/>
+            <a:ext cx="312336" cy="6641"/>
+          </a:xfrm>
+          <a:prstGeom prst="line">
+            <a:avLst/>
+          </a:prstGeom>
+          <a:ln w="25400">
+            <a:solidFill>
+              <a:schemeClr val="tx1">
+                <a:lumMod val="50000"/>
+                <a:lumOff val="50000"/>
+              </a:schemeClr>
+            </a:solidFill>
+          </a:ln>
+        </p:spPr>
+        <p:style>
+          <a:lnRef idx="1">
+            <a:schemeClr val="accent1"/>
+          </a:lnRef>
+          <a:fillRef idx="0">
+            <a:schemeClr val="accent1"/>
+          </a:fillRef>
+          <a:effectRef idx="0">
+            <a:schemeClr val="accent1"/>
+          </a:effectRef>
+          <a:fontRef idx="minor">
+            <a:schemeClr val="tx1"/>
+          </a:fontRef>
+        </p:style>
+      </p:cxnSp>
+      <p:cxnSp>
+        <p:nvCxnSpPr>
+          <p:cNvPr id="16" name="Straight Connector 15">
+            <a:extLst>
+              <a:ext uri="{FF2B5EF4-FFF2-40B4-BE49-F238E27FC236}">
+                <a16:creationId xmlns:a16="http://schemas.microsoft.com/office/drawing/2014/main" id="{183ABB7A-C2D9-FD13-C555-77F314ABE71F}"/>
+              </a:ext>
+            </a:extLst>
+          </p:cNvPr>
+          <p:cNvCxnSpPr>
+            <a:cxnSpLocks/>
+          </p:cNvCxnSpPr>
+          <p:nvPr/>
+        </p:nvCxnSpPr>
+        <p:spPr>
+          <a:xfrm flipH="1" flipV="1">
+            <a:off x="8354419" y="312612"/>
+            <a:ext cx="646593" cy="1"/>
+          </a:xfrm>
+          <a:prstGeom prst="line">
+            <a:avLst/>
+          </a:prstGeom>
+          <a:ln w="25400">
+            <a:solidFill>
+              <a:schemeClr val="tx1">
+                <a:lumMod val="50000"/>
+                <a:lumOff val="50000"/>
+              </a:schemeClr>
+            </a:solidFill>
+          </a:ln>
+        </p:spPr>
+        <p:style>
+          <a:lnRef idx="1">
+            <a:schemeClr val="accent1"/>
+          </a:lnRef>
+          <a:fillRef idx="0">
+            <a:schemeClr val="accent1"/>
+          </a:fillRef>
+          <a:effectRef idx="0">
+            <a:schemeClr val="accent1"/>
+          </a:effectRef>
+          <a:fontRef idx="minor">
+            <a:schemeClr val="tx1"/>
+          </a:fontRef>
+        </p:style>
+      </p:cxnSp>
+      <p:sp>
+        <p:nvSpPr>
+          <p:cNvPr id="32" name="Rectangle 31">
+            <a:extLst>
+              <a:ext uri="{FF2B5EF4-FFF2-40B4-BE49-F238E27FC236}">
+                <a16:creationId xmlns:a16="http://schemas.microsoft.com/office/drawing/2014/main" id="{2886F777-DF05-BE71-1732-20C13F4572BF}"/>
               </a:ext>
             </a:extLst>
           </p:cNvPr>
@@ -8733,8 +10978,8 @@
         </p:nvSpPr>
         <p:spPr>
           <a:xfrm>
-            <a:off x="216680" y="3929911"/>
-            <a:ext cx="2164161" cy="344880"/>
+            <a:off x="7562851" y="3887120"/>
+            <a:ext cx="2158628" cy="344880"/>
           </a:xfrm>
           <a:prstGeom prst="rect">
             <a:avLst/>
@@ -8771,18 +11016,22 @@
           <a:p>
             <a:pPr algn="ctr"/>
             <a:r>
+              <a:rPr lang="en-US" b="1" dirty="0" err="1"/>
+              <a:t>slo</a:t>
+            </a:r>
+            <a:r>
               <a:rPr lang="en-US" b="1" dirty="0"/>
-              <a:t>client-exchange</a:t>
-            </a:r>
-          </a:p>
-        </p:txBody>
-      </p:sp>
-      <p:sp>
-        <p:nvSpPr>
-          <p:cNvPr id="29" name="Rectangle 28">
-            <a:extLst>
-              <a:ext uri="{FF2B5EF4-FFF2-40B4-BE49-F238E27FC236}">
-                <a16:creationId xmlns:a16="http://schemas.microsoft.com/office/drawing/2014/main" id="{725E5123-FA64-2F8C-0F15-B85267D66A9D}"/>
+              <a:t>-exchange</a:t>
+            </a:r>
+          </a:p>
+        </p:txBody>
+      </p:sp>
+      <p:sp>
+        <p:nvSpPr>
+          <p:cNvPr id="33" name="Rectangle 32">
+            <a:extLst>
+              <a:ext uri="{FF2B5EF4-FFF2-40B4-BE49-F238E27FC236}">
+                <a16:creationId xmlns:a16="http://schemas.microsoft.com/office/drawing/2014/main" id="{6220BF0B-BD06-6DF9-02B0-8E6749A2EDC7}"/>
               </a:ext>
             </a:extLst>
           </p:cNvPr>
@@ -8791,8 +11040,8 @@
         </p:nvSpPr>
         <p:spPr>
           <a:xfrm>
-            <a:off x="5190616" y="698495"/>
-            <a:ext cx="1886101" cy="344880"/>
+            <a:off x="5106632" y="3818152"/>
+            <a:ext cx="2184354" cy="344880"/>
           </a:xfrm>
           <a:prstGeom prst="rect">
             <a:avLst/>
@@ -8829,22 +11078,18 @@
           <a:p>
             <a:pPr algn="ctr"/>
             <a:r>
-              <a:rPr lang="en-US" b="1" dirty="0" err="1"/>
-              <a:t>awsrds</a:t>
-            </a:r>
-            <a:r>
               <a:rPr lang="en-US" b="1" dirty="0"/>
-              <a:t>-adapter</a:t>
-            </a:r>
-          </a:p>
-        </p:txBody>
-      </p:sp>
-      <p:sp>
-        <p:nvSpPr>
-          <p:cNvPr id="31" name="Rectangle 30">
-            <a:extLst>
-              <a:ext uri="{FF2B5EF4-FFF2-40B4-BE49-F238E27FC236}">
-                <a16:creationId xmlns:a16="http://schemas.microsoft.com/office/drawing/2014/main" id="{ADE54724-734B-EAA6-6CC1-F12C743FDBF6}"/>
+              <a:t>timeseries-exchange</a:t>
+            </a:r>
+          </a:p>
+        </p:txBody>
+      </p:sp>
+      <p:sp>
+        <p:nvSpPr>
+          <p:cNvPr id="34" name="Rectangle 33">
+            <a:extLst>
+              <a:ext uri="{FF2B5EF4-FFF2-40B4-BE49-F238E27FC236}">
+                <a16:creationId xmlns:a16="http://schemas.microsoft.com/office/drawing/2014/main" id="{24FF6FA8-F549-7342-38DC-36B9AE6830F7}"/>
               </a:ext>
             </a:extLst>
           </p:cNvPr>
@@ -8853,8 +11098,8 @@
         </p:nvSpPr>
         <p:spPr>
           <a:xfrm>
-            <a:off x="216680" y="5095767"/>
-            <a:ext cx="1886101" cy="358850"/>
+            <a:off x="5106632" y="3368869"/>
+            <a:ext cx="2184354" cy="344880"/>
           </a:xfrm>
           <a:prstGeom prst="rect">
             <a:avLst/>
@@ -8892,17 +11137,17 @@
             <a:pPr algn="ctr"/>
             <a:r>
               <a:rPr lang="en-US" b="1" dirty="0"/>
-              <a:t>metrics-ingress</a:t>
-            </a:r>
-          </a:p>
-        </p:txBody>
-      </p:sp>
-      <p:sp>
-        <p:nvSpPr>
-          <p:cNvPr id="32" name="Rectangle 31">
-            <a:extLst>
-              <a:ext uri="{FF2B5EF4-FFF2-40B4-BE49-F238E27FC236}">
-                <a16:creationId xmlns:a16="http://schemas.microsoft.com/office/drawing/2014/main" id="{2886F777-DF05-BE71-1732-20C13F4572BF}"/>
+              <a:t>timeseries-data</a:t>
+            </a:r>
+          </a:p>
+        </p:txBody>
+      </p:sp>
+      <p:sp>
+        <p:nvSpPr>
+          <p:cNvPr id="35" name="Rectangle 34">
+            <a:extLst>
+              <a:ext uri="{FF2B5EF4-FFF2-40B4-BE49-F238E27FC236}">
+                <a16:creationId xmlns:a16="http://schemas.microsoft.com/office/drawing/2014/main" id="{E03BEE1A-F21C-E8CF-69AC-041F8705640D}"/>
               </a:ext>
             </a:extLst>
           </p:cNvPr>
@@ -8911,7 +11156,7 @@
         </p:nvSpPr>
         <p:spPr>
           <a:xfrm>
-            <a:off x="6654994" y="3548669"/>
+            <a:off x="7562851" y="3368856"/>
             <a:ext cx="1886101" cy="344880"/>
           </a:xfrm>
           <a:prstGeom prst="rect">
@@ -8954,17 +11199,17 @@
             </a:r>
             <a:r>
               <a:rPr lang="en-US" b="1" dirty="0"/>
-              <a:t>-exchange</a:t>
-            </a:r>
-          </a:p>
-        </p:txBody>
-      </p:sp>
-      <p:sp>
-        <p:nvSpPr>
-          <p:cNvPr id="33" name="Rectangle 32">
-            <a:extLst>
-              <a:ext uri="{FF2B5EF4-FFF2-40B4-BE49-F238E27FC236}">
-                <a16:creationId xmlns:a16="http://schemas.microsoft.com/office/drawing/2014/main" id="{6220BF0B-BD06-6DF9-02B0-8E6749A2EDC7}"/>
+              <a:t>-data</a:t>
+            </a:r>
+          </a:p>
+        </p:txBody>
+      </p:sp>
+      <p:sp>
+        <p:nvSpPr>
+          <p:cNvPr id="39" name="Rectangle 38">
+            <a:extLst>
+              <a:ext uri="{FF2B5EF4-FFF2-40B4-BE49-F238E27FC236}">
+                <a16:creationId xmlns:a16="http://schemas.microsoft.com/office/drawing/2014/main" id="{C6241EB3-BB1F-EE3E-3159-85AC98A929FD}"/>
               </a:ext>
             </a:extLst>
           </p:cNvPr>
@@ -8973,8 +11218,8 @@
         </p:nvSpPr>
         <p:spPr>
           <a:xfrm>
-            <a:off x="6654994" y="2382093"/>
-            <a:ext cx="2184354" cy="344880"/>
+            <a:off x="9949334" y="4311436"/>
+            <a:ext cx="2158629" cy="344880"/>
           </a:xfrm>
           <a:prstGeom prst="rect">
             <a:avLst/>
@@ -9012,17 +11257,22 @@
             <a:pPr algn="ctr"/>
             <a:r>
               <a:rPr lang="en-US" b="1" dirty="0"/>
-              <a:t>timeseries-exchange</a:t>
-            </a:r>
-          </a:p>
-        </p:txBody>
-      </p:sp>
-      <p:sp>
-        <p:nvSpPr>
-          <p:cNvPr id="37" name="Rectangle 36">
-            <a:extLst>
-              <a:ext uri="{FF2B5EF4-FFF2-40B4-BE49-F238E27FC236}">
-                <a16:creationId xmlns:a16="http://schemas.microsoft.com/office/drawing/2014/main" id="{B6C2131A-0862-B040-9DAB-BF28038775ED}"/>
+              <a:t>customer-</a:t>
+            </a:r>
+            <a:r>
+              <a:rPr lang="en-US" b="1" dirty="0" err="1"/>
+              <a:t>cdc</a:t>
+            </a:r>
+            <a:endParaRPr lang="en-US" b="1" dirty="0"/>
+          </a:p>
+        </p:txBody>
+      </p:sp>
+      <p:sp>
+        <p:nvSpPr>
+          <p:cNvPr id="40" name="Rectangle 39">
+            <a:extLst>
+              <a:ext uri="{FF2B5EF4-FFF2-40B4-BE49-F238E27FC236}">
+                <a16:creationId xmlns:a16="http://schemas.microsoft.com/office/drawing/2014/main" id="{E2BD4303-92C3-BF26-2024-18A673F3C568}"/>
               </a:ext>
             </a:extLst>
           </p:cNvPr>
@@ -9031,8 +11281,8 @@
         </p:nvSpPr>
         <p:spPr>
           <a:xfrm>
-            <a:off x="5343016" y="850895"/>
-            <a:ext cx="1886101" cy="344880"/>
+            <a:off x="9949334" y="3314255"/>
+            <a:ext cx="2158629" cy="410453"/>
           </a:xfrm>
           <a:prstGeom prst="rect">
             <a:avLst/>
@@ -9069,22 +11319,18 @@
           <a:p>
             <a:pPr algn="ctr"/>
             <a:r>
-              <a:rPr lang="en-US" b="1" dirty="0" err="1"/>
-              <a:t>awsrds</a:t>
-            </a:r>
-            <a:r>
               <a:rPr lang="en-US" b="1" dirty="0"/>
-              <a:t>-adapter</a:t>
-            </a:r>
-          </a:p>
-        </p:txBody>
-      </p:sp>
-      <p:sp>
-        <p:nvSpPr>
-          <p:cNvPr id="38" name="Rectangle 37">
-            <a:extLst>
-              <a:ext uri="{FF2B5EF4-FFF2-40B4-BE49-F238E27FC236}">
-                <a16:creationId xmlns:a16="http://schemas.microsoft.com/office/drawing/2014/main" id="{61926031-B48A-5DDC-CAF1-F32796A0C45A}"/>
+              <a:t>customer-data</a:t>
+            </a:r>
+          </a:p>
+        </p:txBody>
+      </p:sp>
+      <p:sp>
+        <p:nvSpPr>
+          <p:cNvPr id="44" name="Rectangle 43">
+            <a:extLst>
+              <a:ext uri="{FF2B5EF4-FFF2-40B4-BE49-F238E27FC236}">
+                <a16:creationId xmlns:a16="http://schemas.microsoft.com/office/drawing/2014/main" id="{334E8541-C10F-89FA-96FA-614BB2879E1F}"/>
               </a:ext>
             </a:extLst>
           </p:cNvPr>
@@ -9093,8 +11339,8 @@
         </p:nvSpPr>
         <p:spPr>
           <a:xfrm>
-            <a:off x="5495416" y="1003295"/>
-            <a:ext cx="1886101" cy="344880"/>
+            <a:off x="5150642" y="4325503"/>
+            <a:ext cx="2184354" cy="344880"/>
           </a:xfrm>
           <a:prstGeom prst="rect">
             <a:avLst/>
@@ -9131,22 +11377,23 @@
           <a:p>
             <a:pPr algn="ctr"/>
             <a:r>
+              <a:rPr lang="en-US" b="1" dirty="0"/>
+              <a:t>timeseries-</a:t>
+            </a:r>
+            <a:r>
               <a:rPr lang="en-US" b="1" dirty="0" err="1"/>
-              <a:t>awsrds</a:t>
-            </a:r>
-            <a:r>
-              <a:rPr lang="en-US" b="1" dirty="0"/>
-              <a:t>-adapter</a:t>
-            </a:r>
-          </a:p>
-        </p:txBody>
-      </p:sp>
-      <p:sp>
-        <p:nvSpPr>
-          <p:cNvPr id="39" name="Rectangle 38">
-            <a:extLst>
-              <a:ext uri="{FF2B5EF4-FFF2-40B4-BE49-F238E27FC236}">
-                <a16:creationId xmlns:a16="http://schemas.microsoft.com/office/drawing/2014/main" id="{C6241EB3-BB1F-EE3E-3159-85AC98A929FD}"/>
+              <a:t>cdc</a:t>
+            </a:r>
+            <a:endParaRPr lang="en-US" b="1" dirty="0"/>
+          </a:p>
+        </p:txBody>
+      </p:sp>
+      <p:sp>
+        <p:nvSpPr>
+          <p:cNvPr id="45" name="Rectangle 44">
+            <a:extLst>
+              <a:ext uri="{FF2B5EF4-FFF2-40B4-BE49-F238E27FC236}">
+                <a16:creationId xmlns:a16="http://schemas.microsoft.com/office/drawing/2014/main" id="{C245E4A0-B3AF-56E8-FDDF-1E81D4D1353B}"/>
               </a:ext>
             </a:extLst>
           </p:cNvPr>
@@ -9155,8 +11402,8 @@
         </p:nvSpPr>
         <p:spPr>
           <a:xfrm>
-            <a:off x="5647816" y="1155695"/>
-            <a:ext cx="1886101" cy="344880"/>
+            <a:off x="7562851" y="4325503"/>
+            <a:ext cx="2158628" cy="344880"/>
           </a:xfrm>
           <a:prstGeom prst="rect">
             <a:avLst/>
@@ -9194,21 +11441,18 @@
             <a:pPr algn="ctr"/>
             <a:r>
               <a:rPr lang="en-US" b="1" dirty="0" err="1"/>
-              <a:t>awsrds</a:t>
-            </a:r>
-            <a:r>
-              <a:rPr lang="en-US" b="1" dirty="0"/>
-              <a:t>-adapter</a:t>
-            </a:r>
-          </a:p>
-        </p:txBody>
-      </p:sp>
-      <p:sp>
-        <p:nvSpPr>
-          <p:cNvPr id="40" name="Rectangle 39">
-            <a:extLst>
-              <a:ext uri="{FF2B5EF4-FFF2-40B4-BE49-F238E27FC236}">
-                <a16:creationId xmlns:a16="http://schemas.microsoft.com/office/drawing/2014/main" id="{E2BD4303-92C3-BF26-2024-18A673F3C568}"/>
+              <a:t>slo-cdc</a:t>
+            </a:r>
+            <a:endParaRPr lang="en-US" b="1" dirty="0"/>
+          </a:p>
+        </p:txBody>
+      </p:sp>
+      <p:sp>
+        <p:nvSpPr>
+          <p:cNvPr id="46" name="Rectangle 45">
+            <a:extLst>
+              <a:ext uri="{FF2B5EF4-FFF2-40B4-BE49-F238E27FC236}">
+                <a16:creationId xmlns:a16="http://schemas.microsoft.com/office/drawing/2014/main" id="{B5356A2D-0496-B2C5-B161-E11A80D9E4CD}"/>
               </a:ext>
             </a:extLst>
           </p:cNvPr>
@@ -9217,8 +11461,8 @@
         </p:nvSpPr>
         <p:spPr>
           <a:xfrm>
-            <a:off x="494740" y="2999721"/>
-            <a:ext cx="1886101" cy="344880"/>
+            <a:off x="9949333" y="3802886"/>
+            <a:ext cx="2158629" cy="410453"/>
           </a:xfrm>
           <a:prstGeom prst="rect">
             <a:avLst/>
@@ -9256,17 +11500,17 @@
             <a:pPr algn="ctr"/>
             <a:r>
               <a:rPr lang="en-US" b="1" dirty="0"/>
-              <a:t>entity-exchange</a:t>
-            </a:r>
-          </a:p>
-        </p:txBody>
-      </p:sp>
-      <p:sp>
-        <p:nvSpPr>
-          <p:cNvPr id="41" name="Rectangle 40">
-            <a:extLst>
-              <a:ext uri="{FF2B5EF4-FFF2-40B4-BE49-F238E27FC236}">
-                <a16:creationId xmlns:a16="http://schemas.microsoft.com/office/drawing/2014/main" id="{1FFD5F27-F151-E7E0-B247-8802E069F0FE}"/>
+              <a:t>customer-exchange</a:t>
+            </a:r>
+          </a:p>
+        </p:txBody>
+      </p:sp>
+      <p:sp>
+        <p:nvSpPr>
+          <p:cNvPr id="3" name="Rectangle 2">
+            <a:extLst>
+              <a:ext uri="{FF2B5EF4-FFF2-40B4-BE49-F238E27FC236}">
+                <a16:creationId xmlns:a16="http://schemas.microsoft.com/office/drawing/2014/main" id="{CD4D9C27-7C83-FBCD-D988-B41F11D04499}"/>
               </a:ext>
             </a:extLst>
           </p:cNvPr>
@@ -9275,8 +11519,8 @@
         </p:nvSpPr>
         <p:spPr>
           <a:xfrm>
-            <a:off x="9162509" y="660412"/>
-            <a:ext cx="2389110" cy="344880"/>
+            <a:off x="4461202" y="1997428"/>
+            <a:ext cx="2238957" cy="355876"/>
           </a:xfrm>
           <a:prstGeom prst="rect">
             <a:avLst/>
@@ -9285,12 +11529,31 @@
             <a:schemeClr val="bg1"/>
           </a:solidFill>
           <a:ln w="25400">
-            <a:solidFill>
-              <a:schemeClr val="tx1">
-                <a:lumMod val="50000"/>
-                <a:lumOff val="50000"/>
-              </a:schemeClr>
-            </a:solidFill>
+            <a:gradFill flip="none" rotWithShape="1">
+              <a:gsLst>
+                <a:gs pos="0">
+                  <a:schemeClr val="accent5">
+                    <a:lumMod val="40000"/>
+                    <a:lumOff val="60000"/>
+                  </a:schemeClr>
+                </a:gs>
+                <a:gs pos="46000">
+                  <a:schemeClr val="accent5">
+                    <a:lumMod val="95000"/>
+                    <a:lumOff val="5000"/>
+                  </a:schemeClr>
+                </a:gs>
+                <a:gs pos="100000">
+                  <a:schemeClr val="accent5">
+                    <a:lumMod val="60000"/>
+                  </a:schemeClr>
+                </a:gs>
+              </a:gsLst>
+              <a:path path="circle">
+                <a:fillToRect l="50000" t="130000" r="50000" b="-30000"/>
+              </a:path>
+              <a:tileRect/>
+            </a:gradFill>
           </a:ln>
         </p:spPr>
         <p:style>
@@ -9314,307 +11577,7 @@
             <a:pPr algn="ctr"/>
             <a:r>
               <a:rPr lang="en-US" b="1" dirty="0"/>
-              <a:t>timeseries-replication</a:t>
-            </a:r>
-          </a:p>
-        </p:txBody>
-      </p:sp>
-      <p:sp>
-        <p:nvSpPr>
-          <p:cNvPr id="42" name="Rectangle 41">
-            <a:extLst>
-              <a:ext uri="{FF2B5EF4-FFF2-40B4-BE49-F238E27FC236}">
-                <a16:creationId xmlns:a16="http://schemas.microsoft.com/office/drawing/2014/main" id="{EF57DC3E-F613-4C5E-53D1-EFB77E911030}"/>
-              </a:ext>
-            </a:extLst>
-          </p:cNvPr>
-          <p:cNvSpPr/>
-          <p:nvPr/>
-        </p:nvSpPr>
-        <p:spPr>
-          <a:xfrm>
-            <a:off x="696380" y="1923393"/>
-            <a:ext cx="1886101" cy="344880"/>
-          </a:xfrm>
-          <a:prstGeom prst="rect">
-            <a:avLst/>
-          </a:prstGeom>
-          <a:solidFill>
-            <a:schemeClr val="bg1"/>
-          </a:solidFill>
-          <a:ln w="25400">
-            <a:solidFill>
-              <a:schemeClr val="tx1">
-                <a:lumMod val="50000"/>
-                <a:lumOff val="50000"/>
-              </a:schemeClr>
-            </a:solidFill>
-          </a:ln>
-        </p:spPr>
-        <p:style>
-          <a:lnRef idx="2">
-            <a:schemeClr val="accent6"/>
-          </a:lnRef>
-          <a:fillRef idx="1">
-            <a:schemeClr val="lt1"/>
-          </a:fillRef>
-          <a:effectRef idx="0">
-            <a:schemeClr val="accent6"/>
-          </a:effectRef>
-          <a:fontRef idx="minor">
-            <a:schemeClr val="dk1"/>
-          </a:fontRef>
-        </p:style>
-        <p:txBody>
-          <a:bodyPr rtlCol="0" anchor="ctr"/>
-          <a:lstStyle/>
-          <a:p>
-            <a:pPr algn="ctr"/>
-            <a:r>
-              <a:rPr lang="en-US" b="1" dirty="0"/>
-              <a:t>elastic-exchange</a:t>
-            </a:r>
-          </a:p>
-        </p:txBody>
-      </p:sp>
-      <p:sp>
-        <p:nvSpPr>
-          <p:cNvPr id="43" name="Rectangle 42">
-            <a:extLst>
-              <a:ext uri="{FF2B5EF4-FFF2-40B4-BE49-F238E27FC236}">
-                <a16:creationId xmlns:a16="http://schemas.microsoft.com/office/drawing/2014/main" id="{7478D019-1D72-3F60-9FCF-8AFBEAFAD84C}"/>
-              </a:ext>
-            </a:extLst>
-          </p:cNvPr>
-          <p:cNvSpPr/>
-          <p:nvPr/>
-        </p:nvSpPr>
-        <p:spPr>
-          <a:xfrm>
-            <a:off x="9162509" y="1308095"/>
-            <a:ext cx="2389110" cy="344880"/>
-          </a:xfrm>
-          <a:prstGeom prst="rect">
-            <a:avLst/>
-          </a:prstGeom>
-          <a:solidFill>
-            <a:schemeClr val="bg1"/>
-          </a:solidFill>
-          <a:ln w="25400">
-            <a:solidFill>
-              <a:schemeClr val="tx1">
-                <a:lumMod val="50000"/>
-                <a:lumOff val="50000"/>
-              </a:schemeClr>
-            </a:solidFill>
-          </a:ln>
-        </p:spPr>
-        <p:style>
-          <a:lnRef idx="2">
-            <a:schemeClr val="accent6"/>
-          </a:lnRef>
-          <a:fillRef idx="1">
-            <a:schemeClr val="lt1"/>
-          </a:fillRef>
-          <a:effectRef idx="0">
-            <a:schemeClr val="accent6"/>
-          </a:effectRef>
-          <a:fontRef idx="minor">
-            <a:schemeClr val="dk1"/>
-          </a:fontRef>
-        </p:style>
-        <p:txBody>
-          <a:bodyPr rtlCol="0" anchor="ctr"/>
-          <a:lstStyle/>
-          <a:p>
-            <a:pPr algn="ctr"/>
-            <a:r>
-              <a:rPr lang="en-US" b="1" dirty="0" err="1"/>
-              <a:t>slo</a:t>
-            </a:r>
-            <a:r>
-              <a:rPr lang="en-US" b="1" dirty="0"/>
-              <a:t>-replication</a:t>
-            </a:r>
-          </a:p>
-        </p:txBody>
-      </p:sp>
-      <p:sp>
-        <p:nvSpPr>
-          <p:cNvPr id="3" name="Rectangle 2">
-            <a:extLst>
-              <a:ext uri="{FF2B5EF4-FFF2-40B4-BE49-F238E27FC236}">
-                <a16:creationId xmlns:a16="http://schemas.microsoft.com/office/drawing/2014/main" id="{515E76EF-7AE7-75DD-2BE7-D9C82CDD49DA}"/>
-              </a:ext>
-            </a:extLst>
-          </p:cNvPr>
-          <p:cNvSpPr/>
-          <p:nvPr/>
-        </p:nvSpPr>
-        <p:spPr>
-          <a:xfrm>
-            <a:off x="6654994" y="2939211"/>
-            <a:ext cx="2184354" cy="397220"/>
-          </a:xfrm>
-          <a:prstGeom prst="rect">
-            <a:avLst/>
-          </a:prstGeom>
-          <a:solidFill>
-            <a:schemeClr val="bg1"/>
-          </a:solidFill>
-          <a:ln w="25400">
-            <a:solidFill>
-              <a:schemeClr val="tx1">
-                <a:lumMod val="50000"/>
-                <a:lumOff val="50000"/>
-              </a:schemeClr>
-            </a:solidFill>
-          </a:ln>
-        </p:spPr>
-        <p:style>
-          <a:lnRef idx="2">
-            <a:schemeClr val="accent6"/>
-          </a:lnRef>
-          <a:fillRef idx="1">
-            <a:schemeClr val="lt1"/>
-          </a:fillRef>
-          <a:effectRef idx="0">
-            <a:schemeClr val="accent6"/>
-          </a:effectRef>
-          <a:fontRef idx="minor">
-            <a:schemeClr val="dk1"/>
-          </a:fontRef>
-        </p:style>
-        <p:txBody>
-          <a:bodyPr rtlCol="0" anchor="ctr"/>
-          <a:lstStyle/>
-          <a:p>
-            <a:pPr algn="ctr"/>
-            <a:r>
-              <a:rPr lang="en-US" b="1" dirty="0"/>
-              <a:t>timeseries-</a:t>
-            </a:r>
-            <a:r>
-              <a:rPr lang="en-US" b="1" dirty="0" err="1"/>
-              <a:t>cdc</a:t>
-            </a:r>
-            <a:endParaRPr lang="en-US" b="1" dirty="0"/>
-          </a:p>
-        </p:txBody>
-      </p:sp>
-      <p:sp>
-        <p:nvSpPr>
-          <p:cNvPr id="6" name="Rectangle 5">
-            <a:extLst>
-              <a:ext uri="{FF2B5EF4-FFF2-40B4-BE49-F238E27FC236}">
-                <a16:creationId xmlns:a16="http://schemas.microsoft.com/office/drawing/2014/main" id="{1CB20B4D-398E-4A30-C2A3-BF57B0E95220}"/>
-              </a:ext>
-            </a:extLst>
-          </p:cNvPr>
-          <p:cNvSpPr/>
-          <p:nvPr/>
-        </p:nvSpPr>
-        <p:spPr>
-          <a:xfrm>
-            <a:off x="6654994" y="4102351"/>
-            <a:ext cx="1886101" cy="344880"/>
-          </a:xfrm>
-          <a:prstGeom prst="rect">
-            <a:avLst/>
-          </a:prstGeom>
-          <a:solidFill>
-            <a:schemeClr val="bg1"/>
-          </a:solidFill>
-          <a:ln w="25400">
-            <a:solidFill>
-              <a:schemeClr val="tx1">
-                <a:lumMod val="50000"/>
-                <a:lumOff val="50000"/>
-              </a:schemeClr>
-            </a:solidFill>
-          </a:ln>
-        </p:spPr>
-        <p:style>
-          <a:lnRef idx="2">
-            <a:schemeClr val="accent6"/>
-          </a:lnRef>
-          <a:fillRef idx="1">
-            <a:schemeClr val="lt1"/>
-          </a:fillRef>
-          <a:effectRef idx="0">
-            <a:schemeClr val="accent6"/>
-          </a:effectRef>
-          <a:fontRef idx="minor">
-            <a:schemeClr val="dk1"/>
-          </a:fontRef>
-        </p:style>
-        <p:txBody>
-          <a:bodyPr rtlCol="0" anchor="ctr"/>
-          <a:lstStyle/>
-          <a:p>
-            <a:pPr algn="ctr"/>
-            <a:r>
-              <a:rPr lang="en-US" b="1" dirty="0" err="1"/>
-              <a:t>slo-cdc</a:t>
-            </a:r>
-            <a:endParaRPr lang="en-US" b="1" dirty="0"/>
-          </a:p>
-        </p:txBody>
-      </p:sp>
-      <p:sp>
-        <p:nvSpPr>
-          <p:cNvPr id="7" name="Rectangle 6">
-            <a:extLst>
-              <a:ext uri="{FF2B5EF4-FFF2-40B4-BE49-F238E27FC236}">
-                <a16:creationId xmlns:a16="http://schemas.microsoft.com/office/drawing/2014/main" id="{099760A8-00A1-FB42-A053-444D04BCA853}"/>
-              </a:ext>
-            </a:extLst>
-          </p:cNvPr>
-          <p:cNvSpPr/>
-          <p:nvPr/>
-        </p:nvSpPr>
-        <p:spPr>
-          <a:xfrm>
-            <a:off x="3463462" y="4870279"/>
-            <a:ext cx="2184354" cy="344880"/>
-          </a:xfrm>
-          <a:prstGeom prst="rect">
-            <a:avLst/>
-          </a:prstGeom>
-          <a:solidFill>
-            <a:schemeClr val="bg1"/>
-          </a:solidFill>
-          <a:ln w="25400">
-            <a:solidFill>
-              <a:schemeClr val="tx1">
-                <a:lumMod val="50000"/>
-                <a:lumOff val="50000"/>
-              </a:schemeClr>
-            </a:solidFill>
-          </a:ln>
-        </p:spPr>
-        <p:style>
-          <a:lnRef idx="2">
-            <a:schemeClr val="accent6"/>
-          </a:lnRef>
-          <a:fillRef idx="1">
-            <a:schemeClr val="lt1"/>
-          </a:fillRef>
-          <a:effectRef idx="0">
-            <a:schemeClr val="accent6"/>
-          </a:effectRef>
-          <a:fontRef idx="minor">
-            <a:schemeClr val="dk1"/>
-          </a:fontRef>
-        </p:style>
-        <p:txBody>
-          <a:bodyPr rtlCol="0" anchor="ctr"/>
-          <a:lstStyle/>
-          <a:p>
-            <a:pPr algn="ctr"/>
-            <a:r>
-              <a:rPr lang="en-US" b="1" dirty="0"/>
-              <a:t>customer-exchange</a:t>
+              <a:t>entity-resources</a:t>
             </a:r>
           </a:p>
         </p:txBody>
@@ -9622,7 +11585,7 @@
     </p:spTree>
     <p:extLst>
       <p:ext uri="{BB962C8B-B14F-4D97-AF65-F5344CB8AC3E}">
-        <p14:creationId xmlns:p14="http://schemas.microsoft.com/office/powerpoint/2010/main" val="3613665031"/>
+        <p14:creationId xmlns:p14="http://schemas.microsoft.com/office/powerpoint/2010/main" val="2352922686"/>
       </p:ext>
     </p:extLst>
   </p:cSld>
@@ -9654,6 +11617,971 @@
           <p:cNvPr id="2" name="Title 1">
             <a:extLst>
               <a:ext uri="{FF2B5EF4-FFF2-40B4-BE49-F238E27FC236}">
+                <a16:creationId xmlns:a16="http://schemas.microsoft.com/office/drawing/2014/main" id="{62E2D6A4-6388-6755-E9EE-9DB17ED65672}"/>
+              </a:ext>
+            </a:extLst>
+          </p:cNvPr>
+          <p:cNvSpPr>
+            <a:spLocks noGrp="1"/>
+          </p:cNvSpPr>
+          <p:nvPr>
+            <p:ph type="ctrTitle"/>
+          </p:nvPr>
+        </p:nvSpPr>
+        <p:spPr>
+          <a:xfrm>
+            <a:off x="2777515" y="117127"/>
+            <a:ext cx="5900201" cy="541040"/>
+          </a:xfrm>
+        </p:spPr>
+        <p:txBody>
+          <a:bodyPr>
+            <a:noAutofit/>
+          </a:bodyPr>
+          <a:lstStyle/>
+          <a:p>
+            <a:r>
+              <a:rPr lang="en-US" sz="4000" dirty="0"/>
+              <a:t>Servers</a:t>
+            </a:r>
+          </a:p>
+        </p:txBody>
+      </p:sp>
+      <p:sp>
+        <p:nvSpPr>
+          <p:cNvPr id="25" name="Rectangle 24">
+            <a:extLst>
+              <a:ext uri="{FF2B5EF4-FFF2-40B4-BE49-F238E27FC236}">
+                <a16:creationId xmlns:a16="http://schemas.microsoft.com/office/drawing/2014/main" id="{AB2CAAB2-4F26-9795-B71C-6066629BFDE4}"/>
+              </a:ext>
+            </a:extLst>
+          </p:cNvPr>
+          <p:cNvSpPr/>
+          <p:nvPr/>
+        </p:nvSpPr>
+        <p:spPr>
+          <a:xfrm>
+            <a:off x="216680" y="3929911"/>
+            <a:ext cx="2164161" cy="344880"/>
+          </a:xfrm>
+          <a:prstGeom prst="rect">
+            <a:avLst/>
+          </a:prstGeom>
+          <a:solidFill>
+            <a:schemeClr val="bg1"/>
+          </a:solidFill>
+          <a:ln w="25400">
+            <a:solidFill>
+              <a:schemeClr val="tx1">
+                <a:lumMod val="50000"/>
+                <a:lumOff val="50000"/>
+              </a:schemeClr>
+            </a:solidFill>
+          </a:ln>
+        </p:spPr>
+        <p:style>
+          <a:lnRef idx="2">
+            <a:schemeClr val="accent6"/>
+          </a:lnRef>
+          <a:fillRef idx="1">
+            <a:schemeClr val="lt1"/>
+          </a:fillRef>
+          <a:effectRef idx="0">
+            <a:schemeClr val="accent6"/>
+          </a:effectRef>
+          <a:fontRef idx="minor">
+            <a:schemeClr val="dk1"/>
+          </a:fontRef>
+        </p:style>
+        <p:txBody>
+          <a:bodyPr rtlCol="0" anchor="ctr"/>
+          <a:lstStyle/>
+          <a:p>
+            <a:pPr algn="ctr"/>
+            <a:r>
+              <a:rPr lang="en-US" b="1" dirty="0"/>
+              <a:t>client-exchange</a:t>
+            </a:r>
+          </a:p>
+        </p:txBody>
+      </p:sp>
+      <p:sp>
+        <p:nvSpPr>
+          <p:cNvPr id="29" name="Rectangle 28">
+            <a:extLst>
+              <a:ext uri="{FF2B5EF4-FFF2-40B4-BE49-F238E27FC236}">
+                <a16:creationId xmlns:a16="http://schemas.microsoft.com/office/drawing/2014/main" id="{725E5123-FA64-2F8C-0F15-B85267D66A9D}"/>
+              </a:ext>
+            </a:extLst>
+          </p:cNvPr>
+          <p:cNvSpPr/>
+          <p:nvPr/>
+        </p:nvSpPr>
+        <p:spPr>
+          <a:xfrm>
+            <a:off x="5190616" y="698495"/>
+            <a:ext cx="1886101" cy="344880"/>
+          </a:xfrm>
+          <a:prstGeom prst="rect">
+            <a:avLst/>
+          </a:prstGeom>
+          <a:solidFill>
+            <a:schemeClr val="bg1"/>
+          </a:solidFill>
+          <a:ln w="25400">
+            <a:solidFill>
+              <a:schemeClr val="tx1">
+                <a:lumMod val="50000"/>
+                <a:lumOff val="50000"/>
+              </a:schemeClr>
+            </a:solidFill>
+          </a:ln>
+        </p:spPr>
+        <p:style>
+          <a:lnRef idx="2">
+            <a:schemeClr val="accent6"/>
+          </a:lnRef>
+          <a:fillRef idx="1">
+            <a:schemeClr val="lt1"/>
+          </a:fillRef>
+          <a:effectRef idx="0">
+            <a:schemeClr val="accent6"/>
+          </a:effectRef>
+          <a:fontRef idx="minor">
+            <a:schemeClr val="dk1"/>
+          </a:fontRef>
+        </p:style>
+        <p:txBody>
+          <a:bodyPr rtlCol="0" anchor="ctr"/>
+          <a:lstStyle/>
+          <a:p>
+            <a:pPr algn="ctr"/>
+            <a:r>
+              <a:rPr lang="en-US" b="1" dirty="0" err="1"/>
+              <a:t>awsrds</a:t>
+            </a:r>
+            <a:r>
+              <a:rPr lang="en-US" b="1" dirty="0"/>
+              <a:t>-adapter</a:t>
+            </a:r>
+          </a:p>
+        </p:txBody>
+      </p:sp>
+      <p:sp>
+        <p:nvSpPr>
+          <p:cNvPr id="31" name="Rectangle 30">
+            <a:extLst>
+              <a:ext uri="{FF2B5EF4-FFF2-40B4-BE49-F238E27FC236}">
+                <a16:creationId xmlns:a16="http://schemas.microsoft.com/office/drawing/2014/main" id="{ADE54724-734B-EAA6-6CC1-F12C743FDBF6}"/>
+              </a:ext>
+            </a:extLst>
+          </p:cNvPr>
+          <p:cNvSpPr/>
+          <p:nvPr/>
+        </p:nvSpPr>
+        <p:spPr>
+          <a:xfrm>
+            <a:off x="216680" y="5095767"/>
+            <a:ext cx="1886101" cy="358850"/>
+          </a:xfrm>
+          <a:prstGeom prst="rect">
+            <a:avLst/>
+          </a:prstGeom>
+          <a:solidFill>
+            <a:schemeClr val="bg1"/>
+          </a:solidFill>
+          <a:ln w="25400">
+            <a:solidFill>
+              <a:schemeClr val="tx1">
+                <a:lumMod val="50000"/>
+                <a:lumOff val="50000"/>
+              </a:schemeClr>
+            </a:solidFill>
+          </a:ln>
+        </p:spPr>
+        <p:style>
+          <a:lnRef idx="2">
+            <a:schemeClr val="accent6"/>
+          </a:lnRef>
+          <a:fillRef idx="1">
+            <a:schemeClr val="lt1"/>
+          </a:fillRef>
+          <a:effectRef idx="0">
+            <a:schemeClr val="accent6"/>
+          </a:effectRef>
+          <a:fontRef idx="minor">
+            <a:schemeClr val="dk1"/>
+          </a:fontRef>
+        </p:style>
+        <p:txBody>
+          <a:bodyPr rtlCol="0" anchor="ctr"/>
+          <a:lstStyle/>
+          <a:p>
+            <a:pPr algn="ctr"/>
+            <a:r>
+              <a:rPr lang="en-US" b="1" dirty="0"/>
+              <a:t>metrics-ingress</a:t>
+            </a:r>
+          </a:p>
+        </p:txBody>
+      </p:sp>
+      <p:sp>
+        <p:nvSpPr>
+          <p:cNvPr id="32" name="Rectangle 31">
+            <a:extLst>
+              <a:ext uri="{FF2B5EF4-FFF2-40B4-BE49-F238E27FC236}">
+                <a16:creationId xmlns:a16="http://schemas.microsoft.com/office/drawing/2014/main" id="{2886F777-DF05-BE71-1732-20C13F4572BF}"/>
+              </a:ext>
+            </a:extLst>
+          </p:cNvPr>
+          <p:cNvSpPr/>
+          <p:nvPr/>
+        </p:nvSpPr>
+        <p:spPr>
+          <a:xfrm>
+            <a:off x="6654994" y="3548669"/>
+            <a:ext cx="1886101" cy="344880"/>
+          </a:xfrm>
+          <a:prstGeom prst="rect">
+            <a:avLst/>
+          </a:prstGeom>
+          <a:solidFill>
+            <a:schemeClr val="bg1"/>
+          </a:solidFill>
+          <a:ln w="25400">
+            <a:solidFill>
+              <a:schemeClr val="tx1">
+                <a:lumMod val="50000"/>
+                <a:lumOff val="50000"/>
+              </a:schemeClr>
+            </a:solidFill>
+          </a:ln>
+        </p:spPr>
+        <p:style>
+          <a:lnRef idx="2">
+            <a:schemeClr val="accent6"/>
+          </a:lnRef>
+          <a:fillRef idx="1">
+            <a:schemeClr val="lt1"/>
+          </a:fillRef>
+          <a:effectRef idx="0">
+            <a:schemeClr val="accent6"/>
+          </a:effectRef>
+          <a:fontRef idx="minor">
+            <a:schemeClr val="dk1"/>
+          </a:fontRef>
+        </p:style>
+        <p:txBody>
+          <a:bodyPr rtlCol="0" anchor="ctr"/>
+          <a:lstStyle/>
+          <a:p>
+            <a:pPr algn="ctr"/>
+            <a:r>
+              <a:rPr lang="en-US" b="1" dirty="0" err="1"/>
+              <a:t>slo</a:t>
+            </a:r>
+            <a:r>
+              <a:rPr lang="en-US" b="1" dirty="0"/>
+              <a:t>-exchange</a:t>
+            </a:r>
+          </a:p>
+        </p:txBody>
+      </p:sp>
+      <p:sp>
+        <p:nvSpPr>
+          <p:cNvPr id="33" name="Rectangle 32">
+            <a:extLst>
+              <a:ext uri="{FF2B5EF4-FFF2-40B4-BE49-F238E27FC236}">
+                <a16:creationId xmlns:a16="http://schemas.microsoft.com/office/drawing/2014/main" id="{6220BF0B-BD06-6DF9-02B0-8E6749A2EDC7}"/>
+              </a:ext>
+            </a:extLst>
+          </p:cNvPr>
+          <p:cNvSpPr/>
+          <p:nvPr/>
+        </p:nvSpPr>
+        <p:spPr>
+          <a:xfrm>
+            <a:off x="6654994" y="2382093"/>
+            <a:ext cx="2184354" cy="344880"/>
+          </a:xfrm>
+          <a:prstGeom prst="rect">
+            <a:avLst/>
+          </a:prstGeom>
+          <a:solidFill>
+            <a:schemeClr val="bg1"/>
+          </a:solidFill>
+          <a:ln w="25400">
+            <a:solidFill>
+              <a:schemeClr val="tx1">
+                <a:lumMod val="50000"/>
+                <a:lumOff val="50000"/>
+              </a:schemeClr>
+            </a:solidFill>
+          </a:ln>
+        </p:spPr>
+        <p:style>
+          <a:lnRef idx="2">
+            <a:schemeClr val="accent6"/>
+          </a:lnRef>
+          <a:fillRef idx="1">
+            <a:schemeClr val="lt1"/>
+          </a:fillRef>
+          <a:effectRef idx="0">
+            <a:schemeClr val="accent6"/>
+          </a:effectRef>
+          <a:fontRef idx="minor">
+            <a:schemeClr val="dk1"/>
+          </a:fontRef>
+        </p:style>
+        <p:txBody>
+          <a:bodyPr rtlCol="0" anchor="ctr"/>
+          <a:lstStyle/>
+          <a:p>
+            <a:pPr algn="ctr"/>
+            <a:r>
+              <a:rPr lang="en-US" b="1" dirty="0"/>
+              <a:t>timeseries-exchange</a:t>
+            </a:r>
+          </a:p>
+        </p:txBody>
+      </p:sp>
+      <p:sp>
+        <p:nvSpPr>
+          <p:cNvPr id="37" name="Rectangle 36">
+            <a:extLst>
+              <a:ext uri="{FF2B5EF4-FFF2-40B4-BE49-F238E27FC236}">
+                <a16:creationId xmlns:a16="http://schemas.microsoft.com/office/drawing/2014/main" id="{B6C2131A-0862-B040-9DAB-BF28038775ED}"/>
+              </a:ext>
+            </a:extLst>
+          </p:cNvPr>
+          <p:cNvSpPr/>
+          <p:nvPr/>
+        </p:nvSpPr>
+        <p:spPr>
+          <a:xfrm>
+            <a:off x="5343016" y="850895"/>
+            <a:ext cx="1886101" cy="344880"/>
+          </a:xfrm>
+          <a:prstGeom prst="rect">
+            <a:avLst/>
+          </a:prstGeom>
+          <a:solidFill>
+            <a:schemeClr val="bg1"/>
+          </a:solidFill>
+          <a:ln w="25400">
+            <a:solidFill>
+              <a:schemeClr val="tx1">
+                <a:lumMod val="50000"/>
+                <a:lumOff val="50000"/>
+              </a:schemeClr>
+            </a:solidFill>
+          </a:ln>
+        </p:spPr>
+        <p:style>
+          <a:lnRef idx="2">
+            <a:schemeClr val="accent6"/>
+          </a:lnRef>
+          <a:fillRef idx="1">
+            <a:schemeClr val="lt1"/>
+          </a:fillRef>
+          <a:effectRef idx="0">
+            <a:schemeClr val="accent6"/>
+          </a:effectRef>
+          <a:fontRef idx="minor">
+            <a:schemeClr val="dk1"/>
+          </a:fontRef>
+        </p:style>
+        <p:txBody>
+          <a:bodyPr rtlCol="0" anchor="ctr"/>
+          <a:lstStyle/>
+          <a:p>
+            <a:pPr algn="ctr"/>
+            <a:r>
+              <a:rPr lang="en-US" b="1" dirty="0" err="1"/>
+              <a:t>awsrds</a:t>
+            </a:r>
+            <a:r>
+              <a:rPr lang="en-US" b="1" dirty="0"/>
+              <a:t>-adapter</a:t>
+            </a:r>
+          </a:p>
+        </p:txBody>
+      </p:sp>
+      <p:sp>
+        <p:nvSpPr>
+          <p:cNvPr id="38" name="Rectangle 37">
+            <a:extLst>
+              <a:ext uri="{FF2B5EF4-FFF2-40B4-BE49-F238E27FC236}">
+                <a16:creationId xmlns:a16="http://schemas.microsoft.com/office/drawing/2014/main" id="{61926031-B48A-5DDC-CAF1-F32796A0C45A}"/>
+              </a:ext>
+            </a:extLst>
+          </p:cNvPr>
+          <p:cNvSpPr/>
+          <p:nvPr/>
+        </p:nvSpPr>
+        <p:spPr>
+          <a:xfrm>
+            <a:off x="5495416" y="1003295"/>
+            <a:ext cx="1886101" cy="344880"/>
+          </a:xfrm>
+          <a:prstGeom prst="rect">
+            <a:avLst/>
+          </a:prstGeom>
+          <a:solidFill>
+            <a:schemeClr val="bg1"/>
+          </a:solidFill>
+          <a:ln w="25400">
+            <a:solidFill>
+              <a:schemeClr val="tx1">
+                <a:lumMod val="50000"/>
+                <a:lumOff val="50000"/>
+              </a:schemeClr>
+            </a:solidFill>
+          </a:ln>
+        </p:spPr>
+        <p:style>
+          <a:lnRef idx="2">
+            <a:schemeClr val="accent6"/>
+          </a:lnRef>
+          <a:fillRef idx="1">
+            <a:schemeClr val="lt1"/>
+          </a:fillRef>
+          <a:effectRef idx="0">
+            <a:schemeClr val="accent6"/>
+          </a:effectRef>
+          <a:fontRef idx="minor">
+            <a:schemeClr val="dk1"/>
+          </a:fontRef>
+        </p:style>
+        <p:txBody>
+          <a:bodyPr rtlCol="0" anchor="ctr"/>
+          <a:lstStyle/>
+          <a:p>
+            <a:pPr algn="ctr"/>
+            <a:r>
+              <a:rPr lang="en-US" b="1" dirty="0" err="1"/>
+              <a:t>awsrds</a:t>
+            </a:r>
+            <a:r>
+              <a:rPr lang="en-US" b="1" dirty="0"/>
+              <a:t>-adapter</a:t>
+            </a:r>
+          </a:p>
+        </p:txBody>
+      </p:sp>
+      <p:sp>
+        <p:nvSpPr>
+          <p:cNvPr id="39" name="Rectangle 38">
+            <a:extLst>
+              <a:ext uri="{FF2B5EF4-FFF2-40B4-BE49-F238E27FC236}">
+                <a16:creationId xmlns:a16="http://schemas.microsoft.com/office/drawing/2014/main" id="{C6241EB3-BB1F-EE3E-3159-85AC98A929FD}"/>
+              </a:ext>
+            </a:extLst>
+          </p:cNvPr>
+          <p:cNvSpPr/>
+          <p:nvPr/>
+        </p:nvSpPr>
+        <p:spPr>
+          <a:xfrm>
+            <a:off x="5647816" y="1155695"/>
+            <a:ext cx="1886101" cy="344880"/>
+          </a:xfrm>
+          <a:prstGeom prst="rect">
+            <a:avLst/>
+          </a:prstGeom>
+          <a:solidFill>
+            <a:schemeClr val="bg1"/>
+          </a:solidFill>
+          <a:ln w="25400">
+            <a:solidFill>
+              <a:schemeClr val="tx1">
+                <a:lumMod val="50000"/>
+                <a:lumOff val="50000"/>
+              </a:schemeClr>
+            </a:solidFill>
+          </a:ln>
+        </p:spPr>
+        <p:style>
+          <a:lnRef idx="2">
+            <a:schemeClr val="accent6"/>
+          </a:lnRef>
+          <a:fillRef idx="1">
+            <a:schemeClr val="lt1"/>
+          </a:fillRef>
+          <a:effectRef idx="0">
+            <a:schemeClr val="accent6"/>
+          </a:effectRef>
+          <a:fontRef idx="minor">
+            <a:schemeClr val="dk1"/>
+          </a:fontRef>
+        </p:style>
+        <p:txBody>
+          <a:bodyPr rtlCol="0" anchor="ctr"/>
+          <a:lstStyle/>
+          <a:p>
+            <a:pPr algn="ctr"/>
+            <a:r>
+              <a:rPr lang="en-US" b="1" dirty="0" err="1"/>
+              <a:t>awsrds</a:t>
+            </a:r>
+            <a:r>
+              <a:rPr lang="en-US" b="1" dirty="0"/>
+              <a:t>-adapter</a:t>
+            </a:r>
+          </a:p>
+        </p:txBody>
+      </p:sp>
+      <p:sp>
+        <p:nvSpPr>
+          <p:cNvPr id="40" name="Rectangle 39">
+            <a:extLst>
+              <a:ext uri="{FF2B5EF4-FFF2-40B4-BE49-F238E27FC236}">
+                <a16:creationId xmlns:a16="http://schemas.microsoft.com/office/drawing/2014/main" id="{E2BD4303-92C3-BF26-2024-18A673F3C568}"/>
+              </a:ext>
+            </a:extLst>
+          </p:cNvPr>
+          <p:cNvSpPr/>
+          <p:nvPr/>
+        </p:nvSpPr>
+        <p:spPr>
+          <a:xfrm>
+            <a:off x="494740" y="2999721"/>
+            <a:ext cx="1886101" cy="344880"/>
+          </a:xfrm>
+          <a:prstGeom prst="rect">
+            <a:avLst/>
+          </a:prstGeom>
+          <a:solidFill>
+            <a:schemeClr val="bg1"/>
+          </a:solidFill>
+          <a:ln w="25400">
+            <a:solidFill>
+              <a:schemeClr val="tx1">
+                <a:lumMod val="50000"/>
+                <a:lumOff val="50000"/>
+              </a:schemeClr>
+            </a:solidFill>
+          </a:ln>
+        </p:spPr>
+        <p:style>
+          <a:lnRef idx="2">
+            <a:schemeClr val="accent6"/>
+          </a:lnRef>
+          <a:fillRef idx="1">
+            <a:schemeClr val="lt1"/>
+          </a:fillRef>
+          <a:effectRef idx="0">
+            <a:schemeClr val="accent6"/>
+          </a:effectRef>
+          <a:fontRef idx="minor">
+            <a:schemeClr val="dk1"/>
+          </a:fontRef>
+        </p:style>
+        <p:txBody>
+          <a:bodyPr rtlCol="0" anchor="ctr"/>
+          <a:lstStyle/>
+          <a:p>
+            <a:pPr algn="ctr"/>
+            <a:r>
+              <a:rPr lang="en-US" b="1" dirty="0"/>
+              <a:t>entity-exchange</a:t>
+            </a:r>
+          </a:p>
+        </p:txBody>
+      </p:sp>
+      <p:sp>
+        <p:nvSpPr>
+          <p:cNvPr id="41" name="Rectangle 40">
+            <a:extLst>
+              <a:ext uri="{FF2B5EF4-FFF2-40B4-BE49-F238E27FC236}">
+                <a16:creationId xmlns:a16="http://schemas.microsoft.com/office/drawing/2014/main" id="{1FFD5F27-F151-E7E0-B247-8802E069F0FE}"/>
+              </a:ext>
+            </a:extLst>
+          </p:cNvPr>
+          <p:cNvSpPr/>
+          <p:nvPr/>
+        </p:nvSpPr>
+        <p:spPr>
+          <a:xfrm>
+            <a:off x="9162509" y="660412"/>
+            <a:ext cx="2389110" cy="344880"/>
+          </a:xfrm>
+          <a:prstGeom prst="rect">
+            <a:avLst/>
+          </a:prstGeom>
+          <a:solidFill>
+            <a:schemeClr val="bg1"/>
+          </a:solidFill>
+          <a:ln w="25400">
+            <a:solidFill>
+              <a:schemeClr val="tx1">
+                <a:lumMod val="50000"/>
+                <a:lumOff val="50000"/>
+              </a:schemeClr>
+            </a:solidFill>
+          </a:ln>
+        </p:spPr>
+        <p:style>
+          <a:lnRef idx="2">
+            <a:schemeClr val="accent6"/>
+          </a:lnRef>
+          <a:fillRef idx="1">
+            <a:schemeClr val="lt1"/>
+          </a:fillRef>
+          <a:effectRef idx="0">
+            <a:schemeClr val="accent6"/>
+          </a:effectRef>
+          <a:fontRef idx="minor">
+            <a:schemeClr val="dk1"/>
+          </a:fontRef>
+        </p:style>
+        <p:txBody>
+          <a:bodyPr rtlCol="0" anchor="ctr"/>
+          <a:lstStyle/>
+          <a:p>
+            <a:pPr algn="ctr"/>
+            <a:r>
+              <a:rPr lang="en-US" b="1" dirty="0"/>
+              <a:t>timeseries-replication</a:t>
+            </a:r>
+          </a:p>
+        </p:txBody>
+      </p:sp>
+      <p:sp>
+        <p:nvSpPr>
+          <p:cNvPr id="42" name="Rectangle 41">
+            <a:extLst>
+              <a:ext uri="{FF2B5EF4-FFF2-40B4-BE49-F238E27FC236}">
+                <a16:creationId xmlns:a16="http://schemas.microsoft.com/office/drawing/2014/main" id="{EF57DC3E-F613-4C5E-53D1-EFB77E911030}"/>
+              </a:ext>
+            </a:extLst>
+          </p:cNvPr>
+          <p:cNvSpPr/>
+          <p:nvPr/>
+        </p:nvSpPr>
+        <p:spPr>
+          <a:xfrm>
+            <a:off x="696380" y="1923393"/>
+            <a:ext cx="1886101" cy="344880"/>
+          </a:xfrm>
+          <a:prstGeom prst="rect">
+            <a:avLst/>
+          </a:prstGeom>
+          <a:solidFill>
+            <a:schemeClr val="bg1"/>
+          </a:solidFill>
+          <a:ln w="25400">
+            <a:solidFill>
+              <a:schemeClr val="tx1">
+                <a:lumMod val="50000"/>
+                <a:lumOff val="50000"/>
+              </a:schemeClr>
+            </a:solidFill>
+          </a:ln>
+        </p:spPr>
+        <p:style>
+          <a:lnRef idx="2">
+            <a:schemeClr val="accent6"/>
+          </a:lnRef>
+          <a:fillRef idx="1">
+            <a:schemeClr val="lt1"/>
+          </a:fillRef>
+          <a:effectRef idx="0">
+            <a:schemeClr val="accent6"/>
+          </a:effectRef>
+          <a:fontRef idx="minor">
+            <a:schemeClr val="dk1"/>
+          </a:fontRef>
+        </p:style>
+        <p:txBody>
+          <a:bodyPr rtlCol="0" anchor="ctr"/>
+          <a:lstStyle/>
+          <a:p>
+            <a:pPr algn="ctr"/>
+            <a:r>
+              <a:rPr lang="en-US" b="1" dirty="0"/>
+              <a:t>elastic-exchange</a:t>
+            </a:r>
+          </a:p>
+        </p:txBody>
+      </p:sp>
+      <p:sp>
+        <p:nvSpPr>
+          <p:cNvPr id="43" name="Rectangle 42">
+            <a:extLst>
+              <a:ext uri="{FF2B5EF4-FFF2-40B4-BE49-F238E27FC236}">
+                <a16:creationId xmlns:a16="http://schemas.microsoft.com/office/drawing/2014/main" id="{7478D019-1D72-3F60-9FCF-8AFBEAFAD84C}"/>
+              </a:ext>
+            </a:extLst>
+          </p:cNvPr>
+          <p:cNvSpPr/>
+          <p:nvPr/>
+        </p:nvSpPr>
+        <p:spPr>
+          <a:xfrm>
+            <a:off x="9162509" y="1308095"/>
+            <a:ext cx="2389110" cy="344880"/>
+          </a:xfrm>
+          <a:prstGeom prst="rect">
+            <a:avLst/>
+          </a:prstGeom>
+          <a:solidFill>
+            <a:schemeClr val="bg1"/>
+          </a:solidFill>
+          <a:ln w="25400">
+            <a:solidFill>
+              <a:schemeClr val="tx1">
+                <a:lumMod val="50000"/>
+                <a:lumOff val="50000"/>
+              </a:schemeClr>
+            </a:solidFill>
+          </a:ln>
+        </p:spPr>
+        <p:style>
+          <a:lnRef idx="2">
+            <a:schemeClr val="accent6"/>
+          </a:lnRef>
+          <a:fillRef idx="1">
+            <a:schemeClr val="lt1"/>
+          </a:fillRef>
+          <a:effectRef idx="0">
+            <a:schemeClr val="accent6"/>
+          </a:effectRef>
+          <a:fontRef idx="minor">
+            <a:schemeClr val="dk1"/>
+          </a:fontRef>
+        </p:style>
+        <p:txBody>
+          <a:bodyPr rtlCol="0" anchor="ctr"/>
+          <a:lstStyle/>
+          <a:p>
+            <a:pPr algn="ctr"/>
+            <a:r>
+              <a:rPr lang="en-US" b="1" dirty="0" err="1"/>
+              <a:t>slo</a:t>
+            </a:r>
+            <a:r>
+              <a:rPr lang="en-US" b="1" dirty="0"/>
+              <a:t>-replication</a:t>
+            </a:r>
+          </a:p>
+        </p:txBody>
+      </p:sp>
+      <p:sp>
+        <p:nvSpPr>
+          <p:cNvPr id="3" name="Rectangle 2">
+            <a:extLst>
+              <a:ext uri="{FF2B5EF4-FFF2-40B4-BE49-F238E27FC236}">
+                <a16:creationId xmlns:a16="http://schemas.microsoft.com/office/drawing/2014/main" id="{515E76EF-7AE7-75DD-2BE7-D9C82CDD49DA}"/>
+              </a:ext>
+            </a:extLst>
+          </p:cNvPr>
+          <p:cNvSpPr/>
+          <p:nvPr/>
+        </p:nvSpPr>
+        <p:spPr>
+          <a:xfrm>
+            <a:off x="6654994" y="2939211"/>
+            <a:ext cx="2184354" cy="397220"/>
+          </a:xfrm>
+          <a:prstGeom prst="rect">
+            <a:avLst/>
+          </a:prstGeom>
+          <a:solidFill>
+            <a:schemeClr val="bg1"/>
+          </a:solidFill>
+          <a:ln w="25400">
+            <a:solidFill>
+              <a:schemeClr val="tx1">
+                <a:lumMod val="50000"/>
+                <a:lumOff val="50000"/>
+              </a:schemeClr>
+            </a:solidFill>
+          </a:ln>
+        </p:spPr>
+        <p:style>
+          <a:lnRef idx="2">
+            <a:schemeClr val="accent6"/>
+          </a:lnRef>
+          <a:fillRef idx="1">
+            <a:schemeClr val="lt1"/>
+          </a:fillRef>
+          <a:effectRef idx="0">
+            <a:schemeClr val="accent6"/>
+          </a:effectRef>
+          <a:fontRef idx="minor">
+            <a:schemeClr val="dk1"/>
+          </a:fontRef>
+        </p:style>
+        <p:txBody>
+          <a:bodyPr rtlCol="0" anchor="ctr"/>
+          <a:lstStyle/>
+          <a:p>
+            <a:pPr algn="ctr"/>
+            <a:r>
+              <a:rPr lang="en-US" b="1" dirty="0"/>
+              <a:t>timeseries-</a:t>
+            </a:r>
+            <a:r>
+              <a:rPr lang="en-US" b="1" dirty="0" err="1"/>
+              <a:t>cdc</a:t>
+            </a:r>
+            <a:endParaRPr lang="en-US" b="1" dirty="0"/>
+          </a:p>
+        </p:txBody>
+      </p:sp>
+      <p:sp>
+        <p:nvSpPr>
+          <p:cNvPr id="6" name="Rectangle 5">
+            <a:extLst>
+              <a:ext uri="{FF2B5EF4-FFF2-40B4-BE49-F238E27FC236}">
+                <a16:creationId xmlns:a16="http://schemas.microsoft.com/office/drawing/2014/main" id="{1CB20B4D-398E-4A30-C2A3-BF57B0E95220}"/>
+              </a:ext>
+            </a:extLst>
+          </p:cNvPr>
+          <p:cNvSpPr/>
+          <p:nvPr/>
+        </p:nvSpPr>
+        <p:spPr>
+          <a:xfrm>
+            <a:off x="6654994" y="4102351"/>
+            <a:ext cx="1886101" cy="344880"/>
+          </a:xfrm>
+          <a:prstGeom prst="rect">
+            <a:avLst/>
+          </a:prstGeom>
+          <a:solidFill>
+            <a:schemeClr val="bg1"/>
+          </a:solidFill>
+          <a:ln w="25400">
+            <a:solidFill>
+              <a:schemeClr val="tx1">
+                <a:lumMod val="50000"/>
+                <a:lumOff val="50000"/>
+              </a:schemeClr>
+            </a:solidFill>
+          </a:ln>
+        </p:spPr>
+        <p:style>
+          <a:lnRef idx="2">
+            <a:schemeClr val="accent6"/>
+          </a:lnRef>
+          <a:fillRef idx="1">
+            <a:schemeClr val="lt1"/>
+          </a:fillRef>
+          <a:effectRef idx="0">
+            <a:schemeClr val="accent6"/>
+          </a:effectRef>
+          <a:fontRef idx="minor">
+            <a:schemeClr val="dk1"/>
+          </a:fontRef>
+        </p:style>
+        <p:txBody>
+          <a:bodyPr rtlCol="0" anchor="ctr"/>
+          <a:lstStyle/>
+          <a:p>
+            <a:pPr algn="ctr"/>
+            <a:r>
+              <a:rPr lang="en-US" b="1" dirty="0" err="1"/>
+              <a:t>slo-cdc</a:t>
+            </a:r>
+            <a:endParaRPr lang="en-US" b="1" dirty="0"/>
+          </a:p>
+        </p:txBody>
+      </p:sp>
+      <p:sp>
+        <p:nvSpPr>
+          <p:cNvPr id="7" name="Rectangle 6">
+            <a:extLst>
+              <a:ext uri="{FF2B5EF4-FFF2-40B4-BE49-F238E27FC236}">
+                <a16:creationId xmlns:a16="http://schemas.microsoft.com/office/drawing/2014/main" id="{099760A8-00A1-FB42-A053-444D04BCA853}"/>
+              </a:ext>
+            </a:extLst>
+          </p:cNvPr>
+          <p:cNvSpPr/>
+          <p:nvPr/>
+        </p:nvSpPr>
+        <p:spPr>
+          <a:xfrm>
+            <a:off x="3463462" y="4870279"/>
+            <a:ext cx="2184354" cy="344880"/>
+          </a:xfrm>
+          <a:prstGeom prst="rect">
+            <a:avLst/>
+          </a:prstGeom>
+          <a:solidFill>
+            <a:schemeClr val="bg1"/>
+          </a:solidFill>
+          <a:ln w="25400">
+            <a:solidFill>
+              <a:schemeClr val="tx1">
+                <a:lumMod val="50000"/>
+                <a:lumOff val="50000"/>
+              </a:schemeClr>
+            </a:solidFill>
+          </a:ln>
+        </p:spPr>
+        <p:style>
+          <a:lnRef idx="2">
+            <a:schemeClr val="accent6"/>
+          </a:lnRef>
+          <a:fillRef idx="1">
+            <a:schemeClr val="lt1"/>
+          </a:fillRef>
+          <a:effectRef idx="0">
+            <a:schemeClr val="accent6"/>
+          </a:effectRef>
+          <a:fontRef idx="minor">
+            <a:schemeClr val="dk1"/>
+          </a:fontRef>
+        </p:style>
+        <p:txBody>
+          <a:bodyPr rtlCol="0" anchor="ctr"/>
+          <a:lstStyle/>
+          <a:p>
+            <a:pPr algn="ctr"/>
+            <a:r>
+              <a:rPr lang="en-US" b="1" dirty="0"/>
+              <a:t>customer-exchange</a:t>
+            </a:r>
+          </a:p>
+        </p:txBody>
+      </p:sp>
+    </p:spTree>
+    <p:extLst>
+      <p:ext uri="{BB962C8B-B14F-4D97-AF65-F5344CB8AC3E}">
+        <p14:creationId xmlns:p14="http://schemas.microsoft.com/office/powerpoint/2010/main" val="3613665031"/>
+      </p:ext>
+    </p:extLst>
+  </p:cSld>
+  <p:clrMapOvr>
+    <a:masterClrMapping/>
+  </p:clrMapOvr>
+</p:sld>
+</file>
+
+<file path=ppt/slides/slide7.xml><?xml version="1.0" encoding="utf-8"?>
+<p:sld xmlns:a="http://schemas.openxmlformats.org/drawingml/2006/main" xmlns:r="http://schemas.openxmlformats.org/officeDocument/2006/relationships" xmlns:p="http://schemas.openxmlformats.org/presentationml/2006/main">
+  <p:cSld>
+    <p:spTree>
+      <p:nvGrpSpPr>
+        <p:cNvPr id="1" name=""/>
+        <p:cNvGrpSpPr/>
+        <p:nvPr/>
+      </p:nvGrpSpPr>
+      <p:grpSpPr>
+        <a:xfrm>
+          <a:off x="0" y="0"/>
+          <a:ext cx="0" cy="0"/>
+          <a:chOff x="0" y="0"/>
+          <a:chExt cx="0" cy="0"/>
+        </a:xfrm>
+      </p:grpSpPr>
+      <p:sp>
+        <p:nvSpPr>
+          <p:cNvPr id="2" name="Title 1">
+            <a:extLst>
+              <a:ext uri="{FF2B5EF4-FFF2-40B4-BE49-F238E27FC236}">
                 <a16:creationId xmlns:a16="http://schemas.microsoft.com/office/drawing/2014/main" id="{9C65447E-7F13-12AC-039D-8A103530069C}"/>
               </a:ext>
             </a:extLst>
@@ -11378,7 +14306,7 @@
 </p:sld>
 </file>
 
-<file path=ppt/slides/slide7.xml><?xml version="1.0" encoding="utf-8"?>
+<file path=ppt/slides/slide8.xml><?xml version="1.0" encoding="utf-8"?>
 <p:sld xmlns:a="http://schemas.openxmlformats.org/drawingml/2006/main" xmlns:r="http://schemas.openxmlformats.org/officeDocument/2006/relationships" xmlns:p="http://schemas.openxmlformats.org/presentationml/2006/main">
   <p:cSld>
     <p:spTree>

--- a/GO-Micro-Resources-Application.pptx
+++ b/GO-Micro-Resources-Application.pptx
@@ -6691,8 +6691,8 @@
         </p:nvCxnSpPr>
         <p:spPr>
           <a:xfrm>
-            <a:off x="273311" y="327812"/>
-            <a:ext cx="0" cy="1324326"/>
+            <a:off x="4263157" y="3924317"/>
+            <a:ext cx="0" cy="581172"/>
           </a:xfrm>
           <a:prstGeom prst="line">
             <a:avLst/>
@@ -6733,9 +6733,9 @@
           <p:nvPr/>
         </p:nvCxnSpPr>
         <p:spPr>
-          <a:xfrm flipH="1" flipV="1">
-            <a:off x="8354419" y="515399"/>
-            <a:ext cx="646593" cy="1"/>
+          <a:xfrm flipH="1">
+            <a:off x="4232914" y="1399046"/>
+            <a:ext cx="226501" cy="0"/>
           </a:xfrm>
           <a:prstGeom prst="line">
             <a:avLst/>
@@ -6779,9 +6779,9 @@
           <p:nvPr/>
         </p:nvCxnSpPr>
         <p:spPr>
-          <a:xfrm>
-            <a:off x="273311" y="1704855"/>
-            <a:ext cx="0" cy="1324326"/>
+          <a:xfrm flipH="1">
+            <a:off x="4253613" y="1102329"/>
+            <a:ext cx="1" cy="990749"/>
           </a:xfrm>
           <a:prstGeom prst="line">
             <a:avLst/>
@@ -6823,7 +6823,7 @@
         </p:nvCxnSpPr>
         <p:spPr>
           <a:xfrm>
-            <a:off x="273311" y="3185312"/>
+            <a:off x="765133" y="1630469"/>
             <a:ext cx="0" cy="1324326"/>
           </a:xfrm>
           <a:prstGeom prst="line">
@@ -6866,8 +6866,8 @@
         </p:nvCxnSpPr>
         <p:spPr>
           <a:xfrm>
-            <a:off x="273311" y="4663417"/>
-            <a:ext cx="0" cy="1324326"/>
+            <a:off x="615206" y="4264786"/>
+            <a:ext cx="5893" cy="558858"/>
           </a:xfrm>
           <a:prstGeom prst="line">
             <a:avLst/>
@@ -6909,8 +6909,8 @@
         </p:nvCxnSpPr>
         <p:spPr>
           <a:xfrm>
-            <a:off x="199527" y="274574"/>
-            <a:ext cx="0" cy="1324326"/>
+            <a:off x="7302858" y="1652138"/>
+            <a:ext cx="0" cy="984356"/>
           </a:xfrm>
           <a:prstGeom prst="line">
             <a:avLst/>
@@ -6952,8 +6952,8 @@
         </p:nvCxnSpPr>
         <p:spPr>
           <a:xfrm flipH="1" flipV="1">
-            <a:off x="9414485" y="521344"/>
-            <a:ext cx="646593" cy="1"/>
+            <a:off x="4232914" y="1721068"/>
+            <a:ext cx="143192" cy="14093"/>
           </a:xfrm>
           <a:prstGeom prst="line">
             <a:avLst/>
@@ -6997,9 +6997,9 @@
           <p:nvPr/>
         </p:nvCxnSpPr>
         <p:spPr>
-          <a:xfrm flipH="1" flipV="1">
-            <a:off x="10351948" y="569633"/>
-            <a:ext cx="646593" cy="1"/>
+          <a:xfrm flipH="1">
+            <a:off x="4229179" y="2093079"/>
+            <a:ext cx="146926" cy="4048"/>
           </a:xfrm>
           <a:prstGeom prst="line">
             <a:avLst/>
@@ -8176,10 +8176,10 @@
       </p:sp>
       <p:sp>
         <p:nvSpPr>
-          <p:cNvPr id="21" name="Rectangle 20">
-            <a:extLst>
-              <a:ext uri="{FF2B5EF4-FFF2-40B4-BE49-F238E27FC236}">
-                <a16:creationId xmlns:a16="http://schemas.microsoft.com/office/drawing/2014/main" id="{08C3A716-72C3-8A43-0542-DE9B41DAC2B0}"/>
+          <p:cNvPr id="24" name="Rectangle 23">
+            <a:extLst>
+              <a:ext uri="{FF2B5EF4-FFF2-40B4-BE49-F238E27FC236}">
+                <a16:creationId xmlns:a16="http://schemas.microsoft.com/office/drawing/2014/main" id="{66A235EF-21A0-9C5C-D052-AA52213397B1}"/>
               </a:ext>
             </a:extLst>
           </p:cNvPr>
@@ -8188,7 +8188,7 @@
         </p:nvSpPr>
         <p:spPr>
           <a:xfrm>
-            <a:off x="1028633" y="5998217"/>
+            <a:off x="4559226" y="3979848"/>
             <a:ext cx="2103120" cy="320682"/>
           </a:xfrm>
           <a:prstGeom prst="rect">
@@ -8227,17 +8227,17 @@
             <a:pPr algn="ctr"/>
             <a:r>
               <a:rPr lang="en-US" dirty="0"/>
-              <a:t>accesslogv3</a:t>
-            </a:r>
-          </a:p>
-        </p:txBody>
-      </p:sp>
-      <p:sp>
-        <p:nvSpPr>
-          <p:cNvPr id="22" name="Rectangle 21">
-            <a:extLst>
-              <a:ext uri="{FF2B5EF4-FFF2-40B4-BE49-F238E27FC236}">
-                <a16:creationId xmlns:a16="http://schemas.microsoft.com/office/drawing/2014/main" id="{64CED729-FEE5-9BE0-9AAA-B3F1932D03F1}"/>
+              <a:t>access</a:t>
+            </a:r>
+          </a:p>
+        </p:txBody>
+      </p:sp>
+      <p:sp>
+        <p:nvSpPr>
+          <p:cNvPr id="4" name="Rectangle 3">
+            <a:extLst>
+              <a:ext uri="{FF2B5EF4-FFF2-40B4-BE49-F238E27FC236}">
+                <a16:creationId xmlns:a16="http://schemas.microsoft.com/office/drawing/2014/main" id="{E7399091-32C0-5A2D-FE21-726F1ECD3646}"/>
               </a:ext>
             </a:extLst>
           </p:cNvPr>
@@ -8246,7 +8246,238 @@
         </p:nvSpPr>
         <p:spPr>
           <a:xfrm>
-            <a:off x="8511978" y="6015974"/>
+            <a:off x="4253614" y="3553034"/>
+            <a:ext cx="2714345" cy="355876"/>
+          </a:xfrm>
+          <a:prstGeom prst="rect">
+            <a:avLst/>
+          </a:prstGeom>
+          <a:solidFill>
+            <a:schemeClr val="bg1"/>
+          </a:solidFill>
+          <a:ln w="25400">
+            <a:gradFill flip="none" rotWithShape="1">
+              <a:gsLst>
+                <a:gs pos="0">
+                  <a:schemeClr val="accent5">
+                    <a:lumMod val="40000"/>
+                    <a:lumOff val="60000"/>
+                  </a:schemeClr>
+                </a:gs>
+                <a:gs pos="46000">
+                  <a:schemeClr val="accent5">
+                    <a:lumMod val="95000"/>
+                    <a:lumOff val="5000"/>
+                  </a:schemeClr>
+                </a:gs>
+                <a:gs pos="100000">
+                  <a:schemeClr val="accent5">
+                    <a:lumMod val="60000"/>
+                  </a:schemeClr>
+                </a:gs>
+              </a:gsLst>
+              <a:path path="circle">
+                <a:fillToRect l="50000" t="130000" r="50000" b="-30000"/>
+              </a:path>
+              <a:tileRect/>
+            </a:gradFill>
+          </a:ln>
+        </p:spPr>
+        <p:style>
+          <a:lnRef idx="2">
+            <a:schemeClr val="accent6"/>
+          </a:lnRef>
+          <a:fillRef idx="1">
+            <a:schemeClr val="lt1"/>
+          </a:fillRef>
+          <a:effectRef idx="0">
+            <a:schemeClr val="accent6"/>
+          </a:effectRef>
+          <a:fontRef idx="minor">
+            <a:schemeClr val="dk1"/>
+          </a:fontRef>
+        </p:style>
+        <p:txBody>
+          <a:bodyPr rtlCol="0" anchor="ctr"/>
+          <a:lstStyle/>
+          <a:p>
+            <a:pPr algn="ctr"/>
+            <a:r>
+              <a:rPr lang="en-US" b="1" dirty="0"/>
+              <a:t>metric-timeseries-types</a:t>
+            </a:r>
+          </a:p>
+        </p:txBody>
+      </p:sp>
+      <p:sp>
+        <p:nvSpPr>
+          <p:cNvPr id="8" name="Rectangle 7">
+            <a:extLst>
+              <a:ext uri="{FF2B5EF4-FFF2-40B4-BE49-F238E27FC236}">
+                <a16:creationId xmlns:a16="http://schemas.microsoft.com/office/drawing/2014/main" id="{F8B4B750-C7DB-5A5F-65A4-FA1F6F4739F5}"/>
+              </a:ext>
+            </a:extLst>
+          </p:cNvPr>
+          <p:cNvSpPr/>
+          <p:nvPr/>
+        </p:nvSpPr>
+        <p:spPr>
+          <a:xfrm>
+            <a:off x="7195512" y="3885491"/>
+            <a:ext cx="2714345" cy="355876"/>
+          </a:xfrm>
+          <a:prstGeom prst="rect">
+            <a:avLst/>
+          </a:prstGeom>
+          <a:solidFill>
+            <a:schemeClr val="bg1"/>
+          </a:solidFill>
+          <a:ln w="25400">
+            <a:gradFill flip="none" rotWithShape="1">
+              <a:gsLst>
+                <a:gs pos="0">
+                  <a:schemeClr val="accent5">
+                    <a:lumMod val="40000"/>
+                    <a:lumOff val="60000"/>
+                  </a:schemeClr>
+                </a:gs>
+                <a:gs pos="46000">
+                  <a:schemeClr val="accent5">
+                    <a:lumMod val="95000"/>
+                    <a:lumOff val="5000"/>
+                  </a:schemeClr>
+                </a:gs>
+                <a:gs pos="100000">
+                  <a:schemeClr val="accent5">
+                    <a:lumMod val="60000"/>
+                  </a:schemeClr>
+                </a:gs>
+              </a:gsLst>
+              <a:path path="circle">
+                <a:fillToRect l="50000" t="130000" r="50000" b="-30000"/>
+              </a:path>
+              <a:tileRect/>
+            </a:gradFill>
+          </a:ln>
+        </p:spPr>
+        <p:style>
+          <a:lnRef idx="2">
+            <a:schemeClr val="accent6"/>
+          </a:lnRef>
+          <a:fillRef idx="1">
+            <a:schemeClr val="lt1"/>
+          </a:fillRef>
+          <a:effectRef idx="0">
+            <a:schemeClr val="accent6"/>
+          </a:effectRef>
+          <a:fontRef idx="minor">
+            <a:schemeClr val="dk1"/>
+          </a:fontRef>
+        </p:style>
+        <p:txBody>
+          <a:bodyPr rtlCol="0" anchor="ctr"/>
+          <a:lstStyle/>
+          <a:p>
+            <a:pPr algn="ctr"/>
+            <a:r>
+              <a:rPr lang="en-US" b="1" dirty="0"/>
+              <a:t>metric-timeseries-host(v)</a:t>
+            </a:r>
+          </a:p>
+        </p:txBody>
+      </p:sp>
+      <p:sp>
+        <p:nvSpPr>
+          <p:cNvPr id="12" name="Rectangle 11">
+            <a:extLst>
+              <a:ext uri="{FF2B5EF4-FFF2-40B4-BE49-F238E27FC236}">
+                <a16:creationId xmlns:a16="http://schemas.microsoft.com/office/drawing/2014/main" id="{2EA72999-E2BE-5FB6-AE4B-353F901A445F}"/>
+              </a:ext>
+            </a:extLst>
+          </p:cNvPr>
+          <p:cNvSpPr/>
+          <p:nvPr/>
+        </p:nvSpPr>
+        <p:spPr>
+          <a:xfrm>
+            <a:off x="613001" y="3908910"/>
+            <a:ext cx="3281880" cy="355876"/>
+          </a:xfrm>
+          <a:prstGeom prst="rect">
+            <a:avLst/>
+          </a:prstGeom>
+          <a:solidFill>
+            <a:schemeClr val="bg1"/>
+          </a:solidFill>
+          <a:ln w="25400">
+            <a:gradFill flip="none" rotWithShape="1">
+              <a:gsLst>
+                <a:gs pos="0">
+                  <a:schemeClr val="accent5">
+                    <a:lumMod val="40000"/>
+                    <a:lumOff val="60000"/>
+                  </a:schemeClr>
+                </a:gs>
+                <a:gs pos="46000">
+                  <a:schemeClr val="accent5">
+                    <a:lumMod val="95000"/>
+                    <a:lumOff val="5000"/>
+                  </a:schemeClr>
+                </a:gs>
+                <a:gs pos="100000">
+                  <a:schemeClr val="accent5">
+                    <a:lumMod val="60000"/>
+                  </a:schemeClr>
+                </a:gs>
+              </a:gsLst>
+              <a:path path="circle">
+                <a:fillToRect l="50000" t="130000" r="50000" b="-30000"/>
+              </a:path>
+              <a:tileRect/>
+            </a:gradFill>
+          </a:ln>
+        </p:spPr>
+        <p:style>
+          <a:lnRef idx="2">
+            <a:schemeClr val="accent6"/>
+          </a:lnRef>
+          <a:fillRef idx="1">
+            <a:schemeClr val="lt1"/>
+          </a:fillRef>
+          <a:effectRef idx="0">
+            <a:schemeClr val="accent6"/>
+          </a:effectRef>
+          <a:fontRef idx="minor">
+            <a:schemeClr val="dk1"/>
+          </a:fontRef>
+        </p:style>
+        <p:txBody>
+          <a:bodyPr rtlCol="0" anchor="ctr"/>
+          <a:lstStyle/>
+          <a:p>
+            <a:pPr algn="ctr"/>
+            <a:r>
+              <a:rPr lang="en-US" b="1" dirty="0"/>
+              <a:t>metric-timeseries-resources(v)</a:t>
+            </a:r>
+          </a:p>
+        </p:txBody>
+      </p:sp>
+      <p:sp>
+        <p:nvSpPr>
+          <p:cNvPr id="26" name="Rectangle 25">
+            <a:extLst>
+              <a:ext uri="{FF2B5EF4-FFF2-40B4-BE49-F238E27FC236}">
+                <a16:creationId xmlns:a16="http://schemas.microsoft.com/office/drawing/2014/main" id="{EA81A909-0D6D-2B58-09A2-CC90BB2B7763}"/>
+              </a:ext>
+            </a:extLst>
+          </p:cNvPr>
+          <p:cNvSpPr/>
+          <p:nvPr/>
+        </p:nvSpPr>
+        <p:spPr>
+          <a:xfrm>
+            <a:off x="4559226" y="4337285"/>
             <a:ext cx="2103120" cy="320682"/>
           </a:xfrm>
           <a:prstGeom prst="rect">
@@ -8285,17 +8516,17 @@
             <a:pPr algn="ctr"/>
             <a:r>
               <a:rPr lang="en-US" dirty="0"/>
-              <a:t>accesslogv3</a:t>
-            </a:r>
-          </a:p>
-        </p:txBody>
-      </p:sp>
-      <p:sp>
-        <p:nvSpPr>
-          <p:cNvPr id="23" name="Rectangle 22">
-            <a:extLst>
-              <a:ext uri="{FF2B5EF4-FFF2-40B4-BE49-F238E27FC236}">
-                <a16:creationId xmlns:a16="http://schemas.microsoft.com/office/drawing/2014/main" id="{47E76C42-9CB3-1664-2BCE-B8BB2F92EED8}"/>
+              <a:t>profile</a:t>
+            </a:r>
+          </a:p>
+        </p:txBody>
+      </p:sp>
+      <p:sp>
+        <p:nvSpPr>
+          <p:cNvPr id="27" name="Rectangle 26">
+            <a:extLst>
+              <a:ext uri="{FF2B5EF4-FFF2-40B4-BE49-F238E27FC236}">
+                <a16:creationId xmlns:a16="http://schemas.microsoft.com/office/drawing/2014/main" id="{A73A60D2-44C5-1CFB-00EF-9B51C2C193F0}"/>
               </a:ext>
             </a:extLst>
           </p:cNvPr>
@@ -8304,7 +8535,7 @@
         </p:nvSpPr>
         <p:spPr>
           <a:xfrm>
-            <a:off x="6096000" y="5987743"/>
+            <a:off x="892004" y="4305866"/>
             <a:ext cx="2103120" cy="320682"/>
           </a:xfrm>
           <a:prstGeom prst="rect">
@@ -8343,17 +8574,17 @@
             <a:pPr algn="ctr"/>
             <a:r>
               <a:rPr lang="en-US" dirty="0"/>
-              <a:t>accesslogv3</a:t>
-            </a:r>
-          </a:p>
-        </p:txBody>
-      </p:sp>
-      <p:sp>
-        <p:nvSpPr>
-          <p:cNvPr id="24" name="Rectangle 23">
-            <a:extLst>
-              <a:ext uri="{FF2B5EF4-FFF2-40B4-BE49-F238E27FC236}">
-                <a16:creationId xmlns:a16="http://schemas.microsoft.com/office/drawing/2014/main" id="{66A235EF-21A0-9C5C-D052-AA52213397B1}"/>
+              <a:t>access</a:t>
+            </a:r>
+          </a:p>
+        </p:txBody>
+      </p:sp>
+      <p:sp>
+        <p:nvSpPr>
+          <p:cNvPr id="28" name="Rectangle 27">
+            <a:extLst>
+              <a:ext uri="{FF2B5EF4-FFF2-40B4-BE49-F238E27FC236}">
+                <a16:creationId xmlns:a16="http://schemas.microsoft.com/office/drawing/2014/main" id="{4C5CBDCB-DB3A-444B-688B-8F397BC62AF9}"/>
               </a:ext>
             </a:extLst>
           </p:cNvPr>
@@ -8362,7 +8593,7 @@
         </p:nvSpPr>
         <p:spPr>
           <a:xfrm>
-            <a:off x="3444611" y="5902031"/>
+            <a:off x="892004" y="4663303"/>
             <a:ext cx="2103120" cy="320682"/>
           </a:xfrm>
           <a:prstGeom prst="rect">
@@ -8401,11 +8632,1025 @@
             <a:pPr algn="ctr"/>
             <a:r>
               <a:rPr lang="en-US" dirty="0"/>
-              <a:t>accesslogv3</a:t>
-            </a:r>
-          </a:p>
-        </p:txBody>
-      </p:sp>
+              <a:t>profile</a:t>
+            </a:r>
+          </a:p>
+        </p:txBody>
+      </p:sp>
+      <p:sp>
+        <p:nvSpPr>
+          <p:cNvPr id="29" name="Rectangle 28">
+            <a:extLst>
+              <a:ext uri="{FF2B5EF4-FFF2-40B4-BE49-F238E27FC236}">
+                <a16:creationId xmlns:a16="http://schemas.microsoft.com/office/drawing/2014/main" id="{440C2613-5B57-ECE2-5974-BC63686F74D2}"/>
+              </a:ext>
+            </a:extLst>
+          </p:cNvPr>
+          <p:cNvSpPr/>
+          <p:nvPr/>
+        </p:nvSpPr>
+        <p:spPr>
+          <a:xfrm>
+            <a:off x="9958795" y="4459541"/>
+            <a:ext cx="2238957" cy="355876"/>
+          </a:xfrm>
+          <a:prstGeom prst="rect">
+            <a:avLst/>
+          </a:prstGeom>
+          <a:solidFill>
+            <a:schemeClr val="bg1"/>
+          </a:solidFill>
+          <a:ln w="25400">
+            <a:gradFill flip="none" rotWithShape="1">
+              <a:gsLst>
+                <a:gs pos="0">
+                  <a:schemeClr val="accent5">
+                    <a:lumMod val="40000"/>
+                    <a:lumOff val="60000"/>
+                  </a:schemeClr>
+                </a:gs>
+                <a:gs pos="46000">
+                  <a:schemeClr val="accent5">
+                    <a:lumMod val="95000"/>
+                    <a:lumOff val="5000"/>
+                  </a:schemeClr>
+                </a:gs>
+                <a:gs pos="100000">
+                  <a:schemeClr val="accent5">
+                    <a:lumMod val="60000"/>
+                  </a:schemeClr>
+                </a:gs>
+              </a:gsLst>
+              <a:path path="circle">
+                <a:fillToRect l="50000" t="130000" r="50000" b="-30000"/>
+              </a:path>
+              <a:tileRect/>
+            </a:gradFill>
+            <a:prstDash val="sysDot"/>
+          </a:ln>
+        </p:spPr>
+        <p:style>
+          <a:lnRef idx="2">
+            <a:schemeClr val="accent6"/>
+          </a:lnRef>
+          <a:fillRef idx="1">
+            <a:schemeClr val="lt1"/>
+          </a:fillRef>
+          <a:effectRef idx="0">
+            <a:schemeClr val="accent6"/>
+          </a:effectRef>
+          <a:fontRef idx="minor">
+            <a:schemeClr val="dk1"/>
+          </a:fontRef>
+        </p:style>
+        <p:txBody>
+          <a:bodyPr rtlCol="0" anchor="ctr"/>
+          <a:lstStyle/>
+          <a:p>
+            <a:pPr algn="ctr"/>
+            <a:r>
+              <a:rPr lang="en-US" b="1" dirty="0" err="1"/>
+              <a:t>postgresql</a:t>
+            </a:r>
+            <a:r>
+              <a:rPr lang="en-US" b="1" dirty="0"/>
+              <a:t>-adapter(v)</a:t>
+            </a:r>
+          </a:p>
+        </p:txBody>
+      </p:sp>
+      <p:sp>
+        <p:nvSpPr>
+          <p:cNvPr id="30" name="Rectangle 29">
+            <a:extLst>
+              <a:ext uri="{FF2B5EF4-FFF2-40B4-BE49-F238E27FC236}">
+                <a16:creationId xmlns:a16="http://schemas.microsoft.com/office/drawing/2014/main" id="{21120AB5-45DC-24EA-58B1-275131EE0C57}"/>
+              </a:ext>
+            </a:extLst>
+          </p:cNvPr>
+          <p:cNvSpPr/>
+          <p:nvPr/>
+        </p:nvSpPr>
+        <p:spPr>
+          <a:xfrm>
+            <a:off x="7535832" y="4288505"/>
+            <a:ext cx="2103120" cy="320682"/>
+          </a:xfrm>
+          <a:prstGeom prst="rect">
+            <a:avLst/>
+          </a:prstGeom>
+          <a:solidFill>
+            <a:srgbClr val="E3E0B3"/>
+          </a:solidFill>
+          <a:ln>
+            <a:solidFill>
+              <a:schemeClr val="tx1">
+                <a:lumMod val="65000"/>
+                <a:lumOff val="35000"/>
+              </a:schemeClr>
+            </a:solidFill>
+          </a:ln>
+        </p:spPr>
+        <p:style>
+          <a:lnRef idx="2">
+            <a:schemeClr val="accent6"/>
+          </a:lnRef>
+          <a:fillRef idx="1">
+            <a:schemeClr val="lt1"/>
+          </a:fillRef>
+          <a:effectRef idx="0">
+            <a:schemeClr val="accent6"/>
+          </a:effectRef>
+          <a:fontRef idx="minor">
+            <a:schemeClr val="dk1"/>
+          </a:fontRef>
+        </p:style>
+        <p:txBody>
+          <a:bodyPr rtlCol="0" anchor="ctr"/>
+          <a:lstStyle/>
+          <a:p>
+            <a:pPr algn="ctr"/>
+            <a:r>
+              <a:rPr lang="en-US" dirty="0"/>
+              <a:t>access</a:t>
+            </a:r>
+          </a:p>
+        </p:txBody>
+      </p:sp>
+      <p:sp>
+        <p:nvSpPr>
+          <p:cNvPr id="31" name="Rectangle 30">
+            <a:extLst>
+              <a:ext uri="{FF2B5EF4-FFF2-40B4-BE49-F238E27FC236}">
+                <a16:creationId xmlns:a16="http://schemas.microsoft.com/office/drawing/2014/main" id="{69058B44-1EA1-6521-F467-9839BC5A7D05}"/>
+              </a:ext>
+            </a:extLst>
+          </p:cNvPr>
+          <p:cNvSpPr/>
+          <p:nvPr/>
+        </p:nvSpPr>
+        <p:spPr>
+          <a:xfrm>
+            <a:off x="7535832" y="4645942"/>
+            <a:ext cx="2103120" cy="320682"/>
+          </a:xfrm>
+          <a:prstGeom prst="rect">
+            <a:avLst/>
+          </a:prstGeom>
+          <a:solidFill>
+            <a:srgbClr val="E3E0B3"/>
+          </a:solidFill>
+          <a:ln>
+            <a:solidFill>
+              <a:schemeClr val="tx1">
+                <a:lumMod val="65000"/>
+                <a:lumOff val="35000"/>
+              </a:schemeClr>
+            </a:solidFill>
+          </a:ln>
+        </p:spPr>
+        <p:style>
+          <a:lnRef idx="2">
+            <a:schemeClr val="accent6"/>
+          </a:lnRef>
+          <a:fillRef idx="1">
+            <a:schemeClr val="lt1"/>
+          </a:fillRef>
+          <a:effectRef idx="0">
+            <a:schemeClr val="accent6"/>
+          </a:effectRef>
+          <a:fontRef idx="minor">
+            <a:schemeClr val="dk1"/>
+          </a:fontRef>
+        </p:style>
+        <p:txBody>
+          <a:bodyPr rtlCol="0" anchor="ctr"/>
+          <a:lstStyle/>
+          <a:p>
+            <a:pPr algn="ctr"/>
+            <a:r>
+              <a:rPr lang="en-US" dirty="0"/>
+              <a:t>profile</a:t>
+            </a:r>
+          </a:p>
+        </p:txBody>
+      </p:sp>
+      <p:cxnSp>
+        <p:nvCxnSpPr>
+          <p:cNvPr id="32" name="Straight Arrow Connector 31">
+            <a:extLst>
+              <a:ext uri="{FF2B5EF4-FFF2-40B4-BE49-F238E27FC236}">
+                <a16:creationId xmlns:a16="http://schemas.microsoft.com/office/drawing/2014/main" id="{59413388-CB42-30CF-EE8F-3C39E3A687D2}"/>
+              </a:ext>
+            </a:extLst>
+          </p:cNvPr>
+          <p:cNvCxnSpPr>
+            <a:cxnSpLocks/>
+            <a:stCxn id="12" idx="3"/>
+            <a:endCxn id="4" idx="1"/>
+          </p:cNvCxnSpPr>
+          <p:nvPr/>
+        </p:nvCxnSpPr>
+        <p:spPr>
+          <a:xfrm flipV="1">
+            <a:off x="3894881" y="3730972"/>
+            <a:ext cx="358733" cy="355876"/>
+          </a:xfrm>
+          <a:prstGeom prst="straightConnector1">
+            <a:avLst/>
+          </a:prstGeom>
+          <a:ln w="25400">
+            <a:tailEnd type="triangle" w="lg" len="med"/>
+          </a:ln>
+        </p:spPr>
+        <p:style>
+          <a:lnRef idx="1">
+            <a:schemeClr val="accent1"/>
+          </a:lnRef>
+          <a:fillRef idx="0">
+            <a:schemeClr val="accent1"/>
+          </a:fillRef>
+          <a:effectRef idx="0">
+            <a:schemeClr val="accent1"/>
+          </a:effectRef>
+          <a:fontRef idx="minor">
+            <a:schemeClr val="tx1"/>
+          </a:fontRef>
+        </p:style>
+      </p:cxnSp>
+      <p:cxnSp>
+        <p:nvCxnSpPr>
+          <p:cNvPr id="35" name="Straight Arrow Connector 34">
+            <a:extLst>
+              <a:ext uri="{FF2B5EF4-FFF2-40B4-BE49-F238E27FC236}">
+                <a16:creationId xmlns:a16="http://schemas.microsoft.com/office/drawing/2014/main" id="{5C8008B3-37FF-F6DE-93E3-1C1C83567896}"/>
+              </a:ext>
+            </a:extLst>
+          </p:cNvPr>
+          <p:cNvCxnSpPr>
+            <a:cxnSpLocks/>
+            <a:stCxn id="8" idx="1"/>
+            <a:endCxn id="4" idx="3"/>
+          </p:cNvCxnSpPr>
+          <p:nvPr/>
+        </p:nvCxnSpPr>
+        <p:spPr>
+          <a:xfrm flipH="1" flipV="1">
+            <a:off x="6967959" y="3730972"/>
+            <a:ext cx="227553" cy="332457"/>
+          </a:xfrm>
+          <a:prstGeom prst="straightConnector1">
+            <a:avLst/>
+          </a:prstGeom>
+          <a:ln w="25400">
+            <a:tailEnd type="triangle" w="lg" len="med"/>
+          </a:ln>
+        </p:spPr>
+        <p:style>
+          <a:lnRef idx="1">
+            <a:schemeClr val="accent1"/>
+          </a:lnRef>
+          <a:fillRef idx="0">
+            <a:schemeClr val="accent1"/>
+          </a:fillRef>
+          <a:effectRef idx="0">
+            <a:schemeClr val="accent1"/>
+          </a:effectRef>
+          <a:fontRef idx="minor">
+            <a:schemeClr val="tx1"/>
+          </a:fontRef>
+        </p:style>
+      </p:cxnSp>
+      <p:cxnSp>
+        <p:nvCxnSpPr>
+          <p:cNvPr id="39" name="Straight Arrow Connector 38">
+            <a:extLst>
+              <a:ext uri="{FF2B5EF4-FFF2-40B4-BE49-F238E27FC236}">
+                <a16:creationId xmlns:a16="http://schemas.microsoft.com/office/drawing/2014/main" id="{3DD541A4-E843-C800-64CF-1972E4E1B1DB}"/>
+              </a:ext>
+            </a:extLst>
+          </p:cNvPr>
+          <p:cNvCxnSpPr>
+            <a:cxnSpLocks/>
+            <a:stCxn id="8" idx="3"/>
+            <a:endCxn id="29" idx="1"/>
+          </p:cNvCxnSpPr>
+          <p:nvPr/>
+        </p:nvCxnSpPr>
+        <p:spPr>
+          <a:xfrm>
+            <a:off x="9909857" y="4063429"/>
+            <a:ext cx="48938" cy="574050"/>
+          </a:xfrm>
+          <a:prstGeom prst="straightConnector1">
+            <a:avLst/>
+          </a:prstGeom>
+          <a:ln w="25400">
+            <a:tailEnd type="triangle" w="lg" len="med"/>
+          </a:ln>
+        </p:spPr>
+        <p:style>
+          <a:lnRef idx="1">
+            <a:schemeClr val="accent1"/>
+          </a:lnRef>
+          <a:fillRef idx="0">
+            <a:schemeClr val="accent1"/>
+          </a:fillRef>
+          <a:effectRef idx="0">
+            <a:schemeClr val="accent1"/>
+          </a:effectRef>
+          <a:fontRef idx="minor">
+            <a:schemeClr val="tx1"/>
+          </a:fontRef>
+        </p:style>
+      </p:cxnSp>
+      <p:cxnSp>
+        <p:nvCxnSpPr>
+          <p:cNvPr id="44" name="Connector: Elbow 43">
+            <a:extLst>
+              <a:ext uri="{FF2B5EF4-FFF2-40B4-BE49-F238E27FC236}">
+                <a16:creationId xmlns:a16="http://schemas.microsoft.com/office/drawing/2014/main" id="{559B5CC2-D67B-6E4A-1423-5EDE308E3533}"/>
+              </a:ext>
+            </a:extLst>
+          </p:cNvPr>
+          <p:cNvCxnSpPr>
+            <a:cxnSpLocks/>
+            <a:stCxn id="47" idx="3"/>
+            <a:endCxn id="8" idx="0"/>
+          </p:cNvCxnSpPr>
+          <p:nvPr/>
+        </p:nvCxnSpPr>
+        <p:spPr>
+          <a:xfrm flipH="1">
+            <a:off x="8552685" y="1474200"/>
+            <a:ext cx="989130" cy="2411291"/>
+          </a:xfrm>
+          <a:prstGeom prst="bentConnector4">
+            <a:avLst>
+              <a:gd name="adj1" fmla="val -23111"/>
+              <a:gd name="adj2" fmla="val 53690"/>
+            </a:avLst>
+          </a:prstGeom>
+          <a:ln w="25400">
+            <a:tailEnd type="triangle" w="lg" len="med"/>
+          </a:ln>
+        </p:spPr>
+        <p:style>
+          <a:lnRef idx="1">
+            <a:schemeClr val="accent1"/>
+          </a:lnRef>
+          <a:fillRef idx="0">
+            <a:schemeClr val="accent1"/>
+          </a:fillRef>
+          <a:effectRef idx="0">
+            <a:schemeClr val="accent1"/>
+          </a:effectRef>
+          <a:fontRef idx="minor">
+            <a:schemeClr val="tx1"/>
+          </a:fontRef>
+        </p:style>
+      </p:cxnSp>
+      <p:cxnSp>
+        <p:nvCxnSpPr>
+          <p:cNvPr id="49" name="Straight Connector 48">
+            <a:extLst>
+              <a:ext uri="{FF2B5EF4-FFF2-40B4-BE49-F238E27FC236}">
+                <a16:creationId xmlns:a16="http://schemas.microsoft.com/office/drawing/2014/main" id="{647A29F3-8695-AE1A-71CB-51711BCB0FEB}"/>
+              </a:ext>
+            </a:extLst>
+          </p:cNvPr>
+          <p:cNvCxnSpPr>
+            <a:cxnSpLocks/>
+          </p:cNvCxnSpPr>
+          <p:nvPr/>
+        </p:nvCxnSpPr>
+        <p:spPr>
+          <a:xfrm flipH="1">
+            <a:off x="738842" y="1994315"/>
+            <a:ext cx="147405" cy="0"/>
+          </a:xfrm>
+          <a:prstGeom prst="line">
+            <a:avLst/>
+          </a:prstGeom>
+          <a:ln w="25400">
+            <a:solidFill>
+              <a:schemeClr val="tx1">
+                <a:lumMod val="50000"/>
+                <a:lumOff val="50000"/>
+              </a:schemeClr>
+            </a:solidFill>
+          </a:ln>
+        </p:spPr>
+        <p:style>
+          <a:lnRef idx="1">
+            <a:schemeClr val="accent1"/>
+          </a:lnRef>
+          <a:fillRef idx="0">
+            <a:schemeClr val="accent1"/>
+          </a:fillRef>
+          <a:effectRef idx="0">
+            <a:schemeClr val="accent1"/>
+          </a:effectRef>
+          <a:fontRef idx="minor">
+            <a:schemeClr val="tx1"/>
+          </a:fontRef>
+        </p:style>
+      </p:cxnSp>
+      <p:cxnSp>
+        <p:nvCxnSpPr>
+          <p:cNvPr id="50" name="Straight Connector 49">
+            <a:extLst>
+              <a:ext uri="{FF2B5EF4-FFF2-40B4-BE49-F238E27FC236}">
+                <a16:creationId xmlns:a16="http://schemas.microsoft.com/office/drawing/2014/main" id="{ADA4F52D-D33E-D8B7-6118-688E26FAD8DE}"/>
+              </a:ext>
+            </a:extLst>
+          </p:cNvPr>
+          <p:cNvCxnSpPr>
+            <a:cxnSpLocks/>
+          </p:cNvCxnSpPr>
+          <p:nvPr/>
+        </p:nvCxnSpPr>
+        <p:spPr>
+          <a:xfrm flipH="1">
+            <a:off x="7302858" y="1926009"/>
+            <a:ext cx="131324" cy="10777"/>
+          </a:xfrm>
+          <a:prstGeom prst="line">
+            <a:avLst/>
+          </a:prstGeom>
+          <a:ln w="25400">
+            <a:solidFill>
+              <a:schemeClr val="tx1">
+                <a:lumMod val="50000"/>
+                <a:lumOff val="50000"/>
+              </a:schemeClr>
+            </a:solidFill>
+          </a:ln>
+        </p:spPr>
+        <p:style>
+          <a:lnRef idx="1">
+            <a:schemeClr val="accent1"/>
+          </a:lnRef>
+          <a:fillRef idx="0">
+            <a:schemeClr val="accent1"/>
+          </a:fillRef>
+          <a:effectRef idx="0">
+            <a:schemeClr val="accent1"/>
+          </a:effectRef>
+          <a:fontRef idx="minor">
+            <a:schemeClr val="tx1"/>
+          </a:fontRef>
+        </p:style>
+      </p:cxnSp>
+      <p:cxnSp>
+        <p:nvCxnSpPr>
+          <p:cNvPr id="51" name="Straight Connector 50">
+            <a:extLst>
+              <a:ext uri="{FF2B5EF4-FFF2-40B4-BE49-F238E27FC236}">
+                <a16:creationId xmlns:a16="http://schemas.microsoft.com/office/drawing/2014/main" id="{7005DF64-7E1F-342F-48DE-03E3D1971763}"/>
+              </a:ext>
+            </a:extLst>
+          </p:cNvPr>
+          <p:cNvCxnSpPr>
+            <a:cxnSpLocks/>
+          </p:cNvCxnSpPr>
+          <p:nvPr/>
+        </p:nvCxnSpPr>
+        <p:spPr>
+          <a:xfrm flipH="1" flipV="1">
+            <a:off x="753742" y="2322495"/>
+            <a:ext cx="130233" cy="7252"/>
+          </a:xfrm>
+          <a:prstGeom prst="line">
+            <a:avLst/>
+          </a:prstGeom>
+          <a:ln w="25400">
+            <a:solidFill>
+              <a:schemeClr val="tx1">
+                <a:lumMod val="50000"/>
+                <a:lumOff val="50000"/>
+              </a:schemeClr>
+            </a:solidFill>
+          </a:ln>
+        </p:spPr>
+        <p:style>
+          <a:lnRef idx="1">
+            <a:schemeClr val="accent1"/>
+          </a:lnRef>
+          <a:fillRef idx="0">
+            <a:schemeClr val="accent1"/>
+          </a:fillRef>
+          <a:effectRef idx="0">
+            <a:schemeClr val="accent1"/>
+          </a:effectRef>
+          <a:fontRef idx="minor">
+            <a:schemeClr val="tx1"/>
+          </a:fontRef>
+        </p:style>
+      </p:cxnSp>
+      <p:cxnSp>
+        <p:nvCxnSpPr>
+          <p:cNvPr id="52" name="Straight Connector 51">
+            <a:extLst>
+              <a:ext uri="{FF2B5EF4-FFF2-40B4-BE49-F238E27FC236}">
+                <a16:creationId xmlns:a16="http://schemas.microsoft.com/office/drawing/2014/main" id="{7183EB7D-7088-59E8-15E8-8E12B94237DA}"/>
+              </a:ext>
+            </a:extLst>
+          </p:cNvPr>
+          <p:cNvCxnSpPr>
+            <a:cxnSpLocks/>
+          </p:cNvCxnSpPr>
+          <p:nvPr/>
+        </p:nvCxnSpPr>
+        <p:spPr>
+          <a:xfrm flipH="1" flipV="1">
+            <a:off x="753742" y="2611237"/>
+            <a:ext cx="132505" cy="720"/>
+          </a:xfrm>
+          <a:prstGeom prst="line">
+            <a:avLst/>
+          </a:prstGeom>
+          <a:ln w="25400">
+            <a:solidFill>
+              <a:schemeClr val="tx1">
+                <a:lumMod val="50000"/>
+                <a:lumOff val="50000"/>
+              </a:schemeClr>
+            </a:solidFill>
+          </a:ln>
+        </p:spPr>
+        <p:style>
+          <a:lnRef idx="1">
+            <a:schemeClr val="accent1"/>
+          </a:lnRef>
+          <a:fillRef idx="0">
+            <a:schemeClr val="accent1"/>
+          </a:fillRef>
+          <a:effectRef idx="0">
+            <a:schemeClr val="accent1"/>
+          </a:effectRef>
+          <a:fontRef idx="minor">
+            <a:schemeClr val="tx1"/>
+          </a:fontRef>
+        </p:style>
+      </p:cxnSp>
+      <p:cxnSp>
+        <p:nvCxnSpPr>
+          <p:cNvPr id="53" name="Straight Connector 52">
+            <a:extLst>
+              <a:ext uri="{FF2B5EF4-FFF2-40B4-BE49-F238E27FC236}">
+                <a16:creationId xmlns:a16="http://schemas.microsoft.com/office/drawing/2014/main" id="{E6CBA842-5574-A64F-50DE-ABC0B38893E1}"/>
+              </a:ext>
+            </a:extLst>
+          </p:cNvPr>
+          <p:cNvCxnSpPr>
+            <a:cxnSpLocks/>
+          </p:cNvCxnSpPr>
+          <p:nvPr/>
+        </p:nvCxnSpPr>
+        <p:spPr>
+          <a:xfrm flipH="1" flipV="1">
+            <a:off x="738842" y="2948431"/>
+            <a:ext cx="128908" cy="660"/>
+          </a:xfrm>
+          <a:prstGeom prst="line">
+            <a:avLst/>
+          </a:prstGeom>
+          <a:ln w="25400">
+            <a:solidFill>
+              <a:schemeClr val="tx1">
+                <a:lumMod val="50000"/>
+                <a:lumOff val="50000"/>
+              </a:schemeClr>
+            </a:solidFill>
+          </a:ln>
+        </p:spPr>
+        <p:style>
+          <a:lnRef idx="1">
+            <a:schemeClr val="accent1"/>
+          </a:lnRef>
+          <a:fillRef idx="0">
+            <a:schemeClr val="accent1"/>
+          </a:fillRef>
+          <a:effectRef idx="0">
+            <a:schemeClr val="accent1"/>
+          </a:effectRef>
+          <a:fontRef idx="minor">
+            <a:schemeClr val="tx1"/>
+          </a:fontRef>
+        </p:style>
+      </p:cxnSp>
+      <p:cxnSp>
+        <p:nvCxnSpPr>
+          <p:cNvPr id="54" name="Straight Connector 53">
+            <a:extLst>
+              <a:ext uri="{FF2B5EF4-FFF2-40B4-BE49-F238E27FC236}">
+                <a16:creationId xmlns:a16="http://schemas.microsoft.com/office/drawing/2014/main" id="{946DFA7A-AD4E-ED8C-2EDE-414480DEB355}"/>
+              </a:ext>
+            </a:extLst>
+          </p:cNvPr>
+          <p:cNvCxnSpPr>
+            <a:cxnSpLocks/>
+          </p:cNvCxnSpPr>
+          <p:nvPr/>
+        </p:nvCxnSpPr>
+        <p:spPr>
+          <a:xfrm flipH="1">
+            <a:off x="7302858" y="2196453"/>
+            <a:ext cx="134168" cy="28708"/>
+          </a:xfrm>
+          <a:prstGeom prst="line">
+            <a:avLst/>
+          </a:prstGeom>
+          <a:ln w="25400">
+            <a:solidFill>
+              <a:schemeClr val="tx1">
+                <a:lumMod val="50000"/>
+                <a:lumOff val="50000"/>
+              </a:schemeClr>
+            </a:solidFill>
+          </a:ln>
+        </p:spPr>
+        <p:style>
+          <a:lnRef idx="1">
+            <a:schemeClr val="accent1"/>
+          </a:lnRef>
+          <a:fillRef idx="0">
+            <a:schemeClr val="accent1"/>
+          </a:fillRef>
+          <a:effectRef idx="0">
+            <a:schemeClr val="accent1"/>
+          </a:effectRef>
+          <a:fontRef idx="minor">
+            <a:schemeClr val="tx1"/>
+          </a:fontRef>
+        </p:style>
+      </p:cxnSp>
+      <p:cxnSp>
+        <p:nvCxnSpPr>
+          <p:cNvPr id="55" name="Straight Connector 54">
+            <a:extLst>
+              <a:ext uri="{FF2B5EF4-FFF2-40B4-BE49-F238E27FC236}">
+                <a16:creationId xmlns:a16="http://schemas.microsoft.com/office/drawing/2014/main" id="{E2FE3B5F-F05B-F504-FBF0-129FC294E86E}"/>
+              </a:ext>
+            </a:extLst>
+          </p:cNvPr>
+          <p:cNvCxnSpPr>
+            <a:cxnSpLocks/>
+          </p:cNvCxnSpPr>
+          <p:nvPr/>
+        </p:nvCxnSpPr>
+        <p:spPr>
+          <a:xfrm flipH="1">
+            <a:off x="7302858" y="2569721"/>
+            <a:ext cx="134168" cy="23871"/>
+          </a:xfrm>
+          <a:prstGeom prst="line">
+            <a:avLst/>
+          </a:prstGeom>
+          <a:ln w="25400">
+            <a:solidFill>
+              <a:schemeClr val="tx1">
+                <a:lumMod val="50000"/>
+                <a:lumOff val="50000"/>
+              </a:schemeClr>
+            </a:solidFill>
+          </a:ln>
+        </p:spPr>
+        <p:style>
+          <a:lnRef idx="1">
+            <a:schemeClr val="accent1"/>
+          </a:lnRef>
+          <a:fillRef idx="0">
+            <a:schemeClr val="accent1"/>
+          </a:fillRef>
+          <a:effectRef idx="0">
+            <a:schemeClr val="accent1"/>
+          </a:effectRef>
+          <a:fontRef idx="minor">
+            <a:schemeClr val="tx1"/>
+          </a:fontRef>
+        </p:style>
+      </p:cxnSp>
+      <p:cxnSp>
+        <p:nvCxnSpPr>
+          <p:cNvPr id="56" name="Straight Connector 55">
+            <a:extLst>
+              <a:ext uri="{FF2B5EF4-FFF2-40B4-BE49-F238E27FC236}">
+                <a16:creationId xmlns:a16="http://schemas.microsoft.com/office/drawing/2014/main" id="{72400E71-FA4B-335F-49A5-26E98DD9A2AC}"/>
+              </a:ext>
+            </a:extLst>
+          </p:cNvPr>
+          <p:cNvCxnSpPr>
+            <a:cxnSpLocks/>
+          </p:cNvCxnSpPr>
+          <p:nvPr/>
+        </p:nvCxnSpPr>
+        <p:spPr>
+          <a:xfrm flipH="1">
+            <a:off x="621099" y="4479440"/>
+            <a:ext cx="323296" cy="0"/>
+          </a:xfrm>
+          <a:prstGeom prst="line">
+            <a:avLst/>
+          </a:prstGeom>
+          <a:ln w="25400">
+            <a:solidFill>
+              <a:schemeClr val="tx1">
+                <a:lumMod val="50000"/>
+                <a:lumOff val="50000"/>
+              </a:schemeClr>
+            </a:solidFill>
+          </a:ln>
+        </p:spPr>
+        <p:style>
+          <a:lnRef idx="1">
+            <a:schemeClr val="accent1"/>
+          </a:lnRef>
+          <a:fillRef idx="0">
+            <a:schemeClr val="accent1"/>
+          </a:fillRef>
+          <a:effectRef idx="0">
+            <a:schemeClr val="accent1"/>
+          </a:effectRef>
+          <a:fontRef idx="minor">
+            <a:schemeClr val="tx1"/>
+          </a:fontRef>
+        </p:style>
+      </p:cxnSp>
+      <p:cxnSp>
+        <p:nvCxnSpPr>
+          <p:cNvPr id="57" name="Straight Connector 56">
+            <a:extLst>
+              <a:ext uri="{FF2B5EF4-FFF2-40B4-BE49-F238E27FC236}">
+                <a16:creationId xmlns:a16="http://schemas.microsoft.com/office/drawing/2014/main" id="{1B34BDC0-F466-66D2-6326-E0C148407DDF}"/>
+              </a:ext>
+            </a:extLst>
+          </p:cNvPr>
+          <p:cNvCxnSpPr>
+            <a:cxnSpLocks/>
+          </p:cNvCxnSpPr>
+          <p:nvPr/>
+        </p:nvCxnSpPr>
+        <p:spPr>
+          <a:xfrm flipH="1">
+            <a:off x="613001" y="4823645"/>
+            <a:ext cx="270973" cy="0"/>
+          </a:xfrm>
+          <a:prstGeom prst="line">
+            <a:avLst/>
+          </a:prstGeom>
+          <a:ln w="25400">
+            <a:solidFill>
+              <a:schemeClr val="tx1">
+                <a:lumMod val="50000"/>
+                <a:lumOff val="50000"/>
+              </a:schemeClr>
+            </a:solidFill>
+          </a:ln>
+        </p:spPr>
+        <p:style>
+          <a:lnRef idx="1">
+            <a:schemeClr val="accent1"/>
+          </a:lnRef>
+          <a:fillRef idx="0">
+            <a:schemeClr val="accent1"/>
+          </a:fillRef>
+          <a:effectRef idx="0">
+            <a:schemeClr val="accent1"/>
+          </a:effectRef>
+          <a:fontRef idx="minor">
+            <a:schemeClr val="tx1"/>
+          </a:fontRef>
+        </p:style>
+      </p:cxnSp>
+      <p:cxnSp>
+        <p:nvCxnSpPr>
+          <p:cNvPr id="58" name="Straight Connector 57">
+            <a:extLst>
+              <a:ext uri="{FF2B5EF4-FFF2-40B4-BE49-F238E27FC236}">
+                <a16:creationId xmlns:a16="http://schemas.microsoft.com/office/drawing/2014/main" id="{6B8707A7-458B-2815-D7B7-EDE006388616}"/>
+              </a:ext>
+            </a:extLst>
+          </p:cNvPr>
+          <p:cNvCxnSpPr>
+            <a:cxnSpLocks/>
+          </p:cNvCxnSpPr>
+          <p:nvPr/>
+        </p:nvCxnSpPr>
+        <p:spPr>
+          <a:xfrm flipH="1" flipV="1">
+            <a:off x="4253613" y="4167795"/>
+            <a:ext cx="304253" cy="7596"/>
+          </a:xfrm>
+          <a:prstGeom prst="line">
+            <a:avLst/>
+          </a:prstGeom>
+          <a:ln w="25400">
+            <a:solidFill>
+              <a:schemeClr val="tx1">
+                <a:lumMod val="50000"/>
+                <a:lumOff val="50000"/>
+              </a:schemeClr>
+            </a:solidFill>
+          </a:ln>
+        </p:spPr>
+        <p:style>
+          <a:lnRef idx="1">
+            <a:schemeClr val="accent1"/>
+          </a:lnRef>
+          <a:fillRef idx="0">
+            <a:schemeClr val="accent1"/>
+          </a:fillRef>
+          <a:effectRef idx="0">
+            <a:schemeClr val="accent1"/>
+          </a:effectRef>
+          <a:fontRef idx="minor">
+            <a:schemeClr val="tx1"/>
+          </a:fontRef>
+        </p:style>
+      </p:cxnSp>
+      <p:cxnSp>
+        <p:nvCxnSpPr>
+          <p:cNvPr id="59" name="Straight Connector 58">
+            <a:extLst>
+              <a:ext uri="{FF2B5EF4-FFF2-40B4-BE49-F238E27FC236}">
+                <a16:creationId xmlns:a16="http://schemas.microsoft.com/office/drawing/2014/main" id="{EA9CD4CE-CD1C-72D8-99CC-18381100C504}"/>
+              </a:ext>
+            </a:extLst>
+          </p:cNvPr>
+          <p:cNvCxnSpPr>
+            <a:cxnSpLocks/>
+          </p:cNvCxnSpPr>
+          <p:nvPr/>
+        </p:nvCxnSpPr>
+        <p:spPr>
+          <a:xfrm flipH="1">
+            <a:off x="4263157" y="4496072"/>
+            <a:ext cx="293054" cy="9417"/>
+          </a:xfrm>
+          <a:prstGeom prst="line">
+            <a:avLst/>
+          </a:prstGeom>
+          <a:ln w="25400">
+            <a:solidFill>
+              <a:schemeClr val="tx1">
+                <a:lumMod val="50000"/>
+                <a:lumOff val="50000"/>
+              </a:schemeClr>
+            </a:solidFill>
+          </a:ln>
+        </p:spPr>
+        <p:style>
+          <a:lnRef idx="1">
+            <a:schemeClr val="accent1"/>
+          </a:lnRef>
+          <a:fillRef idx="0">
+            <a:schemeClr val="accent1"/>
+          </a:fillRef>
+          <a:effectRef idx="0">
+            <a:schemeClr val="accent1"/>
+          </a:effectRef>
+          <a:fontRef idx="minor">
+            <a:schemeClr val="tx1"/>
+          </a:fontRef>
+        </p:style>
+      </p:cxnSp>
+      <p:cxnSp>
+        <p:nvCxnSpPr>
+          <p:cNvPr id="60" name="Straight Connector 59">
+            <a:extLst>
+              <a:ext uri="{FF2B5EF4-FFF2-40B4-BE49-F238E27FC236}">
+                <a16:creationId xmlns:a16="http://schemas.microsoft.com/office/drawing/2014/main" id="{38982CE4-FA8D-3907-F8A3-4FEAC02DBBBF}"/>
+              </a:ext>
+            </a:extLst>
+          </p:cNvPr>
+          <p:cNvCxnSpPr>
+            <a:cxnSpLocks/>
+          </p:cNvCxnSpPr>
+          <p:nvPr/>
+        </p:nvCxnSpPr>
+        <p:spPr>
+          <a:xfrm flipH="1">
+            <a:off x="7187172" y="4466208"/>
+            <a:ext cx="347074" cy="13232"/>
+          </a:xfrm>
+          <a:prstGeom prst="line">
+            <a:avLst/>
+          </a:prstGeom>
+          <a:ln w="25400">
+            <a:solidFill>
+              <a:schemeClr val="tx1">
+                <a:lumMod val="50000"/>
+                <a:lumOff val="50000"/>
+              </a:schemeClr>
+            </a:solidFill>
+          </a:ln>
+        </p:spPr>
+        <p:style>
+          <a:lnRef idx="1">
+            <a:schemeClr val="accent1"/>
+          </a:lnRef>
+          <a:fillRef idx="0">
+            <a:schemeClr val="accent1"/>
+          </a:fillRef>
+          <a:effectRef idx="0">
+            <a:schemeClr val="accent1"/>
+          </a:effectRef>
+          <a:fontRef idx="minor">
+            <a:schemeClr val="tx1"/>
+          </a:fontRef>
+        </p:style>
+      </p:cxnSp>
+      <p:cxnSp>
+        <p:nvCxnSpPr>
+          <p:cNvPr id="61" name="Straight Connector 60">
+            <a:extLst>
+              <a:ext uri="{FF2B5EF4-FFF2-40B4-BE49-F238E27FC236}">
+                <a16:creationId xmlns:a16="http://schemas.microsoft.com/office/drawing/2014/main" id="{71D863A0-0FE3-25EC-F48A-A6F7E7D055A6}"/>
+              </a:ext>
+            </a:extLst>
+          </p:cNvPr>
+          <p:cNvCxnSpPr>
+            <a:cxnSpLocks/>
+          </p:cNvCxnSpPr>
+          <p:nvPr/>
+        </p:nvCxnSpPr>
+        <p:spPr>
+          <a:xfrm flipH="1">
+            <a:off x="7187172" y="4801967"/>
+            <a:ext cx="357913" cy="4"/>
+          </a:xfrm>
+          <a:prstGeom prst="line">
+            <a:avLst/>
+          </a:prstGeom>
+          <a:ln w="25400">
+            <a:solidFill>
+              <a:schemeClr val="tx1">
+                <a:lumMod val="50000"/>
+                <a:lumOff val="50000"/>
+              </a:schemeClr>
+            </a:solidFill>
+          </a:ln>
+        </p:spPr>
+        <p:style>
+          <a:lnRef idx="1">
+            <a:schemeClr val="accent1"/>
+          </a:lnRef>
+          <a:fillRef idx="0">
+            <a:schemeClr val="accent1"/>
+          </a:fillRef>
+          <a:effectRef idx="0">
+            <a:schemeClr val="accent1"/>
+          </a:effectRef>
+          <a:fontRef idx="minor">
+            <a:schemeClr val="tx1"/>
+          </a:fontRef>
+        </p:style>
+      </p:cxnSp>
+      <p:cxnSp>
+        <p:nvCxnSpPr>
+          <p:cNvPr id="63" name="Straight Connector 62">
+            <a:extLst>
+              <a:ext uri="{FF2B5EF4-FFF2-40B4-BE49-F238E27FC236}">
+                <a16:creationId xmlns:a16="http://schemas.microsoft.com/office/drawing/2014/main" id="{D9875D29-565A-F768-51B1-DA80BF9FD3E6}"/>
+              </a:ext>
+            </a:extLst>
+          </p:cNvPr>
+          <p:cNvCxnSpPr>
+            <a:cxnSpLocks/>
+          </p:cNvCxnSpPr>
+          <p:nvPr/>
+        </p:nvCxnSpPr>
+        <p:spPr>
+          <a:xfrm>
+            <a:off x="7187172" y="4253595"/>
+            <a:ext cx="8340" cy="570049"/>
+          </a:xfrm>
+          <a:prstGeom prst="line">
+            <a:avLst/>
+          </a:prstGeom>
+          <a:ln w="25400">
+            <a:solidFill>
+              <a:schemeClr val="tx1"/>
+            </a:solidFill>
+          </a:ln>
+        </p:spPr>
+        <p:style>
+          <a:lnRef idx="1">
+            <a:schemeClr val="accent1"/>
+          </a:lnRef>
+          <a:fillRef idx="0">
+            <a:schemeClr val="accent1"/>
+          </a:fillRef>
+          <a:effectRef idx="0">
+            <a:schemeClr val="accent1"/>
+          </a:effectRef>
+          <a:fontRef idx="minor">
+            <a:schemeClr val="tx1"/>
+          </a:fontRef>
+        </p:style>
+      </p:cxnSp>
     </p:spTree>
     <p:extLst>
       <p:ext uri="{BB962C8B-B14F-4D97-AF65-F5344CB8AC3E}">

--- a/GO-Micro-Resources-Application.pptx
+++ b/GO-Micro-Resources-Application.pptx
@@ -5,17 +5,16 @@
     <p:sldMasterId id="2147483648" r:id="rId1"/>
   </p:sldMasterIdLst>
   <p:notesMasterIdLst>
-    <p:notesMasterId r:id="rId10"/>
+    <p:notesMasterId r:id="rId9"/>
   </p:notesMasterIdLst>
   <p:sldIdLst>
     <p:sldId id="256" r:id="rId2"/>
     <p:sldId id="259" r:id="rId3"/>
     <p:sldId id="261" r:id="rId4"/>
     <p:sldId id="263" r:id="rId5"/>
-    <p:sldId id="262" r:id="rId6"/>
-    <p:sldId id="260" r:id="rId7"/>
-    <p:sldId id="257" r:id="rId8"/>
-    <p:sldId id="258" r:id="rId9"/>
+    <p:sldId id="265" r:id="rId6"/>
+    <p:sldId id="257" r:id="rId7"/>
+    <p:sldId id="258" r:id="rId8"/>
   </p:sldIdLst>
   <p:sldSz cx="12192000" cy="6858000"/>
   <p:notesSz cx="6858000" cy="9144000"/>
@@ -675,7 +674,7 @@
           <a:p>
             <a:fld id="{A221C571-5782-4D6E-83CF-D2E734C80146}" type="slidenum">
               <a:rPr lang="en-US" smtClean="0"/>
-              <a:t>7</a:t>
+              <a:t>6</a:t>
             </a:fld>
             <a:endParaRPr lang="en-US"/>
           </a:p>
@@ -762,7 +761,7 @@
           <a:p>
             <a:fld id="{A221C571-5782-4D6E-83CF-D2E734C80146}" type="slidenum">
               <a:rPr lang="en-US" smtClean="0"/>
-              <a:t>8</a:t>
+              <a:t>7</a:t>
             </a:fld>
             <a:endParaRPr lang="en-US"/>
           </a:p>
@@ -5556,7 +5555,7 @@
             <a:pPr algn="ctr"/>
             <a:r>
               <a:rPr lang="en-US" b="1" dirty="0"/>
-              <a:t>entity-resources(v)</a:t>
+              <a:t>config-resources(v)</a:t>
             </a:r>
           </a:p>
         </p:txBody>
@@ -5792,7 +5791,7 @@
             <a:pPr algn="ctr"/>
             <a:r>
               <a:rPr lang="en-US" b="1" dirty="0"/>
-              <a:t>entity-types</a:t>
+              <a:t>config-types</a:t>
             </a:r>
           </a:p>
         </p:txBody>
@@ -5842,10 +5841,10 @@
       </p:cxnSp>
       <p:sp>
         <p:nvSpPr>
-          <p:cNvPr id="24" name="Rectangle 23">
-            <a:extLst>
-              <a:ext uri="{FF2B5EF4-FFF2-40B4-BE49-F238E27FC236}">
-                <a16:creationId xmlns:a16="http://schemas.microsoft.com/office/drawing/2014/main" id="{B8C390F9-E150-5B6A-4684-CB7178F9C394}"/>
+          <p:cNvPr id="25" name="Rectangle 24">
+            <a:extLst>
+              <a:ext uri="{FF2B5EF4-FFF2-40B4-BE49-F238E27FC236}">
+                <a16:creationId xmlns:a16="http://schemas.microsoft.com/office/drawing/2014/main" id="{9AA48F36-3039-457A-CBD2-E1FFA63A05A2}"/>
               </a:ext>
             </a:extLst>
           </p:cNvPr>
@@ -5854,7 +5853,7 @@
         </p:nvSpPr>
         <p:spPr>
           <a:xfrm>
-            <a:off x="4456802" y="4937721"/>
+            <a:off x="4456802" y="4585783"/>
             <a:ext cx="2103120" cy="320682"/>
           </a:xfrm>
           <a:prstGeom prst="rect">
@@ -5893,65 +5892,7 @@
             <a:pPr algn="ctr"/>
             <a:r>
               <a:rPr lang="en-US" dirty="0"/>
-              <a:t>envoy</a:t>
-            </a:r>
-          </a:p>
-        </p:txBody>
-      </p:sp>
-      <p:sp>
-        <p:nvSpPr>
-          <p:cNvPr id="25" name="Rectangle 24">
-            <a:extLst>
-              <a:ext uri="{FF2B5EF4-FFF2-40B4-BE49-F238E27FC236}">
-                <a16:creationId xmlns:a16="http://schemas.microsoft.com/office/drawing/2014/main" id="{9AA48F36-3039-457A-CBD2-E1FFA63A05A2}"/>
-              </a:ext>
-            </a:extLst>
-          </p:cNvPr>
-          <p:cNvSpPr/>
-          <p:nvPr/>
-        </p:nvSpPr>
-        <p:spPr>
-          <a:xfrm>
-            <a:off x="4456802" y="4585783"/>
-            <a:ext cx="2103120" cy="320682"/>
-          </a:xfrm>
-          <a:prstGeom prst="rect">
-            <a:avLst/>
-          </a:prstGeom>
-          <a:solidFill>
-            <a:srgbClr val="E3E0B3"/>
-          </a:solidFill>
-          <a:ln>
-            <a:solidFill>
-              <a:schemeClr val="tx1">
-                <a:lumMod val="65000"/>
-                <a:lumOff val="35000"/>
-              </a:schemeClr>
-            </a:solidFill>
-          </a:ln>
-        </p:spPr>
-        <p:style>
-          <a:lnRef idx="2">
-            <a:schemeClr val="accent6"/>
-          </a:lnRef>
-          <a:fillRef idx="1">
-            <a:schemeClr val="lt1"/>
-          </a:fillRef>
-          <a:effectRef idx="0">
-            <a:schemeClr val="accent6"/>
-          </a:effectRef>
-          <a:fontRef idx="minor">
-            <a:schemeClr val="dk1"/>
-          </a:fontRef>
-        </p:style>
-        <p:txBody>
-          <a:bodyPr rtlCol="0" anchor="ctr"/>
-          <a:lstStyle/>
-          <a:p>
-            <a:pPr algn="ctr"/>
-            <a:r>
-              <a:rPr lang="en-US" dirty="0"/>
-              <a:t>profile</a:t>
+              <a:t>config</a:t>
             </a:r>
           </a:p>
         </p:txBody>
@@ -6028,7 +5969,7 @@
             <a:pPr algn="ctr"/>
             <a:r>
               <a:rPr lang="en-US" b="1" dirty="0"/>
-              <a:t>entity-host(v)</a:t>
+              <a:t>config-host(v)</a:t>
             </a:r>
           </a:p>
         </p:txBody>
@@ -6211,8 +6152,8 @@
         </p:nvCxnSpPr>
         <p:spPr>
           <a:xfrm flipH="1">
-            <a:off x="4290702" y="4514136"/>
-            <a:ext cx="36041" cy="634097"/>
+            <a:off x="4323255" y="4499181"/>
+            <a:ext cx="11595" cy="271613"/>
           </a:xfrm>
           <a:prstGeom prst="line">
             <a:avLst/>
@@ -6397,52 +6338,6 @@
           <a:xfrm flipH="1" flipV="1">
             <a:off x="4297030" y="4770794"/>
             <a:ext cx="168145" cy="28309"/>
-          </a:xfrm>
-          <a:prstGeom prst="line">
-            <a:avLst/>
-          </a:prstGeom>
-          <a:ln w="25400">
-            <a:solidFill>
-              <a:schemeClr val="tx1">
-                <a:lumMod val="50000"/>
-                <a:lumOff val="50000"/>
-              </a:schemeClr>
-            </a:solidFill>
-          </a:ln>
-        </p:spPr>
-        <p:style>
-          <a:lnRef idx="1">
-            <a:schemeClr val="accent1"/>
-          </a:lnRef>
-          <a:fillRef idx="0">
-            <a:schemeClr val="accent1"/>
-          </a:fillRef>
-          <a:effectRef idx="0">
-            <a:schemeClr val="accent1"/>
-          </a:effectRef>
-          <a:fontRef idx="minor">
-            <a:schemeClr val="tx1"/>
-          </a:fontRef>
-        </p:style>
-      </p:cxnSp>
-      <p:cxnSp>
-        <p:nvCxnSpPr>
-          <p:cNvPr id="43" name="Straight Connector 42">
-            <a:extLst>
-              <a:ext uri="{FF2B5EF4-FFF2-40B4-BE49-F238E27FC236}">
-                <a16:creationId xmlns:a16="http://schemas.microsoft.com/office/drawing/2014/main" id="{AD02ACAB-5462-C42E-D7AA-42F514CDA4A7}"/>
-              </a:ext>
-            </a:extLst>
-          </p:cNvPr>
-          <p:cNvCxnSpPr>
-            <a:cxnSpLocks/>
-          </p:cNvCxnSpPr>
-          <p:nvPr/>
-        </p:nvCxnSpPr>
-        <p:spPr>
-          <a:xfrm flipH="1" flipV="1">
-            <a:off x="4260596" y="5148233"/>
-            <a:ext cx="196206" cy="5049"/>
           </a:xfrm>
           <a:prstGeom prst="line">
             <a:avLst/>
@@ -6690,9 +6585,9 @@
           <p:nvPr/>
         </p:nvCxnSpPr>
         <p:spPr>
-          <a:xfrm>
-            <a:off x="4263157" y="3924317"/>
-            <a:ext cx="0" cy="581172"/>
+          <a:xfrm flipH="1">
+            <a:off x="4253613" y="3924317"/>
+            <a:ext cx="9544" cy="251074"/>
           </a:xfrm>
           <a:prstGeom prst="line">
             <a:avLst/>
@@ -6779,9 +6674,9 @@
           <p:nvPr/>
         </p:nvCxnSpPr>
         <p:spPr>
-          <a:xfrm flipH="1">
-            <a:off x="4253613" y="1102329"/>
-            <a:ext cx="1" cy="990749"/>
+          <a:xfrm>
+            <a:off x="4253614" y="1102329"/>
+            <a:ext cx="9543" cy="296717"/>
           </a:xfrm>
           <a:prstGeom prst="line">
             <a:avLst/>
@@ -6865,9 +6760,9 @@
           <p:nvPr/>
         </p:nvCxnSpPr>
         <p:spPr>
-          <a:xfrm>
-            <a:off x="615206" y="4264786"/>
-            <a:ext cx="5893" cy="558858"/>
+          <a:xfrm flipH="1">
+            <a:off x="604635" y="4264786"/>
+            <a:ext cx="10571" cy="881381"/>
           </a:xfrm>
           <a:prstGeom prst="line">
             <a:avLst/>
@@ -6918,98 +6813,6 @@
           <a:ln w="25400">
             <a:solidFill>
               <a:schemeClr val="tx1"/>
-            </a:solidFill>
-          </a:ln>
-        </p:spPr>
-        <p:style>
-          <a:lnRef idx="1">
-            <a:schemeClr val="accent1"/>
-          </a:lnRef>
-          <a:fillRef idx="0">
-            <a:schemeClr val="accent1"/>
-          </a:fillRef>
-          <a:effectRef idx="0">
-            <a:schemeClr val="accent1"/>
-          </a:effectRef>
-          <a:fontRef idx="minor">
-            <a:schemeClr val="tx1"/>
-          </a:fontRef>
-        </p:style>
-      </p:cxnSp>
-      <p:cxnSp>
-        <p:nvCxnSpPr>
-          <p:cNvPr id="18" name="Straight Connector 17">
-            <a:extLst>
-              <a:ext uri="{FF2B5EF4-FFF2-40B4-BE49-F238E27FC236}">
-                <a16:creationId xmlns:a16="http://schemas.microsoft.com/office/drawing/2014/main" id="{8DDC5529-C449-2A12-1E59-9109FB4194F7}"/>
-              </a:ext>
-            </a:extLst>
-          </p:cNvPr>
-          <p:cNvCxnSpPr>
-            <a:cxnSpLocks/>
-          </p:cNvCxnSpPr>
-          <p:nvPr/>
-        </p:nvCxnSpPr>
-        <p:spPr>
-          <a:xfrm flipH="1" flipV="1">
-            <a:off x="4232914" y="1721068"/>
-            <a:ext cx="143192" cy="14093"/>
-          </a:xfrm>
-          <a:prstGeom prst="line">
-            <a:avLst/>
-          </a:prstGeom>
-          <a:ln w="25400">
-            <a:solidFill>
-              <a:schemeClr val="tx1">
-                <a:lumMod val="50000"/>
-                <a:lumOff val="50000"/>
-              </a:schemeClr>
-            </a:solidFill>
-          </a:ln>
-        </p:spPr>
-        <p:style>
-          <a:lnRef idx="1">
-            <a:schemeClr val="accent1"/>
-          </a:lnRef>
-          <a:fillRef idx="0">
-            <a:schemeClr val="accent1"/>
-          </a:fillRef>
-          <a:effectRef idx="0">
-            <a:schemeClr val="accent1"/>
-          </a:effectRef>
-          <a:fontRef idx="minor">
-            <a:schemeClr val="tx1"/>
-          </a:fontRef>
-        </p:style>
-      </p:cxnSp>
-      <p:cxnSp>
-        <p:nvCxnSpPr>
-          <p:cNvPr id="19" name="Straight Connector 18">
-            <a:extLst>
-              <a:ext uri="{FF2B5EF4-FFF2-40B4-BE49-F238E27FC236}">
-                <a16:creationId xmlns:a16="http://schemas.microsoft.com/office/drawing/2014/main" id="{1ABF20FA-3B35-CE63-D9DB-9E97C2516BD9}"/>
-              </a:ext>
-            </a:extLst>
-          </p:cNvPr>
-          <p:cNvCxnSpPr>
-            <a:cxnSpLocks/>
-          </p:cNvCxnSpPr>
-          <p:nvPr/>
-        </p:nvCxnSpPr>
-        <p:spPr>
-          <a:xfrm flipH="1">
-            <a:off x="4229179" y="2093079"/>
-            <a:ext cx="146926" cy="4048"/>
-          </a:xfrm>
-          <a:prstGeom prst="line">
-            <a:avLst/>
-          </a:prstGeom>
-          <a:ln w="25400">
-            <a:solidFill>
-              <a:schemeClr val="tx1">
-                <a:lumMod val="50000"/>
-                <a:lumOff val="50000"/>
-              </a:schemeClr>
             </a:solidFill>
           </a:ln>
         </p:spPr>
@@ -7487,10 +7290,10 @@
       </p:sp>
       <p:sp>
         <p:nvSpPr>
-          <p:cNvPr id="73" name="Rectangle 72">
-            <a:extLst>
-              <a:ext uri="{FF2B5EF4-FFF2-40B4-BE49-F238E27FC236}">
-                <a16:creationId xmlns:a16="http://schemas.microsoft.com/office/drawing/2014/main" id="{7149EFE7-1381-79AA-0EB3-E00DF2B25C18}"/>
+          <p:cNvPr id="75" name="Rectangle 74">
+            <a:extLst>
+              <a:ext uri="{FF2B5EF4-FFF2-40B4-BE49-F238E27FC236}">
+                <a16:creationId xmlns:a16="http://schemas.microsoft.com/office/drawing/2014/main" id="{5CEAD80D-BB2D-1C86-26BB-4AB4CE353ADA}"/>
               </a:ext>
             </a:extLst>
           </p:cNvPr>
@@ -7499,7 +7302,7 @@
         </p:nvSpPr>
         <p:spPr>
           <a:xfrm>
-            <a:off x="4391006" y="1932737"/>
+            <a:off x="4391006" y="1223671"/>
             <a:ext cx="2103120" cy="320682"/>
           </a:xfrm>
           <a:prstGeom prst="rect">
@@ -7537,125 +7340,8 @@
           <a:p>
             <a:pPr algn="ctr"/>
             <a:r>
-              <a:rPr lang="en-US" dirty="0" err="1"/>
-              <a:t>prometheus</a:t>
-            </a:r>
-            <a:endParaRPr lang="en-US" dirty="0"/>
-          </a:p>
-        </p:txBody>
-      </p:sp>
-      <p:sp>
-        <p:nvSpPr>
-          <p:cNvPr id="74" name="Rectangle 73">
-            <a:extLst>
-              <a:ext uri="{FF2B5EF4-FFF2-40B4-BE49-F238E27FC236}">
-                <a16:creationId xmlns:a16="http://schemas.microsoft.com/office/drawing/2014/main" id="{7DEC49F2-C3A9-6778-6295-BF3ADE87403B}"/>
-              </a:ext>
-            </a:extLst>
-          </p:cNvPr>
-          <p:cNvSpPr/>
-          <p:nvPr/>
-        </p:nvSpPr>
-        <p:spPr>
-          <a:xfrm>
-            <a:off x="4391006" y="1576983"/>
-            <a:ext cx="2103120" cy="320682"/>
-          </a:xfrm>
-          <a:prstGeom prst="rect">
-            <a:avLst/>
-          </a:prstGeom>
-          <a:solidFill>
-            <a:srgbClr val="E3E0B3"/>
-          </a:solidFill>
-          <a:ln>
-            <a:solidFill>
-              <a:schemeClr val="tx1">
-                <a:lumMod val="65000"/>
-                <a:lumOff val="35000"/>
-              </a:schemeClr>
-            </a:solidFill>
-          </a:ln>
-        </p:spPr>
-        <p:style>
-          <a:lnRef idx="2">
-            <a:schemeClr val="accent6"/>
-          </a:lnRef>
-          <a:fillRef idx="1">
-            <a:schemeClr val="lt1"/>
-          </a:fillRef>
-          <a:effectRef idx="0">
-            <a:schemeClr val="accent6"/>
-          </a:effectRef>
-          <a:fontRef idx="minor">
-            <a:schemeClr val="dk1"/>
-          </a:fontRef>
-        </p:style>
-        <p:txBody>
-          <a:bodyPr rtlCol="0" anchor="ctr"/>
-          <a:lstStyle/>
-          <a:p>
-            <a:pPr algn="ctr"/>
-            <a:r>
               <a:rPr lang="en-US" dirty="0"/>
-              <a:t>profile</a:t>
-            </a:r>
-          </a:p>
-        </p:txBody>
-      </p:sp>
-      <p:sp>
-        <p:nvSpPr>
-          <p:cNvPr id="75" name="Rectangle 74">
-            <a:extLst>
-              <a:ext uri="{FF2B5EF4-FFF2-40B4-BE49-F238E27FC236}">
-                <a16:creationId xmlns:a16="http://schemas.microsoft.com/office/drawing/2014/main" id="{5CEAD80D-BB2D-1C86-26BB-4AB4CE353ADA}"/>
-              </a:ext>
-            </a:extLst>
-          </p:cNvPr>
-          <p:cNvSpPr/>
-          <p:nvPr/>
-        </p:nvSpPr>
-        <p:spPr>
-          <a:xfrm>
-            <a:off x="4391006" y="1223671"/>
-            <a:ext cx="2103120" cy="320682"/>
-          </a:xfrm>
-          <a:prstGeom prst="rect">
-            <a:avLst/>
-          </a:prstGeom>
-          <a:solidFill>
-            <a:srgbClr val="E3E0B3"/>
-          </a:solidFill>
-          <a:ln>
-            <a:solidFill>
-              <a:schemeClr val="tx1">
-                <a:lumMod val="65000"/>
-                <a:lumOff val="35000"/>
-              </a:schemeClr>
-            </a:solidFill>
-          </a:ln>
-        </p:spPr>
-        <p:style>
-          <a:lnRef idx="2">
-            <a:schemeClr val="accent6"/>
-          </a:lnRef>
-          <a:fillRef idx="1">
-            <a:schemeClr val="lt1"/>
-          </a:fillRef>
-          <a:effectRef idx="0">
-            <a:schemeClr val="accent6"/>
-          </a:effectRef>
-          <a:fontRef idx="minor">
-            <a:schemeClr val="dk1"/>
-          </a:fontRef>
-        </p:style>
-        <p:txBody>
-          <a:bodyPr rtlCol="0" anchor="ctr"/>
-          <a:lstStyle/>
-          <a:p>
-            <a:pPr algn="ctr"/>
-            <a:r>
-              <a:rPr lang="en-US" dirty="0"/>
-              <a:t>accesslogv3</a:t>
+              <a:t>metric</a:t>
             </a:r>
           </a:p>
         </p:txBody>
@@ -8227,7 +7913,7 @@
             <a:pPr algn="ctr"/>
             <a:r>
               <a:rPr lang="en-US" dirty="0"/>
-              <a:t>access</a:t>
+              <a:t>timeseries</a:t>
             </a:r>
           </a:p>
         </p:txBody>
@@ -8465,10 +8151,10 @@
       </p:sp>
       <p:sp>
         <p:nvSpPr>
-          <p:cNvPr id="26" name="Rectangle 25">
-            <a:extLst>
-              <a:ext uri="{FF2B5EF4-FFF2-40B4-BE49-F238E27FC236}">
-                <a16:creationId xmlns:a16="http://schemas.microsoft.com/office/drawing/2014/main" id="{EA81A909-0D6D-2B58-09A2-CC90BB2B7763}"/>
+          <p:cNvPr id="27" name="Rectangle 26">
+            <a:extLst>
+              <a:ext uri="{FF2B5EF4-FFF2-40B4-BE49-F238E27FC236}">
+                <a16:creationId xmlns:a16="http://schemas.microsoft.com/office/drawing/2014/main" id="{A73A60D2-44C5-1CFB-00EF-9B51C2C193F0}"/>
               </a:ext>
             </a:extLst>
           </p:cNvPr>
@@ -8477,7 +8163,7 @@
         </p:nvSpPr>
         <p:spPr>
           <a:xfrm>
-            <a:off x="4559226" y="4337285"/>
+            <a:off x="892004" y="4305866"/>
             <a:ext cx="2103120" cy="320682"/>
           </a:xfrm>
           <a:prstGeom prst="rect">
@@ -8516,17 +8202,17 @@
             <a:pPr algn="ctr"/>
             <a:r>
               <a:rPr lang="en-US" dirty="0"/>
-              <a:t>profile</a:t>
-            </a:r>
-          </a:p>
-        </p:txBody>
-      </p:sp>
-      <p:sp>
-        <p:nvSpPr>
-          <p:cNvPr id="27" name="Rectangle 26">
-            <a:extLst>
-              <a:ext uri="{FF2B5EF4-FFF2-40B4-BE49-F238E27FC236}">
-                <a16:creationId xmlns:a16="http://schemas.microsoft.com/office/drawing/2014/main" id="{A73A60D2-44C5-1CFB-00EF-9B51C2C193F0}"/>
+              <a:t>access</a:t>
+            </a:r>
+          </a:p>
+        </p:txBody>
+      </p:sp>
+      <p:sp>
+        <p:nvSpPr>
+          <p:cNvPr id="28" name="Rectangle 27">
+            <a:extLst>
+              <a:ext uri="{FF2B5EF4-FFF2-40B4-BE49-F238E27FC236}">
+                <a16:creationId xmlns:a16="http://schemas.microsoft.com/office/drawing/2014/main" id="{4C5CBDCB-DB3A-444B-688B-8F397BC62AF9}"/>
               </a:ext>
             </a:extLst>
           </p:cNvPr>
@@ -8535,65 +8221,7 @@
         </p:nvSpPr>
         <p:spPr>
           <a:xfrm>
-            <a:off x="892004" y="4305866"/>
-            <a:ext cx="2103120" cy="320682"/>
-          </a:xfrm>
-          <a:prstGeom prst="rect">
-            <a:avLst/>
-          </a:prstGeom>
-          <a:solidFill>
-            <a:srgbClr val="E3E0B3"/>
-          </a:solidFill>
-          <a:ln>
-            <a:solidFill>
-              <a:schemeClr val="tx1">
-                <a:lumMod val="65000"/>
-                <a:lumOff val="35000"/>
-              </a:schemeClr>
-            </a:solidFill>
-          </a:ln>
-        </p:spPr>
-        <p:style>
-          <a:lnRef idx="2">
-            <a:schemeClr val="accent6"/>
-          </a:lnRef>
-          <a:fillRef idx="1">
-            <a:schemeClr val="lt1"/>
-          </a:fillRef>
-          <a:effectRef idx="0">
-            <a:schemeClr val="accent6"/>
-          </a:effectRef>
-          <a:fontRef idx="minor">
-            <a:schemeClr val="dk1"/>
-          </a:fontRef>
-        </p:style>
-        <p:txBody>
-          <a:bodyPr rtlCol="0" anchor="ctr"/>
-          <a:lstStyle/>
-          <a:p>
-            <a:pPr algn="ctr"/>
-            <a:r>
-              <a:rPr lang="en-US" dirty="0"/>
-              <a:t>access</a:t>
-            </a:r>
-          </a:p>
-        </p:txBody>
-      </p:sp>
-      <p:sp>
-        <p:nvSpPr>
-          <p:cNvPr id="28" name="Rectangle 27">
-            <a:extLst>
-              <a:ext uri="{FF2B5EF4-FFF2-40B4-BE49-F238E27FC236}">
-                <a16:creationId xmlns:a16="http://schemas.microsoft.com/office/drawing/2014/main" id="{4C5CBDCB-DB3A-444B-688B-8F397BC62AF9}"/>
-              </a:ext>
-            </a:extLst>
-          </p:cNvPr>
-          <p:cNvSpPr/>
-          <p:nvPr/>
-        </p:nvSpPr>
-        <p:spPr>
-          <a:xfrm>
-            <a:off x="892004" y="4663303"/>
+            <a:off x="892004" y="4657516"/>
             <a:ext cx="2103120" cy="320682"/>
           </a:xfrm>
           <a:prstGeom prst="rect">
@@ -8966,52 +8594,6 @@
       </p:cxnSp>
       <p:cxnSp>
         <p:nvCxnSpPr>
-          <p:cNvPr id="44" name="Connector: Elbow 43">
-            <a:extLst>
-              <a:ext uri="{FF2B5EF4-FFF2-40B4-BE49-F238E27FC236}">
-                <a16:creationId xmlns:a16="http://schemas.microsoft.com/office/drawing/2014/main" id="{559B5CC2-D67B-6E4A-1423-5EDE308E3533}"/>
-              </a:ext>
-            </a:extLst>
-          </p:cNvPr>
-          <p:cNvCxnSpPr>
-            <a:cxnSpLocks/>
-            <a:stCxn id="47" idx="3"/>
-            <a:endCxn id="8" idx="0"/>
-          </p:cNvCxnSpPr>
-          <p:nvPr/>
-        </p:nvCxnSpPr>
-        <p:spPr>
-          <a:xfrm flipH="1">
-            <a:off x="8552685" y="1474200"/>
-            <a:ext cx="989130" cy="2411291"/>
-          </a:xfrm>
-          <a:prstGeom prst="bentConnector4">
-            <a:avLst>
-              <a:gd name="adj1" fmla="val -23111"/>
-              <a:gd name="adj2" fmla="val 53690"/>
-            </a:avLst>
-          </a:prstGeom>
-          <a:ln w="25400">
-            <a:tailEnd type="triangle" w="lg" len="med"/>
-          </a:ln>
-        </p:spPr>
-        <p:style>
-          <a:lnRef idx="1">
-            <a:schemeClr val="accent1"/>
-          </a:lnRef>
-          <a:fillRef idx="0">
-            <a:schemeClr val="accent1"/>
-          </a:fillRef>
-          <a:effectRef idx="0">
-            <a:schemeClr val="accent1"/>
-          </a:effectRef>
-          <a:fontRef idx="minor">
-            <a:schemeClr val="tx1"/>
-          </a:fontRef>
-        </p:style>
-      </p:cxnSp>
-      <p:cxnSp>
-        <p:nvCxnSpPr>
           <p:cNvPr id="49" name="Straight Connector 48">
             <a:extLst>
               <a:ext uri="{FF2B5EF4-FFF2-40B4-BE49-F238E27FC236}">
@@ -9472,10 +9054,10 @@
       </p:cxnSp>
       <p:cxnSp>
         <p:nvCxnSpPr>
-          <p:cNvPr id="59" name="Straight Connector 58">
-            <a:extLst>
-              <a:ext uri="{FF2B5EF4-FFF2-40B4-BE49-F238E27FC236}">
-                <a16:creationId xmlns:a16="http://schemas.microsoft.com/office/drawing/2014/main" id="{EA9CD4CE-CD1C-72D8-99CC-18381100C504}"/>
+          <p:cNvPr id="60" name="Straight Connector 59">
+            <a:extLst>
+              <a:ext uri="{FF2B5EF4-FFF2-40B4-BE49-F238E27FC236}">
+                <a16:creationId xmlns:a16="http://schemas.microsoft.com/office/drawing/2014/main" id="{38982CE4-FA8D-3907-F8A3-4FEAC02DBBBF}"/>
               </a:ext>
             </a:extLst>
           </p:cNvPr>
@@ -9486,8 +9068,8 @@
         </p:nvCxnSpPr>
         <p:spPr>
           <a:xfrm flipH="1">
-            <a:off x="4263157" y="4496072"/>
-            <a:ext cx="293054" cy="9417"/>
+            <a:off x="7187172" y="4466208"/>
+            <a:ext cx="347074" cy="13232"/>
           </a:xfrm>
           <a:prstGeom prst="line">
             <a:avLst/>
@@ -9518,10 +9100,10 @@
       </p:cxnSp>
       <p:cxnSp>
         <p:nvCxnSpPr>
-          <p:cNvPr id="60" name="Straight Connector 59">
-            <a:extLst>
-              <a:ext uri="{FF2B5EF4-FFF2-40B4-BE49-F238E27FC236}">
-                <a16:creationId xmlns:a16="http://schemas.microsoft.com/office/drawing/2014/main" id="{38982CE4-FA8D-3907-F8A3-4FEAC02DBBBF}"/>
+          <p:cNvPr id="61" name="Straight Connector 60">
+            <a:extLst>
+              <a:ext uri="{FF2B5EF4-FFF2-40B4-BE49-F238E27FC236}">
+                <a16:creationId xmlns:a16="http://schemas.microsoft.com/office/drawing/2014/main" id="{71D863A0-0FE3-25EC-F48A-A6F7E7D055A6}"/>
               </a:ext>
             </a:extLst>
           </p:cNvPr>
@@ -9532,8 +9114,8 @@
         </p:nvCxnSpPr>
         <p:spPr>
           <a:xfrm flipH="1">
-            <a:off x="7187172" y="4466208"/>
-            <a:ext cx="347074" cy="13232"/>
+            <a:off x="7187172" y="4801967"/>
+            <a:ext cx="357913" cy="4"/>
           </a:xfrm>
           <a:prstGeom prst="line">
             <a:avLst/>
@@ -9564,10 +9146,10 @@
       </p:cxnSp>
       <p:cxnSp>
         <p:nvCxnSpPr>
-          <p:cNvPr id="61" name="Straight Connector 60">
-            <a:extLst>
-              <a:ext uri="{FF2B5EF4-FFF2-40B4-BE49-F238E27FC236}">
-                <a16:creationId xmlns:a16="http://schemas.microsoft.com/office/drawing/2014/main" id="{71D863A0-0FE3-25EC-F48A-A6F7E7D055A6}"/>
+          <p:cNvPr id="63" name="Straight Connector 62">
+            <a:extLst>
+              <a:ext uri="{FF2B5EF4-FFF2-40B4-BE49-F238E27FC236}">
+                <a16:creationId xmlns:a16="http://schemas.microsoft.com/office/drawing/2014/main" id="{D9875D29-565A-F768-51B1-DA80BF9FD3E6}"/>
               </a:ext>
             </a:extLst>
           </p:cNvPr>
@@ -9577,8 +9159,254 @@
           <p:nvPr/>
         </p:nvCxnSpPr>
         <p:spPr>
+          <a:xfrm>
+            <a:off x="7187172" y="4253595"/>
+            <a:ext cx="28817" cy="892572"/>
+          </a:xfrm>
+          <a:prstGeom prst="line">
+            <a:avLst/>
+          </a:prstGeom>
+          <a:ln w="25400">
+            <a:solidFill>
+              <a:schemeClr val="tx1"/>
+            </a:solidFill>
+          </a:ln>
+        </p:spPr>
+        <p:style>
+          <a:lnRef idx="1">
+            <a:schemeClr val="accent1"/>
+          </a:lnRef>
+          <a:fillRef idx="0">
+            <a:schemeClr val="accent1"/>
+          </a:fillRef>
+          <a:effectRef idx="0">
+            <a:schemeClr val="accent1"/>
+          </a:effectRef>
+          <a:fontRef idx="minor">
+            <a:schemeClr val="tx1"/>
+          </a:fontRef>
+        </p:style>
+      </p:cxnSp>
+      <p:cxnSp>
+        <p:nvCxnSpPr>
+          <p:cNvPr id="17" name="Straight Arrow Connector 16">
+            <a:extLst>
+              <a:ext uri="{FF2B5EF4-FFF2-40B4-BE49-F238E27FC236}">
+                <a16:creationId xmlns:a16="http://schemas.microsoft.com/office/drawing/2014/main" id="{D919EB0D-CC60-E723-90A4-07B32BBF698E}"/>
+              </a:ext>
+            </a:extLst>
+          </p:cNvPr>
+          <p:cNvCxnSpPr>
+            <a:stCxn id="47" idx="1"/>
+            <a:endCxn id="12" idx="0"/>
+          </p:cNvCxnSpPr>
+          <p:nvPr/>
+        </p:nvCxnSpPr>
+        <p:spPr>
           <a:xfrm flipH="1">
-            <a:off x="7187172" y="4801967"/>
+            <a:off x="2253941" y="1474200"/>
+            <a:ext cx="5048917" cy="2434710"/>
+          </a:xfrm>
+          <a:prstGeom prst="straightConnector1">
+            <a:avLst/>
+          </a:prstGeom>
+          <a:ln w="25400">
+            <a:tailEnd type="triangle" w="lg" len="med"/>
+          </a:ln>
+        </p:spPr>
+        <p:style>
+          <a:lnRef idx="1">
+            <a:schemeClr val="accent1"/>
+          </a:lnRef>
+          <a:fillRef idx="0">
+            <a:schemeClr val="accent1"/>
+          </a:fillRef>
+          <a:effectRef idx="0">
+            <a:schemeClr val="accent1"/>
+          </a:effectRef>
+          <a:fontRef idx="minor">
+            <a:schemeClr val="tx1"/>
+          </a:fontRef>
+        </p:style>
+      </p:cxnSp>
+      <p:cxnSp>
+        <p:nvCxnSpPr>
+          <p:cNvPr id="20" name="Straight Arrow Connector 19">
+            <a:extLst>
+              <a:ext uri="{FF2B5EF4-FFF2-40B4-BE49-F238E27FC236}">
+                <a16:creationId xmlns:a16="http://schemas.microsoft.com/office/drawing/2014/main" id="{34C6AE88-3ACC-E6A8-3A96-488DF2361B09}"/>
+              </a:ext>
+            </a:extLst>
+          </p:cNvPr>
+          <p:cNvCxnSpPr>
+            <a:cxnSpLocks/>
+            <a:stCxn id="47" idx="1"/>
+            <a:endCxn id="4" idx="0"/>
+          </p:cNvCxnSpPr>
+          <p:nvPr/>
+        </p:nvCxnSpPr>
+        <p:spPr>
+          <a:xfrm flipH="1">
+            <a:off x="5610787" y="1474200"/>
+            <a:ext cx="1692071" cy="2078834"/>
+          </a:xfrm>
+          <a:prstGeom prst="straightConnector1">
+            <a:avLst/>
+          </a:prstGeom>
+          <a:ln w="25400">
+            <a:tailEnd type="triangle" w="lg" len="med"/>
+          </a:ln>
+        </p:spPr>
+        <p:style>
+          <a:lnRef idx="1">
+            <a:schemeClr val="accent1"/>
+          </a:lnRef>
+          <a:fillRef idx="0">
+            <a:schemeClr val="accent1"/>
+          </a:fillRef>
+          <a:effectRef idx="0">
+            <a:schemeClr val="accent1"/>
+          </a:effectRef>
+          <a:fontRef idx="minor">
+            <a:schemeClr val="tx1"/>
+          </a:fontRef>
+        </p:style>
+      </p:cxnSp>
+      <p:sp>
+        <p:nvSpPr>
+          <p:cNvPr id="34" name="Rectangle 33">
+            <a:extLst>
+              <a:ext uri="{FF2B5EF4-FFF2-40B4-BE49-F238E27FC236}">
+                <a16:creationId xmlns:a16="http://schemas.microsoft.com/office/drawing/2014/main" id="{20D274F9-57D9-087F-639A-EF776EA21499}"/>
+              </a:ext>
+            </a:extLst>
+          </p:cNvPr>
+          <p:cNvSpPr/>
+          <p:nvPr/>
+        </p:nvSpPr>
+        <p:spPr>
+          <a:xfrm>
+            <a:off x="892004" y="5013547"/>
+            <a:ext cx="2103120" cy="320682"/>
+          </a:xfrm>
+          <a:prstGeom prst="rect">
+            <a:avLst/>
+          </a:prstGeom>
+          <a:solidFill>
+            <a:srgbClr val="E3E0B3"/>
+          </a:solidFill>
+          <a:ln>
+            <a:solidFill>
+              <a:schemeClr val="tx1">
+                <a:lumMod val="65000"/>
+                <a:lumOff val="35000"/>
+              </a:schemeClr>
+            </a:solidFill>
+          </a:ln>
+        </p:spPr>
+        <p:style>
+          <a:lnRef idx="2">
+            <a:schemeClr val="accent6"/>
+          </a:lnRef>
+          <a:fillRef idx="1">
+            <a:schemeClr val="lt1"/>
+          </a:fillRef>
+          <a:effectRef idx="0">
+            <a:schemeClr val="accent6"/>
+          </a:effectRef>
+          <a:fontRef idx="minor">
+            <a:schemeClr val="dk1"/>
+          </a:fontRef>
+        </p:style>
+        <p:txBody>
+          <a:bodyPr rtlCol="0" anchor="ctr"/>
+          <a:lstStyle/>
+          <a:p>
+            <a:pPr algn="ctr"/>
+            <a:r>
+              <a:rPr lang="en-US" dirty="0" err="1"/>
+              <a:t>slo</a:t>
+            </a:r>
+            <a:endParaRPr lang="en-US" dirty="0"/>
+          </a:p>
+        </p:txBody>
+      </p:sp>
+      <p:sp>
+        <p:nvSpPr>
+          <p:cNvPr id="36" name="Rectangle 35">
+            <a:extLst>
+              <a:ext uri="{FF2B5EF4-FFF2-40B4-BE49-F238E27FC236}">
+                <a16:creationId xmlns:a16="http://schemas.microsoft.com/office/drawing/2014/main" id="{81E2D3D7-5186-B3C4-9FAE-CF6EC1ED8B58}"/>
+              </a:ext>
+            </a:extLst>
+          </p:cNvPr>
+          <p:cNvSpPr/>
+          <p:nvPr/>
+        </p:nvSpPr>
+        <p:spPr>
+          <a:xfrm>
+            <a:off x="7545085" y="4997592"/>
+            <a:ext cx="2103120" cy="320682"/>
+          </a:xfrm>
+          <a:prstGeom prst="rect">
+            <a:avLst/>
+          </a:prstGeom>
+          <a:solidFill>
+            <a:srgbClr val="E3E0B3"/>
+          </a:solidFill>
+          <a:ln>
+            <a:solidFill>
+              <a:schemeClr val="tx1">
+                <a:lumMod val="65000"/>
+                <a:lumOff val="35000"/>
+              </a:schemeClr>
+            </a:solidFill>
+          </a:ln>
+        </p:spPr>
+        <p:style>
+          <a:lnRef idx="2">
+            <a:schemeClr val="accent6"/>
+          </a:lnRef>
+          <a:fillRef idx="1">
+            <a:schemeClr val="lt1"/>
+          </a:fillRef>
+          <a:effectRef idx="0">
+            <a:schemeClr val="accent6"/>
+          </a:effectRef>
+          <a:fontRef idx="minor">
+            <a:schemeClr val="dk1"/>
+          </a:fontRef>
+        </p:style>
+        <p:txBody>
+          <a:bodyPr rtlCol="0" anchor="ctr"/>
+          <a:lstStyle/>
+          <a:p>
+            <a:pPr algn="ctr"/>
+            <a:r>
+              <a:rPr lang="en-US" dirty="0" err="1"/>
+              <a:t>slo</a:t>
+            </a:r>
+            <a:endParaRPr lang="en-US" dirty="0"/>
+          </a:p>
+        </p:txBody>
+      </p:sp>
+      <p:cxnSp>
+        <p:nvCxnSpPr>
+          <p:cNvPr id="38" name="Straight Connector 37">
+            <a:extLst>
+              <a:ext uri="{FF2B5EF4-FFF2-40B4-BE49-F238E27FC236}">
+                <a16:creationId xmlns:a16="http://schemas.microsoft.com/office/drawing/2014/main" id="{9118AB54-CF91-383B-9AC6-642C8C28CC60}"/>
+              </a:ext>
+            </a:extLst>
+          </p:cNvPr>
+          <p:cNvCxnSpPr>
+            <a:cxnSpLocks/>
+          </p:cNvCxnSpPr>
+          <p:nvPr/>
+        </p:nvCxnSpPr>
+        <p:spPr>
+          <a:xfrm flipH="1">
+            <a:off x="7176333" y="5146167"/>
             <a:ext cx="357913" cy="4"/>
           </a:xfrm>
           <a:prstGeom prst="line">
@@ -9610,10 +9438,10 @@
       </p:cxnSp>
       <p:cxnSp>
         <p:nvCxnSpPr>
-          <p:cNvPr id="63" name="Straight Connector 62">
-            <a:extLst>
-              <a:ext uri="{FF2B5EF4-FFF2-40B4-BE49-F238E27FC236}">
-                <a16:creationId xmlns:a16="http://schemas.microsoft.com/office/drawing/2014/main" id="{D9875D29-565A-F768-51B1-DA80BF9FD3E6}"/>
+          <p:cNvPr id="40" name="Straight Connector 39">
+            <a:extLst>
+              <a:ext uri="{FF2B5EF4-FFF2-40B4-BE49-F238E27FC236}">
+                <a16:creationId xmlns:a16="http://schemas.microsoft.com/office/drawing/2014/main" id="{6379F6AB-297E-1242-A40D-8423CE0FBF33}"/>
               </a:ext>
             </a:extLst>
           </p:cNvPr>
@@ -9623,16 +9451,19 @@
           <p:nvPr/>
         </p:nvCxnSpPr>
         <p:spPr>
-          <a:xfrm>
-            <a:off x="7187172" y="4253595"/>
-            <a:ext cx="8340" cy="570049"/>
+          <a:xfrm flipH="1" flipV="1">
+            <a:off x="604635" y="5146167"/>
+            <a:ext cx="277706" cy="13175"/>
           </a:xfrm>
           <a:prstGeom prst="line">
             <a:avLst/>
           </a:prstGeom>
           <a:ln w="25400">
             <a:solidFill>
-              <a:schemeClr val="tx1"/>
+              <a:schemeClr val="tx1">
+                <a:lumMod val="50000"/>
+                <a:lumOff val="50000"/>
+              </a:schemeClr>
             </a:solidFill>
           </a:ln>
         </p:spPr>
@@ -9715,7 +9546,7 @@
             </a:r>
             <a:r>
               <a:rPr lang="en-US" sz="4000" dirty="0"/>
-              <a:t>® - Client Exchange</a:t>
+              <a:t>® - Customer</a:t>
             </a:r>
           </a:p>
         </p:txBody>
@@ -9736,8 +9567,8 @@
         </p:nvCxnSpPr>
         <p:spPr>
           <a:xfrm>
-            <a:off x="273311" y="327812"/>
-            <a:ext cx="0" cy="1324326"/>
+            <a:off x="7233970" y="2380472"/>
+            <a:ext cx="0" cy="550272"/>
           </a:xfrm>
           <a:prstGeom prst="line">
             <a:avLst/>
@@ -9778,9 +9609,9 @@
           <p:nvPr/>
         </p:nvCxnSpPr>
         <p:spPr>
-          <a:xfrm flipH="1" flipV="1">
-            <a:off x="8354419" y="515399"/>
-            <a:ext cx="646593" cy="1"/>
+          <a:xfrm flipH="1">
+            <a:off x="762620" y="2920831"/>
+            <a:ext cx="244652" cy="9913"/>
           </a:xfrm>
           <a:prstGeom prst="line">
             <a:avLst/>
@@ -9825,8 +9656,8 @@
         </p:nvCxnSpPr>
         <p:spPr>
           <a:xfrm>
-            <a:off x="273311" y="1704855"/>
-            <a:ext cx="0" cy="1324326"/>
+            <a:off x="3914204" y="1862841"/>
+            <a:ext cx="0" cy="339693"/>
           </a:xfrm>
           <a:prstGeom prst="line">
             <a:avLst/>
@@ -9854,10 +9685,10 @@
       </p:cxnSp>
       <p:cxnSp>
         <p:nvCxnSpPr>
-          <p:cNvPr id="7" name="Straight Connector 6">
-            <a:extLst>
-              <a:ext uri="{FF2B5EF4-FFF2-40B4-BE49-F238E27FC236}">
-                <a16:creationId xmlns:a16="http://schemas.microsoft.com/office/drawing/2014/main" id="{B431E0BB-861F-0147-721A-D23447FB106A}"/>
+          <p:cNvPr id="11" name="Straight Connector 10">
+            <a:extLst>
+              <a:ext uri="{FF2B5EF4-FFF2-40B4-BE49-F238E27FC236}">
+                <a16:creationId xmlns:a16="http://schemas.microsoft.com/office/drawing/2014/main" id="{6C0B77C3-E4B2-749F-630A-76CEE4E64B40}"/>
               </a:ext>
             </a:extLst>
           </p:cNvPr>
@@ -9868,8 +9699,8 @@
         </p:nvCxnSpPr>
         <p:spPr>
           <a:xfrm>
-            <a:off x="273311" y="3185312"/>
-            <a:ext cx="0" cy="1324326"/>
+            <a:off x="785766" y="2283988"/>
+            <a:ext cx="0" cy="636843"/>
           </a:xfrm>
           <a:prstGeom prst="line">
             <a:avLst/>
@@ -9897,10 +9728,10 @@
       </p:cxnSp>
       <p:cxnSp>
         <p:nvCxnSpPr>
-          <p:cNvPr id="9" name="Straight Connector 8">
-            <a:extLst>
-              <a:ext uri="{FF2B5EF4-FFF2-40B4-BE49-F238E27FC236}">
-                <a16:creationId xmlns:a16="http://schemas.microsoft.com/office/drawing/2014/main" id="{05B1ABC0-643F-7FE8-A08E-6D8F981FB53D}"/>
+          <p:cNvPr id="18" name="Straight Connector 17">
+            <a:extLst>
+              <a:ext uri="{FF2B5EF4-FFF2-40B4-BE49-F238E27FC236}">
+                <a16:creationId xmlns:a16="http://schemas.microsoft.com/office/drawing/2014/main" id="{8DDC5529-C449-2A12-1E59-9109FB4194F7}"/>
               </a:ext>
             </a:extLst>
           </p:cNvPr>
@@ -9910,95 +9741,9 @@
           <p:nvPr/>
         </p:nvCxnSpPr>
         <p:spPr>
-          <a:xfrm>
-            <a:off x="273311" y="4663417"/>
-            <a:ext cx="0" cy="1324326"/>
-          </a:xfrm>
-          <a:prstGeom prst="line">
-            <a:avLst/>
-          </a:prstGeom>
-          <a:ln w="25400">
-            <a:solidFill>
-              <a:schemeClr val="tx1"/>
-            </a:solidFill>
-          </a:ln>
-        </p:spPr>
-        <p:style>
-          <a:lnRef idx="1">
-            <a:schemeClr val="accent1"/>
-          </a:lnRef>
-          <a:fillRef idx="0">
-            <a:schemeClr val="accent1"/>
-          </a:fillRef>
-          <a:effectRef idx="0">
-            <a:schemeClr val="accent1"/>
-          </a:effectRef>
-          <a:fontRef idx="minor">
-            <a:schemeClr val="tx1"/>
-          </a:fontRef>
-        </p:style>
-      </p:cxnSp>
-      <p:cxnSp>
-        <p:nvCxnSpPr>
-          <p:cNvPr id="11" name="Straight Connector 10">
-            <a:extLst>
-              <a:ext uri="{FF2B5EF4-FFF2-40B4-BE49-F238E27FC236}">
-                <a16:creationId xmlns:a16="http://schemas.microsoft.com/office/drawing/2014/main" id="{6C0B77C3-E4B2-749F-630A-76CEE4E64B40}"/>
-              </a:ext>
-            </a:extLst>
-          </p:cNvPr>
-          <p:cNvCxnSpPr>
-            <a:cxnSpLocks/>
-          </p:cNvCxnSpPr>
-          <p:nvPr/>
-        </p:nvCxnSpPr>
-        <p:spPr>
-          <a:xfrm>
-            <a:off x="659754" y="117127"/>
-            <a:ext cx="0" cy="1324326"/>
-          </a:xfrm>
-          <a:prstGeom prst="line">
-            <a:avLst/>
-          </a:prstGeom>
-          <a:ln w="25400">
-            <a:solidFill>
-              <a:schemeClr val="tx1"/>
-            </a:solidFill>
-          </a:ln>
-        </p:spPr>
-        <p:style>
-          <a:lnRef idx="1">
-            <a:schemeClr val="accent1"/>
-          </a:lnRef>
-          <a:fillRef idx="0">
-            <a:schemeClr val="accent1"/>
-          </a:fillRef>
-          <a:effectRef idx="0">
-            <a:schemeClr val="accent1"/>
-          </a:effectRef>
-          <a:fontRef idx="minor">
-            <a:schemeClr val="tx1"/>
-          </a:fontRef>
-        </p:style>
-      </p:cxnSp>
-      <p:cxnSp>
-        <p:nvCxnSpPr>
-          <p:cNvPr id="18" name="Straight Connector 17">
-            <a:extLst>
-              <a:ext uri="{FF2B5EF4-FFF2-40B4-BE49-F238E27FC236}">
-                <a16:creationId xmlns:a16="http://schemas.microsoft.com/office/drawing/2014/main" id="{8DDC5529-C449-2A12-1E59-9109FB4194F7}"/>
-              </a:ext>
-            </a:extLst>
-          </p:cNvPr>
-          <p:cNvCxnSpPr>
-            <a:cxnSpLocks/>
-          </p:cNvCxnSpPr>
-          <p:nvPr/>
-        </p:nvCxnSpPr>
-        <p:spPr>
-          <a:xfrm flipH="1" flipV="1">
-            <a:off x="9414485" y="521344"/>
-            <a:ext cx="646593" cy="1"/>
+          <a:xfrm flipH="1">
+            <a:off x="7233970" y="2930744"/>
+            <a:ext cx="188849" cy="11407"/>
           </a:xfrm>
           <a:prstGeom prst="line">
             <a:avLst/>
@@ -10042,9 +9787,9 @@
           <p:nvPr/>
         </p:nvCxnSpPr>
         <p:spPr>
-          <a:xfrm flipH="1" flipV="1">
-            <a:off x="10351948" y="569633"/>
-            <a:ext cx="646593" cy="1"/>
+          <a:xfrm flipH="1">
+            <a:off x="7233970" y="2621469"/>
+            <a:ext cx="136807" cy="0"/>
           </a:xfrm>
           <a:prstGeom prst="line">
             <a:avLst/>
@@ -10087,7 +9832,7 @@
         </p:nvSpPr>
         <p:spPr>
           <a:xfrm>
-            <a:off x="790032" y="1121626"/>
+            <a:off x="790032" y="1960788"/>
             <a:ext cx="2238957" cy="355876"/>
           </a:xfrm>
           <a:prstGeom prst="rect">
@@ -10145,17 +9890,17 @@
             <a:pPr algn="ctr"/>
             <a:r>
               <a:rPr lang="en-US" b="1" dirty="0"/>
-              <a:t>entity-resources</a:t>
-            </a:r>
-          </a:p>
-        </p:txBody>
-      </p:sp>
-      <p:sp>
-        <p:nvSpPr>
-          <p:cNvPr id="37" name="Rectangle 36">
-            <a:extLst>
-              <a:ext uri="{FF2B5EF4-FFF2-40B4-BE49-F238E27FC236}">
-                <a16:creationId xmlns:a16="http://schemas.microsoft.com/office/drawing/2014/main" id="{D0AE39C3-2DFF-131C-279E-B7BBF241264E}"/>
+              <a:t>customer-resources</a:t>
+            </a:r>
+          </a:p>
+        </p:txBody>
+      </p:sp>
+      <p:sp>
+        <p:nvSpPr>
+          <p:cNvPr id="38" name="Rectangle 37">
+            <a:extLst>
+              <a:ext uri="{FF2B5EF4-FFF2-40B4-BE49-F238E27FC236}">
+                <a16:creationId xmlns:a16="http://schemas.microsoft.com/office/drawing/2014/main" id="{C672EB50-3AEB-764B-289F-790F84F7862E}"/>
               </a:ext>
             </a:extLst>
           </p:cNvPr>
@@ -10164,7 +9909,7 @@
         </p:nvSpPr>
         <p:spPr>
           <a:xfrm>
-            <a:off x="4255169" y="3073124"/>
+            <a:off x="3914204" y="1539728"/>
             <a:ext cx="2238957" cy="355876"/>
           </a:xfrm>
           <a:prstGeom prst="rect">
@@ -10222,17 +9967,17 @@
             <a:pPr algn="ctr"/>
             <a:r>
               <a:rPr lang="en-US" b="1" dirty="0"/>
-              <a:t>metric-types</a:t>
-            </a:r>
-          </a:p>
-        </p:txBody>
-      </p:sp>
-      <p:sp>
-        <p:nvSpPr>
-          <p:cNvPr id="38" name="Rectangle 37">
-            <a:extLst>
-              <a:ext uri="{FF2B5EF4-FFF2-40B4-BE49-F238E27FC236}">
-                <a16:creationId xmlns:a16="http://schemas.microsoft.com/office/drawing/2014/main" id="{C672EB50-3AEB-764B-289F-790F84F7862E}"/>
+              <a:t>customer-types</a:t>
+            </a:r>
+          </a:p>
+        </p:txBody>
+      </p:sp>
+      <p:sp>
+        <p:nvSpPr>
+          <p:cNvPr id="41" name="Rectangle 40">
+            <a:extLst>
+              <a:ext uri="{FF2B5EF4-FFF2-40B4-BE49-F238E27FC236}">
+                <a16:creationId xmlns:a16="http://schemas.microsoft.com/office/drawing/2014/main" id="{0CA1EFD5-6457-4751-8D73-23F3CAB46AB4}"/>
               </a:ext>
             </a:extLst>
           </p:cNvPr>
@@ -10241,7 +9986,7 @@
         </p:nvSpPr>
         <p:spPr>
           <a:xfrm>
-            <a:off x="4545023" y="700566"/>
+            <a:off x="7234940" y="2024596"/>
             <a:ext cx="2238957" cy="355876"/>
           </a:xfrm>
           <a:prstGeom prst="rect">
@@ -10299,17 +10044,102 @@
             <a:pPr algn="ctr"/>
             <a:r>
               <a:rPr lang="en-US" b="1" dirty="0"/>
-              <a:t>entity-types</a:t>
-            </a:r>
-          </a:p>
-        </p:txBody>
-      </p:sp>
-      <p:sp>
-        <p:nvSpPr>
-          <p:cNvPr id="41" name="Rectangle 40">
-            <a:extLst>
-              <a:ext uri="{FF2B5EF4-FFF2-40B4-BE49-F238E27FC236}">
-                <a16:creationId xmlns:a16="http://schemas.microsoft.com/office/drawing/2014/main" id="{0CA1EFD5-6457-4751-8D73-23F3CAB46AB4}"/>
+              <a:t>customer-host</a:t>
+            </a:r>
+          </a:p>
+        </p:txBody>
+      </p:sp>
+      <p:cxnSp>
+        <p:nvCxnSpPr>
+          <p:cNvPr id="49" name="Straight Arrow Connector 48">
+            <a:extLst>
+              <a:ext uri="{FF2B5EF4-FFF2-40B4-BE49-F238E27FC236}">
+                <a16:creationId xmlns:a16="http://schemas.microsoft.com/office/drawing/2014/main" id="{548509D2-B33C-C516-D175-1E88D08442F8}"/>
+              </a:ext>
+            </a:extLst>
+          </p:cNvPr>
+          <p:cNvCxnSpPr>
+            <a:stCxn id="41" idx="1"/>
+            <a:endCxn id="38" idx="3"/>
+          </p:cNvCxnSpPr>
+          <p:nvPr/>
+        </p:nvCxnSpPr>
+        <p:spPr>
+          <a:xfrm flipH="1" flipV="1">
+            <a:off x="6153161" y="1717666"/>
+            <a:ext cx="1081779" cy="484868"/>
+          </a:xfrm>
+          <a:prstGeom prst="straightConnector1">
+            <a:avLst/>
+          </a:prstGeom>
+          <a:ln w="25400">
+            <a:tailEnd type="triangle" w="lg" len="med"/>
+          </a:ln>
+        </p:spPr>
+        <p:style>
+          <a:lnRef idx="1">
+            <a:schemeClr val="accent1"/>
+          </a:lnRef>
+          <a:fillRef idx="0">
+            <a:schemeClr val="accent1"/>
+          </a:fillRef>
+          <a:effectRef idx="0">
+            <a:schemeClr val="accent1"/>
+          </a:effectRef>
+          <a:fontRef idx="minor">
+            <a:schemeClr val="tx1"/>
+          </a:fontRef>
+        </p:style>
+      </p:cxnSp>
+      <p:cxnSp>
+        <p:nvCxnSpPr>
+          <p:cNvPr id="51" name="Straight Arrow Connector 50">
+            <a:extLst>
+              <a:ext uri="{FF2B5EF4-FFF2-40B4-BE49-F238E27FC236}">
+                <a16:creationId xmlns:a16="http://schemas.microsoft.com/office/drawing/2014/main" id="{2F565333-C454-D13F-6A36-E1E0D813AEB6}"/>
+              </a:ext>
+            </a:extLst>
+          </p:cNvPr>
+          <p:cNvCxnSpPr>
+            <a:cxnSpLocks/>
+            <a:stCxn id="41" idx="3"/>
+            <a:endCxn id="52" idx="1"/>
+          </p:cNvCxnSpPr>
+          <p:nvPr/>
+        </p:nvCxnSpPr>
+        <p:spPr>
+          <a:xfrm flipV="1">
+            <a:off x="9473897" y="2190674"/>
+            <a:ext cx="263884" cy="11860"/>
+          </a:xfrm>
+          <a:prstGeom prst="straightConnector1">
+            <a:avLst/>
+          </a:prstGeom>
+          <a:ln w="25400">
+            <a:tailEnd type="triangle" w="lg" len="med"/>
+          </a:ln>
+        </p:spPr>
+        <p:style>
+          <a:lnRef idx="1">
+            <a:schemeClr val="accent1"/>
+          </a:lnRef>
+          <a:fillRef idx="0">
+            <a:schemeClr val="accent1"/>
+          </a:fillRef>
+          <a:effectRef idx="0">
+            <a:schemeClr val="accent1"/>
+          </a:effectRef>
+          <a:fontRef idx="minor">
+            <a:schemeClr val="tx1"/>
+          </a:fontRef>
+        </p:style>
+      </p:cxnSp>
+      <p:sp>
+        <p:nvSpPr>
+          <p:cNvPr id="52" name="Rectangle 51">
+            <a:extLst>
+              <a:ext uri="{FF2B5EF4-FFF2-40B4-BE49-F238E27FC236}">
+                <a16:creationId xmlns:a16="http://schemas.microsoft.com/office/drawing/2014/main" id="{3A5ACD8D-73F4-BAC1-0474-BCB04010C4C0}"/>
               </a:ext>
             </a:extLst>
           </p:cNvPr>
@@ -10318,7 +10148,7 @@
         </p:nvSpPr>
         <p:spPr>
           <a:xfrm>
-            <a:off x="7234940" y="1185434"/>
+            <a:off x="9737781" y="2012736"/>
             <a:ext cx="2238957" cy="355876"/>
           </a:xfrm>
           <a:prstGeom prst="rect">
@@ -10353,6 +10183,7 @@
               </a:path>
               <a:tileRect/>
             </a:gradFill>
+            <a:prstDash val="sysDot"/>
           </a:ln>
         </p:spPr>
         <p:style>
@@ -10375,322 +10206,6 @@
           <a:p>
             <a:pPr algn="ctr"/>
             <a:r>
-              <a:rPr lang="en-US" b="1" dirty="0"/>
-              <a:t>entity-host</a:t>
-            </a:r>
-          </a:p>
-        </p:txBody>
-      </p:sp>
-      <p:sp>
-        <p:nvSpPr>
-          <p:cNvPr id="43" name="Rectangle 42">
-            <a:extLst>
-              <a:ext uri="{FF2B5EF4-FFF2-40B4-BE49-F238E27FC236}">
-                <a16:creationId xmlns:a16="http://schemas.microsoft.com/office/drawing/2014/main" id="{00674333-3F65-D706-DBE9-F837F5EDFA49}"/>
-              </a:ext>
-            </a:extLst>
-          </p:cNvPr>
-          <p:cNvSpPr/>
-          <p:nvPr/>
-        </p:nvSpPr>
-        <p:spPr>
-          <a:xfrm>
-            <a:off x="695323" y="3449960"/>
-            <a:ext cx="2238957" cy="355876"/>
-          </a:xfrm>
-          <a:prstGeom prst="rect">
-            <a:avLst/>
-          </a:prstGeom>
-          <a:solidFill>
-            <a:schemeClr val="bg1"/>
-          </a:solidFill>
-          <a:ln w="25400">
-            <a:gradFill flip="none" rotWithShape="1">
-              <a:gsLst>
-                <a:gs pos="0">
-                  <a:schemeClr val="accent5">
-                    <a:lumMod val="40000"/>
-                    <a:lumOff val="60000"/>
-                  </a:schemeClr>
-                </a:gs>
-                <a:gs pos="46000">
-                  <a:schemeClr val="accent5">
-                    <a:lumMod val="95000"/>
-                    <a:lumOff val="5000"/>
-                  </a:schemeClr>
-                </a:gs>
-                <a:gs pos="100000">
-                  <a:schemeClr val="accent5">
-                    <a:lumMod val="60000"/>
-                  </a:schemeClr>
-                </a:gs>
-              </a:gsLst>
-              <a:path path="circle">
-                <a:fillToRect l="50000" t="130000" r="50000" b="-30000"/>
-              </a:path>
-              <a:tileRect/>
-            </a:gradFill>
-          </a:ln>
-        </p:spPr>
-        <p:style>
-          <a:lnRef idx="2">
-            <a:schemeClr val="accent6"/>
-          </a:lnRef>
-          <a:fillRef idx="1">
-            <a:schemeClr val="lt1"/>
-          </a:fillRef>
-          <a:effectRef idx="0">
-            <a:schemeClr val="accent6"/>
-          </a:effectRef>
-          <a:fontRef idx="minor">
-            <a:schemeClr val="dk1"/>
-          </a:fontRef>
-        </p:style>
-        <p:txBody>
-          <a:bodyPr rtlCol="0" anchor="ctr"/>
-          <a:lstStyle/>
-          <a:p>
-            <a:pPr algn="ctr"/>
-            <a:r>
-              <a:rPr lang="en-US" b="1" dirty="0"/>
-              <a:t>metric-resources</a:t>
-            </a:r>
-          </a:p>
-        </p:txBody>
-      </p:sp>
-      <p:sp>
-        <p:nvSpPr>
-          <p:cNvPr id="47" name="Rectangle 46">
-            <a:extLst>
-              <a:ext uri="{FF2B5EF4-FFF2-40B4-BE49-F238E27FC236}">
-                <a16:creationId xmlns:a16="http://schemas.microsoft.com/office/drawing/2014/main" id="{C2F3F599-924A-E437-26FA-A3B05ECAF770}"/>
-              </a:ext>
-            </a:extLst>
-          </p:cNvPr>
-          <p:cNvSpPr/>
-          <p:nvPr/>
-        </p:nvSpPr>
-        <p:spPr>
-          <a:xfrm>
-            <a:off x="7302858" y="3933207"/>
-            <a:ext cx="2238957" cy="355876"/>
-          </a:xfrm>
-          <a:prstGeom prst="rect">
-            <a:avLst/>
-          </a:prstGeom>
-          <a:solidFill>
-            <a:schemeClr val="bg1"/>
-          </a:solidFill>
-          <a:ln w="25400">
-            <a:gradFill flip="none" rotWithShape="1">
-              <a:gsLst>
-                <a:gs pos="0">
-                  <a:schemeClr val="accent5">
-                    <a:lumMod val="40000"/>
-                    <a:lumOff val="60000"/>
-                  </a:schemeClr>
-                </a:gs>
-                <a:gs pos="46000">
-                  <a:schemeClr val="accent5">
-                    <a:lumMod val="95000"/>
-                    <a:lumOff val="5000"/>
-                  </a:schemeClr>
-                </a:gs>
-                <a:gs pos="100000">
-                  <a:schemeClr val="accent5">
-                    <a:lumMod val="60000"/>
-                  </a:schemeClr>
-                </a:gs>
-              </a:gsLst>
-              <a:path path="circle">
-                <a:fillToRect l="50000" t="130000" r="50000" b="-30000"/>
-              </a:path>
-              <a:tileRect/>
-            </a:gradFill>
-          </a:ln>
-        </p:spPr>
-        <p:style>
-          <a:lnRef idx="2">
-            <a:schemeClr val="accent6"/>
-          </a:lnRef>
-          <a:fillRef idx="1">
-            <a:schemeClr val="lt1"/>
-          </a:fillRef>
-          <a:effectRef idx="0">
-            <a:schemeClr val="accent6"/>
-          </a:effectRef>
-          <a:fontRef idx="minor">
-            <a:schemeClr val="dk1"/>
-          </a:fontRef>
-        </p:style>
-        <p:txBody>
-          <a:bodyPr rtlCol="0" anchor="ctr"/>
-          <a:lstStyle/>
-          <a:p>
-            <a:pPr algn="ctr"/>
-            <a:r>
-              <a:rPr lang="en-US" b="1" dirty="0"/>
-              <a:t>metric-host</a:t>
-            </a:r>
-          </a:p>
-        </p:txBody>
-      </p:sp>
-      <p:cxnSp>
-        <p:nvCxnSpPr>
-          <p:cNvPr id="49" name="Straight Arrow Connector 48">
-            <a:extLst>
-              <a:ext uri="{FF2B5EF4-FFF2-40B4-BE49-F238E27FC236}">
-                <a16:creationId xmlns:a16="http://schemas.microsoft.com/office/drawing/2014/main" id="{548509D2-B33C-C516-D175-1E88D08442F8}"/>
-              </a:ext>
-            </a:extLst>
-          </p:cNvPr>
-          <p:cNvCxnSpPr>
-            <a:stCxn id="41" idx="1"/>
-            <a:endCxn id="38" idx="3"/>
-          </p:cNvCxnSpPr>
-          <p:nvPr/>
-        </p:nvCxnSpPr>
-        <p:spPr>
-          <a:xfrm flipH="1" flipV="1">
-            <a:off x="6783980" y="878504"/>
-            <a:ext cx="450960" cy="484868"/>
-          </a:xfrm>
-          <a:prstGeom prst="straightConnector1">
-            <a:avLst/>
-          </a:prstGeom>
-          <a:ln w="25400">
-            <a:tailEnd type="triangle" w="lg" len="med"/>
-          </a:ln>
-        </p:spPr>
-        <p:style>
-          <a:lnRef idx="1">
-            <a:schemeClr val="accent1"/>
-          </a:lnRef>
-          <a:fillRef idx="0">
-            <a:schemeClr val="accent1"/>
-          </a:fillRef>
-          <a:effectRef idx="0">
-            <a:schemeClr val="accent1"/>
-          </a:effectRef>
-          <a:fontRef idx="minor">
-            <a:schemeClr val="tx1"/>
-          </a:fontRef>
-        </p:style>
-      </p:cxnSp>
-      <p:cxnSp>
-        <p:nvCxnSpPr>
-          <p:cNvPr id="51" name="Straight Arrow Connector 50">
-            <a:extLst>
-              <a:ext uri="{FF2B5EF4-FFF2-40B4-BE49-F238E27FC236}">
-                <a16:creationId xmlns:a16="http://schemas.microsoft.com/office/drawing/2014/main" id="{2F565333-C454-D13F-6A36-E1E0D813AEB6}"/>
-              </a:ext>
-            </a:extLst>
-          </p:cNvPr>
-          <p:cNvCxnSpPr>
-            <a:cxnSpLocks/>
-            <a:stCxn id="41" idx="3"/>
-            <a:endCxn id="52" idx="1"/>
-          </p:cNvCxnSpPr>
-          <p:nvPr/>
-        </p:nvCxnSpPr>
-        <p:spPr>
-          <a:xfrm flipV="1">
-            <a:off x="9473897" y="1351512"/>
-            <a:ext cx="263884" cy="11860"/>
-          </a:xfrm>
-          <a:prstGeom prst="straightConnector1">
-            <a:avLst/>
-          </a:prstGeom>
-          <a:ln w="25400">
-            <a:tailEnd type="triangle" w="lg" len="med"/>
-          </a:ln>
-        </p:spPr>
-        <p:style>
-          <a:lnRef idx="1">
-            <a:schemeClr val="accent1"/>
-          </a:lnRef>
-          <a:fillRef idx="0">
-            <a:schemeClr val="accent1"/>
-          </a:fillRef>
-          <a:effectRef idx="0">
-            <a:schemeClr val="accent1"/>
-          </a:effectRef>
-          <a:fontRef idx="minor">
-            <a:schemeClr val="tx1"/>
-          </a:fontRef>
-        </p:style>
-      </p:cxnSp>
-      <p:sp>
-        <p:nvSpPr>
-          <p:cNvPr id="52" name="Rectangle 51">
-            <a:extLst>
-              <a:ext uri="{FF2B5EF4-FFF2-40B4-BE49-F238E27FC236}">
-                <a16:creationId xmlns:a16="http://schemas.microsoft.com/office/drawing/2014/main" id="{3A5ACD8D-73F4-BAC1-0474-BCB04010C4C0}"/>
-              </a:ext>
-            </a:extLst>
-          </p:cNvPr>
-          <p:cNvSpPr/>
-          <p:nvPr/>
-        </p:nvSpPr>
-        <p:spPr>
-          <a:xfrm>
-            <a:off x="9737781" y="1173574"/>
-            <a:ext cx="2238957" cy="355876"/>
-          </a:xfrm>
-          <a:prstGeom prst="rect">
-            <a:avLst/>
-          </a:prstGeom>
-          <a:solidFill>
-            <a:schemeClr val="bg1"/>
-          </a:solidFill>
-          <a:ln w="25400">
-            <a:gradFill flip="none" rotWithShape="1">
-              <a:gsLst>
-                <a:gs pos="0">
-                  <a:schemeClr val="accent5">
-                    <a:lumMod val="40000"/>
-                    <a:lumOff val="60000"/>
-                  </a:schemeClr>
-                </a:gs>
-                <a:gs pos="46000">
-                  <a:schemeClr val="accent5">
-                    <a:lumMod val="95000"/>
-                    <a:lumOff val="5000"/>
-                  </a:schemeClr>
-                </a:gs>
-                <a:gs pos="100000">
-                  <a:schemeClr val="accent5">
-                    <a:lumMod val="60000"/>
-                  </a:schemeClr>
-                </a:gs>
-              </a:gsLst>
-              <a:path path="circle">
-                <a:fillToRect l="50000" t="130000" r="50000" b="-30000"/>
-              </a:path>
-              <a:tileRect/>
-            </a:gradFill>
-          </a:ln>
-        </p:spPr>
-        <p:style>
-          <a:lnRef idx="2">
-            <a:schemeClr val="accent6"/>
-          </a:lnRef>
-          <a:fillRef idx="1">
-            <a:schemeClr val="lt1"/>
-          </a:fillRef>
-          <a:effectRef idx="0">
-            <a:schemeClr val="accent6"/>
-          </a:effectRef>
-          <a:fontRef idx="minor">
-            <a:schemeClr val="dk1"/>
-          </a:fontRef>
-        </p:style>
-        <p:txBody>
-          <a:bodyPr rtlCol="0" anchor="ctr"/>
-          <a:lstStyle/>
-          <a:p>
-            <a:pPr algn="ctr"/>
-            <a:r>
               <a:rPr lang="en-US" b="1" dirty="0" err="1"/>
               <a:t>awsrds</a:t>
             </a:r>
@@ -10701,55 +10216,12 @@
           </a:p>
         </p:txBody>
       </p:sp>
-      <p:cxnSp>
-        <p:nvCxnSpPr>
-          <p:cNvPr id="62" name="Straight Arrow Connector 61">
-            <a:extLst>
-              <a:ext uri="{FF2B5EF4-FFF2-40B4-BE49-F238E27FC236}">
-                <a16:creationId xmlns:a16="http://schemas.microsoft.com/office/drawing/2014/main" id="{018F9637-8364-4AE0-60B5-AB08851EC80E}"/>
-              </a:ext>
-            </a:extLst>
-          </p:cNvPr>
-          <p:cNvCxnSpPr>
-            <a:cxnSpLocks/>
-            <a:stCxn id="47" idx="3"/>
-            <a:endCxn id="64" idx="1"/>
-          </p:cNvCxnSpPr>
-          <p:nvPr/>
-        </p:nvCxnSpPr>
-        <p:spPr>
-          <a:xfrm>
-            <a:off x="9541815" y="4111145"/>
-            <a:ext cx="337247" cy="0"/>
-          </a:xfrm>
-          <a:prstGeom prst="straightConnector1">
-            <a:avLst/>
-          </a:prstGeom>
-          <a:ln w="25400">
-            <a:tailEnd type="triangle" w="lg" len="med"/>
-          </a:ln>
-        </p:spPr>
-        <p:style>
-          <a:lnRef idx="1">
-            <a:schemeClr val="accent1"/>
-          </a:lnRef>
-          <a:fillRef idx="0">
-            <a:schemeClr val="accent1"/>
-          </a:fillRef>
-          <a:effectRef idx="0">
-            <a:schemeClr val="accent1"/>
-          </a:effectRef>
-          <a:fontRef idx="minor">
-            <a:schemeClr val="tx1"/>
-          </a:fontRef>
-        </p:style>
-      </p:cxnSp>
-      <p:sp>
-        <p:nvSpPr>
-          <p:cNvPr id="64" name="Rectangle 63">
-            <a:extLst>
-              <a:ext uri="{FF2B5EF4-FFF2-40B4-BE49-F238E27FC236}">
-                <a16:creationId xmlns:a16="http://schemas.microsoft.com/office/drawing/2014/main" id="{D1AF3768-50AF-B96F-10AF-BEA24E78D40D}"/>
+      <p:sp>
+        <p:nvSpPr>
+          <p:cNvPr id="77" name="Rectangle 76">
+            <a:extLst>
+              <a:ext uri="{FF2B5EF4-FFF2-40B4-BE49-F238E27FC236}">
+                <a16:creationId xmlns:a16="http://schemas.microsoft.com/office/drawing/2014/main" id="{14014479-BBF8-81F3-838B-DB30B65393DC}"/>
               </a:ext>
             </a:extLst>
           </p:cNvPr>
@@ -10758,131 +10230,7 @@
         </p:nvSpPr>
         <p:spPr>
           <a:xfrm>
-            <a:off x="9879062" y="3933207"/>
-            <a:ext cx="2238957" cy="355876"/>
-          </a:xfrm>
-          <a:prstGeom prst="rect">
-            <a:avLst/>
-          </a:prstGeom>
-          <a:solidFill>
-            <a:schemeClr val="bg1"/>
-          </a:solidFill>
-          <a:ln w="25400">
-            <a:gradFill flip="none" rotWithShape="1">
-              <a:gsLst>
-                <a:gs pos="0">
-                  <a:schemeClr val="accent5">
-                    <a:lumMod val="40000"/>
-                    <a:lumOff val="60000"/>
-                  </a:schemeClr>
-                </a:gs>
-                <a:gs pos="46000">
-                  <a:schemeClr val="accent5">
-                    <a:lumMod val="95000"/>
-                    <a:lumOff val="5000"/>
-                  </a:schemeClr>
-                </a:gs>
-                <a:gs pos="100000">
-                  <a:schemeClr val="accent5">
-                    <a:lumMod val="60000"/>
-                  </a:schemeClr>
-                </a:gs>
-              </a:gsLst>
-              <a:path path="circle">
-                <a:fillToRect l="50000" t="130000" r="50000" b="-30000"/>
-              </a:path>
-              <a:tileRect/>
-            </a:gradFill>
-          </a:ln>
-        </p:spPr>
-        <p:style>
-          <a:lnRef idx="2">
-            <a:schemeClr val="accent6"/>
-          </a:lnRef>
-          <a:fillRef idx="1">
-            <a:schemeClr val="lt1"/>
-          </a:fillRef>
-          <a:effectRef idx="0">
-            <a:schemeClr val="accent6"/>
-          </a:effectRef>
-          <a:fontRef idx="minor">
-            <a:schemeClr val="dk1"/>
-          </a:fontRef>
-        </p:style>
-        <p:txBody>
-          <a:bodyPr rtlCol="0" anchor="ctr"/>
-          <a:lstStyle/>
-          <a:p>
-            <a:pPr algn="ctr"/>
-            <a:r>
-              <a:rPr lang="en-US" b="1" dirty="0" err="1"/>
-              <a:t>postgresql</a:t>
-            </a:r>
-            <a:r>
-              <a:rPr lang="en-US" b="1" dirty="0"/>
-              <a:t>-adapter</a:t>
-            </a:r>
-          </a:p>
-        </p:txBody>
-      </p:sp>
-      <p:cxnSp>
-        <p:nvCxnSpPr>
-          <p:cNvPr id="69" name="Straight Arrow Connector 68">
-            <a:extLst>
-              <a:ext uri="{FF2B5EF4-FFF2-40B4-BE49-F238E27FC236}">
-                <a16:creationId xmlns:a16="http://schemas.microsoft.com/office/drawing/2014/main" id="{A9BD8BE8-C299-8F7C-264E-FF89C44E14DA}"/>
-              </a:ext>
-            </a:extLst>
-          </p:cNvPr>
-          <p:cNvCxnSpPr>
-            <a:cxnSpLocks/>
-            <a:stCxn id="47" idx="1"/>
-            <a:endCxn id="37" idx="3"/>
-          </p:cNvCxnSpPr>
-          <p:nvPr/>
-        </p:nvCxnSpPr>
-        <p:spPr>
-          <a:xfrm flipH="1" flipV="1">
-            <a:off x="6494126" y="3251062"/>
-            <a:ext cx="808732" cy="860083"/>
-          </a:xfrm>
-          <a:prstGeom prst="straightConnector1">
-            <a:avLst/>
-          </a:prstGeom>
-          <a:ln w="25400">
-            <a:tailEnd type="triangle" w="lg" len="med"/>
-          </a:ln>
-        </p:spPr>
-        <p:style>
-          <a:lnRef idx="1">
-            <a:schemeClr val="accent1"/>
-          </a:lnRef>
-          <a:fillRef idx="0">
-            <a:schemeClr val="accent1"/>
-          </a:fillRef>
-          <a:effectRef idx="0">
-            <a:schemeClr val="accent1"/>
-          </a:effectRef>
-          <a:fontRef idx="minor">
-            <a:schemeClr val="tx1"/>
-          </a:fontRef>
-        </p:style>
-      </p:cxnSp>
-      <p:sp>
-        <p:nvSpPr>
-          <p:cNvPr id="72" name="Rectangle 71">
-            <a:extLst>
-              <a:ext uri="{FF2B5EF4-FFF2-40B4-BE49-F238E27FC236}">
-                <a16:creationId xmlns:a16="http://schemas.microsoft.com/office/drawing/2014/main" id="{5FDD480F-78F6-65ED-31EB-2BE0505BECC9}"/>
-              </a:ext>
-            </a:extLst>
-          </p:cNvPr>
-          <p:cNvSpPr/>
-          <p:nvPr/>
-        </p:nvSpPr>
-        <p:spPr>
-          <a:xfrm>
-            <a:off x="876233" y="3847475"/>
+            <a:off x="4012342" y="1954582"/>
             <a:ext cx="2103120" cy="320682"/>
           </a:xfrm>
           <a:prstGeom prst="rect">
@@ -10921,17 +10269,17 @@
             <a:pPr algn="ctr"/>
             <a:r>
               <a:rPr lang="en-US" dirty="0"/>
-              <a:t>accesslogv3</a:t>
-            </a:r>
-          </a:p>
-        </p:txBody>
-      </p:sp>
-      <p:sp>
-        <p:nvSpPr>
-          <p:cNvPr id="73" name="Rectangle 72">
-            <a:extLst>
-              <a:ext uri="{FF2B5EF4-FFF2-40B4-BE49-F238E27FC236}">
-                <a16:creationId xmlns:a16="http://schemas.microsoft.com/office/drawing/2014/main" id="{7149EFE7-1381-79AA-0EB3-E00DF2B25C18}"/>
+              <a:t>customer</a:t>
+            </a:r>
+          </a:p>
+        </p:txBody>
+      </p:sp>
+      <p:sp>
+        <p:nvSpPr>
+          <p:cNvPr id="81" name="Rectangle 80">
+            <a:extLst>
+              <a:ext uri="{FF2B5EF4-FFF2-40B4-BE49-F238E27FC236}">
+                <a16:creationId xmlns:a16="http://schemas.microsoft.com/office/drawing/2014/main" id="{4E6D7153-E3A6-6FFE-7497-5D339182FA0B}"/>
               </a:ext>
             </a:extLst>
           </p:cNvPr>
@@ -10940,7 +10288,7 @@
         </p:nvSpPr>
         <p:spPr>
           <a:xfrm>
-            <a:off x="4391006" y="4282334"/>
+            <a:off x="7370777" y="2435505"/>
             <a:ext cx="2103120" cy="320682"/>
           </a:xfrm>
           <a:prstGeom prst="rect">
@@ -10978,19 +10326,18 @@
           <a:p>
             <a:pPr algn="ctr"/>
             <a:r>
-              <a:rPr lang="en-US" dirty="0" err="1"/>
-              <a:t>prometheus</a:t>
-            </a:r>
-            <a:endParaRPr lang="en-US" dirty="0"/>
-          </a:p>
-        </p:txBody>
-      </p:sp>
-      <p:sp>
-        <p:nvSpPr>
-          <p:cNvPr id="74" name="Rectangle 73">
-            <a:extLst>
-              <a:ext uri="{FF2B5EF4-FFF2-40B4-BE49-F238E27FC236}">
-                <a16:creationId xmlns:a16="http://schemas.microsoft.com/office/drawing/2014/main" id="{7DEC49F2-C3A9-6778-6295-BF3ADE87403B}"/>
+              <a:rPr lang="en-US" dirty="0"/>
+              <a:t>preferences</a:t>
+            </a:r>
+          </a:p>
+        </p:txBody>
+      </p:sp>
+      <p:sp>
+        <p:nvSpPr>
+          <p:cNvPr id="82" name="Rectangle 81">
+            <a:extLst>
+              <a:ext uri="{FF2B5EF4-FFF2-40B4-BE49-F238E27FC236}">
+                <a16:creationId xmlns:a16="http://schemas.microsoft.com/office/drawing/2014/main" id="{221503E2-7587-B931-3D92-0714A951350A}"/>
               </a:ext>
             </a:extLst>
           </p:cNvPr>
@@ -10999,7 +10346,7 @@
         </p:nvSpPr>
         <p:spPr>
           <a:xfrm>
-            <a:off x="4391006" y="3950804"/>
+            <a:off x="7370777" y="2785810"/>
             <a:ext cx="2103120" cy="320682"/>
           </a:xfrm>
           <a:prstGeom prst="rect">
@@ -11038,17 +10385,17 @@
             <a:pPr algn="ctr"/>
             <a:r>
               <a:rPr lang="en-US" dirty="0"/>
-              <a:t>profile</a:t>
-            </a:r>
-          </a:p>
-        </p:txBody>
-      </p:sp>
-      <p:sp>
-        <p:nvSpPr>
-          <p:cNvPr id="75" name="Rectangle 74">
-            <a:extLst>
-              <a:ext uri="{FF2B5EF4-FFF2-40B4-BE49-F238E27FC236}">
-                <a16:creationId xmlns:a16="http://schemas.microsoft.com/office/drawing/2014/main" id="{5CEAD80D-BB2D-1C86-26BB-4AB4CE353ADA}"/>
+              <a:t>entity</a:t>
+            </a:r>
+          </a:p>
+        </p:txBody>
+      </p:sp>
+      <p:sp>
+        <p:nvSpPr>
+          <p:cNvPr id="90" name="Rectangle 89">
+            <a:extLst>
+              <a:ext uri="{FF2B5EF4-FFF2-40B4-BE49-F238E27FC236}">
+                <a16:creationId xmlns:a16="http://schemas.microsoft.com/office/drawing/2014/main" id="{44C69DE1-1D4A-8D60-08BA-A9C8FF613B4C}"/>
               </a:ext>
             </a:extLst>
           </p:cNvPr>
@@ -11057,7 +10404,7 @@
         </p:nvSpPr>
         <p:spPr>
           <a:xfrm>
-            <a:off x="4391006" y="3579324"/>
+            <a:off x="925869" y="2398577"/>
             <a:ext cx="2103120" cy="320682"/>
           </a:xfrm>
           <a:prstGeom prst="rect">
@@ -11096,17 +10443,17 @@
             <a:pPr algn="ctr"/>
             <a:r>
               <a:rPr lang="en-US" dirty="0"/>
-              <a:t>accesslogv3</a:t>
-            </a:r>
-          </a:p>
-        </p:txBody>
-      </p:sp>
-      <p:sp>
-        <p:nvSpPr>
-          <p:cNvPr id="76" name="Rectangle 75">
-            <a:extLst>
-              <a:ext uri="{FF2B5EF4-FFF2-40B4-BE49-F238E27FC236}">
-                <a16:creationId xmlns:a16="http://schemas.microsoft.com/office/drawing/2014/main" id="{0B28B2A6-F923-2FE4-A4C9-598F206278D5}"/>
+              <a:t>preferences</a:t>
+            </a:r>
+          </a:p>
+        </p:txBody>
+      </p:sp>
+      <p:sp>
+        <p:nvSpPr>
+          <p:cNvPr id="91" name="Rectangle 90">
+            <a:extLst>
+              <a:ext uri="{FF2B5EF4-FFF2-40B4-BE49-F238E27FC236}">
+                <a16:creationId xmlns:a16="http://schemas.microsoft.com/office/drawing/2014/main" id="{920801D8-8594-9229-D9E9-56D25ABA0919}"/>
               </a:ext>
             </a:extLst>
           </p:cNvPr>
@@ -11115,7 +10462,7 @@
         </p:nvSpPr>
         <p:spPr>
           <a:xfrm>
-            <a:off x="4451309" y="1508832"/>
+            <a:off x="925869" y="2736857"/>
             <a:ext cx="2103120" cy="320682"/>
           </a:xfrm>
           <a:prstGeom prst="rect">
@@ -11154,297 +10501,7 @@
             <a:pPr algn="ctr"/>
             <a:r>
               <a:rPr lang="en-US" dirty="0"/>
-              <a:t>envoy</a:t>
-            </a:r>
-          </a:p>
-        </p:txBody>
-      </p:sp>
-      <p:sp>
-        <p:nvSpPr>
-          <p:cNvPr id="77" name="Rectangle 76">
-            <a:extLst>
-              <a:ext uri="{FF2B5EF4-FFF2-40B4-BE49-F238E27FC236}">
-                <a16:creationId xmlns:a16="http://schemas.microsoft.com/office/drawing/2014/main" id="{14014479-BBF8-81F3-838B-DB30B65393DC}"/>
-              </a:ext>
-            </a:extLst>
-          </p:cNvPr>
-          <p:cNvSpPr/>
-          <p:nvPr/>
-        </p:nvSpPr>
-        <p:spPr>
-          <a:xfrm>
-            <a:off x="4570690" y="1122296"/>
-            <a:ext cx="2103120" cy="320682"/>
-          </a:xfrm>
-          <a:prstGeom prst="rect">
-            <a:avLst/>
-          </a:prstGeom>
-          <a:solidFill>
-            <a:srgbClr val="E3E0B3"/>
-          </a:solidFill>
-          <a:ln>
-            <a:solidFill>
-              <a:schemeClr val="tx1">
-                <a:lumMod val="65000"/>
-                <a:lumOff val="35000"/>
-              </a:schemeClr>
-            </a:solidFill>
-          </a:ln>
-        </p:spPr>
-        <p:style>
-          <a:lnRef idx="2">
-            <a:schemeClr val="accent6"/>
-          </a:lnRef>
-          <a:fillRef idx="1">
-            <a:schemeClr val="lt1"/>
-          </a:fillRef>
-          <a:effectRef idx="0">
-            <a:schemeClr val="accent6"/>
-          </a:effectRef>
-          <a:fontRef idx="minor">
-            <a:schemeClr val="dk1"/>
-          </a:fontRef>
-        </p:style>
-        <p:txBody>
-          <a:bodyPr rtlCol="0" anchor="ctr"/>
-          <a:lstStyle/>
-          <a:p>
-            <a:pPr algn="ctr"/>
-            <a:r>
-              <a:rPr lang="en-US" dirty="0"/>
-              <a:t>profile</a:t>
-            </a:r>
-          </a:p>
-        </p:txBody>
-      </p:sp>
-      <p:sp>
-        <p:nvSpPr>
-          <p:cNvPr id="81" name="Rectangle 80">
-            <a:extLst>
-              <a:ext uri="{FF2B5EF4-FFF2-40B4-BE49-F238E27FC236}">
-                <a16:creationId xmlns:a16="http://schemas.microsoft.com/office/drawing/2014/main" id="{4E6D7153-E3A6-6FFE-7497-5D339182FA0B}"/>
-              </a:ext>
-            </a:extLst>
-          </p:cNvPr>
-          <p:cNvSpPr/>
-          <p:nvPr/>
-        </p:nvSpPr>
-        <p:spPr>
-          <a:xfrm>
-            <a:off x="7302858" y="1584769"/>
-            <a:ext cx="2103120" cy="320682"/>
-          </a:xfrm>
-          <a:prstGeom prst="rect">
-            <a:avLst/>
-          </a:prstGeom>
-          <a:solidFill>
-            <a:srgbClr val="E3E0B3"/>
-          </a:solidFill>
-          <a:ln>
-            <a:solidFill>
-              <a:schemeClr val="tx1">
-                <a:lumMod val="65000"/>
-                <a:lumOff val="35000"/>
-              </a:schemeClr>
-            </a:solidFill>
-          </a:ln>
-        </p:spPr>
-        <p:style>
-          <a:lnRef idx="2">
-            <a:schemeClr val="accent6"/>
-          </a:lnRef>
-          <a:fillRef idx="1">
-            <a:schemeClr val="lt1"/>
-          </a:fillRef>
-          <a:effectRef idx="0">
-            <a:schemeClr val="accent6"/>
-          </a:effectRef>
-          <a:fontRef idx="minor">
-            <a:schemeClr val="dk1"/>
-          </a:fontRef>
-        </p:style>
-        <p:txBody>
-          <a:bodyPr rtlCol="0" anchor="ctr"/>
-          <a:lstStyle/>
-          <a:p>
-            <a:pPr algn="ctr"/>
-            <a:r>
-              <a:rPr lang="en-US" dirty="0"/>
-              <a:t>profile</a:t>
-            </a:r>
-          </a:p>
-        </p:txBody>
-      </p:sp>
-      <p:sp>
-        <p:nvSpPr>
-          <p:cNvPr id="82" name="Rectangle 81">
-            <a:extLst>
-              <a:ext uri="{FF2B5EF4-FFF2-40B4-BE49-F238E27FC236}">
-                <a16:creationId xmlns:a16="http://schemas.microsoft.com/office/drawing/2014/main" id="{221503E2-7587-B931-3D92-0714A951350A}"/>
-              </a:ext>
-            </a:extLst>
-          </p:cNvPr>
-          <p:cNvSpPr/>
-          <p:nvPr/>
-        </p:nvSpPr>
-        <p:spPr>
-          <a:xfrm>
-            <a:off x="7324233" y="1962615"/>
-            <a:ext cx="2103120" cy="320682"/>
-          </a:xfrm>
-          <a:prstGeom prst="rect">
-            <a:avLst/>
-          </a:prstGeom>
-          <a:solidFill>
-            <a:srgbClr val="E3E0B3"/>
-          </a:solidFill>
-          <a:ln>
-            <a:solidFill>
-              <a:schemeClr val="tx1">
-                <a:lumMod val="65000"/>
-                <a:lumOff val="35000"/>
-              </a:schemeClr>
-            </a:solidFill>
-          </a:ln>
-        </p:spPr>
-        <p:style>
-          <a:lnRef idx="2">
-            <a:schemeClr val="accent6"/>
-          </a:lnRef>
-          <a:fillRef idx="1">
-            <a:schemeClr val="lt1"/>
-          </a:fillRef>
-          <a:effectRef idx="0">
-            <a:schemeClr val="accent6"/>
-          </a:effectRef>
-          <a:fontRef idx="minor">
-            <a:schemeClr val="dk1"/>
-          </a:fontRef>
-        </p:style>
-        <p:txBody>
-          <a:bodyPr rtlCol="0" anchor="ctr"/>
-          <a:lstStyle/>
-          <a:p>
-            <a:pPr algn="ctr"/>
-            <a:r>
-              <a:rPr lang="en-US" dirty="0"/>
-              <a:t>envoy</a:t>
-            </a:r>
-          </a:p>
-        </p:txBody>
-      </p:sp>
-      <p:sp>
-        <p:nvSpPr>
-          <p:cNvPr id="90" name="Rectangle 89">
-            <a:extLst>
-              <a:ext uri="{FF2B5EF4-FFF2-40B4-BE49-F238E27FC236}">
-                <a16:creationId xmlns:a16="http://schemas.microsoft.com/office/drawing/2014/main" id="{44C69DE1-1D4A-8D60-08BA-A9C8FF613B4C}"/>
-              </a:ext>
-            </a:extLst>
-          </p:cNvPr>
-          <p:cNvSpPr/>
-          <p:nvPr/>
-        </p:nvSpPr>
-        <p:spPr>
-          <a:xfrm>
-            <a:off x="925869" y="1559415"/>
-            <a:ext cx="2103120" cy="320682"/>
-          </a:xfrm>
-          <a:prstGeom prst="rect">
-            <a:avLst/>
-          </a:prstGeom>
-          <a:solidFill>
-            <a:srgbClr val="E3E0B3"/>
-          </a:solidFill>
-          <a:ln>
-            <a:solidFill>
-              <a:schemeClr val="tx1">
-                <a:lumMod val="65000"/>
-                <a:lumOff val="35000"/>
-              </a:schemeClr>
-            </a:solidFill>
-          </a:ln>
-        </p:spPr>
-        <p:style>
-          <a:lnRef idx="2">
-            <a:schemeClr val="accent6"/>
-          </a:lnRef>
-          <a:fillRef idx="1">
-            <a:schemeClr val="lt1"/>
-          </a:fillRef>
-          <a:effectRef idx="0">
-            <a:schemeClr val="accent6"/>
-          </a:effectRef>
-          <a:fontRef idx="minor">
-            <a:schemeClr val="dk1"/>
-          </a:fontRef>
-        </p:style>
-        <p:txBody>
-          <a:bodyPr rtlCol="0" anchor="ctr"/>
-          <a:lstStyle/>
-          <a:p>
-            <a:pPr algn="ctr"/>
-            <a:r>
-              <a:rPr lang="en-US" dirty="0"/>
-              <a:t>profile</a:t>
-            </a:r>
-          </a:p>
-        </p:txBody>
-      </p:sp>
-      <p:sp>
-        <p:nvSpPr>
-          <p:cNvPr id="91" name="Rectangle 90">
-            <a:extLst>
-              <a:ext uri="{FF2B5EF4-FFF2-40B4-BE49-F238E27FC236}">
-                <a16:creationId xmlns:a16="http://schemas.microsoft.com/office/drawing/2014/main" id="{920801D8-8594-9229-D9E9-56D25ABA0919}"/>
-              </a:ext>
-            </a:extLst>
-          </p:cNvPr>
-          <p:cNvSpPr/>
-          <p:nvPr/>
-        </p:nvSpPr>
-        <p:spPr>
-          <a:xfrm>
-            <a:off x="925869" y="1897695"/>
-            <a:ext cx="2103120" cy="320682"/>
-          </a:xfrm>
-          <a:prstGeom prst="rect">
-            <a:avLst/>
-          </a:prstGeom>
-          <a:solidFill>
-            <a:srgbClr val="E3E0B3"/>
-          </a:solidFill>
-          <a:ln>
-            <a:solidFill>
-              <a:schemeClr val="tx1">
-                <a:lumMod val="65000"/>
-                <a:lumOff val="35000"/>
-              </a:schemeClr>
-            </a:solidFill>
-          </a:ln>
-        </p:spPr>
-        <p:style>
-          <a:lnRef idx="2">
-            <a:schemeClr val="accent6"/>
-          </a:lnRef>
-          <a:fillRef idx="1">
-            <a:schemeClr val="lt1"/>
-          </a:fillRef>
-          <a:effectRef idx="0">
-            <a:schemeClr val="accent6"/>
-          </a:effectRef>
-          <a:fontRef idx="minor">
-            <a:schemeClr val="dk1"/>
-          </a:fontRef>
-        </p:style>
-        <p:txBody>
-          <a:bodyPr rtlCol="0" anchor="ctr"/>
-          <a:lstStyle/>
-          <a:p>
-            <a:pPr algn="ctr"/>
-            <a:r>
-              <a:rPr lang="en-US" dirty="0"/>
-              <a:t>envoy</a:t>
+              <a:t>entity</a:t>
             </a:r>
           </a:p>
         </p:txBody>
@@ -11467,8 +10524,8 @@
         </p:nvCxnSpPr>
         <p:spPr>
           <a:xfrm flipV="1">
-            <a:off x="3028989" y="878504"/>
-            <a:ext cx="1516034" cy="421060"/>
+            <a:off x="3028989" y="1717666"/>
+            <a:ext cx="885215" cy="421060"/>
           </a:xfrm>
           <a:prstGeom prst="straightConnector1">
             <a:avLst/>
@@ -11494,517 +10551,96 @@
       </p:cxnSp>
       <p:cxnSp>
         <p:nvCxnSpPr>
-          <p:cNvPr id="111" name="Straight Arrow Connector 110">
-            <a:extLst>
-              <a:ext uri="{FF2B5EF4-FFF2-40B4-BE49-F238E27FC236}">
-                <a16:creationId xmlns:a16="http://schemas.microsoft.com/office/drawing/2014/main" id="{A7955CBE-B445-E066-1D43-EFE036F7C0D2}"/>
+          <p:cNvPr id="34" name="Straight Connector 33">
+            <a:extLst>
+              <a:ext uri="{FF2B5EF4-FFF2-40B4-BE49-F238E27FC236}">
+                <a16:creationId xmlns:a16="http://schemas.microsoft.com/office/drawing/2014/main" id="{947A1310-63EE-F834-EAEF-10A1F497EEE6}"/>
               </a:ext>
             </a:extLst>
           </p:cNvPr>
           <p:cNvCxnSpPr>
             <a:cxnSpLocks/>
-            <a:stCxn id="43" idx="3"/>
-            <a:endCxn id="37" idx="1"/>
           </p:cNvCxnSpPr>
           <p:nvPr/>
         </p:nvCxnSpPr>
         <p:spPr>
-          <a:xfrm flipV="1">
-            <a:off x="2934280" y="3251062"/>
-            <a:ext cx="1320889" cy="376836"/>
-          </a:xfrm>
-          <a:prstGeom prst="straightConnector1">
+          <a:xfrm flipH="1">
+            <a:off x="785766" y="2566482"/>
+            <a:ext cx="161047" cy="0"/>
+          </a:xfrm>
+          <a:prstGeom prst="line">
             <a:avLst/>
           </a:prstGeom>
           <a:ln w="25400">
-            <a:tailEnd type="triangle" w="lg" len="med"/>
-          </a:ln>
-        </p:spPr>
-        <p:style>
-          <a:lnRef idx="1">
-            <a:schemeClr val="accent1"/>
-          </a:lnRef>
-          <a:fillRef idx="0">
-            <a:schemeClr val="accent1"/>
-          </a:fillRef>
-          <a:effectRef idx="0">
-            <a:schemeClr val="accent1"/>
-          </a:effectRef>
-          <a:fontRef idx="minor">
-            <a:schemeClr val="tx1"/>
-          </a:fontRef>
-        </p:style>
-      </p:cxnSp>
-      <p:sp>
-        <p:nvSpPr>
-          <p:cNvPr id="114" name="Rectangle 113">
-            <a:extLst>
-              <a:ext uri="{FF2B5EF4-FFF2-40B4-BE49-F238E27FC236}">
-                <a16:creationId xmlns:a16="http://schemas.microsoft.com/office/drawing/2014/main" id="{9FEEAE1D-7FA1-1475-6CE8-215415F1D7B0}"/>
-              </a:ext>
-            </a:extLst>
-          </p:cNvPr>
-          <p:cNvSpPr/>
-          <p:nvPr/>
-        </p:nvSpPr>
-        <p:spPr>
-          <a:xfrm>
-            <a:off x="7438695" y="4349297"/>
-            <a:ext cx="2103120" cy="320682"/>
-          </a:xfrm>
-          <a:prstGeom prst="rect">
-            <a:avLst/>
-          </a:prstGeom>
-          <a:solidFill>
-            <a:srgbClr val="E3E0B3"/>
-          </a:solidFill>
-          <a:ln>
             <a:solidFill>
               <a:schemeClr val="tx1">
-                <a:lumMod val="65000"/>
-                <a:lumOff val="35000"/>
+                <a:lumMod val="50000"/>
+                <a:lumOff val="50000"/>
               </a:schemeClr>
             </a:solidFill>
           </a:ln>
         </p:spPr>
         <p:style>
-          <a:lnRef idx="2">
-            <a:schemeClr val="accent6"/>
-          </a:lnRef>
-          <a:fillRef idx="1">
-            <a:schemeClr val="lt1"/>
-          </a:fillRef>
-          <a:effectRef idx="0">
-            <a:schemeClr val="accent6"/>
-          </a:effectRef>
-          <a:fontRef idx="minor">
-            <a:schemeClr val="dk1"/>
-          </a:fontRef>
-        </p:style>
-        <p:txBody>
-          <a:bodyPr rtlCol="0" anchor="ctr"/>
-          <a:lstStyle/>
-          <a:p>
-            <a:pPr algn="ctr"/>
-            <a:r>
-              <a:rPr lang="en-US" dirty="0"/>
-              <a:t>accesslogv3</a:t>
-            </a:r>
-          </a:p>
-        </p:txBody>
-      </p:sp>
-      <p:sp>
-        <p:nvSpPr>
-          <p:cNvPr id="115" name="Rectangle 114">
-            <a:extLst>
-              <a:ext uri="{FF2B5EF4-FFF2-40B4-BE49-F238E27FC236}">
-                <a16:creationId xmlns:a16="http://schemas.microsoft.com/office/drawing/2014/main" id="{520E8C91-6B39-0899-545F-80F1F6FBC54A}"/>
-              </a:ext>
-            </a:extLst>
-          </p:cNvPr>
-          <p:cNvSpPr/>
-          <p:nvPr/>
-        </p:nvSpPr>
-        <p:spPr>
-          <a:xfrm>
-            <a:off x="9879061" y="4474252"/>
-            <a:ext cx="2238957" cy="355876"/>
-          </a:xfrm>
-          <a:prstGeom prst="rect">
-            <a:avLst/>
-          </a:prstGeom>
-          <a:solidFill>
-            <a:schemeClr val="bg1"/>
-          </a:solidFill>
-          <a:ln w="25400">
-            <a:gradFill flip="none" rotWithShape="1">
-              <a:gsLst>
-                <a:gs pos="0">
-                  <a:schemeClr val="accent5">
-                    <a:lumMod val="40000"/>
-                    <a:lumOff val="60000"/>
-                  </a:schemeClr>
-                </a:gs>
-                <a:gs pos="46000">
-                  <a:schemeClr val="accent5">
-                    <a:lumMod val="95000"/>
-                    <a:lumOff val="5000"/>
-                  </a:schemeClr>
-                </a:gs>
-                <a:gs pos="100000">
-                  <a:schemeClr val="accent5">
-                    <a:lumMod val="60000"/>
-                  </a:schemeClr>
-                </a:gs>
-              </a:gsLst>
-              <a:path path="circle">
-                <a:fillToRect l="50000" t="130000" r="50000" b="-30000"/>
-              </a:path>
-              <a:tileRect/>
-            </a:gradFill>
-          </a:ln>
-        </p:spPr>
-        <p:style>
-          <a:lnRef idx="2">
-            <a:schemeClr val="accent6"/>
-          </a:lnRef>
-          <a:fillRef idx="1">
-            <a:schemeClr val="lt1"/>
-          </a:fillRef>
-          <a:effectRef idx="0">
-            <a:schemeClr val="accent6"/>
-          </a:effectRef>
-          <a:fontRef idx="minor">
-            <a:schemeClr val="dk1"/>
-          </a:fontRef>
-        </p:style>
-        <p:txBody>
-          <a:bodyPr rtlCol="0" anchor="ctr"/>
-          <a:lstStyle/>
-          <a:p>
-            <a:pPr algn="ctr"/>
-            <a:r>
-              <a:rPr lang="en-US" b="1" dirty="0"/>
-              <a:t>elastic-adapter</a:t>
-            </a:r>
-          </a:p>
-        </p:txBody>
-      </p:sp>
+          <a:lnRef idx="1">
+            <a:schemeClr val="accent1"/>
+          </a:lnRef>
+          <a:fillRef idx="0">
+            <a:schemeClr val="accent1"/>
+          </a:fillRef>
+          <a:effectRef idx="0">
+            <a:schemeClr val="accent1"/>
+          </a:effectRef>
+          <a:fontRef idx="minor">
+            <a:schemeClr val="tx1"/>
+          </a:fontRef>
+        </p:style>
+      </p:cxnSp>
       <p:cxnSp>
         <p:nvCxnSpPr>
-          <p:cNvPr id="116" name="Straight Arrow Connector 115">
-            <a:extLst>
-              <a:ext uri="{FF2B5EF4-FFF2-40B4-BE49-F238E27FC236}">
-                <a16:creationId xmlns:a16="http://schemas.microsoft.com/office/drawing/2014/main" id="{74547163-6035-ADBC-7D45-548116A688C0}"/>
+          <p:cNvPr id="36" name="Straight Connector 35">
+            <a:extLst>
+              <a:ext uri="{FF2B5EF4-FFF2-40B4-BE49-F238E27FC236}">
+                <a16:creationId xmlns:a16="http://schemas.microsoft.com/office/drawing/2014/main" id="{25C1AFDB-EE1A-22B8-5ADA-0F44F61CBAA9}"/>
               </a:ext>
             </a:extLst>
           </p:cNvPr>
           <p:cNvCxnSpPr>
             <a:cxnSpLocks/>
-            <a:stCxn id="47" idx="3"/>
-            <a:endCxn id="115" idx="1"/>
           </p:cNvCxnSpPr>
           <p:nvPr/>
         </p:nvCxnSpPr>
         <p:spPr>
-          <a:xfrm>
-            <a:off x="9541815" y="4111145"/>
-            <a:ext cx="337246" cy="541045"/>
-          </a:xfrm>
-          <a:prstGeom prst="straightConnector1">
+          <a:xfrm flipH="1">
+            <a:off x="3865738" y="2179439"/>
+            <a:ext cx="152967" cy="0"/>
+          </a:xfrm>
+          <a:prstGeom prst="line">
             <a:avLst/>
           </a:prstGeom>
           <a:ln w="25400">
-            <a:tailEnd type="triangle" w="lg" len="med"/>
-          </a:ln>
-        </p:spPr>
-        <p:style>
-          <a:lnRef idx="1">
-            <a:schemeClr val="accent1"/>
-          </a:lnRef>
-          <a:fillRef idx="0">
-            <a:schemeClr val="accent1"/>
-          </a:fillRef>
-          <a:effectRef idx="0">
-            <a:schemeClr val="accent1"/>
-          </a:effectRef>
-          <a:fontRef idx="minor">
-            <a:schemeClr val="tx1"/>
-          </a:fontRef>
-        </p:style>
-      </p:cxnSp>
-      <p:sp>
-        <p:nvSpPr>
-          <p:cNvPr id="120" name="Rectangle 119">
-            <a:extLst>
-              <a:ext uri="{FF2B5EF4-FFF2-40B4-BE49-F238E27FC236}">
-                <a16:creationId xmlns:a16="http://schemas.microsoft.com/office/drawing/2014/main" id="{C1F8CE5A-B104-5AD6-9E0B-5F331E4B951F}"/>
-              </a:ext>
-            </a:extLst>
-          </p:cNvPr>
-          <p:cNvSpPr/>
-          <p:nvPr/>
-        </p:nvSpPr>
-        <p:spPr>
-          <a:xfrm>
-            <a:off x="7452350" y="4730193"/>
-            <a:ext cx="2103120" cy="320682"/>
-          </a:xfrm>
-          <a:prstGeom prst="rect">
-            <a:avLst/>
-          </a:prstGeom>
-          <a:solidFill>
-            <a:srgbClr val="E3E0B3"/>
-          </a:solidFill>
-          <a:ln>
             <a:solidFill>
               <a:schemeClr val="tx1">
-                <a:lumMod val="65000"/>
-                <a:lumOff val="35000"/>
+                <a:lumMod val="50000"/>
+                <a:lumOff val="50000"/>
               </a:schemeClr>
             </a:solidFill>
           </a:ln>
         </p:spPr>
         <p:style>
-          <a:lnRef idx="2">
-            <a:schemeClr val="accent6"/>
-          </a:lnRef>
-          <a:fillRef idx="1">
-            <a:schemeClr val="lt1"/>
-          </a:fillRef>
-          <a:effectRef idx="0">
-            <a:schemeClr val="accent6"/>
-          </a:effectRef>
-          <a:fontRef idx="minor">
-            <a:schemeClr val="dk1"/>
-          </a:fontRef>
-        </p:style>
-        <p:txBody>
-          <a:bodyPr rtlCol="0" anchor="ctr"/>
-          <a:lstStyle/>
-          <a:p>
-            <a:pPr algn="ctr"/>
-            <a:r>
-              <a:rPr lang="en-US" dirty="0" err="1"/>
-              <a:t>prometheus</a:t>
-            </a:r>
-            <a:endParaRPr lang="en-US" dirty="0"/>
-          </a:p>
-        </p:txBody>
-      </p:sp>
-      <p:sp>
-        <p:nvSpPr>
-          <p:cNvPr id="121" name="Rectangle 120">
-            <a:extLst>
-              <a:ext uri="{FF2B5EF4-FFF2-40B4-BE49-F238E27FC236}">
-                <a16:creationId xmlns:a16="http://schemas.microsoft.com/office/drawing/2014/main" id="{59C1D05D-4E8D-68B9-5466-28A752FB496D}"/>
-              </a:ext>
-            </a:extLst>
-          </p:cNvPr>
-          <p:cNvSpPr/>
-          <p:nvPr/>
-        </p:nvSpPr>
-        <p:spPr>
-          <a:xfrm>
-            <a:off x="7452350" y="5103803"/>
-            <a:ext cx="2103120" cy="320682"/>
-          </a:xfrm>
-          <a:prstGeom prst="rect">
-            <a:avLst/>
-          </a:prstGeom>
-          <a:solidFill>
-            <a:srgbClr val="E3E0B3"/>
-          </a:solidFill>
-          <a:ln>
-            <a:solidFill>
-              <a:schemeClr val="tx1">
-                <a:lumMod val="65000"/>
-                <a:lumOff val="35000"/>
-              </a:schemeClr>
-            </a:solidFill>
-          </a:ln>
-        </p:spPr>
-        <p:style>
-          <a:lnRef idx="2">
-            <a:schemeClr val="accent6"/>
-          </a:lnRef>
-          <a:fillRef idx="1">
-            <a:schemeClr val="lt1"/>
-          </a:fillRef>
-          <a:effectRef idx="0">
-            <a:schemeClr val="accent6"/>
-          </a:effectRef>
-          <a:fontRef idx="minor">
-            <a:schemeClr val="dk1"/>
-          </a:fontRef>
-        </p:style>
-        <p:txBody>
-          <a:bodyPr rtlCol="0" anchor="ctr"/>
-          <a:lstStyle/>
-          <a:p>
-            <a:pPr algn="ctr"/>
-            <a:r>
-              <a:rPr lang="en-US" dirty="0"/>
-              <a:t>profile</a:t>
-            </a:r>
-          </a:p>
-        </p:txBody>
-      </p:sp>
-      <p:sp>
-        <p:nvSpPr>
-          <p:cNvPr id="122" name="Rectangle 121">
-            <a:extLst>
-              <a:ext uri="{FF2B5EF4-FFF2-40B4-BE49-F238E27FC236}">
-                <a16:creationId xmlns:a16="http://schemas.microsoft.com/office/drawing/2014/main" id="{2A700585-A45B-AA28-2D7B-1F45F0A8B431}"/>
-              </a:ext>
-            </a:extLst>
-          </p:cNvPr>
-          <p:cNvSpPr/>
-          <p:nvPr/>
-        </p:nvSpPr>
-        <p:spPr>
-          <a:xfrm>
-            <a:off x="876233" y="4209796"/>
-            <a:ext cx="2103120" cy="320682"/>
-          </a:xfrm>
-          <a:prstGeom prst="rect">
-            <a:avLst/>
-          </a:prstGeom>
-          <a:solidFill>
-            <a:srgbClr val="E3E0B3"/>
-          </a:solidFill>
-          <a:ln>
-            <a:solidFill>
-              <a:schemeClr val="tx1">
-                <a:lumMod val="65000"/>
-                <a:lumOff val="35000"/>
-              </a:schemeClr>
-            </a:solidFill>
-          </a:ln>
-        </p:spPr>
-        <p:style>
-          <a:lnRef idx="2">
-            <a:schemeClr val="accent6"/>
-          </a:lnRef>
-          <a:fillRef idx="1">
-            <a:schemeClr val="lt1"/>
-          </a:fillRef>
-          <a:effectRef idx="0">
-            <a:schemeClr val="accent6"/>
-          </a:effectRef>
-          <a:fontRef idx="minor">
-            <a:schemeClr val="dk1"/>
-          </a:fontRef>
-        </p:style>
-        <p:txBody>
-          <a:bodyPr rtlCol="0" anchor="ctr"/>
-          <a:lstStyle/>
-          <a:p>
-            <a:pPr algn="ctr"/>
-            <a:r>
-              <a:rPr lang="en-US" dirty="0" err="1"/>
-              <a:t>prometheus</a:t>
-            </a:r>
-            <a:endParaRPr lang="en-US" dirty="0"/>
-          </a:p>
-        </p:txBody>
-      </p:sp>
-      <p:sp>
-        <p:nvSpPr>
-          <p:cNvPr id="123" name="Rectangle 122">
-            <a:extLst>
-              <a:ext uri="{FF2B5EF4-FFF2-40B4-BE49-F238E27FC236}">
-                <a16:creationId xmlns:a16="http://schemas.microsoft.com/office/drawing/2014/main" id="{361667C2-7999-E435-AF18-0D95E2AA0289}"/>
-              </a:ext>
-            </a:extLst>
-          </p:cNvPr>
-          <p:cNvSpPr/>
-          <p:nvPr/>
-        </p:nvSpPr>
-        <p:spPr>
-          <a:xfrm>
-            <a:off x="876233" y="4547183"/>
-            <a:ext cx="2103120" cy="320682"/>
-          </a:xfrm>
-          <a:prstGeom prst="rect">
-            <a:avLst/>
-          </a:prstGeom>
-          <a:solidFill>
-            <a:srgbClr val="E3E0B3"/>
-          </a:solidFill>
-          <a:ln>
-            <a:solidFill>
-              <a:schemeClr val="tx1">
-                <a:lumMod val="65000"/>
-                <a:lumOff val="35000"/>
-              </a:schemeClr>
-            </a:solidFill>
-          </a:ln>
-        </p:spPr>
-        <p:style>
-          <a:lnRef idx="2">
-            <a:schemeClr val="accent6"/>
-          </a:lnRef>
-          <a:fillRef idx="1">
-            <a:schemeClr val="lt1"/>
-          </a:fillRef>
-          <a:effectRef idx="0">
-            <a:schemeClr val="accent6"/>
-          </a:effectRef>
-          <a:fontRef idx="minor">
-            <a:schemeClr val="dk1"/>
-          </a:fontRef>
-        </p:style>
-        <p:txBody>
-          <a:bodyPr rtlCol="0" anchor="ctr"/>
-          <a:lstStyle/>
-          <a:p>
-            <a:pPr algn="ctr"/>
-            <a:r>
-              <a:rPr lang="en-US" dirty="0"/>
-              <a:t>profile</a:t>
-            </a:r>
-          </a:p>
-        </p:txBody>
-      </p:sp>
-      <p:sp>
-        <p:nvSpPr>
-          <p:cNvPr id="124" name="Rectangle 123">
-            <a:extLst>
-              <a:ext uri="{FF2B5EF4-FFF2-40B4-BE49-F238E27FC236}">
-                <a16:creationId xmlns:a16="http://schemas.microsoft.com/office/drawing/2014/main" id="{63F7C3FF-13CF-DF89-5240-FB4F63C86826}"/>
-              </a:ext>
-            </a:extLst>
-          </p:cNvPr>
-          <p:cNvSpPr/>
-          <p:nvPr/>
-        </p:nvSpPr>
-        <p:spPr>
-          <a:xfrm>
-            <a:off x="876233" y="4901316"/>
-            <a:ext cx="2103120" cy="320682"/>
-          </a:xfrm>
-          <a:prstGeom prst="rect">
-            <a:avLst/>
-          </a:prstGeom>
-          <a:solidFill>
-            <a:srgbClr val="E3E0B3"/>
-          </a:solidFill>
-          <a:ln>
-            <a:solidFill>
-              <a:schemeClr val="tx1">
-                <a:lumMod val="65000"/>
-                <a:lumOff val="35000"/>
-              </a:schemeClr>
-            </a:solidFill>
-          </a:ln>
-        </p:spPr>
-        <p:style>
-          <a:lnRef idx="2">
-            <a:schemeClr val="accent6"/>
-          </a:lnRef>
-          <a:fillRef idx="1">
-            <a:schemeClr val="lt1"/>
-          </a:fillRef>
-          <a:effectRef idx="0">
-            <a:schemeClr val="accent6"/>
-          </a:effectRef>
-          <a:fontRef idx="minor">
-            <a:schemeClr val="dk1"/>
-          </a:fontRef>
-        </p:style>
-        <p:txBody>
-          <a:bodyPr rtlCol="0" anchor="ctr"/>
-          <a:lstStyle/>
-          <a:p>
-            <a:pPr algn="ctr"/>
-            <a:r>
-              <a:rPr lang="en-US" dirty="0"/>
-              <a:t>health</a:t>
-            </a:r>
-          </a:p>
-        </p:txBody>
-      </p:sp>
+          <a:lnRef idx="1">
+            <a:schemeClr val="accent1"/>
+          </a:lnRef>
+          <a:fillRef idx="0">
+            <a:schemeClr val="accent1"/>
+          </a:fillRef>
+          <a:effectRef idx="0">
+            <a:schemeClr val="accent1"/>
+          </a:effectRef>
+          <a:fontRef idx="minor">
+            <a:schemeClr val="tx1"/>
+          </a:fontRef>
+        </p:style>
+      </p:cxnSp>
     </p:spTree>
     <p:extLst>
       <p:ext uri="{BB962C8B-B14F-4D97-AF65-F5344CB8AC3E}">
@@ -12069,7 +10705,7 @@
             </a:r>
             <a:r>
               <a:rPr lang="en-US" sz="4000" dirty="0"/>
-              <a:t>® SLO</a:t>
+              <a:t>® - SLO</a:t>
             </a:r>
           </a:p>
         </p:txBody>
@@ -12090,8 +10726,8 @@
         </p:nvCxnSpPr>
         <p:spPr>
           <a:xfrm>
-            <a:off x="244149" y="117127"/>
-            <a:ext cx="0" cy="1324326"/>
+            <a:off x="7233970" y="2039020"/>
+            <a:ext cx="0" cy="550272"/>
           </a:xfrm>
           <a:prstGeom prst="line">
             <a:avLst/>
@@ -12119,22 +10755,23 @@
       </p:cxnSp>
       <p:cxnSp>
         <p:nvCxnSpPr>
-          <p:cNvPr id="14" name="Straight Connector 13">
-            <a:extLst>
-              <a:ext uri="{FF2B5EF4-FFF2-40B4-BE49-F238E27FC236}">
-                <a16:creationId xmlns:a16="http://schemas.microsoft.com/office/drawing/2014/main" id="{1ED8381A-7E0F-DB68-4A6A-94EADEF2604B}"/>
+          <p:cNvPr id="16" name="Straight Connector 15">
+            <a:extLst>
+              <a:ext uri="{FF2B5EF4-FFF2-40B4-BE49-F238E27FC236}">
+                <a16:creationId xmlns:a16="http://schemas.microsoft.com/office/drawing/2014/main" id="{183ABB7A-C2D9-FD13-C555-77F314ABE71F}"/>
               </a:ext>
             </a:extLst>
           </p:cNvPr>
           <p:cNvCxnSpPr>
             <a:cxnSpLocks/>
+            <a:stCxn id="90" idx="1"/>
           </p:cNvCxnSpPr>
           <p:nvPr/>
         </p:nvCxnSpPr>
         <p:spPr>
-          <a:xfrm flipV="1">
-            <a:off x="7562851" y="285875"/>
-            <a:ext cx="312336" cy="6641"/>
+          <a:xfrm flipH="1">
+            <a:off x="785766" y="2217466"/>
+            <a:ext cx="140103" cy="13799"/>
           </a:xfrm>
           <a:prstGeom prst="line">
             <a:avLst/>
@@ -12165,10 +10802,10 @@
       </p:cxnSp>
       <p:cxnSp>
         <p:nvCxnSpPr>
-          <p:cNvPr id="16" name="Straight Connector 15">
-            <a:extLst>
-              <a:ext uri="{FF2B5EF4-FFF2-40B4-BE49-F238E27FC236}">
-                <a16:creationId xmlns:a16="http://schemas.microsoft.com/office/drawing/2014/main" id="{183ABB7A-C2D9-FD13-C555-77F314ABE71F}"/>
+          <p:cNvPr id="6" name="Straight Connector 5">
+            <a:extLst>
+              <a:ext uri="{FF2B5EF4-FFF2-40B4-BE49-F238E27FC236}">
+                <a16:creationId xmlns:a16="http://schemas.microsoft.com/office/drawing/2014/main" id="{DE715582-3D97-1642-7664-4800FE15AA3E}"/>
               </a:ext>
             </a:extLst>
           </p:cNvPr>
@@ -12178,9 +10815,96 @@
           <p:nvPr/>
         </p:nvCxnSpPr>
         <p:spPr>
+          <a:xfrm>
+            <a:off x="3914204" y="1521389"/>
+            <a:ext cx="0" cy="339693"/>
+          </a:xfrm>
+          <a:prstGeom prst="line">
+            <a:avLst/>
+          </a:prstGeom>
+          <a:ln w="25400">
+            <a:solidFill>
+              <a:schemeClr val="tx1"/>
+            </a:solidFill>
+          </a:ln>
+        </p:spPr>
+        <p:style>
+          <a:lnRef idx="1">
+            <a:schemeClr val="accent1"/>
+          </a:lnRef>
+          <a:fillRef idx="0">
+            <a:schemeClr val="accent1"/>
+          </a:fillRef>
+          <a:effectRef idx="0">
+            <a:schemeClr val="accent1"/>
+          </a:effectRef>
+          <a:fontRef idx="minor">
+            <a:schemeClr val="tx1"/>
+          </a:fontRef>
+        </p:style>
+      </p:cxnSp>
+      <p:cxnSp>
+        <p:nvCxnSpPr>
+          <p:cNvPr id="11" name="Straight Connector 10">
+            <a:extLst>
+              <a:ext uri="{FF2B5EF4-FFF2-40B4-BE49-F238E27FC236}">
+                <a16:creationId xmlns:a16="http://schemas.microsoft.com/office/drawing/2014/main" id="{6C0B77C3-E4B2-749F-630A-76CEE4E64B40}"/>
+              </a:ext>
+            </a:extLst>
+          </p:cNvPr>
+          <p:cNvCxnSpPr>
+            <a:cxnSpLocks/>
+          </p:cNvCxnSpPr>
+          <p:nvPr/>
+        </p:nvCxnSpPr>
+        <p:spPr>
+          <a:xfrm>
+            <a:off x="785766" y="1942536"/>
+            <a:ext cx="0" cy="636843"/>
+          </a:xfrm>
+          <a:prstGeom prst="line">
+            <a:avLst/>
+          </a:prstGeom>
+          <a:ln w="25400">
+            <a:solidFill>
+              <a:schemeClr val="tx1"/>
+            </a:solidFill>
+          </a:ln>
+        </p:spPr>
+        <p:style>
+          <a:lnRef idx="1">
+            <a:schemeClr val="accent1"/>
+          </a:lnRef>
+          <a:fillRef idx="0">
+            <a:schemeClr val="accent1"/>
+          </a:fillRef>
+          <a:effectRef idx="0">
+            <a:schemeClr val="accent1"/>
+          </a:effectRef>
+          <a:fontRef idx="minor">
+            <a:schemeClr val="tx1"/>
+          </a:fontRef>
+        </p:style>
+      </p:cxnSp>
+      <p:cxnSp>
+        <p:nvCxnSpPr>
+          <p:cNvPr id="18" name="Straight Connector 17">
+            <a:extLst>
+              <a:ext uri="{FF2B5EF4-FFF2-40B4-BE49-F238E27FC236}">
+                <a16:creationId xmlns:a16="http://schemas.microsoft.com/office/drawing/2014/main" id="{8DDC5529-C449-2A12-1E59-9109FB4194F7}"/>
+              </a:ext>
+            </a:extLst>
+          </p:cNvPr>
+          <p:cNvCxnSpPr>
+            <a:cxnSpLocks/>
+            <a:stCxn id="82" idx="1"/>
+          </p:cNvCxnSpPr>
+          <p:nvPr/>
+        </p:nvCxnSpPr>
+        <p:spPr>
           <a:xfrm flipH="1" flipV="1">
-            <a:off x="8354419" y="312612"/>
-            <a:ext cx="646593" cy="1"/>
+            <a:off x="7233970" y="2573913"/>
+            <a:ext cx="140720" cy="35687"/>
           </a:xfrm>
           <a:prstGeom prst="line">
             <a:avLst/>
@@ -12209,29 +10933,29 @@
           </a:fontRef>
         </p:style>
       </p:cxnSp>
-      <p:sp>
-        <p:nvSpPr>
-          <p:cNvPr id="32" name="Rectangle 31">
-            <a:extLst>
-              <a:ext uri="{FF2B5EF4-FFF2-40B4-BE49-F238E27FC236}">
-                <a16:creationId xmlns:a16="http://schemas.microsoft.com/office/drawing/2014/main" id="{2886F777-DF05-BE71-1732-20C13F4572BF}"/>
-              </a:ext>
-            </a:extLst>
-          </p:cNvPr>
-          <p:cNvSpPr/>
-          <p:nvPr/>
-        </p:nvSpPr>
-        <p:spPr>
-          <a:xfrm>
-            <a:off x="7562851" y="3887120"/>
-            <a:ext cx="2158628" cy="344880"/>
-          </a:xfrm>
-          <a:prstGeom prst="rect">
-            <a:avLst/>
-          </a:prstGeom>
-          <a:solidFill>
-            <a:schemeClr val="bg1"/>
-          </a:solidFill>
+      <p:cxnSp>
+        <p:nvCxnSpPr>
+          <p:cNvPr id="19" name="Straight Connector 18">
+            <a:extLst>
+              <a:ext uri="{FF2B5EF4-FFF2-40B4-BE49-F238E27FC236}">
+                <a16:creationId xmlns:a16="http://schemas.microsoft.com/office/drawing/2014/main" id="{1ABF20FA-3B35-CE63-D9DB-9E97C2516BD9}"/>
+              </a:ext>
+            </a:extLst>
+          </p:cNvPr>
+          <p:cNvCxnSpPr>
+            <a:cxnSpLocks/>
+            <a:stCxn id="81" idx="1"/>
+          </p:cNvCxnSpPr>
+          <p:nvPr/>
+        </p:nvCxnSpPr>
+        <p:spPr>
+          <a:xfrm flipH="1">
+            <a:off x="7233969" y="2254394"/>
+            <a:ext cx="136808" cy="16927"/>
+          </a:xfrm>
+          <a:prstGeom prst="line">
+            <a:avLst/>
+          </a:prstGeom>
           <a:ln w="25400">
             <a:solidFill>
               <a:schemeClr val="tx1">
@@ -12242,41 +10966,26 @@
           </a:ln>
         </p:spPr>
         <p:style>
-          <a:lnRef idx="2">
-            <a:schemeClr val="accent6"/>
-          </a:lnRef>
-          <a:fillRef idx="1">
-            <a:schemeClr val="lt1"/>
-          </a:fillRef>
-          <a:effectRef idx="0">
-            <a:schemeClr val="accent6"/>
-          </a:effectRef>
-          <a:fontRef idx="minor">
-            <a:schemeClr val="dk1"/>
-          </a:fontRef>
-        </p:style>
-        <p:txBody>
-          <a:bodyPr rtlCol="0" anchor="ctr"/>
-          <a:lstStyle/>
-          <a:p>
-            <a:pPr algn="ctr"/>
-            <a:r>
-              <a:rPr lang="en-US" b="1" dirty="0" err="1"/>
-              <a:t>slo</a:t>
-            </a:r>
-            <a:r>
-              <a:rPr lang="en-US" b="1" dirty="0"/>
-              <a:t>-exchange</a:t>
-            </a:r>
-          </a:p>
-        </p:txBody>
-      </p:sp>
-      <p:sp>
-        <p:nvSpPr>
-          <p:cNvPr id="33" name="Rectangle 32">
-            <a:extLst>
-              <a:ext uri="{FF2B5EF4-FFF2-40B4-BE49-F238E27FC236}">
-                <a16:creationId xmlns:a16="http://schemas.microsoft.com/office/drawing/2014/main" id="{6220BF0B-BD06-6DF9-02B0-8E6749A2EDC7}"/>
+          <a:lnRef idx="1">
+            <a:schemeClr val="accent1"/>
+          </a:lnRef>
+          <a:fillRef idx="0">
+            <a:schemeClr val="accent1"/>
+          </a:fillRef>
+          <a:effectRef idx="0">
+            <a:schemeClr val="accent1"/>
+          </a:effectRef>
+          <a:fontRef idx="minor">
+            <a:schemeClr val="tx1"/>
+          </a:fontRef>
+        </p:style>
+      </p:cxnSp>
+      <p:sp>
+        <p:nvSpPr>
+          <p:cNvPr id="29" name="Rectangle 28">
+            <a:extLst>
+              <a:ext uri="{FF2B5EF4-FFF2-40B4-BE49-F238E27FC236}">
+                <a16:creationId xmlns:a16="http://schemas.microsoft.com/office/drawing/2014/main" id="{99391E7D-8EC4-47F8-C7AC-BF566354D267}"/>
               </a:ext>
             </a:extLst>
           </p:cNvPr>
@@ -12285,486 +10994,7 @@
         </p:nvSpPr>
         <p:spPr>
           <a:xfrm>
-            <a:off x="5106632" y="3818152"/>
-            <a:ext cx="2184354" cy="344880"/>
-          </a:xfrm>
-          <a:prstGeom prst="rect">
-            <a:avLst/>
-          </a:prstGeom>
-          <a:solidFill>
-            <a:schemeClr val="bg1"/>
-          </a:solidFill>
-          <a:ln w="25400">
-            <a:solidFill>
-              <a:schemeClr val="tx1">
-                <a:lumMod val="50000"/>
-                <a:lumOff val="50000"/>
-              </a:schemeClr>
-            </a:solidFill>
-          </a:ln>
-        </p:spPr>
-        <p:style>
-          <a:lnRef idx="2">
-            <a:schemeClr val="accent6"/>
-          </a:lnRef>
-          <a:fillRef idx="1">
-            <a:schemeClr val="lt1"/>
-          </a:fillRef>
-          <a:effectRef idx="0">
-            <a:schemeClr val="accent6"/>
-          </a:effectRef>
-          <a:fontRef idx="minor">
-            <a:schemeClr val="dk1"/>
-          </a:fontRef>
-        </p:style>
-        <p:txBody>
-          <a:bodyPr rtlCol="0" anchor="ctr"/>
-          <a:lstStyle/>
-          <a:p>
-            <a:pPr algn="ctr"/>
-            <a:r>
-              <a:rPr lang="en-US" b="1" dirty="0"/>
-              <a:t>timeseries-exchange</a:t>
-            </a:r>
-          </a:p>
-        </p:txBody>
-      </p:sp>
-      <p:sp>
-        <p:nvSpPr>
-          <p:cNvPr id="34" name="Rectangle 33">
-            <a:extLst>
-              <a:ext uri="{FF2B5EF4-FFF2-40B4-BE49-F238E27FC236}">
-                <a16:creationId xmlns:a16="http://schemas.microsoft.com/office/drawing/2014/main" id="{24FF6FA8-F549-7342-38DC-36B9AE6830F7}"/>
-              </a:ext>
-            </a:extLst>
-          </p:cNvPr>
-          <p:cNvSpPr/>
-          <p:nvPr/>
-        </p:nvSpPr>
-        <p:spPr>
-          <a:xfrm>
-            <a:off x="5106632" y="3368869"/>
-            <a:ext cx="2184354" cy="344880"/>
-          </a:xfrm>
-          <a:prstGeom prst="rect">
-            <a:avLst/>
-          </a:prstGeom>
-          <a:solidFill>
-            <a:schemeClr val="bg1"/>
-          </a:solidFill>
-          <a:ln w="25400">
-            <a:solidFill>
-              <a:schemeClr val="tx1">
-                <a:lumMod val="50000"/>
-                <a:lumOff val="50000"/>
-              </a:schemeClr>
-            </a:solidFill>
-          </a:ln>
-        </p:spPr>
-        <p:style>
-          <a:lnRef idx="2">
-            <a:schemeClr val="accent6"/>
-          </a:lnRef>
-          <a:fillRef idx="1">
-            <a:schemeClr val="lt1"/>
-          </a:fillRef>
-          <a:effectRef idx="0">
-            <a:schemeClr val="accent6"/>
-          </a:effectRef>
-          <a:fontRef idx="minor">
-            <a:schemeClr val="dk1"/>
-          </a:fontRef>
-        </p:style>
-        <p:txBody>
-          <a:bodyPr rtlCol="0" anchor="ctr"/>
-          <a:lstStyle/>
-          <a:p>
-            <a:pPr algn="ctr"/>
-            <a:r>
-              <a:rPr lang="en-US" b="1" dirty="0"/>
-              <a:t>timeseries-data</a:t>
-            </a:r>
-          </a:p>
-        </p:txBody>
-      </p:sp>
-      <p:sp>
-        <p:nvSpPr>
-          <p:cNvPr id="35" name="Rectangle 34">
-            <a:extLst>
-              <a:ext uri="{FF2B5EF4-FFF2-40B4-BE49-F238E27FC236}">
-                <a16:creationId xmlns:a16="http://schemas.microsoft.com/office/drawing/2014/main" id="{E03BEE1A-F21C-E8CF-69AC-041F8705640D}"/>
-              </a:ext>
-            </a:extLst>
-          </p:cNvPr>
-          <p:cNvSpPr/>
-          <p:nvPr/>
-        </p:nvSpPr>
-        <p:spPr>
-          <a:xfrm>
-            <a:off x="7562851" y="3368856"/>
-            <a:ext cx="1886101" cy="344880"/>
-          </a:xfrm>
-          <a:prstGeom prst="rect">
-            <a:avLst/>
-          </a:prstGeom>
-          <a:solidFill>
-            <a:schemeClr val="bg1"/>
-          </a:solidFill>
-          <a:ln w="25400">
-            <a:solidFill>
-              <a:schemeClr val="tx1">
-                <a:lumMod val="50000"/>
-                <a:lumOff val="50000"/>
-              </a:schemeClr>
-            </a:solidFill>
-          </a:ln>
-        </p:spPr>
-        <p:style>
-          <a:lnRef idx="2">
-            <a:schemeClr val="accent6"/>
-          </a:lnRef>
-          <a:fillRef idx="1">
-            <a:schemeClr val="lt1"/>
-          </a:fillRef>
-          <a:effectRef idx="0">
-            <a:schemeClr val="accent6"/>
-          </a:effectRef>
-          <a:fontRef idx="minor">
-            <a:schemeClr val="dk1"/>
-          </a:fontRef>
-        </p:style>
-        <p:txBody>
-          <a:bodyPr rtlCol="0" anchor="ctr"/>
-          <a:lstStyle/>
-          <a:p>
-            <a:pPr algn="ctr"/>
-            <a:r>
-              <a:rPr lang="en-US" b="1" dirty="0" err="1"/>
-              <a:t>slo</a:t>
-            </a:r>
-            <a:r>
-              <a:rPr lang="en-US" b="1" dirty="0"/>
-              <a:t>-data</a:t>
-            </a:r>
-          </a:p>
-        </p:txBody>
-      </p:sp>
-      <p:sp>
-        <p:nvSpPr>
-          <p:cNvPr id="39" name="Rectangle 38">
-            <a:extLst>
-              <a:ext uri="{FF2B5EF4-FFF2-40B4-BE49-F238E27FC236}">
-                <a16:creationId xmlns:a16="http://schemas.microsoft.com/office/drawing/2014/main" id="{C6241EB3-BB1F-EE3E-3159-85AC98A929FD}"/>
-              </a:ext>
-            </a:extLst>
-          </p:cNvPr>
-          <p:cNvSpPr/>
-          <p:nvPr/>
-        </p:nvSpPr>
-        <p:spPr>
-          <a:xfrm>
-            <a:off x="9949334" y="4311436"/>
-            <a:ext cx="2158629" cy="344880"/>
-          </a:xfrm>
-          <a:prstGeom prst="rect">
-            <a:avLst/>
-          </a:prstGeom>
-          <a:solidFill>
-            <a:schemeClr val="bg1"/>
-          </a:solidFill>
-          <a:ln w="25400">
-            <a:solidFill>
-              <a:schemeClr val="tx1">
-                <a:lumMod val="50000"/>
-                <a:lumOff val="50000"/>
-              </a:schemeClr>
-            </a:solidFill>
-          </a:ln>
-        </p:spPr>
-        <p:style>
-          <a:lnRef idx="2">
-            <a:schemeClr val="accent6"/>
-          </a:lnRef>
-          <a:fillRef idx="1">
-            <a:schemeClr val="lt1"/>
-          </a:fillRef>
-          <a:effectRef idx="0">
-            <a:schemeClr val="accent6"/>
-          </a:effectRef>
-          <a:fontRef idx="minor">
-            <a:schemeClr val="dk1"/>
-          </a:fontRef>
-        </p:style>
-        <p:txBody>
-          <a:bodyPr rtlCol="0" anchor="ctr"/>
-          <a:lstStyle/>
-          <a:p>
-            <a:pPr algn="ctr"/>
-            <a:r>
-              <a:rPr lang="en-US" b="1" dirty="0"/>
-              <a:t>customer-</a:t>
-            </a:r>
-            <a:r>
-              <a:rPr lang="en-US" b="1" dirty="0" err="1"/>
-              <a:t>cdc</a:t>
-            </a:r>
-            <a:endParaRPr lang="en-US" b="1" dirty="0"/>
-          </a:p>
-        </p:txBody>
-      </p:sp>
-      <p:sp>
-        <p:nvSpPr>
-          <p:cNvPr id="40" name="Rectangle 39">
-            <a:extLst>
-              <a:ext uri="{FF2B5EF4-FFF2-40B4-BE49-F238E27FC236}">
-                <a16:creationId xmlns:a16="http://schemas.microsoft.com/office/drawing/2014/main" id="{E2BD4303-92C3-BF26-2024-18A673F3C568}"/>
-              </a:ext>
-            </a:extLst>
-          </p:cNvPr>
-          <p:cNvSpPr/>
-          <p:nvPr/>
-        </p:nvSpPr>
-        <p:spPr>
-          <a:xfrm>
-            <a:off x="9949334" y="3314255"/>
-            <a:ext cx="2158629" cy="410453"/>
-          </a:xfrm>
-          <a:prstGeom prst="rect">
-            <a:avLst/>
-          </a:prstGeom>
-          <a:solidFill>
-            <a:schemeClr val="bg1"/>
-          </a:solidFill>
-          <a:ln w="25400">
-            <a:solidFill>
-              <a:schemeClr val="tx1">
-                <a:lumMod val="50000"/>
-                <a:lumOff val="50000"/>
-              </a:schemeClr>
-            </a:solidFill>
-          </a:ln>
-        </p:spPr>
-        <p:style>
-          <a:lnRef idx="2">
-            <a:schemeClr val="accent6"/>
-          </a:lnRef>
-          <a:fillRef idx="1">
-            <a:schemeClr val="lt1"/>
-          </a:fillRef>
-          <a:effectRef idx="0">
-            <a:schemeClr val="accent6"/>
-          </a:effectRef>
-          <a:fontRef idx="minor">
-            <a:schemeClr val="dk1"/>
-          </a:fontRef>
-        </p:style>
-        <p:txBody>
-          <a:bodyPr rtlCol="0" anchor="ctr"/>
-          <a:lstStyle/>
-          <a:p>
-            <a:pPr algn="ctr"/>
-            <a:r>
-              <a:rPr lang="en-US" b="1" dirty="0"/>
-              <a:t>customer-data</a:t>
-            </a:r>
-          </a:p>
-        </p:txBody>
-      </p:sp>
-      <p:sp>
-        <p:nvSpPr>
-          <p:cNvPr id="44" name="Rectangle 43">
-            <a:extLst>
-              <a:ext uri="{FF2B5EF4-FFF2-40B4-BE49-F238E27FC236}">
-                <a16:creationId xmlns:a16="http://schemas.microsoft.com/office/drawing/2014/main" id="{334E8541-C10F-89FA-96FA-614BB2879E1F}"/>
-              </a:ext>
-            </a:extLst>
-          </p:cNvPr>
-          <p:cNvSpPr/>
-          <p:nvPr/>
-        </p:nvSpPr>
-        <p:spPr>
-          <a:xfrm>
-            <a:off x="5150642" y="4325503"/>
-            <a:ext cx="2184354" cy="344880"/>
-          </a:xfrm>
-          <a:prstGeom prst="rect">
-            <a:avLst/>
-          </a:prstGeom>
-          <a:solidFill>
-            <a:schemeClr val="bg1"/>
-          </a:solidFill>
-          <a:ln w="25400">
-            <a:solidFill>
-              <a:schemeClr val="tx1">
-                <a:lumMod val="50000"/>
-                <a:lumOff val="50000"/>
-              </a:schemeClr>
-            </a:solidFill>
-          </a:ln>
-        </p:spPr>
-        <p:style>
-          <a:lnRef idx="2">
-            <a:schemeClr val="accent6"/>
-          </a:lnRef>
-          <a:fillRef idx="1">
-            <a:schemeClr val="lt1"/>
-          </a:fillRef>
-          <a:effectRef idx="0">
-            <a:schemeClr val="accent6"/>
-          </a:effectRef>
-          <a:fontRef idx="minor">
-            <a:schemeClr val="dk1"/>
-          </a:fontRef>
-        </p:style>
-        <p:txBody>
-          <a:bodyPr rtlCol="0" anchor="ctr"/>
-          <a:lstStyle/>
-          <a:p>
-            <a:pPr algn="ctr"/>
-            <a:r>
-              <a:rPr lang="en-US" b="1" dirty="0"/>
-              <a:t>timeseries-</a:t>
-            </a:r>
-            <a:r>
-              <a:rPr lang="en-US" b="1" dirty="0" err="1"/>
-              <a:t>cdc</a:t>
-            </a:r>
-            <a:endParaRPr lang="en-US" b="1" dirty="0"/>
-          </a:p>
-        </p:txBody>
-      </p:sp>
-      <p:sp>
-        <p:nvSpPr>
-          <p:cNvPr id="45" name="Rectangle 44">
-            <a:extLst>
-              <a:ext uri="{FF2B5EF4-FFF2-40B4-BE49-F238E27FC236}">
-                <a16:creationId xmlns:a16="http://schemas.microsoft.com/office/drawing/2014/main" id="{C245E4A0-B3AF-56E8-FDDF-1E81D4D1353B}"/>
-              </a:ext>
-            </a:extLst>
-          </p:cNvPr>
-          <p:cNvSpPr/>
-          <p:nvPr/>
-        </p:nvSpPr>
-        <p:spPr>
-          <a:xfrm>
-            <a:off x="7562851" y="4325503"/>
-            <a:ext cx="2158628" cy="344880"/>
-          </a:xfrm>
-          <a:prstGeom prst="rect">
-            <a:avLst/>
-          </a:prstGeom>
-          <a:solidFill>
-            <a:schemeClr val="bg1"/>
-          </a:solidFill>
-          <a:ln w="25400">
-            <a:solidFill>
-              <a:schemeClr val="tx1">
-                <a:lumMod val="50000"/>
-                <a:lumOff val="50000"/>
-              </a:schemeClr>
-            </a:solidFill>
-          </a:ln>
-        </p:spPr>
-        <p:style>
-          <a:lnRef idx="2">
-            <a:schemeClr val="accent6"/>
-          </a:lnRef>
-          <a:fillRef idx="1">
-            <a:schemeClr val="lt1"/>
-          </a:fillRef>
-          <a:effectRef idx="0">
-            <a:schemeClr val="accent6"/>
-          </a:effectRef>
-          <a:fontRef idx="minor">
-            <a:schemeClr val="dk1"/>
-          </a:fontRef>
-        </p:style>
-        <p:txBody>
-          <a:bodyPr rtlCol="0" anchor="ctr"/>
-          <a:lstStyle/>
-          <a:p>
-            <a:pPr algn="ctr"/>
-            <a:r>
-              <a:rPr lang="en-US" b="1" dirty="0" err="1"/>
-              <a:t>slo-cdc</a:t>
-            </a:r>
-            <a:endParaRPr lang="en-US" b="1" dirty="0"/>
-          </a:p>
-        </p:txBody>
-      </p:sp>
-      <p:sp>
-        <p:nvSpPr>
-          <p:cNvPr id="46" name="Rectangle 45">
-            <a:extLst>
-              <a:ext uri="{FF2B5EF4-FFF2-40B4-BE49-F238E27FC236}">
-                <a16:creationId xmlns:a16="http://schemas.microsoft.com/office/drawing/2014/main" id="{B5356A2D-0496-B2C5-B161-E11A80D9E4CD}"/>
-              </a:ext>
-            </a:extLst>
-          </p:cNvPr>
-          <p:cNvSpPr/>
-          <p:nvPr/>
-        </p:nvSpPr>
-        <p:spPr>
-          <a:xfrm>
-            <a:off x="9949333" y="3802886"/>
-            <a:ext cx="2158629" cy="410453"/>
-          </a:xfrm>
-          <a:prstGeom prst="rect">
-            <a:avLst/>
-          </a:prstGeom>
-          <a:solidFill>
-            <a:schemeClr val="bg1"/>
-          </a:solidFill>
-          <a:ln w="25400">
-            <a:solidFill>
-              <a:schemeClr val="tx1">
-                <a:lumMod val="50000"/>
-                <a:lumOff val="50000"/>
-              </a:schemeClr>
-            </a:solidFill>
-          </a:ln>
-        </p:spPr>
-        <p:style>
-          <a:lnRef idx="2">
-            <a:schemeClr val="accent6"/>
-          </a:lnRef>
-          <a:fillRef idx="1">
-            <a:schemeClr val="lt1"/>
-          </a:fillRef>
-          <a:effectRef idx="0">
-            <a:schemeClr val="accent6"/>
-          </a:effectRef>
-          <a:fontRef idx="minor">
-            <a:schemeClr val="dk1"/>
-          </a:fontRef>
-        </p:style>
-        <p:txBody>
-          <a:bodyPr rtlCol="0" anchor="ctr"/>
-          <a:lstStyle/>
-          <a:p>
-            <a:pPr algn="ctr"/>
-            <a:r>
-              <a:rPr lang="en-US" b="1" dirty="0"/>
-              <a:t>customer-exchange</a:t>
-            </a:r>
-          </a:p>
-        </p:txBody>
-      </p:sp>
-      <p:sp>
-        <p:nvSpPr>
-          <p:cNvPr id="3" name="Rectangle 2">
-            <a:extLst>
-              <a:ext uri="{FF2B5EF4-FFF2-40B4-BE49-F238E27FC236}">
-                <a16:creationId xmlns:a16="http://schemas.microsoft.com/office/drawing/2014/main" id="{CD4D9C27-7C83-FBCD-D988-B41F11D04499}"/>
-              </a:ext>
-            </a:extLst>
-          </p:cNvPr>
-          <p:cNvSpPr/>
-          <p:nvPr/>
-        </p:nvSpPr>
-        <p:spPr>
-          <a:xfrm>
-            <a:off x="4461202" y="1997428"/>
+            <a:off x="790032" y="1619336"/>
             <a:ext cx="2238957" cy="355876"/>
           </a:xfrm>
           <a:prstGeom prst="rect">
@@ -12821,16 +11051,2890 @@
           <a:p>
             <a:pPr algn="ctr"/>
             <a:r>
+              <a:rPr lang="en-US" b="1" dirty="0" err="1"/>
+              <a:t>slo</a:t>
+            </a:r>
+            <a:r>
               <a:rPr lang="en-US" b="1" dirty="0"/>
-              <a:t>entity-resources</a:t>
-            </a:r>
-          </a:p>
-        </p:txBody>
-      </p:sp>
+              <a:t>-resources</a:t>
+            </a:r>
+          </a:p>
+        </p:txBody>
+      </p:sp>
+      <p:sp>
+        <p:nvSpPr>
+          <p:cNvPr id="38" name="Rectangle 37">
+            <a:extLst>
+              <a:ext uri="{FF2B5EF4-FFF2-40B4-BE49-F238E27FC236}">
+                <a16:creationId xmlns:a16="http://schemas.microsoft.com/office/drawing/2014/main" id="{C672EB50-3AEB-764B-289F-790F84F7862E}"/>
+              </a:ext>
+            </a:extLst>
+          </p:cNvPr>
+          <p:cNvSpPr/>
+          <p:nvPr/>
+        </p:nvSpPr>
+        <p:spPr>
+          <a:xfrm>
+            <a:off x="3914204" y="1198276"/>
+            <a:ext cx="2238957" cy="355876"/>
+          </a:xfrm>
+          <a:prstGeom prst="rect">
+            <a:avLst/>
+          </a:prstGeom>
+          <a:solidFill>
+            <a:schemeClr val="bg1"/>
+          </a:solidFill>
+          <a:ln w="25400">
+            <a:gradFill flip="none" rotWithShape="1">
+              <a:gsLst>
+                <a:gs pos="0">
+                  <a:schemeClr val="accent5">
+                    <a:lumMod val="40000"/>
+                    <a:lumOff val="60000"/>
+                  </a:schemeClr>
+                </a:gs>
+                <a:gs pos="46000">
+                  <a:schemeClr val="accent5">
+                    <a:lumMod val="95000"/>
+                    <a:lumOff val="5000"/>
+                  </a:schemeClr>
+                </a:gs>
+                <a:gs pos="100000">
+                  <a:schemeClr val="accent5">
+                    <a:lumMod val="60000"/>
+                  </a:schemeClr>
+                </a:gs>
+              </a:gsLst>
+              <a:path path="circle">
+                <a:fillToRect l="50000" t="130000" r="50000" b="-30000"/>
+              </a:path>
+              <a:tileRect/>
+            </a:gradFill>
+          </a:ln>
+        </p:spPr>
+        <p:style>
+          <a:lnRef idx="2">
+            <a:schemeClr val="accent6"/>
+          </a:lnRef>
+          <a:fillRef idx="1">
+            <a:schemeClr val="lt1"/>
+          </a:fillRef>
+          <a:effectRef idx="0">
+            <a:schemeClr val="accent6"/>
+          </a:effectRef>
+          <a:fontRef idx="minor">
+            <a:schemeClr val="dk1"/>
+          </a:fontRef>
+        </p:style>
+        <p:txBody>
+          <a:bodyPr rtlCol="0" anchor="ctr"/>
+          <a:lstStyle/>
+          <a:p>
+            <a:pPr algn="ctr"/>
+            <a:r>
+              <a:rPr lang="en-US" b="1" dirty="0" err="1"/>
+              <a:t>slo</a:t>
+            </a:r>
+            <a:r>
+              <a:rPr lang="en-US" b="1" dirty="0"/>
+              <a:t>-types</a:t>
+            </a:r>
+          </a:p>
+        </p:txBody>
+      </p:sp>
+      <p:sp>
+        <p:nvSpPr>
+          <p:cNvPr id="41" name="Rectangle 40">
+            <a:extLst>
+              <a:ext uri="{FF2B5EF4-FFF2-40B4-BE49-F238E27FC236}">
+                <a16:creationId xmlns:a16="http://schemas.microsoft.com/office/drawing/2014/main" id="{0CA1EFD5-6457-4751-8D73-23F3CAB46AB4}"/>
+              </a:ext>
+            </a:extLst>
+          </p:cNvPr>
+          <p:cNvSpPr/>
+          <p:nvPr/>
+        </p:nvSpPr>
+        <p:spPr>
+          <a:xfrm>
+            <a:off x="7234940" y="1683144"/>
+            <a:ext cx="2238957" cy="355876"/>
+          </a:xfrm>
+          <a:prstGeom prst="rect">
+            <a:avLst/>
+          </a:prstGeom>
+          <a:solidFill>
+            <a:schemeClr val="bg1"/>
+          </a:solidFill>
+          <a:ln w="25400">
+            <a:gradFill flip="none" rotWithShape="1">
+              <a:gsLst>
+                <a:gs pos="0">
+                  <a:schemeClr val="accent5">
+                    <a:lumMod val="40000"/>
+                    <a:lumOff val="60000"/>
+                  </a:schemeClr>
+                </a:gs>
+                <a:gs pos="46000">
+                  <a:schemeClr val="accent5">
+                    <a:lumMod val="95000"/>
+                    <a:lumOff val="5000"/>
+                  </a:schemeClr>
+                </a:gs>
+                <a:gs pos="100000">
+                  <a:schemeClr val="accent5">
+                    <a:lumMod val="60000"/>
+                  </a:schemeClr>
+                </a:gs>
+              </a:gsLst>
+              <a:path path="circle">
+                <a:fillToRect l="50000" t="130000" r="50000" b="-30000"/>
+              </a:path>
+              <a:tileRect/>
+            </a:gradFill>
+          </a:ln>
+        </p:spPr>
+        <p:style>
+          <a:lnRef idx="2">
+            <a:schemeClr val="accent6"/>
+          </a:lnRef>
+          <a:fillRef idx="1">
+            <a:schemeClr val="lt1"/>
+          </a:fillRef>
+          <a:effectRef idx="0">
+            <a:schemeClr val="accent6"/>
+          </a:effectRef>
+          <a:fontRef idx="minor">
+            <a:schemeClr val="dk1"/>
+          </a:fontRef>
+        </p:style>
+        <p:txBody>
+          <a:bodyPr rtlCol="0" anchor="ctr"/>
+          <a:lstStyle/>
+          <a:p>
+            <a:pPr algn="ctr"/>
+            <a:r>
+              <a:rPr lang="en-US" b="1" dirty="0" err="1"/>
+              <a:t>slo</a:t>
+            </a:r>
+            <a:r>
+              <a:rPr lang="en-US" b="1" dirty="0"/>
+              <a:t>-host</a:t>
+            </a:r>
+          </a:p>
+        </p:txBody>
+      </p:sp>
+      <p:cxnSp>
+        <p:nvCxnSpPr>
+          <p:cNvPr id="49" name="Straight Arrow Connector 48">
+            <a:extLst>
+              <a:ext uri="{FF2B5EF4-FFF2-40B4-BE49-F238E27FC236}">
+                <a16:creationId xmlns:a16="http://schemas.microsoft.com/office/drawing/2014/main" id="{548509D2-B33C-C516-D175-1E88D08442F8}"/>
+              </a:ext>
+            </a:extLst>
+          </p:cNvPr>
+          <p:cNvCxnSpPr>
+            <a:stCxn id="41" idx="1"/>
+            <a:endCxn id="38" idx="3"/>
+          </p:cNvCxnSpPr>
+          <p:nvPr/>
+        </p:nvCxnSpPr>
+        <p:spPr>
+          <a:xfrm flipH="1" flipV="1">
+            <a:off x="6153161" y="1376214"/>
+            <a:ext cx="1081779" cy="484868"/>
+          </a:xfrm>
+          <a:prstGeom prst="straightConnector1">
+            <a:avLst/>
+          </a:prstGeom>
+          <a:ln w="25400">
+            <a:tailEnd type="triangle" w="lg" len="med"/>
+          </a:ln>
+        </p:spPr>
+        <p:style>
+          <a:lnRef idx="1">
+            <a:schemeClr val="accent1"/>
+          </a:lnRef>
+          <a:fillRef idx="0">
+            <a:schemeClr val="accent1"/>
+          </a:fillRef>
+          <a:effectRef idx="0">
+            <a:schemeClr val="accent1"/>
+          </a:effectRef>
+          <a:fontRef idx="minor">
+            <a:schemeClr val="tx1"/>
+          </a:fontRef>
+        </p:style>
+      </p:cxnSp>
+      <p:cxnSp>
+        <p:nvCxnSpPr>
+          <p:cNvPr id="51" name="Straight Arrow Connector 50">
+            <a:extLst>
+              <a:ext uri="{FF2B5EF4-FFF2-40B4-BE49-F238E27FC236}">
+                <a16:creationId xmlns:a16="http://schemas.microsoft.com/office/drawing/2014/main" id="{2F565333-C454-D13F-6A36-E1E0D813AEB6}"/>
+              </a:ext>
+            </a:extLst>
+          </p:cNvPr>
+          <p:cNvCxnSpPr>
+            <a:cxnSpLocks/>
+            <a:stCxn id="41" idx="3"/>
+            <a:endCxn id="52" idx="1"/>
+          </p:cNvCxnSpPr>
+          <p:nvPr/>
+        </p:nvCxnSpPr>
+        <p:spPr>
+          <a:xfrm flipV="1">
+            <a:off x="9473897" y="1849222"/>
+            <a:ext cx="263884" cy="11860"/>
+          </a:xfrm>
+          <a:prstGeom prst="straightConnector1">
+            <a:avLst/>
+          </a:prstGeom>
+          <a:ln w="25400">
+            <a:tailEnd type="triangle" w="lg" len="med"/>
+          </a:ln>
+        </p:spPr>
+        <p:style>
+          <a:lnRef idx="1">
+            <a:schemeClr val="accent1"/>
+          </a:lnRef>
+          <a:fillRef idx="0">
+            <a:schemeClr val="accent1"/>
+          </a:fillRef>
+          <a:effectRef idx="0">
+            <a:schemeClr val="accent1"/>
+          </a:effectRef>
+          <a:fontRef idx="minor">
+            <a:schemeClr val="tx1"/>
+          </a:fontRef>
+        </p:style>
+      </p:cxnSp>
+      <p:sp>
+        <p:nvSpPr>
+          <p:cNvPr id="52" name="Rectangle 51">
+            <a:extLst>
+              <a:ext uri="{FF2B5EF4-FFF2-40B4-BE49-F238E27FC236}">
+                <a16:creationId xmlns:a16="http://schemas.microsoft.com/office/drawing/2014/main" id="{3A5ACD8D-73F4-BAC1-0474-BCB04010C4C0}"/>
+              </a:ext>
+            </a:extLst>
+          </p:cNvPr>
+          <p:cNvSpPr/>
+          <p:nvPr/>
+        </p:nvSpPr>
+        <p:spPr>
+          <a:xfrm>
+            <a:off x="9737781" y="1671284"/>
+            <a:ext cx="2238957" cy="355876"/>
+          </a:xfrm>
+          <a:prstGeom prst="rect">
+            <a:avLst/>
+          </a:prstGeom>
+          <a:solidFill>
+            <a:schemeClr val="bg1"/>
+          </a:solidFill>
+          <a:ln w="25400">
+            <a:gradFill flip="none" rotWithShape="1">
+              <a:gsLst>
+                <a:gs pos="0">
+                  <a:schemeClr val="accent5">
+                    <a:lumMod val="40000"/>
+                    <a:lumOff val="60000"/>
+                  </a:schemeClr>
+                </a:gs>
+                <a:gs pos="46000">
+                  <a:schemeClr val="accent5">
+                    <a:lumMod val="95000"/>
+                    <a:lumOff val="5000"/>
+                  </a:schemeClr>
+                </a:gs>
+                <a:gs pos="100000">
+                  <a:schemeClr val="accent5">
+                    <a:lumMod val="60000"/>
+                  </a:schemeClr>
+                </a:gs>
+              </a:gsLst>
+              <a:path path="circle">
+                <a:fillToRect l="50000" t="130000" r="50000" b="-30000"/>
+              </a:path>
+              <a:tileRect/>
+            </a:gradFill>
+            <a:prstDash val="sysDot"/>
+          </a:ln>
+        </p:spPr>
+        <p:style>
+          <a:lnRef idx="2">
+            <a:schemeClr val="accent6"/>
+          </a:lnRef>
+          <a:fillRef idx="1">
+            <a:schemeClr val="lt1"/>
+          </a:fillRef>
+          <a:effectRef idx="0">
+            <a:schemeClr val="accent6"/>
+          </a:effectRef>
+          <a:fontRef idx="minor">
+            <a:schemeClr val="dk1"/>
+          </a:fontRef>
+        </p:style>
+        <p:txBody>
+          <a:bodyPr rtlCol="0" anchor="ctr"/>
+          <a:lstStyle/>
+          <a:p>
+            <a:pPr algn="ctr"/>
+            <a:r>
+              <a:rPr lang="en-US" b="1" dirty="0" err="1"/>
+              <a:t>awsrds</a:t>
+            </a:r>
+            <a:r>
+              <a:rPr lang="en-US" b="1" dirty="0"/>
+              <a:t>-adapter</a:t>
+            </a:r>
+          </a:p>
+        </p:txBody>
+      </p:sp>
+      <p:sp>
+        <p:nvSpPr>
+          <p:cNvPr id="77" name="Rectangle 76">
+            <a:extLst>
+              <a:ext uri="{FF2B5EF4-FFF2-40B4-BE49-F238E27FC236}">
+                <a16:creationId xmlns:a16="http://schemas.microsoft.com/office/drawing/2014/main" id="{14014479-BBF8-81F3-838B-DB30B65393DC}"/>
+              </a:ext>
+            </a:extLst>
+          </p:cNvPr>
+          <p:cNvSpPr/>
+          <p:nvPr/>
+        </p:nvSpPr>
+        <p:spPr>
+          <a:xfrm>
+            <a:off x="4012342" y="1613130"/>
+            <a:ext cx="2103120" cy="320682"/>
+          </a:xfrm>
+          <a:prstGeom prst="rect">
+            <a:avLst/>
+          </a:prstGeom>
+          <a:solidFill>
+            <a:srgbClr val="E3E0B3"/>
+          </a:solidFill>
+          <a:ln>
+            <a:solidFill>
+              <a:schemeClr val="tx1">
+                <a:lumMod val="65000"/>
+                <a:lumOff val="35000"/>
+              </a:schemeClr>
+            </a:solidFill>
+          </a:ln>
+        </p:spPr>
+        <p:style>
+          <a:lnRef idx="2">
+            <a:schemeClr val="accent6"/>
+          </a:lnRef>
+          <a:fillRef idx="1">
+            <a:schemeClr val="lt1"/>
+          </a:fillRef>
+          <a:effectRef idx="0">
+            <a:schemeClr val="accent6"/>
+          </a:effectRef>
+          <a:fontRef idx="minor">
+            <a:schemeClr val="dk1"/>
+          </a:fontRef>
+        </p:style>
+        <p:txBody>
+          <a:bodyPr rtlCol="0" anchor="ctr"/>
+          <a:lstStyle/>
+          <a:p>
+            <a:pPr algn="ctr"/>
+            <a:r>
+              <a:rPr lang="en-US" dirty="0" err="1"/>
+              <a:t>slo</a:t>
+            </a:r>
+            <a:endParaRPr lang="en-US" dirty="0"/>
+          </a:p>
+        </p:txBody>
+      </p:sp>
+      <p:sp>
+        <p:nvSpPr>
+          <p:cNvPr id="81" name="Rectangle 80">
+            <a:extLst>
+              <a:ext uri="{FF2B5EF4-FFF2-40B4-BE49-F238E27FC236}">
+                <a16:creationId xmlns:a16="http://schemas.microsoft.com/office/drawing/2014/main" id="{4E6D7153-E3A6-6FFE-7497-5D339182FA0B}"/>
+              </a:ext>
+            </a:extLst>
+          </p:cNvPr>
+          <p:cNvSpPr/>
+          <p:nvPr/>
+        </p:nvSpPr>
+        <p:spPr>
+          <a:xfrm>
+            <a:off x="7370777" y="2094053"/>
+            <a:ext cx="2103120" cy="320682"/>
+          </a:xfrm>
+          <a:prstGeom prst="rect">
+            <a:avLst/>
+          </a:prstGeom>
+          <a:solidFill>
+            <a:srgbClr val="E3E0B3"/>
+          </a:solidFill>
+          <a:ln>
+            <a:solidFill>
+              <a:schemeClr val="tx1">
+                <a:lumMod val="65000"/>
+                <a:lumOff val="35000"/>
+              </a:schemeClr>
+            </a:solidFill>
+          </a:ln>
+        </p:spPr>
+        <p:style>
+          <a:lnRef idx="2">
+            <a:schemeClr val="accent6"/>
+          </a:lnRef>
+          <a:fillRef idx="1">
+            <a:schemeClr val="lt1"/>
+          </a:fillRef>
+          <a:effectRef idx="0">
+            <a:schemeClr val="accent6"/>
+          </a:effectRef>
+          <a:fontRef idx="minor">
+            <a:schemeClr val="dk1"/>
+          </a:fontRef>
+        </p:style>
+        <p:txBody>
+          <a:bodyPr rtlCol="0" anchor="ctr"/>
+          <a:lstStyle/>
+          <a:p>
+            <a:pPr algn="ctr"/>
+            <a:r>
+              <a:rPr lang="en-US" dirty="0"/>
+              <a:t>instance</a:t>
+            </a:r>
+          </a:p>
+        </p:txBody>
+      </p:sp>
+      <p:sp>
+        <p:nvSpPr>
+          <p:cNvPr id="82" name="Rectangle 81">
+            <a:extLst>
+              <a:ext uri="{FF2B5EF4-FFF2-40B4-BE49-F238E27FC236}">
+                <a16:creationId xmlns:a16="http://schemas.microsoft.com/office/drawing/2014/main" id="{221503E2-7587-B931-3D92-0714A951350A}"/>
+              </a:ext>
+            </a:extLst>
+          </p:cNvPr>
+          <p:cNvSpPr/>
+          <p:nvPr/>
+        </p:nvSpPr>
+        <p:spPr>
+          <a:xfrm>
+            <a:off x="7374690" y="2449259"/>
+            <a:ext cx="2103120" cy="320682"/>
+          </a:xfrm>
+          <a:prstGeom prst="rect">
+            <a:avLst/>
+          </a:prstGeom>
+          <a:solidFill>
+            <a:srgbClr val="E3E0B3"/>
+          </a:solidFill>
+          <a:ln>
+            <a:solidFill>
+              <a:schemeClr val="tx1">
+                <a:lumMod val="65000"/>
+                <a:lumOff val="35000"/>
+              </a:schemeClr>
+            </a:solidFill>
+          </a:ln>
+        </p:spPr>
+        <p:style>
+          <a:lnRef idx="2">
+            <a:schemeClr val="accent6"/>
+          </a:lnRef>
+          <a:fillRef idx="1">
+            <a:schemeClr val="lt1"/>
+          </a:fillRef>
+          <a:effectRef idx="0">
+            <a:schemeClr val="accent6"/>
+          </a:effectRef>
+          <a:fontRef idx="minor">
+            <a:schemeClr val="dk1"/>
+          </a:fontRef>
+        </p:style>
+        <p:txBody>
+          <a:bodyPr rtlCol="0" anchor="ctr"/>
+          <a:lstStyle/>
+          <a:p>
+            <a:pPr algn="ctr"/>
+            <a:r>
+              <a:rPr lang="en-US" dirty="0"/>
+              <a:t>entity</a:t>
+            </a:r>
+          </a:p>
+        </p:txBody>
+      </p:sp>
+      <p:sp>
+        <p:nvSpPr>
+          <p:cNvPr id="90" name="Rectangle 89">
+            <a:extLst>
+              <a:ext uri="{FF2B5EF4-FFF2-40B4-BE49-F238E27FC236}">
+                <a16:creationId xmlns:a16="http://schemas.microsoft.com/office/drawing/2014/main" id="{44C69DE1-1D4A-8D60-08BA-A9C8FF613B4C}"/>
+              </a:ext>
+            </a:extLst>
+          </p:cNvPr>
+          <p:cNvSpPr/>
+          <p:nvPr/>
+        </p:nvSpPr>
+        <p:spPr>
+          <a:xfrm>
+            <a:off x="925869" y="2057125"/>
+            <a:ext cx="2103120" cy="320682"/>
+          </a:xfrm>
+          <a:prstGeom prst="rect">
+            <a:avLst/>
+          </a:prstGeom>
+          <a:solidFill>
+            <a:srgbClr val="E3E0B3"/>
+          </a:solidFill>
+          <a:ln>
+            <a:solidFill>
+              <a:schemeClr val="tx1">
+                <a:lumMod val="65000"/>
+                <a:lumOff val="35000"/>
+              </a:schemeClr>
+            </a:solidFill>
+          </a:ln>
+        </p:spPr>
+        <p:style>
+          <a:lnRef idx="2">
+            <a:schemeClr val="accent6"/>
+          </a:lnRef>
+          <a:fillRef idx="1">
+            <a:schemeClr val="lt1"/>
+          </a:fillRef>
+          <a:effectRef idx="0">
+            <a:schemeClr val="accent6"/>
+          </a:effectRef>
+          <a:fontRef idx="minor">
+            <a:schemeClr val="dk1"/>
+          </a:fontRef>
+        </p:style>
+        <p:txBody>
+          <a:bodyPr rtlCol="0" anchor="ctr"/>
+          <a:lstStyle/>
+          <a:p>
+            <a:pPr algn="ctr"/>
+            <a:r>
+              <a:rPr lang="en-US" dirty="0"/>
+              <a:t>instance</a:t>
+            </a:r>
+          </a:p>
+        </p:txBody>
+      </p:sp>
+      <p:sp>
+        <p:nvSpPr>
+          <p:cNvPr id="91" name="Rectangle 90">
+            <a:extLst>
+              <a:ext uri="{FF2B5EF4-FFF2-40B4-BE49-F238E27FC236}">
+                <a16:creationId xmlns:a16="http://schemas.microsoft.com/office/drawing/2014/main" id="{920801D8-8594-9229-D9E9-56D25ABA0919}"/>
+              </a:ext>
+            </a:extLst>
+          </p:cNvPr>
+          <p:cNvSpPr/>
+          <p:nvPr/>
+        </p:nvSpPr>
+        <p:spPr>
+          <a:xfrm>
+            <a:off x="925869" y="2395405"/>
+            <a:ext cx="2103120" cy="320682"/>
+          </a:xfrm>
+          <a:prstGeom prst="rect">
+            <a:avLst/>
+          </a:prstGeom>
+          <a:solidFill>
+            <a:srgbClr val="E3E0B3"/>
+          </a:solidFill>
+          <a:ln>
+            <a:solidFill>
+              <a:schemeClr val="tx1">
+                <a:lumMod val="65000"/>
+                <a:lumOff val="35000"/>
+              </a:schemeClr>
+            </a:solidFill>
+          </a:ln>
+        </p:spPr>
+        <p:style>
+          <a:lnRef idx="2">
+            <a:schemeClr val="accent6"/>
+          </a:lnRef>
+          <a:fillRef idx="1">
+            <a:schemeClr val="lt1"/>
+          </a:fillRef>
+          <a:effectRef idx="0">
+            <a:schemeClr val="accent6"/>
+          </a:effectRef>
+          <a:fontRef idx="minor">
+            <a:schemeClr val="dk1"/>
+          </a:fontRef>
+        </p:style>
+        <p:txBody>
+          <a:bodyPr rtlCol="0" anchor="ctr"/>
+          <a:lstStyle/>
+          <a:p>
+            <a:pPr algn="ctr"/>
+            <a:r>
+              <a:rPr lang="en-US" dirty="0"/>
+              <a:t>entity</a:t>
+            </a:r>
+          </a:p>
+        </p:txBody>
+      </p:sp>
+      <p:cxnSp>
+        <p:nvCxnSpPr>
+          <p:cNvPr id="101" name="Straight Arrow Connector 100">
+            <a:extLst>
+              <a:ext uri="{FF2B5EF4-FFF2-40B4-BE49-F238E27FC236}">
+                <a16:creationId xmlns:a16="http://schemas.microsoft.com/office/drawing/2014/main" id="{26AC66C9-5857-0AAD-24F7-2D45F30277C6}"/>
+              </a:ext>
+            </a:extLst>
+          </p:cNvPr>
+          <p:cNvCxnSpPr>
+            <a:cxnSpLocks/>
+            <a:stCxn id="29" idx="3"/>
+            <a:endCxn id="38" idx="1"/>
+          </p:cNvCxnSpPr>
+          <p:nvPr/>
+        </p:nvCxnSpPr>
+        <p:spPr>
+          <a:xfrm flipV="1">
+            <a:off x="3028989" y="1376214"/>
+            <a:ext cx="885215" cy="421060"/>
+          </a:xfrm>
+          <a:prstGeom prst="straightConnector1">
+            <a:avLst/>
+          </a:prstGeom>
+          <a:ln w="25400">
+            <a:tailEnd type="triangle" w="lg" len="med"/>
+          </a:ln>
+        </p:spPr>
+        <p:style>
+          <a:lnRef idx="1">
+            <a:schemeClr val="accent1"/>
+          </a:lnRef>
+          <a:fillRef idx="0">
+            <a:schemeClr val="accent1"/>
+          </a:fillRef>
+          <a:effectRef idx="0">
+            <a:schemeClr val="accent1"/>
+          </a:effectRef>
+          <a:fontRef idx="minor">
+            <a:schemeClr val="tx1"/>
+          </a:fontRef>
+        </p:style>
+      </p:cxnSp>
+      <p:cxnSp>
+        <p:nvCxnSpPr>
+          <p:cNvPr id="34" name="Straight Connector 33">
+            <a:extLst>
+              <a:ext uri="{FF2B5EF4-FFF2-40B4-BE49-F238E27FC236}">
+                <a16:creationId xmlns:a16="http://schemas.microsoft.com/office/drawing/2014/main" id="{947A1310-63EE-F834-EAEF-10A1F497EEE6}"/>
+              </a:ext>
+            </a:extLst>
+          </p:cNvPr>
+          <p:cNvCxnSpPr>
+            <a:cxnSpLocks/>
+            <a:stCxn id="91" idx="1"/>
+          </p:cNvCxnSpPr>
+          <p:nvPr/>
+        </p:nvCxnSpPr>
+        <p:spPr>
+          <a:xfrm flipH="1">
+            <a:off x="785766" y="2555746"/>
+            <a:ext cx="140103" cy="10736"/>
+          </a:xfrm>
+          <a:prstGeom prst="line">
+            <a:avLst/>
+          </a:prstGeom>
+          <a:ln w="25400">
+            <a:solidFill>
+              <a:schemeClr val="tx1">
+                <a:lumMod val="50000"/>
+                <a:lumOff val="50000"/>
+              </a:schemeClr>
+            </a:solidFill>
+          </a:ln>
+        </p:spPr>
+        <p:style>
+          <a:lnRef idx="1">
+            <a:schemeClr val="accent1"/>
+          </a:lnRef>
+          <a:fillRef idx="0">
+            <a:schemeClr val="accent1"/>
+          </a:fillRef>
+          <a:effectRef idx="0">
+            <a:schemeClr val="accent1"/>
+          </a:effectRef>
+          <a:fontRef idx="minor">
+            <a:schemeClr val="tx1"/>
+          </a:fontRef>
+        </p:style>
+      </p:cxnSp>
+      <p:cxnSp>
+        <p:nvCxnSpPr>
+          <p:cNvPr id="36" name="Straight Connector 35">
+            <a:extLst>
+              <a:ext uri="{FF2B5EF4-FFF2-40B4-BE49-F238E27FC236}">
+                <a16:creationId xmlns:a16="http://schemas.microsoft.com/office/drawing/2014/main" id="{25C1AFDB-EE1A-22B8-5ADA-0F44F61CBAA9}"/>
+              </a:ext>
+            </a:extLst>
+          </p:cNvPr>
+          <p:cNvCxnSpPr>
+            <a:cxnSpLocks/>
+          </p:cNvCxnSpPr>
+          <p:nvPr/>
+        </p:nvCxnSpPr>
+        <p:spPr>
+          <a:xfrm flipH="1">
+            <a:off x="3859375" y="1849222"/>
+            <a:ext cx="152967" cy="0"/>
+          </a:xfrm>
+          <a:prstGeom prst="line">
+            <a:avLst/>
+          </a:prstGeom>
+          <a:ln w="25400">
+            <a:solidFill>
+              <a:schemeClr val="tx1">
+                <a:lumMod val="50000"/>
+                <a:lumOff val="50000"/>
+              </a:schemeClr>
+            </a:solidFill>
+          </a:ln>
+        </p:spPr>
+        <p:style>
+          <a:lnRef idx="1">
+            <a:schemeClr val="accent1"/>
+          </a:lnRef>
+          <a:fillRef idx="0">
+            <a:schemeClr val="accent1"/>
+          </a:fillRef>
+          <a:effectRef idx="0">
+            <a:schemeClr val="accent1"/>
+          </a:effectRef>
+          <a:fontRef idx="minor">
+            <a:schemeClr val="tx1"/>
+          </a:fontRef>
+        </p:style>
+      </p:cxnSp>
+      <p:cxnSp>
+        <p:nvCxnSpPr>
+          <p:cNvPr id="7" name="Straight Connector 6">
+            <a:extLst>
+              <a:ext uri="{FF2B5EF4-FFF2-40B4-BE49-F238E27FC236}">
+                <a16:creationId xmlns:a16="http://schemas.microsoft.com/office/drawing/2014/main" id="{9A1F407D-BA4B-8775-B50D-9D4820EE81A6}"/>
+              </a:ext>
+            </a:extLst>
+          </p:cNvPr>
+          <p:cNvCxnSpPr>
+            <a:cxnSpLocks/>
+          </p:cNvCxnSpPr>
+          <p:nvPr/>
+        </p:nvCxnSpPr>
+        <p:spPr>
+          <a:xfrm>
+            <a:off x="7386370" y="3730839"/>
+            <a:ext cx="0" cy="550272"/>
+          </a:xfrm>
+          <a:prstGeom prst="line">
+            <a:avLst/>
+          </a:prstGeom>
+          <a:ln w="25400">
+            <a:solidFill>
+              <a:schemeClr val="tx1"/>
+            </a:solidFill>
+          </a:ln>
+        </p:spPr>
+        <p:style>
+          <a:lnRef idx="1">
+            <a:schemeClr val="accent1"/>
+          </a:lnRef>
+          <a:fillRef idx="0">
+            <a:schemeClr val="accent1"/>
+          </a:fillRef>
+          <a:effectRef idx="0">
+            <a:schemeClr val="accent1"/>
+          </a:effectRef>
+          <a:fontRef idx="minor">
+            <a:schemeClr val="tx1"/>
+          </a:fontRef>
+        </p:style>
+      </p:cxnSp>
+      <p:cxnSp>
+        <p:nvCxnSpPr>
+          <p:cNvPr id="8" name="Straight Connector 7">
+            <a:extLst>
+              <a:ext uri="{FF2B5EF4-FFF2-40B4-BE49-F238E27FC236}">
+                <a16:creationId xmlns:a16="http://schemas.microsoft.com/office/drawing/2014/main" id="{F76170A0-2A9B-FBE3-1D11-269C34174551}"/>
+              </a:ext>
+            </a:extLst>
+          </p:cNvPr>
+          <p:cNvCxnSpPr>
+            <a:cxnSpLocks/>
+          </p:cNvCxnSpPr>
+          <p:nvPr/>
+        </p:nvCxnSpPr>
+        <p:spPr>
+          <a:xfrm>
+            <a:off x="4066604" y="3213208"/>
+            <a:ext cx="0" cy="339693"/>
+          </a:xfrm>
+          <a:prstGeom prst="line">
+            <a:avLst/>
+          </a:prstGeom>
+          <a:ln w="25400">
+            <a:solidFill>
+              <a:schemeClr val="tx1"/>
+            </a:solidFill>
+          </a:ln>
+        </p:spPr>
+        <p:style>
+          <a:lnRef idx="1">
+            <a:schemeClr val="accent1"/>
+          </a:lnRef>
+          <a:fillRef idx="0">
+            <a:schemeClr val="accent1"/>
+          </a:fillRef>
+          <a:effectRef idx="0">
+            <a:schemeClr val="accent1"/>
+          </a:effectRef>
+          <a:fontRef idx="minor">
+            <a:schemeClr val="tx1"/>
+          </a:fontRef>
+        </p:style>
+      </p:cxnSp>
+      <p:cxnSp>
+        <p:nvCxnSpPr>
+          <p:cNvPr id="9" name="Straight Connector 8">
+            <a:extLst>
+              <a:ext uri="{FF2B5EF4-FFF2-40B4-BE49-F238E27FC236}">
+                <a16:creationId xmlns:a16="http://schemas.microsoft.com/office/drawing/2014/main" id="{7B72A66B-B00C-03FB-03BD-A812E12A1268}"/>
+              </a:ext>
+            </a:extLst>
+          </p:cNvPr>
+          <p:cNvCxnSpPr>
+            <a:cxnSpLocks/>
+          </p:cNvCxnSpPr>
+          <p:nvPr/>
+        </p:nvCxnSpPr>
+        <p:spPr>
+          <a:xfrm>
+            <a:off x="724036" y="3644268"/>
+            <a:ext cx="0" cy="636843"/>
+          </a:xfrm>
+          <a:prstGeom prst="line">
+            <a:avLst/>
+          </a:prstGeom>
+          <a:ln w="25400">
+            <a:solidFill>
+              <a:schemeClr val="tx1"/>
+            </a:solidFill>
+          </a:ln>
+        </p:spPr>
+        <p:style>
+          <a:lnRef idx="1">
+            <a:schemeClr val="accent1"/>
+          </a:lnRef>
+          <a:fillRef idx="0">
+            <a:schemeClr val="accent1"/>
+          </a:fillRef>
+          <a:effectRef idx="0">
+            <a:schemeClr val="accent1"/>
+          </a:effectRef>
+          <a:fontRef idx="minor">
+            <a:schemeClr val="tx1"/>
+          </a:fontRef>
+        </p:style>
+      </p:cxnSp>
+      <p:sp>
+        <p:nvSpPr>
+          <p:cNvPr id="12" name="Rectangle 11">
+            <a:extLst>
+              <a:ext uri="{FF2B5EF4-FFF2-40B4-BE49-F238E27FC236}">
+                <a16:creationId xmlns:a16="http://schemas.microsoft.com/office/drawing/2014/main" id="{ADCAE613-D3B1-C0BB-2D6E-000006D253C5}"/>
+              </a:ext>
+            </a:extLst>
+          </p:cNvPr>
+          <p:cNvSpPr/>
+          <p:nvPr/>
+        </p:nvSpPr>
+        <p:spPr>
+          <a:xfrm>
+            <a:off x="717632" y="3311155"/>
+            <a:ext cx="2463758" cy="355876"/>
+          </a:xfrm>
+          <a:prstGeom prst="rect">
+            <a:avLst/>
+          </a:prstGeom>
+          <a:solidFill>
+            <a:schemeClr val="bg1"/>
+          </a:solidFill>
+          <a:ln w="25400">
+            <a:gradFill flip="none" rotWithShape="1">
+              <a:gsLst>
+                <a:gs pos="0">
+                  <a:schemeClr val="accent5">
+                    <a:lumMod val="40000"/>
+                    <a:lumOff val="60000"/>
+                  </a:schemeClr>
+                </a:gs>
+                <a:gs pos="46000">
+                  <a:schemeClr val="accent5">
+                    <a:lumMod val="95000"/>
+                    <a:lumOff val="5000"/>
+                  </a:schemeClr>
+                </a:gs>
+                <a:gs pos="100000">
+                  <a:schemeClr val="accent5">
+                    <a:lumMod val="60000"/>
+                  </a:schemeClr>
+                </a:gs>
+              </a:gsLst>
+              <a:path path="circle">
+                <a:fillToRect l="50000" t="130000" r="50000" b="-30000"/>
+              </a:path>
+              <a:tileRect/>
+            </a:gradFill>
+          </a:ln>
+        </p:spPr>
+        <p:style>
+          <a:lnRef idx="2">
+            <a:schemeClr val="accent6"/>
+          </a:lnRef>
+          <a:fillRef idx="1">
+            <a:schemeClr val="lt1"/>
+          </a:fillRef>
+          <a:effectRef idx="0">
+            <a:schemeClr val="accent6"/>
+          </a:effectRef>
+          <a:fontRef idx="minor">
+            <a:schemeClr val="dk1"/>
+          </a:fontRef>
+        </p:style>
+        <p:txBody>
+          <a:bodyPr rtlCol="0" anchor="ctr"/>
+          <a:lstStyle/>
+          <a:p>
+            <a:pPr algn="ctr"/>
+            <a:r>
+              <a:rPr lang="en-US" b="1" dirty="0" err="1"/>
+              <a:t>slo</a:t>
+            </a:r>
+            <a:r>
+              <a:rPr lang="en-US" b="1" dirty="0"/>
+              <a:t>-workflow-resources</a:t>
+            </a:r>
+          </a:p>
+        </p:txBody>
+      </p:sp>
+      <p:sp>
+        <p:nvSpPr>
+          <p:cNvPr id="13" name="Rectangle 12">
+            <a:extLst>
+              <a:ext uri="{FF2B5EF4-FFF2-40B4-BE49-F238E27FC236}">
+                <a16:creationId xmlns:a16="http://schemas.microsoft.com/office/drawing/2014/main" id="{E7D7C0F6-1981-49FE-BB14-B66DD1E79C2A}"/>
+              </a:ext>
+            </a:extLst>
+          </p:cNvPr>
+          <p:cNvSpPr/>
+          <p:nvPr/>
+        </p:nvSpPr>
+        <p:spPr>
+          <a:xfrm>
+            <a:off x="4066604" y="2890095"/>
+            <a:ext cx="2238957" cy="355876"/>
+          </a:xfrm>
+          <a:prstGeom prst="rect">
+            <a:avLst/>
+          </a:prstGeom>
+          <a:solidFill>
+            <a:schemeClr val="bg1"/>
+          </a:solidFill>
+          <a:ln w="25400">
+            <a:gradFill flip="none" rotWithShape="1">
+              <a:gsLst>
+                <a:gs pos="0">
+                  <a:schemeClr val="accent5">
+                    <a:lumMod val="40000"/>
+                    <a:lumOff val="60000"/>
+                  </a:schemeClr>
+                </a:gs>
+                <a:gs pos="46000">
+                  <a:schemeClr val="accent5">
+                    <a:lumMod val="95000"/>
+                    <a:lumOff val="5000"/>
+                  </a:schemeClr>
+                </a:gs>
+                <a:gs pos="100000">
+                  <a:schemeClr val="accent5">
+                    <a:lumMod val="60000"/>
+                  </a:schemeClr>
+                </a:gs>
+              </a:gsLst>
+              <a:path path="circle">
+                <a:fillToRect l="50000" t="130000" r="50000" b="-30000"/>
+              </a:path>
+              <a:tileRect/>
+            </a:gradFill>
+          </a:ln>
+        </p:spPr>
+        <p:style>
+          <a:lnRef idx="2">
+            <a:schemeClr val="accent6"/>
+          </a:lnRef>
+          <a:fillRef idx="1">
+            <a:schemeClr val="lt1"/>
+          </a:fillRef>
+          <a:effectRef idx="0">
+            <a:schemeClr val="accent6"/>
+          </a:effectRef>
+          <a:fontRef idx="minor">
+            <a:schemeClr val="dk1"/>
+          </a:fontRef>
+        </p:style>
+        <p:txBody>
+          <a:bodyPr rtlCol="0" anchor="ctr"/>
+          <a:lstStyle/>
+          <a:p>
+            <a:pPr algn="ctr"/>
+            <a:r>
+              <a:rPr lang="en-US" b="1" dirty="0" err="1"/>
+              <a:t>slo</a:t>
+            </a:r>
+            <a:r>
+              <a:rPr lang="en-US" b="1" dirty="0"/>
+              <a:t>-workflow-types</a:t>
+            </a:r>
+          </a:p>
+        </p:txBody>
+      </p:sp>
+      <p:sp>
+        <p:nvSpPr>
+          <p:cNvPr id="14" name="Rectangle 13">
+            <a:extLst>
+              <a:ext uri="{FF2B5EF4-FFF2-40B4-BE49-F238E27FC236}">
+                <a16:creationId xmlns:a16="http://schemas.microsoft.com/office/drawing/2014/main" id="{1C00F1E5-207A-3BCF-4AD4-631FF2269A26}"/>
+              </a:ext>
+            </a:extLst>
+          </p:cNvPr>
+          <p:cNvSpPr/>
+          <p:nvPr/>
+        </p:nvSpPr>
+        <p:spPr>
+          <a:xfrm>
+            <a:off x="7387340" y="3374963"/>
+            <a:ext cx="2238957" cy="355876"/>
+          </a:xfrm>
+          <a:prstGeom prst="rect">
+            <a:avLst/>
+          </a:prstGeom>
+          <a:solidFill>
+            <a:schemeClr val="bg1"/>
+          </a:solidFill>
+          <a:ln w="25400">
+            <a:gradFill flip="none" rotWithShape="1">
+              <a:gsLst>
+                <a:gs pos="0">
+                  <a:schemeClr val="accent5">
+                    <a:lumMod val="40000"/>
+                    <a:lumOff val="60000"/>
+                  </a:schemeClr>
+                </a:gs>
+                <a:gs pos="46000">
+                  <a:schemeClr val="accent5">
+                    <a:lumMod val="95000"/>
+                    <a:lumOff val="5000"/>
+                  </a:schemeClr>
+                </a:gs>
+                <a:gs pos="100000">
+                  <a:schemeClr val="accent5">
+                    <a:lumMod val="60000"/>
+                  </a:schemeClr>
+                </a:gs>
+              </a:gsLst>
+              <a:path path="circle">
+                <a:fillToRect l="50000" t="130000" r="50000" b="-30000"/>
+              </a:path>
+              <a:tileRect/>
+            </a:gradFill>
+          </a:ln>
+        </p:spPr>
+        <p:style>
+          <a:lnRef idx="2">
+            <a:schemeClr val="accent6"/>
+          </a:lnRef>
+          <a:fillRef idx="1">
+            <a:schemeClr val="lt1"/>
+          </a:fillRef>
+          <a:effectRef idx="0">
+            <a:schemeClr val="accent6"/>
+          </a:effectRef>
+          <a:fontRef idx="minor">
+            <a:schemeClr val="dk1"/>
+          </a:fontRef>
+        </p:style>
+        <p:txBody>
+          <a:bodyPr rtlCol="0" anchor="ctr"/>
+          <a:lstStyle/>
+          <a:p>
+            <a:pPr algn="ctr"/>
+            <a:r>
+              <a:rPr lang="en-US" b="1" dirty="0" err="1"/>
+              <a:t>slo</a:t>
+            </a:r>
+            <a:r>
+              <a:rPr lang="en-US" b="1" dirty="0"/>
+              <a:t>-workflow-host</a:t>
+            </a:r>
+          </a:p>
+        </p:txBody>
+      </p:sp>
+      <p:cxnSp>
+        <p:nvCxnSpPr>
+          <p:cNvPr id="15" name="Straight Arrow Connector 14">
+            <a:extLst>
+              <a:ext uri="{FF2B5EF4-FFF2-40B4-BE49-F238E27FC236}">
+                <a16:creationId xmlns:a16="http://schemas.microsoft.com/office/drawing/2014/main" id="{7A0B54F6-E3DD-1762-B3F0-B01FA93CBF01}"/>
+              </a:ext>
+            </a:extLst>
+          </p:cNvPr>
+          <p:cNvCxnSpPr>
+            <a:stCxn id="14" idx="1"/>
+            <a:endCxn id="13" idx="3"/>
+          </p:cNvCxnSpPr>
+          <p:nvPr/>
+        </p:nvCxnSpPr>
+        <p:spPr>
+          <a:xfrm flipH="1" flipV="1">
+            <a:off x="6305561" y="3068033"/>
+            <a:ext cx="1081779" cy="484868"/>
+          </a:xfrm>
+          <a:prstGeom prst="straightConnector1">
+            <a:avLst/>
+          </a:prstGeom>
+          <a:ln w="25400">
+            <a:tailEnd type="triangle" w="lg" len="med"/>
+          </a:ln>
+        </p:spPr>
+        <p:style>
+          <a:lnRef idx="1">
+            <a:schemeClr val="accent1"/>
+          </a:lnRef>
+          <a:fillRef idx="0">
+            <a:schemeClr val="accent1"/>
+          </a:fillRef>
+          <a:effectRef idx="0">
+            <a:schemeClr val="accent1"/>
+          </a:effectRef>
+          <a:fontRef idx="minor">
+            <a:schemeClr val="tx1"/>
+          </a:fontRef>
+        </p:style>
+      </p:cxnSp>
+      <p:sp>
+        <p:nvSpPr>
+          <p:cNvPr id="17" name="Rectangle 16">
+            <a:extLst>
+              <a:ext uri="{FF2B5EF4-FFF2-40B4-BE49-F238E27FC236}">
+                <a16:creationId xmlns:a16="http://schemas.microsoft.com/office/drawing/2014/main" id="{38A93C83-FFBC-FA51-606D-74F065CFB045}"/>
+              </a:ext>
+            </a:extLst>
+          </p:cNvPr>
+          <p:cNvSpPr/>
+          <p:nvPr/>
+        </p:nvSpPr>
+        <p:spPr>
+          <a:xfrm>
+            <a:off x="9890181" y="3363103"/>
+            <a:ext cx="2238957" cy="355876"/>
+          </a:xfrm>
+          <a:prstGeom prst="rect">
+            <a:avLst/>
+          </a:prstGeom>
+          <a:solidFill>
+            <a:schemeClr val="bg1"/>
+          </a:solidFill>
+          <a:ln w="25400">
+            <a:gradFill flip="none" rotWithShape="1">
+              <a:gsLst>
+                <a:gs pos="0">
+                  <a:schemeClr val="accent5">
+                    <a:lumMod val="40000"/>
+                    <a:lumOff val="60000"/>
+                  </a:schemeClr>
+                </a:gs>
+                <a:gs pos="46000">
+                  <a:schemeClr val="accent5">
+                    <a:lumMod val="95000"/>
+                    <a:lumOff val="5000"/>
+                  </a:schemeClr>
+                </a:gs>
+                <a:gs pos="100000">
+                  <a:schemeClr val="accent5">
+                    <a:lumMod val="60000"/>
+                  </a:schemeClr>
+                </a:gs>
+              </a:gsLst>
+              <a:path path="circle">
+                <a:fillToRect l="50000" t="130000" r="50000" b="-30000"/>
+              </a:path>
+              <a:tileRect/>
+            </a:gradFill>
+            <a:prstDash val="sysDot"/>
+          </a:ln>
+        </p:spPr>
+        <p:style>
+          <a:lnRef idx="2">
+            <a:schemeClr val="accent6"/>
+          </a:lnRef>
+          <a:fillRef idx="1">
+            <a:schemeClr val="lt1"/>
+          </a:fillRef>
+          <a:effectRef idx="0">
+            <a:schemeClr val="accent6"/>
+          </a:effectRef>
+          <a:fontRef idx="minor">
+            <a:schemeClr val="dk1"/>
+          </a:fontRef>
+        </p:style>
+        <p:txBody>
+          <a:bodyPr rtlCol="0" anchor="ctr"/>
+          <a:lstStyle/>
+          <a:p>
+            <a:pPr algn="ctr"/>
+            <a:r>
+              <a:rPr lang="en-US" b="1" dirty="0" err="1"/>
+              <a:t>awsrds</a:t>
+            </a:r>
+            <a:r>
+              <a:rPr lang="en-US" b="1" dirty="0"/>
+              <a:t>-adapter</a:t>
+            </a:r>
+          </a:p>
+        </p:txBody>
+      </p:sp>
+      <p:sp>
+        <p:nvSpPr>
+          <p:cNvPr id="20" name="Rectangle 19">
+            <a:extLst>
+              <a:ext uri="{FF2B5EF4-FFF2-40B4-BE49-F238E27FC236}">
+                <a16:creationId xmlns:a16="http://schemas.microsoft.com/office/drawing/2014/main" id="{EB09A0E8-F323-D6DC-00B9-58F1038FF770}"/>
+              </a:ext>
+            </a:extLst>
+          </p:cNvPr>
+          <p:cNvSpPr/>
+          <p:nvPr/>
+        </p:nvSpPr>
+        <p:spPr>
+          <a:xfrm>
+            <a:off x="4164742" y="3304949"/>
+            <a:ext cx="2103120" cy="320682"/>
+          </a:xfrm>
+          <a:prstGeom prst="rect">
+            <a:avLst/>
+          </a:prstGeom>
+          <a:solidFill>
+            <a:srgbClr val="E3E0B3"/>
+          </a:solidFill>
+          <a:ln>
+            <a:solidFill>
+              <a:schemeClr val="tx1">
+                <a:lumMod val="65000"/>
+                <a:lumOff val="35000"/>
+              </a:schemeClr>
+            </a:solidFill>
+          </a:ln>
+        </p:spPr>
+        <p:style>
+          <a:lnRef idx="2">
+            <a:schemeClr val="accent6"/>
+          </a:lnRef>
+          <a:fillRef idx="1">
+            <a:schemeClr val="lt1"/>
+          </a:fillRef>
+          <a:effectRef idx="0">
+            <a:schemeClr val="accent6"/>
+          </a:effectRef>
+          <a:fontRef idx="minor">
+            <a:schemeClr val="dk1"/>
+          </a:fontRef>
+        </p:style>
+        <p:txBody>
+          <a:bodyPr rtlCol="0" anchor="ctr"/>
+          <a:lstStyle/>
+          <a:p>
+            <a:pPr algn="ctr"/>
+            <a:r>
+              <a:rPr lang="en-US" dirty="0"/>
+              <a:t>workflow</a:t>
+            </a:r>
+          </a:p>
+        </p:txBody>
+      </p:sp>
+      <p:sp>
+        <p:nvSpPr>
+          <p:cNvPr id="21" name="Rectangle 20">
+            <a:extLst>
+              <a:ext uri="{FF2B5EF4-FFF2-40B4-BE49-F238E27FC236}">
+                <a16:creationId xmlns:a16="http://schemas.microsoft.com/office/drawing/2014/main" id="{E5EC7437-2576-7027-A4BC-9E57C3DE8567}"/>
+              </a:ext>
+            </a:extLst>
+          </p:cNvPr>
+          <p:cNvSpPr/>
+          <p:nvPr/>
+        </p:nvSpPr>
+        <p:spPr>
+          <a:xfrm>
+            <a:off x="7523177" y="3785872"/>
+            <a:ext cx="2103120" cy="320682"/>
+          </a:xfrm>
+          <a:prstGeom prst="rect">
+            <a:avLst/>
+          </a:prstGeom>
+          <a:solidFill>
+            <a:srgbClr val="E3E0B3"/>
+          </a:solidFill>
+          <a:ln>
+            <a:solidFill>
+              <a:schemeClr val="tx1">
+                <a:lumMod val="65000"/>
+                <a:lumOff val="35000"/>
+              </a:schemeClr>
+            </a:solidFill>
+          </a:ln>
+        </p:spPr>
+        <p:style>
+          <a:lnRef idx="2">
+            <a:schemeClr val="accent6"/>
+          </a:lnRef>
+          <a:fillRef idx="1">
+            <a:schemeClr val="lt1"/>
+          </a:fillRef>
+          <a:effectRef idx="0">
+            <a:schemeClr val="accent6"/>
+          </a:effectRef>
+          <a:fontRef idx="minor">
+            <a:schemeClr val="dk1"/>
+          </a:fontRef>
+        </p:style>
+        <p:txBody>
+          <a:bodyPr rtlCol="0" anchor="ctr"/>
+          <a:lstStyle/>
+          <a:p>
+            <a:pPr algn="ctr"/>
+            <a:r>
+              <a:rPr lang="en-US" dirty="0"/>
+              <a:t>instance</a:t>
+            </a:r>
+          </a:p>
+        </p:txBody>
+      </p:sp>
+      <p:sp>
+        <p:nvSpPr>
+          <p:cNvPr id="22" name="Rectangle 21">
+            <a:extLst>
+              <a:ext uri="{FF2B5EF4-FFF2-40B4-BE49-F238E27FC236}">
+                <a16:creationId xmlns:a16="http://schemas.microsoft.com/office/drawing/2014/main" id="{3AE45C5A-1E97-63D5-9493-0EC70BE4045A}"/>
+              </a:ext>
+            </a:extLst>
+          </p:cNvPr>
+          <p:cNvSpPr/>
+          <p:nvPr/>
+        </p:nvSpPr>
+        <p:spPr>
+          <a:xfrm>
+            <a:off x="7523177" y="4136177"/>
+            <a:ext cx="2103120" cy="320682"/>
+          </a:xfrm>
+          <a:prstGeom prst="rect">
+            <a:avLst/>
+          </a:prstGeom>
+          <a:solidFill>
+            <a:srgbClr val="E3E0B3"/>
+          </a:solidFill>
+          <a:ln>
+            <a:solidFill>
+              <a:schemeClr val="tx1">
+                <a:lumMod val="65000"/>
+                <a:lumOff val="35000"/>
+              </a:schemeClr>
+            </a:solidFill>
+          </a:ln>
+        </p:spPr>
+        <p:style>
+          <a:lnRef idx="2">
+            <a:schemeClr val="accent6"/>
+          </a:lnRef>
+          <a:fillRef idx="1">
+            <a:schemeClr val="lt1"/>
+          </a:fillRef>
+          <a:effectRef idx="0">
+            <a:schemeClr val="accent6"/>
+          </a:effectRef>
+          <a:fontRef idx="minor">
+            <a:schemeClr val="dk1"/>
+          </a:fontRef>
+        </p:style>
+        <p:txBody>
+          <a:bodyPr rtlCol="0" anchor="ctr"/>
+          <a:lstStyle/>
+          <a:p>
+            <a:pPr algn="ctr"/>
+            <a:r>
+              <a:rPr lang="en-US" dirty="0"/>
+              <a:t>scheduler</a:t>
+            </a:r>
+          </a:p>
+        </p:txBody>
+      </p:sp>
+      <p:sp>
+        <p:nvSpPr>
+          <p:cNvPr id="23" name="Rectangle 22">
+            <a:extLst>
+              <a:ext uri="{FF2B5EF4-FFF2-40B4-BE49-F238E27FC236}">
+                <a16:creationId xmlns:a16="http://schemas.microsoft.com/office/drawing/2014/main" id="{3F0E482A-AF94-61D0-72AC-CC4371AC4864}"/>
+              </a:ext>
+            </a:extLst>
+          </p:cNvPr>
+          <p:cNvSpPr/>
+          <p:nvPr/>
+        </p:nvSpPr>
+        <p:spPr>
+          <a:xfrm>
+            <a:off x="925869" y="3731348"/>
+            <a:ext cx="2103120" cy="320682"/>
+          </a:xfrm>
+          <a:prstGeom prst="rect">
+            <a:avLst/>
+          </a:prstGeom>
+          <a:solidFill>
+            <a:srgbClr val="E3E0B3"/>
+          </a:solidFill>
+          <a:ln>
+            <a:solidFill>
+              <a:schemeClr val="tx1">
+                <a:lumMod val="65000"/>
+                <a:lumOff val="35000"/>
+              </a:schemeClr>
+            </a:solidFill>
+          </a:ln>
+        </p:spPr>
+        <p:style>
+          <a:lnRef idx="2">
+            <a:schemeClr val="accent6"/>
+          </a:lnRef>
+          <a:fillRef idx="1">
+            <a:schemeClr val="lt1"/>
+          </a:fillRef>
+          <a:effectRef idx="0">
+            <a:schemeClr val="accent6"/>
+          </a:effectRef>
+          <a:fontRef idx="minor">
+            <a:schemeClr val="dk1"/>
+          </a:fontRef>
+        </p:style>
+        <p:txBody>
+          <a:bodyPr rtlCol="0" anchor="ctr"/>
+          <a:lstStyle/>
+          <a:p>
+            <a:pPr algn="ctr"/>
+            <a:r>
+              <a:rPr lang="en-US" dirty="0"/>
+              <a:t>instance</a:t>
+            </a:r>
+          </a:p>
+        </p:txBody>
+      </p:sp>
+      <p:sp>
+        <p:nvSpPr>
+          <p:cNvPr id="24" name="Rectangle 23">
+            <a:extLst>
+              <a:ext uri="{FF2B5EF4-FFF2-40B4-BE49-F238E27FC236}">
+                <a16:creationId xmlns:a16="http://schemas.microsoft.com/office/drawing/2014/main" id="{3AB6932F-87C1-878F-A3CC-52C7299215AD}"/>
+              </a:ext>
+            </a:extLst>
+          </p:cNvPr>
+          <p:cNvSpPr/>
+          <p:nvPr/>
+        </p:nvSpPr>
+        <p:spPr>
+          <a:xfrm>
+            <a:off x="925869" y="4069627"/>
+            <a:ext cx="2103120" cy="320682"/>
+          </a:xfrm>
+          <a:prstGeom prst="rect">
+            <a:avLst/>
+          </a:prstGeom>
+          <a:solidFill>
+            <a:srgbClr val="E3E0B3"/>
+          </a:solidFill>
+          <a:ln>
+            <a:solidFill>
+              <a:schemeClr val="tx1">
+                <a:lumMod val="65000"/>
+                <a:lumOff val="35000"/>
+              </a:schemeClr>
+            </a:solidFill>
+          </a:ln>
+        </p:spPr>
+        <p:style>
+          <a:lnRef idx="2">
+            <a:schemeClr val="accent6"/>
+          </a:lnRef>
+          <a:fillRef idx="1">
+            <a:schemeClr val="lt1"/>
+          </a:fillRef>
+          <a:effectRef idx="0">
+            <a:schemeClr val="accent6"/>
+          </a:effectRef>
+          <a:fontRef idx="minor">
+            <a:schemeClr val="dk1"/>
+          </a:fontRef>
+        </p:style>
+        <p:txBody>
+          <a:bodyPr rtlCol="0" anchor="ctr"/>
+          <a:lstStyle/>
+          <a:p>
+            <a:pPr algn="ctr"/>
+            <a:r>
+              <a:rPr lang="en-US" dirty="0"/>
+              <a:t>scheduler</a:t>
+            </a:r>
+          </a:p>
+        </p:txBody>
+      </p:sp>
+      <p:cxnSp>
+        <p:nvCxnSpPr>
+          <p:cNvPr id="25" name="Straight Arrow Connector 24">
+            <a:extLst>
+              <a:ext uri="{FF2B5EF4-FFF2-40B4-BE49-F238E27FC236}">
+                <a16:creationId xmlns:a16="http://schemas.microsoft.com/office/drawing/2014/main" id="{B44E5678-EB08-35E9-4FF2-4376ABC02061}"/>
+              </a:ext>
+            </a:extLst>
+          </p:cNvPr>
+          <p:cNvCxnSpPr>
+            <a:cxnSpLocks/>
+            <a:stCxn id="12" idx="3"/>
+            <a:endCxn id="13" idx="1"/>
+          </p:cNvCxnSpPr>
+          <p:nvPr/>
+        </p:nvCxnSpPr>
+        <p:spPr>
+          <a:xfrm flipV="1">
+            <a:off x="3181390" y="3068033"/>
+            <a:ext cx="885214" cy="421060"/>
+          </a:xfrm>
+          <a:prstGeom prst="straightConnector1">
+            <a:avLst/>
+          </a:prstGeom>
+          <a:ln w="25400">
+            <a:tailEnd type="triangle" w="lg" len="med"/>
+          </a:ln>
+        </p:spPr>
+        <p:style>
+          <a:lnRef idx="1">
+            <a:schemeClr val="accent1"/>
+          </a:lnRef>
+          <a:fillRef idx="0">
+            <a:schemeClr val="accent1"/>
+          </a:fillRef>
+          <a:effectRef idx="0">
+            <a:schemeClr val="accent1"/>
+          </a:effectRef>
+          <a:fontRef idx="minor">
+            <a:schemeClr val="tx1"/>
+          </a:fontRef>
+        </p:style>
+      </p:cxnSp>
+      <p:cxnSp>
+        <p:nvCxnSpPr>
+          <p:cNvPr id="40" name="Straight Arrow Connector 39">
+            <a:extLst>
+              <a:ext uri="{FF2B5EF4-FFF2-40B4-BE49-F238E27FC236}">
+                <a16:creationId xmlns:a16="http://schemas.microsoft.com/office/drawing/2014/main" id="{8F7C0F34-0989-2618-3093-C1326D05CA95}"/>
+              </a:ext>
+            </a:extLst>
+          </p:cNvPr>
+          <p:cNvCxnSpPr>
+            <a:cxnSpLocks/>
+            <a:stCxn id="14" idx="3"/>
+            <a:endCxn id="17" idx="1"/>
+          </p:cNvCxnSpPr>
+          <p:nvPr/>
+        </p:nvCxnSpPr>
+        <p:spPr>
+          <a:xfrm flipV="1">
+            <a:off x="9626297" y="3541041"/>
+            <a:ext cx="263884" cy="11860"/>
+          </a:xfrm>
+          <a:prstGeom prst="straightConnector1">
+            <a:avLst/>
+          </a:prstGeom>
+          <a:ln w="25400">
+            <a:tailEnd type="triangle" w="lg" len="med"/>
+          </a:ln>
+        </p:spPr>
+        <p:style>
+          <a:lnRef idx="1">
+            <a:schemeClr val="accent1"/>
+          </a:lnRef>
+          <a:fillRef idx="0">
+            <a:schemeClr val="accent1"/>
+          </a:fillRef>
+          <a:effectRef idx="0">
+            <a:schemeClr val="accent1"/>
+          </a:effectRef>
+          <a:fontRef idx="minor">
+            <a:schemeClr val="tx1"/>
+          </a:fontRef>
+        </p:style>
+      </p:cxnSp>
+      <p:cxnSp>
+        <p:nvCxnSpPr>
+          <p:cNvPr id="44" name="Straight Connector 43">
+            <a:extLst>
+              <a:ext uri="{FF2B5EF4-FFF2-40B4-BE49-F238E27FC236}">
+                <a16:creationId xmlns:a16="http://schemas.microsoft.com/office/drawing/2014/main" id="{0E6E1233-A880-B823-D6B5-43D0BA9D4A6D}"/>
+              </a:ext>
+            </a:extLst>
+          </p:cNvPr>
+          <p:cNvCxnSpPr>
+            <a:cxnSpLocks/>
+          </p:cNvCxnSpPr>
+          <p:nvPr/>
+        </p:nvCxnSpPr>
+        <p:spPr>
+          <a:xfrm>
+            <a:off x="7376721" y="5573136"/>
+            <a:ext cx="0" cy="550272"/>
+          </a:xfrm>
+          <a:prstGeom prst="line">
+            <a:avLst/>
+          </a:prstGeom>
+          <a:ln w="25400">
+            <a:solidFill>
+              <a:schemeClr val="tx1"/>
+            </a:solidFill>
+          </a:ln>
+        </p:spPr>
+        <p:style>
+          <a:lnRef idx="1">
+            <a:schemeClr val="accent1"/>
+          </a:lnRef>
+          <a:fillRef idx="0">
+            <a:schemeClr val="accent1"/>
+          </a:fillRef>
+          <a:effectRef idx="0">
+            <a:schemeClr val="accent1"/>
+          </a:effectRef>
+          <a:fontRef idx="minor">
+            <a:schemeClr val="tx1"/>
+          </a:fontRef>
+        </p:style>
+      </p:cxnSp>
+      <p:cxnSp>
+        <p:nvCxnSpPr>
+          <p:cNvPr id="45" name="Straight Connector 44">
+            <a:extLst>
+              <a:ext uri="{FF2B5EF4-FFF2-40B4-BE49-F238E27FC236}">
+                <a16:creationId xmlns:a16="http://schemas.microsoft.com/office/drawing/2014/main" id="{69191AFA-CBE9-4C3A-B212-139F68F39307}"/>
+              </a:ext>
+            </a:extLst>
+          </p:cNvPr>
+          <p:cNvCxnSpPr>
+            <a:cxnSpLocks/>
+          </p:cNvCxnSpPr>
+          <p:nvPr/>
+        </p:nvCxnSpPr>
+        <p:spPr>
+          <a:xfrm>
+            <a:off x="4056955" y="5055505"/>
+            <a:ext cx="0" cy="339693"/>
+          </a:xfrm>
+          <a:prstGeom prst="line">
+            <a:avLst/>
+          </a:prstGeom>
+          <a:ln w="25400">
+            <a:solidFill>
+              <a:schemeClr val="tx1"/>
+            </a:solidFill>
+          </a:ln>
+        </p:spPr>
+        <p:style>
+          <a:lnRef idx="1">
+            <a:schemeClr val="accent1"/>
+          </a:lnRef>
+          <a:fillRef idx="0">
+            <a:schemeClr val="accent1"/>
+          </a:fillRef>
+          <a:effectRef idx="0">
+            <a:schemeClr val="accent1"/>
+          </a:effectRef>
+          <a:fontRef idx="minor">
+            <a:schemeClr val="tx1"/>
+          </a:fontRef>
+        </p:style>
+      </p:cxnSp>
+      <p:cxnSp>
+        <p:nvCxnSpPr>
+          <p:cNvPr id="46" name="Straight Connector 45">
+            <a:extLst>
+              <a:ext uri="{FF2B5EF4-FFF2-40B4-BE49-F238E27FC236}">
+                <a16:creationId xmlns:a16="http://schemas.microsoft.com/office/drawing/2014/main" id="{1FA00977-E020-AF68-FC6B-E9ED4183AD2D}"/>
+              </a:ext>
+            </a:extLst>
+          </p:cNvPr>
+          <p:cNvCxnSpPr>
+            <a:cxnSpLocks/>
+          </p:cNvCxnSpPr>
+          <p:nvPr/>
+        </p:nvCxnSpPr>
+        <p:spPr>
+          <a:xfrm>
+            <a:off x="714387" y="5486565"/>
+            <a:ext cx="0" cy="636843"/>
+          </a:xfrm>
+          <a:prstGeom prst="line">
+            <a:avLst/>
+          </a:prstGeom>
+          <a:ln w="25400">
+            <a:solidFill>
+              <a:schemeClr val="tx1"/>
+            </a:solidFill>
+          </a:ln>
+        </p:spPr>
+        <p:style>
+          <a:lnRef idx="1">
+            <a:schemeClr val="accent1"/>
+          </a:lnRef>
+          <a:fillRef idx="0">
+            <a:schemeClr val="accent1"/>
+          </a:fillRef>
+          <a:effectRef idx="0">
+            <a:schemeClr val="accent1"/>
+          </a:effectRef>
+          <a:fontRef idx="minor">
+            <a:schemeClr val="tx1"/>
+          </a:fontRef>
+        </p:style>
+      </p:cxnSp>
+      <p:sp>
+        <p:nvSpPr>
+          <p:cNvPr id="47" name="Rectangle 46">
+            <a:extLst>
+              <a:ext uri="{FF2B5EF4-FFF2-40B4-BE49-F238E27FC236}">
+                <a16:creationId xmlns:a16="http://schemas.microsoft.com/office/drawing/2014/main" id="{128B0112-0757-D542-B499-73DC9C8A9083}"/>
+              </a:ext>
+            </a:extLst>
+          </p:cNvPr>
+          <p:cNvSpPr/>
+          <p:nvPr/>
+        </p:nvSpPr>
+        <p:spPr>
+          <a:xfrm>
+            <a:off x="707983" y="5153452"/>
+            <a:ext cx="2463758" cy="355876"/>
+          </a:xfrm>
+          <a:prstGeom prst="rect">
+            <a:avLst/>
+          </a:prstGeom>
+          <a:solidFill>
+            <a:schemeClr val="bg1"/>
+          </a:solidFill>
+          <a:ln w="25400">
+            <a:gradFill flip="none" rotWithShape="1">
+              <a:gsLst>
+                <a:gs pos="0">
+                  <a:schemeClr val="accent5">
+                    <a:lumMod val="40000"/>
+                    <a:lumOff val="60000"/>
+                  </a:schemeClr>
+                </a:gs>
+                <a:gs pos="46000">
+                  <a:schemeClr val="accent5">
+                    <a:lumMod val="95000"/>
+                    <a:lumOff val="5000"/>
+                  </a:schemeClr>
+                </a:gs>
+                <a:gs pos="100000">
+                  <a:schemeClr val="accent5">
+                    <a:lumMod val="60000"/>
+                  </a:schemeClr>
+                </a:gs>
+              </a:gsLst>
+              <a:path path="circle">
+                <a:fillToRect l="50000" t="130000" r="50000" b="-30000"/>
+              </a:path>
+              <a:tileRect/>
+            </a:gradFill>
+          </a:ln>
+        </p:spPr>
+        <p:style>
+          <a:lnRef idx="2">
+            <a:schemeClr val="accent6"/>
+          </a:lnRef>
+          <a:fillRef idx="1">
+            <a:schemeClr val="lt1"/>
+          </a:fillRef>
+          <a:effectRef idx="0">
+            <a:schemeClr val="accent6"/>
+          </a:effectRef>
+          <a:fontRef idx="minor">
+            <a:schemeClr val="dk1"/>
+          </a:fontRef>
+        </p:style>
+        <p:txBody>
+          <a:bodyPr rtlCol="0" anchor="ctr"/>
+          <a:lstStyle/>
+          <a:p>
+            <a:pPr algn="ctr"/>
+            <a:r>
+              <a:rPr lang="en-US" b="1" dirty="0" err="1"/>
+              <a:t>slo</a:t>
+            </a:r>
+            <a:r>
+              <a:rPr lang="en-US" b="1" dirty="0"/>
+              <a:t>-ctrl-plane-resources</a:t>
+            </a:r>
+          </a:p>
+        </p:txBody>
+      </p:sp>
+      <p:sp>
+        <p:nvSpPr>
+          <p:cNvPr id="48" name="Rectangle 47">
+            <a:extLst>
+              <a:ext uri="{FF2B5EF4-FFF2-40B4-BE49-F238E27FC236}">
+                <a16:creationId xmlns:a16="http://schemas.microsoft.com/office/drawing/2014/main" id="{8A4403EC-30D7-947E-36EB-60DDD1305671}"/>
+              </a:ext>
+            </a:extLst>
+          </p:cNvPr>
+          <p:cNvSpPr/>
+          <p:nvPr/>
+        </p:nvSpPr>
+        <p:spPr>
+          <a:xfrm>
+            <a:off x="4056955" y="4732392"/>
+            <a:ext cx="2238957" cy="355876"/>
+          </a:xfrm>
+          <a:prstGeom prst="rect">
+            <a:avLst/>
+          </a:prstGeom>
+          <a:solidFill>
+            <a:schemeClr val="bg1"/>
+          </a:solidFill>
+          <a:ln w="25400">
+            <a:gradFill flip="none" rotWithShape="1">
+              <a:gsLst>
+                <a:gs pos="0">
+                  <a:schemeClr val="accent5">
+                    <a:lumMod val="40000"/>
+                    <a:lumOff val="60000"/>
+                  </a:schemeClr>
+                </a:gs>
+                <a:gs pos="46000">
+                  <a:schemeClr val="accent5">
+                    <a:lumMod val="95000"/>
+                    <a:lumOff val="5000"/>
+                  </a:schemeClr>
+                </a:gs>
+                <a:gs pos="100000">
+                  <a:schemeClr val="accent5">
+                    <a:lumMod val="60000"/>
+                  </a:schemeClr>
+                </a:gs>
+              </a:gsLst>
+              <a:path path="circle">
+                <a:fillToRect l="50000" t="130000" r="50000" b="-30000"/>
+              </a:path>
+              <a:tileRect/>
+            </a:gradFill>
+          </a:ln>
+        </p:spPr>
+        <p:style>
+          <a:lnRef idx="2">
+            <a:schemeClr val="accent6"/>
+          </a:lnRef>
+          <a:fillRef idx="1">
+            <a:schemeClr val="lt1"/>
+          </a:fillRef>
+          <a:effectRef idx="0">
+            <a:schemeClr val="accent6"/>
+          </a:effectRef>
+          <a:fontRef idx="minor">
+            <a:schemeClr val="dk1"/>
+          </a:fontRef>
+        </p:style>
+        <p:txBody>
+          <a:bodyPr rtlCol="0" anchor="ctr"/>
+          <a:lstStyle/>
+          <a:p>
+            <a:pPr algn="ctr"/>
+            <a:r>
+              <a:rPr lang="en-US" b="1" dirty="0" err="1"/>
+              <a:t>slo</a:t>
+            </a:r>
+            <a:r>
+              <a:rPr lang="en-US" b="1" dirty="0"/>
+              <a:t>-ctrl-plane-types</a:t>
+            </a:r>
+          </a:p>
+        </p:txBody>
+      </p:sp>
+      <p:sp>
+        <p:nvSpPr>
+          <p:cNvPr id="50" name="Rectangle 49">
+            <a:extLst>
+              <a:ext uri="{FF2B5EF4-FFF2-40B4-BE49-F238E27FC236}">
+                <a16:creationId xmlns:a16="http://schemas.microsoft.com/office/drawing/2014/main" id="{9A028F58-164F-83FA-BC06-3EDA460DE493}"/>
+              </a:ext>
+            </a:extLst>
+          </p:cNvPr>
+          <p:cNvSpPr/>
+          <p:nvPr/>
+        </p:nvSpPr>
+        <p:spPr>
+          <a:xfrm>
+            <a:off x="7377691" y="5217260"/>
+            <a:ext cx="2238957" cy="355876"/>
+          </a:xfrm>
+          <a:prstGeom prst="rect">
+            <a:avLst/>
+          </a:prstGeom>
+          <a:solidFill>
+            <a:schemeClr val="bg1"/>
+          </a:solidFill>
+          <a:ln w="25400">
+            <a:gradFill flip="none" rotWithShape="1">
+              <a:gsLst>
+                <a:gs pos="0">
+                  <a:schemeClr val="accent5">
+                    <a:lumMod val="40000"/>
+                    <a:lumOff val="60000"/>
+                  </a:schemeClr>
+                </a:gs>
+                <a:gs pos="46000">
+                  <a:schemeClr val="accent5">
+                    <a:lumMod val="95000"/>
+                    <a:lumOff val="5000"/>
+                  </a:schemeClr>
+                </a:gs>
+                <a:gs pos="100000">
+                  <a:schemeClr val="accent5">
+                    <a:lumMod val="60000"/>
+                  </a:schemeClr>
+                </a:gs>
+              </a:gsLst>
+              <a:path path="circle">
+                <a:fillToRect l="50000" t="130000" r="50000" b="-30000"/>
+              </a:path>
+              <a:tileRect/>
+            </a:gradFill>
+          </a:ln>
+        </p:spPr>
+        <p:style>
+          <a:lnRef idx="2">
+            <a:schemeClr val="accent6"/>
+          </a:lnRef>
+          <a:fillRef idx="1">
+            <a:schemeClr val="lt1"/>
+          </a:fillRef>
+          <a:effectRef idx="0">
+            <a:schemeClr val="accent6"/>
+          </a:effectRef>
+          <a:fontRef idx="minor">
+            <a:schemeClr val="dk1"/>
+          </a:fontRef>
+        </p:style>
+        <p:txBody>
+          <a:bodyPr rtlCol="0" anchor="ctr"/>
+          <a:lstStyle/>
+          <a:p>
+            <a:pPr algn="ctr"/>
+            <a:r>
+              <a:rPr lang="en-US" b="1" dirty="0" err="1"/>
+              <a:t>slo</a:t>
+            </a:r>
+            <a:r>
+              <a:rPr lang="en-US" b="1" dirty="0"/>
+              <a:t>-ctrl-plane-host</a:t>
+            </a:r>
+          </a:p>
+        </p:txBody>
+      </p:sp>
+      <p:cxnSp>
+        <p:nvCxnSpPr>
+          <p:cNvPr id="53" name="Straight Arrow Connector 52">
+            <a:extLst>
+              <a:ext uri="{FF2B5EF4-FFF2-40B4-BE49-F238E27FC236}">
+                <a16:creationId xmlns:a16="http://schemas.microsoft.com/office/drawing/2014/main" id="{46421154-3AB5-DD38-7631-31CF2BEB194B}"/>
+              </a:ext>
+            </a:extLst>
+          </p:cNvPr>
+          <p:cNvCxnSpPr>
+            <a:stCxn id="50" idx="1"/>
+            <a:endCxn id="48" idx="3"/>
+          </p:cNvCxnSpPr>
+          <p:nvPr/>
+        </p:nvCxnSpPr>
+        <p:spPr>
+          <a:xfrm flipH="1" flipV="1">
+            <a:off x="6295912" y="4910330"/>
+            <a:ext cx="1081779" cy="484868"/>
+          </a:xfrm>
+          <a:prstGeom prst="straightConnector1">
+            <a:avLst/>
+          </a:prstGeom>
+          <a:ln w="25400">
+            <a:tailEnd type="triangle" w="lg" len="med"/>
+          </a:ln>
+        </p:spPr>
+        <p:style>
+          <a:lnRef idx="1">
+            <a:schemeClr val="accent1"/>
+          </a:lnRef>
+          <a:fillRef idx="0">
+            <a:schemeClr val="accent1"/>
+          </a:fillRef>
+          <a:effectRef idx="0">
+            <a:schemeClr val="accent1"/>
+          </a:effectRef>
+          <a:fontRef idx="minor">
+            <a:schemeClr val="tx1"/>
+          </a:fontRef>
+        </p:style>
+      </p:cxnSp>
+      <p:sp>
+        <p:nvSpPr>
+          <p:cNvPr id="54" name="Rectangle 53">
+            <a:extLst>
+              <a:ext uri="{FF2B5EF4-FFF2-40B4-BE49-F238E27FC236}">
+                <a16:creationId xmlns:a16="http://schemas.microsoft.com/office/drawing/2014/main" id="{90D2B605-0E76-254D-A83C-5B6A009DDE10}"/>
+              </a:ext>
+            </a:extLst>
+          </p:cNvPr>
+          <p:cNvSpPr/>
+          <p:nvPr/>
+        </p:nvSpPr>
+        <p:spPr>
+          <a:xfrm>
+            <a:off x="9880532" y="5205400"/>
+            <a:ext cx="2238957" cy="355876"/>
+          </a:xfrm>
+          <a:prstGeom prst="rect">
+            <a:avLst/>
+          </a:prstGeom>
+          <a:solidFill>
+            <a:schemeClr val="bg1"/>
+          </a:solidFill>
+          <a:ln w="25400">
+            <a:gradFill flip="none" rotWithShape="1">
+              <a:gsLst>
+                <a:gs pos="0">
+                  <a:schemeClr val="accent5">
+                    <a:lumMod val="40000"/>
+                    <a:lumOff val="60000"/>
+                  </a:schemeClr>
+                </a:gs>
+                <a:gs pos="46000">
+                  <a:schemeClr val="accent5">
+                    <a:lumMod val="95000"/>
+                    <a:lumOff val="5000"/>
+                  </a:schemeClr>
+                </a:gs>
+                <a:gs pos="100000">
+                  <a:schemeClr val="accent5">
+                    <a:lumMod val="60000"/>
+                  </a:schemeClr>
+                </a:gs>
+              </a:gsLst>
+              <a:path path="circle">
+                <a:fillToRect l="50000" t="130000" r="50000" b="-30000"/>
+              </a:path>
+              <a:tileRect/>
+            </a:gradFill>
+            <a:prstDash val="sysDot"/>
+          </a:ln>
+        </p:spPr>
+        <p:style>
+          <a:lnRef idx="2">
+            <a:schemeClr val="accent6"/>
+          </a:lnRef>
+          <a:fillRef idx="1">
+            <a:schemeClr val="lt1"/>
+          </a:fillRef>
+          <a:effectRef idx="0">
+            <a:schemeClr val="accent6"/>
+          </a:effectRef>
+          <a:fontRef idx="minor">
+            <a:schemeClr val="dk1"/>
+          </a:fontRef>
+        </p:style>
+        <p:txBody>
+          <a:bodyPr rtlCol="0" anchor="ctr"/>
+          <a:lstStyle/>
+          <a:p>
+            <a:pPr algn="ctr"/>
+            <a:r>
+              <a:rPr lang="en-US" b="1" dirty="0" err="1"/>
+              <a:t>awsrds</a:t>
+            </a:r>
+            <a:r>
+              <a:rPr lang="en-US" b="1" dirty="0"/>
+              <a:t>-adapter</a:t>
+            </a:r>
+          </a:p>
+        </p:txBody>
+      </p:sp>
+      <p:sp>
+        <p:nvSpPr>
+          <p:cNvPr id="55" name="Rectangle 54">
+            <a:extLst>
+              <a:ext uri="{FF2B5EF4-FFF2-40B4-BE49-F238E27FC236}">
+                <a16:creationId xmlns:a16="http://schemas.microsoft.com/office/drawing/2014/main" id="{973D6CC0-428D-0F8C-5023-9AE64CBCCEE6}"/>
+              </a:ext>
+            </a:extLst>
+          </p:cNvPr>
+          <p:cNvSpPr/>
+          <p:nvPr/>
+        </p:nvSpPr>
+        <p:spPr>
+          <a:xfrm>
+            <a:off x="4155093" y="5147246"/>
+            <a:ext cx="2103120" cy="320682"/>
+          </a:xfrm>
+          <a:prstGeom prst="rect">
+            <a:avLst/>
+          </a:prstGeom>
+          <a:solidFill>
+            <a:srgbClr val="E3E0B3"/>
+          </a:solidFill>
+          <a:ln>
+            <a:solidFill>
+              <a:schemeClr val="tx1">
+                <a:lumMod val="65000"/>
+                <a:lumOff val="35000"/>
+              </a:schemeClr>
+            </a:solidFill>
+          </a:ln>
+        </p:spPr>
+        <p:style>
+          <a:lnRef idx="2">
+            <a:schemeClr val="accent6"/>
+          </a:lnRef>
+          <a:fillRef idx="1">
+            <a:schemeClr val="lt1"/>
+          </a:fillRef>
+          <a:effectRef idx="0">
+            <a:schemeClr val="accent6"/>
+          </a:effectRef>
+          <a:fontRef idx="minor">
+            <a:schemeClr val="dk1"/>
+          </a:fontRef>
+        </p:style>
+        <p:txBody>
+          <a:bodyPr rtlCol="0" anchor="ctr"/>
+          <a:lstStyle/>
+          <a:p>
+            <a:pPr algn="ctr"/>
+            <a:r>
+              <a:rPr lang="en-US" dirty="0"/>
+              <a:t>control</a:t>
+            </a:r>
+          </a:p>
+        </p:txBody>
+      </p:sp>
+      <p:sp>
+        <p:nvSpPr>
+          <p:cNvPr id="56" name="Rectangle 55">
+            <a:extLst>
+              <a:ext uri="{FF2B5EF4-FFF2-40B4-BE49-F238E27FC236}">
+                <a16:creationId xmlns:a16="http://schemas.microsoft.com/office/drawing/2014/main" id="{0A33AF76-A69B-FFFB-78BD-2BA392191C36}"/>
+              </a:ext>
+            </a:extLst>
+          </p:cNvPr>
+          <p:cNvSpPr/>
+          <p:nvPr/>
+        </p:nvSpPr>
+        <p:spPr>
+          <a:xfrm>
+            <a:off x="7513528" y="5628169"/>
+            <a:ext cx="2103120" cy="320682"/>
+          </a:xfrm>
+          <a:prstGeom prst="rect">
+            <a:avLst/>
+          </a:prstGeom>
+          <a:solidFill>
+            <a:srgbClr val="E3E0B3"/>
+          </a:solidFill>
+          <a:ln>
+            <a:solidFill>
+              <a:schemeClr val="tx1">
+                <a:lumMod val="65000"/>
+                <a:lumOff val="35000"/>
+              </a:schemeClr>
+            </a:solidFill>
+          </a:ln>
+        </p:spPr>
+        <p:style>
+          <a:lnRef idx="2">
+            <a:schemeClr val="accent6"/>
+          </a:lnRef>
+          <a:fillRef idx="1">
+            <a:schemeClr val="lt1"/>
+          </a:fillRef>
+          <a:effectRef idx="0">
+            <a:schemeClr val="accent6"/>
+          </a:effectRef>
+          <a:fontRef idx="minor">
+            <a:schemeClr val="dk1"/>
+          </a:fontRef>
+        </p:style>
+        <p:txBody>
+          <a:bodyPr rtlCol="0" anchor="ctr"/>
+          <a:lstStyle/>
+          <a:p>
+            <a:pPr algn="ctr"/>
+            <a:r>
+              <a:rPr lang="en-US" dirty="0"/>
+              <a:t>audit</a:t>
+            </a:r>
+          </a:p>
+        </p:txBody>
+      </p:sp>
+      <p:sp>
+        <p:nvSpPr>
+          <p:cNvPr id="57" name="Rectangle 56">
+            <a:extLst>
+              <a:ext uri="{FF2B5EF4-FFF2-40B4-BE49-F238E27FC236}">
+                <a16:creationId xmlns:a16="http://schemas.microsoft.com/office/drawing/2014/main" id="{46159945-78D5-6240-A0E2-EB3382F9B085}"/>
+              </a:ext>
+            </a:extLst>
+          </p:cNvPr>
+          <p:cNvSpPr/>
+          <p:nvPr/>
+        </p:nvSpPr>
+        <p:spPr>
+          <a:xfrm>
+            <a:off x="7513528" y="5978474"/>
+            <a:ext cx="2103120" cy="320682"/>
+          </a:xfrm>
+          <a:prstGeom prst="rect">
+            <a:avLst/>
+          </a:prstGeom>
+          <a:solidFill>
+            <a:srgbClr val="E3E0B3"/>
+          </a:solidFill>
+          <a:ln>
+            <a:solidFill>
+              <a:schemeClr val="tx1">
+                <a:lumMod val="65000"/>
+                <a:lumOff val="35000"/>
+              </a:schemeClr>
+            </a:solidFill>
+          </a:ln>
+        </p:spPr>
+        <p:style>
+          <a:lnRef idx="2">
+            <a:schemeClr val="accent6"/>
+          </a:lnRef>
+          <a:fillRef idx="1">
+            <a:schemeClr val="lt1"/>
+          </a:fillRef>
+          <a:effectRef idx="0">
+            <a:schemeClr val="accent6"/>
+          </a:effectRef>
+          <a:fontRef idx="minor">
+            <a:schemeClr val="dk1"/>
+          </a:fontRef>
+        </p:style>
+        <p:txBody>
+          <a:bodyPr rtlCol="0" anchor="ctr"/>
+          <a:lstStyle/>
+          <a:p>
+            <a:pPr algn="ctr"/>
+            <a:r>
+              <a:rPr lang="en-US" dirty="0"/>
+              <a:t>load</a:t>
+            </a:r>
+          </a:p>
+        </p:txBody>
+      </p:sp>
+      <p:sp>
+        <p:nvSpPr>
+          <p:cNvPr id="58" name="Rectangle 57">
+            <a:extLst>
+              <a:ext uri="{FF2B5EF4-FFF2-40B4-BE49-F238E27FC236}">
+                <a16:creationId xmlns:a16="http://schemas.microsoft.com/office/drawing/2014/main" id="{73A8737C-4B2B-8582-6C98-9873728F8D76}"/>
+              </a:ext>
+            </a:extLst>
+          </p:cNvPr>
+          <p:cNvSpPr/>
+          <p:nvPr/>
+        </p:nvSpPr>
+        <p:spPr>
+          <a:xfrm>
+            <a:off x="916220" y="5573645"/>
+            <a:ext cx="2103120" cy="320682"/>
+          </a:xfrm>
+          <a:prstGeom prst="rect">
+            <a:avLst/>
+          </a:prstGeom>
+          <a:solidFill>
+            <a:srgbClr val="E3E0B3"/>
+          </a:solidFill>
+          <a:ln>
+            <a:solidFill>
+              <a:schemeClr val="tx1">
+                <a:lumMod val="65000"/>
+                <a:lumOff val="35000"/>
+              </a:schemeClr>
+            </a:solidFill>
+          </a:ln>
+        </p:spPr>
+        <p:style>
+          <a:lnRef idx="2">
+            <a:schemeClr val="accent6"/>
+          </a:lnRef>
+          <a:fillRef idx="1">
+            <a:schemeClr val="lt1"/>
+          </a:fillRef>
+          <a:effectRef idx="0">
+            <a:schemeClr val="accent6"/>
+          </a:effectRef>
+          <a:fontRef idx="minor">
+            <a:schemeClr val="dk1"/>
+          </a:fontRef>
+        </p:style>
+        <p:txBody>
+          <a:bodyPr rtlCol="0" anchor="ctr"/>
+          <a:lstStyle/>
+          <a:p>
+            <a:pPr algn="ctr"/>
+            <a:r>
+              <a:rPr lang="en-US" dirty="0"/>
+              <a:t>audit</a:t>
+            </a:r>
+          </a:p>
+        </p:txBody>
+      </p:sp>
+      <p:cxnSp>
+        <p:nvCxnSpPr>
+          <p:cNvPr id="59" name="Straight Arrow Connector 58">
+            <a:extLst>
+              <a:ext uri="{FF2B5EF4-FFF2-40B4-BE49-F238E27FC236}">
+                <a16:creationId xmlns:a16="http://schemas.microsoft.com/office/drawing/2014/main" id="{58C1CB70-7755-99F9-4E72-226656E7CDB0}"/>
+              </a:ext>
+            </a:extLst>
+          </p:cNvPr>
+          <p:cNvCxnSpPr>
+            <a:cxnSpLocks/>
+            <a:stCxn id="47" idx="3"/>
+            <a:endCxn id="48" idx="1"/>
+          </p:cNvCxnSpPr>
+          <p:nvPr/>
+        </p:nvCxnSpPr>
+        <p:spPr>
+          <a:xfrm flipV="1">
+            <a:off x="3171741" y="4910330"/>
+            <a:ext cx="885214" cy="421060"/>
+          </a:xfrm>
+          <a:prstGeom prst="straightConnector1">
+            <a:avLst/>
+          </a:prstGeom>
+          <a:ln w="25400">
+            <a:tailEnd type="triangle" w="lg" len="med"/>
+          </a:ln>
+        </p:spPr>
+        <p:style>
+          <a:lnRef idx="1">
+            <a:schemeClr val="accent1"/>
+          </a:lnRef>
+          <a:fillRef idx="0">
+            <a:schemeClr val="accent1"/>
+          </a:fillRef>
+          <a:effectRef idx="0">
+            <a:schemeClr val="accent1"/>
+          </a:effectRef>
+          <a:fontRef idx="minor">
+            <a:schemeClr val="tx1"/>
+          </a:fontRef>
+        </p:style>
+      </p:cxnSp>
+      <p:cxnSp>
+        <p:nvCxnSpPr>
+          <p:cNvPr id="60" name="Straight Arrow Connector 59">
+            <a:extLst>
+              <a:ext uri="{FF2B5EF4-FFF2-40B4-BE49-F238E27FC236}">
+                <a16:creationId xmlns:a16="http://schemas.microsoft.com/office/drawing/2014/main" id="{43583CFF-2935-05D4-83E2-006783B0A8EC}"/>
+              </a:ext>
+            </a:extLst>
+          </p:cNvPr>
+          <p:cNvCxnSpPr>
+            <a:cxnSpLocks/>
+            <a:stCxn id="50" idx="3"/>
+            <a:endCxn id="54" idx="1"/>
+          </p:cNvCxnSpPr>
+          <p:nvPr/>
+        </p:nvCxnSpPr>
+        <p:spPr>
+          <a:xfrm flipV="1">
+            <a:off x="9616648" y="5383338"/>
+            <a:ext cx="263884" cy="11860"/>
+          </a:xfrm>
+          <a:prstGeom prst="straightConnector1">
+            <a:avLst/>
+          </a:prstGeom>
+          <a:ln w="25400">
+            <a:tailEnd type="triangle" w="lg" len="med"/>
+          </a:ln>
+        </p:spPr>
+        <p:style>
+          <a:lnRef idx="1">
+            <a:schemeClr val="accent1"/>
+          </a:lnRef>
+          <a:fillRef idx="0">
+            <a:schemeClr val="accent1"/>
+          </a:fillRef>
+          <a:effectRef idx="0">
+            <a:schemeClr val="accent1"/>
+          </a:effectRef>
+          <a:fontRef idx="minor">
+            <a:schemeClr val="tx1"/>
+          </a:fontRef>
+        </p:style>
+      </p:cxnSp>
+      <p:sp>
+        <p:nvSpPr>
+          <p:cNvPr id="61" name="Rectangle 60">
+            <a:extLst>
+              <a:ext uri="{FF2B5EF4-FFF2-40B4-BE49-F238E27FC236}">
+                <a16:creationId xmlns:a16="http://schemas.microsoft.com/office/drawing/2014/main" id="{F2C404B8-8AD0-B304-5053-1C6776F7ACA1}"/>
+              </a:ext>
+            </a:extLst>
+          </p:cNvPr>
+          <p:cNvSpPr/>
+          <p:nvPr/>
+        </p:nvSpPr>
+        <p:spPr>
+          <a:xfrm>
+            <a:off x="910418" y="5908480"/>
+            <a:ext cx="2103120" cy="320682"/>
+          </a:xfrm>
+          <a:prstGeom prst="rect">
+            <a:avLst/>
+          </a:prstGeom>
+          <a:solidFill>
+            <a:srgbClr val="E3E0B3"/>
+          </a:solidFill>
+          <a:ln>
+            <a:solidFill>
+              <a:schemeClr val="tx1">
+                <a:lumMod val="65000"/>
+                <a:lumOff val="35000"/>
+              </a:schemeClr>
+            </a:solidFill>
+          </a:ln>
+        </p:spPr>
+        <p:style>
+          <a:lnRef idx="2">
+            <a:schemeClr val="accent6"/>
+          </a:lnRef>
+          <a:fillRef idx="1">
+            <a:schemeClr val="lt1"/>
+          </a:fillRef>
+          <a:effectRef idx="0">
+            <a:schemeClr val="accent6"/>
+          </a:effectRef>
+          <a:fontRef idx="minor">
+            <a:schemeClr val="dk1"/>
+          </a:fontRef>
+        </p:style>
+        <p:txBody>
+          <a:bodyPr rtlCol="0" anchor="ctr"/>
+          <a:lstStyle/>
+          <a:p>
+            <a:pPr algn="ctr"/>
+            <a:r>
+              <a:rPr lang="en-US" dirty="0"/>
+              <a:t>load</a:t>
+            </a:r>
+          </a:p>
+        </p:txBody>
+      </p:sp>
+      <p:cxnSp>
+        <p:nvCxnSpPr>
+          <p:cNvPr id="62" name="Straight Arrow Connector 61">
+            <a:extLst>
+              <a:ext uri="{FF2B5EF4-FFF2-40B4-BE49-F238E27FC236}">
+                <a16:creationId xmlns:a16="http://schemas.microsoft.com/office/drawing/2014/main" id="{104B7C2C-7277-B90E-592D-78D7FF14B56F}"/>
+              </a:ext>
+            </a:extLst>
+          </p:cNvPr>
+          <p:cNvCxnSpPr>
+            <a:cxnSpLocks/>
+            <a:stCxn id="50" idx="1"/>
+            <a:endCxn id="12" idx="3"/>
+          </p:cNvCxnSpPr>
+          <p:nvPr/>
+        </p:nvCxnSpPr>
+        <p:spPr>
+          <a:xfrm flipH="1" flipV="1">
+            <a:off x="3181390" y="3489093"/>
+            <a:ext cx="4196301" cy="1906105"/>
+          </a:xfrm>
+          <a:prstGeom prst="straightConnector1">
+            <a:avLst/>
+          </a:prstGeom>
+          <a:ln w="25400">
+            <a:tailEnd type="triangle" w="lg" len="med"/>
+          </a:ln>
+        </p:spPr>
+        <p:style>
+          <a:lnRef idx="1">
+            <a:schemeClr val="accent1"/>
+          </a:lnRef>
+          <a:fillRef idx="0">
+            <a:schemeClr val="accent1"/>
+          </a:fillRef>
+          <a:effectRef idx="0">
+            <a:schemeClr val="accent1"/>
+          </a:effectRef>
+          <a:fontRef idx="minor">
+            <a:schemeClr val="tx1"/>
+          </a:fontRef>
+        </p:style>
+      </p:cxnSp>
+      <p:cxnSp>
+        <p:nvCxnSpPr>
+          <p:cNvPr id="66" name="Straight Arrow Connector 65">
+            <a:extLst>
+              <a:ext uri="{FF2B5EF4-FFF2-40B4-BE49-F238E27FC236}">
+                <a16:creationId xmlns:a16="http://schemas.microsoft.com/office/drawing/2014/main" id="{0A81DF3D-5B0C-7033-B340-F84E5688EDD4}"/>
+              </a:ext>
+            </a:extLst>
+          </p:cNvPr>
+          <p:cNvCxnSpPr>
+            <a:cxnSpLocks/>
+            <a:stCxn id="50" idx="1"/>
+            <a:endCxn id="13" idx="3"/>
+          </p:cNvCxnSpPr>
+          <p:nvPr/>
+        </p:nvCxnSpPr>
+        <p:spPr>
+          <a:xfrm flipH="1" flipV="1">
+            <a:off x="6305561" y="3068033"/>
+            <a:ext cx="1072130" cy="2327165"/>
+          </a:xfrm>
+          <a:prstGeom prst="straightConnector1">
+            <a:avLst/>
+          </a:prstGeom>
+          <a:ln w="25400">
+            <a:tailEnd type="triangle" w="lg" len="med"/>
+          </a:ln>
+        </p:spPr>
+        <p:style>
+          <a:lnRef idx="1">
+            <a:schemeClr val="accent1"/>
+          </a:lnRef>
+          <a:fillRef idx="0">
+            <a:schemeClr val="accent1"/>
+          </a:fillRef>
+          <a:effectRef idx="0">
+            <a:schemeClr val="accent1"/>
+          </a:effectRef>
+          <a:fontRef idx="minor">
+            <a:schemeClr val="tx1"/>
+          </a:fontRef>
+        </p:style>
+      </p:cxnSp>
+      <p:cxnSp>
+        <p:nvCxnSpPr>
+          <p:cNvPr id="69" name="Straight Arrow Connector 68">
+            <a:extLst>
+              <a:ext uri="{FF2B5EF4-FFF2-40B4-BE49-F238E27FC236}">
+                <a16:creationId xmlns:a16="http://schemas.microsoft.com/office/drawing/2014/main" id="{A7F623FC-A280-A584-A644-FDADC910C9FF}"/>
+              </a:ext>
+            </a:extLst>
+          </p:cNvPr>
+          <p:cNvCxnSpPr>
+            <a:cxnSpLocks/>
+            <a:stCxn id="14" idx="1"/>
+            <a:endCxn id="38" idx="3"/>
+          </p:cNvCxnSpPr>
+          <p:nvPr/>
+        </p:nvCxnSpPr>
+        <p:spPr>
+          <a:xfrm flipH="1" flipV="1">
+            <a:off x="6153161" y="1376214"/>
+            <a:ext cx="1234179" cy="2176687"/>
+          </a:xfrm>
+          <a:prstGeom prst="straightConnector1">
+            <a:avLst/>
+          </a:prstGeom>
+          <a:ln w="25400">
+            <a:tailEnd type="triangle" w="lg" len="med"/>
+          </a:ln>
+        </p:spPr>
+        <p:style>
+          <a:lnRef idx="1">
+            <a:schemeClr val="accent1"/>
+          </a:lnRef>
+          <a:fillRef idx="0">
+            <a:schemeClr val="accent1"/>
+          </a:fillRef>
+          <a:effectRef idx="0">
+            <a:schemeClr val="accent1"/>
+          </a:effectRef>
+          <a:fontRef idx="minor">
+            <a:schemeClr val="tx1"/>
+          </a:fontRef>
+        </p:style>
+      </p:cxnSp>
+      <p:sp>
+        <p:nvSpPr>
+          <p:cNvPr id="72" name="Rectangle 71">
+            <a:extLst>
+              <a:ext uri="{FF2B5EF4-FFF2-40B4-BE49-F238E27FC236}">
+                <a16:creationId xmlns:a16="http://schemas.microsoft.com/office/drawing/2014/main" id="{D8623032-54E3-B8B1-01CB-C7EFDE0B8C65}"/>
+              </a:ext>
+            </a:extLst>
+          </p:cNvPr>
+          <p:cNvSpPr/>
+          <p:nvPr/>
+        </p:nvSpPr>
+        <p:spPr>
+          <a:xfrm>
+            <a:off x="910418" y="6247333"/>
+            <a:ext cx="2103120" cy="320682"/>
+          </a:xfrm>
+          <a:prstGeom prst="rect">
+            <a:avLst/>
+          </a:prstGeom>
+          <a:solidFill>
+            <a:srgbClr val="E3E0B3"/>
+          </a:solidFill>
+          <a:ln>
+            <a:solidFill>
+              <a:schemeClr val="tx1">
+                <a:lumMod val="65000"/>
+                <a:lumOff val="35000"/>
+              </a:schemeClr>
+            </a:solidFill>
+          </a:ln>
+        </p:spPr>
+        <p:style>
+          <a:lnRef idx="2">
+            <a:schemeClr val="accent6"/>
+          </a:lnRef>
+          <a:fillRef idx="1">
+            <a:schemeClr val="lt1"/>
+          </a:fillRef>
+          <a:effectRef idx="0">
+            <a:schemeClr val="accent6"/>
+          </a:effectRef>
+          <a:fontRef idx="minor">
+            <a:schemeClr val="dk1"/>
+          </a:fontRef>
+        </p:style>
+        <p:txBody>
+          <a:bodyPr rtlCol="0" anchor="ctr"/>
+          <a:lstStyle/>
+          <a:p>
+            <a:pPr algn="ctr"/>
+            <a:r>
+              <a:rPr lang="en-US" dirty="0"/>
+              <a:t>analytics</a:t>
+            </a:r>
+          </a:p>
+        </p:txBody>
+      </p:sp>
+      <p:sp>
+        <p:nvSpPr>
+          <p:cNvPr id="73" name="Rectangle 72">
+            <a:extLst>
+              <a:ext uri="{FF2B5EF4-FFF2-40B4-BE49-F238E27FC236}">
+                <a16:creationId xmlns:a16="http://schemas.microsoft.com/office/drawing/2014/main" id="{04069D2D-32AC-155F-5F3E-94B0C36B8EBC}"/>
+              </a:ext>
+            </a:extLst>
+          </p:cNvPr>
+          <p:cNvSpPr/>
+          <p:nvPr/>
+        </p:nvSpPr>
+        <p:spPr>
+          <a:xfrm>
+            <a:off x="7513528" y="6299156"/>
+            <a:ext cx="2103120" cy="320682"/>
+          </a:xfrm>
+          <a:prstGeom prst="rect">
+            <a:avLst/>
+          </a:prstGeom>
+          <a:solidFill>
+            <a:srgbClr val="E3E0B3"/>
+          </a:solidFill>
+          <a:ln>
+            <a:solidFill>
+              <a:schemeClr val="tx1">
+                <a:lumMod val="65000"/>
+                <a:lumOff val="35000"/>
+              </a:schemeClr>
+            </a:solidFill>
+          </a:ln>
+        </p:spPr>
+        <p:style>
+          <a:lnRef idx="2">
+            <a:schemeClr val="accent6"/>
+          </a:lnRef>
+          <a:fillRef idx="1">
+            <a:schemeClr val="lt1"/>
+          </a:fillRef>
+          <a:effectRef idx="0">
+            <a:schemeClr val="accent6"/>
+          </a:effectRef>
+          <a:fontRef idx="minor">
+            <a:schemeClr val="dk1"/>
+          </a:fontRef>
+        </p:style>
+        <p:txBody>
+          <a:bodyPr rtlCol="0" anchor="ctr"/>
+          <a:lstStyle/>
+          <a:p>
+            <a:pPr algn="ctr"/>
+            <a:r>
+              <a:rPr lang="en-US" dirty="0"/>
+              <a:t>analytics</a:t>
+            </a:r>
+          </a:p>
+        </p:txBody>
+      </p:sp>
+      <p:sp>
+        <p:nvSpPr>
+          <p:cNvPr id="74" name="Rectangle 73">
+            <a:extLst>
+              <a:ext uri="{FF2B5EF4-FFF2-40B4-BE49-F238E27FC236}">
+                <a16:creationId xmlns:a16="http://schemas.microsoft.com/office/drawing/2014/main" id="{7FAA1D45-5D3A-D970-7F73-86AD8843AA49}"/>
+              </a:ext>
+            </a:extLst>
+          </p:cNvPr>
+          <p:cNvSpPr/>
+          <p:nvPr/>
+        </p:nvSpPr>
+        <p:spPr>
+          <a:xfrm>
+            <a:off x="9880532" y="5716227"/>
+            <a:ext cx="2238957" cy="355876"/>
+          </a:xfrm>
+          <a:prstGeom prst="rect">
+            <a:avLst/>
+          </a:prstGeom>
+          <a:solidFill>
+            <a:schemeClr val="bg1"/>
+          </a:solidFill>
+          <a:ln w="25400">
+            <a:gradFill flip="none" rotWithShape="1">
+              <a:gsLst>
+                <a:gs pos="0">
+                  <a:schemeClr val="accent5">
+                    <a:lumMod val="40000"/>
+                    <a:lumOff val="60000"/>
+                  </a:schemeClr>
+                </a:gs>
+                <a:gs pos="46000">
+                  <a:schemeClr val="accent5">
+                    <a:lumMod val="95000"/>
+                    <a:lumOff val="5000"/>
+                  </a:schemeClr>
+                </a:gs>
+                <a:gs pos="100000">
+                  <a:schemeClr val="accent5">
+                    <a:lumMod val="60000"/>
+                  </a:schemeClr>
+                </a:gs>
+              </a:gsLst>
+              <a:path path="circle">
+                <a:fillToRect l="50000" t="130000" r="50000" b="-30000"/>
+              </a:path>
+              <a:tileRect/>
+            </a:gradFill>
+            <a:prstDash val="sysDot"/>
+          </a:ln>
+        </p:spPr>
+        <p:style>
+          <a:lnRef idx="2">
+            <a:schemeClr val="accent6"/>
+          </a:lnRef>
+          <a:fillRef idx="1">
+            <a:schemeClr val="lt1"/>
+          </a:fillRef>
+          <a:effectRef idx="0">
+            <a:schemeClr val="accent6"/>
+          </a:effectRef>
+          <a:fontRef idx="minor">
+            <a:schemeClr val="dk1"/>
+          </a:fontRef>
+        </p:style>
+        <p:txBody>
+          <a:bodyPr rtlCol="0" anchor="ctr"/>
+          <a:lstStyle/>
+          <a:p>
+            <a:pPr algn="ctr"/>
+            <a:r>
+              <a:rPr lang="en-US" b="1" dirty="0" err="1"/>
+              <a:t>postgresql</a:t>
+            </a:r>
+            <a:r>
+              <a:rPr lang="en-US" b="1" dirty="0"/>
+              <a:t>-adapter(v)</a:t>
+            </a:r>
+          </a:p>
+        </p:txBody>
+      </p:sp>
+      <p:cxnSp>
+        <p:nvCxnSpPr>
+          <p:cNvPr id="75" name="Straight Arrow Connector 74">
+            <a:extLst>
+              <a:ext uri="{FF2B5EF4-FFF2-40B4-BE49-F238E27FC236}">
+                <a16:creationId xmlns:a16="http://schemas.microsoft.com/office/drawing/2014/main" id="{BFEB86A6-8A57-4BE1-C3A2-A0160C8B88BE}"/>
+              </a:ext>
+            </a:extLst>
+          </p:cNvPr>
+          <p:cNvCxnSpPr>
+            <a:cxnSpLocks/>
+            <a:stCxn id="50" idx="3"/>
+            <a:endCxn id="74" idx="1"/>
+          </p:cNvCxnSpPr>
+          <p:nvPr/>
+        </p:nvCxnSpPr>
+        <p:spPr>
+          <a:xfrm>
+            <a:off x="9616648" y="5395198"/>
+            <a:ext cx="263884" cy="498967"/>
+          </a:xfrm>
+          <a:prstGeom prst="straightConnector1">
+            <a:avLst/>
+          </a:prstGeom>
+          <a:ln w="25400">
+            <a:tailEnd type="triangle" w="lg" len="med"/>
+          </a:ln>
+        </p:spPr>
+        <p:style>
+          <a:lnRef idx="1">
+            <a:schemeClr val="accent1"/>
+          </a:lnRef>
+          <a:fillRef idx="0">
+            <a:schemeClr val="accent1"/>
+          </a:fillRef>
+          <a:effectRef idx="0">
+            <a:schemeClr val="accent1"/>
+          </a:effectRef>
+          <a:fontRef idx="minor">
+            <a:schemeClr val="tx1"/>
+          </a:fontRef>
+        </p:style>
+      </p:cxnSp>
     </p:spTree>
     <p:extLst>
       <p:ext uri="{BB962C8B-B14F-4D97-AF65-F5344CB8AC3E}">
-        <p14:creationId xmlns:p14="http://schemas.microsoft.com/office/powerpoint/2010/main" val="2352922686"/>
+        <p14:creationId xmlns:p14="http://schemas.microsoft.com/office/powerpoint/2010/main" val="815912517"/>
       </p:ext>
     </p:extLst>
   </p:cSld>
@@ -12862,971 +13966,6 @@
           <p:cNvPr id="2" name="Title 1">
             <a:extLst>
               <a:ext uri="{FF2B5EF4-FFF2-40B4-BE49-F238E27FC236}">
-                <a16:creationId xmlns:a16="http://schemas.microsoft.com/office/drawing/2014/main" id="{62E2D6A4-6388-6755-E9EE-9DB17ED65672}"/>
-              </a:ext>
-            </a:extLst>
-          </p:cNvPr>
-          <p:cNvSpPr>
-            <a:spLocks noGrp="1"/>
-          </p:cNvSpPr>
-          <p:nvPr>
-            <p:ph type="ctrTitle"/>
-          </p:nvPr>
-        </p:nvSpPr>
-        <p:spPr>
-          <a:xfrm>
-            <a:off x="2777515" y="117127"/>
-            <a:ext cx="5900201" cy="541040"/>
-          </a:xfrm>
-        </p:spPr>
-        <p:txBody>
-          <a:bodyPr>
-            <a:noAutofit/>
-          </a:bodyPr>
-          <a:lstStyle/>
-          <a:p>
-            <a:r>
-              <a:rPr lang="en-US" sz="4000" dirty="0"/>
-              <a:t>Servers</a:t>
-            </a:r>
-          </a:p>
-        </p:txBody>
-      </p:sp>
-      <p:sp>
-        <p:nvSpPr>
-          <p:cNvPr id="25" name="Rectangle 24">
-            <a:extLst>
-              <a:ext uri="{FF2B5EF4-FFF2-40B4-BE49-F238E27FC236}">
-                <a16:creationId xmlns:a16="http://schemas.microsoft.com/office/drawing/2014/main" id="{AB2CAAB2-4F26-9795-B71C-6066629BFDE4}"/>
-              </a:ext>
-            </a:extLst>
-          </p:cNvPr>
-          <p:cNvSpPr/>
-          <p:nvPr/>
-        </p:nvSpPr>
-        <p:spPr>
-          <a:xfrm>
-            <a:off x="216680" y="3929911"/>
-            <a:ext cx="2164161" cy="344880"/>
-          </a:xfrm>
-          <a:prstGeom prst="rect">
-            <a:avLst/>
-          </a:prstGeom>
-          <a:solidFill>
-            <a:schemeClr val="bg1"/>
-          </a:solidFill>
-          <a:ln w="25400">
-            <a:solidFill>
-              <a:schemeClr val="tx1">
-                <a:lumMod val="50000"/>
-                <a:lumOff val="50000"/>
-              </a:schemeClr>
-            </a:solidFill>
-          </a:ln>
-        </p:spPr>
-        <p:style>
-          <a:lnRef idx="2">
-            <a:schemeClr val="accent6"/>
-          </a:lnRef>
-          <a:fillRef idx="1">
-            <a:schemeClr val="lt1"/>
-          </a:fillRef>
-          <a:effectRef idx="0">
-            <a:schemeClr val="accent6"/>
-          </a:effectRef>
-          <a:fontRef idx="minor">
-            <a:schemeClr val="dk1"/>
-          </a:fontRef>
-        </p:style>
-        <p:txBody>
-          <a:bodyPr rtlCol="0" anchor="ctr"/>
-          <a:lstStyle/>
-          <a:p>
-            <a:pPr algn="ctr"/>
-            <a:r>
-              <a:rPr lang="en-US" b="1" dirty="0"/>
-              <a:t>client-exchange</a:t>
-            </a:r>
-          </a:p>
-        </p:txBody>
-      </p:sp>
-      <p:sp>
-        <p:nvSpPr>
-          <p:cNvPr id="29" name="Rectangle 28">
-            <a:extLst>
-              <a:ext uri="{FF2B5EF4-FFF2-40B4-BE49-F238E27FC236}">
-                <a16:creationId xmlns:a16="http://schemas.microsoft.com/office/drawing/2014/main" id="{725E5123-FA64-2F8C-0F15-B85267D66A9D}"/>
-              </a:ext>
-            </a:extLst>
-          </p:cNvPr>
-          <p:cNvSpPr/>
-          <p:nvPr/>
-        </p:nvSpPr>
-        <p:spPr>
-          <a:xfrm>
-            <a:off x="5190616" y="698495"/>
-            <a:ext cx="1886101" cy="344880"/>
-          </a:xfrm>
-          <a:prstGeom prst="rect">
-            <a:avLst/>
-          </a:prstGeom>
-          <a:solidFill>
-            <a:schemeClr val="bg1"/>
-          </a:solidFill>
-          <a:ln w="25400">
-            <a:solidFill>
-              <a:schemeClr val="tx1">
-                <a:lumMod val="50000"/>
-                <a:lumOff val="50000"/>
-              </a:schemeClr>
-            </a:solidFill>
-          </a:ln>
-        </p:spPr>
-        <p:style>
-          <a:lnRef idx="2">
-            <a:schemeClr val="accent6"/>
-          </a:lnRef>
-          <a:fillRef idx="1">
-            <a:schemeClr val="lt1"/>
-          </a:fillRef>
-          <a:effectRef idx="0">
-            <a:schemeClr val="accent6"/>
-          </a:effectRef>
-          <a:fontRef idx="minor">
-            <a:schemeClr val="dk1"/>
-          </a:fontRef>
-        </p:style>
-        <p:txBody>
-          <a:bodyPr rtlCol="0" anchor="ctr"/>
-          <a:lstStyle/>
-          <a:p>
-            <a:pPr algn="ctr"/>
-            <a:r>
-              <a:rPr lang="en-US" b="1" dirty="0" err="1"/>
-              <a:t>awsrds</a:t>
-            </a:r>
-            <a:r>
-              <a:rPr lang="en-US" b="1" dirty="0"/>
-              <a:t>-adapter</a:t>
-            </a:r>
-          </a:p>
-        </p:txBody>
-      </p:sp>
-      <p:sp>
-        <p:nvSpPr>
-          <p:cNvPr id="31" name="Rectangle 30">
-            <a:extLst>
-              <a:ext uri="{FF2B5EF4-FFF2-40B4-BE49-F238E27FC236}">
-                <a16:creationId xmlns:a16="http://schemas.microsoft.com/office/drawing/2014/main" id="{ADE54724-734B-EAA6-6CC1-F12C743FDBF6}"/>
-              </a:ext>
-            </a:extLst>
-          </p:cNvPr>
-          <p:cNvSpPr/>
-          <p:nvPr/>
-        </p:nvSpPr>
-        <p:spPr>
-          <a:xfrm>
-            <a:off x="216680" y="5095767"/>
-            <a:ext cx="1886101" cy="358850"/>
-          </a:xfrm>
-          <a:prstGeom prst="rect">
-            <a:avLst/>
-          </a:prstGeom>
-          <a:solidFill>
-            <a:schemeClr val="bg1"/>
-          </a:solidFill>
-          <a:ln w="25400">
-            <a:solidFill>
-              <a:schemeClr val="tx1">
-                <a:lumMod val="50000"/>
-                <a:lumOff val="50000"/>
-              </a:schemeClr>
-            </a:solidFill>
-          </a:ln>
-        </p:spPr>
-        <p:style>
-          <a:lnRef idx="2">
-            <a:schemeClr val="accent6"/>
-          </a:lnRef>
-          <a:fillRef idx="1">
-            <a:schemeClr val="lt1"/>
-          </a:fillRef>
-          <a:effectRef idx="0">
-            <a:schemeClr val="accent6"/>
-          </a:effectRef>
-          <a:fontRef idx="minor">
-            <a:schemeClr val="dk1"/>
-          </a:fontRef>
-        </p:style>
-        <p:txBody>
-          <a:bodyPr rtlCol="0" anchor="ctr"/>
-          <a:lstStyle/>
-          <a:p>
-            <a:pPr algn="ctr"/>
-            <a:r>
-              <a:rPr lang="en-US" b="1" dirty="0"/>
-              <a:t>metrics-ingress</a:t>
-            </a:r>
-          </a:p>
-        </p:txBody>
-      </p:sp>
-      <p:sp>
-        <p:nvSpPr>
-          <p:cNvPr id="32" name="Rectangle 31">
-            <a:extLst>
-              <a:ext uri="{FF2B5EF4-FFF2-40B4-BE49-F238E27FC236}">
-                <a16:creationId xmlns:a16="http://schemas.microsoft.com/office/drawing/2014/main" id="{2886F777-DF05-BE71-1732-20C13F4572BF}"/>
-              </a:ext>
-            </a:extLst>
-          </p:cNvPr>
-          <p:cNvSpPr/>
-          <p:nvPr/>
-        </p:nvSpPr>
-        <p:spPr>
-          <a:xfrm>
-            <a:off x="6654994" y="3548669"/>
-            <a:ext cx="1886101" cy="344880"/>
-          </a:xfrm>
-          <a:prstGeom prst="rect">
-            <a:avLst/>
-          </a:prstGeom>
-          <a:solidFill>
-            <a:schemeClr val="bg1"/>
-          </a:solidFill>
-          <a:ln w="25400">
-            <a:solidFill>
-              <a:schemeClr val="tx1">
-                <a:lumMod val="50000"/>
-                <a:lumOff val="50000"/>
-              </a:schemeClr>
-            </a:solidFill>
-          </a:ln>
-        </p:spPr>
-        <p:style>
-          <a:lnRef idx="2">
-            <a:schemeClr val="accent6"/>
-          </a:lnRef>
-          <a:fillRef idx="1">
-            <a:schemeClr val="lt1"/>
-          </a:fillRef>
-          <a:effectRef idx="0">
-            <a:schemeClr val="accent6"/>
-          </a:effectRef>
-          <a:fontRef idx="minor">
-            <a:schemeClr val="dk1"/>
-          </a:fontRef>
-        </p:style>
-        <p:txBody>
-          <a:bodyPr rtlCol="0" anchor="ctr"/>
-          <a:lstStyle/>
-          <a:p>
-            <a:pPr algn="ctr"/>
-            <a:r>
-              <a:rPr lang="en-US" b="1" dirty="0" err="1"/>
-              <a:t>slo</a:t>
-            </a:r>
-            <a:r>
-              <a:rPr lang="en-US" b="1" dirty="0"/>
-              <a:t>-exchange</a:t>
-            </a:r>
-          </a:p>
-        </p:txBody>
-      </p:sp>
-      <p:sp>
-        <p:nvSpPr>
-          <p:cNvPr id="33" name="Rectangle 32">
-            <a:extLst>
-              <a:ext uri="{FF2B5EF4-FFF2-40B4-BE49-F238E27FC236}">
-                <a16:creationId xmlns:a16="http://schemas.microsoft.com/office/drawing/2014/main" id="{6220BF0B-BD06-6DF9-02B0-8E6749A2EDC7}"/>
-              </a:ext>
-            </a:extLst>
-          </p:cNvPr>
-          <p:cNvSpPr/>
-          <p:nvPr/>
-        </p:nvSpPr>
-        <p:spPr>
-          <a:xfrm>
-            <a:off x="6654994" y="2382093"/>
-            <a:ext cx="2184354" cy="344880"/>
-          </a:xfrm>
-          <a:prstGeom prst="rect">
-            <a:avLst/>
-          </a:prstGeom>
-          <a:solidFill>
-            <a:schemeClr val="bg1"/>
-          </a:solidFill>
-          <a:ln w="25400">
-            <a:solidFill>
-              <a:schemeClr val="tx1">
-                <a:lumMod val="50000"/>
-                <a:lumOff val="50000"/>
-              </a:schemeClr>
-            </a:solidFill>
-          </a:ln>
-        </p:spPr>
-        <p:style>
-          <a:lnRef idx="2">
-            <a:schemeClr val="accent6"/>
-          </a:lnRef>
-          <a:fillRef idx="1">
-            <a:schemeClr val="lt1"/>
-          </a:fillRef>
-          <a:effectRef idx="0">
-            <a:schemeClr val="accent6"/>
-          </a:effectRef>
-          <a:fontRef idx="minor">
-            <a:schemeClr val="dk1"/>
-          </a:fontRef>
-        </p:style>
-        <p:txBody>
-          <a:bodyPr rtlCol="0" anchor="ctr"/>
-          <a:lstStyle/>
-          <a:p>
-            <a:pPr algn="ctr"/>
-            <a:r>
-              <a:rPr lang="en-US" b="1" dirty="0"/>
-              <a:t>timeseries-exchange</a:t>
-            </a:r>
-          </a:p>
-        </p:txBody>
-      </p:sp>
-      <p:sp>
-        <p:nvSpPr>
-          <p:cNvPr id="37" name="Rectangle 36">
-            <a:extLst>
-              <a:ext uri="{FF2B5EF4-FFF2-40B4-BE49-F238E27FC236}">
-                <a16:creationId xmlns:a16="http://schemas.microsoft.com/office/drawing/2014/main" id="{B6C2131A-0862-B040-9DAB-BF28038775ED}"/>
-              </a:ext>
-            </a:extLst>
-          </p:cNvPr>
-          <p:cNvSpPr/>
-          <p:nvPr/>
-        </p:nvSpPr>
-        <p:spPr>
-          <a:xfrm>
-            <a:off x="5343016" y="850895"/>
-            <a:ext cx="1886101" cy="344880"/>
-          </a:xfrm>
-          <a:prstGeom prst="rect">
-            <a:avLst/>
-          </a:prstGeom>
-          <a:solidFill>
-            <a:schemeClr val="bg1"/>
-          </a:solidFill>
-          <a:ln w="25400">
-            <a:solidFill>
-              <a:schemeClr val="tx1">
-                <a:lumMod val="50000"/>
-                <a:lumOff val="50000"/>
-              </a:schemeClr>
-            </a:solidFill>
-          </a:ln>
-        </p:spPr>
-        <p:style>
-          <a:lnRef idx="2">
-            <a:schemeClr val="accent6"/>
-          </a:lnRef>
-          <a:fillRef idx="1">
-            <a:schemeClr val="lt1"/>
-          </a:fillRef>
-          <a:effectRef idx="0">
-            <a:schemeClr val="accent6"/>
-          </a:effectRef>
-          <a:fontRef idx="minor">
-            <a:schemeClr val="dk1"/>
-          </a:fontRef>
-        </p:style>
-        <p:txBody>
-          <a:bodyPr rtlCol="0" anchor="ctr"/>
-          <a:lstStyle/>
-          <a:p>
-            <a:pPr algn="ctr"/>
-            <a:r>
-              <a:rPr lang="en-US" b="1" dirty="0" err="1"/>
-              <a:t>awsrds</a:t>
-            </a:r>
-            <a:r>
-              <a:rPr lang="en-US" b="1" dirty="0"/>
-              <a:t>-adapter</a:t>
-            </a:r>
-          </a:p>
-        </p:txBody>
-      </p:sp>
-      <p:sp>
-        <p:nvSpPr>
-          <p:cNvPr id="38" name="Rectangle 37">
-            <a:extLst>
-              <a:ext uri="{FF2B5EF4-FFF2-40B4-BE49-F238E27FC236}">
-                <a16:creationId xmlns:a16="http://schemas.microsoft.com/office/drawing/2014/main" id="{61926031-B48A-5DDC-CAF1-F32796A0C45A}"/>
-              </a:ext>
-            </a:extLst>
-          </p:cNvPr>
-          <p:cNvSpPr/>
-          <p:nvPr/>
-        </p:nvSpPr>
-        <p:spPr>
-          <a:xfrm>
-            <a:off x="5495416" y="1003295"/>
-            <a:ext cx="1886101" cy="344880"/>
-          </a:xfrm>
-          <a:prstGeom prst="rect">
-            <a:avLst/>
-          </a:prstGeom>
-          <a:solidFill>
-            <a:schemeClr val="bg1"/>
-          </a:solidFill>
-          <a:ln w="25400">
-            <a:solidFill>
-              <a:schemeClr val="tx1">
-                <a:lumMod val="50000"/>
-                <a:lumOff val="50000"/>
-              </a:schemeClr>
-            </a:solidFill>
-          </a:ln>
-        </p:spPr>
-        <p:style>
-          <a:lnRef idx="2">
-            <a:schemeClr val="accent6"/>
-          </a:lnRef>
-          <a:fillRef idx="1">
-            <a:schemeClr val="lt1"/>
-          </a:fillRef>
-          <a:effectRef idx="0">
-            <a:schemeClr val="accent6"/>
-          </a:effectRef>
-          <a:fontRef idx="minor">
-            <a:schemeClr val="dk1"/>
-          </a:fontRef>
-        </p:style>
-        <p:txBody>
-          <a:bodyPr rtlCol="0" anchor="ctr"/>
-          <a:lstStyle/>
-          <a:p>
-            <a:pPr algn="ctr"/>
-            <a:r>
-              <a:rPr lang="en-US" b="1" dirty="0" err="1"/>
-              <a:t>awsrds</a:t>
-            </a:r>
-            <a:r>
-              <a:rPr lang="en-US" b="1" dirty="0"/>
-              <a:t>-adapter</a:t>
-            </a:r>
-          </a:p>
-        </p:txBody>
-      </p:sp>
-      <p:sp>
-        <p:nvSpPr>
-          <p:cNvPr id="39" name="Rectangle 38">
-            <a:extLst>
-              <a:ext uri="{FF2B5EF4-FFF2-40B4-BE49-F238E27FC236}">
-                <a16:creationId xmlns:a16="http://schemas.microsoft.com/office/drawing/2014/main" id="{C6241EB3-BB1F-EE3E-3159-85AC98A929FD}"/>
-              </a:ext>
-            </a:extLst>
-          </p:cNvPr>
-          <p:cNvSpPr/>
-          <p:nvPr/>
-        </p:nvSpPr>
-        <p:spPr>
-          <a:xfrm>
-            <a:off x="5647816" y="1155695"/>
-            <a:ext cx="1886101" cy="344880"/>
-          </a:xfrm>
-          <a:prstGeom prst="rect">
-            <a:avLst/>
-          </a:prstGeom>
-          <a:solidFill>
-            <a:schemeClr val="bg1"/>
-          </a:solidFill>
-          <a:ln w="25400">
-            <a:solidFill>
-              <a:schemeClr val="tx1">
-                <a:lumMod val="50000"/>
-                <a:lumOff val="50000"/>
-              </a:schemeClr>
-            </a:solidFill>
-          </a:ln>
-        </p:spPr>
-        <p:style>
-          <a:lnRef idx="2">
-            <a:schemeClr val="accent6"/>
-          </a:lnRef>
-          <a:fillRef idx="1">
-            <a:schemeClr val="lt1"/>
-          </a:fillRef>
-          <a:effectRef idx="0">
-            <a:schemeClr val="accent6"/>
-          </a:effectRef>
-          <a:fontRef idx="minor">
-            <a:schemeClr val="dk1"/>
-          </a:fontRef>
-        </p:style>
-        <p:txBody>
-          <a:bodyPr rtlCol="0" anchor="ctr"/>
-          <a:lstStyle/>
-          <a:p>
-            <a:pPr algn="ctr"/>
-            <a:r>
-              <a:rPr lang="en-US" b="1" dirty="0" err="1"/>
-              <a:t>awsrds</a:t>
-            </a:r>
-            <a:r>
-              <a:rPr lang="en-US" b="1" dirty="0"/>
-              <a:t>-adapter</a:t>
-            </a:r>
-          </a:p>
-        </p:txBody>
-      </p:sp>
-      <p:sp>
-        <p:nvSpPr>
-          <p:cNvPr id="40" name="Rectangle 39">
-            <a:extLst>
-              <a:ext uri="{FF2B5EF4-FFF2-40B4-BE49-F238E27FC236}">
-                <a16:creationId xmlns:a16="http://schemas.microsoft.com/office/drawing/2014/main" id="{E2BD4303-92C3-BF26-2024-18A673F3C568}"/>
-              </a:ext>
-            </a:extLst>
-          </p:cNvPr>
-          <p:cNvSpPr/>
-          <p:nvPr/>
-        </p:nvSpPr>
-        <p:spPr>
-          <a:xfrm>
-            <a:off x="494740" y="2999721"/>
-            <a:ext cx="1886101" cy="344880"/>
-          </a:xfrm>
-          <a:prstGeom prst="rect">
-            <a:avLst/>
-          </a:prstGeom>
-          <a:solidFill>
-            <a:schemeClr val="bg1"/>
-          </a:solidFill>
-          <a:ln w="25400">
-            <a:solidFill>
-              <a:schemeClr val="tx1">
-                <a:lumMod val="50000"/>
-                <a:lumOff val="50000"/>
-              </a:schemeClr>
-            </a:solidFill>
-          </a:ln>
-        </p:spPr>
-        <p:style>
-          <a:lnRef idx="2">
-            <a:schemeClr val="accent6"/>
-          </a:lnRef>
-          <a:fillRef idx="1">
-            <a:schemeClr val="lt1"/>
-          </a:fillRef>
-          <a:effectRef idx="0">
-            <a:schemeClr val="accent6"/>
-          </a:effectRef>
-          <a:fontRef idx="minor">
-            <a:schemeClr val="dk1"/>
-          </a:fontRef>
-        </p:style>
-        <p:txBody>
-          <a:bodyPr rtlCol="0" anchor="ctr"/>
-          <a:lstStyle/>
-          <a:p>
-            <a:pPr algn="ctr"/>
-            <a:r>
-              <a:rPr lang="en-US" b="1" dirty="0"/>
-              <a:t>entity-exchange</a:t>
-            </a:r>
-          </a:p>
-        </p:txBody>
-      </p:sp>
-      <p:sp>
-        <p:nvSpPr>
-          <p:cNvPr id="41" name="Rectangle 40">
-            <a:extLst>
-              <a:ext uri="{FF2B5EF4-FFF2-40B4-BE49-F238E27FC236}">
-                <a16:creationId xmlns:a16="http://schemas.microsoft.com/office/drawing/2014/main" id="{1FFD5F27-F151-E7E0-B247-8802E069F0FE}"/>
-              </a:ext>
-            </a:extLst>
-          </p:cNvPr>
-          <p:cNvSpPr/>
-          <p:nvPr/>
-        </p:nvSpPr>
-        <p:spPr>
-          <a:xfrm>
-            <a:off x="9162509" y="660412"/>
-            <a:ext cx="2389110" cy="344880"/>
-          </a:xfrm>
-          <a:prstGeom prst="rect">
-            <a:avLst/>
-          </a:prstGeom>
-          <a:solidFill>
-            <a:schemeClr val="bg1"/>
-          </a:solidFill>
-          <a:ln w="25400">
-            <a:solidFill>
-              <a:schemeClr val="tx1">
-                <a:lumMod val="50000"/>
-                <a:lumOff val="50000"/>
-              </a:schemeClr>
-            </a:solidFill>
-          </a:ln>
-        </p:spPr>
-        <p:style>
-          <a:lnRef idx="2">
-            <a:schemeClr val="accent6"/>
-          </a:lnRef>
-          <a:fillRef idx="1">
-            <a:schemeClr val="lt1"/>
-          </a:fillRef>
-          <a:effectRef idx="0">
-            <a:schemeClr val="accent6"/>
-          </a:effectRef>
-          <a:fontRef idx="minor">
-            <a:schemeClr val="dk1"/>
-          </a:fontRef>
-        </p:style>
-        <p:txBody>
-          <a:bodyPr rtlCol="0" anchor="ctr"/>
-          <a:lstStyle/>
-          <a:p>
-            <a:pPr algn="ctr"/>
-            <a:r>
-              <a:rPr lang="en-US" b="1" dirty="0"/>
-              <a:t>timeseries-replication</a:t>
-            </a:r>
-          </a:p>
-        </p:txBody>
-      </p:sp>
-      <p:sp>
-        <p:nvSpPr>
-          <p:cNvPr id="42" name="Rectangle 41">
-            <a:extLst>
-              <a:ext uri="{FF2B5EF4-FFF2-40B4-BE49-F238E27FC236}">
-                <a16:creationId xmlns:a16="http://schemas.microsoft.com/office/drawing/2014/main" id="{EF57DC3E-F613-4C5E-53D1-EFB77E911030}"/>
-              </a:ext>
-            </a:extLst>
-          </p:cNvPr>
-          <p:cNvSpPr/>
-          <p:nvPr/>
-        </p:nvSpPr>
-        <p:spPr>
-          <a:xfrm>
-            <a:off x="696380" y="1923393"/>
-            <a:ext cx="1886101" cy="344880"/>
-          </a:xfrm>
-          <a:prstGeom prst="rect">
-            <a:avLst/>
-          </a:prstGeom>
-          <a:solidFill>
-            <a:schemeClr val="bg1"/>
-          </a:solidFill>
-          <a:ln w="25400">
-            <a:solidFill>
-              <a:schemeClr val="tx1">
-                <a:lumMod val="50000"/>
-                <a:lumOff val="50000"/>
-              </a:schemeClr>
-            </a:solidFill>
-          </a:ln>
-        </p:spPr>
-        <p:style>
-          <a:lnRef idx="2">
-            <a:schemeClr val="accent6"/>
-          </a:lnRef>
-          <a:fillRef idx="1">
-            <a:schemeClr val="lt1"/>
-          </a:fillRef>
-          <a:effectRef idx="0">
-            <a:schemeClr val="accent6"/>
-          </a:effectRef>
-          <a:fontRef idx="minor">
-            <a:schemeClr val="dk1"/>
-          </a:fontRef>
-        </p:style>
-        <p:txBody>
-          <a:bodyPr rtlCol="0" anchor="ctr"/>
-          <a:lstStyle/>
-          <a:p>
-            <a:pPr algn="ctr"/>
-            <a:r>
-              <a:rPr lang="en-US" b="1" dirty="0"/>
-              <a:t>elastic-exchange</a:t>
-            </a:r>
-          </a:p>
-        </p:txBody>
-      </p:sp>
-      <p:sp>
-        <p:nvSpPr>
-          <p:cNvPr id="43" name="Rectangle 42">
-            <a:extLst>
-              <a:ext uri="{FF2B5EF4-FFF2-40B4-BE49-F238E27FC236}">
-                <a16:creationId xmlns:a16="http://schemas.microsoft.com/office/drawing/2014/main" id="{7478D019-1D72-3F60-9FCF-8AFBEAFAD84C}"/>
-              </a:ext>
-            </a:extLst>
-          </p:cNvPr>
-          <p:cNvSpPr/>
-          <p:nvPr/>
-        </p:nvSpPr>
-        <p:spPr>
-          <a:xfrm>
-            <a:off x="9162509" y="1308095"/>
-            <a:ext cx="2389110" cy="344880"/>
-          </a:xfrm>
-          <a:prstGeom prst="rect">
-            <a:avLst/>
-          </a:prstGeom>
-          <a:solidFill>
-            <a:schemeClr val="bg1"/>
-          </a:solidFill>
-          <a:ln w="25400">
-            <a:solidFill>
-              <a:schemeClr val="tx1">
-                <a:lumMod val="50000"/>
-                <a:lumOff val="50000"/>
-              </a:schemeClr>
-            </a:solidFill>
-          </a:ln>
-        </p:spPr>
-        <p:style>
-          <a:lnRef idx="2">
-            <a:schemeClr val="accent6"/>
-          </a:lnRef>
-          <a:fillRef idx="1">
-            <a:schemeClr val="lt1"/>
-          </a:fillRef>
-          <a:effectRef idx="0">
-            <a:schemeClr val="accent6"/>
-          </a:effectRef>
-          <a:fontRef idx="minor">
-            <a:schemeClr val="dk1"/>
-          </a:fontRef>
-        </p:style>
-        <p:txBody>
-          <a:bodyPr rtlCol="0" anchor="ctr"/>
-          <a:lstStyle/>
-          <a:p>
-            <a:pPr algn="ctr"/>
-            <a:r>
-              <a:rPr lang="en-US" b="1" dirty="0" err="1"/>
-              <a:t>slo</a:t>
-            </a:r>
-            <a:r>
-              <a:rPr lang="en-US" b="1" dirty="0"/>
-              <a:t>-replication</a:t>
-            </a:r>
-          </a:p>
-        </p:txBody>
-      </p:sp>
-      <p:sp>
-        <p:nvSpPr>
-          <p:cNvPr id="3" name="Rectangle 2">
-            <a:extLst>
-              <a:ext uri="{FF2B5EF4-FFF2-40B4-BE49-F238E27FC236}">
-                <a16:creationId xmlns:a16="http://schemas.microsoft.com/office/drawing/2014/main" id="{515E76EF-7AE7-75DD-2BE7-D9C82CDD49DA}"/>
-              </a:ext>
-            </a:extLst>
-          </p:cNvPr>
-          <p:cNvSpPr/>
-          <p:nvPr/>
-        </p:nvSpPr>
-        <p:spPr>
-          <a:xfrm>
-            <a:off x="6654994" y="2939211"/>
-            <a:ext cx="2184354" cy="397220"/>
-          </a:xfrm>
-          <a:prstGeom prst="rect">
-            <a:avLst/>
-          </a:prstGeom>
-          <a:solidFill>
-            <a:schemeClr val="bg1"/>
-          </a:solidFill>
-          <a:ln w="25400">
-            <a:solidFill>
-              <a:schemeClr val="tx1">
-                <a:lumMod val="50000"/>
-                <a:lumOff val="50000"/>
-              </a:schemeClr>
-            </a:solidFill>
-          </a:ln>
-        </p:spPr>
-        <p:style>
-          <a:lnRef idx="2">
-            <a:schemeClr val="accent6"/>
-          </a:lnRef>
-          <a:fillRef idx="1">
-            <a:schemeClr val="lt1"/>
-          </a:fillRef>
-          <a:effectRef idx="0">
-            <a:schemeClr val="accent6"/>
-          </a:effectRef>
-          <a:fontRef idx="minor">
-            <a:schemeClr val="dk1"/>
-          </a:fontRef>
-        </p:style>
-        <p:txBody>
-          <a:bodyPr rtlCol="0" anchor="ctr"/>
-          <a:lstStyle/>
-          <a:p>
-            <a:pPr algn="ctr"/>
-            <a:r>
-              <a:rPr lang="en-US" b="1" dirty="0"/>
-              <a:t>timeseries-</a:t>
-            </a:r>
-            <a:r>
-              <a:rPr lang="en-US" b="1" dirty="0" err="1"/>
-              <a:t>cdc</a:t>
-            </a:r>
-            <a:endParaRPr lang="en-US" b="1" dirty="0"/>
-          </a:p>
-        </p:txBody>
-      </p:sp>
-      <p:sp>
-        <p:nvSpPr>
-          <p:cNvPr id="6" name="Rectangle 5">
-            <a:extLst>
-              <a:ext uri="{FF2B5EF4-FFF2-40B4-BE49-F238E27FC236}">
-                <a16:creationId xmlns:a16="http://schemas.microsoft.com/office/drawing/2014/main" id="{1CB20B4D-398E-4A30-C2A3-BF57B0E95220}"/>
-              </a:ext>
-            </a:extLst>
-          </p:cNvPr>
-          <p:cNvSpPr/>
-          <p:nvPr/>
-        </p:nvSpPr>
-        <p:spPr>
-          <a:xfrm>
-            <a:off x="6654994" y="4102351"/>
-            <a:ext cx="1886101" cy="344880"/>
-          </a:xfrm>
-          <a:prstGeom prst="rect">
-            <a:avLst/>
-          </a:prstGeom>
-          <a:solidFill>
-            <a:schemeClr val="bg1"/>
-          </a:solidFill>
-          <a:ln w="25400">
-            <a:solidFill>
-              <a:schemeClr val="tx1">
-                <a:lumMod val="50000"/>
-                <a:lumOff val="50000"/>
-              </a:schemeClr>
-            </a:solidFill>
-          </a:ln>
-        </p:spPr>
-        <p:style>
-          <a:lnRef idx="2">
-            <a:schemeClr val="accent6"/>
-          </a:lnRef>
-          <a:fillRef idx="1">
-            <a:schemeClr val="lt1"/>
-          </a:fillRef>
-          <a:effectRef idx="0">
-            <a:schemeClr val="accent6"/>
-          </a:effectRef>
-          <a:fontRef idx="minor">
-            <a:schemeClr val="dk1"/>
-          </a:fontRef>
-        </p:style>
-        <p:txBody>
-          <a:bodyPr rtlCol="0" anchor="ctr"/>
-          <a:lstStyle/>
-          <a:p>
-            <a:pPr algn="ctr"/>
-            <a:r>
-              <a:rPr lang="en-US" b="1" dirty="0" err="1"/>
-              <a:t>slo-cdc</a:t>
-            </a:r>
-            <a:endParaRPr lang="en-US" b="1" dirty="0"/>
-          </a:p>
-        </p:txBody>
-      </p:sp>
-      <p:sp>
-        <p:nvSpPr>
-          <p:cNvPr id="7" name="Rectangle 6">
-            <a:extLst>
-              <a:ext uri="{FF2B5EF4-FFF2-40B4-BE49-F238E27FC236}">
-                <a16:creationId xmlns:a16="http://schemas.microsoft.com/office/drawing/2014/main" id="{099760A8-00A1-FB42-A053-444D04BCA853}"/>
-              </a:ext>
-            </a:extLst>
-          </p:cNvPr>
-          <p:cNvSpPr/>
-          <p:nvPr/>
-        </p:nvSpPr>
-        <p:spPr>
-          <a:xfrm>
-            <a:off x="3463462" y="4870279"/>
-            <a:ext cx="2184354" cy="344880"/>
-          </a:xfrm>
-          <a:prstGeom prst="rect">
-            <a:avLst/>
-          </a:prstGeom>
-          <a:solidFill>
-            <a:schemeClr val="bg1"/>
-          </a:solidFill>
-          <a:ln w="25400">
-            <a:solidFill>
-              <a:schemeClr val="tx1">
-                <a:lumMod val="50000"/>
-                <a:lumOff val="50000"/>
-              </a:schemeClr>
-            </a:solidFill>
-          </a:ln>
-        </p:spPr>
-        <p:style>
-          <a:lnRef idx="2">
-            <a:schemeClr val="accent6"/>
-          </a:lnRef>
-          <a:fillRef idx="1">
-            <a:schemeClr val="lt1"/>
-          </a:fillRef>
-          <a:effectRef idx="0">
-            <a:schemeClr val="accent6"/>
-          </a:effectRef>
-          <a:fontRef idx="minor">
-            <a:schemeClr val="dk1"/>
-          </a:fontRef>
-        </p:style>
-        <p:txBody>
-          <a:bodyPr rtlCol="0" anchor="ctr"/>
-          <a:lstStyle/>
-          <a:p>
-            <a:pPr algn="ctr"/>
-            <a:r>
-              <a:rPr lang="en-US" b="1" dirty="0"/>
-              <a:t>customer-exchange</a:t>
-            </a:r>
-          </a:p>
-        </p:txBody>
-      </p:sp>
-    </p:spTree>
-    <p:extLst>
-      <p:ext uri="{BB962C8B-B14F-4D97-AF65-F5344CB8AC3E}">
-        <p14:creationId xmlns:p14="http://schemas.microsoft.com/office/powerpoint/2010/main" val="3613665031"/>
-      </p:ext>
-    </p:extLst>
-  </p:cSld>
-  <p:clrMapOvr>
-    <a:masterClrMapping/>
-  </p:clrMapOvr>
-</p:sld>
-</file>
-
-<file path=ppt/slides/slide7.xml><?xml version="1.0" encoding="utf-8"?>
-<p:sld xmlns:a="http://schemas.openxmlformats.org/drawingml/2006/main" xmlns:r="http://schemas.openxmlformats.org/officeDocument/2006/relationships" xmlns:p="http://schemas.openxmlformats.org/presentationml/2006/main">
-  <p:cSld>
-    <p:spTree>
-      <p:nvGrpSpPr>
-        <p:cNvPr id="1" name=""/>
-        <p:cNvGrpSpPr/>
-        <p:nvPr/>
-      </p:nvGrpSpPr>
-      <p:grpSpPr>
-        <a:xfrm>
-          <a:off x="0" y="0"/>
-          <a:ext cx="0" cy="0"/>
-          <a:chOff x="0" y="0"/>
-          <a:chExt cx="0" cy="0"/>
-        </a:xfrm>
-      </p:grpSpPr>
-      <p:sp>
-        <p:nvSpPr>
-          <p:cNvPr id="2" name="Title 1">
-            <a:extLst>
-              <a:ext uri="{FF2B5EF4-FFF2-40B4-BE49-F238E27FC236}">
                 <a16:creationId xmlns:a16="http://schemas.microsoft.com/office/drawing/2014/main" id="{9C65447E-7F13-12AC-039D-8A103530069C}"/>
               </a:ext>
             </a:extLst>
@@ -15551,7 +15690,7 @@
 </p:sld>
 </file>
 
-<file path=ppt/slides/slide8.xml><?xml version="1.0" encoding="utf-8"?>
+<file path=ppt/slides/slide7.xml><?xml version="1.0" encoding="utf-8"?>
 <p:sld xmlns:a="http://schemas.openxmlformats.org/drawingml/2006/main" xmlns:r="http://schemas.openxmlformats.org/officeDocument/2006/relationships" xmlns:p="http://schemas.openxmlformats.org/presentationml/2006/main">
   <p:cSld>
     <p:spTree>

--- a/GO-Micro-Resources-Application.pptx
+++ b/GO-Micro-Resources-Application.pptx
@@ -12894,7 +12894,7 @@
             </a:r>
             <a:r>
               <a:rPr lang="en-US" b="1" dirty="0"/>
-              <a:t>-ctrl-plane-resources</a:t>
+              <a:t>-controller-resources</a:t>
             </a:r>
           </a:p>
         </p:txBody>
@@ -12975,7 +12975,7 @@
             </a:r>
             <a:r>
               <a:rPr lang="en-US" b="1" dirty="0"/>
-              <a:t>-ctrl-plane-types</a:t>
+              <a:t>-controller-types</a:t>
             </a:r>
           </a:p>
         </p:txBody>
@@ -13056,7 +13056,7 @@
             </a:r>
             <a:r>
               <a:rPr lang="en-US" b="1" dirty="0"/>
-              <a:t>-ctrl-plane-host</a:t>
+              <a:t>-controller-host</a:t>
             </a:r>
           </a:p>
         </p:txBody>

--- a/GO-Micro-Resources-Application.pptx
+++ b/GO-Micro-Resources-Application.pptx
@@ -4043,7 +4043,22 @@
           <a:bodyPr/>
           <a:lstStyle/>
           <a:p>
-            <a:endParaRPr lang="en-US"/>
+            <a:r>
+              <a:rPr lang="en-US" dirty="0"/>
+              <a:t>How to </a:t>
+            </a:r>
+            <a:r>
+              <a:rPr lang="en-US" dirty="0" err="1"/>
+              <a:t>staty</a:t>
+            </a:r>
+            <a:r>
+              <a:rPr lang="en-US" dirty="0"/>
+              <a:t> in </a:t>
+            </a:r>
+            <a:r>
+              <a:rPr lang="en-US"/>
+              <a:t>budiness</a:t>
+            </a:r>
           </a:p>
         </p:txBody>
       </p:sp>

--- a/GO-Micro-Resources-Application.pptx
+++ b/GO-Micro-Resources-Application.pptx
@@ -203,7 +203,7 @@
           <a:p>
             <a:fld id="{6654DD35-044D-4B8D-A710-CCBCF59BFE70}" type="datetimeFigureOut">
               <a:rPr lang="en-US" smtClean="0"/>
-              <a:t>10/6/2022</a:t>
+              <a:t>10/7/2022</a:t>
             </a:fld>
             <a:endParaRPr lang="en-US"/>
           </a:p>
@@ -927,7 +927,7 @@
           <a:p>
             <a:fld id="{F660A876-BC87-4437-814E-273415F1FA84}" type="datetimeFigureOut">
               <a:rPr lang="en-US" smtClean="0"/>
-              <a:t>10/6/2022</a:t>
+              <a:t>10/7/2022</a:t>
             </a:fld>
             <a:endParaRPr lang="en-US"/>
           </a:p>
@@ -1125,7 +1125,7 @@
           <a:p>
             <a:fld id="{F660A876-BC87-4437-814E-273415F1FA84}" type="datetimeFigureOut">
               <a:rPr lang="en-US" smtClean="0"/>
-              <a:t>10/6/2022</a:t>
+              <a:t>10/7/2022</a:t>
             </a:fld>
             <a:endParaRPr lang="en-US"/>
           </a:p>
@@ -1333,7 +1333,7 @@
           <a:p>
             <a:fld id="{F660A876-BC87-4437-814E-273415F1FA84}" type="datetimeFigureOut">
               <a:rPr lang="en-US" smtClean="0"/>
-              <a:t>10/6/2022</a:t>
+              <a:t>10/7/2022</a:t>
             </a:fld>
             <a:endParaRPr lang="en-US"/>
           </a:p>
@@ -1531,7 +1531,7 @@
           <a:p>
             <a:fld id="{F660A876-BC87-4437-814E-273415F1FA84}" type="datetimeFigureOut">
               <a:rPr lang="en-US" smtClean="0"/>
-              <a:t>10/6/2022</a:t>
+              <a:t>10/7/2022</a:t>
             </a:fld>
             <a:endParaRPr lang="en-US"/>
           </a:p>
@@ -1806,7 +1806,7 @@
           <a:p>
             <a:fld id="{F660A876-BC87-4437-814E-273415F1FA84}" type="datetimeFigureOut">
               <a:rPr lang="en-US" smtClean="0"/>
-              <a:t>10/6/2022</a:t>
+              <a:t>10/7/2022</a:t>
             </a:fld>
             <a:endParaRPr lang="en-US"/>
           </a:p>
@@ -2071,7 +2071,7 @@
           <a:p>
             <a:fld id="{F660A876-BC87-4437-814E-273415F1FA84}" type="datetimeFigureOut">
               <a:rPr lang="en-US" smtClean="0"/>
-              <a:t>10/6/2022</a:t>
+              <a:t>10/7/2022</a:t>
             </a:fld>
             <a:endParaRPr lang="en-US"/>
           </a:p>
@@ -2483,7 +2483,7 @@
           <a:p>
             <a:fld id="{F660A876-BC87-4437-814E-273415F1FA84}" type="datetimeFigureOut">
               <a:rPr lang="en-US" smtClean="0"/>
-              <a:t>10/6/2022</a:t>
+              <a:t>10/7/2022</a:t>
             </a:fld>
             <a:endParaRPr lang="en-US"/>
           </a:p>
@@ -2624,7 +2624,7 @@
           <a:p>
             <a:fld id="{F660A876-BC87-4437-814E-273415F1FA84}" type="datetimeFigureOut">
               <a:rPr lang="en-US" smtClean="0"/>
-              <a:t>10/6/2022</a:t>
+              <a:t>10/7/2022</a:t>
             </a:fld>
             <a:endParaRPr lang="en-US"/>
           </a:p>
@@ -2737,7 +2737,7 @@
           <a:p>
             <a:fld id="{F660A876-BC87-4437-814E-273415F1FA84}" type="datetimeFigureOut">
               <a:rPr lang="en-US" smtClean="0"/>
-              <a:t>10/6/2022</a:t>
+              <a:t>10/7/2022</a:t>
             </a:fld>
             <a:endParaRPr lang="en-US"/>
           </a:p>
@@ -3048,7 +3048,7 @@
           <a:p>
             <a:fld id="{F660A876-BC87-4437-814E-273415F1FA84}" type="datetimeFigureOut">
               <a:rPr lang="en-US" smtClean="0"/>
-              <a:t>10/6/2022</a:t>
+              <a:t>10/7/2022</a:t>
             </a:fld>
             <a:endParaRPr lang="en-US"/>
           </a:p>
@@ -3336,7 +3336,7 @@
           <a:p>
             <a:fld id="{F660A876-BC87-4437-814E-273415F1FA84}" type="datetimeFigureOut">
               <a:rPr lang="en-US" smtClean="0"/>
-              <a:t>10/6/2022</a:t>
+              <a:t>10/7/2022</a:t>
             </a:fld>
             <a:endParaRPr lang="en-US"/>
           </a:p>
@@ -3577,7 +3577,7 @@
           <a:p>
             <a:fld id="{F660A876-BC87-4437-814E-273415F1FA84}" type="datetimeFigureOut">
               <a:rPr lang="en-US" smtClean="0"/>
-              <a:t>10/6/2022</a:t>
+              <a:t>10/7/2022</a:t>
             </a:fld>
             <a:endParaRPr lang="en-US"/>
           </a:p>
@@ -10235,7 +10235,7 @@
         </p:nvSpPr>
         <p:spPr>
           <a:xfrm>
-            <a:off x="1486077" y="1163733"/>
+            <a:off x="4217687" y="1129011"/>
             <a:ext cx="2360834" cy="414736"/>
           </a:xfrm>
           <a:prstGeom prst="rect">
@@ -10320,8 +10320,8 @@
         </p:nvCxnSpPr>
         <p:spPr>
           <a:xfrm>
-            <a:off x="3846911" y="1371101"/>
-            <a:ext cx="5297793" cy="221311"/>
+            <a:off x="6578521" y="1336379"/>
+            <a:ext cx="2566183" cy="256033"/>
           </a:xfrm>
           <a:prstGeom prst="straightConnector1">
             <a:avLst/>
@@ -10441,7 +10441,7 @@
         </p:nvSpPr>
         <p:spPr>
           <a:xfrm>
-            <a:off x="1900121" y="2077532"/>
+            <a:off x="4631731" y="2019662"/>
             <a:ext cx="2103120" cy="320682"/>
           </a:xfrm>
           <a:prstGeom prst="rect">
@@ -10500,7 +10500,7 @@
         </p:nvSpPr>
         <p:spPr>
           <a:xfrm>
-            <a:off x="1900121" y="2423359"/>
+            <a:off x="4631731" y="2365489"/>
             <a:ext cx="2103120" cy="320682"/>
           </a:xfrm>
           <a:prstGeom prst="rect">
@@ -10734,7 +10734,7 @@
         </p:nvSpPr>
         <p:spPr>
           <a:xfrm>
-            <a:off x="1900121" y="3801458"/>
+            <a:off x="4631731" y="3564183"/>
             <a:ext cx="2103120" cy="320682"/>
           </a:xfrm>
           <a:prstGeom prst="rect">
@@ -10922,7 +10922,7 @@
         </p:nvSpPr>
         <p:spPr>
           <a:xfrm>
-            <a:off x="1926912" y="5353539"/>
+            <a:off x="4658522" y="4769024"/>
             <a:ext cx="2103120" cy="320682"/>
           </a:xfrm>
           <a:prstGeom prst="rect">
@@ -10980,7 +10980,7 @@
         </p:nvSpPr>
         <p:spPr>
           <a:xfrm>
-            <a:off x="1725955" y="4657669"/>
+            <a:off x="4457565" y="4073154"/>
             <a:ext cx="2103120" cy="320682"/>
           </a:xfrm>
           <a:prstGeom prst="rect">
@@ -11038,7 +11038,7 @@
         </p:nvSpPr>
         <p:spPr>
           <a:xfrm>
-            <a:off x="1900121" y="5694267"/>
+            <a:off x="4631731" y="5109752"/>
             <a:ext cx="2103120" cy="320682"/>
           </a:xfrm>
           <a:prstGeom prst="rect">
@@ -11097,7 +11097,7 @@
         </p:nvSpPr>
         <p:spPr>
           <a:xfrm>
-            <a:off x="1942458" y="5008014"/>
+            <a:off x="4674068" y="4423499"/>
             <a:ext cx="2103120" cy="320682"/>
           </a:xfrm>
           <a:prstGeom prst="rect">
@@ -11237,7 +11237,7 @@
         </p:nvSpPr>
         <p:spPr>
           <a:xfrm>
-            <a:off x="1725955" y="3064082"/>
+            <a:off x="4457565" y="2826807"/>
             <a:ext cx="2103120" cy="320682"/>
           </a:xfrm>
           <a:prstGeom prst="rect">
@@ -11295,7 +11295,7 @@
         </p:nvSpPr>
         <p:spPr>
           <a:xfrm>
-            <a:off x="1725955" y="1715480"/>
+            <a:off x="4457565" y="1657610"/>
             <a:ext cx="2103120" cy="320682"/>
           </a:xfrm>
           <a:prstGeom prst="rect">
@@ -11358,8 +11358,8 @@
         </p:nvCxnSpPr>
         <p:spPr>
           <a:xfrm>
-            <a:off x="3846911" y="1371101"/>
-            <a:ext cx="5281135" cy="920788"/>
+            <a:off x="6578521" y="1336379"/>
+            <a:ext cx="2549525" cy="955510"/>
           </a:xfrm>
           <a:prstGeom prst="straightConnector1">
             <a:avLst/>
@@ -11397,7 +11397,7 @@
         </p:nvSpPr>
         <p:spPr>
           <a:xfrm>
-            <a:off x="1900121" y="3439631"/>
+            <a:off x="4631731" y="3222682"/>
             <a:ext cx="2103120" cy="320682"/>
           </a:xfrm>
           <a:prstGeom prst="rect">
@@ -11538,8 +11538,8 @@
         </p:nvCxnSpPr>
         <p:spPr>
           <a:xfrm>
-            <a:off x="3846911" y="1371101"/>
-            <a:ext cx="5227433" cy="1620265"/>
+            <a:off x="6578521" y="1336379"/>
+            <a:ext cx="2495823" cy="1654987"/>
           </a:xfrm>
           <a:prstGeom prst="straightConnector1">
             <a:avLst/>
@@ -11563,6 +11563,248 @@
           </a:fontRef>
         </p:style>
       </p:cxnSp>
+      <p:sp>
+        <p:nvSpPr>
+          <p:cNvPr id="5" name="Rectangle 4">
+            <a:extLst>
+              <a:ext uri="{FF2B5EF4-FFF2-40B4-BE49-F238E27FC236}">
+                <a16:creationId xmlns:a16="http://schemas.microsoft.com/office/drawing/2014/main" id="{2151AD3E-E543-F6CB-F51F-4C501B5228C1}"/>
+              </a:ext>
+            </a:extLst>
+          </p:cNvPr>
+          <p:cNvSpPr/>
+          <p:nvPr/>
+        </p:nvSpPr>
+        <p:spPr>
+          <a:xfrm>
+            <a:off x="808339" y="1207106"/>
+            <a:ext cx="2360834" cy="414736"/>
+          </a:xfrm>
+          <a:prstGeom prst="rect">
+            <a:avLst/>
+          </a:prstGeom>
+          <a:solidFill>
+            <a:schemeClr val="bg1"/>
+          </a:solidFill>
+          <a:ln w="25400">
+            <a:gradFill flip="none" rotWithShape="1">
+              <a:gsLst>
+                <a:gs pos="0">
+                  <a:schemeClr val="accent5">
+                    <a:lumMod val="40000"/>
+                    <a:lumOff val="60000"/>
+                  </a:schemeClr>
+                </a:gs>
+                <a:gs pos="46000">
+                  <a:schemeClr val="accent5">
+                    <a:lumMod val="95000"/>
+                    <a:lumOff val="5000"/>
+                  </a:schemeClr>
+                </a:gs>
+                <a:gs pos="100000">
+                  <a:schemeClr val="accent5">
+                    <a:lumMod val="60000"/>
+                  </a:schemeClr>
+                </a:gs>
+              </a:gsLst>
+              <a:path path="circle">
+                <a:fillToRect l="50000" t="130000" r="50000" b="-30000"/>
+              </a:path>
+              <a:tileRect/>
+            </a:gradFill>
+          </a:ln>
+        </p:spPr>
+        <p:style>
+          <a:lnRef idx="2">
+            <a:schemeClr val="accent6"/>
+          </a:lnRef>
+          <a:fillRef idx="1">
+            <a:schemeClr val="lt1"/>
+          </a:fillRef>
+          <a:effectRef idx="0">
+            <a:schemeClr val="accent6"/>
+          </a:effectRef>
+          <a:fontRef idx="minor">
+            <a:schemeClr val="dk1"/>
+          </a:fontRef>
+        </p:style>
+        <p:txBody>
+          <a:bodyPr rtlCol="0" anchor="ctr"/>
+          <a:lstStyle/>
+          <a:p>
+            <a:pPr algn="ctr"/>
+            <a:r>
+              <a:rPr lang="en-US" b="1" dirty="0" err="1"/>
+              <a:t>slo</a:t>
+            </a:r>
+            <a:r>
+              <a:rPr lang="en-US" b="1" dirty="0"/>
+              <a:t>-types</a:t>
+            </a:r>
+          </a:p>
+        </p:txBody>
+      </p:sp>
+      <p:sp>
+        <p:nvSpPr>
+          <p:cNvPr id="11" name="Rectangle 10">
+            <a:extLst>
+              <a:ext uri="{FF2B5EF4-FFF2-40B4-BE49-F238E27FC236}">
+                <a16:creationId xmlns:a16="http://schemas.microsoft.com/office/drawing/2014/main" id="{B535A4DF-09EE-1306-F60E-8967B70B9981}"/>
+              </a:ext>
+            </a:extLst>
+          </p:cNvPr>
+          <p:cNvSpPr/>
+          <p:nvPr/>
+        </p:nvSpPr>
+        <p:spPr>
+          <a:xfrm>
+            <a:off x="1044985" y="1867880"/>
+            <a:ext cx="2103120" cy="320682"/>
+          </a:xfrm>
+          <a:prstGeom prst="rect">
+            <a:avLst/>
+          </a:prstGeom>
+          <a:solidFill>
+            <a:srgbClr val="E3E0B3"/>
+          </a:solidFill>
+          <a:ln>
+            <a:solidFill>
+              <a:schemeClr val="tx1">
+                <a:lumMod val="65000"/>
+                <a:lumOff val="35000"/>
+              </a:schemeClr>
+            </a:solidFill>
+          </a:ln>
+        </p:spPr>
+        <p:style>
+          <a:lnRef idx="2">
+            <a:schemeClr val="accent6"/>
+          </a:lnRef>
+          <a:fillRef idx="1">
+            <a:schemeClr val="lt1"/>
+          </a:fillRef>
+          <a:effectRef idx="0">
+            <a:schemeClr val="accent6"/>
+          </a:effectRef>
+          <a:fontRef idx="minor">
+            <a:schemeClr val="dk1"/>
+          </a:fontRef>
+        </p:style>
+        <p:txBody>
+          <a:bodyPr rtlCol="0" anchor="ctr"/>
+          <a:lstStyle/>
+          <a:p>
+            <a:pPr algn="ctr"/>
+            <a:r>
+              <a:rPr lang="en-US" dirty="0" err="1"/>
+              <a:t>slo</a:t>
+            </a:r>
+            <a:endParaRPr lang="en-US" dirty="0"/>
+          </a:p>
+        </p:txBody>
+      </p:sp>
+      <p:cxnSp>
+        <p:nvCxnSpPr>
+          <p:cNvPr id="12" name="Straight Arrow Connector 11">
+            <a:extLst>
+              <a:ext uri="{FF2B5EF4-FFF2-40B4-BE49-F238E27FC236}">
+                <a16:creationId xmlns:a16="http://schemas.microsoft.com/office/drawing/2014/main" id="{8F1343DE-ECB9-18EF-CB14-659A553D0A9D}"/>
+              </a:ext>
+            </a:extLst>
+          </p:cNvPr>
+          <p:cNvCxnSpPr>
+            <a:cxnSpLocks/>
+            <a:stCxn id="41" idx="1"/>
+            <a:endCxn id="5" idx="3"/>
+          </p:cNvCxnSpPr>
+          <p:nvPr/>
+        </p:nvCxnSpPr>
+        <p:spPr>
+          <a:xfrm flipH="1">
+            <a:off x="3169173" y="1336379"/>
+            <a:ext cx="1048514" cy="78095"/>
+          </a:xfrm>
+          <a:prstGeom prst="straightConnector1">
+            <a:avLst/>
+          </a:prstGeom>
+          <a:ln w="25400">
+            <a:tailEnd type="triangle" w="lg" len="med"/>
+          </a:ln>
+        </p:spPr>
+        <p:style>
+          <a:lnRef idx="1">
+            <a:schemeClr val="accent1"/>
+          </a:lnRef>
+          <a:fillRef idx="0">
+            <a:schemeClr val="accent1"/>
+          </a:fillRef>
+          <a:effectRef idx="0">
+            <a:schemeClr val="accent1"/>
+          </a:effectRef>
+          <a:fontRef idx="minor">
+            <a:schemeClr val="tx1"/>
+          </a:fontRef>
+        </p:style>
+      </p:cxnSp>
+      <p:sp>
+        <p:nvSpPr>
+          <p:cNvPr id="15" name="Rectangle 14">
+            <a:extLst>
+              <a:ext uri="{FF2B5EF4-FFF2-40B4-BE49-F238E27FC236}">
+                <a16:creationId xmlns:a16="http://schemas.microsoft.com/office/drawing/2014/main" id="{ABFF063B-FFE4-D0BE-DE7C-62542D6396E7}"/>
+              </a:ext>
+            </a:extLst>
+          </p:cNvPr>
+          <p:cNvSpPr/>
+          <p:nvPr/>
+        </p:nvSpPr>
+        <p:spPr>
+          <a:xfrm>
+            <a:off x="4476860" y="5568209"/>
+            <a:ext cx="2103120" cy="320682"/>
+          </a:xfrm>
+          <a:prstGeom prst="rect">
+            <a:avLst/>
+          </a:prstGeom>
+          <a:solidFill>
+            <a:srgbClr val="E3E0B3"/>
+          </a:solidFill>
+          <a:ln>
+            <a:solidFill>
+              <a:schemeClr val="tx1">
+                <a:lumMod val="65000"/>
+                <a:lumOff val="35000"/>
+              </a:schemeClr>
+            </a:solidFill>
+          </a:ln>
+        </p:spPr>
+        <p:style>
+          <a:lnRef idx="2">
+            <a:schemeClr val="accent6"/>
+          </a:lnRef>
+          <a:fillRef idx="1">
+            <a:schemeClr val="lt1"/>
+          </a:fillRef>
+          <a:effectRef idx="0">
+            <a:schemeClr val="accent6"/>
+          </a:effectRef>
+          <a:fontRef idx="minor">
+            <a:schemeClr val="dk1"/>
+          </a:fontRef>
+        </p:style>
+        <p:txBody>
+          <a:bodyPr rtlCol="0" anchor="ctr"/>
+          <a:lstStyle/>
+          <a:p>
+            <a:pPr algn="ctr"/>
+            <a:r>
+              <a:rPr lang="en-US" dirty="0" err="1"/>
+              <a:t>cdc</a:t>
+            </a:r>
+            <a:endParaRPr lang="en-US" dirty="0"/>
+          </a:p>
+        </p:txBody>
+      </p:sp>
     </p:spTree>
     <p:extLst>
       <p:ext uri="{BB962C8B-B14F-4D97-AF65-F5344CB8AC3E}">
